--- a/lesson5.pptx
+++ b/lesson5.pptx
@@ -17,6 +17,23 @@
     <p:sldId id="264" r:id="rId11"/>
     <p:sldId id="265" r:id="rId12"/>
     <p:sldId id="266" r:id="rId13"/>
+    <p:sldId id="268" r:id="rId14"/>
+    <p:sldId id="269" r:id="rId15"/>
+    <p:sldId id="270" r:id="rId16"/>
+    <p:sldId id="271" r:id="rId17"/>
+    <p:sldId id="272" r:id="rId18"/>
+    <p:sldId id="273" r:id="rId19"/>
+    <p:sldId id="274" r:id="rId20"/>
+    <p:sldId id="275" r:id="rId21"/>
+    <p:sldId id="276" r:id="rId22"/>
+    <p:sldId id="277" r:id="rId23"/>
+    <p:sldId id="278" r:id="rId24"/>
+    <p:sldId id="279" r:id="rId25"/>
+    <p:sldId id="280" r:id="rId26"/>
+    <p:sldId id="281" r:id="rId27"/>
+    <p:sldId id="282" r:id="rId28"/>
+    <p:sldId id="283" r:id="rId29"/>
+    <p:sldId id="284" r:id="rId30"/>
   </p:sldIdLst>
   <p:sldSz cx="12192000" cy="6858000"/>
   <p:notesSz cx="6858000" cy="9144000"/>
@@ -115,6 +132,11 @@
       </a:defRPr>
     </a:lvl9pPr>
   </p:defaultTextStyle>
+  <p:extLst>
+    <p:ext uri="{EFAFB233-063F-42B5-8137-9DF3F51BA10A}">
+      <p15:sldGuideLst xmlns:p15="http://schemas.microsoft.com/office/powerpoint/2012/main"/>
+    </p:ext>
+  </p:extLst>
 </p:presentation>
 </file>
 
@@ -577,6 +599,1732 @@
 </inkml:ink>
 </file>
 
+<file path=ppt/ink/ink12.xml><?xml version="1.0" encoding="utf-8"?>
+<inkml:ink xmlns:inkml="http://www.w3.org/2003/InkML">
+  <inkml:definitions>
+    <inkml:context xml:id="ctx0">
+      <inkml:inkSource xml:id="inkSrc0">
+        <inkml:traceFormat>
+          <inkml:channel name="X" type="integer" min="-2.14748E9" max="2.14748E9" units="cm"/>
+          <inkml:channel name="Y" type="integer" min="-2.14748E9" max="2.14748E9" units="cm"/>
+          <inkml:channel name="F" type="integer" max="32767" units="dev"/>
+        </inkml:traceFormat>
+        <inkml:channelProperties>
+          <inkml:channelProperty channel="X" name="resolution" value="1000" units="1/cm"/>
+          <inkml:channelProperty channel="Y" name="resolution" value="1000" units="1/cm"/>
+          <inkml:channelProperty channel="F" name="resolution" value="0" units="1/dev"/>
+        </inkml:channelProperties>
+      </inkml:inkSource>
+      <inkml:timestamp xml:id="ts0" timeString="2021-07-15T06:19:27.990"/>
+    </inkml:context>
+    <inkml:brush xml:id="br0">
+      <inkml:brushProperty name="width" value="0.12095" units="cm"/>
+      <inkml:brushProperty name="height" value="0.12095" units="cm"/>
+      <inkml:brushProperty name="color" value="#FF0000"/>
+    </inkml:brush>
+  </inkml:definitions>
+  <inkml:trace contextRef="#ctx0" brushRef="#br0">1973 1352 24449,'-11'-16'-7575,"8"1"4821,-18 1 3497,18 4-1089,-15 1 1138,16 25-565,-6 0 676,8 25-2499,0-2 1893,0 7 142,0 6-947,0 5 979,19-1-1837,-14 3 1049,27-3-1033,-28-2 1230,25-3-227,-25-4 89,28-5 153,-19-5-636,14-6 1312,-5-6-413,-1-4 442,1-7 48,2-6 671,1-4 181,3-3 206,1-20 884,0 15-618,-1-45-874,0 20-565,-10-12 0,-2-5-505,-4 15 1,-1-1-194,4-25 1,-3-1-279,-7 22 1,-1 0-142,0-22 1,-1 2-994,-3-6 695,2 13 1,-4 4-207,-13 8-563,11-8 715,-12 55 2448,16 6-1870,-10 21 718,7 3-323,-7 4 360,10 8-406,0 3-247,10-16 0,1 0-924,-5 20-981,23-15 0,6-2 1133,-7-1-57,15-11 1,4-6 1268,6-4 1,-16-10 0,0-3 0,17-3 0</inkml:trace>
+  <inkml:trace contextRef="#ctx0" brushRef="#br0" timeOffset="309">2998 1541 23009,'-24'-38'-6411,"18"3"4404,-33 2 2038,35 4-969,-27 4 967,28 4-551,-13 5 1553,6 6-2571,7 28 2183,-7 0 921,28 24-2549,2 18 623,2-12-83,-6-2 1,0 0 125,9 8-36,-6-11 0,2-1-289,10 3 189,-4 8-981,-8-17 1789,-9-14-398,8 3 519,-16-34 577,5-19-575,-5-3 0,-4-5-355,-5 4 0,0-3-273,5-19 1,0-1 66,-6 20 1,1-1-744,6-23 0,2 2 901,-1-6-1051,8 16 1,5 5 1191,9 13 0,3-5 1,-8 34-1</inkml:trace>
+  <inkml:trace contextRef="#ctx0" brushRef="#br0" timeOffset="582">3525 1767 22830,'4'16'-8190,"2"-3"5077,-1-7 2827,8-23 2366,-2-3-1447,3-11 1,0-5-71,5-18-113,-1-3 1,0-3-802,-7 20 0,-3-1 1043,4-14 0,-1-1 150,-6 14 0,-2 2-477,-1 0 0,0-1-713,-1 3 0,0-1 63,-1-9 0,0 3-556,0-18 449,-7 22 1,-6 6-752,-13 12 960,1 24 1524,-9 25 323,30 28-1547,-9-7 0,-1 2 88,8-7 0,1 2-170,0 8 1,0 5-1,0-3-183,0-4 1,2 0-218,6 3 0,4 5 0,3-6-532,4-7 1,4-3-1059,2 13 1,4-4-108,2-18 0,1-4 2039,-3-1 1,1-2 0,1-2 0,2-2 0,1-1 0,0-1 0</inkml:trace>
+  <inkml:trace contextRef="#ctx0" brushRef="#br0" timeOffset="810">4518 1622 26068,'-27'0'270,"2"0"-360,7 0-3958,1 0 4048,26 0 0,7 0 0,23 0 0</inkml:trace>
+  <inkml:trace contextRef="#ctx0" brushRef="#br0" timeOffset="920">4652 1871 25168,'-23'20'770,"17"-1"-3521,-17-6 3712,23-3-696,-16-5 1,12-2-1,-13-2 1</inkml:trace>
+  <inkml:trace contextRef="#ctx0" brushRef="#br0" timeOffset="1509">6840 814 25258,'-20'-8'-1585,"-9"3"1618,-13 36 1317,-4 0-1205,15 17 0,1 8-406,5-16 0,0 2 160,-5 11 0,-2 8 0,3-5-134,1 1 1,1 2-349,7-11 0,-3 5 0,2 0 0,1-4 93,-2 12 1,1-2-43,5-8 1,0 2-1,2-4-712,1 3 0,4-4-10,1-2 0,3 0 1124,1-3 0,1 0 0,1-5 1,1-1-1,1-1 0,0 0 1</inkml:trace>
+  <inkml:trace contextRef="#ctx0" brushRef="#br0" timeOffset="2208">7425 1334 24089,'-6'-4'-3600,"2"2"4177,1 0-1873,2 22 287,0-2 354,1 24 32,0-5 445,-1 0 1,2 1-1462,11 24 1303,-11-17 1,1-1-153,4-9 0,0-2 293,-6 0 1,0 0 160,0 1 1,0 0-47,0 30 80,0-2-22,0-5 120,-8-20 1,0-1 575,4 14-376,-10-14 0,0-3 667,11-3-958,-10 0-139,4-19 1072,0-5 616,-2-19-2119,-1-5-474,11-19 660,-4 0 0,0-2-88,4 5 1,1-3 411,-1-9 1,0-6 0,0 3-400,-1-1 0,4 0 100,4 6 1,4-2-1,-3 3-508,-5-4 0,2 3 1251,17 1 0,0 1 45,-19 4 0,0-1 123,22-6 1,2 2 742,-8-14-572,9 21 0,3 5 1176,-2 8-148,15 6 449,-20 33-2356,4-11-31,-18 26 0,-4 5-646,3-3 155,-5 14 0,-1 3-272,-2 2-179,-8-6 0,-4-2-893,-13 5-220,4-4 0,-4-3 2439,-16-4 1,16 12-1,9-32 1</inkml:trace>
+  <inkml:trace contextRef="#ctx0" brushRef="#br0" timeOffset="2476">7973 1261 22830,'11'0'899,"-2"25"-6814,3 14 3345,-4 12 2080,-2-12 0,-1 1-111,1 13 364,-3-18 1,-2 0-37,2 14-1440,-2-2 109,-1-6 2292,0 9-46,0-18-71,0 7-488,0-23-165,0-23 9,0-25-81,0-15-157,0 4 0,0-1-104,0-17-104,8 7 0,1 0 196,-5-7 92,13 23 1,0 3 480,-13-3 0,28 8 0,-14 7 0</inkml:trace>
+  <inkml:trace contextRef="#ctx0" brushRef="#br0" timeOffset="2778">8825 1398 23909,'-49'-11'-1024,"-8"8"1272,13-9-718,-5 12 899,11 15 58,6 4 1,0 5-129,-7 17-405,11-3 1,4 0-466,11 3-570,6 22-386,32-32 782,5-9 1,4-4-256,28-5 471,-5-4 0,0-6 245,1-28 590,-12 11 0,-2-3 967,0-29-899,-18 17 1,-5-1 486,-6-7-1170,-8 0 0,-6 0-997,-20 4 875,-2-19 1,-2 40 0,6 0-1</inkml:trace>
+  <inkml:trace contextRef="#ctx0" brushRef="#br0" timeOffset="3492">9468 1428 23009,'-21'32'-1560,"15"2"-1166,-30-10 4537,32 3-3465,-23 2 2349,24 0-1735,-10 13 701,13-11-1258,0 14 548,0-24 738,17 1-1808,-13-15 1321,36-4 825,-20-3 1206,22 0-199,-10-19 1057,3 14-1084,-8-24 1,-1-3 317,14 3-399,-7-13 0,-2-5 570,2-6-1708,-13 14 1,-3-1-499,3-20 198,-12 27 0,-1 0-177,-1 0 1,-2-2 351,-1-15 1,-1 1-21,-1 12 0,0 0-175,1-18 1,-4 3-775,-16 2 153,13-7 537,-26 41 797,27 45-215,-20 5 246,22 16 0,2 6-159,-9-21 0,1 0 67,6 30 0,2 0-48,-4-25 0,1-1 326,1 11 1,4 0-508,5-6 1,3-3-1219,12 20 489,-1-16 1,4-2-759,12-2 1059,-9-12 0,2-4 200,9-6 675,14-1 426,3-15 913,-14-19-280,-9 4 0,-3-4 1670,0-20-1606,-9 7 1,-3 0 137,-6-10-221,0-22-1613,-12 27-784,0-4-470,0 16-821,-14 11 445,11 17 1399,-11 15 194,14 20-702,17-8-517,6 2 933,0-9 224,32-7 1183,-32-4-762,31-9 186,-27-6 174,1 0 1150,-6-21 1538,5-4-596,-10-23-1813,-3 5-1575,-9 6-563,-5 38-498,0 16-1306,0 39 810,0-11 1932,28-2 1,-5-16-1,26-3 1</inkml:trace>
+  <inkml:trace contextRef="#ctx0" brushRef="#br0" timeOffset="3692">11128 1438 24269,'-17'-19'-5495,"12"2"2162,-13 4 3311,1 7 953,13-1-1765,-26 7 2322,14 17-637,-13 14-892,14 10 560,-2 23 64,16-25-1407,10-5 1,2-1-1234,-4 2 1623,19-14 0,7-2-2230,17 4 2632,-18-17 0,2-2 0,3 2 0,-2-3 0,19-3 0</inkml:trace>
+  <inkml:trace contextRef="#ctx0" brushRef="#br0" timeOffset="3910">11632 927 25438,'0'-35'-6296,"0"6"4888,-17 6-221,0 33 4422,-3 3-2393,8 17 0,4 6-782,6 16 161,-5-16 1,0 3-576,6 5 1,1 1 701,-3-12 0,0 2-300,1 21 0,4 0 146,17 5-1528,-17-13 0,0-2-320,17 1 828,-12-8 0,-2-2 279,-2-6 1111,-11 10 1,2-31 0,-15-2 0</inkml:trace>
+  <inkml:trace contextRef="#ctx0" brushRef="#br0" timeOffset="4026">11388 1653 22110,'-33'-26'-4184,"0"5"3118,6-26-1011,3-7 298,12 11 1332,7 7 1,3 1 25,2-3 139,28-20-782,11 32 2094,16-4 71,0 17 825,-14 7 107,0 3-1521,-1 3 0,1 0 0,-1 0 0</inkml:trace>
+  <inkml:trace contextRef="#ctx0" brushRef="#br0" timeOffset="4328">12198 1266 24449,'1'-28'-5132,"0"4"3073,-1 5 911,0 5 370,-18 4 1188,14 24-429,-30-9 920,15 52-2036,0-31 1414,3 12 1,3 3 136,10 2-454,-9 14 462,32-6-1809,-15-14 684,33 15-770,-14-28 2225,11 8-1321,-13-19 771,-10 1-478,-12-5-150,-24-1 2344,-19 7-1549,-13-4 23,11 1 1,0 1 0,-12 5-1,19-6 1,0 1 0</inkml:trace>
+  <inkml:trace contextRef="#ctx0" brushRef="#br0" timeOffset="4466">13123 1900 24359,'0'0'0</inkml:trace>
+  <inkml:trace contextRef="#ctx0" brushRef="#br0" timeOffset="6426">14992 1628 25708,'24'5'-2252,"13"-1"1677,20-4 472,8 0-265,-2 0 51,-28 0 0,0 0-26,1 0 1,1 0-151,1 0 0,0 0 493,-2 0 0,0 0 0,0 0 0,-1 0 0,-1 0 0,0 0 0</inkml:trace>
+  <inkml:trace contextRef="#ctx0" brushRef="#br0" timeOffset="6592">15470 2075 23549,'-30'12'2921,"12"-3"-2250,-6-4-400,21-1-1524,14-3-135,53-15 1010,1-2-191,-24 6 1,5-3 0,-4 1 648,-3-1 0,-1 0 0,15-2 0,0 1 0,-15 3 0,0 1 0</inkml:trace>
+  <inkml:trace contextRef="#ctx0" brushRef="#br0" timeOffset="6830">16045 1447 23279,'-37'-14'-2762,"4"2"1881,0-3 1790,18 7-1395,20 0 715,0 21-2011,41-9 2491,-23 29-2393,25-29 2232,-10 32-1320,1-19 696,-14 8 1,0 2-525,11 6 121,-15-1 1,-2 0 523,2 11-2505,-11 15 1567,-3-12-1718,-26 4 2037,15 1-31,-17-25 0,-2 0 835,1 29 0,1-28 0,-1-1 0,-11 29 0</inkml:trace>
+  <inkml:trace contextRef="#ctx0" brushRef="#br0" timeOffset="7176">16795 2265 23999,'0'-34'-5576,"0"-4"3627,0 1 1155,17-8 1477,-13-6-547,17 23 1,3-2 192,-4-19 1,-1-4-185,5 11 1,2-2-376,-3-10 0,-2-6 0,-2 4 627,-1 0 0,-3-3-137,-4 11 0,0-7 0,0-4 0,-1 3 0,-3 5-24,0 1 0,-2 5 0,-1-5-240,2-14 0,0-7 0,-1 0 0,-2 11-220,-3 4 1,0 4-138,0 4 1,0-1 0,0 6-487,0-13 31,-15 5-347,-7 61 2966,-17 43-1370,22-19 1,1 6-348,1 8 1,1 6 0,1-2-39,2 3 1,2 3-492,2 3 0,1 9 0,1 1 0,1-7 187,1-16 0,0-5 1,3 5-231,6 13 1,5 8-1,1-1 1,0-10-36,1-3 0,4-5 190,2-6 1,5-1 0,0-3-1,0-2 1,1-3 0,2-1-1,-1 0 1</inkml:trace>
+  <inkml:trace contextRef="#ctx0" brushRef="#br0" timeOffset="7458">17745 1730 23189,'-31'-9'-1556,"5"2"1018,-30 7 1219,12 0-272,-2 0-137,0 18 851,-9 10-590,20 9-538,13-10 1,4 1-41,9 6-510,31 21-1765,4-27 1711,12-10 0,5-3-36,15 3 50,-18-13 0,2-2 246,0 3 0,-2-4 441,21-17 383,-19 5 1,-2-2 1150,-5-8 1177,-5-35-2209,-23 32-1022,-7-30-802,-23 23-688,17 2-617,-49 2-690,12-3 2906,-11 11 1,2 2-1,20 11 1</inkml:trace>
+  <inkml:trace contextRef="#ctx0" brushRef="#br0" timeOffset="7642">18228 1576 24269,'0'43'-5756,"0"-7"3627,0 0 1065,0 10 246,0-8-250,0-4 1,0 1-137,0 5 1059,11-7 0,0 0 1,-6 3-1,17 8 1</inkml:trace>
+  <inkml:trace contextRef="#ctx0" brushRef="#br0" timeOffset="7810">18820 1636 25078,'0'-13'-6295,"-17"3"5529,13 1-3005,-13 2 2344,5 3 1723,9 18 0,-19 3 0,9 16 0</inkml:trace>
+  <inkml:trace contextRef="#ctx0" brushRef="#br0" timeOffset="8026">17898 1091 24808,'-13'-46'-7392,"3"4"5056,5 1 1499,3-12 614,20 17 1347,4-14-418,1 29-13,16 2-1010,-11 13 1962,10 4-1562,12 19-123,-21 10 7,8 12 1,-12 5 0,-2-8 0</inkml:trace>
+  <inkml:trace contextRef="#ctx0" brushRef="#br0" timeOffset="8242">18622 793 23099,'7'-11'92,"-1"2"-332,0 9 795,-1 18-3174,1-13 1982,2 31-699,2-31 1582,2 36-2212,4-25 797,14 20 75,-2-9-942,36-14 2880,-16 0-893,-12-10 1,0-6 964,22-19-846,-26 13 0,0-3 304,1-8 1,-1-3 0,2 5 0,0-1 0,0 0 0,0-1 0</inkml:trace>
+  <inkml:trace contextRef="#ctx0" brushRef="#br0" timeOffset="8476">20195 2131 20851,'0'-16'-3193,"0"3"0</inkml:trace>
+  <inkml:trace contextRef="#ctx0" brushRef="#br0" timeOffset="17409">2060 4685 23999,'0'-15'-5846,"0"1"3808,-15 2 1624,11 2-1406,-10 2 3152,14 2-1606,0 21-89,0 12-1143,0 34 1506,0-5 7,-1-22 1,2 1-237,5 5 1,0-1 667,-3 22-920,4-10 1,-1-1 335,-6 2 190,0-6 0,0-3 45,0-5-90,0 16 165,0-39 101,-16 0 1587,0-12 290,-14-23-1468,16 0-1014,3-12 0,2-5-90,7-17 359,-2 13 1,-1-1-35,5 5 0,0 0 110,0-3 0,0 0-833,-1-1 1,2-2 1,10-18 0,6 1 846,-2 15 0,4-1 416,1 1 1,3-4 0,0 6 358,2 8 1,0 2-179,0-6 1,-1 2 641,7 1 183,-3 9 98,-1 7 121,1 8 42,-9 6-307,2 18-1908,-14 17-1125,1 28 221,-8 0 30,3 9 631,-11-26 0,-2-1-531,-11 23 361,11-11 0,-2 0-934,-17 7 1559,26-13 1,2-2 145,-12 3-1019,23-5 1,9-2 1219,20-3 0,-11-9 0,2-4 0,27-1 0</inkml:trace>
+  <inkml:trace contextRef="#ctx0" brushRef="#br0" timeOffset="17746">2972 4989 23819,'-25'-6'-1267,"7"1"645,-23 3 1134,2 1-283,8 1 68,-10 18 642,22 6-1053,0 21-805,15-7 94,1-1-212,3-10-455,23-2-58,-17-2 555,23-8 1,5-1-483,-9 3 1212,11-7 0,3-4 678,2-2 953,23-20 556,-29 12-99,2-33-349,-23 19-50,1-18-1597,-13 7-418,4-8-335,-6 10-759,-21-6-1361,15 13 352,-31 10 2476,33-4 0,-13 13 1,17-4-1</inkml:trace>
+  <inkml:trace contextRef="#ctx0" brushRef="#br0" timeOffset="18124">3415 4895 22560,'7'0'1439,"-1"0"-1349,-2 14-4416,-2-11 2397,2 33 488,1-17 238,6 40 358,2-20-250,3 1 0,3 0-1391,5-2 1187,2-4 1,3-5 1535,3-11-158,0-7 0,1-3 999,10-4-50,-5-10 1,0-6 1618,10-22-1382,-19 13 0,-2-4-236,0-16 1,-4-3-355,-6 15 1,-1-3 60,6-26 1,-3-2-484,-10 22 1,-2 0 85,2-28 1,-3-1-636,-4 29 0,-1 0-545,1-19 1,-1 3-976,-1 1 376,0-3 1810,0 30-1153,0 35 234,0 4 449,0 20 1,0 7-59,0 19 130,0-16 1,0 2 12,0-8 1,0 0-65,-1 2 1,2-1-286,5 0 1,2 2-621,1 13 1,0-1 262,-1-13 1,2-1-549,8 20 0,0-3-337,-3-1 1465,1-21 1,0-3 0,-5 0-1,-4-3 1</inkml:trace>
+  <inkml:trace contextRef="#ctx0" brushRef="#br0" timeOffset="18546">3930 4942 24718,'-23'-37'-7950,"3"3"5210,10 2 901,3-6 1072,7 13 375,30-7 1754,-4 18 132,29 1-1679,-5 5 859,-8 5 0,2 1 222,-10-1 0,3 3-110,24 10 1,0 2 7,-25-11 1,-1 4-504,4 14 0,4 9 0,-6-5-1268,14 3 427,-12 12 1,-8 2-1225,-17-8-306,-4 18 233,-10-23 629,0 6-33,0-14 827,0-1 201,-15-4 2008,11 4-1019,-10-7 1826,34 2-1649,11-10 554,13-2 16,2-17 738,12-5 42,-14 0-1973,-16 3 1,0-2 1167,15-5-1271,-22-11 357,9-6-491,-28 19-1160,-13-11-1574,7 17 290,-36-2 1093,9 13 690,-10 2 154,-9 22 1650,31 15-1271,1-3 1,2 4 746,12 26-716,7-16 1,3 0-936,18 9-413,-2-18 1,7-2 1274,13-2 1,5-6-1,-8-5 1,2-2 0,16 4-1,0 0 1</inkml:trace>
+  <inkml:trace contextRef="#ctx0" brushRef="#br0" timeOffset="20220">6102 4831 24718,'-32'0'-89,"1"0"89,2-15-1868,3 12 1795,5-24-2431,5 24 107,5-9 1965,6 31 0,30 12 0,9 21 0</inkml:trace>
+  <inkml:trace contextRef="#ctx0" brushRef="#br0" timeOffset="20330">6307 5359 23369,'0'9'319,"-15"-1"1,11-4 0,-11-3 0</inkml:trace>
+  <inkml:trace contextRef="#ctx0" brushRef="#br0" timeOffset="20742">7460 4501 25888,'-17'-29'-8105,"2"3"5676,3 6 1681,2 4 36,5 32 400,22 9 0,3 5-94,-10 32-206,23-18 1,2 0-1853,-10 16 1980,-1-29 1,2 0 155,-4 1 0,-2 0-160,1 0 1,1-1-62,1 0 0,1-1 614,-1 0 0,0 0 0,2-3 1,-1 0-1,1-1 0,-1 0 0</inkml:trace>
+  <inkml:trace contextRef="#ctx0" brushRef="#br0" timeOffset="21116">8525 4497 25438,'-41'-13'-1188,"15"5"1431,-11 12 1,-2 3 959,0-2-669,-3 30 0,0 8-613,-2-10 0,3 17 1,2 1-355,5-10 73,10-11 0,2-1 376,1 0-1351,-2 6-36,13-23 266,3-1 257,2-11 788,2-26-1337,0 4-298,1-27 1005,1 13 1,-1-1-426,0-25 658,2 17 1,-1 0-645,1-20 70,0 3-655,0 6 2707,0-5-22,0 26-642,17 4 787,4 48-767,12 3 252,1 25-942,-4-3 142,4 6-95,3 6-64,-18-26 1,2 1-679,12 13 1,1 1-15,-8-11 1,2 0 129,7 1 0,4 2 1,-1-4 907,-1-4 0,1-3 1,16 5-1,1-3 1,-13-12-1,0 0 0</inkml:trace>
+  <inkml:trace contextRef="#ctx0" brushRef="#br0" timeOffset="21298">9522 4450 24449,'-61'-7'447,"10"2"-709,-2 5 553,6 27 158,14-8 0,-1 4-417,8 4 1,0 3-204,-17 12 1,3 1-273,18-17 0,3 2-596,-9 16 0,4 1-3,9 3-65,7-11 1,3-3 540,5 0 1,26 1 0,6-18 0</inkml:trace>
+  <inkml:trace contextRef="#ctx0" brushRef="#br0" timeOffset="21628">9347 4708 22470,'5'0'360,"1"0"-181,1 20-4511,3-15 3734,2 33-1453,4-34 2582,17 42-1562,-3-30 544,1 5 1,3-1-568,14-9 741,-3-5 0,2-2 2091,14-4-1196,-20-8 1,-1 0 1870,17 4-1895,-3-33 1627,-4 20-1378,-21-6 0,-2-3 249,10-4-235,3-22-790,-28 22-950,-4-12-528,-8 21 162,-23 3-246,-1 13 534,-22 5 994,22 20-29,-12-15 620,32 52-1184,-13-35 689,13 16 0,8 2-752,17-7-338,-4-2 0,3-3-1302,30-7 2234,-9-8 0,1-3 1,16-4-1,-19-4 0,0 0 1</inkml:trace>
+  <inkml:trace contextRef="#ctx0" brushRef="#br0" timeOffset="22108">10638 4024 23099,'-6'-13'-8026,"4"6"6370,-8 1 2884,9 28-1418,-3-2 477,4 25-339,0-2-190,0 10-641,8-8 1,2 2 1014,-8-9 1,0 2-73,7 4 1,2 3-1,-3-3-480,-6-3 0,-1-1 367,3 10 1,2 0-620,5 11 346,-9-5 236,9-7-60,-6 4 216,0-20-293,1 4-489,-2-25-52,-1-3 189,0-26 977,2 13-116,1-26 0,-1-6 392,5 1-381,2-16 1,1-3 466,5-8-313,-5 21 0,2 0 827,6-11 103,1 3-623,9 1-100,-9 18 484,7 6 630,-2 18-71,-5 23-1611,14 15-378,-17 9-906,5 8-203,-12-8-103,-2 1-174,-3-1-339,-5-2-22,1-2 1530,-3-4 226,-17 8 1132,-9-11-759,-22 14 544,8-22 22,0 3 1,12-14 0,2-2 0</inkml:trace>
+  <inkml:trace contextRef="#ctx0" brushRef="#br0" timeOffset="22275">11435 4737 23369,'0'21'-2399,"0"-9"1,0-4 0</inkml:trace>
+  <inkml:trace contextRef="#ctx0" brushRef="#br0" timeOffset="22742">12203 4613 24449,'-19'21'423,"3"-1"-618,16 22-2516,0-5 1067,0 4 1111,0-7 0,0 1-202,0 21 470,0-8 0,0 1-1241,0 6 747,-1-11 0,2-1-587,13 3 758,-10 8 551,10-25-564,-14-3 691,0-6-90,0-2-1889,0-7 1322,-16-19 706,13-21-1032,-20-16 1,0-7 527,18 12 0,2-2 436,-9-13 0,-5-6 1,5 3-155,10 6 1,2-2 78,-5-9 0,0-7 0,4 6 215,11 6 0,2 1-13,-11 8 1,-2-2 0,6 5-136,17 2 1,-1 3 732,-19 5 1,2 1 6,18 6 0,4 2 2170,5-19-1109,13 23 1272,4 6-1028,-24 42-1826,12 15-894,-24 16-354,8 6 375,-18-24 1,-2-1-920,8 21 706,-6-12 0,-4 0-1959,-14 4 955,16-14 1,-4-2 510,-31-1 1710,17 0 1,-5-22 0,10-5-1</inkml:trace>
+  <inkml:trace contextRef="#ctx0" brushRef="#br0" timeOffset="23126">12790 3547 25798,'0'47'-5126,"0"0"3177,0-3 1552,0-6 0,0 1-152,0 27 336,0-6 0,0 1 61,0-23 0,0-1 96,-1 14 1,2-2-840,6-13 0,1-2 716,-6 0 1,0 1 50,4-3 0,2 2-58,-1 9 1,-2-1-136,-2 18 150,3-18 0,0-3-325,1-4-82,-6-1 226,6-21-174,-7-6 513,4-4 298,4-21 704,4 13-277,1-26 0,-1-8 199,9 3-100,0-14 1,0-2 136,6 0-224,-10 19 1,1 1 887,5-8-588,-8 19-544,4 3 15,-10 18 507,6 41-2539,-6-11 501,-3 15 1,0 4-1122,3 7 994,-5-17 0,1 1-571,2 1 0,1-2-1154,7 19 2440,-5-22 0,2-3 0,13 5 0,1-5 0</inkml:trace>
+  <inkml:trace contextRef="#ctx0" brushRef="#br0" timeOffset="23530">13662 4425 25258,'0'19'-4317,"0"-1"2459,0 35 973,0-3 247,0 9 212,0 8 319,0-33 0,0 2 6,-1 0 1,2 0-769,6 0 1,1-1 690,-6-1 0,0 0-41,13 8 1,0 0-445,-12 16 551,10-17 1,-1-3-394,-10-4-93,14 6-1153,-15-27 889,4-18 1505,-28-47-1404,-5-3 553,9-7 1,-3-2 29,-3 21 1,2 0 167,12-17 1,4-5-55,-7 17 0,-1-2 0,4 2 338,7-8 1,3-2-48,-4-2 0,-2-4 1,2 5-844,3 10 0,4 2 1274,9 3 1,5-2 0,1 6 1190,15-17-414,15 22 0,6 8 1682,10 10-1722,-21 7 1,2 5-251,1 15 0,-2 5-531,-11-6 1,0 3-154,16 20 1,-3 5-639,-1 13-327,-17-2 1,-5 2-1562,-6 14 654,-9-20 0,-3 0-1591,-4 17 1850,-12-28 0,-1-1-898,7 31 2137,-33-19 0,-5 0 1,26-12-1,-1-1 1,-24 9-1,1 0 1</inkml:trace>
+  <inkml:trace contextRef="#ctx0" brushRef="#br0" timeOffset="23666">14343 4832 28676,'26'0'-360,"-5"0"-1079,-5 0-4677,3 0 5876,-1 0 1,6 12 0,-1 3-1</inkml:trace>
+  <inkml:trace contextRef="#ctx0" brushRef="#br0" timeOffset="26059">2843 7332 26158,'-7'-27'-8552,"0"4"5872,1 5 1234,3 6 755,-2 6 701,4 34 421,-1 24-354,1-19 0,2 5-922,-1 20 0,0 1 1160,0-17 1,0-2-44,0 16 1,0 0 26,0-14 0,0-2-16,0 0 1,0 1-223,0-2 1,0 1-52,-1 15 1,2-1-118,5-15 1,1 0 26,-6 20 1,1-3 100,12-2-497,-14 10 386,0-41-719,-15-4 1958,-1-31-1070,-2-10-468,4-13 1,2-7 166,4 9 0,0-4 20,0-13 1,0-7-1,1 3 253,-2-2 1,3-2-26,7 9 1,2-6 0,1-1 0,-1 6 3,-2-13 0,3 2-340,8 9 0,6-2 0,1 2 468,-4 6 1,2 2-1,2 3 631,11-5 1,4 1-88,-5 3 1,3-2 0,-3 6 125,-3 9 1,0 4 259,13-9 0,-1 5 781,-2 9 341,6 4-119,-19 14-1002,-11 28-2758,-2 18-16,-10 14 1156,-14-24 0,0-1-291,7 22 301,-20-26 1,-3-1 17,6 29-131,-9-19 1,-2 0 259,-5 14 1258,9-12 0,1-2 691,1-2-817,-2 16-593,21-27-190,3 5-1311,25-3-61,-13-6 382,20 1 0,5 1-300,-6 7 328,14 2 1,2 1-435,3 11 278,-3-3 0,1 0 350,-15-15 0,-2-1 749,10 9 0,1-1 1,-9-10-1,-1-1 1,2 0-1,-1 0 0</inkml:trace>
+  <inkml:trace contextRef="#ctx0" brushRef="#br0" timeOffset="26359">4157 7971 24089,'-37'-11'-620,"-1"1"1,-20-4 541,19 8 0,1 2 153,-6 1 210,-11 3-37,23 23 192,4-17 188,7 37-1341,9-15 459,5 8-682,27-2-995,-16-9 1205,31-16 1,7-5 616,-7 9-220,7-10 0,0-6 257,7-16 1415,-5 15-350,-2-37 286,-9 7 616,-8-9-1068,-12-13-1688,-5 24-247,-36-14-1580,-5 30 345,0-10-942,-18 24 3258,25-6 0,-3 8 0,9 0 0</inkml:trace>
+  <inkml:trace contextRef="#ctx0" brushRef="#br0" timeOffset="26944">4667 7786 24898,'0'45'-6115,"0"-7"4166,0 8 705,0-4 695,0 2 34,0 2 301,0-3-14,0-1-1369,20 8 773,9-15 476,-1-11 1,2-4 613,21-5-126,-11-6 0,0-5 985,12-21-146,-15 9 1,0-3 997,15-29-1079,-25 20 1,0-1 273,-1-3 1,0-2-286,8-14 0,-1-3-330,-8 11 1,-2-1 57,12-22 0,-3 2-777,-2-4-398,-13 23 0,-3 3-845,-2 1 503,-7 9 459,0 11-108,-4 25-886,1 23 213,-2 14 260,0 12 36,0-7-4,0 3 217,16 1 18,-6-19 0,3-2-1065,20 17 1053,-6-18 1,1-3 174,11-7 146,1-12 0,2-9 1125,13-21 149,-18 5 0,1-5-91,2-19 1,-4-5 183,-7 10 0,-2-3-381,1-7 0,0-4 1,-4 1 148,-3 1 1,-4-2-163,-3-6 0,0-5 0,-4 4-328,-3 3 1,-2 0 59,-1-4 0,-1-4 1,-3 5-990,-9 6 0,0 2-55,8-11 1,-3 2 55,-11 12 1,-2 4-1145,0-13 192,-1-3 1319,-6 34 452,21 26 233,-7 52 143,10 0-413,0-1 0,0 2 143,0-28 0,0 1-184,-1 6 1,0 5 0,3-4-100,9-4 0,0-1-75,-10 13 0,4-1-707,16-16 0,0-2-819,-16 31 824,13-34 1,3-1 155,-10 5 1,-2 0-896,14 11 1373,3 9 0,-24-36 1,8 0-1</inkml:trace>
+  <inkml:trace contextRef="#ctx0" brushRef="#br0" timeOffset="27076">5883 7862 23729,'-15'-45'-8905,"11"2"7173,-12 7-226,16 4 2013,0 7-169,18 3 1187,18 3 454,9 8-1796,-2 5 0,1 3 2136,14 1-1650,-3 11 1,2 2 0,-23-9 0,0 0 0,11 8 0,0 0-1</inkml:trace>
+  <inkml:trace contextRef="#ctx0" brushRef="#br0" timeOffset="27359">6683 7929 22290,'1'19'-5060,"2"4"2665,1-8 769,11-1 1564,-1-10 1190,26-2 310,-9-25-615,11 3 0,2-2-255,4-22 330,-2 10 0,0 3 1436,-9-1-997,-12 8 1,-3 0 243,-3-1-1215,-5-5-960,-10 14-902,-4 2-568,0 5 341,-17 3 832,-2 5 648,-18 14 1157,6 12-400,12 9-581,7 7-121,12-5-452,0 4-80,0 1-1082,20 1-479,-3-13 0,2-2 1880,28 11 0,-19-14 0,2-2 1,16 2-1</inkml:trace>
+  <inkml:trace contextRef="#ctx0" brushRef="#br0" timeOffset="27512">7597 7659 25258,'-22'-6'-2903,"-7"1"1462,26-2 1191,-18 5 0,19-3 0,-6 5 0</inkml:trace>
+  <inkml:trace contextRef="#ctx0" brushRef="#br0" timeOffset="27700">7822 7874 26517,'-13'-17'-2949,"10"6"0,-10 4 0</inkml:trace>
+  <inkml:trace contextRef="#ctx0" brushRef="#br0" timeOffset="27846">7890 8371 22560,'-13'-14'-3518,"3"-2"1</inkml:trace>
+  <inkml:trace contextRef="#ctx0" brushRef="#br0" timeOffset="28176">8337 7561 23189,'-11'-10'-5931,"-1"-2"3844,3 3 755,1-3 112,7 7-222,0-1-159,1 3 2043,19 1 0,-15 1 0,15 1 0</inkml:trace>
+  <inkml:trace contextRef="#ctx0" brushRef="#br0" timeOffset="28400">8422 7996 26428,'-13'6'865,"2"-1"-760,2-4 0,5-1 0,1 0 1</inkml:trace>
+  <inkml:trace contextRef="#ctx0" brushRef="#br0" timeOffset="29476">9792 7572 24898,'0'-39'-6025,"-24"5"3113,18 7 1294,-44 7 2749,14 6-477,-13 7 372,-13 18 267,28-7-1071,-16 30 1671,34-5-695,-1 8-27,17 3-2222,0-14-61,26-1-488,16-2 96,12 1 1131,-14-18 0,-1-1-166,8 6 687,12-11 607,-25 0 1111,-6-18 542,-6-3-767,-11-20-1745,-3 2-478,-28 16-820,1-5-31,-21 25 1384,8 14 706,13 12-1137,6 12 1,3 4-605,8 20 887,-3-1 1,0 3 53,4-21 0,2 1 85,5 4 0,2 4 1,-1-3 111,-5-5 1,1-1-1033,17 10 1,0 0-292,-18-7 0,0-3 93,17 16 563,-18-16 0,-2-3 23,1-3-1143,0 6 1235,0-26-220,-15-19 1926,11-11-1634,10-43 618,-1 11 375,27 1 0,6-2-31,-22 18 1,0 0 67,20-12 1,3 1 94,-15 12 1,-2 1-36,2 1 0,0-1-370,0 2 1,2-2 867,9-10 0,0 1-392,-8 10 1,0-2-232,17-18 1,-1 0-312,-19 21 0,0 0 114,13-20 0,-1 1-285,-1-8-203,-13 19 0,-2-1 126,2-13 23,-7-2-562,-3 2 386,-7-16-824,-2 19 137,-2-16-483,-21 36 94,15-1 143,-33 20 1627,21 28 348,-4 1 168,8 24-582,2 19-257,8-10-225,8-5 1,1 1 11,-1 9-264,19-20 1,5-3-1351,-1 10 750,-2-25 1,4-2-488,15 16 907,-11-17 0,1-2 378,18 2 249,-9-8 0,1-4 1162,5-5-141,-9-19 1,-2-6 1064,2-4-1374,-16-2 1,-2-5-514,-6 2 0,-4-1 151,3-21-100,-7 4 1,-3 0-316,-4-11-54,-13 10 1,-1 0-1882,6-1 684,-11 19 0,-3 1-939,5-9 332,-2 16 868,-5 2 719,19 34 474,-7 22-21,9 1 0,2 4-52,-2-3 0,2 0-100,8 5 1,2 2-241,2 5 0,0-2 166,-2-10 0,3 1-664,16 23 0,0 0-530,-9 4 94,10-11 0,-1-1-341,-14-1 611,0-18 0,-1-2-567,-12 3 783,9-5-649,-12-6 1361,0-5 0,0-7 0,0-2 0</inkml:trace>
+  <inkml:trace contextRef="#ctx0" brushRef="#br0" timeOffset="29576">10968 7529 22560,'36'-36'-518,"-9"13"0,3 1 573,7 4 1,2 3 96,5-6 0,-2 3 0,-8 7 1,0 1-1,0 1 0,1-1 0</inkml:trace>
+  <inkml:trace contextRef="#ctx0" brushRef="#br0" timeOffset="29844">12397 6476 27417,'-40'-14'-1847,"-13"5"2226,17 24 596,2 6 1,1 6-936,10 2 1,2 6-212,-4 7 1,-1 5-1,2-1-149,3 5 0,1 0 137,3-5 1,0 2 0,2 2-581,5 3 0,3 1 0,1-2-67,-2 7 1,5 3-31,5-13 1,4 5 0,2-1 0,-1-4-1187,4 9 0,4 0 1837,2-12 1,5 4 0,0 0-1,0-6 1,8 10 0,1-4-1,-2-6 1,0 0 0,0 1 0</inkml:trace>
+  <inkml:trace contextRef="#ctx0" brushRef="#br0" timeOffset="30409">13203 6384 24449,'-23'-8'-3091,"0"2"705,-22 6 2711,12 18 1,13 3-1,9 17 1</inkml:trace>
+  <inkml:trace contextRef="#ctx0" brushRef="#br0" timeOffset="30559">13372 6335 24718,'-20'53'-1718,"3"-14"0,3 0 223,10 21-749,-4-1 0,1 2 2010,5-22 1,4 0 0,5 15 0,5-1 0,0-17 0,0 1 0</inkml:trace>
+  <inkml:trace contextRef="#ctx0" brushRef="#br0" timeOffset="31048">14457 7076 26338,'-11'18'-1282,"9"21"-1693,-9-17 2879,11 27-1174,0-4 483,0 11 97,0 9 440,-1-30 0,2 1-616,7 1 0,0 1 245,-6 15 0,0 0 502,5-13 0,1 0-448,-2 23 0,-2-2 449,-2 3 92,3-25 1,0-2-218,-5 3 315,0-8 63,0-7-1810,0-8 1334,-19-29 462,15-3-1051,-11-18 1,-2-5-48,0-21 683,9 15 1,0-4 64,-5-15 1,2-1 74,9 12 1,1-2 146,-3-7 0,-2-6 0,6 6 260,9 6 1,4 0-28,-4-1 0,1-4 0,3 7 723,6 10 0,5 3 60,0 1 0,4-2 0,-3 8 1117,17-2-751,0 10 0,-2 11 1242,-5 41-2243,-7-8 0,-3 4-372,-1 35-409,-10-4 1,-3 0-631,-3 5 287,-3-4 0,-6-1-756,-25-10 408,13-10 1,-3-3-1862,-15 1 2665,-11 2 442,37-16 532,-33-7 1,33-5-1,-14-3 1</inkml:trace>
+  <inkml:trace contextRef="#ctx0" brushRef="#br0" timeOffset="31312">15092 6849 25168,'0'42'-5216,"0"1"3177,0-3 1155,0 5 336,0 7 212,0 1 122,0 5-14,0-2-1369,0-2 1514,7-20 1,1 0-292,-4 11 567,12 7-408,-5-27-101,-8-6 22,8-5 11,-11-6 103,6-3 368,-1-29 249,6 2-593,-1-13 0,0-4 228,8-18 263,-4 16 1,2-3-685,6-9 1,0 0 395,-4 12 1,2-1 83,2-2 1,3-3-1,-2 5 1,0 6-1,0 3 1,7-9-1,0 0 1</inkml:trace>
+  <inkml:trace contextRef="#ctx0" brushRef="#br0" timeOffset="31610">15982 6882 25888,'-44'0'270,"5"0"-270,4 21 785,4-15-603,8 23 1,-1 4-921,-11-6 624,8 13 0,4 2-549,6 4 39,5-1 0,7 0-1029,22-2 406,-2-8 0,3-4-1252,24-12 1973,-7-10 0,0-3 502,10-4 172,-5-7 0,-1-6 914,2-15 128,10-9-56,-26-21-47,-5 17-1126,-14 5 0,-2 0-1576,3-6-137,-7-11 1171,-25 22 1,19 5-1,-18 4 1</inkml:trace>
+  <inkml:trace contextRef="#ctx0" brushRef="#br0" timeOffset="32426">16570 6938 24179,'-48'0'1079,"7"14"875,2-11-2047,6 37-443,0-16 678,2 24-741,2-5 212,6 1-94,9 2-363,0-2-814,12 11 35,-4-14 587,32 2-1284,10-15 1396,16-16 867,-17-3 1,1-6 513,10-18 271,-6 2 1,0-4 865,7-21-887,-5-10 0,-3-4-348,-19 22 1,-2-4 43,1-10 1,1-8 0,-5 4-338,-5 4 1,-4 1-450,3-17 1,-2-1-92,-4 14 0,-2 0-286,1 0 0,-1-3 481,-1 6 0,0-4 1,0 3-279,0-5 0,0 0 183,1-10 0,-2 1-166,-8 15 1,1 5-411,3-10 577,-12-1-271,6 37 591,8 45 391,-8 3-242,10 18 0,2 7-124,-1-19 1,0 1 128,-1 17 0,2 4-7,4-17 1,1 2 0,-1-3-112,-4 8 1,2 1-286,10 2 0,5 4 0,-3-5-121,-5-9 1,2-1-328,7 1 0,4 2 0,-1-6-148,-3-6 0,0-4 395,7 9 0,1-3-502,12 2 559,1-7 187,-1-10 480,15-8 1041,-16-7 771,21-31 890,-32 2-1483,-7-11 0,-4-4 282,-5-11-1169,-4 15 1,-4-3 491,-10-10 0,-2 1-1738,5-11 50,-3 15 1,-3 2-1169,-6 10-996,12 2 1213,-11 32 3076,15 33-1910,0 10 188,5-4 0,4 0 146,13 0-378,-3 14 269,20-27 783,-22-3-737,19-7-1901,1-5 2726,-9-8 220,18-3 791,-21-25 725,5 14 118,-11-38-1991,-3 21 520,-6-8 0,-1-4-517,5-8-348,1-18-568,-8 10-691,-1 15-477,-2-2-39,-1 20 990,-2 9 109,-1 23-46,2-10-704,0 40 199,3-22-292,3 24-567,8 9 398,0-12 344,1-10 0,4-2-294,7 0 609,17 4 1202,-8-25 0,6 2 0,1-7 0</inkml:trace>
+  <inkml:trace contextRef="#ctx0" brushRef="#br0" timeOffset="32648">18403 6922 24179,'0'-30'-4677,"0"1"3088,-20-3-31,-4 11 1495,-1 0 497,-31 16 983,34 19-461,-9-1 1,-1 4-278,4 22-73,10-4 1,2 1 239,5 12-668,16 4 0,3 0-875,-2-1-127,22-6 0,7-5-1398,-5-13 708,11-10 1,4-5-177,4-5 1117,-6-2 0,0-6 938,8-24 0,-17 17 0,-1-3 0,13-31 0</inkml:trace>
+  <inkml:trace contextRef="#ctx0" brushRef="#br0" timeOffset="32896">18888 6174 25168,'-25'-11'-2629,"-10"0"2775,31 5-2709,-12 0 3202,4 5 686,10 16-1821,-16 20 679,16 12-1627,-4 17 820,6-2 131,0-28 1,0 1 635,0 3 1,0 0-517,0 0 0,0 0-337,-1 2 1,2 1 278,9 13 0,0 0-419,-9-13 1,2 1 88,15 20 0,-1-1-949,-13 2 798,9-18 0,-1-3-171,-10-3-197,7 2 1218,-9-21 1,0-10-1,0-3 1</inkml:trace>
+  <inkml:trace contextRef="#ctx0" brushRef="#br0" timeOffset="33044">18588 6820 25438,'0'-18'-6116,"0"5"3808,22-6 3930,14 11-1578,-2 2 0,2 0 454,27 2-389,-20 1 1,-1 2-1,10-1 1,12 2 0</inkml:trace>
+  <inkml:trace contextRef="#ctx0" brushRef="#br0" timeOffset="33375">19553 6701 26517,'0'-25'-5935,"-16"4"3317,12 7 506,-28 8 3732,10 4-326,-7 17 378,-1-11-793,10 43-1602,0-24 1125,13 9 0,3 3 107,-5 4-229,15-5 1,7 1-2196,15 6 303,-3 13 365,-1-30 1,1-1-466,3 12 1362,-5-10 0,0-1-232,2-1 1029,-1 5-618,-22-18-207,7 3-495,-32-10 80,-11 3 725,-12-4 505,-3 1 1,10-2 0,0-1 0</inkml:trace>
+  <inkml:trace contextRef="#ctx0" brushRef="#br0" timeOffset="33948">20268 5640 26787,'33'-10'2825,"0"-1"-1978,17 0-711,-13 5-582,26 1-198,-31 27-1827,6-3 341,-21 26-1404,-8-2 1236,-5-1 0,-5 3 2080,-12-8 1,-3 1 0,4 16 0,-3 1-1,-12-13 1,0 0 0</inkml:trace>
+  <inkml:trace contextRef="#ctx0" brushRef="#br0" timeOffset="34110">20888 5950 26787,'6'-10'-4069,"3"4"4229,-7 3-2544,6 3 2473,-3 0 1,4 0 0,-1 0 0</inkml:trace>
+  <inkml:trace contextRef="#ctx0" brushRef="#br0" timeOffset="35293">7232 2381 23549,'-8'-12'-6285,"1"9"7338,1-8-2349,-6 1 1383,6 7 1156,-10-15-1765,11 16 1051,-4-10-2516,7 8 2569,0-3-1671,20 4 2429,16 2 0,7 1-553,-3-1 1,2 2-490,3-1 0,3 0 0,0 0 592,15 0 1,0 0-627,-13 0 1,1 0-1,2 0 428,5 0 0,1 0 1,5 0-253,-5 0 1,5 0 0,3 0 0,-1 0 0,-3 0 141,3 0 1,-4 0-1,2 0 1,7 0-542,-16-1 0,5-1 1,3 1-1,2-1 1,0 0-1,-1 0 0,-2 1 1,-5 0-6,6 0 1,-4 1 0,-2 0 0,2-1 0,6 0-4,-5-1 0,5-1 1,3 0-1,2-1 0,0 1 1,-2 0-1,-3 0 0,-5 1-28,7 1 0,-6 0 1,-2 1-1,1 0 1,2-1 2,3 0 1,2-1-1,2 0 1,0 0 0,-3 0-1,-4 0 29,8 0 1,-4 0 0,-2 0-1,1 0-33,-1 2 1,0 0-1,-1 0 1,0-1 18,-2-2 0,-2-1 0,2 1 1,2 0-25,-3 2 0,3 0 0,2 0 0,-3 1 0,-3-1 8,-3-1 0,-3 1 1,0-1-1,3 1-16,4 0 0,4-1 1,1 1-1,-3 0 1,-8 0 4,-3 1 0,-7 0 1,3 0-6,15-1 0,2 0 0,-8 0-59,-16 1 1,-3 0 57,5 0 1,-3 0-620,2 0 229,-18 0-3426,-3 0 7,-14 9 3891,-18-7 1,10 7-1,-10-9 1</inkml:trace>
+  <inkml:trace contextRef="#ctx0" brushRef="#br0" timeOffset="36360">14200 8520 25888,'43'-21'3635,"4"-11"-3281,0 17 226,-17 1 1,1 0-135,6 1 1,3 1-216,5 0 1,6 0-111,7 0 0,7 0 0,-1 1-140,-11 2 1,-1 1 0,9-1 27,-7 3 0,8-1 0,6-1 1,2 0-1,1 1 0,-5 1 1,-5 0-29,-4 0 1,-5 2-1,-1 0 1,2 0-1,7 0 11,-3 0 1,5-1 0,5 0 0,3 0 0,1 0 0,-1 0 0,-2 0 0,-4 1 0,-6 0-129,11 0 0,-7 1 0,-2 0 0,1 0 0,8 0 65,-12 0 0,4 0 0,4 0 0,2 0 0,1 0 0,-1 0 1,-2 0-1,-2 0 0,-5 0 9,3 1 0,-4-1 1,-3 1-1,0 0 1,3 0-1,5-1 35,-4 1 0,5 0 0,2 0 0,3-1 0,0 1 1,-1 0-1,-1 0 0,-4 0 0,-5 0-24,12-1 1,-6 1 0,-2 0 0,0-1 0,4 1 8,-1 0 1,2 0-1,1 0 1,1 0-1,-2 0 1,-3 0 22,2 0 1,-1-1-1,-2 1 1,-2-1 0,-2 1-21,-4 0 0,-4 0 0,0 0 0,3 0-92,1 0 1,3-1-1,1 1 1,-4-1-1,-8 1-137,12-1 0,-6 1-2610,14-1 1,-17 1 2367,-39 1 1,-14 20 0,-44 5 0</inkml:trace>
+  <inkml:trace contextRef="#ctx0" brushRef="#br0" timeOffset="66625">21157 7126 22650,'-6'-15'-8166,"1"0"5541,0 3 1425,1 1 603,0 1 360,2 1 486,1 3-204,1 2-22,0 1 669,13 2 1776,-9 20-2113,20 11 245,-21 13-369,3-6 1,-1 1-380,-5 18 175,2-17 1,-4 2-632,-12 9 0,-3 0 235,5-10 1,-2 2-1074,-11 6 0,-5 4 1,1-3 1622,1-2 1,0-1 0,3-7 0,-2 2 0,2-2 0,-3 2-1,0 0 1</inkml:trace>
+  <inkml:trace contextRef="#ctx0" brushRef="#br0" timeOffset="67359">22668 5658 25258,'4'-21'-3948,"-1"0"2284,-3 2 279,0 0 500,0-1 385,-19-5-216,15 5-111,-28-8-778,5 14 1965,-30 0 400,-1 10-30,22 2 0,-1 2 804,-26 17-560,29-16 1,0 2 199,-2 16 0,-1 2 159,-13-6 1,-1 1-309,13 4 0,1 3-421,-19 6 1,2-1 386,2 9-879,17-5 0,4 1-384,7 10-671,4 18-605,15-12-666,5 8-97,19 5 935,-4-11 0,4 1-77,2-11 0,2 2 669,1 7 1,2 4 0,-2-3-224,0-4 0,0 0 490,-2-6 0,0 3 0,-1-3-78,1 2 0,-2-3 205,-1 3 1,0-1 47,-2-2 0,-2 2 392,-2 13 0,0 0 56,-1-14 1,-2 1-18,-3 23 0,-3-2 108,1-27 1,-1-2 2,-2 18 0,-4-1 451,-15 0 586,12 10-417,-12-21 528,17-14-862,0 4-179,0-19-489,40-2 996,-7-7-1246,9-4 1,11-3 0,-4-1 586,-3-3 0,0-1 0,5 4 0,5 0 0,-4 0 1,1-1-1,0-1 0</inkml:trace>
+  <inkml:trace contextRef="#ctx0" brushRef="#br0" timeOffset="68193">28152 4838 25258,'-19'0'1170,"9"13"-1791,28 6-2333,5-2 1847,30 20 445,-5-20 616,-18 0 1,0 0-26,4-3 1,1-3-232,3 1 1,1-1 37,1 0 1,1-1 176,-1 0 1,3-1 736,15 3 1,-1 0-237,-15-3 1,-1 0-9,11 0 1,-3 0 40,7 4-106,-11-4-46,-7 0-223,-5 1-146,-13-5-53,-5 4-410,-12-6-502,-2 5-375,-1-1 262,-19 22 1113,14-9-744,-32 32 952,32-21-857,-22 29 947,25-19-318,-8 14 570,37-11-899,-20 5-479,19-24 1,3 1 499,-10 16 1,-2 2-507,7-10 1,1 1 601,-5 7 1,0 5 0,-3-3-504,-1-2 0,-2 1 599,1 6 0,1 6 0,-2-5-280,-3-2 1,-2-1 525,1 16 1,-1-2 100,-1-17 1,-1-3-125,-6-1 0,0 0 154,3-3 0,0 2 56,-3 9 1,-2-1 50,2-14 1,-2 1 164,-10 16 0,0-2 474,5-1-689,-20-11 1,-5-3 707,7-1-762,-2-11 1,-3-2 67,-11 2-328,-2-2 602,-4-3 1,-6-2 0,-2-3 0</inkml:trace>
+  <inkml:trace contextRef="#ctx0" brushRef="#br0" timeOffset="70350">23647 7297 23009,'5'0'991,"0"0"-542,-3 17-3811,-1 3 1451,-30 14 2884,4 2-591,-2-17 0,-4 0 97,5 4 1,-1 1-291,-7 3 1,-3 2 81,-3 2 1,-3 2-114,-6 2 1,-2 1 537,15-10 0,-2 0 0,0 1 11,-3 1 0,0 1 1,-1 0-503,-2 1 1,-1 1-1,-1 0-39,-1 2 1,0-1 0,-1 0-142,-2 2 1,1-1-1,-1 1 14,-1 0 0,1 0 1,-1-1 12,0 1 1,-1-1 0,1 1-100,-1-1 1,0 0 0,1 0-214,0-2 0,-1 0 0,2 0-151,0-1 1,0 0 0,0 0-83,3-2 0,-1-1 1,2 1 505,1-3 0,1 1 1,1-1-1,2 0 0,1-1 1,1 0-1,-18 10 1,0 1-1</inkml:trace>
+  <inkml:trace contextRef="#ctx0" brushRef="#br0" timeOffset="71060">14465 10185 25978,'-16'-18'-6504,"13"3"4389,-13 6 2793,16 22-1159,0 5 131,0 25 36,0 4 163,7-2 0,2 4-756,-8-9 0,1 3 778,7 8 0,2 7 1,-2-4 90,-8-1 1,1 2-650,5 6 1,3 7-1,-2-6 206,-6-3 0,-1 2-339,3-3 1,2 8 0,-1 1 0,-1-8 151,-3 7 1,0-2 675,3 1 1,0 4 0,0-8 0,-3-14 0,-1-5 0,3 0-1,-1 0 1</inkml:trace>
+  <inkml:trace contextRef="#ctx0" brushRef="#br0" timeOffset="71296">15018 10203 26248,'0'-32'-6566,"0"4"4618,-18 10 1041,13 33 1225,-24 6 10,26 16 1,4 5-1006,-12 20 507,10-18 0,2 1-953,-1-8 0,0-2 853,0 2 0,0 0-45,0 1 0,0 0-39,0-1 0,0 0-407,-1 0 0,2 0-274,8-2 1,-1 1 1013,-5 13 1,-1 1 0,6-13-1,1-1 1,-9 11 0,0 0-1</inkml:trace>
+  <inkml:trace contextRef="#ctx0" brushRef="#br0" timeOffset="71692">14527 11013 24269,'14'-16'-524,"-3"-2"-504,2 1 904,1-3-146,14-1 916,2-2-564,7-1-428,7 0-31,8 0-231,-11 12 1,3 1 742,-11 2 1,0 2 0,12-1 0,-1 2 0,16 3 0</inkml:trace>
+  <inkml:trace contextRef="#ctx0" brushRef="#br0" timeOffset="72010">15525 10863 24449,'-13'-9'-4985,"1"2"3754,-2 30 1784,-3-17 1757,15 44-3858,-15-11 1335,9 13-124,2-8 1,1 0-1019,-1-1 1193,15-5 1,1-2-646,-5-9-464,33 1-474,-11-20 2841,21-2-437,-8-24 1310,-5 14-362,-12-53-789,-4 32-504,-12-12 1,-3-1-207,4-1-1671,-8-27-326,-18 32-1147,13-8 2361,-29 19 0,30 5 1,-11 1-1</inkml:trace>
+  <inkml:trace contextRef="#ctx0" brushRef="#br0" timeOffset="72543">15865 10814 23189,'0'47'-5935,"0"-9"3986,0 2 975,0-8 335,0 1 213,0 0 122,16-1-466,-12-3-1096,13-1 1427,-5-3-25,-9 3 425,10-10-170,-2 2-809,-8-13 27,13-2 2264,-15-22-1122,14-10 1259,-9-12-550,16-23 194,-10 20-12,6-14-80,-6 22 523,-3 3-1807,0 8 1441,1 4-984,-3 9 1087,3 22-1924,-4-7 671,0 54-573,-1-33-443,-1 37 349,0-28-288,-2-1-14,1-3-446,-1 2 1440,0-17-508,2 10 346,-1-20-342,3 5-9,1-7 1328,4-4 861,2-23-569,1 18 1460,2-43-1772,9 8 758,-6-11-654,-4 15 1,0 1 343,0-5-252,6-13-1680,-11 29 566,2 5-1044,-4 30 128,5 17-1079,-4 9-1205,10 26 516,-6-19 2459,6 17 0,0-18 0,0 0 1</inkml:trace>
+  <inkml:trace contextRef="#ctx0" brushRef="#br0" timeOffset="72892">16770 11094 24269,'-10'13'-1156,"27"-22"2962,4-16-2256,7-12 478,12-10 120,-20 16-93,5-22-202,-9 22-542,-16-17-596,0 25-799,0-4 789,-25 17 815,-3 4 289,-24 29 1181,25-1-673,4 9 0,5 5-954,13 11-149,-5-2 0,1 0-175,9 12 841,10-19 1,3-1-1,10 14 1,-1-25 0,0 0-1</inkml:trace>
+  <inkml:trace contextRef="#ctx0" brushRef="#br0" timeOffset="73342">17878 10009 24898,'-29'-21'-4512,"-22"6"5430,14 6-450,-13 38 1329,0 5-1568,31-2 0,3 4-494,0-1 0,0 0 46,0 3 1,2 4-249,4 1 0,2 3 0,1-1 117,-1 6 0,2 3-319,0 2 0,1 6 1,8-6-377,11-8 1,6-2-508,-3 2 0,2 2 1,4-6 16,13-8 0,5-4 1483,3 9 0,1-4 0,-9-16 0,-1-4 1,3-2-1,-1 1 0</inkml:trace>
+  <inkml:trace contextRef="#ctx0" brushRef="#br0" timeOffset="73709">18457 10224 25258,'-13'52'-4009,"2"-7"2430,11 8-104,0-4 763,0 5 246,0 5 14,0 1-274,-1-17 1,2 0-1439,16 22 1137,-17-12 0,4-2-242,28 5 1382,-30-20 1,-1-2 0,15 8 0,-16-1 0</inkml:trace>
+  <inkml:trace contextRef="#ctx0" brushRef="#br0" timeOffset="73862">18280 10788 22560,'23'-35'-1675,"-17"0"-1111,43 2 4606,-26 2-2220,25 2 520,-18 12 1,0 0 355,18-6-355,-4 9 0,0 2 0,6 4 0,17 2 0</inkml:trace>
+  <inkml:trace contextRef="#ctx0" brushRef="#br0" timeOffset="74159">18973 10726 22380,'8'39'-7158,"-4"0"5003,2 2 1858,-4-5 0,0 1-92,2 9 469,-2-6 1,1-2 267,1-10 471,2 7-2734,-2-23 1805,3-2 149,-3-8 1000,5-24-361,8-13 418,-3-14-760,1 8 1,0 0 641,3-17-534,-3 6 1,-1-1 645,1-10-730,-6 22 0,-1 1-804,2-11 219,0 5-197,-2 9 942,2 0-406,-2 17 320,5 2 287,-2 16 971,2 24-2532,1-16 1325,-1 44-1453,6-25 239,-1 28-1164,3-8-270,0 3-142,-5-12 1,1 1-2010,8 19 4289,-8-19 1,1-1-1,8 12 1,1 0-1</inkml:trace>
+  <inkml:trace contextRef="#ctx0" brushRef="#br0" timeOffset="75059">24272 7456 25438,'-27'0'269,"3"-1"297,2 1-190,7 0-61,3 20-812,7 1-391,3 24 202,21-8 1,6 1-326,-8-6 0,3 2 486,16 8 0,9 3 0,-1-3-214,0 0 0,3-2 436,-2-5 0,7 2 0,1 0 0,-3-4-209,-4-4 1,-1-4 0,5 2 160,0-1 1,6 2 0,3 1-1,-2-2 1,-4-2 95,8 2 0,-4-3 0,2 1 247,-1-1 0,1 1 0,3-1 0,-2 1-254,1-1 1,0-1-1,-1 0 1,-3 0 345,3 1 0,-4-1 0,3 1 0,-6-1 0,4 0 0,-2 0 0,-4-1 1,-6-1-1,0 0 0,-1-1 0</inkml:trace>
+  <inkml:trace contextRef="#ctx0" brushRef="#br0" timeOffset="75926">23407 10090 23459,'-24'57'-1198,"1"-26"1,3 1 801,15 33-312,-17-26 1,-2 0 513,15 5 1,2 1-197,-5 3 0,-1 0 196,-2 3 0,2 1-84,11-2 1,0 0-340,-10-1 1,1 0 215,9 13 0,2-1-67,-4-17 1,0 0 252,4 20 0,0-3-453,0-1 582,7-20 1,1-3-948,-4-5 167,11-3-229,-15-39 764,0-22 174,0-17-53,-8 1 1,-1-3 93,6 14 1,1-2 96,-3-10 0,-2-6 1,2 4 167,5 0 0,0 0-108,-1 6 0,0-3 0,3 1 231,6-2 0,2 0 1,-2 3-138,-7-8 1,5 1 54,16-2 0,8-2 1,-2 6 371,-11 9 0,3 4 0,12 1 0,8 0 1,-3 6 503,-7 9 1,0 3 94,8-2 1,2 4 178,-5 9 1,-1 7 229,13 19-1207,-14-2 1,-5 5-658,-3 27-497,-14-9 1,-3 1-952,-2 15 661,-14-7 0,-7-1 120,-1-17 1,-3-2-1,-2 8 0,-4 0-243,-9-5 1,0-2 1335,-3 14 0,1 3 0,24-19 0</inkml:trace>
+  <inkml:trace contextRef="#ctx0" brushRef="#br0" timeOffset="76226">24308 10066 23459,'2'51'-6313,"0"-11"4177,-22 10 2684,16-8-966,-16 3 922,8 4-540,9-2-269,-10 16-995,13-19 1911,0 18 1,0-34-155,0 4-951,0-19-294,0-42 109,0 4 389,0-17 1,0-4-367,0-10 492,6 17 1,2-3-201,0-3 1,0 1 156,0 10 1,1-1-114,11-19 1,0 1 119,-3-1 434,2 21 0,3 4 0,5 0 0,3 6 0</inkml:trace>
+  <inkml:trace contextRef="#ctx0" brushRef="#br0" timeOffset="76546">25083 10160 23459,'-37'-16'-2691,"-2"3"2455,-23 13 1192,13 0-382,-14 0-191,21 20 570,2 0-75,5 19-839,-3 14 461,16-11-558,12-5 1,2 0-1055,5 4-255,28 21-1035,19-33 657,14-4 1135,-24-19 0,0-3 708,23-3 299,3 0 29,-16-6 0,0-5 422,-11-2 1,-1-4-83,17-9 0,-4-4 288,-21 5 0,-4-3-1005,5-9 1,-5-1-582,-7-7-1106,-6-14 1138,-7 8 1,-20 15-1,-6-7 1</inkml:trace>
+  <inkml:trace contextRef="#ctx0" brushRef="#br0" timeOffset="77343">25992 10005 23369,'-31'17'2303,"-24"-12"-2333,30 37-1431,-28-18 2428,14 23-1409,1-7 464,16-11 1,2 1-422,-1 18 57,9-11 1,3 0-1167,9 5-241,0 7 633,29-21-1060,-4-6 996,29-4 1041,-17-13 0,0-2 411,25 2 110,-7-15 0,1-4 428,-22 6 0,0-4 221,20-16 1,-3-4-207,-22 10 0,-2 0-72,7-7 1,-4-3 325,3-22-1147,-7-3-305,-16 25 0,-2-2-343,-1-19 1,-2-1-238,-1 11 1,-3-3 250,-5-4 1,-3-5 0,1 4-106,5 4 1,-2 2 36,-15-14 0,1 2-1,15 22 1,0 3-82,-14 1 0,0 2-407,12-18 755,-26 6 273,26 18 51,-10 32 2387,14 34-1727,0 18-285,9-24 1,3 2-160,-1 12 1,1 0-36,-1-12 1,3 2-176,3 4 0,2 4 0,-3-5 4,-7-5 0,1-1-42,19 22 1,1-2-2300,-3 2 1871,0-12 1,1-3 233,-1-6 244,-2-11 0,1-3 496,-6-14 524,15-2 627,-16-26 935,3 12 85,-8-37-1347,-2 19 293,-4-24-40,-1-9-910,-4 14-910,-2-21-274,-1 34-825,0 20-460,0 35 1370,0 39-357,0-4 659,9-18 1,1-2-685,-5 9 485,16-20 1,2-1 41,-3 6-459,23-6 1097,-9-7-15,2-9 419,-1-1 337,1-11 694,11-10 780,-14 5-1241,-8-21 1,-2-5 648,-2 2-1387,-8-2 0,-4-4 568,-1-28-1151,-5 15-18,-1 11 1,-3 0-1406,-18-4-914,14 3 62,-25 20 1791,27 29 48,-8 16 809,11 10-908,0 6-236,18 7-135,-13-12 563,23-8 0,5-2 336,-1 1-367,1-12 0,3-2 705,13 1 1,2-7 0,2-5 0</inkml:trace>
+  <inkml:trace contextRef="#ctx0" brushRef="#br0" timeOffset="77559">27910 9994 23819,'-23'-24'-5392,"17"5"1679,-17 5 4085,8 3 5,11 5-1293,-28 1 2199,28 23-1251,-23 10-150,25 12 199,-9 23 539,11-23-1207,0 15-177,23-20 414,-17-4-1858,44-2 1883,-27-6-1454,26-5 2039,-8-9-327,22 0 835,-14-8-271,13 3 1,-22-23 0,-2-5 0</inkml:trace>
+  <inkml:trace contextRef="#ctx0" brushRef="#br0" timeOffset="77778">28352 9604 23459,'-20'-8'-1563,"-4"2"1559,-11 4 772,3 20 653,6-14-1142,8 23 0,0 6-901,-9-4 502,7 17 0,3 4-941,2 7 845,7-4 0,2 2-1011,3 8-333,24-1 1,7-2-1711,3-3 1600,15-10 1,5-7 355,2-13 1330,-5-14 1,0-3-1,9-3 1,-19-7-1,0 1 1</inkml:trace>
+  <inkml:trace contextRef="#ctx0" brushRef="#br0" timeOffset="78158">28702 9275 23279,'-39'0'810,"9"19"238,6-14-521,10 39-2322,3-21 900,6 24-403,1 17 240,4-11 260,0-17 0,0 0-798,0 18-360,18-4-689,-14 1 2096,13-19 0,0 1-854,-13 12 928,11-11 1,0-1-552,-12-4 355,11 4-416,-14-18 458,0-3 845,0-3-622,-20-4 3083,-12-2-453,-11-2 251,-7-20-833,-9-8 299,17-10-1566,-13 1 595,27-6-1177,12 12-2377,6-21 519,34 23 1927,-1 4 1,5 3 508,0 7 0,6 3-501,10-2 1,6-2 0,-3 3 412,-7 4 0,-1 1 0,25-4 0,-2 3 1,5 6-1</inkml:trace>
+  <inkml:trace contextRef="#ctx0" brushRef="#br0" timeOffset="78866">29495 9114 23549,'-18'-21'-6006,"14"3"2690,-14 3 3417,18 0 664,0 7-915,0 19-85,0 23 149,0 15-1511,0 16 1684,1-17 0,-2 2 217,-8-11 1,-1 3-327,8 7 0,3 6 0,-5-4 231,-14-3 0,1-1-24,14 14 0,2 2-78,-6-5 0,-1-3 39,1-14 1,3 0-89,2 20 1,1-4 20,-10 1-74,10-20 0,2-3-106,-1-3-227,0 0-43,18-20 587,-13-4-917,32-5 832,-4-1 706,9-2-735,-6-8 0,1-4 1404,10-5-1105,-3-2 0,1 1 47,7 2 0,-17 3 1,-1 1-1,14-2 1</inkml:trace>
+  <inkml:trace contextRef="#ctx0" brushRef="#br0" timeOffset="79077">30105 9942 24988,'0'-11'-5306,"-14"2"4555,10 2-1636,-10 2 3054,14 0-1305,0 21 183,0 9-66,0 12-1795,0 5 967,0 3 326,14-9-506,-10 17-177,20-26 1543,-21 3 0,7-16 0,-10-1 0</inkml:trace>
+  <inkml:trace contextRef="#ctx0" brushRef="#br0" timeOffset="79230">30128 9330 23099,'-13'-8'-6422,"3"24"5229,31-12 0,-16 38 0,16-17 0</inkml:trace>
+  <inkml:trace contextRef="#ctx0" brushRef="#br0" timeOffset="79509">30627 9475 24269,'-15'-16'-5880,"-4"-2"3877,-15 16 4088,3-4-1233,12 23 121,-2-12 247,19 35-2251,-7-19 193,9 23 824,0 16 50,20-11-1173,-7-6 1,0 1-571,13 8 704,-5-20 0,-1 0-830,1 21 1357,2-18 57,3 9 36,-24-27 109,8 3 99,-10-12-1850,-18 4 2809,-10-3-157,-11 3 1,-2-3-1,8 0 1</inkml:trace>
+  <inkml:trace contextRef="#ctx0" brushRef="#br0" timeOffset="79660">31497 9966 28226,'-17'-18'-2327,"13"4"0,-12 14 1</inkml:trace>
+  <inkml:trace contextRef="#ctx0" brushRef="#br0" timeOffset="80560">31155 8993 23909,'-12'6'3704,"-4"1"-2234,14 6-4641,-17 13 2696,11 1-67,-5 14 1,-2 3-284,1 11 443,3-7 1,2 0-833,-2 15 340,7-30 1,0 1-266,0 2 0,1 0 820,0 2 1,0 1-584,1-2 1,1 3-51,0 14 1,0 1 205,1-15 0,-1 0 615,-1 22 1,4-3-1,19-1 1,-8-23-1,0-1 1</inkml:trace>
+  <inkml:trace contextRef="#ctx0" brushRef="#br0" timeOffset="80746">30802 9453 26607,'-11'-14'-7188,"4"0"3912,3 3 1491,20 2 4156,34-3-1616,14 6-866,-19 2 0,4 1 196,-2 1 0,4 2 0,-2-1 0,12 0 0,2 0 0,-5 1 0,1 0 0,-1-1 0</inkml:trace>
+  <inkml:trace contextRef="#ctx0" brushRef="#br0" timeOffset="83443">22667 11912 21480,'22'0'270,"1"0"-180,11-17 1226,5 13-1032,14-27 280,11 28-298,-24-13 0,2-1 24,7 9 0,2 1 185,9-10 0,2 0-245,-15 8 0,1 1 0,1 0-67,5-1 1,1 1 0,2-1-258,4 0 1,0 0 0,6 0 193,-7 1 0,5-1 1,3 0-1,0 0 1,-4 1-89,-9 2 0,-3-1 1,1 1-1,2 0 0,5-1 3,-1 0 1,5 0 0,4 0 0,2 0-1,1-1 1,-2 1 0,-2 0 0,-5 1-76,-2 0 1,-3 1-1,-3 0 1,0 0-1,4 1 1,5-2 50,-8 2 1,6-1 0,2 0 0,2 0 0,2 0 0,0 0-1,-1 0 1,-2 1 0,-3-1 0,-3 1-41,10 0 0,-3-1 1,-4 1-1,1 1 1,0-1-1,4 0 34,-5 0 1,2 1 0,2-1 0,1 1-1,0-1 1,-2 1 0,-1 0 0,-4 0-34,3 0 0,-3 0 0,-2 1 0,0-1 0,-1 1 0,1-1 32,0 1 1,0-1 0,0 1 0,-1 0 0,1 0 0,-1 0 20,8-1 0,-2 1 0,1-1 0,1 0 1,2 1-25,-8-1 0,2 1 0,2 0 0,0-1 0,0 1 0,-3 0 0,-2-1 36,6 1 1,-4-1-1,-1 0 1,1 1-1,5-1-14,-3 0 1,4 0 0,3 0 0,1 0 0,-2 0 0,-4 1 0,-6-1 36,5-1 0,-7 1 0,-1 0 0,4-1 0,6 0 0,4 0 1,2-1-1,-4 1 1,-7-1-20,-2 1 0,-6-1 0,3 0 9,5-1 0,4 0 1,0-1-1,-8 1 47,9-2 1,-3-1 16,-11 2 1,1 0 0,0 0-56,-5 0 1,0-1 0,-3 2 69,6-2 1,1 0-52,1 1 1,3-1-1,-4 1 54,-7 2 1,-2-1-111,10 0 0,-1 0 35,14 0-78,-7-1 91,-2 1-139,-20 2 0,-1 0-3,15-1 90,-13 2 0,-2 1-209,1 0 84,12-1-4,-28 3 57,4-1-139,-15 1 96,-1 0-185,-4 0 202,0 0-131,-1 0 110,0 0 106,1 0-106,1 0 14,4 0 107,0 0 0,9 9-1052,-3-6 701,12 7-342,-6-10 693,11 0 0,-11 0 0,3 0 90,0 0-180,-7 0 1142,9 0-702,-13 0 344,6 0-694,-7 0 90,4 0-180,-5 0 90,2 0 90,-6 0-90,-1 0 0,-2 0 0,-1 0 0,-2 0 0</inkml:trace>
+</inkml:ink>
+</file>
+
+<file path=ppt/ink/ink13.xml><?xml version="1.0" encoding="utf-8"?>
+<inkml:ink xmlns:inkml="http://www.w3.org/2003/InkML">
+  <inkml:definitions>
+    <inkml:context xml:id="ctx0">
+      <inkml:inkSource xml:id="inkSrc0">
+        <inkml:traceFormat>
+          <inkml:channel name="X" type="integer" min="-2.14748E9" max="2.14748E9" units="cm"/>
+          <inkml:channel name="Y" type="integer" min="-2.14748E9" max="2.14748E9" units="cm"/>
+          <inkml:channel name="F" type="integer" max="32767" units="dev"/>
+        </inkml:traceFormat>
+        <inkml:channelProperties>
+          <inkml:channelProperty channel="X" name="resolution" value="1000" units="1/cm"/>
+          <inkml:channelProperty channel="Y" name="resolution" value="1000" units="1/cm"/>
+          <inkml:channelProperty channel="F" name="resolution" value="0" units="1/dev"/>
+        </inkml:channelProperties>
+      </inkml:inkSource>
+      <inkml:timestamp xml:id="ts0" timeString="2021-07-15T06:23:23.750"/>
+    </inkml:context>
+    <inkml:brush xml:id="br0">
+      <inkml:brushProperty name="width" value="0.09071" units="cm"/>
+      <inkml:brushProperty name="height" value="0.09071" units="cm"/>
+      <inkml:brushProperty name="color" value="#FF0000"/>
+    </inkml:brush>
+    <inkml:brush xml:id="br1">
+      <inkml:brushProperty name="width" value="0.12095" units="cm"/>
+      <inkml:brushProperty name="height" value="0.12095" units="cm"/>
+      <inkml:brushProperty name="color" value="#FF0000"/>
+    </inkml:brush>
+    <inkml:brush xml:id="br2">
+      <inkml:brushProperty name="width" value="0.12095" units="cm"/>
+      <inkml:brushProperty name="height" value="0.12095" units="cm"/>
+    </inkml:brush>
+  </inkml:definitions>
+  <inkml:trace contextRef="#ctx0" brushRef="#br0">1780 1407 8612,'-10'-16'1079,"1"0"-629,0 0-180,-2 0-90,1 2-180,0 2-90,1 2 270,4 5 180,1 2 89,2 2-449,1 18 0,-1 18 0,2 12-358,0 15 358,0-6 0,0 6-45,0-16 0,0 1 90,0-11 0,0-1-760,-1 9 0,2 0 715,17 9 0,-13-4 0,29-8-90,-9 6 0,9-17-451,5 2 361,-9-20 270,3-6 88,2-3-178,20-24 0,-13 16 0,-7-26 0,-4-5 1208,1 4-1119,-8-14 1,-4-4-1415,-4-5 1504,-7 19 1,-1-1-180,-4 3 1,-1 1-1,1-14-51,-1-12 51,-3 34 243,0 29-423,0 23-585,9 3 1,5 2-135,14 21-91,0-15 1,2-3 709,16 8 280,-19-15 0,0-2 0,14 5 0,2-2 0</inkml:trace>
+  <inkml:trace contextRef="#ctx0" brushRef="#br0" timeOffset="418">2903 1563 8432,'-17'-7'1349,"13"27"-1259,-13 20 180,17 16-270,0-12 0,0 1 0,0 14 0,0 4 0,0 0-579,0 0 579,8-6 0,2-2 279,-6-9-234,12-13 0,0-2 135,-12-2 456,10 6-816,-14-23 180,0-20-270,0-25 270,-17-14-45,7 3 0,1-2-402,-1 13 1,0 0 491,2-13 0,2-2-45,0 10 0,1 2-45,3-2 0,1 0 45,-5 1 0,1-1 45,4-13 0,2 1-45,-2 14 0,2 1 90,8-16 0,2 2 0,-6 6 89,33-1-372,-33 29 462,27 8-269,-13 22 90,14 16-90,-15-2 0,-3 2 0,7 24-45,-10-14 0,-2-1-1037,-4 9 183,0 15-1,-6-21-179,0-2 89,0-3 990,0-1 0,0-3 0,0-1 0</inkml:trace>
+  <inkml:trace contextRef="#ctx0" brushRef="#br0" timeOffset="817">3510 1587 10321,'-26'25'135,"1"0"0,-3 15-90,3-17 0,0 2-225,-2 32 270,-4-12-90,12-9 0,5 1-90,11 0 90,-9 16-360,33-29 90,11 0 1,14-16 89,5-4 180,-19-11 0,0-6-90,18-22 135,-7 2 0,-3-5-657,-16 6 0,-4-2 657,7-6 0,-3 0-45,-10 8 0,-3-1 180,-1-2 0,-2-1-45,-2-2 0,-2-1 225,-1 1 0,-1-1-1,-2 0 1,0 0-90,0 2 0,0-1-90,0-8 0,0 0-270,0-15-279,-7 23 0,-2 4 818,6 10-449,-23 30 0,18 25 0,5 10 0,-4-6 0,1 3-398,3 8 1,0 4 0,1-4 397,2-7 0,0 1-390,0 3 0,0 5 1,0-5-241,-1-5 0,2-1 90,11 11 1,1-2-450,-7 11 494,18-29 0,3-2 495,-3 22 0,1-26 0,3-2 0,17 18 0</inkml:trace>
+  <inkml:trace contextRef="#ctx0" brushRef="#br0" timeOffset="1550">4482 1552 10501,'-28'-23'989,"-19"4"-809,27 3 90,-38 7-180,20 3 0,6 14 0,-1 3-180,-4-6 90,2 33 0,3 6 90,3-12-135,7 16 0,5 2-135,8-10-270,29 23 181,-15-31-46,26-8 0,5-3 135,-7-1 90,2-10 0,3-3-90,22-2-90,-17-5 360,22-15-90,-32-9 180,9-20 0,-27 5 90,5 0-360,-15 6 360,4 7-180,-5 23-90,0 18-90,17 21 180,-13 1-90,32 4-90,-7-11-270,-1-11 0,2-2-89,22 4-537,9-10 716,-15-3 0,4-8 180,1-18-90,1 13 180,-26-17 0,-1-2 0,22 0 45,-19-12 0,-2-3-135,10-15 270,-13 2 0,-4-3 90,-10 19 0,-3 1-843,1-14 0,-2 1 1023,-3 11 0,-2 2-136,0 1 1,0 1-981,0-32 1025,0 7-1015,-21 9 566,16 9 969,-29 7-699,20 36 1275,-2 6-1455,6 34 0,4-8 0,2 2 0,2 24 0,-3-3 0,0 1 372,5-23 1,0-1-553,-2 24 0,4-2 785,19 5-1505,-12-5 1,3-1 359,27-5 315,-30-9 1,0-2-586,19-12-449,-25 4 629,10-20 720,-40-3 180,20-24 89,-30 4 1,-5-2 0,10-20 314,-16 7 1,-1 2-45,3-9-495,10 5 0,1 1-45,3-4 0,4-5 490,14 16-580,13 2 0,-5 4 0,50-1-180,-10 7-1385,16 1 0,5 2 1250,-21 4 0,1-1 135,12 0 0,1 1-857,-12 1 0,0 0 722,-1 0 0,1 0-583,-2-1 0,1 2 898,30 12 0,-4-9 0,-4 10 0</inkml:trace>
+  <inkml:trace contextRef="#ctx0" brushRef="#br0" timeOffset="1900">5687 1741 8342,'-21'3'540,"-10"3"-540,14-1 0,-1 0 0,-3-1 0,18-2 90,-5-1-90,8 2 90,0-2-180,21 0 90,4 0 90,22-1-90,-3 0 0,-3-19 0,-18-1 180,-1-22 0,-19 11 449,5-13-359,-8 19-180,0-7 450,-17 16-450,1 7 90,-4 22-90,-1 24-90,19 9 0,-3 5 0,1 2 0,4 5-270,7-2 0,7-2-180,17-7-90,-2-13 1,4-3-181,22-1 45,-12-13 1,1-4-1503,15-4 2177,-18-4 0,0-5 0,21-17 0,-29 6 0,0 0 0</inkml:trace>
+  <inkml:trace contextRef="#ctx0" brushRef="#br0" timeOffset="2090">6762 772 10861,'0'-33'360,"0"3"539,-16 14-629,-11 25-180,6 12-1320,-3 1 1,0 3 1229,2 30 0,-9-3 0,-3 4 0,13-10 0,-1 3-225,4-7 0,-3 7 0,1-1 0,2-3-1128,-4 15 1,1-1 872,2-7 0,-1 4 0,2-4-330,1 4 1,2-2 809,-1 2 0,0-1 0,2 0 0,0 0 0,-1 0 0,1-1 0</inkml:trace>
+  <inkml:trace contextRef="#ctx0" brushRef="#br0" timeOffset="2740">7192 1558 10591,'0'-16'-90,"0"2"540,0 4-450,0 46 0,0 28-225,0-26 0,0 2-1469,0 11 0,0-1 885,0 1-91,14 11-177,-10-21 1077,11-5 0,-15-4 0,0-3 0</inkml:trace>
+  <inkml:trace contextRef="#ctx0" brushRef="#br0" timeOffset="2910">7292 1254 9152,'0'-17'-90,"0"1"-720,0-1 630,0 7 180,0-2 0,0 9 0,0 2 0</inkml:trace>
+  <inkml:trace contextRef="#ctx0" brushRef="#br0" timeOffset="3254">7678 1384 8072,'7'26'720,"-2"0"-360,2 13-180,-2-9-180,4 24 0,-3-22 0,6 18 0,-6-23 0,3 5 90,-1-8-90,-2-6 90,2 4-90,-5-13-360,1 1 90,-1-8 270,-1 0-90,0-21 90,1 15 0,2-56 90,1 32 0,-1-10 0,-1-2-180,3 1 90,1-9 90,-2 25 90,-1 10-180,-1-1 90,4 12-90,-1-4 90,9 26-90,-2 7-720,13 27 180,-6-12-1043,9 1 593,-2-14 990,2-5 0,6-1 0,1-3 0</inkml:trace>
+  <inkml:trace contextRef="#ctx0" brushRef="#br0" timeOffset="3783">8523 1328 8432,'-26'-10'270,"5"0"-90,-23 4-270,3 3 180,12 2-90,-7 17-90,14 8 180,9 11-90,2 2-90,11-4 270,0-1-180,26 17 0,-20-11-45,25-7 0,3-1 135,-11 4-90,15-4 0,1-1 90,-8-1-180,17 14 90,-36-27 0,-2 6 0,-10-11-360,-17 4 0,13-9-179,-13 0 179,-1-3 270,14-16 0,-14-6 90,40-20 0,16 6-561,12-2 472,7 10 89,-10 1 0,1 1 44,-12 6 1,-1 1 45,18-8 90,-11 4 0,-1 0-90,2-3 90,7-5-90,-23 10 90,-3 1 180,-8 1-180,-2 1-90,-7 2 0,-3 0 179,-1-2-269,-3 5 651,-20-3-561,16 9-180,-30 0 180,14 4-90,-13 22 0,5 4 0,12 24-90,7-11-450,29 10 90,-16-21-89,42 6-541,-7-16 195,14-1 619,3-8 1,-14-2-1,0-6 1</inkml:trace>
+  <inkml:trace contextRef="#ctx0" brushRef="#br0" timeOffset="4070">9512 1361 8792,'-21'13'810,"5"10"-810,16 17 89,0 2-89,0-9 0,0 0 0,0 11 0,0-13 360,14 10 180,-10-22 359,10 0-1078,-14-10-91,0-26 180,0-12-45,8-2 0,1-3-135,-4-23-567,3 24 1,2 1 476,8-15-269,-13-2 179,29 4-540,-12-10 361,7 17 629,14-10 0,-15 28 0,9-2 0</inkml:trace>
+  <inkml:trace contextRef="#ctx0" brushRef="#br0" timeOffset="4317">10093 1010 8972,'0'-15'1709,"0"3"-1259,-15-4-450,11 6 809,-12-2-719,7 7 90,6 23-270,-6 15 90,9 13 90,0 8-90,0-18 0,0 0-180,0 22-180,-2-9 1,4 0-994,13 8 993,-14-22 0,2 0-899,29 23 629,-28-16-667,23 12 1297,-25-30 0,9 1 0,-11-13 0</inkml:trace>
+  <inkml:trace contextRef="#ctx0" brushRef="#br0" timeOffset="4449">9875 1472 9422,'-21'-33'1259,"4"-14"-1259,17 10 0,23 7 0,8 1-90,10-3-819,-3 16 1,8 0 0,-3 3 728,-3 1 1,0 3-181,16-2 0,1 1-135,-14 5 1,-1 2 44,2 1 0,0 0-225,0 1 1,0 1 674,0-2 0,0 4 0,0 6 0,-1 4 0,1 1 0,-1 0 0</inkml:trace>
+  <inkml:trace contextRef="#ctx0" brushRef="#br0" timeOffset="4884">11572 1372 9781,'-48'0'360,"1"0"-270,0 17-90,4-12 90,2 32-90,6-20 0,0 37 90,19-17-90,7-5 0,3 1 0,6 5 0,24 19 0,11-29 0,13 0-135,-13-20 0,1-4 135,9 1-45,-6-13 0,-1-2 45,6 5 45,-10-25 0,-3-5-899,2 4 854,-14-3 0,-3-5 0,-4 0 0,-3-1 0,-3 7 0,-1-2 225,1-30 0,-2-1 89,-3 24 1,-1-1 164,-5-4 1,-2-5 0,1 5-255,5 6 0,-2 1-135,-7-4 0,-4-4 0,4 8-180,7-11 135,-11 10 0,0 16-45,11 39 0,-9 2 45,11 16 0,2 7-135,-1 18-54,0-17 0,0 2-621,0 9 1,0-1 389,0-12 0,0 1-615,6 26 1,5-1-4,2-28 1,2-2 452,2 10 1,2-2 539,23 10 0,-7-7 0,2-2 0</inkml:trace>
+  <inkml:trace contextRef="#ctx0" brushRef="#br0" timeOffset="5252">12305 1443 10771,'-22'-15'989,"-14"0"-809,11 4-180,-19 4 90,0 25-90,4 11 0,19 11 0,8-1 0,13-10-90,0-1 90,0-1-180,18 5 180,9-9 0,21 3 0,-7-18-90,9-2 0,-23-22 90,7 12 0,-15-33 0,-8 17 0,8-20 270,-9-13 0,6 9-90,-9 9 0,-3 1-270,0-4 90,-1-10-90,-3 29 180,0 20-180,0 22 180,0 14-900,17 21 181,2-19-91,1 14-135,6-28 1,3-3 45,2 10 809,16-12 0,5-4 0,-20-6 0,1-2 0,13-1 0,1 0 0</inkml:trace>
+  <inkml:trace contextRef="#ctx0" brushRef="#br0" timeOffset="5518">13433 926 10861,'-26'-27'270,"-12"5"719,19 8-809,-16 7-90,17 33 0,-6 0-90,21 29-587,-14-7 587,15 9 0,-9 4 0,10-15 0,1 0 0,-2-11 0,0 0-90,0 22 0,4-2-360,19 7-556,-19-23 0,1-1 467,18 9-91,-6-4 180,-11-6-90,24 5 450,-26-15-1798,10 4 1888,-12-21 0,0-3 0,0-6 0</inkml:trace>
+  <inkml:trace contextRef="#ctx0" brushRef="#br0" timeOffset="5651">13095 1398 8702,'0'-35'450,"0"4"-270,0 1-180,20-3 90,-15 8-270,42-1 180,-22 13-360,25 6-90,-4 3-989,20 3 270,-13 1 1169,-19 10 0,0 1 0,11-6 0,2 16 0</inkml:trace>
+  <inkml:trace contextRef="#ctx0" brushRef="#br0" timeOffset="6018">14113 1266 9242,'-44'0'1259,"-4"0"-1169,11 14 180,0-10-90,22 31-180,-14-18 180,25 18-1,-24-7-179,26 12 0,-9-10 90,11 14-180,21-22-179,4 2-1,1-11-90,17-7 90,-16-1 180,13-5 0,-6-21 90,-7-5 270,-6-25 90,-4 12 0,-3 0-180,-13 14-270,5 5 899,-6-1-719,0 33-90,5 25-90,1 12-315,1-8 1,2-2-226,6 3-315,-1-8 1,3-1 45,8 4-905,11 5 1804,-7-18 0,4-5 0,1-3 0</inkml:trace>
+  <inkml:trace contextRef="#ctx0" brushRef="#br0" timeOffset="6154">14748 1531 8702,'0'23'0,"0"-5"0</inkml:trace>
+  <inkml:trace contextRef="#ctx0" brushRef="#br1" timeOffset="12521">2527 3799 24718,'-43'-2'170,"-2"1"-66,0 0-32,-4 1-87,0 0 154,-1 20 636,5-15-728,3 35-64,7-23 802,4 20-988,10-9-154,6 2-543,9-1-751,3 1-1017,3-2 317,26 1 64,-20-1 853,22-14 1,6-1 255,-2 13 1154,16-12 1,6-3-1,-18-4 1,0 0 0,15-1-1,0 1 1</inkml:trace>
+  <inkml:trace contextRef="#ctx0" brushRef="#br1" timeOffset="12868">2980 3983 24179,'-18'-10'-3501,"-3"-1"2524,-21 10 2203,3 14 564,1 8-650,17 18-1966,7 1-522,34-1-1124,17-8 1738,9-14 801,10-9-510,-11-8-179,2 0 422,-12-8 0,0-6 1562,16-20-728,-18 13 1,-1-4 612,-7-7 0,-3-2 27,8-10-417,-11 9 1,-3-1-995,-7-5-836,-1-16-638,-8 32-449,0-1 1136,0 52 1,0 15-605,0-5 844,-1 13 1,2 3-592,7-17 1,0-3-537,-4 19 629,19-12 1,4-1-259,-4 1 1543,12-11 1,3-5-1,4-7 1,17-1-1</inkml:trace>
+  <inkml:trace contextRef="#ctx0" brushRef="#br1" timeOffset="13099">3815 3595 24898,'-21'-50'-7484,"-14"7"5883,30 8 684,-29 9 1490,18 2-985,-11 13 1235,14 17 1277,0-2-1636,11 40 371,-9 5-345,8 14-401,0-14 0,0 0-661,1 13 51,11-11 0,2-1-1323,-6 5 181,13-21 1,0 0-1623,-14 7 2397,26-3-60,-26-5-629,21 3 1375,-22-13 1,8 0 0,-11-12 0</inkml:trace>
+  <inkml:trace contextRef="#ctx0" brushRef="#br1" timeOffset="13222">3475 3997 23909,'-28'-22'-4854,"3"2"3118,4-8-152,11 10 555,24-11 2000,10 15-55,11 2 1,5 0 238,22 0-1438,-1 2 0,4 0 805,-23 4 0,1 2 0,15-2 1,0 1-1,-16 2 0,0 0 0</inkml:trace>
+  <inkml:trace contextRef="#ctx0" brushRef="#br1" timeOffset="13568">4505 3916 22740,'-19'16'1027,"-8"-6"934,24-3-4143,12-6 1892,23 2 74,12-15 773,6 9-558,-10-9 462,16-3-208,-12 0-207,-14 0 1,-1-1 1196,0-5-754,0-6-217,-21 10-1162,-2-4-182,-6 5-896,0 4-48,-17-1 477,-8 6 601,-19 2 478,6 19 1138,1-11 166,12 47-280,-3-26 1040,14 30-1742,0-4 70,14-11-1181,13-8 0,4 0-1387,7 2 2385,12-10 1,5-3 0,13-6 0,-16-7 0,1 0 0</inkml:trace>
+  <inkml:trace contextRef="#ctx0" brushRef="#br1" timeOffset="14292">5493 3772 23819,'0'-10'-5396,"0"1"3267,-17 4 3102,-5 3 22,-12 14 983,3 6-822,9 16-1420,9 2-736,6-2 1412,24-14-558,-12 3-1471,30-20 1734,-9 7-1540,17-10 960,0 0 951,-18-18 766,5 13 316,-27-28-1061,17 29 2555,-18-25-4130,5 13 1060,-7-9-1500,0 31-91,-12 21 649,10 21 104,-5-9 1,2 1 938,5 14-1081,0-7 0,0 1 862,0 10-294,-1-23 1,2 1 303,6-2 0,0-2-340,-3 16-219,4-12 0,-1 0-183,-7 1-321,12 15 284,-9-30-628,9 2 1382,-12-14 1,0-5 0,0-2 0</inkml:trace>
+  <inkml:trace contextRef="#ctx0" brushRef="#br1" timeOffset="14634">6078 3666 24718,'-14'34'-3185,"10"-4"734,-11-1 2518,15-4-1400,0 1 295,0 11 451,0-10 259,0 13-1269,18-20 741,-14 2 219,33-12 887,-10-4 945,20-3 273,-6-22 941,1-6-478,-20-10-854,0-15-196,-15 19-58,-2-12-1876,-25 3-1011,16 9 23,-36-4-540,34 15-1026,-37 6 2596,15 6 1162,-10 4 0,-2 4 0,10 0 0</inkml:trace>
+  <inkml:trace contextRef="#ctx0" brushRef="#br1" timeOffset="14950">6438 3639 23369,'8'17'-8295,"-1"-13"8810,2 29-2372,-2-19 682,2 16 272,1-5 162,0 2 171,6 12-1757,-8-8 2414,8 16-1351,-11-21 1446,4 8-183,-7-18 556,1-1 152,-3-8-311,0-4-116,0-19-182,14-12-6,-6-9 0,2-3 246,7 11 1,2 1-292,1-20 0,0 3 307,16 3 0,3-9 0,-11 21 1</inkml:trace>
+  <inkml:trace contextRef="#ctx0" brushRef="#br1" timeOffset="15156">7312 3614 23009,'0'15'-5126,"0"-1"3088,0-4 1153,0 2 337,0 1 212,0 4 32,0 4 76,0 2-1459,0 16 1687,0-8-989,0 22 359,0-22-89,20 7-713,-15-15 1398,15-2 0,-3-3 0,4-2 0</inkml:trace>
+  <inkml:trace contextRef="#ctx0" brushRef="#br1" timeOffset="15334">7257 3220 23819,'-11'-23'-8917,"1"7"6000,-3 2 1053,7 28 2094,6 11-573,23 11 1,-17 5 0,18-7 0</inkml:trace>
+  <inkml:trace contextRef="#ctx0" brushRef="#br1" timeOffset="15652">7678 3779 22290,'0'6'-5936,"0"-1"4077,0 0 705,23-3 2843,5 0-532,14-2-183,-4-17 498,-10 13-1010,-1-25 1103,-1 26 523,-1-23-421,-5 23-680,-1-33-1315,-3 24 700,-8-25-2098,-1 20 594,-7-3-343,-22 5 136,-7 9 998,-23-1-342,-1 30 1974,23 8-1518,8-3 0,5 2 328,13 17-961,-10 0 465,33-2-1401,-14-12 1665,24-8 1,7-3-1,-5-1 1,4-9 0,0 0-1</inkml:trace>
+  <inkml:trace contextRef="#ctx0" brushRef="#br1" timeOffset="15917">8457 3575 23459,'-18'-12'-4046,"13"3"-330,-12 1 4920,4 2 44,-5 4 321,-9 32-124,10 3-637,7 19-1364,10-10 676,0 4 1338,20-11-2053,-14 10 235,34-16 65,-35-1-799,35-4 1690,-20 4-402,4-10 588,-9 4-345,-15-12-80,0 3-375,-21-5 1313,16 2 22,-40-4 1,39 1 0,-17-1 0</inkml:trace>
+  <inkml:trace contextRef="#ctx0" brushRef="#br1" timeOffset="16052">8730 3932 22740,'0'25'-3193,"0"1"0</inkml:trace>
+  <inkml:trace contextRef="#ctx0" brushRef="#br0" timeOffset="33767">2783 5672 10951,'-25'-25'1529,"-15"2"-1169,35 0-270,-34 4-90,34 2 0,-30 5 449,31 5-179,-22 4-270,23 26 0,-13 17 90,14 14-180,-1-8 0,0 0-619,3 20 34,-2-4 1,4 1-412,9-23 1,1 0 680,-11 12 0,3 0 45,18-15 1,-1-2-1,-18 0 0,-1-1 90,17-2 1,2 1-226,-10 6 0,-1-2-1028,14 15 1523,3 4 0,-24-29 0,7-4 0</inkml:trace>
+  <inkml:trace contextRef="#ctx0" brushRef="#br0" timeOffset="33901">2475 6417 9152,'-26'-32'809,"3"2"-809,9 3 90,-5 1 90,16 3-360,-7-1-45,30 0 1,10-1-316,8-9-610,-3 12 1,7-3 0,-2 3 609,-3 4 0,-1 2 540,16-6 0,-1 1 0,-12 8 0,-2 1 0,1 1 0,0 1 0</inkml:trace>
+  <inkml:trace contextRef="#ctx0" brushRef="#br0" timeOffset="34535">3450 5465 9602,'-19'-8'179,"-9"0"721,18 2-630,-10 20-90,8 20 0,3 12-1883,3 14 1703,2-5-90,1 6 90,2 4 45,0-17 0,1 1-45,-1-12 0,2 1 0,7 24 0,1 0-45,-7-27 0,0-1-45,7 9 0,-1-1-90,-8 11-230,14-10 230,-10-6-355,10-3-185,-14-14 1,0-2 719,7-15 1172,-5-19-1172,5-17-90,-1-10 540,-1-10-450,5 10 104,-3-2-14,4-8 450,-5 15 89,7 6-269,-7 21-360,3 11 90,-2 21 202,2 0-202,2 23-45,0-12 0,0 2-135,6 18-635,-5-15 1,1-1 724,6 11 90,3-3-1117,13 6 847,-5-18-99,12-3 9,-10-16 90,2-11-90,2 3 180,15-22-89,-14-17 179,-8 4 0,-3-5 89,-3-26 91,-9 1 0,-4-1 270,-4-3-90,-14 3 0,-3 3-181,6 10-134,-15 17 0,0 3 135,15 4 1084,-27 5-1175,29 36-89,-17 18 90,17 11-135,-1-9 0,0-1-314,4 12-316,8-7 0,5-1 136,16 5-226,-3-12 1,5-3 880,3-14 1,0-5-1,27 14 1,2-19 0</inkml:trace>
+  <inkml:trace contextRef="#ctx0" brushRef="#br0" timeOffset="35033">4408 6068 9602,'0'52'179,"0"-7"-269,0 0 270,0-9-270,0 1 0,0-2 90,15 21-89,5-17 89,9 8-180,-11-28-270,-2-12 270,-9-4 90,5-23-90,-2 15 270,1-60-180,-3 33 135,-4-2 0,1-4 0,-1 4 0,0 2 45,1-17-90,0 13 0,-1 2 540,-1 3-181,2 3-269,-1 20 270,10 28-450,-5 9 180,10 25-90,-9-9 0,6 9 0,-8-26 90,2-4-180,-4-4 180,0-17-90,-2 9 0,3-12 0,-2 0-90,6-18 90,-4 14 0,2-25 0,-1-7-90,4 4-478,-4-3 1,0-2 477,5-6 90,-1 0 0,-2 6 270,2-1-180,-4 19 90,6 1-270,-6 18 90,10 19 90,-6 15-1220,5 11 590,-3 11 180,1-9-449,-3 2-91,-3-14 1,0 0 899,1 17 0,3 12 0,-6-24 0</inkml:trace>
+  <inkml:trace contextRef="#ctx0" brushRef="#br0" timeOffset="35251">3795 5793 8792,'-6'-22'180,"3"2"-180,0 0-90,3 2 90,0 1 90,21 4-90,8 0-360,12 8-180,3-1-1708,11 5 2248,-10 19 0,16-14 0,-15 13 0</inkml:trace>
+  <inkml:trace contextRef="#ctx0" brushRef="#br0" timeOffset="35867">5708 5914 9422,'6'-2'719,"2"0"-539,-2 2-90,2 19 90,-1-15-90,4 50-90,-2-29 45,-1 9 0,0 3-45,2 3 45,-3-6 0,-1-1-45,3 2-90,0 10 180,-2-15-90,-3-10 0,1 2-90,-5-34-270,4-16 270,0-17 90,3 7 0,0-2 0,3-13 0,1 7 0,1 2 0,1-3 0,12-11 180,-12 40-90,4 2 0,1 16 0,-4 15-90,11 12 0,-10 6 0,8 22 0,-11-23-398,1 12 398,-6-18-90,-3-2 180,0-12-180,1 6-90,-3-16-180,3 8 181,-1-10-91,4-17 90,1-15 270,3-10-135,-1 5 0,0-2 45,5-10 0,-1 6 0,1 0 577,0-2-127,9-13-360,-15 39 180,6 1-270,-7 18 0,3 20 90,0-16-180,-1 44 90,3-22-270,-2 10 0,0 3-653,9 13 293,0-6 0,2 1-269,8 7 899,1-13 0,2-2 0,14-1 0,-14-17 0,0 0 0</inkml:trace>
+  <inkml:trace contextRef="#ctx0" brushRef="#br0" timeOffset="36150">7080 5872 9512,'-23'-13'539,"-9"1"-449,-24 7-90,9 2 0,-7 24 90,26 8-90,-4 28 0,16-9-1470,8 0 1470,2-14-78,6-4-102,25-2 90,5 4-90,15-12 180,12-3 0,-21-12-90,21-23-89,-29 14 89,-2-36 90,-10 22-270,-14-22 270,6 11-286,-8-13-164,-17 13-809,12-6 1259,-33 16 0,32 10 0,-14 2 0</inkml:trace>
+  <inkml:trace contextRef="#ctx0" brushRef="#br0" timeOffset="36354">7528 5857 10141,'4'21'270,"-2"9"-270,2-16 0,2 26 90,0-10-1125,3 3 1,0 0 225,3 2 809,15 24 0,-12-35 0,5 4 0</inkml:trace>
+  <inkml:trace contextRef="#ctx0" brushRef="#br0" timeOffset="36517">7858 5783 9961,'-12'12'-3598,"10"1"3598,-19 20 0,19-18 0,-7-2 0</inkml:trace>
+  <inkml:trace contextRef="#ctx0" brushRef="#br0" timeOffset="36734">6943 5614 8612,'0'-17'540,"0"3"-90,17-4-271,-12 8-89,29-2-90,-17 10-180,16 19-449,-5 8-91,-14 9-269,7 2 989,-10 5 0,3-9 0,-1 9 0</inkml:trace>
+  <inkml:trace contextRef="#ctx0" brushRef="#br0" timeOffset="36917">7492 5113 9332,'0'45'90,"-18"-6"-180,13 12-1210,-12-5 131,17 7-1154,0 5 2323,0 3 0,0 2 0,0 1 0</inkml:trace>
+  <inkml:trace contextRef="#ctx0" brushRef="#br0" timeOffset="37387">9303 5660 11580,'-60'-7'180,"3"1"-270,10 4 90,13 0 0,-1 2 90,-18 14-90,11-2 0,1 3 90,0 19 0,12 2 0,4 1-90,8 5 90,5-2 0,7-1-90,22-3 90,10 15-90,-5-27-910,28 2 1000,-29-18-90,24-3 220,-13-5-310,14-17 90,-11-14-90,-6 2 0,-3-3-682,3-26 682,-11 24 0,-3 0 90,1-21 0,-7-4 0,-4-6 0,-4 32 0,-1-1 135,0-2 0,0 0 45,1 2 0,-2-2 315,-7-12 0,-1 1-136,4-19-314,-13 19 0,-1 4-45,14 7 0,-30 0 0,32 26 0,-22 26 641,23 4-641,-7 23 45,8-8 0,2 1-225,-1 25-1617,-2-2 1,4 2 1346,9-23 1,-1-1-91,-9 12 0,4 1-540,27-3 1,4-3 629,-21-11 1,2 0 449,12 0 0,6 1 0,-2-4 0,-6-5 0,0-3 0,9 6 0,0-1 0</inkml:trace>
+  <inkml:trace contextRef="#ctx0" brushRef="#br0" timeOffset="38000">9835 5697 11760,'0'-24'990,"-21"-2"-990,16 7 90,-33 2-180,20 11 0,-18 21 180,7 9-180,4 22-180,12 3 180,6-11-270,30 8 90,-18-23 0,37 3-89,-15-12 89,19-8 90,-8-1-90,-4-21 270,-7-10 90,-13-8 720,9-16-631,-18 21-179,4-9 0,-7 17 0,-2 2 0,0 26 0,0 13 0,0 31 0,0-5-1146,0-1 876,23-11 90,-18-5-270,39-3-480,-11-5 300,10-4-359,23-8 719,-24-20-90,5-8 0,0-6 360,2-18-45,-5 2 0,-3-2-45,-8-6 180,-10 2 0,-5-2 146,-3-14 618,-5 6 1,-4-1-361,-4 24 1,-1 0 449,1-28 1,-1 2-1035,-1 8 815,-5 14 0,-4 5-635,-8 20 400,-1 28-490,6 5 0,4 46 0,5-21-122,-1-1 0,0 0 122,4 13-180,0-11 0,0 0-270,0 7 270,11-21 1,1-1-271,-6 7-562,17-3 562,-5-7-449,-14 4 359,14-12-1709,-18 3 1260,-20-16 989,-10-21 0,-13 8 0,-2-14 0</inkml:trace>
+  <inkml:trace contextRef="#ctx0" brushRef="#br0" timeOffset="38133">10235 5576 9062,'-33'-53'1529,"7"0"-1439,14 28 0,7 2-90,1 11 90,29 8-180,11 0-90,14 4-495,-11 7 1,0 2 134,13 9-884,-5 0 0,1-1 704,11 1 720,-20-1 0,-1-3 0,15-10 0,0 11 0</inkml:trace>
+  <inkml:trace contextRef="#ctx0" brushRef="#br0" timeOffset="38434">11095 5470 10951,'-39'0'809,"1"0"-809,19 14-90,-9-10 90,25 33 0,-20-5 0,21 10-90,-8 1-90,10-15-89,0 0-271,21-3-629,4 3 719,1-8-270,16 4 450,-13-15 1,19-1 269,-11-7 90,-6-1 179,-14-16 271,-1 12 90,-8-27 1259,4 14-5128,-10-11 3239,4 31 0,-6-8 0,0 24 0</inkml:trace>
+  <inkml:trace contextRef="#ctx0" brushRef="#br0" timeOffset="38572">12383 5760 12750,'-22'-14'-6926,"17"-4"6926,-35 5 0,35 1 0,-13 4 0</inkml:trace>
+  <inkml:trace contextRef="#ctx0" brushRef="#br0" timeOffset="39969">3452 8259 10051,'0'-30'270,"-17"5"-270,12 3 0,-39 4 0,20 5-90,-25 5 90,9 5 0,0 3 0,2 18-90,0-14 90,4 35-284,2-21 374,7 18-180,10-6 0,1-1 180,12 2-180,-5-1 90,7 3 0,22 14 0,8-9-1141,12 9 1141,2-14 90,-12-1-90,-1-1 180,-5 10-90,3-12-90,-15 15 0,0-22-90,-14 4 180,0-9 8,-27 0-458,20-1-540,-25-5 1,-5-2 179,12 4 720,-12-5 0,-1-3 0,4-2 0,-11-2 0</inkml:trace>
+  <inkml:trace contextRef="#ctx0" brushRef="#br0" timeOffset="40167">3093 7857 8882,'10'-14'1529,"-8"2"-989,14 8-360,-9 22 0,6 2-180,-1 23 89,1 1-44,-3-3 0,0 3-545,-2-8 1,1 2 409,0 8 0,2 5 0,-2-4-180,0-2 1,-1 1-391,2 5 0,2 5 1,-2-5-486,0-4 1,0-2 514,4 14 1,0-2 629,-3-19 0,0-2 0,0-1 0,1 0 0,0-2 0,0 1 0</inkml:trace>
+  <inkml:trace contextRef="#ctx0" brushRef="#br0" timeOffset="40787">3832 8403 10051,'-16'15'90,"3"11"-90,13 10 90,0 7 0,0-2 0,15 23-90,-11-14 0,2-9 0,3-1 0,7 1 90,-12 19 0,20-32-90,-21 2 0,5-17-90,-8-3-899,0-5 719,0-22 0,0-1 0,0-22 90,0 2 270,0-9-820,0-7 730,16-7 0,-12-3-90,12 1 90,6 3 90,-11 25 0,1 1 90,14-9 450,19-1-450,-29 33-257,22 24 436,-17 7-269,-1 20 0,-1 1 90,-6-7 0,-2 1-180,6 19-45,-6-7 0,0 0 135,-1 3-45,-4-13 0,-1-1-45,0-4 60,0 3-60,-4-22-809,2-5 719,-1-4 171,7-47-261,-2 13 180,5-29 0,1-7 0,-6 34 0,1-1-365,1-10 1,0-4-1,0 6 455,3-16 180,-3 19 0,-1 3-90,0 12-63,4 2-117,-4 42 90,2 1-135,-2 10 0,-1 4 135,7 17-225,0-2 1,1 1-314,-4-20 0,1 0-182,11 21 1,4-1 89,-10-23 0,3-2 540,19 13 0,3-4 0,-14-17 0,2-4 0,10 4 0,0-1 0</inkml:trace>
+  <inkml:trace contextRef="#ctx0" brushRef="#br0" timeOffset="41067">5288 8449 9242,'-26'-11'809,"-20"4"-629,25 4 90,-24 3-90,11 23-90,-3-17-706,3 47 526,0-30 180,15 9 0,1 3-180,-5 6 90,12-7 0,2-2 90,5 3 21,4 4-291,28-14 90,8-12 0,-2-6 0,1-3 90,20-4-90,-22-9 0,-2-1 90,3 5-180,-4-37-359,-9 10 179,-18-9-90,8-15 0,-31 24-1439,1-15 1889,-5 25 0,-4-1 0,11 11 0</inkml:trace>
+  <inkml:trace contextRef="#ctx0" brushRef="#br0" timeOffset="41502">5748 8400 8792,'-24'21'899,"5"16"-719,-31-3-180,21 10 0,-6 6 0,13 8 90,11-15-90,5-6 0,2-1 0,4 2 90,23 8-180,-18-21 180,40-6-180,-39-5 0,25-8 0,5-4 0,-11 3 0,11-15 1,2-2-91,-6 6-90,-3-32 0,-3-8 90,-4 9-308,-8-8 1,-3-2 307,-1-11 90,-9-8 135,2 9 0,-1-2 90,-1 11 0,-2-1-671,-4-9 1,-2-5 0,2 4 939,2 5 1,1 1-135,-3 7 0,-1-1 0,-1 4-366,-3 1 1,2 2 230,6 5 0,-1 1-606,-26-23 471,26 15 194,-8 13-104,0 11 2401,9 26-2401,-14 32-90,15 13 415,-2-16 0,1 4-640,1 14 0,2 1-216,-2-11 0,2 3-279,4 5 1,2 6-1,-2-5 225,-3-5 1,1 0 494,7 2 0,4 4 0,0-5 0,1-7 0,2-3 0,9 11 0,1 0 0</inkml:trace>
+  <inkml:trace contextRef="#ctx0" brushRef="#br0" timeOffset="42250">6353 8758 8162,'0'6'990,"0"-2"-810,17-2-90,9-2 269,21-17-269,-7-3 90,8-23 0,-22 10 90,8-16 90,-24 17-180,1-9 179,-11 0-269,0 12-90,-19-16 0,15 25-179,-35-2 268,21 15-178,-16 25 89,19 13 0,4 10-90,11 4 90,24 2 0,-18-11-45,29-7 0,7-5-225,-8-6 120,5-7 0,9 1 0,-4-7 60,-11-11 0,0-3-1606,33 1 0,-2-6 1696,-31-4 0,-3-4-45,19-13 0,-2-3-589,-21 13 1,-4-1 633,8-10 0,-3-1-586,0-22 586,-6-3 45,-13 29 0,-2-3 0,-1-18 0,-2-1 90,-1 11 0,-1 0 344,-7-4 1,-3-4 0,2 5-390,6 4 0,-3 3-386,-17-10 0,1 2 386,15-7-180,-35 13 1716,34 10-1626,-37 11 1043,38 11-1043,-37 5 666,19 32-487,-9 1-89,15 13 0,5 7 137,7-14 1,1 2-183,-1 15 0,2 1-90,1-9 0,4-2 45,9 3 0,2 1-270,-12-1 0,4 1-210,18-3 0,9 1 1,-5-1-106,-8 4 0,1 0-555,16 3 1,8 1 0,-3-5 1139,-7-7 0,0-2 0,14 9 0,1-3 0,-14-16 0,1 0 0</inkml:trace>
+  <inkml:trace contextRef="#ctx0" brushRef="#br0" timeOffset="42501">8163 8266 11221,'0'-7'0,"0"0"0,0-3-450,26 2-540,-4-2-809,43 1 630,-20 5 1169,17-2 0,-13 5 0,2 1 0</inkml:trace>
+  <inkml:trace contextRef="#ctx0" brushRef="#br0" timeOffset="42651">8255 8791 10591,'-11'10'809,"2"-3"-988,32-3-811,-2-4-539,26 0-90,-2-15 1469,10 12 0,-24-10 0,2-1 0,1 7 0,0-1 0</inkml:trace>
+  <inkml:trace contextRef="#ctx0" brushRef="#br0" timeOffset="43299">9583 7783 10501,'0'-8'1439,"0"1"-1259,0 26-90,0-1 90,15 42-180,-11-15 0,11 18 0,-15-23 0,0-1 0,12 20-198,-11-20 0,0-1 198,11 11 98,-4-4-278,-6 9-90,12-19 0,-13 6-539,8-19-900,-8-8 1259,3-4 118,0-29 332,3-1 0,-1-12 0,0-4 90,6-14 45,-4 14 0,0-2 225,3-3 0,1 0-270,4-18 359,-3 17 1,1 4-90,-2 13 270,10-6-540,-13 29-90,9 23 90,-6 1-180,3 27 180,1-7-585,-2-7 0,-1 3-725,9 19 140,-2-6 1,2-1-951,7 7 2030,-10-22 0,2-1 0,12 8 0,3-4 0</inkml:trace>
+  <inkml:trace contextRef="#ctx0" brushRef="#br0" timeOffset="43668">10322 8292 10141,'7'0'540,"11"0"-540,28 0 90,-1-16-90,-10 12 0,11-26 0,-13 10-90,2-16 180,-17 6-90,-11-1-90,-1 8 90,-6-1 270,0 0 179,-24-9-449,1 9 0,-19-7 0,22 18 180,-5 2-90,15 26 0,-3 17 0,5 10-135,8-5 0,0 0 45,0 14-405,7-6 1,4 0-406,17 7-45,-4-10 1,3-2-558,19 3 1052,-22-17 0,1-2 360,29 8 0,-11-12 0,13 0 0</inkml:trace>
+  <inkml:trace contextRef="#ctx0" brushRef="#br0" timeOffset="43852">10942 8035 9781,'0'-16'2429,"0"2"-2519,0 28 180,19-12-90,7 55 0,12-31-675,-5 19 1,-1 3-316,7-2 90,-2-1 1,1-1-90,2-7 989,-6-7 0,1-3 0,7-4 0,15 5 0</inkml:trace>
+  <inkml:trace contextRef="#ctx0" brushRef="#br0" timeOffset="44238">11692 7911 9871,'-22'16'720,"-17"-12"-630,22 37-576,-19-21 486,11 27 249,2-10-249,-6 23 0,16-15-90,0-10 0,2-1-189,5 1-351,-6 10 271,7-27-1530,4 0 1619,1-30 336,0-12-66,0-16 0,0-5 90,0-21-725,-13 11 815,12 17 0,-1 1 180,-10-18-180,12 5 0,0 4 539,0-3-179,0 19 719,14 4-899,3 19-270,1 33 0,12-20 0,-18 47-90,26-10 0,-14 12 0,-2-16 0,0 0-360,4 9-540,-5-9 1,1 0-1254,4 6 1343,7 11 848,0-13 0,-7-14 0,8 5 0</inkml:trace>
+  <inkml:trace contextRef="#ctx0" brushRef="#br0" timeOffset="44417">12110 7767 11670,'0'45'90,"-19"0"-90,15-7-2221,-15 10 1772,1 7-811,13 8 495,-12-31 1,-2 1-91,11 3 1,2-1 854,-8 1 0,-1 0 0,4 1 0,2 0 0,0-1 0,0 0 0</inkml:trace>
+  <inkml:trace contextRef="#ctx0" brushRef="#br0" timeOffset="44968">13500 7214 10771,'0'-24'629,"-22"-6"-539,16 10 540,-40 0-360,11 15-180,-13 27-45,14-1 0,3 6-443,9 3 1,2 5 427,-1 2 0,0 4 0,2-1-329,3 1 0,2 3-31,4 6 0,1 5 1,2-3-31,1-3 0,5 0-270,10 4 1,7 4-1,0-5-664,-1-5 1,4-4 663,16 13 1,5-5 629,-10-19 0,2-5 0,1-3 0,1-3 0,2-1 0,0-1 0</inkml:trace>
+  <inkml:trace contextRef="#ctx0" brushRef="#br0" timeOffset="45317">14028 7782 9961,'-50'0'720,"10"0"-810,0 17 90,11-13 90,4 35-90,2-20 0,3 22 0,11-9 0,-4 2 0,12-2-360,-5 8 180,26-15-180,9 5 270,25-21 1,-11-19 89,-1 6-90,-15-35 180,-2 20-90,-12-23 89,10 10 451,-13-17-360,5 15-90,-8-7 450,-7 15-540,0 34 90,4 0-90,-1 34 0,11 18-270,-4-9-973,2-6 0,2 0 613,5 7 225,-5-19 0,2-3-314,9 3 89,4-6-89,2-14 719,3-5 0,2-8 0,1 0 0</inkml:trace>
+  <inkml:trace contextRef="#ctx0" brushRef="#br0" timeOffset="45522">14552 7392 10861,'0'-32'450,"-14"6"89,11 6 91,-10 10-450,3 5-90,8 25-90,-8 17 0,5 12 0,4 10 45,-2-20 0,0 1-135,3 22-495,0-5 0,0-1 180,0-22 1,0 0-496,7 22 1,3-1-627,7 6 1031,-8-23 0,2-1-225,15 5 720,-23-5 0,19-6 0,-10-3 0</inkml:trace>
+  <inkml:trace contextRef="#ctx0" brushRef="#br0" timeOffset="45667">14318 7779 8702,'0'-18'-90,"23"3"-270,-17 4-179,47 2-91,-23 4-2970,29 0 3600,-4 4 0,2-1 0,4 2 0</inkml:trace>
+  <inkml:trace contextRef="#ctx0" brushRef="#br0" timeOffset="45984">15078 8052 8432,'-16'8'450,"2"-1"-90,14-3 0,0 0-360,17-3 0,14-16 0,8 11 44,-8-12 1,0-3-134,7-3 44,-8 3 0,-2-3-45,-7-11 0,12-9 180,-30 18-180,-11-23 90,4 25 180,-35-11-1,9 26-179,-10 2 90,-2 5-180,26 21 180,-16-16-90,27 44 0,-26-25 0,28 27-629,-9 9 179,32-13-315,-5-9 1,6-3-1925,27 4 2689,-18-17 0,2-3 0,23 0 0,4-4 0</inkml:trace>
+  <inkml:trace contextRef="#ctx0" brushRef="#br0" timeOffset="46394">15855 7730 8612,'-28'20'270,"12"12"-90,-12-28-90,24 32-90,-13-11 90,17 10-90,0 5 0,25-24 0,6 12 0,25-25 90,-7 7-90,-20-26 90,1-5 269,-21-16 181,5-3-450,-7 6-90,-7 2 90,-18 17 270,0 5-360,-17 34 0,18-3 90,-10 27-397,23-4 487,-17 7-180,19 7 45,-2-12 0,0 1-45,3-11 0,2 1 0,-3 25 0,4-1 0,7-27 0,2-1 0,-10 20 0,3-3 0,30 1 0,-31 9 0,11-29-305,-14-3-55,9-6-1259,-7 0 990,7-9-1170,-9 0 1799,-20-10 0,14-20 0,-14-7 0</inkml:trace>
+  <inkml:trace contextRef="#ctx0" brushRef="#br0" timeOffset="46724">16393 7708 10051,'0'-15'720,"0"3"-540,0 0-180,-23 3 90,18 1 0,-34 3 90,16 3-91,-27 22-89,14 8 90,13-1 0,3 3 0,9 18-90,4-14 0,3 0 0,4 8 0,22 20-90,10-31 90,12 3 90,17-21-180,-25-5 270,24-22-270,-28 10 0,11-33 0,-27 8-641,6-9 372,-20-1 9,6 13-190,-8 2-449,0 2-630,-22-1 1619,-4 12 0,-22 0 0,1 11 0</inkml:trace>
+  <inkml:trace contextRef="#ctx0" brushRef="#br0" timeOffset="47033">16600 7720 8882,'7'0'989,"3"15"-899,-2 3 90,8 21-180,-6-6 0,10 27 0,-9-28 0,5 22 90,-9-33 360,2 2-540,-4-16 90,4-1 0,-1-6 0,4-16-180,12-11-270,-4-11 0,1 7 1,1-1-181,7-11-180,-5 6 1,0 0 718,5-2 1,4-9-1,-10 20 1</inkml:trace>
+  <inkml:trace contextRef="#ctx0" brushRef="#br0" timeOffset="47501">17212 7624 9512,'-14'17'179,"-10"-13"1,21 29 0,-17-28-180,18 29 90,-5-6-180,7 8 90,0 0-90,17-2 0,7-11-90,22 7 180,-6-18-179,13-3 179,-22-7-90,18-21 0,-25 14 90,5-31 0,-15 11 90,-4-8 539,-5-10-359,-2 20-180,-3-8-90,0 12 180,-18 9 0,0 1 270,-3 47-271,-4-10-134,21 14 0,5 5-886,-13 10 886,11-16 0,2 0-45,-1 23 45,9-31 0,0 0-45,-5 31 90,14-19 0,3-1-90,-8-10 0,1-1-45,10 18 0,3-1 135,12 3-45,-15-16 0,-2-2 224,-7-3 1,15 5-270,-28-23-180,9-3-2068,-11-6 269,-20-1 810,-13-22 1169,-9 14 0,-7-38 0,11 13 0</inkml:trace>
+  <inkml:trace contextRef="#ctx0" brushRef="#br0" timeOffset="47783">17972 6952 12390,'-18'-5'720,"-1"1"-361,-25 22-269,12 17-2875,6-2 0,3 4 2830,9-4 0,2 2-45,-2 5 0,2-1 951,-3 23-951,14 2 0,-6 0 0,18-33 0,2 1-270,-7 29 135,20-32 0,6-1-540,-7 11 1,1-2 134,6-10 1,3-1-901,12 14 1,-1-3 539,-17-17 1,-1-3 909,10 4 1,0-3-1,14 0 1,-1-4-1</inkml:trace>
+  <inkml:trace contextRef="#ctx0" brushRef="#br0" timeOffset="48050">18475 6739 10771,'53'19'1709,"-10"-14"-1439,-1 39-2565,-11-20 2475,2 26-90,-3-2-90,-11-6 0,-2 2 0,-4-10 0,-3 4-240,-1 15 0,-2 9 1,-2-6-211,0-10 0,-4 1-390,-7 12 1,-4 8 0,2-9 29,6-14 1,-2-3 809,-22 15 0,1-1 0,21-19 0,1-2 0,-10 1 0,-1-1 0</inkml:trace>
+  <inkml:trace contextRef="#ctx0" brushRef="#br0" timeOffset="48254">19172 7396 6363,'6'0'0</inkml:trace>
+  <inkml:trace contextRef="#ctx0" brushRef="#br0" timeOffset="48538">19297 7758 10681,'0'14'1439,"0"4"-1169,0 1 90,0 7-180,0 1 0,0 23-91,16-10-554,-12 19 645,12-15-90,-4 0 90,-9-3 269,9 13-179,-12-17-44,0 15-226,0-28-1619,-24 11 90,2-21 1529,-12-3 0,-5-3 0,-15-4 0,15-3 0,-1 1 0</inkml:trace>
+  <inkml:trace contextRef="#ctx0" brushRef="#br0" timeOffset="51184">3612 10487 10051,'0'-17'1349,"0"-1"-989,0 3-90,0-3-90,0 4-90,0 0-90,-16 2 0,12 4 0,-11 0-90,-2 4 0,-4 1 180,-11 3-180,-14 19 90,16 8-90,-10 12-45,21-10 0,4 0-225,-6 10 90,9-5 1,3 1 269,5 5-45,11-5 0,7-2 45,26 4 45,-16-13 0,4-1-45,15-2 0,1-2 0,11 8 45,-10-5 0,-1-2 45,0 0 90,4 8-270,-32-14 180,-7 4-90,-34 2-90,19-1 0,-30-2 0,-8 0-540,9 4-405,-13-4 1,-3-2-535,5-2 400,-12 1 1169,26-11 0,3-3 0,4 0 0</inkml:trace>
+  <inkml:trace contextRef="#ctx0" brushRef="#br0" timeOffset="51404">3318 10194 8882,'0'-11'1619,"0"3"-1169,8 3-90,-6 21 89,5 4-449,-7 24 180,0 2-1168,6 12 988,-5-23 0,-1 1-339,3 5 1,0 1 383,-2 2 0,-2 1-90,2 1 0,1 4 75,-2-5 0,1 3 0,0-1-75,2 6 0,-1 1-435,1 6 0,1 5 1,0-5-992,2-6 1,0-2 1020,0-6 1,0 2-1,1-3-405,3 3 1,1-2 854,0 0 0,1 1 0,2-2 0,0 0 0,1-1 0,0 1 0</inkml:trace>
+  <inkml:trace contextRef="#ctx0" brushRef="#br0" timeOffset="53150">4197 10511 9961,'-5'-11'-90,"0"1"90,0 3 90,0 2 90,0 3-90,3 15 0,0 14-180,2 10 90,17 9 90,-12 15-180,29-12 135,-32-8 0,0 0-135,29 5-707,-27 7 797,17-23-205,-19-7 25,11-5 0,-11-6-270,7-4 180,-5-4-89,2-1 884,-1-3-705,4-38 180,0 10-514,4-36 514,-1 16 0,1-7 0,-1 0 0,2-2 0,0 6 0,1 4-110,6 1 200,-5 19 0,13 5 90,-13 17 0,5 21-90,-1 14-90,-6 9 45,-3-4 0,0 0-45,0 9 0,-3-5 0,-1 0 0,-1 3 90,0 19 0,-3-34-90,0 2 536,-2-17-1075,1-4 473,-2-3-114,2-3 180,5-24-90,0-12 180,4-13-135,-2 11 0,-1-1 45,7-11 0,-2 9 0,1 0 0,2-1 270,10-4-90,-13 30-90,4 6-90,-8 8 0,2 20 90,-1 1-180,2 22 180,2-4-90,1 7-90,-2-13 0,1 1-988,10 20 808,-8-19 1,2-3-361,11 12-90,4-7 720,5-6 0,3-7 0,2-4 0</inkml:trace>
+  <inkml:trace contextRef="#ctx0" brushRef="#br0" timeOffset="53400">5520 10645 8162,'-18'-7'720,"-11"2"-630,-8 29-90,-5-17 90,12 42-822,0-26 732,3 22 0,4-8 0,10-1-90,-1 12 180,12-14-90,-5 6 238,25-20-148,-13-4 31,33-8-211,-10-3 180,18-5-180,-18-18 0,7 14-450,-32-58 361,13 40-271,-12-13 0,-8 0-269,-17 7 719,16-8 0,-32 15 0,17 1 0</inkml:trace>
+  <inkml:trace contextRef="#ctx0" brushRef="#br0" timeOffset="53850">5945 10624 8162,'-20'35'630,"15"-3"-540,-34 10-90,21-8-1722,-4 16 1722,8-11 0,14 3 0,0-2 90,0-1-90,0-2 0,22-5 357,8 5-357,12-13 0,16-1 0,-22-16-90,15-4 90,-15-22-90,-1 14 0,-1-42 0,-4 22-270,-1-26 180,-7 4 180,-11 10 0,-3-3 0,-3 8 0,-1-2-753,-1-27 1,-1-1 797,-1 22 0,-2 1 180,-10-14 0,-4-1 359,2 0 1,-2 3-226,0 13 1,-1-1 45,-7-16 0,1 2-315,-6 2-135,6 19 0,0 3-112,-4 8 247,0 4 579,17 31-579,-3 6-90,5 42 90,7-10-525,0 2 1,0 2 299,-1-19 0,2 0-720,8 28 1,5 0 494,-2-26 0,3-1 0,5 9 1,2 1-406,6-4 1,1-3 249,-9-10 1,0 0 514,6 7 0,0-2 0,14 7 0,-1-3 0</inkml:trace>
+  <inkml:trace contextRef="#ctx0" brushRef="#br0" timeOffset="54367">6483 11079 8162,'18'-24'630,"11"0"-630,9 5-90,4 0 180,-13 3-90,1-3 0,-5-1 0,-1-2 90,-12-1-180,7 1 180,-16-2-180,8-11 180,-11 8 360,0-19-360,-21 22-90,15-7 0,-30 11-180,16 7 270,-11 3-90,11 30 0,-1-14 0,19 40 0,-7-26 0,9 36 0,29-21 90,7 17-90,18-25-90,-18-11 0,1-2-1407,13-5 1452,-16-5 0,0-1-135,15-3-462,1-24 462,-1 5 90,-16-9 0,-1-4 90,14-10-90,-14 2 0,-2-2 90,-3-14 0,-11 4 0,-5-2-45,-6 19 1,-2 0 133,0-13 1,-3-3 315,-9-5 0,-2 1-180,9 12 0,-2-1 44,-7-2 1,-4-3 0,-1 4-180,1 8 0,-1 2-90,-8-16 0,-3 5 90,-15 9 90,6 5 90,13 25-271,1 25 91,3 7-45,9 11 0,3 6-45,-1-10 0,1 3-407,4 9 1,1 6 0,1-4 451,-4 0 0,4 1-75,5 6 0,3 5 0,4-6-195,5-4 0,4-2-135,3 15 0,3-3-90,1-19 1,1-2 44,-4-1 0,0 0-180,1-1 1,0-2 584,3 0 0,2-2 0,-1-1 0,0-1 0,2-1 0,0 0 0</inkml:trace>
+  <inkml:trace contextRef="#ctx0" brushRef="#br0" timeOffset="54684">7882 10455 11041,'-16'-4'90,"4"0"-180,4 2 180,2-2 0,4 0-90,1 0-90,30 1-1260,19-8 451,17 3-1102,-10-3 1,2 0 1640,-17 3 0,-1 0-69,17-3 1,0 0 316,-15 2 0,0 1 0,-2 0 0,0 1 0,-1-1 0,0 0 1</inkml:trace>
+  <inkml:trace contextRef="#ctx0" brushRef="#br0" timeOffset="54917">8527 10213 9152,'-36'-3'1439,"1"0"-1169,-7-2-360,14 1 90,1-1 360,8 3-360,38 1 90,5 18-90,22-12 179,-11 16 1,-1 3 0,10-6-135,-15 0 0,-3 5-45,5 21 0,-5-8-90,-16 2 0,-8 2-1415,-19 13-159,-2-1 0,-5 2 1326,-3-19 0,-3-1 1,-2 14-1,1 0 1,7-13-1,0-1 1</inkml:trace>
+  <inkml:trace contextRef="#ctx0" brushRef="#br0" timeOffset="55450">9742 10236 10501,'-42'-15'989,"-13"1"-809,19 4-90,-24 4-90,26 22 0,-9-12 0,26 24 0,3 4 0,-5-2-495,8 14 1,4 2-316,3 5-269,22-7 0,7-2-91,7 4 724,3-17 1,4-4-1,17 2 1,6-3 0</inkml:trace>
+  <inkml:trace contextRef="#ctx0" brushRef="#br0" timeOffset="56134">9547 10336 8522,'-5'-13'1799,"1"1"-1349,-1 0-90,1 0-360,0 1-180,1-3 270,2 6 809,0 1-809,1 28-90,0-2 90,18 26 0,-14 14-90,30-7-692,-31-17 0,-2 0 692,16 16 0,-3-2 0,-11-5 0,22 10 0,-23-18 90,13 11-90,-14-28-990,7 1 450,-7-32 361,3-14-91,-4-17-682,0-11 952,0 4 0,0-7 0,0-7 0,0 19 0,0-1 0,0 11 0,0-1-45,-1-18 0,2 2 45,13 0 180,-10-7 1325,23 35-1325,-24 7 270,27 10-360,-8 4 90,10 27-90,12 12-90,-15 14-780,-4-13 1,0-1 779,4 12-90,-10-16 0,-1 0-506,5 12-213,0-1-1,-1-2-719,10 9 809,-6-15 720,20 10 0,-15-30 0,10 0 0</inkml:trace>
+  <inkml:trace contextRef="#ctx0" brushRef="#br0" timeOffset="56517">10518 10157 8972,'-26'-10'1439,"-34"4"-1169,36 3-1474,-34 23 1383,26-15-179,2 39-89,2-21 89,11 6 0,1 3 0,-5 8 33,11-8 0,2 1-33,2 4-135,19-4 0,3-1-134,-8-3 134,27-6 0,6-7-45,-10-7 135,10-5 0,3-2 45,-1-2 0,-13-20 0,-1-4 90,4 1-45,-18-13 0,-5-1 315,2 6 449,-12-22-449,-18 24 42,13-13-492,-26 22 180,28 1-90,-10 35-269,13 28-181,0 7-891,0 15 891,15-26-269,-11-1 406,29-3-946,-4 7 629,8-14 630,4 3 0,-10-23 0,-1-3 0</inkml:trace>
+  <inkml:trace contextRef="#ctx0" brushRef="#br0" timeOffset="57090">10893 10203 8072,'-19'-10'2159,"3"23"-1889,16 14-90,0 16-90,0 7 90,16 13-270,-12-12 135,9-10 0,0 0-45,-10 4 45,8-12 0,0-1-45,-9-2 90,17 2 0,-17-19-270,10-3-90,-9-6 90,3-2-90,0-17-449,4-14 539,1-10 90,3-9 0,0-4 90,3-12-1131,-7 22 0,2-6 1,-2 4 1175,-2 10 0,0 0 90,5-18 0,0 1 134,1 0 631,6-8-540,-10 40 359,9 30-719,-9 11 0,1 11 0,-1 3 0,1 12 0,-2-3 0,1 1-954,0 8 954,-4-20 0,1 1 2456,5 20-2366,-5-18 0,6 12 0,-7-31-90,2-2 0,-4-9-90,0-6 0,-2 2 1081,7-23-1081,-1 15 1,9-57 89,-3 32 0,-2-14 0,0-2 3,3-4-3,-5 16 0,0 1 0,1-6 0,0 3 90,-3 8 540,3 7-450,-4 10 0,7 5-90,-5 29-90,10 12 0,-6 13-481,7 3 211,-4-10-180,2 0-360,-1 1-1464,14 15 1195,-8-16-61,-1-9 0,2 0 1140,4-1 0,12 6 0,-9-16 0</inkml:trace>
+  <inkml:trace contextRef="#ctx0" brushRef="#br0" timeOffset="57620">11827 10282 9242,'-6'0'270,"2"0"-270,21 0 0,8 0 0,12 0 0,3 0 0,-6 0 0,2-18 90,0 13-90,-11-17 0,-1-2 89,9 6 46,-8-6 0,-2-2 45,-4 2 270,2-5 90,-15 10-271,-4 3-179,-2 1-180,0-1 180,0 7 180,-19 0-270,-3 7 90,-20 21 0,20 14-1091,-16 10 1001,34 10 0,-26-7 0,27 2-180,-2-12 1,0 1-335,5 17-431,10-10 1,7-3 134,21 2 315,-14-17 1,5-3 494,10-8 0,2-5 0,13 4 0,-16-10 0,0 1 0</inkml:trace>
+  <inkml:trace contextRef="#ctx0" brushRef="#br0" timeOffset="58090">12988 9847 11400,'-17'-13'990,"12"-3"-990,-13 8 0,6-1-540,10-1 540,-10 7 0,34-2 0,6 3 0</inkml:trace>
+  <inkml:trace contextRef="#ctx0" brushRef="#br0" timeOffset="58590">13008 9956 9781,'-1'-10'1619,"-1"-2"-1169,2 2 0,-2-9-360,2 6 0,0-5 0,23 6-90,-18 3 0,36 1 0,-37 2-90,42 1-540,-26 2-1708,45 0 1348,-24 2 135,-2 10 1,0 2 760,7-7 0,-15 14 1,-1 3-1,10 3 1</inkml:trace>
+  <inkml:trace contextRef="#ctx0" brushRef="#br0" timeOffset="58786">13200 10565 10771,'-5'7'270,"2"-2"-360,1-1-450,32-3-449,-5 1-181,29-2 1170,-20-8 0,1 0 0,22 4 0,-17-4 0,0 1 0</inkml:trace>
+  <inkml:trace contextRef="#ctx0" brushRef="#br0" timeOffset="59384">14373 9197 10141,'-25'13'-1439,"-9"4"360,31 18-271,-11-6 1350,14 4 0,0-9 0,0 0 0</inkml:trace>
+  <inkml:trace contextRef="#ctx0" brushRef="#br0" timeOffset="59551">14592 9165 9242,'-31'0'180,"14"18"-180,-3-14-990,17 41-539,-5-21 1529,8 29 0,0-7 0,0 5 0</inkml:trace>
+  <inkml:trace contextRef="#ctx0" brushRef="#br0" timeOffset="60170">16190 9035 10141,'0'-5'1259,"0"0"-1169,19 3-180,-15 20-1169,32 2 450,-21 3 269,5 11-90,0-20 91,-18 17-1,7-9 540,-1 6 0,-6-9 0,6 5 0</inkml:trace>
+  <inkml:trace contextRef="#ctx0" brushRef="#br0" timeOffset="60333">16422 8868 7982,'15'-10'1440,"-1"3"-1440,5 24 0,-4-11-630,-14 42-1799,11-4 2429,-7 13 0,0-23 0,1-1 0,2 18 0</inkml:trace>
+  <inkml:trace contextRef="#ctx0" brushRef="#br0" timeOffset="60633">17375 9746 12480,'-12'-8'360,"0"1"-360,1 1 0,1 1 0,4 0-3688,2 3 3688,21 0 0,9 1 0,19 1 0</inkml:trace>
+  <inkml:trace contextRef="#ctx0" brushRef="#br0" timeOffset="60900">17580 10402 9242,'0'25'1619,"0"10"-1439,0-10 629,18 22-449,3-18 450,14 25-361,-16-22-269,-5 10 0,-14-1-180,0-10 0,-21-5 0,-7-1 0,-11 5-970,2-13 1,-9 1 0,3-2 429,0 0 1,0-2-226,-18 6 1,-4 0-526,18-7 1,-2-1 0,2-1 1289,-8 3 0,0-1 0,9-3 0,-3 1 0,4-1 0,-1-1 0,1 0 0</inkml:trace>
+  <inkml:trace contextRef="#ctx0" brushRef="#br1" timeOffset="85766">3928 13120 24898,'1'-18'-4358,"0"1"2686,-1 3 661,0-1 567,0 2 148,-21 0 572,15 3-922,-32 2 399,33 0-397,-33 2 1773,20 2 19,-32 2 459,19 1-139,-9 1-411,6 16 1639,12 8-2483,-7 25 1284,19-6-1964,5-8 1,1-1-469,3 11-549,20 16-647,4 1-163,0-15 893,-5-8 0,0 0-687,4 4 1314,-6-9 1,0 0-284,4 2 67,-10 21 157,-10-27 866,0 9-1134,0-2 532,-26-9-379,1 16 1542,-6-23 1,-11 2 0,13-13-1</inkml:trace>
+  <inkml:trace contextRef="#ctx0" brushRef="#br1" timeOffset="86000">3568 12811 23459,'13'-19'-881,"5"4"1810,-16 4-2719,5 5 3195,3 2 156,-5 3-636,10 17-2464,-6-12 780,4 38-937,7 8 521,-12-19 1,1 3 775,5 25 1,1 1-659,-6-17 0,-1 0-340,2 18 1,1 0-41,-4-12 0,0-2 933,0 3 1,0 0-319,0-1 0,0 2 298,-1-4 0,1 2 0,0-2 178,1 5 0,-1-1 363,3 15 0,1-3 1,-4-23-1,1-3 1,0-1-1,0 0 0</inkml:trace>
+  <inkml:trace contextRef="#ctx0" brushRef="#br1" timeOffset="86634">4513 13356 24808,'0'-7'-6025,"0"19"3896,0 14 1155,16 30-419,-12-4 821,22 7-339,-23-16 837,19-1-2037,-19-2 1977,18-5-302,-19-3 290,14-4 196,-10 2-292,1-12-23,0 2-728,-5-15 490,3 0 324,-3-5 1942,2-16-1335,0 12-1,2-27 0,1-9 268,4-1-96,2-18 1,1-5-97,-6 28 1,2 1 126,6-24 1,1 1-117,2 0-942,-6 24 1,-1 5 1109,5 3 143,-3 13 889,2 7 503,3 34-2753,-3-3-51,-3 14 1,-2 4-394,2 16 665,-4-15 0,0 6 0,-2-5-234,-1-10 0,-1 1-150,4 28 0,0-4-1159,-2-17-672,2 11 2568,-3-38-480,-1 3 385,0-18 1423,-1-12-572,8-23 135,-2-10-602,1 0 1,0-2 45,-3 13 0,-1-2-55,5-27 1,-1-1 228,-4 25 1,0 2-148,1-12 1,-1 3-1174,1-5 699,-2 11-10,-1 10 197,4 15 672,-2 6 369,8 41-2162,-4-6 542,0 13 0,0 4-330,4 11 189,-3-16 1,0 1-967,5 17-298,3 2-458,1-7 247,-3-19 1,1-1 2252,13 10 1,14 2 0,-10-25-1</inkml:trace>
+  <inkml:trace contextRef="#ctx0" brushRef="#br1" timeOffset="86900">5830 13099 24718,'-47'-4'525,"20"21"823,-18 3-49,26 22-1932,-12 4 0,-2 3 243,17-17 1,1 2 66,-1 9 1,-1 5 0,4-5-636,3 22 352,2-15 1,7-1-940,18-1 126,-3-14 1,1-3-1626,8-5 1917,31-4 800,-15-17 845,13-25 253,-21 5 1,-3-4 456,-8-28-1143,-1 12 1,-3-1 1001,-13-12-729,9-14-512,-12 22-1490,0 1-485,-17 6 1375,13 5 0,-13 7 0,17 4 0</inkml:trace>
+  <inkml:trace contextRef="#ctx0" brushRef="#br1" timeOffset="87400">6328 13163 24629,'-29'14'3285,"-12"-10"-3264,37 35-3212,-32-14 3890,32 26-2504,-34-2 1614,28-9 1,2 1-192,-3-9 0,0 1-206,3 22 0,3 0-1452,5 7 1215,-1-24 0,2-1 540,19 21-2214,-16-20 2168,39 10-878,-9-31 860,30-3 921,-10-30 122,-7-12 0,-2-7 104,-20 6 1,-2-4-483,5-9 1,2-5 0,-5 2 313,-7 4 1,-4-2-420,-1-8 1,-2-6 0,-2 4 1,-3 1 0,-2 1-345,-2 5 0,0-2 1,-1 3-246,1-6 1,-4 3-576,-9 1 1,-4-3 878,6-2 1,0-4 0,-4 5-588,-14 3 0,-2 2 252,10-4 1,1-5-1,1 11-787,-13-3 389,-10-5 597,25 36 167,-9 19 2161,13 54-1342,6 2-445,13 4 0,5 2-231,0-25 1,0 0 5,-1 16 1,2-1-344,9-14 1,1 0-198,-14-1 1,1 1-164,10 0 1,2-1-894,-7-1 0,-1 0 576,0 0 1,0 0 167,-1-2 0,1 1-108,4 9 1,0 0 384,-5-13 1,1-1-222,6 15 0,-1-4 129,2-1 636,4 0 1,-12-22 0,-2-5 0</inkml:trace>
+  <inkml:trace contextRef="#ctx0" brushRef="#br1" timeOffset="87918">6840 13701 23459,'0'1'-5126,"20"-10"9278,4 36-6832,14-24 3439,-2 9-879,12-12 743,-12 0-299,-3-6 0,0-5 311,4-16 212,-8 3 1,-2-3-1805,0-19 1482,-9 14 0,-4-1-1157,-4-9 122,-2-15-720,-8 2-456,-20 12-772,0-16 35,-5 30 856,-5 1 861,13 18 455,-11 30 1812,13 3-701,5 26-615,7-15 0,0 1 559,2 23-404,8-7 1,2 0-624,-3 7-75,16-22 0,2-3-490,-3 6-1558,22-10 1342,-8-7 1038,0-12 680,4-4 352,1-6 76,-12-19 0,1-5 997,14-10-1371,-7-15 0,-3-6-43,-14 20 1,-1 1-620,4-14 1,-2 0-107,-7 10 0,-3 1-367,-2-2 1,0-1-222,-2 0 1,-2 0-386,-1-3 1,-1 1 218,0-1 1,-1 0 28,0 0 0,-2-2 749,-8-19 1,0-1-247,7 17 0,-1-1 239,-6 0 1,-4-4 0,1 5-396,3 10 1,-1 1-66,-6-15 0,-1 5-418,-1 8 242,-5 4 330,12 26 813,0 34 612,-7 25 31,11 15-835,2-5 0,-1 1 23,4-20 1,0 0 16,0 16 1,4 3-361,6 3 1,5-2-407,3-13 1,2 1-680,2 5 1,3 6-1,0-7-309,6-2 1,1-3 457,-7-6 0,0 3 1,-1-3 853,5 1 0,0-2 1,3 1-1,0-1 0,2-1 1,-1-1-1</inkml:trace>
+  <inkml:trace contextRef="#ctx0" brushRef="#br1" timeOffset="88317">8283 13110 24988,'-11'0'180,"2"0"-90,30 0-180,0 0-270,29 13-926,-3-10 324,10 10-200,9-13 89,-11 5 1,3 0 1058,-14-3 0,1-1 0,16 4 0,0 0 0,-19-5 0,0 0 0</inkml:trace>
+  <inkml:trace contextRef="#ctx0" brushRef="#br1" timeOffset="88567">8925 12972 24359,'-33'-12'-2122,"5"0"1011,4 4 721,5 0 2,11 3-317,2-1-145,6 2 28,27-1 1284,-3 0 53,11 2 0,5 0 355,14-1-431,-16 2 1,0 1 483,20 0 376,-2 1 360,-4 0-62,-4 19-2692,-7-14 712,-5 36-1445,-5 2-303,-15 12 172,-7-4 1,-6 2 535,-11-17 0,-3 1-109,10 16 1,-3 1 1406,-18-12 0,-2-2 0,13 2 0,0 1 0,-12 0 0,0-1 1</inkml:trace>
+  <inkml:trace contextRef="#ctx0" brushRef="#br1" timeOffset="89068">10398 12672 24718,'-19'-24'-6537,"-1"0"4416,1 6 1644,0 3 279,0 3 401,3 4 44,-7 4 564,7 3-891,-9 16 2212,13 12-1126,0 29-740,8-2-458,11 2 1,6 0-301,1-24 1,2 0 25,1 8 0,2 5 0,0-7-344,3-9 1,1-1 91,4 15 0,-4-1-1557,-6 4 1543,-1-8 0,-3 0-318,-11-2 701,-15 21 926,7-32-1096,-36 8 1487,19-17-324,-1 0 0,-6-12 0,16-1 1</inkml:trace>
+  <inkml:trace contextRef="#ctx0" brushRef="#br1" timeOffset="89454">11208 12719 24898,'4'-4'1068,"-25"2"-1579,15 20 697,-27 0 0,-5 2 663,13 21-1084,-10-1 1,-1 0 67,8-2-234,5 22-497,13-30-102,10-3-125,27-5 1,7-3-63,-1-2 519,8-2 0,2-3 527,13-12 292,-16-21 738,8 16 214,-20-36-521,-14 24 1476,8-20-1177,-19-1-1265,8 8 617,-11-16-1740,0 23-732,-14-6-69,10 15 393,-10 51 618,14-16 330,7 9 1,3 5-755,-2-1 0,5-2-509,31 11 2251,-19-4 1,1-3-1,20-7 1,2 4-1</inkml:trace>
+  <inkml:trace contextRef="#ctx0" brushRef="#br1" timeOffset="89733">11780 12748 24179,'-16'-9'-2473,"4"22"3702,12 9-3549,0 15 964,22 1-102,-17-8 448,35 2 969,-36-1-1824,32 9 1351,-15-13-853,16 11 1678,-16-23 20,12-2 958,-25-9-415,20-27 181,-18 2-1146,6-41-358,-5 18 126,2-20-328,-3 15-378,-2-1 922,1 1 0,3 3 0,0 1 1</inkml:trace>
+  <inkml:trace contextRef="#ctx0" brushRef="#br1" timeOffset="90036">12365 12945 22380,'3'25'-6837,"1"-2"4606,1-5 613,2-3 594,2-5 974,1-5 881,4-2 363,2-3-1194,12-17 2214,-5 13 124,6-34-213,-1 5 90,-9-9-491,3-18-1467,-14 23-212,-5-21-1248,-20 23-1157,-3-10-262,0 22 1310,-13 1 366,12 14 918,-15 26 1652,16 1-452,-9 23-142,26 22-630,-9-9-556,19-4 1,7 1-597,-3-19 1,3-2-360,7 10 1,6-2 1036,13-2 1,4-6 0,-9-8 0,2-2 0,15 5 0,1 1 0</inkml:trace>
+  <inkml:trace contextRef="#ctx0" brushRef="#br1" timeOffset="90356">13315 12080 24359,'-20'14'1566,"3"-11"-477,8 30-3735,5-7 866,4 11 554,20-8 0,6 1 57,5 9 881,15 0 1,5-1-366,-23-15 0,-1 1 51,23 17 1,-2 1-170,-20-17 1,-1 0 624,7 7 0,-2 0 43,2 13 577,-5-2-736,-9 1-425,-9 16-140,-5-12 121,-15-9 0,-2 0 58,6 8-275,-27-8 0,-5-2 1246,4 8 0,-5-17 1,-1-2-1,-10 10 0</inkml:trace>
+  <inkml:trace contextRef="#ctx0" brushRef="#br1" timeOffset="91216">13203 12175 24269,'-23'-5'-115,"-3"3"324,-16 0 327,3 28 538,-11 17-1099,30-15 1,2 3-150,-7 4 1,1 0-152,-5 24-61,17-27 1,2 1 14,3 0 0,2 2-331,-1 15 1,6 1-582,10-14 0,6 1-388,-1 3 1,2 3 0,4-5 107,10-4 1,4-4 1445,9 12 0,1-3 1,-9-14-1,1-4 0,3 1 1,-1 0-1</inkml:trace>
+  <inkml:trace contextRef="#ctx0" brushRef="#br2" timeOffset="102642">14437 12644 24089,'0'-12'-5666,"0"0"3627,0 1 975,0 5 426,0-1 122,0 3 32,0 0-284,0 1-1908,0 0 3170,0 2 0,14-1 0,3 2 0</inkml:trace>
+  <inkml:trace contextRef="#ctx0" brushRef="#br2" timeOffset="102967">14485 12955 21930,'0'9'-5576,"16"1"5301,-13 3-2093,26-1 3297,-26 2-2141,22 1 1635,-15 1-920,10 3-699,-7-1 1252,-2 1-689,-1-1 1135,-3 2-2052,-2 8 1728,-3-7-928,-1 18 1039,-27-15 579,20 10-1284,-50-9 2052,31 4-1074,-29 0 95,10 2 1,-2-1 0,0 0 0</inkml:trace>
+  <inkml:trace contextRef="#ctx0" brushRef="#br2" timeOffset="119084">19593 4323 21480,'0'33'-5845,"0"1"3806,0-6 885,0 1 515,0-7 303,0 3 32,0 3 76,0 3-1278,0 2 1596,0 4 0,0 2 0,0 12-90,0 3 0,0 1 90,0 3-90,0-4 0,0 1 0,0-21 0,0 0 15,-1 28 0,2 0-66,8-24 1,-1 0-65,-6 10 0,1 3-65,13-1 0,-1-1-23,-12-12 0,-2 1 69,12 25 1,2-1-100,-7-26 0,2 0-4,4 24 1,2-1-23,-3-23 1,0-1 64,-1 11 0,-2 0-18,5 19 169,-7-32 1,-1 0 49,-1-1 0,0 2-48,3 14 0,0 1 115,-4-13 1,0 2 67,4 24 1,0 0 11,-4-25 1,-1-1-35,2 11 0,0-2 158,3 19-178,-2-1 147,1-3-160,0 0-19,0-2-43,0-2-30,-3-17 0,1 0-36,6 20-28,-3-12 0,2-1-121,5 6 10,-5-19 1,0-1-143,6 9-166,1-1 1,-2-1 174,7 19-120,-7-14 297,-3-6 1,-1 2 2,-1 8 199,0-6 0,-1 1 165,-1 10-40,-2-19 0,-1 2 14,0 1 1,-1-1 102,2 22-22,-1-10 0,0 1 133,-1 9-215,0-11 0,-1 0 82,0 9-138,-1-22 1,-1 1-25,-1-1 1,1-1 123,-1 18-122,-1-9 0,0 1 103,0 8-63,0-7 1,0-1-85,0 12 122,-7-9 0,-1 1 192,4 12-155,-11-23 1,0 3 45,14 2 0,-1-2-62,-12-8 1,0 1-43,12 23 0,1 2-3,-10-23 1,-1 1-90,10 27 0,2 1-46,-7-24 0,0-1-126,5 13 0,2 0-83,-2-14 0,0-1-52,2 1 1,0 0 60,-1-1 1,0 1 0,0 17 0,0 1 50,-1-15 1,0 1 35,0 4 1,1 4 0,0-4 30,-1-4 1,0-2 31,0 14 1,0-2-19,0-14 0,0-3 45,0 1 0,0 1 71,0-2 1,0 0-107,0 0 1,1 1 21,-1-2 1,1 0-3,-1 0 1,1 1 22,1 13 1,-1 0-56,0-12 0,1 2-13,0 24 1,0-1-10,-1-24 1,2 0-109,7 27 0,2-1-16,-8-25 1,1 0 0,5 11 1,2 1-46,-2-1 1,-1-1 25,0-12 1,1 2-49,7 24 0,0 0-32,-5-27 1,0 0 20,4 25 1,-2 0 140,-5-25 0,0 1 62,2 12 1,1 6-1,-1-5-5,-2-10 1,-1 1 92,2 9 0,0 5 1,-2-6-23,0-12 1,-1-1 68,2 24 1,0 0 55,-3-24 1,0-1-17,1 11 1,-1-2-23,1 16 114,-1 2-24,1-1-58,0 4 13,0 1-60,-1 2-40,0-16 1,0 2-17,-2-13 0,1 2-50,1 4 1,0 4-1,0-3-10,1-4 1,-1 0-22,1 4 1,0 5 0,0-4-77,0-5 0,0-1 69,2 14 0,-1-1-36,0-16 0,-1-3-32,0 2 1,0-1 52,0 0 1,1 1-133,1 14 1,0 2 159,-2-14 0,1 1-10,-1 4 1,1 4 0,-1-4 48,0-4 0,-1 1-30,-1 3 0,0 6 0,0-5 95,-1-4 1,0 1 8,-1 15 1,0 7-1,-1-5 53,1-11 0,0 1-38,-1 11 1,0 7-1,0-7 43,0-14 0,0-1-50,0 4 0,0 6 0,0-6 35,-1-3 1,2-1-187,4 4 1,2 4 0,-2-4-132,-2-3 0,-1-2-376,6 13 1,2 0 537,-3-17 0,0-2 0,-6 0 0,1-1 0,5 1 0,0 0 0</inkml:trace>
+  <inkml:trace contextRef="#ctx0" brushRef="#br2" timeOffset="120684">20853 4898 23459,'-40'0'630,"1"0"-630,8 15 1130,-3-11-813,1 32-620,0-18 630,3 19-730,3-5 185,3 0-142,5 1-226,6 0-1427,5 13-32,4-13 262,4 12-1006,26-18 717,-19 1 1846,49-5 0,-30-1 0,28-3 0</inkml:trace>
+  <inkml:trace contextRef="#ctx0" brushRef="#br2" timeOffset="121034">21267 5230 22560,'-20'-6'-1902,"-1"1"1600,-18 5 1010,3 15 796,2 3-667,6 18-1217,12-7-286,8 7-681,27-10-17,10-2 240,10-11 490,6-7-428,-9-6 477,6 0 981,-2-22 710,-1 17 246,-3-36 443,3 13 33,-20-8-1526,8 0-145,-25 13-1343,4 1 246,-6 1-1166,0 4 326,0 0 273,-16 5-242,12 20 441,-12 8 1000,16 23-732,19-18 939,-14 18 1,35-35 0,-13 15-1</inkml:trace>
+  <inkml:trace contextRef="#ctx0" brushRef="#br2" timeOffset="121434">21972 5121 23189,'-20'18'553,"5"5"-1837,15 12-1546,0 2 1078,0 11 584,0-10 334,0 28 208,17-29-1505,-13 21 345,28-28 787,-28 6 891,21-13 299,-22-8-993,8 0 469,-11-24 243,0-12 805,0-13-574,0-7-371,0-18 518,0 12-209,8 5 1,1 1 759,-5-6-425,12-8 148,-3 25 335,-9 8-323,9 5 812,-13 8-1206,11 4 1922,0 3-572,10 2-105,-6 16-1987,-2-12 768,-3 24-1631,-2-25 700,0 22-434,-1-22-1824,-1 30-296,-2-21 2846,-3 17 0,-1-15 0,0 0 0</inkml:trace>
+  <inkml:trace contextRef="#ctx0" brushRef="#br2" timeOffset="121638">21215 4490 22920,'19'-16'990,"-14"4"-3323,34 2 3784,-23 4-330,20 1-937,-8 2-68,4 1-725,0 2-110,1 15-1490,-2-12 2035,-1 33 1,-4-11 0,-1 21 0</inkml:trace>
+  <inkml:trace contextRef="#ctx0" brushRef="#br2" timeOffset="121790">21410 5990 19846,'40'4'0</inkml:trace>
+  <inkml:trace contextRef="#ctx0" brushRef="#br2" timeOffset="122217">22715 4798 24449,'8'-9'-1038,"-3"2"1624,-1 4 372,-2 2-114,1 1-829,0 13-2268,3 8 457,0 10-203,3 21 305,-2-15 120,-1 15-470,-2-15-116,-2 0 456,2-3 1943,-1-3 12,-1-4 19,0-4-17,-1-1-100,0-9-1604,-1-2 1564,0-27-5,0-12 116,0-11 26,0-5-117,15-4 735,-11 13-491,11-6 622,-15 18-870,10 12 1361,-7 19-2054,16 20 189,-17 9 169,17 7-1978,-3 12 698,6-13 67,-3-7 0,1-2-113,7 2 1221,12 5 1,-6-22 0,3-4 0</inkml:trace>
+  <inkml:trace contextRef="#ctx0" brushRef="#br2" timeOffset="122617">23383 4133 23189,'-14'-8'-2259,"0"3"1870,-3 31 932,-5-5 493,20 30-2162,-15-9 960,15 9-712,-5 7 193,7-13 1,0 2 418,-1-11 1,2 1-299,7 26 1,5 0-189,-1-26 1,2-1-378,10 24 0,-1 0 667,-10-26 1,1-2-209,8 8 1,-4-1 5,-13 8 328,28-6 32,-29-7 6,17-1 322,-19-13-473,6-2 273,-4-13 847,3-23 568,3 13 1075,1-38-1782,1 25 778,0-21-415,9 2 391,-7 19 866,6-15-1069,-13 30 466,5-9-2094,-8 35-317,6-17 82,-1 58-593,2-39-46,0 13 0,2 1-875,6-2 731,1-8 1,2-1 1121,11 0 0,14-5 0,-8-14 0</inkml:trace>
+  <inkml:trace contextRef="#ctx0" brushRef="#br2" timeOffset="123171">24195 4922 23189,'-21'-12'-3552,"-8"5"3794,-11 2 260,1 5 185,11 17 416,2-13-476,3 36-957,10-21-118,-6 21 754,16-9-1363,-8 0 378,11 11-918,18-13-1090,9 14 294,23-23 2190,-7-3-149,1-11 765,-12-6 1009,9-19 208,-12 14-602,-7-19 1,-2-4 467,-3 6 295,3-30-1649,-12 19-354,0 2-542,-5 2-772,1 3-318,-4 6-195,1 1 1023,-1 24-400,0 12 709,0 16 213,0 18 135,0-19 108,20 21-925,3-28 936,26 7 619,-12-22 542,5-1 192,7-24 1062,-10 11-1013,-6-21 1,-1-4 463,4 3-518,-9-13 0,-3-4 12,0-6-925,-9 2 1,-3 0-436,-1-15 56,-6 23 0,-2-2-214,-1 1 0,-2 2-1536,0-17 1120,0 15 1,0 3-686,0 4 781,-16-1-528,12 43 1658,-23-10 845,24 49-1263,-8-21 240,4 13 1,3 3-56,2 13-286,-4-5 0,1 1 114,5 6-12,-2-19 1,4-2-1823,23 10-904,-19-2 1814,37-4-96,-39-6 41,36-4 602,-35-6 384,33 0 1,-21-12 0,15 0 0</inkml:trace>
+  <inkml:trace contextRef="#ctx0" brushRef="#br2" timeOffset="123301">24593 4873 22290,'8'0'-1889,"18"0"1889,26 0 0,7 0 0,-10 0 0</inkml:trace>
+  <inkml:trace contextRef="#ctx0" brushRef="#br2" timeOffset="123534">24147 4299 23819,'-5'-33'-6796,"2"10"4229,2-10 1672,22 17 1183,4 0 13,25 10 0,-9 19 0,2 6 0</inkml:trace>
+  <inkml:trace contextRef="#ctx0" brushRef="#br2" timeOffset="123686">24112 6096 24179,'-10'3'-87,"2"-1"0,3-2 0,3 0 1</inkml:trace>
+  <inkml:trace contextRef="#ctx0" brushRef="#br2" timeOffset="125390">26703 4094 23639,'-24'-13'-3269,"18"1"-1219,-50 4 6022,28 0-986,-30 6 384,9 0-262,-4 2-93,-4 18 25,0-13 123,28 14 1,0 2 1544,-22 0-1144,5 20-576,10-5-628,12 1-223,12 23-900,36-14-119,3-6 1,5-1 346,4-16 0,4-3 382,8 7 0,1-1-210,-8-9 0,0-2 399,0-1 0,1 0 166,-1 0 0,2-1 221,10 3 0,-2 0 364,-15-5 1,-1 1 715,11 3 0,-3 0 151,-9 1-914,-3 1-514,-23-9-659,-5 1-810,-3-3 669,-22 1 2033,17 1-2090,-56 2 885,36-2-313,-9-3 0,-1-2 772,0 0 0,-5-2 0,16-1 0</inkml:trace>
+  <inkml:trace contextRef="#ctx0" brushRef="#br2" timeOffset="125633">26608 3694 23549,'0'-9'-5846,"0"1"4797,-13 5 2639,10 24-1751,-20-1 1848,20 22-1886,-6-10 1,1 1-16,5 25-523,-1-17 1,0 2 827,4 11 0,0 0-97,0-12 0,0 3-422,0 7 1,0 5 0,0-4 278,-1-2 0,2-1-737,5 7 1,2 4-1,1-5 204,1-5 0,3-1-238,0-5 1,2 6 0,2 0 0,-2-7-174,4 2 0,0-3 972,-3 1 0,1 3 0,-1-7 0,13 13 0,1-3 0</inkml:trace>
+  <inkml:trace contextRef="#ctx0" brushRef="#br2" timeOffset="125870">27620 4490 25618,'-36'14'3213,"14"8"-4303,10 11-1244,12 4-394,0-3 550,18 1-445,-14 3 876,14-1-1261,2-1-772,-15-2 3318,31 7 1,-16-13-1,16 5 1</inkml:trace>
+  <inkml:trace contextRef="#ctx0" brushRef="#br2" timeOffset="126026">27408 3817 22830,'-18'-14'-5065,"2"3"3025,4 5 2001,5 3 0,3 1 0,3 2 0</inkml:trace>
+  <inkml:trace contextRef="#ctx0" brushRef="#br2" timeOffset="126452">28147 4185 22920,'-33'31'465,"-1"5"-762,2 5-202,1 6 185,12-9 1,1 2-95,6-9 0,1 1 1,-1 22 0,3 0-444,3 8 176,4-23 1,4-2-929,19 9-432,-16-6 573,42-5 781,-25-9-234,25-7 1178,-10-9 463,25-5 475,-14-26-7,-5 2 0,-1-4 42,-17-4 1,-2-2-435,7-6 1,-2-1-435,-9 4 1,-3-1 111,-1-2 1,-1-2-585,-2-2 0,-1-3-232,-1-19 0,-3-2-235,-2 14 1,-1-1 274,0-2 1,-1-5-1,-5 6-416,-7 6 0,-4 2 182,2-20 0,-2 3-984,-14 5 830,9 24 1,1 3 91,-1-1-196,-13 16 1456,15 18 1394,-1-1 111,10 60-1533,-2-30-642,3 30 1,7 5-386,10-34 1,3 0-462,-3 11 1,-1 7-1,5-7-23,10-9 0,2-2 710,0 14 0,0-1 0,-4-14 0,0-3 1,0 2-1,1 0 0</inkml:trace>
+  <inkml:trace contextRef="#ctx0" brushRef="#br2" timeOffset="126900">29218 4186 23549,'-6'-2'-1759,"26"1"1965,9 0-840,18 17-1925,3-12 2409,-6 25 1,7-16-1,1 12 1</inkml:trace>
+  <inkml:trace contextRef="#ctx0" brushRef="#br2" timeOffset="127050">29415 4944 21930,'48'-27'27,"2"-14"1,-2 24-1,4-18 1</inkml:trace>
+  <inkml:trace contextRef="#ctx0" brushRef="#br2" timeOffset="127449">30238 3753 24539,'-27'-14'-3507,"10"3"1567,-3 1 1618,17 1-1916,-6 1 1824,26 1 2441,-12 3-1371,26 1 1,8 4-766,-3-2 613,14 8 1,2 0 408,1-3-689,-8 20 1,-4 5 816,-11-8-1093,-4 12 0,-7 2-2794,-16-3 735,5 25 259,-32-22 1558,18 11-764,-33-14 1659,35-2-665,-12 0 806,16 13-179,0-10-529,17 26-307,-12-22-533,13-4 1,6-1 299,7 9-1265,0 11 1645,13-5-710,-28-12 264,6 18-113,-11-26 434,-11 17 336,0-21-819,-24 9 938,18-10-978,-39 1 1208,39 0 1,-36 2 0,16 0 0</inkml:trace>
+  <inkml:trace contextRef="#ctx0" brushRef="#br2" timeOffset="127590">31230 5043 25078,'-21'0'0,"4"0"0</inkml:trace>
+  <inkml:trace contextRef="#ctx0" brushRef="#br2" timeOffset="131268">21045 7146 21300,'-35'12'2772,"2"-9"-3086,-1 10 1120,3-1-282,2-9-773,4 23-353,3-11 686,7 13-601,2 13-1081,7-7 254,2 31-829,30-22 917,-2 2 0,3 1 340,-2-22 0,2 0 418,12 20 1,-2 0-1078,-4-7 1504,-8-10 0,-3 0-451,-7-2-148,0 8-68,-15-18 1211,0 4-434,-24 0 1088,-14-2-564,3-3 1,-2 0 880,-25 3-1022,22-6 0,2-3 0,-5 0 0,-10-5 0</inkml:trace>
+  <inkml:trace contextRef="#ctx0" brushRef="#br2" timeOffset="131500">20872 7122 23099,'0'-8'-6025,"0"1"5066,0 4 434,0 17-24,0 13 124,0 11 121,0 10 234,0-2 1,0 2-1527,0 18 1262,3-21 0,2 5 0,1-5-148,2-8 0,2 0-180,2 5 0,2 5 1,1-4-183,1-3 0,2-1 753,2 13 1,1 0 0,-4-17 0,0-2 0,1 1 0,0 0 0</inkml:trace>
+  <inkml:trace contextRef="#ctx0" brushRef="#br2" timeOffset="132118">21468 7451 23369,'0'17'-5126,"0"13"3087,20 17-395,-15 5 1771,15-9-360,-4 4 295,-12 1 643,22 2-2054,-24-3 2030,9-1-320,-2-5 661,-6-2-168,12 0-81,-13-12-911,6-1 222,-5-18 421,2-28 606,2-2 14,1-12 1,1-4 564,7-16-523,3 2 1,1-2 339,-7 20 0,0 1-221,12-21 0,-1 2 958,1-1-38,-4 17 1,-1 3-441,-4 12 63,8-1 231,-18 43-2272,3 11-246,-7 11 388,1 7-145,-2-12 69,-1 4-196,0-1-149,0 15-437,0-17 1999,0 15 82,0-30-656,0 2 349,17-18 426,1-25 985,2-1 55,12-22-198,-17 4-534,17-5-163,-14 8 1,-1 0 370,8-16-547,-7 12 1,-1 1-49,-3 4-756,0-3-330,-8 26 368,-3 2 370,0 7 377,-1 20-1568,0 14 570,1-1 1,0 2-762,3 27-250,5-4 0,4 0-735,7 4 2020,-3-13 1,2-3-1,15-4 1,4-3-1</inkml:trace>
+  <inkml:trace contextRef="#ctx0" brushRef="#br2" timeOffset="132410">22827 7521 22650,'-37'-7'-409,"13"1"846,-10 14 1,-2 5 1237,0 6-1542,6 6 0,2 4-368,1 10-415,-5 12 182,23-12-685,3-2 244,6-2-762,19 8-1297,-15-14 567,54 3 1502,-33-21 758,12-6 1,1-5 762,1-17 1180,12 12-352,-21-36-214,-5 23 1310,-10-22-1849,4-2-632,-17 8-1391,8-17-368,-10 23-1811,-20-8 3112,15 21 1,-30 2 0,17 9-1</inkml:trace>
+  <inkml:trace contextRef="#ctx0" brushRef="#br2" timeOffset="132872">23410 7437 22470,'-49'0'1529,"-3"18"329,14-14-1753,0 37-596,4-3 115,17 8-156,0-11 0,3-1-173,11 5-662,-8 24 110,11-31-1002,22 9-83,11-27 1737,11-1 270,3-13 1164,-9 0-95,-1-23 1202,19-11-261,-16-13-1025,-9 12 1,-3-1 1200,1-12-1871,-12 15 1,-3-1-252,0-19-812,-5-5-206,-5-3 387,-3 14 1,0-2 180,0 13 0,-2-2 497,-10-24 0,-1 0-938,7-4 584,-15 18 1,0 3-958,15 3 815,-12 0 352,3 26 167,1 34 1487,-8 43-833,14-30 0,1 4-272,2 12 0,1 7 0,1-6 89,0-11 1,1 0-312,6 9 1,2 6 0,-1-6-737,0 20-45,11-11 1,4 0 67,-7-24 1,0-1-1155,10 20 1,3-1 1772,-5-21 0,1-2 0,0 7 0,0-2 1,13 8-1</inkml:trace>
+  <inkml:trace contextRef="#ctx0" brushRef="#br2" timeOffset="133466">23963 7711 21570,'42'0'90,"6"0"-90,-8 0 0,13 0 0,-24-17 506,7 0 216,-11-3-728,-8-14-577,-4 19 801,-7-27-1397,-6 20-327,0-5-91,-20 10-151,15 3-990,-29 2 2209,14 6 579,-15 18 748,1 12 905,14 25-934,8-7-202,12 3-772,0-12 898,0-2-1637,22-2-113,12-4-938,12-4 1546,-11-14 1,1-3 1033,11 5-50,-15-20 0,0-1 1706,13 6-397,-2-44-441,-3 28-470,-15-10 1,-3-4-182,11-11-699,-12 4 0,-1-3-631,-1-13 27,-11 18 0,0 1-1348,-1-23 474,-5-3 1116,0 32 0,-1-1-163,-1 1 0,0 0-186,0-32 230,-19 5 81,10 24 0,-2 1-662,-11-11 244,-8-9 89,13 39 920,-14 3 479,14 39 518,-9-2-600,19 12 0,3 5 97,-10 15-283,8-2 0,4 2-120,1-20 0,2 0-54,-3 12 0,4-1-471,10-14 1,0 0-1298,-6 30 629,16-31 0,4 2-177,-11 11 1,1 1 348,4-11 1,3 1-503,5 23 1,-2-1 395,-10-23 1,1-1-423,9 22 0,0-1 536,-12-22 1,1-2 708,4 9 0,-1-2 0,6 11 1,0-2-1</inkml:trace>
+  <inkml:trace contextRef="#ctx0" brushRef="#br2" timeOffset="133703">25207 7599 24269,'-8'-6'-4435,"5"2"149,15 2 6929,20 1-2176,10 1-357,8 0-480,-10 0 392,21 0 0,-17 15 0,14 2 1</inkml:trace>
+  <inkml:trace contextRef="#ctx0" brushRef="#br2" timeOffset="133836">25240 7915 23459,'-11'7'2332,"-6"1"-914,15-3-4806,12-1 980,24-2 2485,-1-9 0,2-2 0,-1 7 0,-1 0 0,6-6 0,0 0 0</inkml:trace>
+  <inkml:trace contextRef="#ctx0" brushRef="#br2" timeOffset="160384">21207 9078 23009,'-23'-3'55,"1"1"2,-1 1 195,-1 1 123,1-1 420,-12 1-410,9 0-29,-9 19 436,10-15 95,0 38-1155,-9-3 170,9 12-247,4 3 1,3 1-564,4 6 299,3 3 0,4-1-1206,6 0-145,13-10 0,0 0-1452,-5 7 1605,24-14 1,5-2-1049,-5 1 2789,4-18 1,2-3-1,17-1 1,4-3-1</inkml:trace>
+  <inkml:trace contextRef="#ctx0" brushRef="#br2" timeOffset="160734">21718 9604 23909,'-20'-6'-1360,"14"1"-1645,-50 4 4224,35 0-320,-29 1-345,18 18 372,8 1-907,6 20-1009,9-5-14,36-13 370,13 2-716,17-21 1343,-16-5 1,1-1 207,11 0-155,-9-21 1,-1-3 134,2 5 429,-18-2 1,-3-4 1132,0-15-654,-8 11-187,-7-15-2173,-5 26-145,-4-5-467,-14 19 847,10 16 86,-11 17 579,15 9-609,0 4-120,19 8-590,-15-12 394,22-6 0,4-1 501,-4 0 69,3-9 0,2-4 799,9-4 0,3 2 1,2-5-1</inkml:trace>
+  <inkml:trace contextRef="#ctx0" brushRef="#br2" timeOffset="160951">22555 9145 23729,'-14'-4'223,"10"17"-2168,-10 10 1802,14 11-1480,0 5 480,0-6 327,20 2-290,-16 2-1017,29 0 341,-30 0 251,25 0-472,-25 0 288,24 14 378,-13-14 1160,12 19 0,-12-28 0,-4 5 0</inkml:trace>
+  <inkml:trace contextRef="#ctx0" brushRef="#br2" timeOffset="161103">22380 9349 22650,'0'-29'-6116,"0"3"4077,0-9 975,27 12 2564,10-12-968,16 18-312,-13 7 0,0 1 1,14 1-1,-17 5 1,0 0-1</inkml:trace>
+  <inkml:trace contextRef="#ctx0" brushRef="#br2" timeOffset="161435">23093 9580 21840,'-14'12'560,"3"-2"-377,11-3-3427,23-4 3390,-17-17-755,42 11 1283,-10-28-181,12 6 56,2-8-239,-16-4-385,-2 11 1875,-5 2-706,-1-10 28,-14 8-1741,-2-13-411,-12 19-666,-25-3 104,-6 15 1297,-26 17 477,11-5 106,18 18 1,4 4-189,3-4-86,2 10 0,5 2-39,11 1-462,-7 13 249,10-15-1712,29-2-941,-6-1 2476,30-5 0,-9-3 0,5-4 0</inkml:trace>
+  <inkml:trace contextRef="#ctx0" brushRef="#br2" timeOffset="161900">23960 9316 23279,'-35'0'270,"1"0"-90,2 15 1121,3-11-1127,5 23-641,5-24 779,9 27-1497,5-15-33,5 26-559,20-16-210,-14 7-624,44-14 1510,-24-3 150,26-8 273,6-2 1463,-16-5 253,22 0 559,-33-20 789,6-1 832,-26-19-3206,-2 4 44,-9 5-1284,-20 12-28,14 0-675,-31 17 1925,21-5-1006,-14 26 946,16 15 288,4-1 0,3 2-233,5 28 71,-3-12 1,2 0-210,11-18 0,1 0 287,-9 13 1,4-2-1136,12-11 0,1-2-239,-13 30 41,14-31 1,1 0 518,-9 8 1,-2-1-196,15 15 550,-8-16 1,-5-1-153,-7-5-552,8 4-2326,-11-23 3356,0-18 1,-17-20 0,-4-20 0</inkml:trace>
+  <inkml:trace contextRef="#ctx0" brushRef="#br2" timeOffset="162218">24515 9233 24449,'0'17'-5307,"-16"7"6341,12 32-2582,-13-9 1445,9 18-522,6-27 204,-6 21 134,27-30-1670,0 8 1498,22-24 405,-2-1 841,-4-12 152,4-23 937,-25-8-1124,14-13-16,-26 0-262,9 9 649,-11 1-3030,0-15 347,0 14-1295,-19-16-664,-1 27 3368,-17-5 1,17 18-1,6 0 1</inkml:trace>
+  <inkml:trace contextRef="#ctx0" brushRef="#br2" timeOffset="162534">24752 9160 22020,'8'0'1259,"-1"0"-1079,5 14-3412,-3 5 375,12 34 777,-11-15 1481,1-5 0,-1-1-381,-4 1-1021,7 16-184,-8-22 351,5 7 1301,-5-18 182,8 1 793,-4-12 237,17-19 1882,-8 9-524,19-48-427,-12 30 130,8-31-557,-11 21-26,-1 1-865,-3 2 0,-1 2 0,-3 2 0</inkml:trace>
+  <inkml:trace contextRef="#ctx0" brushRef="#br2" timeOffset="163070">25317 9118 22290,'-7'15'-2176,"2"-3"1813,2-3-252,1 1 95,0 1 59,0 4-266,1-7 516,1 17-1386,0-6 927,0 10-293,0 8 374,0-6 274,17 26-597,0-23 551,1-5 1,0 0-501,-2 2 734,10-3 1,1-1 175,-9-3 8,10-5 1,0-2 495,-9-6 120,9 2 644,-17-8 133,1-1-103,-9 18-1350,-1 2-221,-2 14 108,0 0-526,0 7-121,0-9-75,0 24 59,0-24-180,0 11 945,0-16-260,0 1-86,0-1-90,-17 0 825,12 0-899,-13-2 728,2 8 0,12-12 0,-12 6 0</inkml:trace>
+  <inkml:trace contextRef="#ctx0" brushRef="#br2" timeOffset="163700">24808 9209 22470,'-13'16'43,"-1"-1"158,12 16-2954,-2-9 1638,4 1-110,0-4 286,0-2 325,16 1-1057,-13-2-164,13 2 241,0-3 1621,-12 1-1439,25 4 1456,-13-5-1090,17 5 877,-6-11 494,4-1 0,-4-5 1,2-2-1</inkml:trace>
+  <inkml:trace contextRef="#ctx0" brushRef="#br2" timeOffset="164472">24947 9138 22830,'-6'0'179,"1"0"541,2 0-450,2 0-180,-2 0 90,2 17-1682,0 3 266,1 23-361,0-12 1,0 17 90,0-19-181,17 9-977,-12 0 483,30-10 1334,-18 14-539,4-20 739,8 1 234,-17-11 656,14-4 0,-8-5 1,2-1-1</inkml:trace>
+  <inkml:trace contextRef="#ctx0" brushRef="#br2" timeOffset="164817">25243 9297 23189,'-12'-6'-3544,"9"0"-462,-10 2 5465,6 3-464,5 17-1662,-6 4 753,8 12-692,18-2-1235,-13-4 875,12 4 1428,2 23-2105,2-9 839,-2 0 0,2 2 436,-5-16 0,-1 1-247,5 24 1,-2 0 337,-6-20 0,0-2 203,3 10 1,1 2-43,-2-3 0,-1-2-8,7 19 202,-7-14 1,-2 0 147,-1-1 38,-1 20 189,-7-33 36,-1 16 51,-1-30-1783,-14 8-273,10-19 2194,-22-1 0,23-3 0,-10-2 1</inkml:trace>
+  <inkml:trace contextRef="#ctx0" brushRef="#br2" timeOffset="166084">25918 9214 24629,'-11'0'809,"1"0"-809,0-8-2652,1 6 2505,3-5-4976,1 2 5363,22 4 0,6-3 0,17 4 1</inkml:trace>
+  <inkml:trace contextRef="#ctx0" brushRef="#br2" timeOffset="166250">26188 9587 23009,'0'7'-8004,"0"-1"8811,16-17 1,-12 9 0,11-12 0</inkml:trace>
+  <inkml:trace contextRef="#ctx0" brushRef="#br2" timeOffset="166466">26400 9092 23369,'-8'0'-2698,"3"0"1547,2 15 0,19-11 1,4 10-1</inkml:trace>
+  <inkml:trace contextRef="#ctx0" brushRef="#br2" timeOffset="166618">26597 9548 23369,'-13'6'475,"10"0"0,-10-3 0,13-2 0</inkml:trace>
+  <inkml:trace contextRef="#ctx0" brushRef="#br2" timeOffset="167117">26947 9409 22740,'0'-47'-5396,"0"9"3717,0 0 1064,18 6 1901,-13-3-1196,13-4 535,-18 1-892,12-3-599,-9 1 1191,9 0 501,-12-1-467,0 1-1033,0 3 687,-20-10-1656,15 17 1320,-34-8-140,23 27 614,-6 25 1330,11 8-647,11 26-834,0-5 0,0 7 269,-2-8 0,4 0-309,8-9 1,3 1-424,1 23 1,3-1-161,5-23 1,1-2-639,-2 10 1,0-1-495,9 13 937,-2-6-50,-2-1-365,-4 11 448,1-15 311,-12 21 465,-1-33-605,-10 16 1086,0-26-15,-16 3 1534,-2-10 846,-17-7 82,1 0-407,4-6-407,12-19-1512,8-2-1075,10-13 482,0 0-1752,24-15 109,-2 7 571,9 1 0,5 1 417,-12 13 0,0 2 646,10-10 0,0 0 0,-8 9 0,0 2 0,0-2 0,0 0 0</inkml:trace>
+  <inkml:trace contextRef="#ctx0" brushRef="#br2" timeOffset="167306">27608 8861 22560,'-22'15'2358,"-9"-11"-1533,28 26-3681,-11-8 2674,14 9-1491,0 3 504,0-7 224,0 2-741,0 1-140,19 12-936,1-10 807,20 20 3,-20-25 19,15 15 1982,-13-23 0,7 5 0,-2-11 0</inkml:trace>
+  <inkml:trace contextRef="#ctx0" brushRef="#br2" timeOffset="167474">27460 8654 22380,'-9'-5'-4563,"3"1"4424,-1 3 0,5 0 1,1 1-1</inkml:trace>
+  <inkml:trace contextRef="#ctx0" brushRef="#br2" timeOffset="167840">27858 8981 22290,'0'26'-5756,"0"0"3717,0 0 1065,0 0 336,0 7 302,17-7-509,-13 3 494,12-7-1533,-3-5 1491,1 14-360,10-14 915,-3 7-430,-2-20 1352,-4-2 406,1-24-11,1-7-258,-2-15-467,4-1 889,2-9-1107,-7 13-34,-3 8 0,-1 2-977,1 0 477,1-3-59,-5 19 541,0 8 507,-2 3 215,1 4-308,1 17-2270,1-13 1494,1 30-1308,2-29 521,8 49-1596,-4-33 403,-1 11 1,2 1 1291,4-2 0,8 10 0,-5-13 0</inkml:trace>
+  <inkml:trace contextRef="#ctx0" brushRef="#br2" timeOffset="168900">28875 8822 22920,'-32'0'1259,"-8"0"-1079,6 0 89,-7 13 869,7-10-1049,-1 28-170,-2-16 663,-11 31-595,13-15 68,-3 12-233,22-13-382,8 0-1107,4-1 136,24 6-713,-16-12 860,25-6 0,5-5 523,-4-3 640,10-4 0,3-1 168,1-4 576,-4-18 1,-2-2 1074,-4 11-757,-7-26 0,-6-4 616,-12 14-1226,-4-12 0,-3-2-1007,-2-6 69,-9 3 0,-1-2-1018,5-11 693,-10 18 1,-3-1 213,8 2 0,2 0-1200,-9-16 1249,3 15 0,2 2-394,9 4 1481,-18-3-523,19 49 1031,11 36-825,-5 10 134,11-5 1,4-1-646,-7-22 0,0-1-89,4 12 1,2-1 39,0-13 0,1-1-681,11 30-79,1-5 1170,2-2 1,2-6 0,0-1 0</inkml:trace>
+  <inkml:trace contextRef="#ctx0" brushRef="#br2" timeOffset="169218">29757 8053 25078,'-23'-23'-5531,"-10"1"4583,29 8-1023,-29 2 3202,5 7 389,-26 42 34,5-2-1216,13 18 1,2 6-729,11-20 0,2 3 546,0 8 1,-1 7 0,3-4-126,3-2 1,3 1 164,2 5 0,2 5 1,1-5-611,3-5 0,4-2-478,6 13 1,6 1-1013,6-5 0,4-5 290,2-13 0,5 0 290,3 0 0,4 3 0,-1-5 122,2-6 0,1-3 1092,15 8 0,0-2 0,-11-15 0,-1-3 1,2-1-1,-1 1 0</inkml:trace>
+  <inkml:trace contextRef="#ctx0" brushRef="#br2" timeOffset="169740">30562 8515 24359,'-31'-16'-2323,"2"0"1326,6 3 412,-2 1 338,1 1 282,-18 0 267,11 4 1,-25 1-506,25 5 1083,-15 19 706,23-14-209,1 57-1315,14-35-406,14 13 1,9 2-1429,24-1 1193,-6-4 0,4 0-11,-7-15 1,1 1 34,7 12 0,-3 0-1488,2 4 459,-4 8 732,-12-19 819,-18-4 483,8-1-996,-11 2 241,-26-7 1046,-6 5 367,-15-12-827,-11-2 847,25-5-27,-11-3-170,29-19-914,-11 14 0,23-41 0,-11 12 0</inkml:trace>
+  <inkml:trace contextRef="#ctx0" brushRef="#br2" timeOffset="170004">30272 8094 23729,'-19'-12'-3943,"4"1"4519,15 5-1645,0 18 463,20 28-657,-16 5 875,13-2 1,1 2-507,1 12 198,-6-14 1,1 6 0,0-3 133,0-8 0,-1 1 282,0 11 0,0 6 1,-1-6 47,-3-12 1,1-1-101,6 27 0,0-1 153,-6-27 1,1 0-367,5 22 1,1-1-41,2 4 174,-7-24 1,0-1-1386,7 19 662,-3-17 1087,4 10 1,-9-26 0,1 1 0</inkml:trace>
+  <inkml:trace contextRef="#ctx0" brushRef="#br2" timeOffset="170253">30955 8707 25258,'0'-6'-5396,"0"15"2008,0 8 525,16 29 44,-13-13 2562,23 19 1,-23-27 0,7 6 0</inkml:trace>
+  <inkml:trace contextRef="#ctx0" brushRef="#br2" timeOffset="170451">30873 8141 23099,'-7'-5'-587,"2"2"1,2 19-1,2 6 1</inkml:trace>
+  <inkml:trace contextRef="#ctx0" brushRef="#br2" timeOffset="170951">31505 8684 23909,'-42'0'450,"-2"0"-540,8 0 90,0 0 0,8 0 0,3 15 458,-7 10-397,12 8-512,2 4-251,12-7-465,6 0-519,0-2 90,0 0-91,17-3-605,-12-3-70,35-5 2010,-7-5 468,26-6 841,-10-3 516,11-26 841,-29-6-1614,-3-10 1,-2-4 627,-6-17-790,-4 6 1,-2-1-686,-9-8 242,-3 5 1,0-2-400,-1 23 1,-2 1-203,-9-12 1,-1 1-1800,6-15 1580,-13 34 1,0 0-573,14-21 442,-24-1-106,26 21 734,-21 2 73,20 49 662,-8 0-57,8 14 0,6 5-3,14 16-557,-15-17 0,1 2-268,12 6 1,2 0 16,-4-12 1,0 1-598,9 24 0,3-2 353,-5-26 0,1-2-167,2 9 1,-1-2-1219,8 7 829,2-7 1279,-2-6 0,0-7 0,0-2 0</inkml:trace>
+  <inkml:trace contextRef="#ctx0" brushRef="#br2" timeOffset="171251">32053 7579 23639,'13'-6'3453,"-10"2"-5094,28 1 2338,-12 2-254,19 1-200,-1 0 123,4 21-509,-8-7 0,0 1-311,-8 6 0,0 3-342,17 10 1,-2 3 259,-17-11 0,-3 2-425,6 10 1,-2 4-180,-5 10 0,-5 0 89,-4-10 0,-1 1 423,-2 8 0,0 5 1,-3-4 167,1-4 1,-6 2 210,-6-1 1,-6 7 0,-2 0-1,2-7 42,-1 7 1,-4-1-255,-4-7 0,-5 7 1,-1-2-1,3-7 121,-4 2 1,0-4 584,2-6 0,-1 2 1,0-4-1,-4 3 1,0-3-1,-2 0 1,0 0-1</inkml:trace>
+  <inkml:trace contextRef="#ctx0" brushRef="#br2" timeOffset="171767">33367 8085 25618,'-12'0'630,"2"0"-450,2 0-180,4 0 0,1 0-3958,1 0 3525,1 16 0,1 8 0,0 16 1</inkml:trace>
+  <inkml:trace contextRef="#ctx0" brushRef="#br2" timeOffset="172001">33203 8670 22560,'0'26'-5846,"0"-6"3807,18 14-38,1-13 1854,2 6 561,9 4-196,-14-6-268,3 18-2036,-7-15 1753,-12 16 319,-18-18 1048,-9 2 1,-6-1 89,-24 1-1080,-2-1 1,-2-1 339,25-14 0,1-2 1,-15 5-1,1-1 0,12-5 1,1 0-1</inkml:trace>
+  <inkml:trace contextRef="#ctx0" brushRef="#br2" timeOffset="179017">20815 11691 21121,'-39'24'578,"1"1"1,2-2 0,2 0-400,4-3 0,1 1-158,2 5 0,3-1-552,-2 10-27,32 14-1597,24-28 1832,15-7 1,7-2 185,-14-7 1,2-2 122,10 1 1,6-2 0,-5 0-128,0-1 0,-2-1 170,15 1 1,0-2 577,-10 1 0,-4 0-341,-15 0 0,-2 0 765,8-1 1,-4 2-362,-14 14-1216,-25-12-158,-3 22 779,-29-16 1,-8-2 338,5 14-114,-5-9 0,-3-1-170,8 1 0,2-1-191,-15 4-278,12-3-1,2-2 709,4-3 1,-9 1 0,18-7 0</inkml:trace>
+  <inkml:trace contextRef="#ctx0" brushRef="#br2" timeOffset="179270">20785 10916 22380,'-12'0'1889,"5"24"-4455,3 12 625,4 16 612,0 9 263,0-4 698,-1-24 0,2 2-8,8 3 1,0 1-602,-7 3 0,1 2 16,13 2 0,0 1 487,-13 0 0,-2 4 337,7-1 0,4 2 0,-2-1-55,1 7 1,0 1 69,1 4 0,1 5 0,1-6-130,1-9 0,1-1-424,-1 11 1,2 7 0,-3-9 76,-1-14 0,-1-2 577,2 7 1,2 5 0,-1-9-1,-4-14 1,0-3 0,3 8-1,-1 1 1</inkml:trace>
+  <inkml:trace contextRef="#ctx0" brushRef="#br2" timeOffset="180622">21963 11758 21210,'-12'22'-2114,"-1"-1"1678,-2 22-707,0-3 652,0 2 234,5-8 0,1 0-214,-4 16 241,6-10 1,1-1-983,3 1 306,1 22-47,19-38 8,1 7-238,20-25 1866,-10-18 993,4 9-363,-7-36-571,1 16 790,1-22-566,-1 2-303,-9 10 0,0-1 692,7-20-1608,-5 9 0,-1-1-1303,0-3 978,-5 12 1,0 2 45,-1 3-329,2-1 626,-6 23 652,-2 6 439,0 4 32,2 21-2350,-3-16 826,6 49-458,-6-34-72,3 28 42,-5-23-448,1-2-588,-2-1 396,0-3 2249,0-8-822,-1 6 638,1-11-581,0 3 254,2-5 388,0-4 1470,3 0-248,1-17-550,12-6 666,-4-12-741,19-17 899,-14 19-482,13-23-180,-18 29-1637,3-4-32,-10 20 1186,-3 5-417,-1 6 449,-1 19-2306,-1 14 312,-1 11 68,-1 6 471,2-12 0,1 1-1055,2 8 1356,3-1 0,3-2 0,6-9 0,9 11 0</inkml:trace>
+  <inkml:trace contextRef="#ctx0" brushRef="#br2" timeOffset="180901">23098 11748 20941,'-20'-3'-756,"0"1"620,-20 25 1471,9 10-1482,13 11-902,-5 4 394,21-11-369,-9 17-111,11-14-160,0 23-66,0-32-679,21 6 266,-16-18 754,16-4 746,-3-5 658,-14-3-1090,27-4 1833,-28-15-977,9-10 319,-12-9-537,0-4 198,0 5 1,0-1 0,0-1 0</inkml:trace>
+  <inkml:trace contextRef="#ctx0" brushRef="#br2" timeOffset="181372">23773 11442 21300,'-44'24'726,"11"10"0,-1 1-1281,-18-1 597,10 16 0,4 4-321,16-25 0,2 1-71,-4 20 0,5 1-339,6 5 201,9-21 0,1-2-951,3 7-386,26-4 79,-3-6 1059,10-14 1,4-4 396,13 3 363,-5-6 0,1-5 666,13-19 131,-12 1 1,0-5 131,-19 0 0,-1-3-140,5-4 1,-1-2 823,7-20-717,-7-6-1163,-5-8-90,-15 28 1,-1-1-258,-3-1 1,-1-1-432,-2-2 1,0-2-55,-2-17 1,-1-1 184,0 15 1,-1 0 298,-5-3 1,-3-2-1,2 4-119,5 10 1,-2 1-58,-14-8 1,1 3-452,12 1 455,-10 8-168,-3 8 1419,13 8-505,-23 6 1314,19 28-191,-11 36 78,9 6-733,2-5 1,2 2-317,3-23 0,1 0 58,-1 8 1,1 5-1,0-4-171,0-2 0,2 0-229,-2 5 1,1 4 0,2-5-848,8-5 0,1-1 813,-4 8 1,1 5-1,4-7 1,13-12-1,3-2 1,1 15-1,-1 1 1</inkml:trace>
+  <inkml:trace contextRef="#ctx0" brushRef="#br2" timeOffset="181917">24362 11906 21930,'0'-18'-6385,"0"4"4256,0-9 1065,16 8 3095,10-19-1176,12 11 458,4-12-500,-5 7-633,0-3 1546,1-2-42,-1 1-39,-5-2-1739,-2 1 65,0-15-880,-12 12 6,-3-20-364,-11 27-204,-4-2-213,-19 18 514,15 6-769,-35 3 2116,13 24 567,-18 15 270,18 10-427,-2 9-182,26-13 1,2 0-407,-11 12-104,22-5 0,3-2-136,-8-10-1427,38 11-146,-14-33 777,23 1 1109,-6-15 909,-2-18 1434,3-16-537,-14-10-1007,-7 6 0,-1-2 670,2-14-1133,-10 4 1,-1-2-623,-3-11-98,-6 8 0,-2 1-1171,-3-8 542,-2 22 1,-1 2-549,0-9 500,0 6-46,-17 6-338,12-1 806,-29 15 1168,15 3-599,-1 38 1547,-6 2 176,23 29-1527,-18-1 773,18 11-581,-5-25 1,-1 1-142,8 2 1,1 4-477,-4 19 1,1 3 251,2-17 0,2 2-734,3 4 1,2 5 0,3-6-697,4-6 1,2-3 760,-5 15 0,4-4-573,13-19 0,0-3-128,-4 28 460,1-33 1,3-1 880,12 21 1,3-7-1,1-4 1</inkml:trace>
+  <inkml:trace contextRef="#ctx0" brushRef="#br2" timeOffset="182251">25647 11669 23009,'-32'0'0,"12"0"90,28 0-180,11 0 1,32 0-541,-5 0 90,9 0 0,6-12 285,5 9 295,-33-3 0,1 0 1,-1 1-1,0-1 0,0 0 1,0-1-1</inkml:trace>
+  <inkml:trace contextRef="#ctx0" brushRef="#br2" timeOffset="182488">26142 11230 21750,'-13'-8'-3222,"2"-3"194,11 3 1870,26-1 4312,-19 4-2330,26 3 1,5 2 311,-11-1-221,37 1-465,-32 18-424,3 5 551,-18 32-1181,-1-7-576,-28-4 1,-9 1 571,9-13 0,-4 0 47,-8 7 1,-7 5-1,3-3-139,1-1 0,0-2 93,-10 14 1,1 0 479,11-16 1,2-2 209,1-1 0,2 1 1,3-2-1,1-1 0,1 0 1,1-1-1</inkml:trace>
+  <inkml:trace contextRef="#ctx0" brushRef="#br2" timeOffset="183902">26915 11231 22560,'-16'-23'-7334,"12"2"4551,-13 6 2848,0 6 797,-1 22 1235,-3 20-1435,-4 13-641,23-7 1,1 1-1586,-16 14 1936,15-6 0,2 0 8,-7 7-355,5-5 1,4-1-753,15-5-407,-16-9 0,2-3-29,13-12-128,-4-1 690,3-37 1484,5 0 576,2-29-864,-5 3 216,3-7 360,3-9-726,-5 15 0,1-2 43,-5 13 1,0-2 94,9-17 0,0 1-1114,0 3 312,8-9 314,-18 42 597,-1 2-23,-5 32-2068,-4-14 847,2 26 1,-2 7-489,3-2 497,0 14 0,1 3-604,6 5 175,-3-19 0,1-1-1182,11 10-44,6-3 2314,3-7-143,24-3 547,-12-17-62,-2-8 1,0-3 1066,6-6-349,-8-18 1,-2-4 1400,2-6-1550,-8-21 0,-5-5 216,-7-2-727,-6 3 1,-4-1-450,-8 0-311,-12 13 0,-1 1-1563,7-2-437,-34-12 55,22 32 855,-15 3 1118,5 32 1895,4 17-650,10 10-208,5 9-31,8-8-533,0 3 101,0-1-203,17-1-1434,-13-3-1175,34-5 1437,-33-4 55,37-7 1240,-37-7-864,37-7 1792,-19-5 27,13-26 1462,-3 16-1758,-17-31 1,-5-6-604,5 11 252,-6-14 1,-3-1-757,-7 10 885,3-18-1905,-3 31 47,0-3-831,0 39 314,0 12 1172,0 17-612,0 22 489,17-19-483,-13 13 579,28-16 259,-28-4-137,30-2-128,-12 1-159,10-12 508,8-5 808,-14-14 1101,15-25 594,-18 15-155,6-41-872,-13 25 56,-1-26-84,-4 10-591,-1-19-620,-2 14-221,-3-23-1794,-3 31 81,-1-6 1443,-1 23-772,0 26 691,0 19-95,0 33 261,0-11 167,0-15 0,0-1 23,0 6 100,0 10 15,0-11 36,0-13 270,10 4-906,1-21 773,13-21 1870,-5-20-1063,2-12-551,-7 6 1,0 0 296,10-13-276,-4 5 1,0 0 396,4-4-44,-5 13 0,-2 2 7,0 3-1866,3-2 1207,-11 24 537,-2 4 465,-3 6-258,3 22-2207,-5-17-266,5 58 491,-4-37 568,0 11 0,0 2-660,1 0-313,0 9-475,1-19 75,1-5 1910,1-3 222,1 0-637,-1-11 281,4-1 539,-2-9 1208,9-15 328,-2-11-509,6-9 131,9-23 101,-10 20-720,-3 8 1,0 0 484,0-1-536,4-2-1054,-13 15-545,0 9 1197,-6 2-757,1 26-1091,2 8-62,-2 12-394,8 23-175,-4-17-107,6 15 1100,-5-26 1,1-2-1319,9 14 1145,-1-9 0,1-2 840,7-2 514,8 3 1,-8-23 0,0-4-1</inkml:trace>
+  <inkml:trace contextRef="#ctx0" brushRef="#br2" timeOffset="184217">29152 11396 22290,'0'-23'-5306,"0"2"3087,0 5 1245,0 2 245,0 4 394,0-2 31,0 6 76,0-4-1279,0 6 1507,0-2 90,21 1 1884,-15-1-311,37-1 430,-37-1-788,37 0 689,-38-1-927,30-7 1268,-20 3-777,3-11-2291,-7 7 492,-11-3-1673,0 5 700,0 2-690,0 0 746,-21-1-609,15 4-374,-29 2 2084,18 6 224,-12 23 1692,12 7-813,-1 31-898,16-8-725,7-13 1,1 0-754,-1 10 765,20-7 0,5-2-1083,-3 5 1437,3-16 0,3-2 0,15 3 0,5-2 0</inkml:trace>
+  <inkml:trace contextRef="#ctx0" brushRef="#br2" timeOffset="184487">30183 11052 23369,'-16'-2'-694,"2"0"524,6 1-714,24 0 776,9 18-1595,17-13 1654,0 25-1732,8-13 903,-13 8 594,18 10 0,-35-10 0,1 7 0</inkml:trace>
+  <inkml:trace contextRef="#ctx0" brushRef="#br2" timeOffset="184618">30192 11558 21210,'-11'13'40,"9"-3"-2517,-9-3 4033,11-2-4402,28-3 2870,11-1 125,-1-8 0,2-2 0,-6 2 0,0-2 0,2-6 0,0 0 0</inkml:trace>
+  <inkml:trace contextRef="#ctx0" brushRef="#br2" timeOffset="185051">30873 10262 23099,'-15'-5'-2400,"-7"2"2414,-19 22 1829,10-14-1461,10 24 1,4 6-1374,5-6 328,4 4 1,2 2-647,6 7-377,0 0 442,0-2-226,21-4-1335,-15-4 362,41-4 1836,-14 1 116,13-15 1085,10 2 537,-26-15 415,5 2-213,-16-26 439,1-6-83,-10-14-1675,6 1 996,-15 9-858,4-13-791,-5 14-996,0-14 301,0 26-20,0 18-372,0 24 741,0 18 139,0-4 1,0 1 140,0 15 660,0-15 1,0-1-1,0 17 1,0-1 0</inkml:trace>
+  <inkml:trace contextRef="#ctx0" brushRef="#br2" timeOffset="185651">31995 10106 23099,'-2'-23'-5689,"0"-3"3614,1 9 697,1-3 742,0 13-387,16 33 85,-12 3 193,31 19-1376,-30-12 1988,25-4 207,-19-8-624,3 7-362,0-21 889,-12 5 215,4-29 912,-6-2-850,16-37 579,-12 18-330,26-12 1612,-11 22-68,10 12-26,-4 0 246,-4 34-2939,-11-2-93,0 11 1,-1 4-961,-1 14 1630,4 2 1,1 2 0,-5-19-1,0 0 1,2 13 0,1-1-1</inkml:trace>
+  <inkml:trace contextRef="#ctx0" brushRef="#br2" timeOffset="185880">32717 10805 23549,'0'-18'-5576,"-20"1"3671,16 1-965,-27 0 2927,28 3-1555,-8 2 1980,3 2 1,6 19-1,-6 5 1</inkml:trace>
+  <inkml:trace contextRef="#ctx0" brushRef="#br2" timeOffset="186122">32652 11627 21570,'0'18'-5486,"0"1"3718,0-2 883,15 10 75,-11-6 201,12 9-59,4-7 902,-15 3-1746,29 0 2480,-20 14-1423,3-10-82,-7 9 508,-10-2 481,-35-6 6,5-4 0,-4 0 109,-8-9 0,-4-2 422,-10 8 1,-1 0-544,5-6 0,-1-1-100,-5 1 1,-2 0 0,-3-1-1,0 0 1,19-5 0,0-1 0,1 1-1</inkml:trace>
+  <inkml:trace contextRef="#ctx0" brushRef="#br2" timeOffset="187588">21428 14248 21750,'-29'-11'-2535,"-28"2"2646,26 4 0,-31 2 251,7 3-82,-2 18 665,0-13-558,28 16 0,1 5-320,-7-5 0,2 1 316,9 5 1,3 4-453,-7 13 1,9 1-451,24 0-497,13-8 1,8-4 303,2-17 1,6-6 132,27 8 0,3-3 74,-23-6 0,1-2 558,3 1 1,4 0 0,-6 0 52,-6-2 0,-3 0 56,7 0 1,-4 2 249,-3 5 1075,-17-3-1111,-32 11-43,-10-8 218,-11 1 0,-4-1 426,-16 5-518,17-6 1,0-1-127,-16 4 37,2-3 70,10-5-126,5-2 0,6-3 0,4-1 0</inkml:trace>
+  <inkml:trace contextRef="#ctx0" brushRef="#br2" timeOffset="187833">21240 13900 21840,'-21'-10'-1565,"-10"4"1988,27 32-2019,-10-1 1553,8 12 0,1 5-771,-5 15 599,3-16 0,1 1 30,-1-9 0,1 0-467,5 1 0,1 1 294,-3 17 1,1 0-265,1-11 1,2 1 600,-2 7 0,0 4 0,3-3-569,6-1 1,0-2 179,-7 19 0,2-1-289,14-16 1,2-1-71,-9 1 1,-1 0 37,9-1 0,3 0-58,-3-5 1,2 2-1,-1-3 729,4 4 0,2-1 0,9 10 0,2-4 0,-9-21 1,0 0-1</inkml:trace>
+  <inkml:trace contextRef="#ctx0" brushRef="#br2" timeOffset="188456">22180 14266 22380,'-7'-3'-1668,"5"24"-993,-6-3 2401,8 25-1071,0-5 534,0 4 163,0 7 159,0 2-323,0-15 0,0 0-22,0 18 644,0 11-558,0-25 734,0-6 0,0-4 0,0-6 90,0-5-90,0-3-1080,0-6 721,0-22 269,20-35 845,-16-4-561,16 2 0,0 0 563,-14-6-538,11 10 1,3 2 637,-1-2 351,12-8 113,-5 36 777,-7 20-1428,-4 29-1841,-8 8 64,-1 10 520,-5 6-392,0-12 187,-1 11-259,0-24-777,0-3 403,0-6 2028,0-5-343,0-2-112,16-8 548,-13-24-232,27 11 1427,-26-42-1659,27 25 1642,-16-23-1297,13 8 679,-2-14-360,-15 14-1060,11-13 628,-15 35-1544,4-9 1754,-6 24-278,-2 9-1741,1 21-51,0 8 551,1-4 0,1 1-447,5 11 256,3-4 1,2-1-783,9 6 733,1-11 0,4-2 777,13-3 0,-13-14 0,1-4 0,19-5 0</inkml:trace>
+  <inkml:trace contextRef="#ctx0" brushRef="#br2" timeOffset="188734">23248 14642 21750,'-18'-29'-7274,"13"1"5065,-33 3 2721,33 3-1583,-39 5 1991,26 8-517,-21 4 598,12 5-1001,-1 0 2066,4 21-117,0 9-1095,4 12 573,8 15-1914,3-23 367,29 10-1875,-15-15 60,40-4 1041,-39-4-1199,50-4 1900,-31-9 358,28-2 926,-1-6-117,-14 0 1358,16-18 236,-36-8-2156,9-9 1440,-24-2-3050,5 10 714,-8-1-1624,-21-10-435,-5 9-352,-19-10 2445,19 20 0,-4 4 0,16 10 0</inkml:trace>
+  <inkml:trace contextRef="#ctx0" brushRef="#br2" timeOffset="189784">24037 14434 21660,'0'-20'-5396,"-19"3"3951,-8 8 2337,-18 26 1817,5-11-1544,4 44-1081,10-27 386,3 26-1106,3-9 1433,9 1-389,0-2-753,10 13-1924,-4-15 634,28 14-52,5-29 248,29-3 1539,-12-14 457,2-5 420,-13-20 541,1 16 319,-1-45-873,9 3-23,-27 18 0,-1-3-694,7-15 0,-3-1-535,-1-14-174,-8 19 0,-1-2-195,-6 10 1,-2 1-328,1-4 1,-1 0 61,-1-2 1,0 0 362,0-2 0,0-1-14,0-1 1,0 0 558,1 2 1,-2-2 329,-9-14 1,-1 1-524,9 15 1,-1 1-110,-16-17 1,1 4-508,14 4 803,-24 1-239,25 31-83,-9 37 1350,12 5-704,0 33-178,0-14 1,0 2 144,-1-10 1,2 4-257,3 16 1,4 9-1,0-7-464,2-10 0,3 0-106,1 10 1,3 6 0,0-9 57,1-16 1,2-2-723,7 24 1,1-2 798,-11-28 0,1-1-182,11 16 0,0-3-94,3-2 503,-4-13 0,-1-2 676,-3-10 722,11 1 910,-26-32 72,-1-4-220,-6-16-1039,-2 3-427,-18 13-510,13-3-537,-12 14 805,17-6-1039,0 1-181,0 5 194,24-1 2992,7-4 165,13 2-293,0-6 606,2-3-1251,-12 4 777,19-14-162,-28 12-137,6-14-2845,-16 12-82,-7-25-748,-2 21-71,-6-22-432,-21 27 284,1-5-244,-20 16 1691,9 25 1143,2 13-437,13 13 142,7 0-200,9 4-221,0-11 5,24 15-380,7-24-571,13-6-258,16-5 812,-21-14 1006,-5-6 1,0-1 810,7 2-137,-10-21 0,-1-3 408,2 2-530,-12-2 0,-3-2-226,3-11-735,-3-2-577,-4-5-199,-8 8 0,-1-2-1121,1-26 1012,-4 25 0,0-5 0,-1 2-64,1 1 0,-2-2 263,-4-8 1,-3-6-1,0 4 69,-1 2 1,-2 2 257,4 6 0,-1-1 0,-1 3 21,-7-3 0,2 4-22,13 2 1,-2 2-109,-12 4 0,0 1-295,11-21 571,-22 14-33,23 12 777,-16 15 254,13 33 585,-3 40-1125,7-23 1,0 2-126,1 11 0,2 4-32,3-9 1,3 3-1,-2-1-263,-4 7 1,1 3 112,7 7 0,2 5 1,1-5-159,-2-8 1,1 0-183,1 4 1,1 4-1,1-5-635,4-8 0,-1-2-4,0 15 1,-1-2 60,-3-21 1,0-2 158,-1 0 0,1-1 148,-1-3 0,2 1-336,4 11 0,0-1 837,-3-12 0,0 0 0,5 7 0,0 0 0,11 10 0</inkml:trace>
+  <inkml:trace contextRef="#ctx0" brushRef="#br2" timeOffset="190185">25632 14360 22470,'-13'-11'-5020,"28"-2"6293,13-1 1,6 0-379,-2 4 0,2 1-680,16-2 0,0 1-176,-14 5 1,-1 0-104,1 0 0,0 0-177,2 1 0,0 0 272,-2-1 0,0 1 0,-1 0 1,1 0-1,-2 1 0,0-1 0</inkml:trace>
+  <inkml:trace contextRef="#ctx0" brushRef="#br2" timeOffset="190434">26190 14030 21300,'-18'-11'-3337,"7"2"1377,3-5-371,8 5 1842,23-6 2680,10 7-367,14 0-556,16 5-912,-24 2 1126,21 20-619,-30-14-381,-10 21 1,-3 4-986,-6-4-747,-4 12 1,-3 2-1372,-4 8 1480,-12-16 0,-4 2 124,1 2 0,-1-2-507,-18 22 1515,8-21 0,4 0 0,16 11 0,-17-1 0</inkml:trace>
+  <inkml:trace contextRef="#ctx0" brushRef="#br2" timeOffset="190928">27565 13966 21570,'-34'-29'-4719,"0"3"3288,2-2 365,0 4 800,0 0 8,0 7 371,-14 1 318,12 9-825,-20 1 1551,27 23 522,-6 11-154,23 9-1359,2 6-141,8-8-539,29 3-26,3-1 0,4 0 35,-2-13 0,2-1 193,0 4 1,3 3 0,-4-4-1145,17 6 1091,-14-9 0,-4-1 604,-10-3-346,7 5 517,-29-12-454,5 2-826,-38-2 2920,6 1-362,-29 0-145,11 2-1082,10-5 0,0 0 724,-12 4-312,-12 4-291,27-13 1,15 0 0,4-5 0</inkml:trace>
+  <inkml:trace contextRef="#ctx0" brushRef="#br2" timeOffset="191333">28285 13868 21750,'-19'-4'-295,"-10"1"533,-12 3 76,-7 19 1096,9-14-946,10 20 0,-1 4-678,-12-5 264,11 8 1,4 4-393,6 1 216,2 23-693,19-27-747,0 5-674,18-12-314,7-9 1450,20-3 304,-6-9 924,9-5 481,-18-21 689,4 16 499,-10-39-837,-4 25 909,-4-23-1466,-6 8-958,3-3-90,-12-2-683,6-16-240,-7 16-311,0-19 927,0 31-519,0 0 728,0 33 212,0 20-464,0 30 555,0-3-66,7-14 0,5-2-246,11 6-4,12 12 211,0-26 356,-6-5 28,2-6 134,19-8 388,-9-4 0,11-6 0,-14 0 0</inkml:trace>
+  <inkml:trace contextRef="#ctx0" brushRef="#br2" timeOffset="191583">28782 13912 21750,'0'-29'-5306,"0"1"3178,0 5 1063,-15 4 952,11 6-791,-11 22 3210,15 25-2439,0 4-603,16-3 0,2-1 563,-10-6 190,16-3 1,3-4 493,-5-11 572,17 1 497,-8-11-1914,6-15 2633,-13 11-59,5-38-1518,-1-3-83,-5-14-1179,-6 11 1,0 1 25,3-17-267,-5 9 0,0-1-70,-5 23 1,-1 1 507,2-9 1,0 2 0,5-8 0,-1 5 0</inkml:trace>
+  <inkml:trace contextRef="#ctx0" brushRef="#br2" timeOffset="191917">29533 13753 21210,'4'26'-7043,"-2"-3"4773,0-4 1355,0-5 382,3-2-516,1-6 1268,14-2 901,-4-2-1255,26-17 2740,-14 12-1326,4-20 0,-1-4 578,-2 6-877,-7-8 1,-5-2 922,-8 0-1491,-6-22-1305,-25 21-677,-11-16-803,-12 26 1749,3 8 0,-1 3 48,-4 4 608,3 11 0,3 8 1217,9 22-845,12-3 1,4 4 304,6 25-13,4 6-206,27-16-2270,-15 0 636,18-26 1,7 1 17,-4 7 1,2-1-76,5-8 0,4-2 294,17 11 1,0-3 924,-20-15 0,0-3 0,11 4 0,0-2 0,-13-8 1,0 1-1</inkml:trace>
+  <inkml:trace contextRef="#ctx0" brushRef="#br2" timeOffset="192218">30477 12811 21210,'-33'-3'-115,"7"17"2142,-10 19-2182,14 12-471,4 0 0,3 2 18,7-12 1,2 1 178,1 9 1,0 5 0,2-3-61,0 0 0,3 0-96,4 6 1,4 6 0,3-6-374,3-4 0,3-3-399,3 14 1,4 0 209,5-10 0,1-3 480,-12-12 0,0-2 51,13 15 1,0-4-83,1-4 333,-7-16 0,0-4 445,1-7 737,5-4-83,-9-9 0,0-20 0,1-6 0</inkml:trace>
+  <inkml:trace contextRef="#ctx0" brushRef="#br2" timeOffset="192467">30890 12876 21660,'0'-18'-5576,"0"3"3628,0 4 1873,0 5-204,19 3 2886,-15 18-3593,49 8 1422,-31 12-2231,26 4 2247,-22-2-660,-4 6-349,-11 7 379,-1-7 1,-2 2-912,-6-11 1,-2 3 1202,5 6 1,0 4 0,-5-3-508,-11-3 0,-2 0 452,12 14 1,-4-2-298,-19-16 1,0-2 340,21-1 1,0 0 336,-21-3 1,-2 0-312,10 7 1,2 0 184,-18 13-94,11-20 0,4-2 1,13 0-1,-10-3 1</inkml:trace>
+  <inkml:trace contextRef="#ctx0" brushRef="#br2" timeOffset="192676">31535 13295 23999,'0'-14'-5846,"0"1"3268,0 3 884,0 0 426,0-1 1161,0 5 1,0 20-1,0 12 1</inkml:trace>
+  <inkml:trace contextRef="#ctx0" brushRef="#br2" timeOffset="192904">31548 13731 21660,'0'16'-5756,"0"-1"4078,0 2 793,0-3 1056,18 13-770,-13-8 203,27 10 792,-28-4-2098,28 3 2355,-28 2-119,29 14-661,-20-10-553,5 23 401,-10-25 576,-26-5 0,-8 0-87,-11 4 94,0-10 1,-6 0-11,-10 0 1,-2-2 0,12-3 0,-2-1 0,-17 4-1,-1 0 1</inkml:trace>
+  <inkml:trace contextRef="#ctx0" brushRef="#br2" timeOffset="198467">1125 8712 21840,'-22'-16'-4502,"4"2"2645,42-4 3923,-18 1-2680,36 15 1682,-17-11 156,20 12-791,-9-5-134,-3 6 894,-11 14-950,-1-10-860,0 26-394,8-6-890,-6 7-755,6 5-43,-1 3 2153,-7-8 1,7 10-1,-9-14 1</inkml:trace>
+  <inkml:trace contextRef="#ctx0" brushRef="#br2" timeOffset="198622">1533 8726 22110,'-20'-14'-4427,"-2"2"3330,-1 4 1151,-2 4 519,-16 1 99,8 24-703,1-3 1,-1 4 49,12 3 1,1 4 0,-9 7-1,1 0 1,7-4 0,1-1-1</inkml:trace>
+  <inkml:trace contextRef="#ctx0" brushRef="#br2" timeOffset="200101">22215 6651 22740,'14'31'-9034,"1"3"6043,4-7 1929,12 1 667,-17-11-617,16 0 1145,-7-1 0,-2-2 0,0 0 0</inkml:trace>
+  <inkml:trace contextRef="#ctx0" brushRef="#br2" timeOffset="200267">22485 6608 22650,'-18'-8'-3163,"-13"3"3498,14 2-319,-17 3 654,0 22-1091,3-2 1,-1 3 453,3 5 0,0 2 0,-12 7 0,-1 1 0,9-5 0,-1-1 0</inkml:trace>
+</inkml:ink>
+</file>
+
+<file path=ppt/ink/ink14.xml><?xml version="1.0" encoding="utf-8"?>
+<inkml:ink xmlns:inkml="http://www.w3.org/2003/InkML">
+  <inkml:definitions>
+    <inkml:context xml:id="ctx0">
+      <inkml:inkSource xml:id="inkSrc0">
+        <inkml:traceFormat>
+          <inkml:channel name="X" type="integer" min="-2.14748E9" max="2.14748E9" units="cm"/>
+          <inkml:channel name="Y" type="integer" min="-2.14748E9" max="2.14748E9" units="cm"/>
+          <inkml:channel name="F" type="integer" max="32767" units="dev"/>
+        </inkml:traceFormat>
+        <inkml:channelProperties>
+          <inkml:channelProperty channel="X" name="resolution" value="1000" units="1/cm"/>
+          <inkml:channelProperty channel="Y" name="resolution" value="1000" units="1/cm"/>
+          <inkml:channelProperty channel="F" name="resolution" value="0" units="1/dev"/>
+        </inkml:channelProperties>
+      </inkml:inkSource>
+      <inkml:timestamp xml:id="ts0" timeString="2021-07-15T06:28:38.622"/>
+    </inkml:context>
+    <inkml:brush xml:id="br0">
+      <inkml:brushProperty name="width" value="0.12095" units="cm"/>
+      <inkml:brushProperty name="height" value="0.12095" units="cm"/>
+    </inkml:brush>
+    <inkml:brush xml:id="br1">
+      <inkml:brushProperty name="width" value="0.09071" units="cm"/>
+      <inkml:brushProperty name="height" value="0.09071" units="cm"/>
+    </inkml:brush>
+  </inkml:definitions>
+  <inkml:trace contextRef="#ctx0" brushRef="#br0">1422 1057 27507,'8'-8'1462,"-25"1"-3370,6 7 2492,-22 0-324,3 14 736,4-11-848,-4 24-907,-13-8 1132,12 6-756,-13 11 1013,26-13-910,1 6-455,13 1-1244,23-8 140,16 18 104,12-15 944,2 1 0,2 0-284,7 1 588,-4-3 1,-2 0 33,-6-3 411,-12-2 0,-4-1 321,-9-1 64,4 14-339,-25-17-751,-23 14 1240,17-8-1045,-44 8-24,9 1 471,-13-9 613,1 2 373,14-14-397,5-5 0,3-2 0,2-1 0</inkml:trace>
+  <inkml:trace contextRef="#ctx0" brushRef="#br0" timeOffset="212">1330 656 24629,'10'-12'805,"-4"4"-1283,4 27-2910,-2 2 981,-7 27 1518,5 2 185,-5 13 539,0-4 1,-1 4-686,0-13 1,0 1 407,0-5 1,0 3-1,0 1-203,0 2 1,0 0-1,0-1 488,0 7 0,0 3-346,0 2 0,0 6 1,0-7-218,-1-6 1,2-3 707,6-8 0,3 1 0,-2-2 0,-6 1 0,2-3 0,8 0 0,0 1 1</inkml:trace>
+  <inkml:trace contextRef="#ctx0" brushRef="#br0" timeOffset="1345">3055 1390 25168,'-19'-25'-6601,"15"2"4444,-35-6 2207,9 6-6,-9-2 226,-2 11 395,12 3-175,2 6-938,-2 3 2082,-2 1 309,-2 17 41,-17 16-491,14 8-1029,6-3 1,2 1-149,-1 11-289,12-15 1,2 0-542,2 13-367,6-3-470,3-3-1038,4 8 361,21-18 239,5 11 121,0-26 865,18-1 871,-24-12 595,22-3 548,-9-23 412,15-20-877,-29 16 1,-1-4-141,11-21 0,-2-4 26,-11 18 1,-2-3-545,0-8 0,-1-7 0,-2 4-244,-1 2 0,-2 0-11,-3 6 0,0-3 0,0 4-415,-2-3 0,-1 3-126,1 1 0,-1 1 54,0 5 1,-1 0 141,0-2 1,0 2-370,0-9 737,-1-1-156,0 54 45,0 7 93,0 31 149,0-6 0,0 3-35,0-5 1,0 2 22,-1 15 1,2 2-75,5-10 0,1 0-185,-5 1 1,0 0 29,3 2 0,3-1-226,1 0 1,-1-1-62,-7-1 1,2 0-120,14-4 1,2 1-565,-4 12 0,1-1 368,3-15 1,3-2 828,2 7 0,0-2 0,16 5 1,3-6-1</inkml:trace>
+  <inkml:trace contextRef="#ctx0" brushRef="#br0" timeOffset="1696">3783 1436 24359,'-23'-8'-2517,"18"-4"-2093,-39 11 6407,15 13 596,-11-8-1626,13 22 1,3 5-781,-7-4 63,6 12 1,3 4-777,-1 1 671,1 12 1319,11-20-2230,10-2-1642,-3 15 360,26-20 189,3 6 351,26-27 2044,-14-19 891,2 7-161,-2-51-503,-9 28 197,-11-3 0,-2-3 330,6-20-168,-11 14-86,3-16-1576,-12 31-1345,4 4 875,-4 33 12,0 19-209,-1 10 908,0-8 1,0 0-686,0 9 308,8-5 0,4-1-920,9 3 373,15 8 1420,-3-27 1,-1-8 0,3-7-1</inkml:trace>
+  <inkml:trace contextRef="#ctx0" brushRef="#br0" timeOffset="1934">4463 880 24449,'-18'-21'-4622,"-3"8"4213,-2 36 2253,-4 6-703,24 32-1578,-6-16 1,-2 1 135,6-8 1,1 2 84,0 6 0,1 4 0,0-4-506,-1-2 1,1-2 782,2 13 0,2 1-445,-3-5 0,4-3-679,7-11 1,3 1-588,-1 18 1,1-1 282,13 4 267,-6-16 0,0-3-9,5-2 1039,13 10 1,-15-34 0,-10 0 0</inkml:trace>
+  <inkml:trace contextRef="#ctx0" brushRef="#br0" timeOffset="2081">4090 1457 23549,'-16'-17'-6553,"6"4"3832,4 3 1059,6 4 1277,0 1 129,18 2 1995,20 1-1525,-2 2 1,3 0-478,-3-1 0,2 2 459,20 7 1,1 0-1,-21-6 1,-1 0 0,14 6-1,0 1 1</inkml:trace>
+  <inkml:trace contextRef="#ctx0" brushRef="#br0" timeOffset="2429">5253 1433 23639,'-55'0'1169,"-5"0"-1079,13 0-90,-2 19 1226,15-14-1235,2 33-421,3-22 886,5 17-909,2 3-63,12-9-368,1 6-298,9-11-1304,0-4 440,28-2 774,9-4 94,17-4 1194,-16-4 1,-1-4 479,9-14 265,-7 3 1,-1 0 982,2-8 919,6-20-350,-22 14-1214,-4-2-803,-8-6-536,-4 23-51,-5 10 146,-3 19-2013,0 17-955,0 27 440,15-20 438,-6-5 0,2 0 1822,21 6 1,0 9 0,-1-20-1</inkml:trace>
+  <inkml:trace contextRef="#ctx0" brushRef="#br0" timeOffset="2652">6652 1266 25258,'-17'14'88,"4"-2"-737,37 4-2569,-18 0-791,50-14 3983,-29 14-1707,28-10 1794,-10 7 0,-1-4 1,2 1-1</inkml:trace>
+  <inkml:trace contextRef="#ctx0" brushRef="#br0" timeOffset="2799">6620 1741 24359,'-24'16'2267,"10"3"-3416,5-8 454,9 1-2987,32-1 2011,-5-4 1713,15-1 0,3 0 0,18-2 1,-18-2-1,0 0 0</inkml:trace>
+  <inkml:trace contextRef="#ctx0" brushRef="#br0" timeOffset="3612">9782 564 25258,'0'-12'-5666,"0"1"3628,-19 2 2755,-2-7-1114,-1 4 449,-15-5 264,3 1-216,-9 5-347,7 2 0,0 0 1400,-12 1-520,16 3 1,-2 0-331,-2 3 1,1 1 813,-17-2-808,9 2 0,0 1 527,1 0-92,-10 0-700,17 15 903,12 3-802,-6 23-524,20-6-718,-3 8 117,10-6-531,0 4 21,2 2 709,-1-7 0,2 0-1665,19 22 1407,-17-6 0,-1 1 249,8-19 1,0 0 314,-8 26 0,-4 1 178,2-23 0,0 0 243,2 12 1,-4 0 97,-9-14 1,0-1 112,9 0 1,-2 0 296,-19-1 0,-3 0 202,8 11 0,1-1-117,1-13 1,-2 0 74,-7 16 1,3-3 256,6-2-238,-6 6 35,11-25-84,11-5-1146,0-2-263,20-4 590,-15-1-1296,43-5 1963,1-2 66,15-2-868,-12-2 0,1 0 156,-17 0 1,-1 0 472,14-7 0,0 0 1,-12 5-1,-2 1 1,2-6-1,-1 0 1</inkml:trace>
+  <inkml:trace contextRef="#ctx0" brushRef="#br0" timeOffset="6135">4612 3681 24359,'-7'-1'-1744,"2"0"1055,2 17-1143,0-12 2203,0 35-1625,-1-3 107,2 13-964,-1 16-22,2-24 1821,8-7 0,1-2 0,-5-10 0,13 10 1</inkml:trace>
+  <inkml:trace contextRef="#ctx0" brushRef="#br0" timeOffset="6279">4903 3588 22200,'5'-6'-1079,"0"1"1539,-3 21-3809,1 14 799,-2 32 426,2-3 1924,-1-24 1,1-1-1,6 22 1,0 0 0</inkml:trace>
+  <inkml:trace contextRef="#ctx0" brushRef="#br0" timeOffset="6683">5503 3999 23189,'0'36'-6115,"0"-1"4076,-12-2 2344,10 0-939,-10 5 853,12 25-798,0-12 406,0 0 1,0 0-1514,0 0 1731,0-9 0,0-4 44,0-11-773,0 3 240,0-20-234,9-3 786,-6-22 116,14-17 861,-14-8-1077,14-13 302,-10 19 0,-1 0 146,12-18-211,-7 9 1,-1 2 309,2 1-199,1-4-19,-7 25-406,-1 11 1128,1 2-59,1 6 230,1 24-2447,6 8-31,-4 16 363,1-15 0,0 0-937,4 12-31,8 14-653,-4-21 2089,5-4 1,3-7-1,4-3 1</inkml:trace>
+  <inkml:trace contextRef="#ctx0" brushRef="#br0" timeOffset="7049">6248 4213 23549,'-44'-13'-1126,"-3"5"1007,5 22 1840,-1 13-939,10 8-977,13 7-629,0-9 322,17 1-846,-8 15 626,11-13-892,0 17-867,20-28-66,7 1 1075,25-19 1920,-10-2-220,0-28 1716,-14 18-1232,-9-27 0,-3-4 395,7 7-141,-5-12 1,-4-1 162,-5 1-615,5-19-1405,-13 32-83,2-3-890,-3 46 95,0 13 931,0 20-114,-1-13 0,2 0-294,14 10-335,-11 14-141,23-7 590,-7-16 1128,19 10 1,-3-30 0,2-2 0</inkml:trace>
+  <inkml:trace contextRef="#ctx0" brushRef="#br0" timeOffset="7413">6782 4108 24629,'0'48'-5576,"0"-7"3627,0 11 975,0-10 425,0 5 336,0-13 0,0 1-181,0 16 325,0-12 0,0-2-1527,0 1 1596,0 4 0,0-23 0,0-4-720,12-7 645,1-20 1668,14-16-1030,-13-2 1,-1-4 71,11-24-234,-8 13 0,-1 1 325,2-8-16,3-12-203,-10 29-77,-4 8-1058,0 12 364,-2 2 245,1 11 1346,2 21-2579,-2 1 73,8 40-105,-3-19-182,6 16-825,8 4 65,-4-17 854,1-11 0,3-3 952,8-1 0,13-5 1,-9-17-1</inkml:trace>
+  <inkml:trace contextRef="#ctx0" brushRef="#br0" timeOffset="7712">7465 4376 23369,'49'0'180,"-7"0"0,-2 0-180,-9 0 270,11-16 784,-14-3-643,13-17-154,-28 6-842,7 2 383,-19 6-993,5 3 255,-6-1-477,0 1-903,0 3 401,-17 1 577,12 3-283,-30 6 1670,20 1 971,-5 23 46,-1 10 236,18 9-1251,-7 5-477,10 8-322,18-9 75,-6-9 1,3-1-2268,25 5 2787,3 3 0,-5-20 0,2-3 0</inkml:trace>
+  <inkml:trace contextRef="#ctx0" brushRef="#br0" timeOffset="7995">8103 3406 24629,'28'15'-3675,"13"-11"4484,-37 22-3911,39-23 4117,-23 25-2644,8-17 1099,6 23-626,-14-14-1590,17 12 1407,-19-15 918,-1 2 1,-16-8 0,3-2 0</inkml:trace>
+  <inkml:trace contextRef="#ctx0" brushRef="#br0" timeOffset="8117">8445 3440 23639,'36'19'-3473,"-15"-1"952,8 19-305,-16-2-513,12 5 2995,-7 7 0,1 6 0,0 2 0</inkml:trace>
+  <inkml:trace contextRef="#ctx0" brushRef="#br0" timeOffset="8463">9457 4176 26158,'-5'0'-360,"1"13"-3286,20-9 2975,14 18-1478,11-20 2001,13 13-735,-7-13 221,7 9 597,2-9 0,3 9 0,1-5 0</inkml:trace>
+  <inkml:trace contextRef="#ctx0" brushRef="#br0" timeOffset="8629">9700 4456 23639,'0'4'-6206,"0"0"3898,24-3 3923,11 0-1316,16-1-151,-13 0 0,0 0 1,14 0-1,-17 0 1,0 0-1</inkml:trace>
+  <inkml:trace contextRef="#ctx0" brushRef="#br0" timeOffset="8882">9957 3909 24269,'-9'-6'-4385,"-5"0"4637,12 2-2839,-5 0 3050,7 3-844,19-1 2108,13 2-648,29 16-1496,-7-12 845,-16 16 1,-2 3-651,4-3 683,-8 9 0,-5 4-1339,-7 8 372,-4-10 1,-2 1-2630,-12 21 340,7 10 1511,-7-31 0,-4 2 1242,-10 20 0,-6 2 1,1-13-1,-5 0 0,-1-5 1,0 1-1,0-1 1</inkml:trace>
+  <inkml:trace contextRef="#ctx0" brushRef="#br0" timeOffset="10350">12168 2896 23099,'-4'0'630,"-1"0"-360,2 0-270,0 0 0,0 0-90,-1 0 90,-1 13-982,-4 7 160,3-2-520,-5 16-218,4-20-584,2 16-26,3-4 1789,1-8 1,1 5 0,0-8 0</inkml:trace>
+  <inkml:trace contextRef="#ctx0" brushRef="#br0" timeOffset="10495">12397 2903 21930,'-18'47'-4207,"13"-4"3811,-12 6 0,3-3 0,-4 1 0</inkml:trace>
+  <inkml:trace contextRef="#ctx0" brushRef="#br0" timeOffset="10796">12815 3929 24718,'-6'14'-3485,"19"3"-433,14 17 2621,-1-14 1,3-1 291,21 15 1023,-12-11 1,1-1 0,11 3-1,-16-10 1,-1 1 0</inkml:trace>
+  <inkml:trace contextRef="#ctx0" brushRef="#br0" timeOffset="10998">13493 3775 23909,'-42'17'3319,"6"-13"-3717,-2 43-37,12-22 1,1 1 5,4 6 1,1 2-36,-7 5 0,-1 1-536,1 6 0,2-1 331,5-10 1,1 1 554,-9 23 0,3-2 0,11-25 1,1-2-1,-1 9 0,1 0 0</inkml:trace>
+  <inkml:trace contextRef="#ctx0" brushRef="#br0" timeOffset="11236">13853 3860 23729,'13'0'1349,"5"0"-1169,0 20-3318,18-2 2326,-8 4-176,13 11 215,-5-17 531,3 17-1415,4-9 453,-11-7 0,2 0-441,19 8 1167,-7-4 0,0 0 514,9 2 1,-20-9 0,0-1 0,12 2-1</inkml:trace>
+  <inkml:trace contextRef="#ctx0" brushRef="#br0" timeOffset="11430">14443 3814 23639,'-31'0'0,"-1"0"90,-16 15 1039,8 10-1086,7-1 0,0 5-427,-5 21-567,7-10 1,2 0-513,1 13 1302,10-19 0,1 0 1,2 13-1,2-2 1</inkml:trace>
+  <inkml:trace contextRef="#ctx0" brushRef="#br0" timeOffset="11729">14935 3817 23279,'17'-2'1056,"3"1"-691,1 1-473,3 0-11,1 18-1483,2-14 1514,4 28-1418,17-7 597,-8 6-655,11 4-102,-14-10 43,-3 1-348,3-1 1209,-2-1-1107,0-2 2021,-2-2 1,-1-4-1,-2-3 1</inkml:trace>
+  <inkml:trace contextRef="#ctx0" brushRef="#br0" timeOffset="11884">15640 3767 24269,'-35'0'90,"7"19"836,-1-14-583,5 40-2186,-2-22 1750,-1 19 0,1 4 0,-10 6 0,9-10 1,0 0-1</inkml:trace>
+  <inkml:trace contextRef="#ctx0" brushRef="#br0" timeOffset="12348">12985 4048 24988,'16'34'-7921,"8"3"5671,14-10 2645,5 6-293,-6-8-245,4 6-800,3-1-160,3 3 948,-11-10 1,2-1 0,-9-4 0,1 0 0,9 4-1,1 1 1</inkml:trace>
+  <inkml:trace contextRef="#ctx0" brushRef="#br0" timeOffset="13150">16142 2696 24359,'12'15'-6706,"4"5"4420,-11 20 959,2-6 127,-2 1 282,-4-9-463,1 7 391,-2-10 591,0 10 0,0-17 0,0 1 0</inkml:trace>
+  <inkml:trace contextRef="#ctx0" brushRef="#br0" timeOffset="13281">16270 2694 23729,'33'-15'3626,"-4"2"-2706,-14 38-6616,1 13 1024,-15 17 4440,2-10 1,0 0 0,-3 20 0,0-20 0,0 0-1</inkml:trace>
+  <inkml:trace contextRef="#ctx0" brushRef="#br0" timeOffset="14085">17023 3860 23459,'0'9'-5036,"15"-1"4963,-11 2-2411,26-1 3665,-18 4-1516,26 7 862,-17-3-657,14 16-1338,-20-12 667,-2 21-1432,-9-13 1417,-26 2 1,-8 2 919,-8 12 1,-5-11 0,-3-1 0,15-7 0,-1 0-1</inkml:trace>
+  <inkml:trace contextRef="#ctx0" brushRef="#br1" timeOffset="38813">4757 5843 9152,'-25'15'1529,"12"2"-1349,-4-16-90,15 9 180,-10-4 89,11 5-179,-10 1-90,8 2-90,-6 2 0,3 3 0,2 2 90,-1 2-180,0 19-539,2-7-361,-1-2 1,0 2-91,1 8-1047,-3 15 2127,4-20 0,2-4 0,0-1 0</inkml:trace>
+  <inkml:trace contextRef="#ctx0" brushRef="#br1" timeOffset="38979">5022 6004 9781,'-24'23'90,"-15"-18"0,34 44-1891,-32-27 1081,33 24-269,-14-6 989,7 19 0,8-14 0,-8 12 0</inkml:trace>
+  <inkml:trace contextRef="#ctx0" brushRef="#br1" timeOffset="39346">5682 6478 12030,'-44'45'270,"18"-5"-270,-10 8-1409,32-5 1409,-32 2 0,28-12 0,1 0-450,-13 17-433,13-11 0,3-1 73,4 2-2248,21 20 3058,-16-38 0,42 3 0,-15-22 0</inkml:trace>
+  <inkml:trace contextRef="#ctx0" brushRef="#br1" timeOffset="39897">5990 6622 10141,'-22'20'630,"16"31"-540,-32-28-135,35 11 0,2 2 45,-28 1-90,26 11-630,-10-10 181,13-10-181,21 0 360,-15-13-90,37-9 271,-10-1 179,9-29-262,2 18 352,-12-44-180,-2 26 494,-11-7 1,-1-4 45,8-7-135,-8 8 0,-3 1-225,-5 1 270,6-4 269,-15 19-359,6 9 0,-6 2-8,2 24-172,-1-13-90,4 54 89,1-30-89,0 12 0,0 3-439,5 0 349,4 12 0,-3-24-90,3-4-180,2-7-449,13-9 539,-3-5-180,28-25 450,-16-1-456,-12 0 1,0-2 455,12-22-90,1-7 90,-23 23 0,0-4 45,4-15 0,-2-3 0,-7 12 0,-1-3 374,-2-3 1,-1-6 0,-2 5-60,-3 4 0,-2 1 134,1-24 1,-2 1-405,-1 2-45,2 23 0,-4 4 944,-14-2-488,13 42-411,-16 20 0,1 9-90,14-2 0,2 3-178,-13 17 1,-1 3 177,11-5 0,2-2-45,-3-11 0,1 1-135,1 24 1,2-2-451,2 4-180,-2-15 1,4-1-181,20 1 91,-17 9-90,18-27-91,-3-6-89,-14-6 1371,27-4 1,-30-7-1,10-3 1</inkml:trace>
+  <inkml:trace contextRef="#ctx0" brushRef="#br1" timeOffset="40045">6352 6719 9512,'-17'0'-630,"29"0"-90,23 0-179,21 0-445,-22 0 1,1 0 1343,29 0 0,3 0 0,-32 0 0,0 0 0</inkml:trace>
+  <inkml:trace contextRef="#ctx0" brushRef="#br1" timeOffset="40417">7252 6837 9871,'-11'6'1440,"24"-1"-1440,12-4 179,25-14-89,-13-2 180,0-12-270,-10 12 180,-13-10 0,0 8-90,-14-6 0,0-3-90,-20 13 180,-7-2-180,-24 10-90,11 2 180,1 22-180,14-14 0,4 47 180,2-31-810,9 42 181,2-31-181,8 8-90,26-16-179,-20 0 90,44-3 899,-13 4 0,12-10 0,2 2 0</inkml:trace>
+  <inkml:trace contextRef="#ctx0" brushRef="#br1" timeOffset="40647">7795 7017 10141,'24'10'-450,"7"-2"-359,15-21-270,-2 10-361,-7-10 1440,-1 2 0,2 8 0,-1-8 0</inkml:trace>
+  <inkml:trace contextRef="#ctx0" brushRef="#br1" timeOffset="40870">8377 6766 11221,'0'32'-720,"16"6"90,-12-6-269,12 1-1,0-8-179,-12-4 1079,24 0 0,-25-2 0,10-3 0</inkml:trace>
+  <inkml:trace contextRef="#ctx0" brushRef="#br1" timeOffset="41047">8315 6285 10501,'-7'-11'-90,"6"1"-540,-8 6-809,8 19 450,24 10 989,-17 10 0,43 3 0,-19-8 0</inkml:trace>
+  <inkml:trace contextRef="#ctx0" brushRef="#br1" timeOffset="41445">9083 6580 11221,'-19'25'179,"14"18"-268,-14-24 178,5 36-89,10-18 0,-3-2 0,0 0 0,7-1-89,0 18-1,17-35-180,3 2 180,19-14 90,-1-20 0,-6 11-90,-2-54 90,-18 31-45,-3-15 0,-3-3-87,-5-7 671,2 4 1,-1 0-1484,-2-9 1079,0 22 0,0 1-267,0-17 132,0 21 359,-13 0-359,10 45 90,-10 3-90,13 24 0,0-5-90,0 5-72,0 4-513,8-12 1,0 2-496,-4 15 1,12-11 0,1-1 164,-12 1 1005,29 5 0,-30-23 0,12-5 0</inkml:trace>
+  <inkml:trace contextRef="#ctx0" brushRef="#br1" timeOffset="41696">9533 5770 12930,'19'31'0,"-15"-3"-540,28 12 0,-14-14-1529,10 19 1170,-11-21-810,5 12 540,-14-20 1169,3 1 0,-5-13 0,-6-1 0</inkml:trace>
+  <inkml:trace contextRef="#ctx0" brushRef="#br1" timeOffset="41815">9698 5823 9332,'15'-18'1619,"-11"24"-1889,23-1-630,-25 46-719,10-23 1619,-6 12 0,-3 5 0,-1 16 0,3-19 0,-1 0 0</inkml:trace>
+  <inkml:trace contextRef="#ctx0" brushRef="#br1" timeOffset="42132">10375 6740 12210,'-9'0'0,"26"12"-360,16-10-450,3 8 1,3 0-450,27-8 488,-28 2 1,2 0 770,3-4 0,0 0 0,22 0 0,-22 0 0,0 0 0</inkml:trace>
+  <inkml:trace contextRef="#ctx0" brushRef="#br1" timeOffset="42415">10710 6462 12120,'-19'-13'810,"4"3"-630,4 4-270,3 1 90,3 1 359,2 1-359,25 14 0,11 8 0,15-1 0,5 17 0,-20-23 0,0 1 0,20 21 45,-10-13 0,-2-1-45,4 5 0,-14-4 0,-3 2-787,-9 6 427,4 11-1349,-21 10 180,-24-6 1529,1-2 0,-5 0 0,-4-13 0,-1-2 0,-6 11 0,1 0 0</inkml:trace>
+  <inkml:trace contextRef="#ctx0" brushRef="#br1" timeOffset="43113">10263 7260 10771,'20'-12'1259,"15"9"-1259,-19-22 0,20 22-90,-3-26-360,6 16-764,-6-5 0,1-1-2746,21-2 3960,-17 7 0,-1 1 0,19-3 0,1 1 0</inkml:trace>
+  <inkml:trace contextRef="#ctx0" brushRef="#br1" timeOffset="43585">12250 6624 12750,'17'-27'719,"-13"-18"-539,13 25-90,0-24 180,-13 7-603,12-3 512,-1-2 361,-11-19-270,10 16 90,-14-22-360,0 34 78,0-7-78,0 26-365,-14 26-264,10 10-1,-9 12 1,-1 6-271,11 20-1252,-3-1 0,0 3 1522,6-22 1,0 0-331,-1 5 1,0 4 0,3-5 766,9-5 1,1-1 0,-10 11 0,1-2 0,19 15 0</inkml:trace>
+  <inkml:trace contextRef="#ctx0" brushRef="#br1" timeOffset="43729">12210 7093 12480,'-13'-16'360,"3"-1"-450,30-2-450,2-9-359,23 14-1522,4-14 802,8 5-82,-24 12 1,2 0 1700,1 0 0,1 1 0,4 1 0,-1 1 0,2 0 0,-1 0 0</inkml:trace>
+  <inkml:trace contextRef="#ctx0" brushRef="#br1" timeOffset="44079">13198 6627 11580,'-5'0'1709,"1"14"-1709,3 6 0,19 20 0,-13-6-269,12 5-1081,-6 7 91,-8-8-495,-7-2 0,-1 0 1754,-1 11 0,-16-15 0,-6-1 0,-9 15 0</inkml:trace>
+  <inkml:trace contextRef="#ctx0" brushRef="#br1" timeOffset="46795">4983 8593 10951,'-16'-10'90,"-2"2"269,-10 4-359,7 2 0,-9 18 0,11-12 0,0 42 0,2-22 0,1 30 0,-3 9-179,6-13-1827,0 15 1286,10-24 91,0-3-181,3-4 361,0-5-91,0-4-90,17-5 630,-12-5 0,27-7 0,-12-3 0</inkml:trace>
+  <inkml:trace contextRef="#ctx0" brushRef="#br1" timeOffset="46929">4955 8822 8432,'0'-30'900,"0"1"-810,0 8-180,0 3 180,0 5-270,0 31-450,0 10-269,0 21 899,0-14 0,0-1 0,0 12 0,0 16 0</inkml:trace>
+  <inkml:trace contextRef="#ctx0" brushRef="#br1" timeOffset="47163">5552 9139 9512,'-20'23'629,"16"15"-359,-27-24-270,28 19 0,-18-9 90,18 4-90,-7 3 0,10 2-90,0 0-180,0-1-1349,0 13 720,0-12 899,18 21 0,-14-26 0,14 7 0</inkml:trace>
+  <inkml:trace contextRef="#ctx0" brushRef="#br1" timeOffset="47336">5572 8905 9602,'-13'-6'89,"-7"0"-1348,13 5 1259,-3 13 0,23 9 0,10 15 0</inkml:trace>
+  <inkml:trace contextRef="#ctx0" brushRef="#br1" timeOffset="47879">5917 9008 8342,'0'27'1170,"0"4"-901,0-4-179,15 3 0,-11-3-90,12 3 90,-2 17-180,-10-12 180,24 25-180,-17-28-548,4 9 458,0-17-128,-13-2-52,11-4-179,-6 4 359,2-10-270,1 2 180,-5-10 90,5-20 270,-3-14-180,6-26 360,-4 8 90,2-13-270,-3 30 657,0-5-297,-1 24 109,1 3 70,1 9-359,0 15-90,6 8-180,-5-3 0,6 34 90,-7-33-90,2 29-90,-5-26 0,-1-1 180,0-5-180,1-2 0,1-2-90,1-7 90,-3-1-90,4-6 180,-1-21 0,2 16 0,2-41 0,-1 23 0,1-24 360,5-7-180,-6 14-180,4-12 180,-8 34 90,3-5-360,-4 22 180,7 14-90,-2 12-630,11 27-89,-3-8-136,1-13 1,1 0-1662,10 7 2516,17 8 0,-6-18 0,4-2 0</inkml:trace>
+  <inkml:trace contextRef="#ctx0" brushRef="#br1" timeOffset="48215">7232 9166 9961,'-52'0'1170,"10"0"-901,-2 15-269,12-11 0,-13 28 0,14-5 0,-12 17 0,29-7 0,-6-5-269,19-12-91,-5 1-270,29-3 360,9-6-269,33-6 269,-11-6 225,-15-8 0,-2-4-439,7-13 574,10-12 0,-24 3-90,-5 19 449,-5-12 271,-3 12-810,-9 17 0,-1 27-270,-7 13-899,0 21 360,20-33 899,6 8 0,11-15 0,-2-2 0</inkml:trace>
+  <inkml:trace contextRef="#ctx0" brushRef="#br1" timeOffset="48635">8022 8995 9062,'-37'0'1079,"16"24"-989,-9-18 0,26 42-180,-27-27 180,15 38-90,-2-22 0,6 23-90,12-28-90,0 5 90,0-16-449,19-6 449,5-2 0,21-8 90,-4-16 0,-2-11-90,-19-11 270,-8-2-180,-12 4 0,0-1 180,0-2-1,0 2 91,0-8-180,-19 14-90,14-3 270,-27 21-90,29 26 0,-9 2-45,10 12 0,4 3-45,-2 14 89,7 0 1,3 2-135,-2-19 0,3 1-543,8 25 1,1 1 497,-11-24 0,1 0 30,7 8 0,2 5 0,-4-5-30,-7 23 0,14-19 0,-2-3 0,-17-7-180,12-8-1169,-14 2-1,5-14 91,-6 1 1259,0-13 0,0-2 0,0-2 0</inkml:trace>
+  <inkml:trace contextRef="#ctx0" brushRef="#br1" timeOffset="48929">8385 9383 7982,'43'-7'540,"2"0"-270,0 1-270,0-1 90,20-7-90,-13 0-1030,-9 1 1,-1-1 1209,7-5-90,11-9 32,-25 8 148,-7 0-220,-4 1 220,-9 0 89,-6 3-89,-6 1 1869,-22-1-1869,14 5-90,-54 2-180,33 7 0,-11 10 0,-2 2 0,3-6 660,-13 39-660,22-6-180,11 11-270,7-13 0,6-2-359,32 7-226,-6-7 1,4-2-627,6-14 1,3-4 1660,5 5 0,1-2 0,-6-10 0,0-2 0,3-1 0,-1 0 0</inkml:trace>
+  <inkml:trace contextRef="#ctx0" brushRef="#br1" timeOffset="49379">9287 8573 9691,'15'-4'990,"2"1"-990,18 3 0,2 13 90,-5 3-360,16 15-180,-26 0-539,14 3 179,-26-9-629,-1 2 410,-7-15 1029,-2 3 0,0-8 0,0-1 0</inkml:trace>
+  <inkml:trace contextRef="#ctx0" brushRef="#br1" timeOffset="49513">9487 8506 8522,'20'-17'2069,"0"7"-2069,17 25-90,-7 17 0,-7 15-1562,-2 6 212,-6-5 1440,1 4 0,0 3 0,1 1 0</inkml:trace>
+  <inkml:trace contextRef="#ctx0" brushRef="#br1" timeOffset="49765">10730 9092 12570,'11'0'-810,"0"0"91,36 0-1,-5-15-45,-5 14 1,1-2-315,22-23 767,-8 24 1,1 1 0,5-10 0,-22 11 0,1 0 0</inkml:trace>
+  <inkml:trace contextRef="#ctx0" brushRef="#br1" timeOffset="49947">10845 9258 11131,'-21'0'539,"2"0"-449,6 0-360,6-15-629,31 12 179,12-26 45,-1 21 1,2 2-45,22-10-724,3-6 1443,-18 19 0,-1-16 0,0 9 0</inkml:trace>
+  <inkml:trace contextRef="#ctx0" brushRef="#br1" timeOffset="50179">11173 8791 9961,'-18'-7'180,"-5"0"450,21 3 629,-6 0-989,27 3 0,11-1 0,10 22-270,5-15 0,-12 34 90,13-7-180,-15 9-315,-9-6 0,-3 1-494,-7 12-855,-4-1 0,-3 2 1365,-5 15 0,0-21 0,0-1 1,0 22-1</inkml:trace>
+  <inkml:trace contextRef="#ctx0" brushRef="#br1" timeOffset="50647">12295 8213 10411,'-8'-2'180,"-2"0"-90,3 1-90,-5 0-90,5 20-450,-1-14-1439,0 50 630,4-29 1349,-1 29 0,4-19 0,1-1 0</inkml:trace>
+  <inkml:trace contextRef="#ctx0" brushRef="#br1" timeOffset="50831">12670 8295 10501,'-40'0'0,"16"21"-90,-4-16-540,25 36-629,-21-23-450,22 23 1709,-9-5 0,11 4 0,0 1 0</inkml:trace>
+  <inkml:trace contextRef="#ctx0" brushRef="#br1" timeOffset="51220">13103 8902 12480,'0'31'450,"25"-14"-450,-19 19 90,40-16-874,-27 22 604,22-8-106,-8 1-524,-5-9 1,1 0-270,16 13-91,-3-7 1,2-2 1043,8 3 0,-18-13 0,1-1 0,11 4 0</inkml:trace>
+  <inkml:trace contextRef="#ctx0" brushRef="#br1" timeOffset="51413">13690 8779 10861,'-37'0'270,"-2"20"-180,0-15-1204,-4 42 1204,-1-24-90,20 1 0,1 3-90,-25 16 90,24-19 0,-1 2-675,-9 12 1,0 2 89,8-10 1,0 2 584,-11 20 0,3 0 0,15-21 0,2-2 0,-2 10 0,-1 0 0</inkml:trace>
+  <inkml:trace contextRef="#ctx0" brushRef="#br1" timeOffset="51646">14158 9075 10321,'9'0'180,"-1"0"-90,2 14-90,11-10-90,-1 30 180,13-29-180,-10 20 0,-1 2-360,17-9-450,-3 7 1,1 1-1029,8-3 1928,15 3 0,-19-11 0,-1-2 0</inkml:trace>
+  <inkml:trace contextRef="#ctx0" brushRef="#br1" timeOffset="51915">14333 8881 10501,'-9'0'0,"-1"0"0,3 0 0,-4 20 90,3-15-90,-9 58 0,6-33-225,-6 26 0,-2 5-204,8-29 0,-1 0 9,-5 10 0,-3 5 1,2-5-31,3-9 0,0-1 450,-10 23 0,-1 0 0,-1 5 0,9-21 0,1-1 0</inkml:trace>
+  <inkml:trace contextRef="#ctx0" brushRef="#br1" timeOffset="52212">14760 9032 9512,'13'-11'449,"3"1"-269,1 1-90,2 2 180,4 2-90,15 2-270,-3 2 180,31 1-90,-23 20-90,13-15-270,-27 12 0,0 3-269,13 3-451,-6-6 1,-1 3 1079,2 10 0,9-11 0,-18-11 0</inkml:trace>
+  <inkml:trace contextRef="#ctx0" brushRef="#br1" timeOffset="52401">15285 8825 10591,'-31'-2'450,"-1"1"-180,-18 23-270,13-17 0,4 28 0,1 5-90,-4-3-2424,7 16 1,2 3 2108,12-24 0,1 1-809,-6 21 0,3 0 1177,2 6 1,8-21 0,2-1 0,2 10 0</inkml:trace>
+  <inkml:trace contextRef="#ctx0" brushRef="#br1" timeOffset="52665">15778 8896 10591,'8'0'630,"5"19"-630,-1-1 179,15 22-179,-4-11-225,6-2 1,2-1-136,6 3-495,0-2 1,-1-2-46,0-3 900,-6-6 0,0-2 0,4-1 0,10 0 0</inkml:trace>
+  <inkml:trace contextRef="#ctx0" brushRef="#br1" timeOffset="52866">16310 8772 11221,'-26'0'179,"1"0"-179,7 16 0,-12 10 0,6 12 0,2-5 0,-1 0-464,-5 15-76,2-5 0,0 1-1239,-5 11 1329,11-21 0,0-1-629,-6 13 1079,2-4 0,1-4 0,2-1 0</inkml:trace>
+  <inkml:trace contextRef="#ctx0" brushRef="#br1" timeOffset="53330">16938 8028 12120,'-2'-4'90,"-2"2"-90,2 1-90,-1 20-270,3 10-179,17 8-91,-12 5-359,13-12-181,-4 1-89,-11-2-90,11-2 1349,-14-3 0,11-3 0,3-2 0</inkml:trace>
+  <inkml:trace contextRef="#ctx0" brushRef="#br1" timeOffset="53479">17195 8021 10681,'9'-7'809,"0"1"-809,-3 6-179,1 25-451,-4-5-1349,1 46 360,-4-18 1343,0-14 1,0 1 0,0 20 0,0-1 0</inkml:trace>
+  <inkml:trace contextRef="#ctx0" brushRef="#br1" timeOffset="53929">17617 8921 13649,'-22'-7'450,"5"2"-450,5-1-90,9 2 90,-10 0 0,13 18 90,33 4-90,-24 22 0,41 3 0,-35-4-180,5 1-270,-9-10-179,-11 3-361,-29 2-1512,-1 5 1242,0-19 1,-3-1 1103,1 3 1,0 0-1,-5 0 1,-2-1 0,-2 2-1,-1-1 1</inkml:trace>
+  <inkml:trace contextRef="#ctx0" brushRef="#br1" timeOffset="56266">4980 10726 9422,'-26'0'180,"-15"-1"-1,14 0-179,-10 0 0,3 1 0,11 0 0,0 20 0,3-15 0,-1 36 0,2-24-90,1 19-539,2-6-181,3 2 91,2 1 719,6 14 0,2-15 0,3 10 0</inkml:trace>
+  <inkml:trace contextRef="#ctx0" brushRef="#br1" timeOffset="56413">4935 10869 8522,'-19'36'-2249,"3"-6"2249,16 3 0,0-4 0,0 2 0</inkml:trace>
+  <inkml:trace contextRef="#ctx0" brushRef="#br1" timeOffset="56913">5505 11406 9242,'0'26'629,"0"5"-629,0 7 180,0 6-180,0 5 45,0-7 0,0 2-354,-1-9 1,2 2 353,7 26 0,1 0-704,-8-24 1,2-2 658,16 11 0,0-2 0,-14 14 0,28-4 0,-30-4 90,20 9 446,-20-20-626,8 12-89,-11-33-1081,0 0 990,-20-40 90,16-2 1,-36-29-280,24 10 0,2-1 414,-5 6 0,-1-3 45,6-9 0,2-6 0,0 4 0,-3-1 0,2 0 0,7 8 0,2-3 0,0 1 179,-4-18 1,2 3-90,5 16 0,2 1 180,-4-18 0,6 4 0,23 5 960,-1-9-1140,5 39 450,10 3-360,-14 14 0,10 4 0,3 22-180,-17 9 0,-9 0 0,-2 2 89,4 25-269,-11-13 1,-1 0-721,4 15 405,-6-20 1,-2 1-811,-9-1 1,-1-1 1304,6 17 0,-6-20 0,1-2 0,10 7 0</inkml:trace>
+  <inkml:trace contextRef="#ctx0" brushRef="#br1" timeOffset="57197">5915 11406 8522,'12'0'1080,"1"15"-811,-6 13-179,2 7-90,-2 13-444,2-10 444,1 8 0,-4-13 0,1 1 0,3 19 0,-3-11 0,0-2 90,0 5 0,2 14 359,-7-33-70,2 1-828,-4-17 359,1-27 0,-1-44-180,-14-4-1068,11 16 1,4-9-1,-3 7 843,-5 10 1,0 2 494,6-25 0,2 3 0,-1 3 0,0 5 0</inkml:trace>
+  <inkml:trace contextRef="#ctx0" brushRef="#br1" timeOffset="57452">6610 11476 10951,'0'5'449,"0"1"-449,0 3-89,0 4 178,0 7-89,0 6 0,0 7-269,14 27-1,-10-9-495,7-8 1,2 0 44,1 7-270,-3-13 1,3-2 989,6-1 0,1 3 0,-6-18 0</inkml:trace>
+  <inkml:trace contextRef="#ctx0" brushRef="#br1" timeOffset="57599">6627 11139 9422,'-13'-5'-900,"10"1"900,-15 4 0,17 20 0,-4 6 0</inkml:trace>
+  <inkml:trace contextRef="#ctx0" brushRef="#br1" timeOffset="57830">7382 11418 10051,'-17'8'1349,"12"3"-989,-26 2-180,28 5-90,-29 4-90,6 19 0,-7-7 0,11-1 0,3 2-524,5 8-16,-12 15-90,24-17 181,-7-1-181,9-3-270,0-1 181,21-5-271,-16-3 990,43-5 0,-24-6 0,23-4 0</inkml:trace>
+  <inkml:trace contextRef="#ctx0" brushRef="#br1" timeOffset="58179">7732 11691 10501,'1'0'1079,"9"0"-1079,35 0 0,-9-13 90,-1 10-90,-11-27-90,-3 26 90,-3-41 0,-2 29 0,-8-23-90,-2 12 90,-6 8 90,-23-3 0,-5 14 90,-29 3-90,13 24-90,-3-14 0,23 23 0,4 5 0,-12-5 0,12 13 0,4 3 0,4 1-45,5-5 0,5 1-135,22 3-360,-5-7 1,5-2-1538,26 1 1582,-20-14 0,3-2-719,8-6 0,2-4 1214,25 2 0,-19-6 0,1-2 0,-11-4 0,0 0 0</inkml:trace>
+  <inkml:trace contextRef="#ctx0" brushRef="#br1" timeOffset="58449">8242 10951 11490,'-5'-6'0,"2"0"0,1 3 90,2 0-90,19 2-629,2 21-631,20 2-628,-2 22 1888,-1-6 0,-6-2 0,-6-3 0</inkml:trace>
+  <inkml:trace contextRef="#ctx0" brushRef="#br1" timeOffset="58597">8507 10851 9332,'15'-9'1169,"0"2"-1439,10 56-809,-5-17-1023,-13 5 1,-1 3 2101,7 10 0,-3 6 0,0 3 0</inkml:trace>
+  <inkml:trace contextRef="#ctx0" brushRef="#br1" timeOffset="58946">9623 11758 11400,'17'17'540,"11"-3"-540,13-14-1117,8 0 217,-2 0-269,8 0-46,-11-8 1,2 0 1214,-9 6 0,0 0 0,12-6 0,0 1 0,-14 7 0,0 0 0</inkml:trace>
+  <inkml:trace contextRef="#ctx0" brushRef="#br1" timeOffset="59132">9897 11958 11580,'-21'0'90,"5"0"0,7-16-90,31 2-270,1-4-359,28-7-1846,-8 13 1666,7-15-1,3 6-69,5-1 879,-13 6 0,1 0 0,-11 4 0,1 0 0,11-4 0,0 0 0</inkml:trace>
+  <inkml:trace contextRef="#ctx0" brushRef="#br1" timeOffset="59413">10297 11297 10771,'-49'-7'989,"5"0"-899,-3 2 90,19 0 720,0 1-720,41 4 89,-11 16-269,48-12 90,1 30-90,-18-22 0,1 0-800,5 4 1,-1 1 844,-7 1 0,-2 1-45,30 11-118,-2 1 163,-23-5 0,-1 2-45,13 15 0,-20 0 0,-5 2-180,-6 12-405,-20-4 0,-7 1-412,2-20 0,-2 0 322,-9 11 1,-5 0-1305,-6 3 0,-2-3 1979,7-11 0,0 0 0,-9 10 0,0-2 0,11-15 0,-1 1 0</inkml:trace>
+  <inkml:trace contextRef="#ctx0" brushRef="#br1" timeOffset="62695">12322 11685 9602,'-5'5'1259,"0"-2"-1259,1-1 0,2-2 0,-1 0 90,2-19 90,1-9 89,0-11-269,0-5 180,0 7 0,17-2 0,-12-3 90,13 3 90,-18 1-180,13 6-90,-10 4 0,11 6-90,-14 5-270,0 8-270,0 42-180,0-11-359,0 38-434,0-18 74,0 3-270,17 6 1709,-13-3 0,37 0 0,-10-3 0</inkml:trace>
+  <inkml:trace contextRef="#ctx0" brushRef="#br1" timeOffset="63012">13077 11160 10861,'-48'-3'1079,"-12"1"-989,25 18-90,4-2 0,2 3 0,-1 23-2233,-8 12 2233,26-9 0,-5 5 0,15 1-20,-5-16 0,4 1 20,21 15 0,-4-12 0,4-3-90,23 0 0,12 3 90,-10-22-90,5-8 90,2-4 0,-14-12 0,-1-3 0,20-8 0,-12-7 0,-3-5 90,-1-10-180,-16 4 0,-4-2-180,-6-8-90,-6-14-359,-7 9-1,-27 16-1571,-1-10 2291,-27 32 0,28 1 0,4 14 0</inkml:trace>
+  <inkml:trace contextRef="#ctx0" brushRef="#br1" timeOffset="63347">13708 11176 9512,'-17'-9'1079,"-6"22"-1079,1 7-90,4 20 180,4-2-1829,10 4 1739,-11 4 90,15 2-180,0 1 90,0-3 0,18-4 90,-14-4-23,22-16 1,5-2-68,-7 7 45,13-12 0,3-4-45,1-3-90,16-5 180,-15-20 0,-3 12-90,0-37 90,6 7-90,-17-12 0,-12 14 0,-3 1 0,-5-6-180,-4-24-179,-24 29-271,15-5-1169,-35 15 1799,16 12 0,-21 1 0,0 10 0</inkml:trace>
+  <inkml:trace contextRef="#ctx0" brushRef="#br1" timeOffset="63685">14543 11136 10771,'-46'0'809,"1"19"-809,8 12 0,16 11-1753,-3 6 1753,22-10 90,-8 3-318,10-1 138,0 1 180,0-3-90,21-3 0,-16-5 90,40-3 74,-13-1-164,14-12 0,16-2 180,-22-10 0,11-20-180,-17 13 0,-4-35 0,-2 21 90,-2-38-90,-12 18-135,-7 6 0,-3 0-225,-4-5-1169,-17-20 450,-5 32-90,0-4 1169,-20 22 0,17 3 0,-23 5 0</inkml:trace>
+  <inkml:trace contextRef="#ctx0" brushRef="#br1" timeOffset="63996">15360 11520 9242,'-11'11'1079,"2"0"-539,5 0-1,3 1-359,-2 2 90,3 1-90,0 3-90,0 3 90,0 3-270,0 14-180,0-6-2068,0 27 539,-23-19 1637,-1 16 1,-25-13 0,3 1-1</inkml:trace>
+  <inkml:trace contextRef="#ctx0" brushRef="#br1" timeOffset="66650">5070 12828 11311,'-8'0'0,"-1"0"0,1 17-90,0-13 180,-1 28-90,-3-5 0,1 8-270,-3 24-450,5-20-719,1 25 539,5-30-719,0 20 1619,3-28 0,0 2 0,0-13 0</inkml:trace>
+  <inkml:trace contextRef="#ctx0" brushRef="#br1" timeOffset="66799">5093 13037 8792,'-15'45'-90,"11"0"90,-12-6-1052,16 7-28,0 7 1080,0-12 0,0 0 0,0 23 0,0-23 0,0 0 0</inkml:trace>
+  <inkml:trace contextRef="#ctx0" brushRef="#br1" timeOffset="67149">5822 13218 9332,'-23'-10'0,"-20"4"90,24 1-90,-21 5 0,10 0 0,-13 16 0,11 10-45,8-1 0,2 2 45,7 18 0,4-12 0,2 1 90,8 8-2002,18 13 2002,-12-16-180,42-2 180,-24-2-180,26-1 180,-12-4-90,1-1 301,8 8 149,-13-11 270,6 11-720,-27-18 396,-1 3-396,-11-7 0,0 0-180,0 0-1079,-21 7 90,-2-4 1399,-22 9 0,22-16 0,3 2 0</inkml:trace>
+  <inkml:trace contextRef="#ctx0" brushRef="#br1" timeOffset="67363">5983 13234 8612,'10'-2'1169,"-4"16"-1169,-3 15 90,-3 11-90,0 12-619,15-5 709,-11 7-90,12 3-90,-8-14 0,-2 0-270,-3 23 45,10-23 0,0 0-405,-11-3 1,-1-3-90,21 20 809,-20 8 0,8-27 0,-10-4 0</inkml:trace>
+  <inkml:trace contextRef="#ctx0" brushRef="#br1" timeOffset="67546">5853 13743 8522,'0'-16'90,"17"0"-90,-12 2 90,32 2-90,-32 3-90,41 1 0,-24 2-270,11 2 1,4 1-1,12 0-225,-1 1 0,1 1 221,15 0 0,-20 1 0,-1 0 1,20 0-1</inkml:trace>
+  <inkml:trace contextRef="#ctx0" brushRef="#br1" timeOffset="67895">6950 13595 9062,'-21'-7'1349,"15"-3"-719,-36 9-540,10-3 0,-9 4 0,-4 0-90,14 20 0,0-15 0,2 35-90,-7-14 90,11 9-90,-1 8 0,17-17-270,5 9 180,22-15-540,25 2 630,2-13 45,-7-3 1,0-5-46,3-18 90,-7 7 0,-1-2 0,2-9 89,-9-3 1,-2 0 270,-8 7-90,8-15 90,-23 8-270,6 11-90,-7 17 0,0 16-180,0 22-899,0 17 449,18-21-539,6 21 269,11-30 900,2-3 0,-6-13 0,2-6 0</inkml:trace>
+  <inkml:trace contextRef="#ctx0" brushRef="#br1" timeOffset="68131">7495 13104 10321,'-16'-19'630,"13"4"-1,-23 6-449,23 29-90,-7 0-90,8 12 0,4 3 90,-2 15-135,0-2 0,0 2-311,0 15 266,-2-9 0,4 0-887,6-23 0,0-1 797,-7 9 1,2 1-406,13-4 0,0-2-134,-12 16-1,9-12 1,-1-2-91,-10-1 810,8 13 0,-10-28 0,0 4 0</inkml:trace>
+  <inkml:trace contextRef="#ctx0" brushRef="#br1" timeOffset="68269">7132 13724 8882,'-11'-21'90,"2"0"-90,9 4 0,17-4-180,15 7-180,-1 2 0,2 2 1,28 0-259,-26 4 1,0 0-13,22 1 630,1 2 0,0 1 0,0 2 0</inkml:trace>
+  <inkml:trace contextRef="#ctx0" brushRef="#br1" timeOffset="68613">7977 13497 9602,'-16'24'359,"12"16"-359,-11-22 90,15 19-90,0-7 90,0 16-90,0-11 0,0 19-90,15-26-90,-11 4-269,29-10 269,-28-9-270,39 0 180,-27-10 0,33-19 180,-24 12 90,7-35 0,-13 20 0,-1-23 270,-6 6 540,-1-21-361,-8 13 451,-1-23-900,-3 34 0,0-7 0,-16 28 0,12 17-540,-13 36 1,17-1-91,8-5 0,1 0-89,-4 1-91,32 6 810,-17-18 0,21-12 0,-6-4 0</inkml:trace>
+  <inkml:trace contextRef="#ctx0" brushRef="#br1" timeOffset="68880">8817 13362 8882,'-26'-5'270,"5"2"-90,-22 2-90,13 1 90,-11 15-270,11 6 90,-5 21 90,16-6-46,12-2 1,5 0 45,19 4-90,-3-2 0,4-2 0,28-1 0,-14-7 0,-1-1 0,7 4 90,-7-8 0,0 0 180,-1 2-180,7 2 0,-17-4-90,-10-8-720,-1 6-269,-9-9 989,0 4 0,-23-7 0,-6 1 0</inkml:trace>
+  <inkml:trace contextRef="#ctx0" brushRef="#br1" timeOffset="69112">9065 12914 9062,'7'22'450,"0"-5"-360,1 3-90,-1-16 0,1 32 0,0-32 0,5 41-450,-5-27-810,7 32 91,-9-26 1169,1 3 0,-5-13 0,-1-1 0</inkml:trace>
+  <inkml:trace contextRef="#ctx0" brushRef="#br1" timeOffset="69263">9205 12850 9422,'26'0'629,"-9"19"-539,-2-15-90,-13 43-90,11-21-1079,-10 12 0,0 4 1169,7 18 0,-6-19 0,0 1 0,2 23 0</inkml:trace>
+  <inkml:trace contextRef="#ctx0" brushRef="#br1" timeOffset="69579">10142 13833 11400,'0'-7'90,"23"1"0,-17 0-180,46-1-269,-25-1-451,30-2-135,-18 3 1,1-1-386,-6 3 0,0-1 1330,11-1 0,0 1 0,-10 3 0,-2 1 0,1 0 0,0-1 0</inkml:trace>
+  <inkml:trace contextRef="#ctx0" brushRef="#br1" timeOffset="69763">10428 14038 11041,'-27'6'359,"5"-1"91,4-3-450,40-1-450,-3-17-359,36 12-91,-8-26-89,-7 19 0,4 1-873,-10-4 1,1 0 1861,13-2 0,0 1 0,-12 3 0,-2 0 0,0 1 0,1-1 0</inkml:trace>
+  <inkml:trace contextRef="#ctx0" brushRef="#br1" timeOffset="70046">10583 13395 10861,'-30'-6'539,"3"-1"-449,10 3-90,6-2 360,6 4 270,4-3-360,24 4-90,10 19-180,16-14-1250,4 35 1250,-7-21 0,4 20 90,2-5-45,-16-7 0,-1 3-209,-8-7 0,-2 2 164,13 18 0,-5 2 0,-3 13-225,-15-7 0,-4 2-585,-4 14 90,-4-22 1,-6 2-1260,-20 4 0,-5-2 1793,12-9 1,-2-1-1,-21 14 1,-3-1 0,17-15-1,-1-1 1</inkml:trace>
+  <inkml:trace contextRef="#ctx0" brushRef="#br1" timeOffset="72523">12475 14152 12390,'-20'-44'90,"3"8"-90,17-4 0,0 5 0,0-4-90,0-6-634,0-3 724,0-4 264,0-2-174,14 0-623,-10-1 803,10 2-180,-14 4-90,0 6-365,0 8 275,0 7 458,0 6-458,0 9 90,0 5-90,0 29 488,0-3-1028,0 27 1,0-6-929,21 8 838,-16 7 225,15-25 1,1 1-586,-5 34 405,-6-32 1,3 0 674,3 1 0,-2 0 0,-9 32 0,4-33 0,1 0 0</inkml:trace>
+  <inkml:trace contextRef="#ctx0" brushRef="#br1" timeOffset="72680">12423 14431 11041,'-10'-15'90,"32"-7"-900,4-10-985,1 14 0,4 1 806,21-14 494,-23 15 0,2 1-270,3-3 1,1 1 764,2 2 0,0 0 0,2 0 0,0 1 0,1 1 0,0 0 0</inkml:trace>
+  <inkml:trace contextRef="#ctx0" brushRef="#br1" timeOffset="73293">13658 13683 10861,'-19'-6'899,"2"1"-899,4 1 0,3 0-90,0 0 180,5 0 0,19 17-90,9 20 0,-1 5-270,-6-3 1,-3 1-91,-10 10-45,3-13 0,-2 2-899,-10 6 0,-6-1 1166,-3-7 0,-4 0 0,-2 10 0,-3-1 0,-3-12 0,-1 0 0</inkml:trace>
+  <inkml:trace contextRef="#ctx0" brushRef="#br1" timeOffset="76026">5132 15375 10411,'0'-12'360,"0"2"-90,0 3-270,-18 4 0,13 18 0,-31-11 0,32 34 0,-31-21-90,31 22-270,-27-9-360,19 4-899,-13 10 720,15-10-91,1 4 990,9-15 0,0-4 0,0-2 0</inkml:trace>
+  <inkml:trace contextRef="#ctx0" brushRef="#br1" timeOffset="76177">5125 15432 8522,'-14'43'-90,"10"-5"-629,-10 4-888,14-3 1607,0 4 0,0 2 0,0 2 0</inkml:trace>
+  <inkml:trace contextRef="#ctx0" brushRef="#br1" timeOffset="76577">5625 15801 9242,'-38'0'449,"2"15"-359,11-11-90,-2 28 0,1-16 0,-5 33 0,9-14 0,9 5 0,2 1-269,4 1-46,1-2 0,6-2 45,20-8-539,5 11 359,0-26-270,35-2 360,-36-11-643,34-20 913,-27 13 360,-3-37 270,-1 23 359,0-35-359,-13 21 450,5-22-541,-18 26-184,5-5-175,-6 17 89,0 3-179,0 31 90,-13-1-180,10 30 90,-11 16 0,14-9-287,0-15 1,0 0-344,0 19-179,0 1-181,0 0 990,0-4 0,0-2 0,0-3 0</inkml:trace>
+  <inkml:trace contextRef="#ctx0" brushRef="#br1" timeOffset="77027">6053 16200 8342,'11'-28'270,"-2"0"-180,-1-3 90,6-17-90,-5 11-90,6-13 450,0 4-270,-5 13-91,6-11-89,-10 24 450,0 0-270,-3 14-90,0 2-180,-1 23 180,1-14-90,3 51 90,1-31-90,0 10 0,0 3 0,4 1-948,5 10 678,-4-19-89,3-2-91,0-5 90,2-4 90,0-5-89,1-7-271,11-4 540,-7-3-180,14-21 270,-16 15 90,5-40 180,-13 26 0,-1-21 947,-6 12-497,-1-9-630,-3 13 180,0-6-180,-1 44-90,0 8-720,18 37-90,-13-11-269,20-15 0,3-3 865,-4 6 0,4-14 0,1-3 1,9 5-1</inkml:trace>
+  <inkml:trace contextRef="#ctx0" brushRef="#br1" timeOffset="77396">7155 15763 9871,'-39'23'360,"0"-18"-270,-1 44-2277,3-28 2187,0 25 0,16-20 0,1 1-90,-5 12 90,2 13 672,19-19-672,4-4 86,0-2-715,22 0 449,10-10-270,28-3 270,-10-11 90,-17-13 0,0-2-94,4 6 184,9-39 0,-20 26 0,-5-21 180,-9 9 540,2-10-540,-12 11 1315,5-4-1495,-7 13-90,0 29 90,0 18 90,0 13-720,16 19 270,-13-28-585,18-4 1,3-2-135,-8-7 1131,24 14 0,-19-29 0,1 5 0</inkml:trace>
+  <inkml:trace contextRef="#ctx0" brushRef="#br1" timeOffset="77727">7632 15894 9691,'0'43'180,"0"4"-180,0-11 0,0 0 0,0-12 0,14-4 0,-11-2-269,11-3-1,-14-1-450,9-7 540,-2 0 180,9-27 0,-4-6 90,0-11 180,2-12-180,-4 21 180,0-8 629,-2 15-629,-4 11 0,6 0-270,-2 10 90,8 22-90,-2 6 0,4 12-270,0-1-180,0-10-179,2 1-900,12 8 539,-5-12 990,10-2 0,-6-10 0,0-6 0</inkml:trace>
+  <inkml:trace contextRef="#ctx0" brushRef="#br1" timeOffset="77944">8452 15371 10501,'-14'-6'540,"0"19"-540,-2 16 0,5 32 90,11-4-600,7-14 1,1-1 419,-4 12-405,15-10 0,-1 0-45,-12 4 225,10-18 1,3 1-1305,-1 19 629,-1-14 990,6 5 0,-21-18 0,7-2 0</inkml:trace>
+  <inkml:trace contextRef="#ctx0" brushRef="#br1" timeOffset="78094">8143 15885 8882,'24'-21'-45,"9"7"0,2 1-225,-2 0-315,16 1 1,4 2-3184,6 0 3768,-18 4 0,0 0 0,17-1 0,1 2 0</inkml:trace>
+  <inkml:trace contextRef="#ctx0" brushRef="#br1" timeOffset="78264">9063 15722 9332,'-15'14'449,"11"11"-179,-12-4-270,16 6 0,0 13 90,0-16-540,0 8-269,0-11-91,17-1 1,-13 0-450,12-1 1259,-1-3 0,-11-2 0,10-3 0</inkml:trace>
+  <inkml:trace contextRef="#ctx0" brushRef="#br1" timeOffset="78416">9027 15506 8882,'-11'-3'-23,"3"1"1,8 14-1,0 6 1</inkml:trace>
+  <inkml:trace contextRef="#ctx0" brushRef="#br1" timeOffset="78646">9525 15343 10681,'-19'14'1259,"3"7"-1169,16 9-180,0 5 180,0-3-90,16 4-90,-12 3-180,13 2-179,-4 1-91,-10 1-360,20-1 181,-21-1-1,16-3-89,-16-5 809,14 8 0,-10-13 0,6 6 0</inkml:trace>
+  <inkml:trace contextRef="#ctx0" brushRef="#br1" timeOffset="78779">9325 15723 8252,'20'-16'-989,"-15"4"-91,42 2 1080,-22 4 0,26 1 0,-9-1 0</inkml:trace>
+  <inkml:trace contextRef="#ctx0" brushRef="#br1" timeOffset="79193">9998 15691 8972,'0'34'360,"-17"-2"-180,13-10-180,-13 0 0,17-2 0,0-2 0,0-1 0,0-2 0,0-1 0,0-4 179,0-2-268,13-5-1,-9-31 90,9 2 90,-13-19 89,0 11 91,0-1-360,0 10 990,0-10-720,0 41 0,0 16-90,0 22-1,9 4 1,2 3 0,-6 6-465,12-10 0,0 0 555,-13 2-180,24-1 359,-10 16-179,7-19-90,-12-11 0,-2-1 0,2 0 0,-4 4-90,-3-18 0,-4-4-270,1-5-269,-2-3-1350,-1-4-59,-25-1 1948,-4-1 0,-15-22 0,3-5 0</inkml:trace>
+  <inkml:trace contextRef="#ctx0" brushRef="#br1" timeOffset="79526">10780 15787 9871,'-2'5'270,"1"-1"-540,21-1-539,9-1-1440,32-2 2249,-7 0 0,7 0 0,-15 0 0</inkml:trace>
+  <inkml:trace contextRef="#ctx0" brushRef="#br1" timeOffset="79694">10937 16019 9602,'24'4'-270,"15"-1"-450,14-20-180,-10 8 1,1-1 63,15-11 1,-18 4 0,0 0 0,18-6 0</inkml:trace>
+  <inkml:trace contextRef="#ctx0" brushRef="#br1" timeOffset="80010">11227 15478 10951,'-11'0'270,"1"0"89,6 11-359,21 2-90,13 15 270,13-6-955,6 2 775,-6-4 45,-9-4 0,0-1-45,18 9 45,-10-2 0,-1 1 45,0 4-90,-14-2 0,-3 1 0,-9 8 0,-1 11-180,-32 8-540,13-9-539,-24-4 0,-5 0-450,6 9 1438,-4-16 0,-2-1 0,-5 13 0,0-1 0</inkml:trace>
+  <inkml:trace contextRef="#ctx0" brushRef="#br1" timeOffset="80510">12667 15531 9602,'-14'15'629,"1"-11"-359,4 18 90,4-20-270,1-9-90,48-33 0,-33 0 45,21 1 0,3 1 135,-14-6 134,-7 5 1,-2 1-135,4-4-90,-16-21-180,0 35 90,0-4 0,-18 24 0,13 20-90,-27 8-360,28 22-225,-4-7 1,1 1-45,7 28-914,0-3 0,0 1 1138,-1-22 0,2-1 495,11 13 0,2 0 0,-12-17 0,2-2 0,8 1 0,1-1 0</inkml:trace>
+  <inkml:trace contextRef="#ctx0" brushRef="#br1" timeOffset="80650">12725 16058 10321,'-11'-30'-360,"24"-1"-449,21-2-181,14 8-2357,8 1 3347,-6 8 0,5 1 0,2-1 0</inkml:trace>
+  <inkml:trace contextRef="#ctx0" brushRef="#br1" timeOffset="80898">13535 15551 9242,'12'0'1799,"-16"18"-1799,55-13 90,-30 30 0,22-7-180,-5 9-720,-20 25 91,3-19-2694,-21 18 2064,-19-12 1349,-1 2 0,-1-24 0,-2 1 0,2-1 0,0 1 0</inkml:trace>
+  <inkml:trace contextRef="#ctx0" brushRef="#br1" timeOffset="82928">5327 17622 8432,'-6'-14'810,"2"1"-271,-6 4-179,2-3 0,-2 0 0,-1-1-180,1 0-90,-1 1 0,-2 2-90,1 1 0,-1 2-90,0 3 90,0 1-90,-2 2 0,2 1-990,-7 0 631,8 18-271,-4-13-539,10 26-90,1-14 1349,4 12 0,1-13 0,0-5 0</inkml:trace>
+  <inkml:trace contextRef="#ctx0" brushRef="#br1" timeOffset="83076">5327 17459 9242,'-22'48'-720,"5"-9"1,17 0-91,0-7 810,0 0 0,0 1 0,0 0 0</inkml:trace>
+  <inkml:trace contextRef="#ctx0" brushRef="#br1" timeOffset="83644">5908 17705 9242,'-18'0'270,"0"0"-1,-4 0-269,2 0-90,-15 14 90,11 9 90,-12 25-90,15-3-45,7-9 0,2 1-1214,1 10 1169,3 16-108,7-8 109,1-15-326,23 13 235,1-30-180,25-1 180,-12-16 90,1-3 1,-10-27 89,0 3 0,0-23 0,-11 14 0,0-1 0,5-20 162,-8 4 0,-3-2 198,-4-15 314,-4-2 1,-2 0-315,0 32 0,-2 0 44,-9-26 1,-1 3-405,6 13 417,-32-7-417,33 31-90,-23 5 333,25 27-243,-9 17 0,11 10 0,0-3 0,0 2 0,0 14-450,-1-3 0,2 0-359,19 11-586,-6 1 1,5-2-235,-1-28 0,1-3 1629,2 18 0,0-4 0,6-4 0,1-3 0</inkml:trace>
+  <inkml:trace contextRef="#ctx0" brushRef="#br1" timeOffset="84032">6590 18051 8072,'14'4'360,"-4"-1"-360,3-3 90,-5-21-270,11-3 270,-7-13-90,2 3 90,-6-6 180,-4 8 180,-1-16-270,-23 22 0,-5 0-91,0 14 91,-33 6-180,36 21 90,-31-10-90,27 55-90,-1-32 135,18 12 0,4 3-135,-7 1-225,18-7 1,9-2-226,25 3 540,8-10 0,5-4 0,-13-15 0,1-2 0,13 1 0,-1 1 0</inkml:trace>
+  <inkml:trace contextRef="#ctx0" brushRef="#br1" timeOffset="84267">7268 17339 10591,'-17'-8'360,"-13"1"-180,14 5-180,-15 23-90,16 12 180,-4 13-427,17 4 337,-4-8 90,6 4-90,0 2 0,17 1-270,-13 0-270,13-1 1,2-1 89,-14-2-540,25 11 451,-27-16-811,19 13 1350,-20-28 0,9-1 0,-11-12 0</inkml:trace>
+  <inkml:trace contextRef="#ctx0" brushRef="#br1" timeOffset="84398">6970 17985 8792,'-38'-49'180,"19"12"-90,-7-5-180,24 19-90,23-10-90,1 15-135,12 6 1,4 1 44,12 1 135,-14 4 0,2 2 225,5 1 0,1 2 0,-11 0 0,1 0 0,10 1 0,1-1 0</inkml:trace>
+  <inkml:trace contextRef="#ctx0" brushRef="#br1" timeOffset="84894">7707 17754 9242,'0'14'449,"-19"0"-359,15-5-90,-15 3 90,1 0-90,14 3-90,-14 2 90,6 2 0,9 0 0,-9 11-90,12-9-89,0 13-91,19-19-180,1 6 180,2-13-270,33-2 450,-35-25 90,12 7 0,-1-3 0,-7-24 540,11-12-90,-20 19 449,0-17-629,-11 23-180,-2-2 0,-2 14-180,0 20 180,0 10-180,0 26 180,0-8-180,0 4-90,16-14-269,4 7 269,1-11-90,13 4 180,-12-17 0,17 0 90,-8-7 0,3-21 0,-16-3 0,1-2 630,-8-26-91,-4 33 91,-2-27-360,-4 20-180,-1 6-180,0 23 180,0 17-90,0 16-1080,18 20 451,-14-21-676,20 0 1,4-2 1304,-9-4 0,27 6 0,-23-29 0</inkml:trace>
+  <inkml:trace contextRef="#ctx0" brushRef="#br1" timeOffset="85060">8093 17215 9332,'-16'-2'-1260,"3"1"-808,5 17 2068,4 5 0,29 0 0,6-4 0</inkml:trace>
+  <inkml:trace contextRef="#ctx0" brushRef="#br1" timeOffset="85377">8770 17854 9332,'3'15'899,"0"-4"-899,-2-2 90,1-6-90,3-1 0,1-21 0,8-14 0,-2-12 0,4-10 45,-8 18 0,-1 0-452,2-27 676,-4 7 1,-1-1-90,-2 23 0,-2-2 270,-7-23 0,-3 1-677,-2 24 1,0 2 316,2-9 0,-2 1-366,-6 9 1,-2 4 185,1-9 90,-13 0 90,15 47 250,1 7-340,14 28 0,-5 3-90,15-4 0,2 3 200,-9-10 1,3 2-561,11 6 1,8 4-1,-3-4-193,-7-2 1,3-1-168,10 1 1,6 3 0,-3-5 645,-2-4 1,-1-2-1,10 7 1,1-2-1,-10-14 1,0-1 0</inkml:trace>
+  <inkml:trace contextRef="#ctx0" brushRef="#br1" timeOffset="85730">9355 17016 11131,'-8'-9'90,"2"4"-810,22 14-539,4 12 539,22 22-449,-7 4 629,-15-6 540,4 4 0,-22-30 0,8 3 0</inkml:trace>
+  <inkml:trace contextRef="#ctx0" brushRef="#br1" timeOffset="85861">9475 17089 9152,'17'-25'719,"1"9"-988,14 34-631,-16 3-449,13 27 1169,-14-7 0,16 8 0,-6 5 0</inkml:trace>
+  <inkml:trace contextRef="#ctx0" brushRef="#br1" timeOffset="86182">10270 17687 10321,'-3'24'-540,"20"-10"-269,-13 0-181,42-13 990,2 5 0,14-6 0,-27 0 0,1 0 0</inkml:trace>
+  <inkml:trace contextRef="#ctx0" brushRef="#br1" timeOffset="86460">10217 17971 11041,'15'5'270,"9"-2"-270,10-3 0,25 0-540,-14-12-1398,0 11 0,2-1 1218,-16-11 1,0-1 719,12 12 0,-1 1 0,19-26 0,2 13 0</inkml:trace>
+  <inkml:trace contextRef="#ctx0" brushRef="#br1" timeOffset="86727">10675 17525 11131,'-17'-1'0,"3"1"180,4 0-1,29 0-269,13 0 90,17 0 45,-15 6 0,0 3-45,8 9 45,-7 0 0,-2 3-45,0 12 0,-3 6-449,-9 16-361,-18-9-629,4-3 0,-3 1 1169,-25 11 1,19-18-1,-1-1 1,-18 15 0</inkml:trace>
+  <inkml:trace contextRef="#ctx0" brushRef="#br1" timeOffset="87366">11988 16846 12300,'-25'-15'0,"9"2"0,-3 7 90,12 1-180,-10 4-630,9 27 181,2-20-316,3 26 1,2 6-46,0-10-269,-1 11 0,4 1 1169,14-3 0,-12 6 0,13-17 0</inkml:trace>
+  <inkml:trace contextRef="#ctx0" brushRef="#br1" timeOffset="87511">12027 16956 11131,'0'-24'-1440,"0"26"451,0 22-630,0 18 1619,0 8 0,14-5 0,5 2 0</inkml:trace>
+  <inkml:trace contextRef="#ctx0" brushRef="#br1" timeOffset="87896">13685 16734 13020,'0'-7'-900,"0"3"-179,0 18 449,0 12 90,0 10-1169,0 22 810,0-24 899,13 23 0,-9-32 0,9 7 0</inkml:trace>
+  <inkml:trace contextRef="#ctx0" brushRef="#br1" timeOffset="88044">13715 16799 11670,'17'-29'1170,"-13"3"-1080,13 3-90,-6 12-630,-8 23-989,7 19 0,0 7 719,-8-5 1,-2 1 607,5 18 0,-1 1 0,-3-15 1,-2-2-1,1 3 0,0 0 1</inkml:trace>
+  <inkml:trace contextRef="#ctx0" brushRef="#br1" timeOffset="89182">2370 18051 10051,'-8'0'-180,"2"0"270,27 0-90,9 0 0,19 0-765,3 0 585,-6 0 90,5 0 1,0 0-1,3 0 90,-5 0-90,-1 10 90,9-7 0,-20 14 132,17-3-222,-35 2 180,2 13-90,-17-8 0,-3 23 0,-1-9 0,0 29 0,0-22-45,0 3 0,0 0 45,0 4 0,8-4 0,2-1 0,-6 2 0,24 0 0,3-1 0,-10 3 45,10-4 0,2-1 325,-11-8-10,9 17-270,-21-29 82,-1 6-82,-9-14-90,0-2 90,0-2-180,-22 4 90,17-5 0</inkml:trace>
+  <inkml:trace contextRef="#ctx0" brushRef="#br1" timeOffset="89720">3900 18583 11760,'-7'0'270,"1"0"-270,3 0 0,14 0 0,4 0 0</inkml:trace>
+  <inkml:trace contextRef="#ctx0" brushRef="#br1" timeOffset="89960">4210 18943 7982,'10'4'540,"1"-1"90,11 4-450,-4-2 269,7 1 91,-8 0 90,-1 1 89,0-1 271,-1 5-900,-7-4-180,-1 6-90,-7-2-270,-21 6-1439,18-14 1738</inkml:trace>
+  <inkml:trace contextRef="#ctx0" brushRef="#br1" timeOffset="97828">18327 1095 6813,'0'-7'0,"0"0"0,0 3-90,0 1 90,0 0 0,0 12 90,0 2-90,0 10 90,0-3 0,0-1 90,0 10-180,0-3 45,0 13 0,0 4 45,0 9-90,0 6 0,0 2-225,0 6 315,0-6 0,0 1-384,0-24 1,0 1 338,0 26 0,0 1-873,-1-25 0,2-1 873,5 12 0,0 3-45,-4 2 0,-1 0 0,5-12 0,1 4 60,-3 6 0,-2 7 0,0-5-15,-1 0 0,0 1-45,1-7 0,0 6 0,1 1 0,-2-5-580,0-4 1,-1-3-1,-1 2 580,1 15 0,0 3 0,0-4 0,0 9 0,0-4 0,0 2 0,0-1 0,1-2 0,-2 1 30,-3-8 0,-2 3 0,2-3 15,2 8 0,0 0-23,-4-15 1,-3 5-1,1-1 1,2-5 22,4 12 0,0-2 15,-2-9 0,-1 1 0,0-2-15,-1 5 0,1-3 0,4 1 0,-1-1 0,-6 1 0,-1 0-45,8-1 0,1 0 45,-5-1 0,0 0 0,4-1 0,0 2-45,-1-6 0,0 2 0,0-2-184,1 5 1,1 2 183,0 2 0,-1 4 0,0-5 0,1-6 0,0-1 0,0 3 0,0 5 0,0-5 45,0-5 0,0-2-45,0 13 0,0 1 45,0-1 0,0-2-45,0-11 0,0 1 59,0 5 1,0 4 0,0-5-60,0-3 0,0 1 0,0 4 0,0 5 0,0-4 0,0-4 0,0-1 30,0 4 0,0 5 0,0-5-30,0-4 0,0-2 45,1 12 0,-2 1 450,-4-1 0,-1-2-405,5-12 0,-1 1-30,-6 4 0,-4 5 0,2-5-288,4-2 0,-1-2 228,-8 14 0,-1 0 45,5-16 0,0-2-1,-1 1 1,0-1-45,0 1 0,0-1 45,-1 1 0,1-1-45,-2 0 0,1 0 0,1-1 0,-2 2 0,-6 17 0,-1 0 45,7-12 0,-2 2-75,-1 4 0,-3 5 0,3-4 75,1-3 0,0-2-220,-5 15 0,0-1 130,7-18 0,0-2 90,1 1 0,0-1 129,1-1 1,0 0-175,0 0 0,0-1 0,1 0 0,0 0 0,0 0 0,-1 1 0,-3 14 0,0 0 46,3-13 1,1 2-77,-1 1 0,-1 4 0,1-4 75,1-4 0,1-1-124,-3 11 0,0 0 169,-6 15-90,2-1 0,0-2 0,6-17 0,0 0 675,2-11 0,1 2-675,-4 22 0,1-1 0,-2 11 0,7-22 0,0 5 0,1-4 0,0-8 0,0 0 0,1 8 0,1 5 0,0-5 0,0-11 0,1 0 0,-1 23 0,1 0 0,-2 9 0,2-22 0,0 5 0,0-5 0,0-9 0,1-1 0,-1 32 0,0-2 0,1-5 0,1-10 0,0 0 0,0 8 0,-1-10 0,2 0 0,15 7 0,-8 3 0,0 1 0,10 0 0,-7 1 0,-1-2 0,0-1 44,-1-8 1,-1 1-134,2 11 111,-3-21 1,0-1-23,-1 17 0,6 0 392,-4 0-392,-3-14 0,1 0 0,3 21 0,-1-8 0,-1 1 0,2 9-232,-3-8 0,-1 1 187,-2-22 0,-1-2 45,1 12 0,0-2-108,-1 18 108,-1 0 0,1-1 45,-2-17 0,0 1-135,0 23 90,1-10 0,-2 0 0,-6-23 0,0 0-15,5 12 0,0 0 15,-4-12 0,-2-2 0,1 2 0,2 1 45,4 0 0,-1 0-45,-3 1 0,-2 1-45,1 1 0,1 0 90,4 0 0,-1 4-45,-6 17 0,-1 1-277,4-14 1,1 3 246,0 3 0,0 5 0,0-5 75,-2-2 0,1-3-45,0 15 0,2 2 0,-1 0 0,0-2 0,0-16 0,0 3 0,0 3 0,-1 5 0,0-4 0,0-6 0,-1-1 0,0 6 0,-1 4 0,0-5 0,0-6 0,0 2-60,-3 16 0,-1 7 0,1-6 60,3-13 0,0 1 0,0-4 0,-1 6 0,1 0 0,1-6 0,0 2 0,2-1 0,-2 6 0,0 6 0,0-5 0,2-6 0,-1 0 0,0 6 0,-1 4 0,1-5 0,1-7 0,-1 1 0,0-2 0,0 7 0,-1 0 0,0-7 0,0 4 0,-1 0 0,0 12 0,-1 7 0,1-9 0,1-15 0,1-2 0,-1 5 0,1 4 0,0-4 0,0-5 0,1 0 0,-1 5 0,1 5 0,0-5 0,0-2 0,0-2 0,0 13 0,1 3 0,-1 1 0,0-3 0,2-14 0,0 2 0,-1 3 0,1 4 0,0-4 0,1-7 0,0 1 0,0 2 0,0 3 0,0-3 0,0-6 0,1-2 0,-1 10 0,1 2 45,0-4 0,0-2-90,0-11 0,0 1 45,-1 20 0,2 1-90,14 6-135,-14-9 0,2-1-45,23 8 135,-24-20 1,-1 0-226,24 13-90,-22 0 0,21-1-135,-15-15 1,-1 1 44,14 16 540,-6-7 0,0-2 0,3 4 0,-6-16 0,1 0 0</inkml:trace>
+  <inkml:trace contextRef="#ctx0" brushRef="#br0" timeOffset="99360">19328 938 24269,'-12'-24'-7091,"10"2"5675,-24 2 1836,23 2-1128,-23 1 1145,23 3-1084,-17 4 1128,18 4-2687,-10 2 3741,9 3-366,-3 0-66,4 16-438,-1-11 93,2 40-731,-1-15-1267,2 32 950,0-3-907,0-9 1,0 3 389,-1-13 1,2 1-81,4 5 0,3 3 0,-2-5 373,-5-4 1,2-3 163,13 9 1,-1-1 0,-12 7-1,10-5 1</inkml:trace>
+  <inkml:trace contextRef="#ctx0" brushRef="#br0" timeOffset="99510">19115 1517 23639,'-29'-24'-5370,"11"1"2532,0 0 1417,16-6 572,-8 6-430,10-4 530,20-2 1180,17 7-776,-1 3 1,4 1 932,-4 7 1,1 2-273,6-4 0,0 1 0,-8 4 1,-1 2-1,1 0 0,1 1 1</inkml:trace>
+  <inkml:trace contextRef="#ctx0" brushRef="#br0" timeOffset="99832">20055 1224 22650,'-25'28'-452,"-8"-5"1429,29 3-3731,-9-4 2391,2 2-154,8 2-491,-8-2 533,11 9-1302,0-10 92,0 11-278,21-18 1804,-15 0-1621,35-10 2062,-24-4 850,19-1-434,-7-16 1398,1 11-157,-1-34-588,6 2 169,-13-10-385,-8 12 1,-2 1-1429,-6-5-726,-1-19-333,-5 30-835,0-3 429,0 39 407,0 10-622,0 19 425,0 1 1383,0 9 0,0-13 0,0 11 0</inkml:trace>
+  <inkml:trace contextRef="#ctx0" brushRef="#br0" timeOffset="100104">20722 1117 22740,'-26'17'1949,"-12"-13"-1843,34 35-3157,-31-21 4120,30 20-2817,-29-7 2229,29-1-1570,-20 0 859,23-3-1574,-6-2 619,8 1 879,21-13-1161,12 0 2095,10-13-603,5 0 1652,-14-17-768,-1 13 881,-3-35-949,-15 21 549,7-19-989,-19 9-1427,8-12-489,-11 12-1161,-17-7 2326,-9 19 0,-25 7 1,-5 3-1</inkml:trace>
+  <inkml:trace contextRef="#ctx0" brushRef="#br0" timeOffset="100268">20243 2037 22290,'18'3'-544,"4"0"1</inkml:trace>
+  <inkml:trace contextRef="#ctx0" brushRef="#br0" timeOffset="100882">21233 1151 23009,'10'-1'1877,"-3"1"-1455,2 16-4668,-3-12 3178,1 34-630,-2-18 233,2 23 547,0 11-949,0-10 899,-2-9 0,-2 0-1013,0 3 2375,0 5-1044,-3-13 1075,0-13 254,0 2-720,0-14-239,2-2-137,0-3 2140,6-33-1263,-2 9-144,3-12 1,1-3 86,6-6-73,-2 4 0,2 0 377,4-7-126,-5 14 1,0 2 1039,0 2-2184,1 6 1523,-3 18 818,-5 6-585,6 19-2094,-6 14-282,5 27-17,-6-5 123,1 0-258,-5-17 68,0-5-1105,-1-2 670,1-2 1645,-1-14-7,4 4-330,-1-18 1263,13-14 1233,-1 8 68,11-39-886,12 3 344,-8-11-904,-3 13 0,0 1 809,2-7-543,-8 11 1,-2 1-771,-1 1-276,2-2-957,-13 24 1290,-4 24-2524,-3 6 768,-2 40-233,1-15 489,2-4 0,1 1-634,5 10 1578,7-5 1,5-3 0,6-5-1,-3-12 1,-1 0 0</inkml:trace>
+  <inkml:trace contextRef="#ctx0" brushRef="#br0" timeOffset="101150">22337 1267 23819,'-17'-26'-7180,"12"3"4535,-26 3 3242,27 4-1523,-31 8 2129,7 3-164,-7 5 175,-13 21-534,24 7 1039,-7 23-300,15-8-1189,8-2 606,3-12-1635,5-3-454,26-1-157,-20-3-1418,46-3 2349,-31-3-277,39-8 1395,-25-3 403,23-5 204,-30-22 512,5 16 70,-23-37-835,5 38 98,-13-37-1757,5 17-2250,-7-7 2403,-15-1 1,11 23 0,-12-1-1</inkml:trace>
+  <inkml:trace contextRef="#ctx0" brushRef="#br0" timeOffset="101364">22813 1150 25888,'1'41'-6472,"0"-7"4021,-1 0 634,0-4 134,0 0 380,0 2-424,0-1 1673,0-3 0,0 0 0,0 0 1</inkml:trace>
+  <inkml:trace contextRef="#ctx0" brushRef="#br0" timeOffset="101528">23160 1189 23639,'-18'-7'-3408,"15"14"1935,-32-4 1804,31 22-183,-33-22 0,20 28 0,-19-9 0</inkml:trace>
+  <inkml:trace contextRef="#ctx0" brushRef="#br0" timeOffset="101760">21867 1049 23279,'0'-23'-5396,"0"2"3897,21-12 2777,5 14 860,21-10-705,-22 20-127,15 2-1063,-18 5-706,15 17 678,-10-11 394,-12 27-4580,6-8 3396,-12 8 0,12 0 0,-11-9 0</inkml:trace>
+  <inkml:trace contextRef="#ctx0" brushRef="#br0" timeOffset="101910">22658 420 25168,'-17'-4'-1753,"-2"1"1406,-2 21-886,-9 18-395,11 12 1448,10-16 1,-1 2 0,-16 27-1,19-28 1,0 1 0</inkml:trace>
+  <inkml:trace contextRef="#ctx0" brushRef="#br0" timeOffset="102532">24378 1027 25978,'0'-37'-5486,"0"3"3447,0 2 885,-20-3-145,0 14 944,-20 1 927,10 16 399,-12 18-809,12 11 1149,-7 11-103,14 6-511,4-5 477,10 2-942,3 20-820,6-13-163,7-8 0,6 0-2120,19 2 2092,-6-9 0,1-2-437,5-2 761,13 4 366,-41-15-1028,24-6 1937,-26-2-1320,7-4 1294,-29 1 539,16-2-833,-33 3 0,33-5 0,-13 2 0</inkml:trace>
+  <inkml:trace contextRef="#ctx0" brushRef="#br0" timeOffset="102910">24762 1064 24269,'6'20'-7322,"-1"16"5437,-5 12 1698,0-6 0,0 1 89,0 18 66,-1-4 0,2 0-105,7-21 1,1-1-25,-7 10 1,0 0-1354,14 12 1501,-16-4 387,14-5-577,-10 3 249,10-18-939,-14 4 641,0-25-41,-15-2 1960,-3-25-1165,-18-16-669,17-13-118,1 2 0,1-3-55,8 12 1,2-2 464,0-10 0,0-6 1,1 3-254,-1-1 1,3 1 125,2 3 0,1-2 0,4 3-889,6-4 1,0 2 928,-8 0 0,3 2 122,15 2 0,4 2 910,-5-10 0,1 2-237,4 16 0,3 2 295,9-10 0,0 5 1036,5 9 325,14 5 235,-12 16-922,-14 21-1827,-2 16-1239,-19 12 90,-20-2 0,-7 2-63,6-11 1,-4 1 1212,-12 8 1,-6 5 0,0-4 0,-2 3 0,-2-2 0,3-4 0,1 0 0,-1 0 0</inkml:trace>
+  <inkml:trace contextRef="#ctx0" brushRef="#br0" timeOffset="122227">19178 3017 22560,'-44'-1'-185,"-1"0"42,-2 1 315,-3 0-33,-2 21 829,-3-15-662,29 15 0,0 3-548,-26-4 950,4 22-472,4-11 79,6 1-200,8-1-304,9-1-898,9 0-408,5 1 364,6-2-1163,1 1 710,27-1-291,-21 1-354,51-2 1522,-32 0-382,28-3 1912,3 7-381,-14-9 196,-10-7 0,-3-1 352,-8 1-31,14 4 51,-32-10-2287,8-1 1477,-11-1-1216,0 0-722,-26 9 2071,-4-3-1623,-30 10 1749,15-12 0,0 1 0,14-9 0</inkml:trace>
+  <inkml:trace contextRef="#ctx0" brushRef="#br0" timeOffset="122450">18823 2837 24988,'9'-13'-8,"-3"21"-3440,-6 24 1771,0 15 707,0 18 264,-15-4 614,13-27 1,0 0 57,-6 1 0,0 3-669,7 16 0,2 1-96,-1-14 0,0 1 203,-1 2 0,0 5 1,3-5-226,9-5 1,-1-2 16,-9 13 0,3-2-487,16-15 1,1-1 1102,-3 29 1,-1-31 0,2-1 0,9 27 0</inkml:trace>
+  <inkml:trace contextRef="#ctx0" brushRef="#br0" timeOffset="123110">19555 3435 26338,'0'-6'-5576,"0"22"3447,15-14 3737,-11 43-3018,20-21 826,-22 24-68,18-8-347,-11 20-917,7-14 1656,-9-11 0,-2 0-64,2 1-1346,0 5 1525,-2-16-474,-2-10-1106,0 0 1770,-3-35-85,0-15 470,0-19-106,0-8-56,8 20 0,4 1 163,-2 8 0,2-1 123,8-20 1,2 1 878,10-3-543,-17 23 1,0 3 375,6 1 117,-2 15 727,0 6 291,7 30-2784,-6 0-6,-5 11 1,-2 5-1050,1 14 798,-5-1 1,-3 1-599,-2 12 583,-2-23 1,-1-1-1224,-1 11-411,0-6 2113,0-7 357,0 2 296,0-16-2034,0 0 2313,7-54 1,5-16-159,11 4-314,-8-1 1,1-11-1,-2 8 477,10-16-353,-5 12 0,0 2 1030,-4 1 247,13-8-687,-10 38-908,-3 28-152,-3 9-1122,3 43 146,-5-21 329,-2-2 1,-1 1-982,4 9-332,1 14-1414,10-7-179,-1-18 3510,12 7 0,-1-24 0,3-2 0</inkml:trace>
+  <inkml:trace contextRef="#ctx0" brushRef="#br0" timeOffset="123393">20820 3442 24359,'-26'-6'-311,"3"1"1093,-8 14 0,-3 3 840,-8-6-1132,4 25 0,2 5-824,-6-7 308,15 4 0,2 3-531,-8 20-71,16-16 275,1 22-912,16-33-1265,20 9-515,18-26 2746,8-4 0,3-4 345,-14-13 0,1-4 469,20 1 1,-3-6 553,-9-23-733,-17 12 1,-4 1 255,-1-9-735,-13 1 0,-7 1 144,-17 1-3788,-8-12 3457,-3 30 0,-9 8 0,12 3 0</inkml:trace>
+  <inkml:trace contextRef="#ctx0" brushRef="#br0" timeOffset="123827">21250 3445 24089,'-41'23'2932,"-1"10"-3223,18 14-553,5-11 0,4 1-393,12 11 399,-5-7 0,2 1-299,6 5 130,0 9-589,26-24-698,-19-5 139,42-5 1902,-44-6-1084,41-7 2222,-28-5 20,35-4 601,-23-23 293,23-15 93,-24-13-1144,-11 20 1,0 1-504,2-24 1125,-5-6-1740,-8 28 1,-1-3-82,-1-21 0,-2-3-248,0 14 1,-2-3 532,1-7 1,-2-5 0,1 5-394,-1 5 0,0 0 440,-5-1 0,-1-3 0,0 5-371,5 9 0,-2 4 20,-4-8 1,-2 3-244,-3-3 782,9 22-348,-18 34 2364,19 35-2016,-6-16 0,0 5 41,5 10 1,2 6 0,-1-4-243,-2-5 1,0 0-271,2 12 0,1 7 0,0-7 88,0-13 1,2-2-361,4 3 0,3 4 0,0-5 28,3-5 0,1-1-1311,-1 11 0,3-2 1810,7-15 1,0-3 0,-3 26 0,22-4 0</inkml:trace>
+  <inkml:trace contextRef="#ctx0" brushRef="#br0" timeOffset="124360">21822 3919 24539,'6'0'539,"2"0"-539,2-16-967,1 12 2179,5-12-1232,2 1 218,15-3 236,-6-10-444,18-8 149,-21 10-259,4-6 529,-15 6-1754,-3-1 582,-6 0-528,-1-15-553,-3 10 348,-17-18-876,-2 25 778,-19-7 553,-1 23 1345,2 25 1188,14 6-996,8 9 0,5 3-62,7 12-320,-4-6 1,4 1 567,28 8-1063,-2-7 1,5-2-410,28-7 247,-12-10 1,1-6-1048,3-11 1665,-7-14 1,0-5 1643,5-7-858,-7-10 0,-2-4 601,1-14-557,-13 14 1,-2-2-372,-6-9 1,-4 0-556,-2 10 0,-2-3-213,-2-6 0,0-6 0,-2 3-455,-2 2 1,-1-1 302,-1-8 1,1-4 0,-2 4-212,2 2 0,-4 2-72,-8-15 0,0 1 138,8 21 1,-2 3-59,-14 3 0,0 2-351,14-28 568,-30 14 271,30 13-23,-34 16 1349,14 25 1142,-9 15-1363,12 14 0,4 7-321,6-8 0,2 1-191,-1 16 1,2 4-315,2 12 0,2-1 13,2-13 1,3 2-324,2 5 0,3 5 0,3-6-803,7-4 1,4-2-687,0 4 1,3 4 0,1-6-258,5-7 0,2-1 1741,-3 2 0,2 5 1,-3-6-1,-1-7 1,0-1-1,8 10 0,0 1 1</inkml:trace>
+  <inkml:trace contextRef="#ctx0" brushRef="#br0" timeOffset="124664">23222 3595 26697,'-6'-7'-6488,"1"1"603,3 3 1168,26 0 5071,3 2 0,3 15 0,-8 3 0</inkml:trace>
+  <inkml:trace contextRef="#ctx0" brushRef="#br0" timeOffset="124793">23323 3929 24988,'0'14'-6295,"0"-2"1558,40-1 5089,-5-6 0,2-3 1,2 0-1,24-2 1</inkml:trace>
+  <inkml:trace contextRef="#ctx0" brushRef="#br0" timeOffset="125434">24213 3166 25708,'-8'0'180,"0"0"-180,2 19-2026,3 16 172,2 12 454,1 13 865,0-21 0,0 1-268,0 22-98,6-11 0,2 0-976,-5 4 823,10-15 1,-1-1-233,-9-1 959,18 4-401,-19-17 181,8-10-248,-10-2 911,0-30 165,0-15 159,9 0 0,1-1 1012,-5-25-953,11 15 0,4 1 1225,5-6-938,-5 11 0,0 3 975,5 1-132,17 0 229,-29 23-388,19 4-113,-9 31-2065,-5-18-665,-3 25 0,0 5-1461,4-8 636,-1 13 0,-2 3 1728,6 0 1,6 12 0,-7-20 0</inkml:trace>
+  <inkml:trace contextRef="#ctx0" brushRef="#br0" timeOffset="125777">24980 3518 24089,'8'0'1080,"-16"14"-2738,72-10 1853,-41 10-379,12-12 0,1-4 646,-3 2-61,16-30 269,-25 23 106,-4-55-1674,-12 43 982,-25-37-1877,-7 31 980,-24-13-675,11 22 798,-3 2-319,5 10 383,11 4 1703,-9 15 243,23 14-46,-1 24-883,11-2-1133,19 3-1083,-15-14-299,39 0-206,-19-2 266,6-12 1,5-2 1725,13 11 0,-16-14 0,0-2 0,18 4 0</inkml:trace>
+  <inkml:trace contextRef="#ctx0" brushRef="#br0" timeOffset="125982">25555 3357 25168,'-16'17'1616,"26"-14"-2710,-5 38-675,27-25 1,3 0 1600,-5 25-630,12-9 0,5-1-174,4 7-202,-6-6 0,0 1-1105,10 3 668,-9-7 0,0 0 1514,3 0 0,-18-11 1,0-2-1,7 2 1</inkml:trace>
+  <inkml:trace contextRef="#ctx0" brushRef="#br0" timeOffset="126196">26327 3266 25708,'-27'-3'82,"5"1"-270,-25 20 1920,10-14-1311,8 23 1,1 5-897,-15-3 402,8 11 1,2 2-698,-1 1 308,13-16 1,1 0-1026,-6 14 591,11-14 739,-1 4 1,13-41-1,0-6 1</inkml:trace>
+  <inkml:trace contextRef="#ctx0" brushRef="#br0" timeOffset="126342">25953 3241 23369,'16'-24'100,"7"4"1689,6 10-98,-1 22-2984,29 22-66,-20 10 552,-12-16 0,1-1-408,16 18-1100,1 1 588,-10-12 0,1 0 304,-8-9 1,1 0-450,8 7 1,0-2 1778,13 7 0,1-8 0,-2-3 1</inkml:trace>
+  <inkml:trace contextRef="#ctx0" brushRef="#br0" timeOffset="126510">26902 3228 24359,'-46'21'2728,"3"18"-3538,12-19-190,10 9 1,1 4-1430,-10 11 2192,12-14 1,3 1 0,4 17 0,4 0 0</inkml:trace>
+  <inkml:trace contextRef="#ctx0" brushRef="#br0" timeOffset="127110">27760 2925 28047,'0'-20'-6476,"0"5"4258,0 3 1333,-16 8 1867,12 20-958,-13 4 885,4 23-952,10 0-1493,-20 8 1874,16-7 0,3 2-263,-2-10 0,0 1 74,1 28 0,2 0-652,3-27 0,0 1 280,0 10 0,0 6 1,0-6-522,0-10 1,0 0 342,4 6 0,2 3 0,-1-6-149,-1 14-45,9-16 1,-1-2-264,-9-1-28,7 8-1054,-10-29 1674,0-28-557,0-29 712,-19-18-90,16 23 1,1 1 114,-7 3 0,-1 0 79,1-3 1,2-4-52,6-20 0,-2-4 189,-10 13 0,0-1-171,11 8 0,2-4 0,0 0 185,-4-3 1,0 0 0,1 2-44,3-7 0,0-2 217,-1-4 1,0-4-1,3 6 4,9 8 0,1 2 155,-4-1 0,-1-3 0,3 7-58,2 8 0,3 4 277,6-9 1,0 4 707,-4-3-255,23 10 767,-10 9 222,15 9-129,-10 7-203,23 30-1442,-27-1-704,-6 10 1,-3 6-1035,-3 11 639,-7-14 1,-3 3-302,-6 4 0,-1 0-1142,0 23 425,-10-10 1,-5-1 493,-2-24 1,-3-1-402,-10 18 0,-3-3 1942,-19 0 1,24-17 0,2-1-1,-11 4 1</inkml:trace>
+  <inkml:trace contextRef="#ctx0" brushRef="#br0" timeOffset="127430">28255 3312 23639,'0'21'-5666,"0"2"3808,0 2 883,0 2 427,0 2 392,0 1 122,0 17-105,0-7-1457,0 24 1686,0-27 0,0 17-90,0-26 270,0 3 90,0-14 89,0-6-449,0-2-359,0-4-1,0-21 90,0-14 0,0-14-180,0-10-89,17 6 572,-13-6-778,28-1 773,-28-3 112,12 19 0,3 2 1,9-16-1,-4 21 0,0 0 1</inkml:trace>
+  <inkml:trace contextRef="#ctx0" brushRef="#br0" timeOffset="127760">28867 3287 25528,'-25'-11'-2571,"-21"8"3436,26-8-2200,-25 11 2195,11 17 416,-1-13-757,1 36-495,3-20 327,5 22-200,5 10-899,10-12 615,5-6 0,6-1-1552,23 4-966,-17 7 571,45-21 1380,-28-3-1001,27-8 1728,8-5 607,-11-4 26,-10-13 0,0-2 1533,4 7-944,-10-25 0,-3-4 157,-3 7-1353,-9-3 1,-3-4-791,-6-25-703,-3 14 72,-2 6 1,-4 2-1767,-17-1 2422,14-8 0,-14 24 1,19 3-1</inkml:trace>
+  <inkml:trace contextRef="#ctx0" brushRef="#br0" timeOffset="128584">29365 3209 23639,'-24'27'-45,"0"0"0,-2 19-1288,-17 2 1503,38-9-1863,-27 4 2012,30 1-1398,-10-1 687,12 14-1114,0-18 179,18 16-323,7-32 256,22-2 2006,-7-15-494,-6-11 0,-1-6 1979,5-20-1538,-4 3 1,-2-4 883,-3-24-1279,-9 10 0,-2-1 355,-8 15 1,-2-2-438,3-30 0,-2-2-355,-6 23 1,0-1-328,0-14 1,-2-3 219,0-5 0,-2 2-34,2 16 0,-2-2 298,-4 0 1,-2-5-1,2 6-211,4 9 1,-3 3-258,-14-9 1,0 4-481,13-1 628,-13 14 138,5 9-22,2 29 2108,-10 32-711,12 15-863,2 1 0,2 2 96,4-18 0,0 1 114,-2 16 1,0 1-289,3-16 0,0-2 64,-1 2 1,2-2-181,9 0 0,0-1-1010,-9-1 0,2-1 107,17-1 0,-1-1 319,-17-2 0,1 0-201,22 8 1,4 0-47,-5 18 2,9-17 1,4-4 139,2-1 121,2-12 1,1-4 957,0-8 114,-4-3 1,0-8 1467,-7-25 737,16-10-71,-23-12-1159,-6 13 1,-2 0 276,-2-7-768,0-11-931,-9 20-568,-2 5-73,-1 2-918,-2 26-344,0 13 832,0 17 46,0 8 294,0-7 81,0 1 236,19-1-486,-15-2 172,31-5 718,-31-1-636,32-6 661,-10-3 59,9-4 320,10-7 553,-20-1 387,13-27 943,-19-10-1559,1-14-195,-14 12 0,-3 0-564,2-10 108,-3 7 1,0 0-897,-2-1-362,0-11-55,-14 32-989,11 28 1682,-10 21-377,20-1 0,3 2-1129,-5 18 555,10-18 0,4-2 1402,7 3 0,10 6 1,4-17-1</inkml:trace>
+  <inkml:trace contextRef="#ctx0" brushRef="#br0" timeOffset="128810">30962 3231 25438,'-23'-6'-682,"-8"2"874,-10 3 285,-1 22 742,15-16-644,2 42-1232,1-8 153,11 12-217,7-16 0,1-1-557,5 5-1238,27 19-439,-20-31-491,52-3 787,-13-12 1994,16-11 887,2 3 0,-19-26 1,0-6-1</inkml:trace>
+  <inkml:trace contextRef="#ctx0" brushRef="#br0" timeOffset="129045">31292 2624 26068,'-23'-9'-1285,"-13"3"1667,18 28-105,-12 13-62,14 16-1041,-1 7 121,15-7-315,-5 6-349,7 0 948,-1-14 0,2 0-887,19 20 46,-11-10 0,1-2-966,13 5 1069,-7-13 0,-1-1-897,3 0 582,2 7-817,6-16 917,-23-14 1250,9 2 1,-12-15 0,0-2 0</inkml:trace>
+  <inkml:trace contextRef="#ctx0" brushRef="#br0" timeOffset="129164">31045 3195 24089,'0'-21'-6476,"19"2"8560,-15 2-3864,44 3 3238,-22 2-664,27 2-714,-19 6 0,-1 2 0,19-1 1,-18 2-1,1 0 0</inkml:trace>
+  <inkml:trace contextRef="#ctx0" brushRef="#br0" timeOffset="129528">32045 2504 24718,'-41'0'900,"-1"21"1109,0 1-1154,0 20-976,14-8 1,1 3-174,7-8 0,1 3 87,-1 8 0,0 4 1,4-2-287,2-1 0,3 1 128,2 4 0,-1 5 0,3-5-301,2-4 0,2-2-571,-2 27 0,6-3-198,13-29 1,0-2 154,-13 10 1,5-2-542,31-8 1,5-5 343,-7 13 1495,13-14 1,5-6 0,5-6-1,-20-9 1,-1 1 0</inkml:trace>
+  <inkml:trace contextRef="#ctx0" brushRef="#br0" timeOffset="129775">32387 2536 26338,'0'50'-5756,"22"-6"2246,-17 7 2389,31-4 451,-33 5 337,11 5-269,-3 1 223,-8 3-1396,8 0 879,-11 0 407,0-20 0,0 0-378,0 22-602,0-17 1,0-1 1499,0 3 0,0 5 0,0-21 1</inkml:trace>
+  <inkml:trace contextRef="#ctx0" brushRef="#br0" timeOffset="129960">32907 3024 23729,'6'19'-3277,"-1"12"0,-3-11 0</inkml:trace>
+  <inkml:trace contextRef="#ctx0" brushRef="#br0" timeOffset="130212">33092 3498 23909,'-14'16'-448,"10"0"-2369,-10 0 3599,14-1-2372,0 14 470,0-8 552,0 12 501,16 2-2022,-13-6 656,26 18 876,-25-19-368,19 17 284,-21-25 56,8 9-500,-28-20 1530,-19 2 869,-11-5-1210,-15 0 317,4-2 1,-6-2 0,30-1 0,0 1 0</inkml:trace>
+  <inkml:trace contextRef="#ctx0" brushRef="#br0" timeOffset="133314">19092 5299 23549,'2'-5'-2346,"-1"1"1217,-1 2-228,0-2 525,0 1 307,0-2 227,0 1-128,0-1-1080,0 0 743,0-1 142,-16-1 1289,-5 3 574,-26-1 59,10 5 115,-26 23 675,27 7-1799,3 7 0,3 3 681,9 14-669,5-10 0,4-2-606,12-2-434,9-6 1,6-3-1353,25 2 1450,-3-7 0,3-2-98,-7-12 1,3-2 403,12 6 0,-1-1 434,8 0 338,-22-8 1,0 0 1206,11 3-98,-24-6-416,8 2-1562,-51-5 676,0 0-355,-22-1-449,0 0 673,-7 0 1,11 0-1,-13 0 1</inkml:trace>
+  <inkml:trace contextRef="#ctx0" brushRef="#br0" timeOffset="133544">19005 4962 25168,'0'53'-5036,"19"-8"1084,-15 9 3304,12-18 0,4 1-443,5 22 652,-1-5 1,2 1 214,-5-22 1,1 0-338,4 12 1,3 7 0,-2-6-870,-5-8 0,0 0 634,7 9 0,2 4 0,-3-5 374,-6-12 1,-2-1 421,6 9 1,-1 0 0,5 12 0,-1-2-1</inkml:trace>
+  <inkml:trace contextRef="#ctx0" brushRef="#br0" timeOffset="134143">19728 5553 25348,'-12'22'-1403,"10"17"-1626,-10-11 2857,12 14-1138,0 1 287,0-6 447,0-1 76,0 0-1186,17-3 191,-12-2 975,13-2-828,-4 5 643,-11-13 384,21 2 225,-22-14-1134,8-2 1526,-6-4 673,-2-27-868,9-12 830,-5-16-436,2 11 1,1 0 252,2-15-552,-3 18 1,0-1 640,6-12-821,-1 3 586,0 6 561,2 0-775,-1 17 683,8 4 151,-7 16 610,13 27-1957,-9 11-811,5 12 426,-11-13 1,-1 1-807,7 11 576,-6-9 1,0 1-1117,2 3-687,1 9-324,-4-23 1999,-2-3 628,-2-7 316,2-2 364,-3-7 548,9-18 1416,-4 9 606,12-51-1613,-8 26-647,-1-11 0,-2-3 822,1-3-377,4-13-358,-10 17-742,-3 12-933,0 0-1000,-4 38 694,2 15 72,-2 15 408,2 7-234,2-5-1239,6 24 464,1-12 118,2-10 1,2-1-594,8 5 2180,-6-17 0,2-3 1,14 4-1,3-1 0</inkml:trace>
+  <inkml:trace contextRef="#ctx0" brushRef="#br0" timeOffset="134428">20840 5679 24269,'-21'-19'-4744,"16"4"1198,-40 6 5629,10 5-761,-12 4-268,-1 19 590,4 11-735,15 10-1175,12-11 0,2 1 937,5 8 91,4 24-1809,28-27 177,0-6 0,5-3-714,22-8 932,-9-5 1,-2-3-123,0-10 1305,7 0 345,-19-25 226,-1-3 111,-13-14-359,-1 4-489,-11 9-2012,0-10-23,-17 10-2334,-1-4-65,-3 11 3776,-5 12 1,24 0 0,-10 10 0</inkml:trace>
+  <inkml:trace contextRef="#ctx0" brushRef="#br0" timeOffset="134860">21317 5595 24449,'-23'-20'-4451,"4"9"3531,-22 3 1879,23 27 59,-15-14 155,29 42-2194,-27-23 1698,27 27-2139,-17-10 2122,20 21-1145,-6-16-177,13-9 1,5-1-1477,9 2-192,21 13 1910,2-34-391,-5 0 1425,0-17 61,-13-23 1,-1-6 604,9-4-712,-6-16 1,-3-3 944,-3-6-949,-7 6 1,-3-3-361,-6 21 0,-2-3-214,0-12 1,0-7 0,-1 5-20,-1 9 1,-1 1-877,0-22 0,0 3-342,0 4 97,-18 11-47,13 1 1209,-13 21-431,7 28 2652,8 13-2093,-8 30 384,11-4-520,0 9-49,0-9 0,0 2 176,0-12 1,0 1-817,-2 28 0,4-1 56,8-27 0,3-1-2016,-2 23 0,3-1 1550,6-25 0,1-1-68,-3 7 1,0 0 1086,11 8 1,2-5 0,0-2 0</inkml:trace>
+  <inkml:trace contextRef="#ctx0" brushRef="#br0" timeOffset="135394">21807 5945 24539,'-16'-6'-2222,"3"-1"601,33-1 4256,-16-2-3375,37 5 1546,-8-11 178,9 3-433,-7-3 0,-2-2 34,-1-4-97,-5 1 0,-4-2 465,-12-3-2399,0-18 1134,-11 15-1364,0-20-538,-19 20-400,14-5 254,-31 11 1027,14 12 460,-18 0 1159,18 34 737,-11 15 400,22 13-1027,-6 6 481,10-10-332,7-1-1049,19 0-883,8 12-305,12-17 921,-10-14 0,2-3-429,10-7 1396,-4-8 0,1-4 635,8-5 489,13-26 943,-5-12 325,-16-14-1674,-10 13 1,-3-1 143,0-12-854,-10 1 1,-2-2-525,-7 20 1,-2 0-180,1-13 1,-2 0-248,-2 11 0,0 2-110,-1-1 1,0 0 202,1 0 1,-2 0 239,-8-9 0,0 1-938,4-18 724,-13 21 0,0 3-264,14 6 814,-29 25 1354,19 21-900,5 17 1,1 6 60,-7 22-184,13 3 1,3 3-206,-4-23 1,0-1-53,1 17 0,4-2-77,10-17 1,0-2-166,-10 1 1,2-2-1126,17 0 1,5 0-745,-8 12 0,0-1 920,6-12 0,2-2 1133,3 10 0,-1-2 0,-5-17 0,1-2 0,0 1 0,0-1 0</inkml:trace>
+  <inkml:trace contextRef="#ctx0" brushRef="#br0" timeOffset="135693">23082 5505 24539,'-3'26'-4846,"21"-2"1016,17-5 2934,14-8 772,13 3-593,-5-13 866,8 6 0,-31-7 0,0 0 0,1 0 0,0 0 0</inkml:trace>
+  <inkml:trace contextRef="#ctx0" brushRef="#br0" timeOffset="135926">23398 5330 23549,'-10'-7'-3191,"-4"1"2801,13 3-2040,-5 1 3238,32 1 722,11 0-416,15 1-175,3 0-579,4 14 493,-19 2-565,12 20 496,-24-7-1521,-13 6-1607,-3-3-464,-12 5 672,-25 5 680,6-7 0,-3 0 709,-4-6 1,-3 0 818,-2 10 1,0 1 0,6-10 0,1 0-1,-2 0 1,1 0 0</inkml:trace>
+  <inkml:trace contextRef="#ctx0" brushRef="#br0" timeOffset="142567">24147 5509 23729,'-15'20'-800,"-7"13"360,19 16-1920,-7 4 1230,10-5 30,0 1 692,-2-5 1,4 2-210,15 8-346,-17-7 1,4-2-430,29-12 272,-29 9 915,22-26 223,-23-1-348,12-31 1856,-7-13-1264,-1-2 1,0-4 492,6-23-465,-4 12 0,0 1 30,4-12-61,-6 21 1,1 1-226,4-11 817,6-5-1394,3 13 1257,1 8 188,7 17 892,-10 13-572,6 18-1265,-7-14 838,3 37-1961,-2-22 633,1 20-1267,-1-6-804,-1 0-1879,7 18 1149,-6-12 3097,6 12 1,-8-17 0,1-1 0</inkml:trace>
+  <inkml:trace contextRef="#ctx0" brushRef="#br0" timeOffset="142945">24915 5619 24269,'-17'-8'-2287,"-5"2"2397,-20 20 2109,8-10-1604,12 22 0,2 3-1121,-3-5 279,8 12 1,2 2-474,-2 0-225,6 11 565,3-6-485,6-14-1454,22 10-480,4-22 1985,25-2 740,-11-10 798,-1-5 91,-8-21 843,-3 16-118,-2-42-364,3 10 843,-14-14-1528,-3 17 0,-2 2-660,-5-6-928,3-14-197,-5 27-465,-3 1-214,0 31 937,0 9-278,0 17 522,0 3-2186,0 27 1928,17-23-203,-9-2 1,1 0-145,12-8 1402,17 12 0,-22-25 0,21 1 0</inkml:trace>
+  <inkml:trace contextRef="#ctx0" brushRef="#br0" timeOffset="143312">25330 5639 24629,'-18'18'611,"4"9"-2118,14 11-1080,0 2 981,0-7 536,0-1 305,0 0 192,0-3-1024,14 7-618,-10-12 999,10 7 677,-3-21 724,-8 3-776,16-12 1913,-7-15-120,6 10 769,1-37-380,6 1-200,-5-11-139,6-9-640,-8 15 810,-4-1-2143,1 1 323,-1-9-1174,-4 17 2229,2-6-951,-4 29 699,0 3 70,-3 11 469,4 23-2271,-3 5 305,4 15-116,2 13-607,0-20 30,-1-4 0,2 1-1383,5 3 2822,1-5 1,2-2-1,9 3 1,12 9-1</inkml:trace>
+  <inkml:trace contextRef="#ctx0" brushRef="#br0" timeOffset="143676">25957 5779 23819,'4'0'2249,"13"0"-2159,26 9-922,2-7 746,-4 7-267,0-9 624,4 0-45,-1 0 44,-2-18 476,9 0 9,-15-5 311,7-15-821,-27 22 375,-2-22-1316,-11 15-502,-2 0-180,-1-1-785,-23-4-218,18 8-52,-38 0 1598,13 14 624,-23 18 1517,10-8-260,13 26 0,5 6 35,7-9-730,2 15 1,6 2-216,10-5-667,6-4 0,6-2-2225,25 7 782,-4-9 1,5-2 399,-3-12 0,2-3 1396,4 4 1,-1-1-1,-6-7 1,0-2-1,1 0 1,-1 0 0</inkml:trace>
+  <inkml:trace contextRef="#ctx0" brushRef="#br0" timeOffset="144560">27167 5590 26517,'-9'0'0,"2"0"0,2 0-269,0 0-2700,23 0 1530,5 0 1439,17 0 0,0 0 0,-7 0 0</inkml:trace>
+  <inkml:trace contextRef="#ctx0" brushRef="#br0" timeOffset="144710">27043 6002 24449,'-14'16'-74,"3"-1"-489,11-3-2268,0-2-847,17-7 2583,22 0 1248,9-3 0,-14 0 0,0 0 1,24 0-1</inkml:trace>
+  <inkml:trace contextRef="#ctx0" brushRef="#br0" timeOffset="145431">28183 5247 25168,'0'-6'-5576,"-20"-2"6059,-1 0-405,-3 1-15,-15 0 609,3 3-118,-13 4-265,10 8 1,-1 1 242,-10-5 194,7 20 1,1 4 16,0-5-699,14 20 0,7 5-382,5-2-361,30 2 1,11-1-1248,12-2 1119,15-6 0,5-2 11,-24-17 0,0-1 24,22 12 1,-1-2-412,5 0 1095,-19-7 1,-3-1 136,-2-5-1465,-8 5-52,-33-18 1611,-14-1 1,-1-20 0,5-4-1</inkml:trace>
+  <inkml:trace contextRef="#ctx0" brushRef="#br0" timeOffset="145662">27962 5036 24089,'-3'-4'-4983,"-1"1"4388,3 23 86,-1 12 146,2 13-121,0 9 319,0-6-95,14 7-1856,-10 1 2044,12-12 0,0 0-473,-14-11 0,0 2-283,14 24 0,2-1 12,-7-23 0,0 0-402,10 24 1,1-1 415,-6-24 1,1 0 701,6 23 0,-1-1 0,-9-24 0,-1-2 0,5 10 0,0-1 0</inkml:trace>
+  <inkml:trace contextRef="#ctx0" brushRef="#br0" timeOffset="146210">28963 5700 23999,'-18'-14'-3784,"13"-2"553,-29-7 3405,15 5-436,-13-9 54,14 12 159,-6-1 110,10 9-930,-4 3 1751,-9 19 1782,10-11-1029,-7 39-739,7-18 66,2 27-970,0-7 5,10-11 0,0 0-571,0 16-3,1-10 1,5-3-1660,21-1-814,6 2 1739,26-26 1234,5-36 1754,-10-1-1007,-16-10 1,-4-6 308,4-12-577,-8 2 0,-2-2-4,-11 19 0,-2-2-76,-1-14 0,-2-8 1,-1 5 202,-2 8 1,-1 0-499,0-11 1,0-6 0,-5 7-985,-7 14 0,0 2 173,9-21 1,-5 3-94,-14 28 0,0 2-391,14-38 914,-26 43 390,28 32 329,-16 11-68,16 16 0,3 5-18,-11 17-254,9 0 0,3 3-96,-4-24 1,2 2-549,7 3 1,4 5-1,-2-5-95,-6-3 0,3-3-393,16 11 0,4-1-782,-7-5 1,0-3 1745,5-10 1,1-1 0,3 6 0,-1-3 0,14 6 0</inkml:trace>
+  <inkml:trace contextRef="#ctx0" brushRef="#br0" timeOffset="146613">29517 5647 25798,'-20'-11'-3225,"15"0"-1402,-35 5 6264,12 2-638,-8 4 20,-8 0-381,20 21-32,-3-16-591,13 35-200,6-16 813,4 19-2030,4-10-424,23-3-102,6-12 1517,3-12 0,3-3 250,10 5-628,18-28 2381,-37-6-418,9-23 550,-24 9-216,9-11-436,-18 24-1776,10-6 149,-12 13-734,3 28-1471,-3 11 1151,0 34 44,22-7-19,-17 0-462,34-4 1322,-11-14-1155,18 7 1497,-3-24 1448,14-1-57,-21-26 1096,14 12-10,-17-34-653,-1 19 466,-3-23-962,-6 7-815,-2-5 1,-5-3 0,-1-3 0</inkml:trace>
+  <inkml:trace contextRef="#ctx0" brushRef="#br0" timeOffset="146945">30113 5265 24179,'0'-42'-4677,"-20"4"1425,15 8 3149,-30 9 909,18 9-461,-2 28 1480,-6 3-453,16 43-2675,-4-16 1513,9-14 1,1 3 88,3 3 0,0 0 0,0 20-869,10-9 0,0-1-640,-6 4-263,12-10 0,2-1-1505,-1 1 1876,-1-11 1,-1-1-209,3-2 573,5 4-554,-21-17-97,8-5 2124,-34-23 457,-2-11 46,-3-15-459,-12-1 578,35 7-827,-31-1 482,34-2-392,-22 3-822,23-10-412,-7 13-161,9-9 825,0 23-1240,26 4 3148,10 9-1886,-1 10 1,3 3 622,22-6-515,-16 12 0,-1 3 0,8 5 0,-18-3 0,1 1 1</inkml:trace>
+  <inkml:trace contextRef="#ctx0" brushRef="#br0" timeOffset="147312">30577 5622 24179,'-44'-11'-63,"-2"8"486,9-8-1086,3 11 1227,8 0-158,5 14 95,4 8-645,8 18-1116,9-6 152,18 0-982,-13-12 678,30-2 280,-11 4-297,18-6 243,1-5 1042,-3-7 1008,-11-23 1179,-7 13 438,-4-43-1266,-6 28-852,-3-14 1,-1-2-105,-2 7-677,0-19-51,-4 37-417,-1 0-885,2 32-558,0-3 1315,3 23-96,1-3 0,2 2-810,5 15 507,4 1 0,2 0-607,7-2 1918,0-11 0,3-3 0,11 3 0,-13-17 0,-1-1 0</inkml:trace>
+  <inkml:trace contextRef="#ctx0" brushRef="#br0" timeOffset="147980">31372 5050 24629,'0'-19'-4767,"0"2"2818,-19 2 1496,15 3-1549,-15 1 2413,0 2 56,15 0-1336,-34 4 606,22 0 1302,-18 4 380,-5-1-146,10 17 1616,-16 6-1287,26-3-889,-5 23 761,17-22-2077,2 22-245,4-7-574,1 19-112,17-11 283,-16-5 1,2 1-1154,35 7 1313,-35-5 1,-1-1-62,35 10 427,-34 1 0,-3 1 527,16 2-5,-14-2 1,-4-1 261,2-4 22,0-7 1,0 0-83,0 5 78,0-10 0,0 1-406,0 1 691,0 8-986,15-9-193,-11-12-808,24 9 477,-11-20 1412,11 1 0,0-10 1,-3-3-1</inkml:trace>
+  <inkml:trace contextRef="#ctx0" brushRef="#br0" timeOffset="148245">31588 4951 25798,'-8'-5'-4208,"-2"1"3517,6 2-11,-1 17 49,2 12-518,3 8-197,0 7 118,0-10-976,0 3 332,0 11 509,18-15 1204,-13 11 1,32-28-1,-13-1 1</inkml:trace>
+  <inkml:trace contextRef="#ctx0" brushRef="#br0" timeOffset="148363">31777 5068 23189,'2'-15'-4553,"0"2"2795,0 38-148,-2-4 75,0 26-47,0-6 1783,0 7 1,0 3 0,0 3-1</inkml:trace>
+  <inkml:trace contextRef="#ctx0" brushRef="#br0" timeOffset="148943">32103 5744 24718,'-22'-4'-872,"-5"-1"553,8 4 711,-6-1-324,14 22-481,-1-15 1528,7 34-2347,1-20 60,2 17 5,1 8-44,1-11-365,0 8 37,0-14 322,17-2-1591,-13-4 2002,13 2-33,-4-9-381,-10 1 734,17-11 1722,-18-22-1126,11 12 2204,-2-51-1674,3 33 373,1-16 0,0-2 158,0 5-83,15-22 677,-22 44-1509,4-6 645,-7 20-871,-1-5 665,2 21-2107,-1-11 870,9 28-1484,-5-6-905,8 16 453,-5-6 164,3-3-2139,8-14 4318,-3 0 1,11-10 0,-6-1 0</inkml:trace>
+  <inkml:trace contextRef="#ctx0" brushRef="#br0" timeOffset="149309">32577 5707 24179,'-19'-13'-3089,"-6"5"3288,-13 23 2466,1 11-1783,20 13-1728,4-2 52,13 5-444,0-11-538,0 18 1222,0-24-652,20 9-1648,-1-19 1122,17-3 1794,-6-8 385,-2-18 1881,-11-7-965,5 3 262,-15-31-1256,9 30 1895,-7-37-2027,-3 33-809,-3-6-304,-2 12-1187,-1 23 700,0 8-442,0 27 1077,0-6-1195,0 2 636,13-2-449,-10-9 106,22 12 294,-14-25 838,12 2 790,-6-15 0,-1 0 1,-4 0-1</inkml:trace>
+  <inkml:trace contextRef="#ctx0" brushRef="#br0" timeOffset="149633">32818 5777 23009,'1'-13'-3318,"0"21"636,-1 7 1642,-13 25 1428,9-6-715,-9-2 739,13 0-861,0-10-967,0 8 199,0-14 1030,0-18 7,0-12-543,0-23 530,17-6 84,-2 8 890,15-6 444,-17 22 203,6 0 761,-12 8-955,6 9 480,-7 18-2402,-3 26-371,-3 2-352,0 22-264,0-35 67,0 9-941,0-12 2104,0-6 0,15-6 1,4-9-1</inkml:trace>
+  <inkml:trace contextRef="#ctx0" brushRef="#br0" timeOffset="149977">33055 5843 22470,'0'30'-6206,"0"0"4168,16-16 1530,-12 10-458,28-12 2061,-16 8-1719,14-10 1276,-4-5-1079,-5-5 2023,-3-17-59,-7 12 605,0-26-1065,-6 12-958,0-16 434,-3 1-1168,-2 7-284,0 3-158,-19 13 133,-3 2-480,0 21 2880,-6-8-112,16 27-986,-1-5 486,4 19-663,9-7-561,0-1-971,26-3-419,-20-11-2263,41 9 1757,-16-18 2388,10-2 1,3-9-1,-11-3 1</inkml:trace>
+  <inkml:trace contextRef="#ctx0" brushRef="#br0" timeOffset="150371">33457 5010 24449,'0'-12'-6116,"0"3"3987,0 2 1425,0 0 155,0 23-776,0 3 661,0 26-13,0-11-1460,0 0 968,0-4 1169,0-8 0,0 5 0,0-11 0</inkml:trace>
+  <inkml:trace contextRef="#ctx0" brushRef="#br0" timeOffset="150509">33548 4998 22830,'8'-7'-158,"0"0"948,8 29-5743,-1 5 1220,-3 14 3286,-1-1 0,-3-8 0,-1 1 0</inkml:trace>
+  <inkml:trace contextRef="#ctx0" brushRef="#br0" timeOffset="150993">33582 4764 22740,'39'13'-2252,"2"-10"2682,-22 27-3878,15-26 4271,-15 34-2674,1-24 1686,8 38-1057,-21-25-870,7 30 640,-10-26-223,-4 23 2064,0-19-1661,-18 9 2608,13 2-1665,-12-10 1860,3 24-609,11-25-254,-10 12 15,13 1-683,0-9-180,10-7 1,3 1-1067,10 7 1210,1-4 1,-3 11-1,-12 4 1,-7 11-1,-2 6 1,1 0-1,0-4 1,0 1-1,0 0 1,0-1 0,0 1-1</inkml:trace>
+  <inkml:trace contextRef="#ctx0" brushRef="#br0" timeOffset="151013">33823 6252 22830,'-17'14'421,"1"-2"1</inkml:trace>
+  <inkml:trace contextRef="#ctx0" brushRef="#br0" timeOffset="152590">19037 7470 22290,'0'38'-3193,"0"1"0</inkml:trace>
+  <inkml:trace contextRef="#ctx0" brushRef="#br0" timeOffset="152759">19218 8624 23189,'-26'23'-805,"-5"-2"1,28-1-1,-8-2 1</inkml:trace>
+  <inkml:trace contextRef="#ctx0" brushRef="#br0" timeOffset="152901">19900 9499 24629,'-15'10'156,"11"-2"0,-10-4 0</inkml:trace>
+  <inkml:trace contextRef="#ctx0" brushRef="#br0" timeOffset="153049">20245 9886 25258,'-31'23'896,"-3"-9"1,3-1-598,21 2-5067,-52 7 4888,42-10 1,-6 6-1,12-2 1</inkml:trace>
+  <inkml:trace contextRef="#ctx0" brushRef="#br0" timeOffset="153196">19915 10505 25258,'-38'33'440,"-1"-2"-829,-13 4-977,15-7 1256,10-7 1,3 2-1,8 6 1,-1 10 0</inkml:trace>
+  <inkml:trace contextRef="#ctx0" brushRef="#br0" timeOffset="153343">20030 11315 26428,'-23'20'-190,"4"-2"-1185,-1-6 153,14-3 1366,-14-4 0,9 2 0,-3 0 1</inkml:trace>
+  <inkml:trace contextRef="#ctx0" brushRef="#br0" timeOffset="154842">19577 12967 23549,'-46'-11'-1731,"-1"2"1631,9 4 305,5 4 0,-1 0 149,-19 0-212,7 9 0,1 4 630,-6 14-441,20-8 0,3 1-139,-2 18 148,9-9-328,10 15-935,25-8-1353,9 10 1344,10-22 1,5-3 190,-10-5 0,3 1 110,26 8 0,2 0 225,-23-12 1,0 0 929,21 7 1,-1-1-139,-2-1 156,-18-4 0,-6 0 1013,-10-3-737,-3 4-1303,-37-8 1146,-17 7-2,-11-3-1029,8 0 1,0 0-69,-10 3 254,15-7 1,1 0 412,-8-1 0,4-3 0,4-2 1</inkml:trace>
+  <inkml:trace contextRef="#ctx0" brushRef="#br0" timeOffset="155060">19377 12602 23819,'7'15'-5703,"-1"15"3638,-6 13 1984,-15 14 618,11-2-672,-10 9 186,13-28 1,2 2-135,-1 0 1,0 2-761,0 2 0,0 2 1162,0-1 1,0 4-455,-1-2 1,0 5-1,3-3-310,5 8 0,3 2-409,-3 5 0,1 7 0,1-7 146,1-5 0,2-2 592,6 4 0,3 4 0,-2-5 0,-8-8 0,1-3 0,16 13 0,0 0 0</inkml:trace>
+  <inkml:trace contextRef="#ctx0" brushRef="#br0" timeOffset="155727">20070 13149 23999,'0'-22'-6296,"0"3"5067,0 7 1065,0 4-475,0 28 303,0 0-58,0 27 325,0-13 0,0 0-1527,0 24 1480,7-18 0,1 1 62,-7 2 0,2-2-343,10-10 0,0 0-12,-11 15 0,-1-3 157,21-1-634,-19 9 156,15-33 538,-11-4-554,7-26 2355,-4 8 806,9-56-1470,-3 25-557,0-15 0,-2-4 146,-4 22 0,0-1-36,5-23 1,0 0 15,1-7 78,-7 25 1,0 2-809,3-11-1083,-4 25 1846,3 1-227,-6 39-1176,2 22-26,-3 11 307,0 13-9,-1-9-94,-1-2 89,0 0-307,0 10-399,0-22 1431,2 9-310,1-36-853,4-1 794,0-13 1671,7-24-405,0 2 148,3-25-321,1 6-260,-4 4 0,0 0 514,5-19-389,-3 9 0,-1 1 120,-3 1-1036,4-12-155,-11 39-145,1 2 619,-2 38-1446,2-1 400,-1 11 1,0 2-533,5 16 89,1-2 1,2 2-621,8 12 694,-6-21 1,1-2 1041,15 11 0,3-5 1,5-5-1</inkml:trace>
+  <inkml:trace contextRef="#ctx0" brushRef="#br0" timeOffset="155993">21348 13085 23369,'-46'-15'-1457,"1"6"1284,10 5 345,-1 4 407,-16 38 58,17-12-599,8 13 0,4 4-531,9 3-509,-3 17 486,17-18-597,0-6-242,0-2-151,20 1-799,4-14 832,22-4 1394,-1-15 890,-19-29 249,8 18 782,-30-44-1966,11 30 974,-15-24-824,0 12-1491,0-11-392,-17 14 1339,13-7 0,-12 25 1,16 4-1</inkml:trace>
+  <inkml:trace contextRef="#ctx0" brushRef="#br0" timeOffset="156451">21937 13001 23909,'-23'-8'-2281,"1"2"1741,-4 23 2102,-9-13-773,30 39-2477,-28-18 2322,29 28-1854,-20-7 582,21 4-220,-7 1 508,9-16 1,2 0-1676,-1 14 1105,8-13 1,4-2 100,10-4-1246,20 0 2408,-2-22-109,-8-32 1471,-2 2-122,-9-30-1227,-6 16 0,-1 0 558,6-27-523,-5 2 1,-1-3-171,-7 22 1,-1 1-327,1-16 0,0 0-403,-4 13 1,-1 2-357,-1-2 0,0 0 231,-1-2 1,1 1 616,-1 0 1,0 1 146,0 1 1,0 0-88,0 3 1,0-1 94,1-6 0,-2 2-460,-16-15 148,16 22 1,-2 6 370,-13 11-414,6 32 515,8 23 1,2 9-241,-5-6 0,0 4-125,4 7 1,2 5-1,-1-4-172,0-6 1,0-1-168,6 5 1,1 5 0,0-5 183,-6-4 0,2-3-321,15 12 1,4 1-483,-6-6 1,0-3 44,3-11 0,2-1-67,9 15 0,0-3 1022,4-3 0,11 3 1,-16-23-1</inkml:trace>
+  <inkml:trace contextRef="#ctx0" brushRef="#br0" timeOffset="157009">22437 13104 23189,'-19'14'1737,"24"-11"-5084,18 11 1838,27-14 2294,-13 0-261,6 0-149,-12 0-185,0-22 87,-1 17-473,-10-21 1,-2-3 548,8 7-120,-8-9 1,-3-2-1003,-2-2-130,-2-24-243,-8 25-286,-3-8-446,-20 12-375,16 12 820,-31 3 929,13 12 1136,-15 25 879,15 11-1176,6 6 1,4 4 28,9 15-197,-3-12 0,1-3 427,5-4 20,25 14-2004,5-34 454,15-1-247,-2-18 1913,-8 0 326,2-18-121,-8 1 0,0-3 736,15-25-971,-6 6 1,-2-3 193,-15 16 1,-2-3-813,11-23 1,-2-3-78,-13 20 1,-2 0-530,3-14 1,-3 0-90,-5 11 1,-3 1-298,-1-3 1,-2 0 180,0 0 1,-1-3 634,1-17 1,-4 0-445,-9 16 0,-2-1 368,5 0 1,-1-3 0,-2 6-484,-10 8 1,-2 3 519,-2-11 1,-1 6-267,-6 10 740,-10 5 338,12 20 951,1 32 169,2-2-994,12 15 0,3 6-245,5-15 0,1 2-378,1 8 0,0 7 0,2-5 0,2 0 0,2 1-306,3 5 0,3 5 1,2-5-449,5-4 1,2-2-602,-6 14 0,5 0 75,7-21 0,5-1 1,-5-2-183,-8 5 1,1 2-46,10 2 1,6 4 0,-4-5-14,-6-6 0,-1 0 1263,8 11 1,1-2 0,-10-16 0,1-2 0,1 0 0,0 0 0</inkml:trace>
+  <inkml:trace contextRef="#ctx0" brushRef="#br0" timeOffset="157341">23712 12699 25258,'-13'-7'-3628,"4"1"2393,2 2 661,5 2-754,24 1 2739,1 0-1368,12 1 0,3 0-660,18 0 122,-15 0 1,1 0 502,24 0-123,-31 6 1,-1 1 232,1-5 1,-1-1-1,0 6 1,-1-1-1,1-6 1,0 0 0</inkml:trace>
+  <inkml:trace contextRef="#ctx0" brushRef="#br0" timeOffset="157579">24207 12506 23819,'-10'-3'-1333,"-5"0"1260,34 3 946,4-1-358,19 1-32,4 14-833,-13-10 791,0 21-1384,-5-22 1355,1 33-1733,-15-19-604,-1 38-259,-38-19 1034,2 16 745,0-29 1,-3-1-375,-19 27 727,21-23 0,-1 1 35,-10 14 1,0 1 0,11-10 0,1-1-1,-6 12 1,-1 0 0</inkml:trace>
+  <inkml:trace contextRef="#ctx0" brushRef="#br0" timeOffset="157943">25107 12474 24449,'-18'-17'-5953,"13"2"2335,-36 4 5115,10 5-550,-12 2 255,4 4-340,15 0 86,4 22-1127,4 5 1212,7 13-34,3-2-1687,34 5-860,-21-8 729,18-7 0,6-2-463,3 6-168,12 3 1075,2-7-41,-32-10 120,10 10-94,-24-14 67,-14 11 1449,7-9-1091,-36 3 1,-9-1 1166,12 0-1390,-16-2 0,-1-3 539,14-6 0,3-1 0,27-6 0</inkml:trace>
+  <inkml:trace contextRef="#ctx0" brushRef="#br0" timeOffset="158363">25653 12464 25528,'0'-18'-5216,"0"2"3177,-20-4 1073,-2 8 1307,-15-2 334,3 11 297,18 19-226,-11-11-407,24 38-196,-9-4 378,12 10-680,-2-14 0,4-1-590,21 5-770,5 19-442,1-32 506,18-2 197,-28-11 1564,22-12 613,-14 5 233,11-27 1057,-14 16-1068,-3-22 1,-3-6 522,0 7-1212,-6-20 1,-2-4-495,-4 3 192,-3 4 0,-1 0-1590,-2 8 243,0-12-719,0 29 68,0 21 846,0 22 236,0 33 311,19-5-349,-10-16 1,1-1-357,13 9 96,-8-10 0,1-2-254,5 2 252,8 5 284,-1-19 490,-8-6-24,1-4 780,11-6 1,-8-2 0,9-3 0</inkml:trace>
+  <inkml:trace contextRef="#ctx0" brushRef="#br0" timeOffset="158649">26250 12394 24898,'0'-13'-4856,"0"3"3177,0 0 615,0 4 605,0 1 34,0 22 121,0 6 165,0 11-1547,19 10 1075,-1-17 415,20 17 367,-20-21-67,17 3 235,-25-11-604,17-8 1349,-14-1-384,2-6 1508,0-16-429,2 11 378,2-37-1270,0 17-821,-3-11 0,-1-5 536,6-15-1344,-3 3 0,-1 0 43,-9 20 0,0 1-1221,5-21 1,-2 2 1676,0-1 0,2-7 0,-5 29 0</inkml:trace>
+  <inkml:trace contextRef="#ctx0" brushRef="#br0" timeOffset="158965">26878 12491 23639,'5'4'-6271,"0"-1"5622,6-2 2183,2-1-438,16-20 45,-6-2-746,22-25 135,-17 11-656,11-3 1849,-17 10-739,0 0-927,-6-1-616,-2-12-622,-7 11 355,-2-14-122,-28 26 46,17-2-1002,-57 15 2055,39 4-30,-34 24 1252,30-16-33,11 46-1255,-8-10 494,21 16-1136,-6-18 0,6-2 413,32 9-2676,-5 10-469,29-23 2873,-8-5 1,5-8 0,5-1-1</inkml:trace>
+  <inkml:trace contextRef="#ctx0" brushRef="#br0" timeOffset="159227">27447 11322 25168,'-31'43'-1293,"6"2"489,5-6 137,10 5-24,6-6 1,2 1-520,2 23 360,19-5 0,6 0-54,-9-22 1,2-2-361,17 12 0,4-2 307,-10-13 0,-1-3 196,2 0 1,1-1 114,0-2 0,3 0-59,12 6 1,1-2 792,-14-8 0,1-2 1,7 4-1,-1-1 1,9 1-1</inkml:trace>
+  <inkml:trace contextRef="#ctx0" brushRef="#br0" timeOffset="159476">28075 11407 26068,'31'-2'1851,"-7"19"-5113,0-12 3292,-5 36-3001,0-19 1807,0 21 399,-7-11 0,-1 1-350,2 22 443,-7-13 1,-1 7 0,-1-5-461,-1-7 0,-3 0 593,-3 9 0,-2 6 1,-4-7-387,-4-12 0,-3-2 310,-10 20 0,-4-1 852,5-23 0,1-1 0,-2 6 0,0-2 0,-9 8 0</inkml:trace>
+  <inkml:trace contextRef="#ctx0" brushRef="#br0" timeOffset="159759">28685 11829 27147,'1'-7'-5366,"0"0"2451,-1 2 2572,0 2 1,0 1 0,0 1-1</inkml:trace>
+  <inkml:trace contextRef="#ctx0" brushRef="#br0" timeOffset="159994">28765 12067 24359,'0'22'-5756,"0"1"3807,0 0 885,0 11 605,0-8 303,16 20-791,-13-18 811,29 20-1421,-11-21 1429,-1 7 615,9-7-120,-17-7-660,3 5-322,-6-12-599,-41 6 1900,-1-8-392,1-3 0,-5-1 7,3-1 0,-1-1 0,-7 1 0,-1 0 1,-3 0-1,0 1 0</inkml:trace>
+</inkml:ink>
+</file>
+
+<file path=ppt/ink/ink15.xml><?xml version="1.0" encoding="utf-8"?>
+<inkml:ink xmlns:inkml="http://www.w3.org/2003/InkML">
+  <inkml:definitions>
+    <inkml:context xml:id="ctx0">
+      <inkml:inkSource xml:id="inkSrc0">
+        <inkml:traceFormat>
+          <inkml:channel name="X" type="integer" min="-2.14748E9" max="2.14748E9" units="cm"/>
+          <inkml:channel name="Y" type="integer" min="-2.14748E9" max="2.14748E9" units="cm"/>
+          <inkml:channel name="F" type="integer" max="32767" units="dev"/>
+        </inkml:traceFormat>
+        <inkml:channelProperties>
+          <inkml:channelProperty channel="X" name="resolution" value="1000" units="1/cm"/>
+          <inkml:channelProperty channel="Y" name="resolution" value="1000" units="1/cm"/>
+          <inkml:channelProperty channel="F" name="resolution" value="0" units="1/dev"/>
+        </inkml:channelProperties>
+      </inkml:inkSource>
+      <inkml:timestamp xml:id="ts0" timeString="2021-07-15T06:32:01.147"/>
+    </inkml:context>
+    <inkml:brush xml:id="br0">
+      <inkml:brushProperty name="width" value="0.12095" units="cm"/>
+      <inkml:brushProperty name="height" value="0.12095" units="cm"/>
+    </inkml:brush>
+  </inkml:definitions>
+  <inkml:trace contextRef="#ctx0" brushRef="#br0">1197 2039 26697,'-8'0'900,"2"-25"-6124,5 4 3370,25-24 2398,-6 14 0,4 0 0,3 5 1,2-2-232,0-6 1,1-5 0,-2 2-121,0 0 0,-1-1-201,3-4 0,1-6 0,-2 5-179,-4 3 1,-2 0 891,2-10 0,2-5 1,-4 6-203,-6 14 0,-3 0-687,7-23 1,-4 4-710,-9 21-98,-3-2-38,-3 45-93,0 5 78,-21 31 858,10-6 1,1 2-164,-2-4-1,0 1 172,-7 15 1,3 2-194,14-10 0,0 0 87,-15 1 1,0 1 87,14-2 0,2 3-225,-7-6 0,-2 3 0,2-3 68,3 7 0,1-2-488,-2 15 0,0-2 152,0-20 0,1-2-12,5 0 1,-1-1 79,-2-1 1,0-1 578,2 1 0,0-1 0,-1-2 0,0 0 0,-1-1 0,1 1 1</inkml:trace>
+  <inkml:trace contextRef="#ctx0" brushRef="#br0" timeOffset="166">1265 2714 25798,'-12'-21'-7852,"1"-13"4757,6 3 2161,26-25 2042,-15 4-733,20 23 1,7 1 51,-5-7 1,2 1-217,6 5 0,4 1-580,4-10 1,0-1 1083,-8 10 1,-1 2 81,2-2 0,1 0-12,1 0 1,2 0-763,-3 1 0,2-2 0,-1 2 306,6-4 1,1-1-289,-8 6 1,2-2 0,-3 2-1,1-1 1,-3 1 0,0 1 0,0 0-1</inkml:trace>
+  <inkml:trace contextRef="#ctx0" brushRef="#br0" timeOffset="318">2443 1502 23909,'0'-9'-4767,"-21"3"5892,15 23-1651,-30 13 2096,32 12-2680,-10 3 843,3 12-300,9-14-1452,-9 15 1735,11-20-1700,18-3 123,-13-2-1758,32 8 2250,-9-12 1315,-2 3 0,20-16 1,-17-4-1</inkml:trace>
+  <inkml:trace contextRef="#ctx0" brushRef="#br0" timeOffset="471">2420 1270 24718,'-19'-32'-8273,"-5"3"6243,16 1 32,-2 11-344,4 1-322,32 11 3022,9 23 1,17-14 0,0 14-1</inkml:trace>
+  <inkml:trace contextRef="#ctx0" brushRef="#br0" timeOffset="803">2950 1988 23639,'0'27'-4766,"0"-2"3357,0-7 704,0-5 337,0-6 32,16-4 1484,6-44-568,10 11-773,-7-20 0,-2-4 599,-6 18 0,-1 1 0,6-16 0,-1-5-89,-7 10 1,-3-1-1,0 1 89,2-10 0,-1-3-113,-5 10 0,-1-6 1,0-1-1,-1 6-630,-1-13 1,-1 0 351,-1 7 0,-1-8 1,0 2-1,-1 8-653,1 0 1,-2 2 284,-4-1 0,-2-4 0,1 11-704,2 5 256,-30 4 316,31 52 701,-22 35 54,19-19 0,2 6-333,-1 6 1,0 6 0,0-3-120,0 3 0,1 3-217,1 8 1,2 7 0,0-5 138,-1-4 1,4 2-551,6-5 1,5 7 0,1 1-1,-4-8 166,-6 4 0,3-2 509,10-7 1,7 4 0,1 0 0,-6-8 0,-7-3 0,-1-4 0,17 11-1,0 1 1</inkml:trace>
+  <inkml:trace contextRef="#ctx0" brushRef="#br0" timeOffset="1068">3368 2169 24988,'10'-33'-4069,"13"-2"4239,24 4 1524,2-2-789,-9 5-248,0-3-262,-1-2-235,-4-1-13,-4-1 1141,-7 0-757,-11 0-1430,1-13-475,-12 13-211,-15-15-662,9 29 267,-38 1 1216,11 16 698,-10 30 854,1-2 548,14 28-992,12-4-793,3-7 0,2 3 256,5-10 1,5 2 161,12 26 0,6-1 1,-3-23-1,4-3 0,16 12 1,1-1-1</inkml:trace>
+  <inkml:trace contextRef="#ctx0" brushRef="#br0" timeOffset="1817">5257 959 26787,'-11'-29'-9179,"1"2"6342,0 9 2158,1 8 1128,-2 27 1272,4 11-1385,2 16 0,0 5-341,3-8 1,0 1-703,-1 21 0,0 1 1087,1-10 0,0-1-2,1 3 1,0 1-142,0-1 1,1 2-216,0-8 1,0 3-1,0-2-564,-1 4 1,2 2 408,4-1 1,3 3 0,-2-5-30,-4-11 0,1 0 23,3 2 0,2 5 0,-3-8-94,-5 14-378,0-14 1,0-5-1307,0-22 739,-18-75 426,-2 7 686,11 8 1,-1-14 0,1-3 0,1 8-52,-2-6 0,1-1 203,4 2 1,1-9 0,1-1 0,1 9 193,2-5 0,0 1-127,0 15 1,-2-5-1,2 0 1,2 7 45,8-8 1,1 2 61,-3 2 0,0-3 0,1 6 343,3 11 1,2 3 181,8-7 0,1 4 980,9-6-283,12 20 1077,9 5-188,-24 15-651,12 22-1304,-21 11-1228,-3 11-748,-10 7 205,-5-5-74,-2 5-17,-12-9 0,0 1-1035,5 25 715,-23-8 0,-4 0 1173,22-22 1,-1-2 868,-16 11 0,-1-2 0,-1 11 0,1-2 1</inkml:trace>
+  <inkml:trace contextRef="#ctx0" brushRef="#br0" timeOffset="2134">5810 1752 24179,'10'30'-7508,"-1"-1"4916,-4 2 1795,-1 11 634,-4-9 316,0 25-124,0-24 83,0 22-1799,-14-26 3503,10 17-887,-11-28 340,5 6-484,3-20 1079,-4-20-2153,-3-13-292,10-13 404,-5-8-402,7 15 1,2 0 333,0-20-328,8 8 0,1 1 223,-4-5-929,10 14 1,4 1 1928,4 3 347,-1-2-1049,32 20 1496,-30 7-1010,30 3 1,-18 4 0,0 0 0</inkml:trace>
+  <inkml:trace contextRef="#ctx0" brushRef="#br0" timeOffset="2451">6720 1769 24539,'-52'0'1619,"9"0"-1260,-19 0-269,20 14 414,3-1 0,1 3 336,-5 20-906,9-7 0,3 1-178,4 9-25,12-8 0,4 0-570,5 5-310,25 5-1235,18-11 399,11-12 1355,-6-9 0,2-2 134,14-3 572,-7-14 0,-1-3 1028,6 8-341,-16-25 0,-4-4 354,-11 7-523,-4-18 1,-11-3-688,-28 5-1288,8 4 0,-3 3-1112,-12 9 589,-7 10 0,-2 5 1854,2 3 0,-27 26 0,23 10 1</inkml:trace>
+  <inkml:trace contextRef="#ctx0" brushRef="#br0" timeOffset="3218">7168 1840 25348,'-21'48'-2759,"-13"-7"3147,30 8-2554,-24-9 2485,25 2-1513,-8 0 781,11-4-410,0-3-594,0 8 601,18-16-1038,8 10 1207,22-26 446,-8 0 957,1-11 237,-11-25 432,11-14 81,-10-15-1157,-9 11 1,-2-1 719,0-18-663,-7 2 1,-3-3-805,-6 23 0,0-2 615,-1-18 1,-1-8 0,0 6-637,-2 13 1,1 1 156,-1-10 0,0-6 0,0 9-1328,0-9 1119,2 21 1,-4 4-174,-10 11 64,10 3 70,-10 44 1504,12 25-1034,0 14 80,0-6 1,0 1-44,0-18 0,0 1-11,0 28 1,0 1 60,-1-27 1,2 0 200,8 23 1,5-1-403,-1-25 0,2-2-840,3 7 1,4 0 485,3-5 1,0-3 45,5 13 59,-5-13 0,-1-2 92,3-2-221,13 3 671,-20-22 1043,4-1 447,-11-8 442,0-18-614,-2 14 1586,3-51-1987,-6 32-524,-3-10 0,-1-1-451,-1 4 81,-2-9-1093,-1 42-666,0 10 152,17 48-1858,-13-16 2403,10-10 1,2-2-676,3-3-443,18 13 1041,-5-22 304,16 0 992,-19-14 496,30-24 1943,-31 12-1305,-5-23 0,-3-6 958,-8 8-1356,-6-9 1,-2-2-226,-2 4-1000,-2-7-149,0 16-316,-14 12-1377,10 20 1022,-20-4 1826,21 37-1279,-7-7 543,3 10-747,6 3-364,-6-14 233,7-2-700,17-1 1197,-13-1 0,31-4 0,-13 1 0</inkml:trace>
+  <inkml:trace contextRef="#ctx0" brushRef="#br0" timeOffset="3500">8730 1858 25528,'-56'16'3372,"15"-12"-2982,7 10 0,2 3 92,-1 9-639,-3 24-698,23-6-232,19-3 0,4 0-1225,-4 2 977,32-3 0,8-2-1143,-3-8 1348,18-9 0,4-3 250,-29-11 1,-1-2-204,25 2 0,1-2 664,-26-3 1,-1-4 789,10-8 1,-1-1 0,13 6 0,-3-16 0</inkml:trace>
+  <inkml:trace contextRef="#ctx0" brushRef="#br0" timeOffset="3734">9498 1270 26158,'0'-16'-4767,"-19"5"4485,1 5 817,-5 24 1074,-6 22-1151,14 10-705,1-3 0,0 1-139,0 16-220,6-19 1,2 0 776,5 17-1094,-3 0-315,4-2-333,9-19 1,-1 0-716,-3 19 1129,12-12 1,0-1-823,-12 1 245,4-5 0,0-1 1639,-9-8 1,0 14-1,0-32 1</inkml:trace>
+  <inkml:trace contextRef="#ctx0" brushRef="#br0" timeOffset="3851">8990 2005 25528,'-11'-31'-8635,"2"-1"5987,44 2 4204,-7 8 0,5 2-577,4 5 1,6 1-1622,12-3 0,8-1 0,-6 3 765,-9 4 1,0 2-1,4 0 1,4-1 0,-6 2-1,-10 4 1,0 1-1</inkml:trace>
+  <inkml:trace contextRef="#ctx0" brushRef="#br0" timeOffset="4417">10075 2128 26068,'-4'-10'-9831,"-1"2"3426,2-2 6126,1 4 0,1-3 0,1 5 1</inkml:trace>
+  <inkml:trace contextRef="#ctx0" brushRef="#br0" timeOffset="4900">10890 1991 25078,'0'25'-5306,"0"-1"3358,0-3 1063,0 4 337,0 4 212,0 6 122,0 5-14,0 8-1279,14 4 996,-10 6 406,3-15 0,0 0-104,-7 24 170,-1-24 0,2-1 97,7 13-345,-6-5 297,6-4-268,-8 0 769,0-15-391,0 0-270,-14-21 1813,-4-1 329,1-24-1843,-17 11-357,17-28 0,2-6-538,-24-7 523,20 3 0,1-9 1,3 2-65,1 3 0,3-4 204,1-10 1,0-7-1,3 4-848,2 2 0,3 1 220,-1 8 1,1-3-1,4 1 907,3 3 1,3 0 0,2 4 43,8-6 1,3 0 441,0 2 1,3-4-1,1 8 268,5 10 0,2 4 289,9-13 1,-2 6 886,6 10-908,-11 16 1,0 3 1217,-1 7-674,6 28-1669,-12 13-1142,-12 13 221,-7-11 1,-1 0-1135,-3 11 938,-13-7 1,-1 0-1137,6 5 1006,-16-18 0,0-1-612,15 6 357,-39-7 2284,39-3-1616,-38-8 1361,18-7 0,1-5 0,4-5 0</inkml:trace>
+  <inkml:trace contextRef="#ctx0" brushRef="#br0" timeOffset="5268">11357 947 24898,'22'-11'4282,"-2"4"-2711,9 24-4097,-8-12 1612,-1 28 0,-1 5-1582,5-3 1916,-8 5 1,-1 10-1,-1-6-96,-4-9 1,-1 0-10,2 11 0,1 5 0,-4-5-570,-3-11 0,-2-1-45,2 25 1,-1-1 543,-1 8 370,-2-16 1,0-1 848,0 2-323,-1-13 0,0-2 343,0-8-925,0 6 758,0-51-56,0-26 151,0-8-213,-1 13 1,2 1-79,13 3 742,-10-8-71,10 19 643,-4 11 15,0 2 183,9 26-1419,-5 9-1278,5 24-543,-6-4-282,-1-12 1,-1-1-294,4 10-801,3 12 2489,0-18 0,-1-1 1,3-2-1</inkml:trace>
+  <inkml:trace contextRef="#ctx0" brushRef="#br0" timeOffset="5684">12220 1815 25978,'0'44'-4857,"0"-8"2999,0 10 1063,0-10 337,0 4 290,0-4 0,0 0-136,0 11 235,0-7 0,0-1-1528,0-7 1687,10 11-560,-7-25-439,7 3-298,-10-33 847,0-15 90,-17-17-636,12-14 667,-13 2-366,18-10 840,0 29 1,0 0-97,0-3 1,0 0 91,-1-3 1,2 0-142,6 1 1,3-2 226,5-16 1,3 1 468,0 15 1,4 1-298,0 2 0,3-3 0,-2 6 568,-1 9 0,1 3-92,16-9 0,2 7 1179,5 9 367,10 4-425,-20 15-820,-6 24-1569,-5-4-306,-13 11 0,-4 5-981,2 10 616,-15 1 0,-2 1-1053,2 14 815,-18-20 1,-5-1-884,-1 17 1100,-1-29 1,-2-2 656,6 1 0,2-1 645,-2-1 0,0-2 0,1 0 0,0-1 0,-25 21 0</inkml:trace>
+  <inkml:trace contextRef="#ctx0" brushRef="#br0" timeOffset="5834">13142 1970 26967,'22'12'-7158,"-3"-9"5511,-3 9 1636,-6-12 0,4 0 1,-2 0-1</inkml:trace>
+  <inkml:trace contextRef="#ctx0" brushRef="#br0" timeOffset="8651">2387 5205 25168,'0'53'-6385,"0"-5"4256,0 10 1065,0-3 789,0-14 1,0 2-151,0 23 228,0-14 0,0-2 59,0 3-1369,0 7 1597,0-30 90,0-6-180,0-9-450,0-4 450,0-53-270,0-15 270,0 14 0,0-4 0,0 0 0,0 1-4,-1 5 0,2 0 0,2-4 0,0 0 136,-2-2 0,0-2 12,4 3 0,1-3 1,-1 2-14,-1-6 0,0-1 40,3-1 0,3-4 0,-1 6 105,1 8 1,0 4 54,3-9 0,2 2 189,2 16 1,2 4 716,8-5 370,21 4 336,-23 24 1,17 45-2011,-23-11-479,-6 26 1,-3 6-152,-3 0 304,-13 2 1,-2-1-668,3-3 277,-22-12 1,-5-2-835,5 2-11,-10-12 0,-2-2 1916,0-3 381,-7 3 0,19-19 0,3-5 0</inkml:trace>
+  <inkml:trace contextRef="#ctx0" brushRef="#br0" timeOffset="9018">3130 4780 23909,'13'43'-7064,"-3"-9"4673,-5 14 1766,-2-16 154,1 28 316,1-24-57,2 14-89,7-5-1803,-4-13 2134,15 13-61,-6-25 31,18 1 641,-10-16 425,11-2 649,-8-22 395,2 14 463,0-43-881,11 3-798,-28 16 1,-1-4-338,7-12 1,-2 0-108,-3-13-631,-7 21 0,-2 2-582,-1-11-933,-2 7 16,-2 6 642,0 9 191,-2 6 44,1 32-80,-1 17 288,0 18-81,0 9-242,-1-22 0,2-1-347,17 21 9,-9-12 1,1 0-541,12 1 1763,14 6 0,-17-29 0,19-4 0</inkml:trace>
+  <inkml:trace contextRef="#ctx0" brushRef="#br0" timeOffset="9450">4025 4266 24988,'-13'-18'-5440,"9"3"2797,-9 32 4890,13 24-2968,0 17 571,-1-8 1,2 1-190,7-18 0,0 2 197,-6 12 1,-3 6 0,4-5-818,12-9 1,0-1 951,-12 6 0,-5 5 0,4-7 338,20 15-1168,-20-16 1,-2-1 737,8-1-334,-8 11 467,0-31-1434,0 1 1720,0-31-175,0-17-41,0-33 353,21 2 127,-16-6-20,42 19 995,-24 2-540,25 7 1128,3 7 59,-9 6 115,20 13-199,-27 19-1364,5-4 674,-18 35-3311,-4-18 1049,-4 23-1456,-6-9-71,-4 1 65,-4 1 350,-21 15 1377,15-13-118,-25-9 1,-5-2 2051,7 2-1057,-4-12 0,-5-2-663,5-5 1,0-2 926,-17 1 0,-14-1 0,23-9 0</inkml:trace>
+  <inkml:trace contextRef="#ctx0" brushRef="#br0" timeOffset="10317">4827 5288 23819,'24'-12'3732,"9"-13"-3705,14-13-152,-12 3 1,-2-2-102,-10 11 1,-1-3-13,16-24 0,-2-3-80,-14 20 0,-3-3 129,1-5 0,-1-4 1,-2 2-249,-4 3 0,-2-2-61,-3-5 0,-1-4 1,-1 4-179,-3 4 1,-1 1 18,0-12 0,-4-2-16,-7 8 1,-1 4-39,8 13 0,-1 0-113,-13-13 1,-4 4-650,1 7 299,-1 1 465,-11 26 1572,27 28-611,-22 7 1498,23 29-1295,-15 6-42,14-4 1,2 3-32,-2-12 0,-1 3-195,2 8 0,1 5 0,3-4-32,7-5 1,2 0-603,-2 2 1,0 5 0,1-6-71,1-8 1,3-2-769,10 11 1,0-3 627,-14-20 0,1-3-60,11-3 0,1-1 122,8 21-881,14 0 1125,-12-18-103,19-1 1206,-22-22 922,5-2 359,-14-21 287,-1 12-207,-3-32-248,0 6-290,-7-10-115,1-9-1373,-8 17-710,0 0-499,-2 38-668,0 15-652,14 32 269,-10-11 32,10 1-1340,1-3 3321,3-12 1,9 4 0,-2-15 0</inkml:trace>
+  <inkml:trace contextRef="#ctx0" brushRef="#br0" timeOffset="10484">5645 4601 23369,'-11'12'-1379,"2"-10"0,9 12 0</inkml:trace>
+  <inkml:trace contextRef="#ctx0" brushRef="#br0" timeOffset="10702">6340 4733 23819,'-40'0'1889,"16"23"-1742,-12-6 1253,20 24-3088,-19-7 2002,10 6-906,0 5 313,9-10 0,2 2-505,0 18-32,1-9 0,3 0-856,9 5-1362,16 11 1087,5-36 0,6-3 1843,3-6 0,4-2 1,8 3-1,3-3 1,-6-8-1,0 0 1</inkml:trace>
+  <inkml:trace contextRef="#ctx0" brushRef="#br0" timeOffset="11239">8310 4569 26158,'2'-20'-5676,"-1"0"3705,-1 4 780,0 1 422,-25 5 1391,-9 3 257,-15 4-355,13 11 0,1 6 299,-11 19-49,7-2 1,3 3 659,0 22-948,14-16 1,3 1 255,9 8-1261,2 15-395,31-3-1492,13-16 1224,-5-8 0,3-2-620,20 1 1289,-28-9 0,-1 0-274,12-4 792,-20 4-670,11-12 1051,-26-5-127,7 4-662,-28-7 1241,-8 7 12,-11-6-487,2-2 1,1-2 0,-7 0 0,-24-1 0</inkml:trace>
+  <inkml:trace contextRef="#ctx0" brushRef="#br0" timeOffset="11467">7942 4154 25078,'10'-3'4256,"2"0"-3429,13 23-4034,-6 12 1850,-4 1 0,-2 3 206,-4-4 1,0 1 419,4 23 0,0 2 259,-5-18 1,-2-1-471,2 16 0,-1 2-284,-2 7 1,-1-1-13,-1-14 0,0 2 735,-1 6 1,-1 4 0,1-4 206,-2-6 1,1 0-458,-1 4 0,0 6 0,0-6-191,0-6 1,0-2 1000,0 15 1,0-2 0,0-20 0,0-2 0,0 0 0,0 0 0</inkml:trace>
+  <inkml:trace contextRef="#ctx0" brushRef="#br0" timeOffset="12051">8562 5166 24988,'-11'15'-1528,"34"-3"-402,-1-28 3281,35 12-648,-20-23 0,1-4-414,-7 17 1,0 0-23,10-17 0,-1-3-130,-11 12 0,-3 0 89,20-23 292,-5-2 34,-25 14 0,-2-1-1474,12-18 370,-19 10 0,-3 1-1004,6-4 571,-16 12 0,-6 1-1449,-9 4 476,-1-2 80,-16 20 1887,11 26 1283,-21 29-842,29-19 1,2 6-181,-1 23 0,5 3-112,6-19 0,3 2 31,6 17 0,4 8 0,-1-7-271,-4-11 1,3 0-346,7 10 1,5 6 0,-1-9-748,-1-15 1,0-3-811,10 22 1,-1-3-1008,5 5 1173,-8-17 0,-5-1 1609,-11-1 1,13 8 0,-17-22 0</inkml:trace>
+  <inkml:trace contextRef="#ctx0" brushRef="#br0" timeOffset="12156">8743 5544 22650,'26'-27'-854,"-20"-1"-281,32 4 1,7-1 1267,-6-16 0,6 13 0,3 0 0,-18 7 0,0-1 0</inkml:trace>
+  <inkml:trace contextRef="#ctx0" brushRef="#br0" timeOffset="12350">9670 4748 23639,'0'48'-5576,"-14"-8"5401,10 2-1005,-10-8 1422,14 5-1001,0 20 153,0-13-6,-1-9 1,2-1-1620,18 1 931,-15 7-1887,30-16 3229,-30-12 1,22-2-1,-11-12 1</inkml:trace>
+  <inkml:trace contextRef="#ctx0" brushRef="#br0" timeOffset="12502">9663 4299 24089,'-14'-19'-7429,"-6"3"5291,18 24 989,14 18-1778,-8 14 2600,35 12 0,-33-6 0,14 3 1</inkml:trace>
+  <inkml:trace contextRef="#ctx0" brushRef="#br0" timeOffset="13067">10020 5359 23729,'0'13'-6026,"0"-4"3898,0-22 1064,0-5 515,0-21 123,21-1 989,-9 2 1,-1-3-250,2 8 1,0-2-612,7-14 1,-4-2 674,-14 10 0,1 1-88,12-3 1,0-1 41,-12 0 1,-3-3-81,4 1 0,1-4 0,-1 2-32,-4-6 1,0-2-244,0-6 1,0-5 0,0 6-103,0 9 1,0 1 29,0 0 1,0-4-1,0 7-103,0 11 0,0 3-48,0-7 1,0 3-150,0 4 268,-14 11-407,11 10 57,-10 22 2416,13 11-1939,0 12 0,0 6 0,0 25 0,0-19 0,0 7 0,0-4 8,-1 2 0,2 1-90,3-6 1,2 3 0,1 0 167,0 1 0,0 1 1,1-3-13,1 6 0,3 2-1002,6 1 1,3 3-1,-3-5 555,-8-9 0,3-3 60,9 1 0,6 1 0,-3-6 61,-6-7 1,3-4-136,22 14 1,4-5 472,4-14 314,-1-13 1,-1-6 1089,-1-6-141,-8-26 1,-3-7 796,4-2-1173,-15-4 0,-3-3-373,-9 11 0,-2 1-305,-1-4 0,-2-2-205,-1 0 0,-1-4-42,-1-21 1,-3-1-520,-1 16 0,-1-2 30,1-1 0,-1-4 0,-4 5-360,-6 9 1,-3 1-33,2-15 1,-2 3-453,-12 7 34,-10 3 680,28 31-101,-32 8 1906,20 4 222,-28 47 260,19-10-1056,6 18 1,3 6-173,9-23 1,3 2-273,0 7 0,0 7 1,2-5-251,1 0 0,4-2-50,8 14 1,6 3-1477,1-2 0,4-4-23,4-13 0,3-1 111,-1 1 0,2 3 0,-2-5 322,0-6 1,0-3 1098,11 8 0,0-2 1,-11-15-1,0-3 0,0-1 1,0 0-1</inkml:trace>
+  <inkml:trace contextRef="#ctx0" brushRef="#br0" timeOffset="13484">11643 4824 26338,'-40'-17'-2555,"15"7"2415,-12 4 1,-1 2 562,1 1 43,5 13 0,1 4 836,-4 6-666,-7 24-630,12 11-617,13-10 483,7-6 1,4 0-632,3 6-92,15-11 1,2-1-1829,-8-1-47,45 3 985,-30-19 390,22-8 1604,-8-3 388,14-5 632,-13-23 915,18-10 502,-26-14-1948,-9 12 0,-2 1 191,-1-13-416,-1-13-1193,-8 7-463,-3 17-252,-1-3-425,-2 27-62,0 23 426,9 42-537,-1-2 599,3-4 1,2 0-553,5 0 622,0-9 1,1-3-701,7 0 2076,10 2 0,-7-25 0,1-6 1</inkml:trace>
+  <inkml:trace contextRef="#ctx0" brushRef="#br0" timeOffset="13934">12305 4108 25618,'-18'-20'-5022,"14"22"8692,-29 56-3806,18 1-197,9-16 1,1 6 0,-1-3-134,-3-5 0,1 0 79,6 16 1,2 2 71,-3-2 0,0-3-442,2-12 0,2 0 684,10 23 0,0-2-1043,-9-29 0,1-2 331,17 16 1,-1-3-322,-14-1 479,26 2-58,-28-24 165,11-6-130,-14-5-489,0-5 948,0-29 569,0 2 211,0-28-391,0 4 27,0-8 66,0-7-174,0-3-27,0-1 90,16 4 261,-16 25 0,4 2 41,33-10 1364,-15 2-734,21 46 413,-14-5 304,1 45-2157,-10-21 274,-6 12 0,-1 2-832,4 11 561,-4-6 0,-2 0-1551,-5 6 1296,-2-5 1,-1-2-987,-2-1-1018,-22 22 2654,-7-40-503,-25 4 1858,12-16-797,-1-3 0,15-6 0,1-2 0</inkml:trace>
+  <inkml:trace contextRef="#ctx0" brushRef="#br0" timeOffset="14286">12655 4916 23819,'8'26'-7647,"0"10"5345,17-32 4529,-3 11-2317,9-15 1782,15 0-612,-8-22-463,-3 5 0,0-3-93,8-31 722,-9 10 1,-1-2-340,-15 14 1,-1-1-985,5-11 1,-3 0 307,-7 8 0,-2 1-663,-1-2 0,0 0-61,-2-1 1,-1-2-180,-2-16 0,-1-1-63,0 14 1,-1-1 562,-2-3 1,1-3 0,-1 3-240,1 7 0,-2 1-190,-9-19 1,0 3-575,5 2 428,-15-3-300,9 28 172,8 40 1116,-8 1 73,5 23 1,3 8-212,-4 19 36,3-22 1,-1 7 0,1-4 140,0 1 1,0 0-132,2 16 0,0 3-134,1 0 0,0-2-43,1-16 1,0 0-773,-1 2 1,0 3 0,3-5-361,5-8 1,3-2 1035,0 20 0,1-3 1,10-2-1,-4 10 1</inkml:trace>
+  <inkml:trace contextRef="#ctx0" brushRef="#br0" timeOffset="14640">13393 4987 24359,'21'13'-3176,"6"-2"2868,23-11 1628,-9-19 493,0 14-1085,-14-34-990,0 22 832,-6-19-1119,-1 8 1523,-7-3-943,-5-2-904,-4-2-728,-4-16-138,0 14 448,-17-17-1296,-6 30 1849,-20 3 300,9 15 905,0 29 1056,4 20-590,16 14-891,5-11 0,2 2-122,7 14-413,10-8 0,0 0-1375,-4 7-484,29-14 1,9-3 2213,-1 1 1,3-18-1,4-4 1,-16-9-1,-1 0 1</inkml:trace>
+  <inkml:trace contextRef="#ctx0" brushRef="#br0" timeOffset="15136">14233 4826 27597,'-5'-4'-6360,"21"1"6344,34 21-2051,1-14 2011,-5 11 1,-1 2-1,7 1 1,-19-2-1,1 0 1</inkml:trace>
+  <inkml:trace contextRef="#ctx0" brushRef="#br0" timeOffset="15272">14427 5272 24718,'-22'16'1910,"5"-4"-1478,17 0-4412,27-6 2405,-4-2-9,30-2-110,-6-2 1796,10 0 1,7-12 0,-30 4 0,0 0 0</inkml:trace>
+  <inkml:trace contextRef="#ctx0" brushRef="#br0" timeOffset="15934">16585 3523 26517,'0'-33'-5486,"0"3"3448,-18 3 329,14 2 659,-30 3 1405,10-3-554,3 10 472,-15 7 1,-2 3-632,9 2 1001,-15 11 1,-2 2 1207,7-5-749,6 19 1,1 2 693,-1-7-1353,7 7 0,4 3 629,2 0-755,-3 10-801,16 3-1111,2-7-167,4 28-704,1-23 1402,9-3 0,1 1-1306,-6 10 1499,6-15 0,-1 0-893,-9 16 740,13 3 209,-10 3 533,4-12 1,0 1 214,-7-10 0,0 2 139,0 26 0,0 0 166,0-24 0,0-1 26,-8 13 0,0-1 569,4 16-625,-11-1 661,-2-5-25,12-5-602,-12-4 386,5-6 21,9 8-536,-17-16 1278,18 10-1250,-6-25 313,8 3-825,0-13 217,0-1-398,26-2 627,9-1-151,19-1-1096,-12-4 0,0-1 1421,20 0 1,-18 0 0,-1-2 0,-9 1 0,-1 0 0</inkml:trace>
+  <inkml:trace contextRef="#ctx0" brushRef="#br0" timeOffset="16736">17382 3272 23639,'-24'0'0,"6"0"0,1 0-1079,1 15 140,5 4 694,-6 18 1,10-17-1,-2-2 1</inkml:trace>
+  <inkml:trace contextRef="#ctx0" brushRef="#br0" timeOffset="16888">17553 3308 24179,'-20'36'-4265,"4"-3"1587,2 1 2303,10 0 0,-10 4 0,14 2 0</inkml:trace>
+  <inkml:trace contextRef="#ctx0" brushRef="#br0" timeOffset="18257">18120 4385 23729,'0'49'-6026,"0"-6"3988,0 10 974,0-6 515,0 4 123,0 3 122,0 1 76,0-4-1368,0-5 1596,0-4 0,0-6 90,0 4 0,0-15-540,0 4 360,0-38 0,25-35 1119,-19-6-701,11 10 0,5-5 0,-4 4 570,-3-20-647,6 5 0,1 2 778,-7 15 600,2-2-790,-6 28 762,-3 5-974,-1 8 346,-2 17-2288,2-13 1179,2 50-860,0-29-271,-1 10 0,0 3-710,3 3-29,2-8 0,2-1 1554,5 4 1,14 6 0,-5-19 0</inkml:trace>
+  <inkml:trace contextRef="#ctx0" brushRef="#br0" timeOffset="18634">18958 4564 23729,'-24'-8'-1237,"-3"2"943,-26 6 992,14 19 630,1-14-786,12 36-1106,4-8 343,-2 9-460,13 13 162,0-26-202,11 16-965,0-24-1199,25 3 504,5-18 2293,27-1 338,-14-19 959,0 11 165,-2-46-613,-14 27 590,-5-15 0,-4-3-164,-7 6-462,5-23-620,-15 34-1469,-11 31 946,6 34-1101,-9 14 840,12-12 0,2-1-1445,-1 3 488,0 13 372,0-23 184,19-2-192,-15-4-2441,28 1 3803,-11-11 0,8-5 0,3-11 0</inkml:trace>
+  <inkml:trace contextRef="#ctx0" brushRef="#br0" timeOffset="19017">19343 4573 24629,'0'46'-5307,"0"16"3269,0-18 1640,0-5 1,0 1-241,0 10 122,0 13 302,0-8-14,0-17-1368,13 13 1307,-10-28 14,10 0-586,-5-16 823,1-21 1040,6 9 1025,5-58-1419,-7 29-304,0-14 0,1-4 664,1-7-440,-1 8 1,1 0 687,-1-2-754,-2 10 1,0 4-628,-3 10-901,7-5 1394,-10 31 1181,3 23-2603,-2 11 199,3 32 45,-4-8-353,3 6-818,2 2 290,-3-16 302,0-12 0,2-1-1853,4 1 1793,13 8 517,-7-30 1315,8 0 1,-6-13 0,0 0 0</inkml:trace>
+  <inkml:trace contextRef="#ctx0" brushRef="#br0" timeOffset="19321">19883 4790 24539,'17'31'-8021,"6"-1"6037,24-15 3483,-7-4-553,5-11 389,-8 0-292,17-15 178,-12 12-872,-6-23 0,-2-3 1808,-4 6-1255,-9-12 0,-5-2-831,-8 5-508,-4-21-1024,-4 24 224,-24-7-854,-3 24 1637,-7 15 1,-2 3 838,-7-1 12,7 27 1,6 6 195,13-5-350,-2 3 1,4 4 357,12 9-850,-8 0-1,8-13 1,6-1-2206,26 15-1100,-6 11 3245,11-37 0,5-6 0,11 8 0,-15-12 0,0 0 0</inkml:trace>
+  <inkml:trace contextRef="#ctx0" brushRef="#br0" timeOffset="19639">20213 3518 24718,'-16'-24'-6860,"4"2"4198,5 4 1341,4-4 1133,3 10 587,24-2 2196,0 12-1065,24 20-2260,-10 10 964,-5 24-563,-15-7-1222,-1 14 430,-15-24-420,6 17-1365,-8-26 2403,0 7 0,3-23 0,2 0 1</inkml:trace>
+  <inkml:trace contextRef="#ctx0" brushRef="#br0" timeOffset="19751">20512 3606 22740,'12'-11'1514,"-1"8"97,-2-8-2319,3 11 621,-3 0-601,3 38-3065,-6-11 3491,0 13 1,-1 4 0,1 8 0,-2-16-1,0-1 1</inkml:trace>
+  <inkml:trace contextRef="#ctx0" brushRef="#br0" timeOffset="20068">21073 4952 25528,'-3'23'-4147,"0"-3"2392,3 20 825,0 14 318,22-9 1,-19-2 0,-1 1 165,21 12 132,-22-20 0,-2 1-553,1-1 0,0-1-165,0 20-447,-7-10 0,-5 0 198,-21 7 1503,13-19 1,-2-1 0,-4-9 0,0-2 0,-13 22 0</inkml:trace>
+  <inkml:trace contextRef="#ctx0" brushRef="#br0" timeOffset="20667">21897 3343 25168,'-28'-8'-2123,"-12"2"2077,23 4 149,-13 19 1085,15 11-1908,6 10-1336,9 24 354,0-24-524,0 15 554,20-20-877,-16-4 148,37-2 2011,-23-5 0,22-5 1,-9-3-1</inkml:trace>
+  <inkml:trace contextRef="#ctx0" brushRef="#br0" timeOffset="20787">22102 3568 24808,'0'-19'-6475,"-14"7"3311,10 22 2026,-10 19 959,14 10 1,0 10-1,0-8 1</inkml:trace>
+  <inkml:trace contextRef="#ctx0" brushRef="#br0" timeOffset="21050">22565 4564 26428,'-41'0'269,"-1"16"1646,-1-11-2021,0 28 87,2-18 201,15 8 1,2 3-711,-11 9-85,15 0 1,3 2-1152,5 9-117,16-6 0,7 0-2224,11 1 3812,1-14 0,4-4 0,22 1 0,7-4 0</inkml:trace>
+  <inkml:trace contextRef="#ctx0" brushRef="#br0" timeOffset="21618">23057 4709 24449,'-44'0'2158,"0"17"-171,3 4-1484,17 12-1569,-10 0 770,30-4-1373,-21 11 1238,23-9-1028,-7 8 308,9-16-1337,0-2 179,0-4 258,22-8 946,11-3 1736,27-6-311,-8-23 758,-14 3 0,-2-4 368,-2-23-572,-9 10 0,-2 0 659,-5 0-195,-6-18-1630,-4 28-133,-4-4-846,-4 37-933,0 26 313,0 7 1287,0-4 0,0-1-480,0 1 16,26 19-130,-5-37 522,27 11 744,12-27 1378,-9 7-560,-4-24 1,0-7 1391,11-4-1301,-12-13 0,-3-3-260,-20 19 1,-1-2 200,9-20 1,-3-2-71,-3-14-786,-12 21 0,-2-3-336,-5-3 1,-3 1-232,0 10 1,-1-1-113,-1-23 1,-1 1-1056,0-4 858,-10 25 0,-1 3-1097,6-2 620,-16 10 461,21 8 560,-16 10 765,12 22 106,-23 28 549,24 12-975,-3 0 1,1 2 172,4-16 1,2 1-216,-1 16 0,0 1-112,0-16 0,0-1-184,-2 2 0,4 0-468,8-3 0,2 1-656,-2 12 1,2-1-95,0-14 1,2-1 81,3 17 0,-1-2-222,0-2 1379,-2-16 0,1-2 1,-1-4-1,-5 2 1</inkml:trace>
+  <inkml:trace contextRef="#ctx0" brushRef="#br0" timeOffset="21768">23422 4557 24808,'-12'-17'-7511,"6"3"4119,18 1 5455,-7 8-1938,39 0 0,14 3 51,-7 2-115,9 8 0,2 2 0,-26-8 1,-4 0-1,3 7 0,-1 0 0</inkml:trace>
+  <inkml:trace contextRef="#ctx0" brushRef="#br0" timeOffset="22073">24167 4991 22200,'-16'13'1976,"3"-1"-1942,13-2-3325,29-4 3257,-5-3 90,27-24 1272,-9 16-895,3-38-352,3 25 470,-1-22-298,-18 18 0,1-1 1697,10-15-1490,-13 6 0,-3-1-316,-9-6-1362,1-11 149,-16 18-429,0 2-716,0 5 481,-18-2-289,14 13 25,-30 0 1806,15 28 1312,-12 34-509,13-2-617,11 0 0,3 1-379,4 5-311,7-6 0,5-1-464,19 5 163,-4-12 1,4-3 900,22 2 0,-25-17 1,0-2-1,13 3 1</inkml:trace>
+  <inkml:trace contextRef="#ctx0" brushRef="#br0" timeOffset="22437">25175 4547 23099,'0'26'-5396,"0"-3"3268,0 2 1243,0 0 157,0 5 302,0 4 122,0 3-104,0 1-2268,0 14 1867,0-14 809,0 17 0,0-28 0,0 3 0</inkml:trace>
+  <inkml:trace contextRef="#ctx0" brushRef="#br0" timeOffset="22684">25207 3837 24179,'-8'0'-855,"2"0"1,4 17 0,1 5 0</inkml:trace>
+  <inkml:trace contextRef="#ctx0" brushRef="#br0" timeOffset="23169">25758 4214 23819,'-49'24'2752,"11"-1"-2234,3 20-1636,10-3 11,3 2 247,2 5 7,8 4 47,-2 0-354,13-2-766,-6 11 98,7-19 405,21 10-367,9-30 1242,11-5 616,0-11 886,-9-5 116,1-23 775,15-12-315,-12-12-902,-8 8 0,-2 0 1220,1-16-1639,-7 3 1,-2-2-396,-9 19 1,-1-1-303,2-12 1,-1 0-70,-5 12 0,-1 0-43,1 0 0,-2-1 135,-1 2 0,0-2 485,0-9 0,-1-1-877,0-17 498,0 19 1,0 4-213,0 6 425,-16-1-789,-1 55 2199,-2-2 372,6 36-1512,8-16 1,2 3-79,2-7 1,0 3-223,-1 7 1,-2 6 0,2-4-111,2-1 0,0 2-698,-1 15 1,0 9 0,3-7 715,6-12 0,1-1 54,-8 9 1,-2 7 0,5-9 0,10-16 0,1-3 0,-7 10 0,-1 0 0</inkml:trace>
+  <inkml:trace contextRef="#ctx0" brushRef="#br0" timeOffset="23589">24813 5092 25168,'-6'0'90,"2"-11"-6245,2 0 3469,18-2 3749,-12-5-721,31 6 1,7 3 0,-5-12 0,6 9 0,1-1 0</inkml:trace>
+  <inkml:trace contextRef="#ctx0" brushRef="#br0" timeOffset="25017">26335 3055 25348,'-4'-8'-8355,"0"1"6122,2 4 1214,22 20 1307,-3 4-726,24 20 80,-23-9-484,12-1-1010,-27-10 1296,20 9 517,-20-9-294,7 7-855,-10-12 1043,0-1-343,0-3 304,0 0 349,0-28 388,0-6-116,0-16 335,0-13 203,18 22 450,1-8-213,3 11 237,17 14 725,-19-1-584,22 37-1714,-18-4-1217,-8 10 1,-3 4 1221,3 13 1,-6-13 0,1 0 0,2 20 0</inkml:trace>
+  <inkml:trace contextRef="#ctx0" brushRef="#br0" timeOffset="25537">26955 4488 24629,'0'33'-5936,"0"7"3897,0-7 975,0 7 425,8-6-1293,-6 20 640,6-11-215,-8 12 1108,0 1 0,0-15 0,0 12 0</inkml:trace>
+  <inkml:trace contextRef="#ctx0" brushRef="#br0" timeOffset="25734">27708 4536 25348,'0'-5'-6835,"0"1"4437,0 1 2131,0-1 1,0 3 0,0-2 0</inkml:trace>
+  <inkml:trace contextRef="#ctx0" brushRef="#br0" timeOffset="25867">28317 4580 24179,'-23'12'-1400,"4"-3"57,19 10 0,24-11 0,5-2 0</inkml:trace>
+  <inkml:trace contextRef="#ctx0" brushRef="#br0" timeOffset="26000">28827 4561 24988,'-21'9'-3275,"29"0"1,21 9-1</inkml:trace>
+  <inkml:trace contextRef="#ctx0" brushRef="#br0" timeOffset="26984">29518 2749 23369,'-7'-12'-6106,"-3"9"7655,8-19-3083,20 20 3745,4-17-987,21 16-185,-2-18 127,3 13-838,-7-4 1,0 1 2327,19 1-2142,-12 4 1,0 1 1382,0 3-2009,-8 10 1,-2 0-423,-6-4 255,13 44-1958,-30-23 926,-4 12 1,-2 4-1105,-1 12 1385,0 0-1,1 2 51,-2-18 0,1 1 140,2 12 0,2 3 57,4 8 1,3-2-216,-3-13 1,2 2 836,2 4 1,3 6-1,-1-5 110,-1-3 1,1-1-131,1 4 0,2 5 0,-2-5-21,-2-3 1,-2-3-60,5 17 0,-3-2 160,-6-19 0,-3-2 97,-1 2 0,-1 0 128,-2-3 1,-1 1 115,-1 15 1,0 0 58,-1-15 0,-2 0 175,-8 22 0,-4-3 64,1-27 0,-3-2 278,-10 14 0,-3-3 848,-14-1 453,-3 3-323,11-24 318,0-5 192,-2-5-453,-20-4-843,12-4-1553,7-9 1,0-2-1174,-6 5 1471,10-17 0,3-5 0,1 3 0,-4-28 1</inkml:trace>
+  <inkml:trace contextRef="#ctx0" brushRef="#br0" timeOffset="27327">31243 3818 27327,'-17'-12'-4839,"1"2"2952,-4 0 1037,2 4 847,16 2 0,-5 2 0,7 2 0</inkml:trace>
+  <inkml:trace contextRef="#ctx0" brushRef="#br0" timeOffset="27557">31317 4695 24629,'0'36'-4587,"0"10"2638,0-14 1155,15 18-709,-11-23 1142,26 15 117,-26-19-53,21 3-1268,-22-7 1299,7-5-1300,-46 5 2308,5-7-1492,-17-1 1,-6-2 1056,16-2 1,-1 0 0,-17 1 0,-3 0 0,12-3 0,-1 1 0</inkml:trace>
+  <inkml:trace contextRef="#ctx0" brushRef="#br0" timeOffset="30655">1100 8140 21480,'39'-7'1637,"1"5"-1782,7-5 523,3-2 42,2 6-589,6-14 685,1 10-630,5-7 407,-31 7 1,0 2-203,2-2 1,1 1-13,0 0 0,0 0 25,3 0 1,0 0-194,2 0 1,-1 0 229,3-1 1,0 1-331,1 0 1,4-1 231,-3 1 1,3-1 0,-1 1-117,9-2 1,3 1 47,-11 1 0,4-1 0,1 1 0,-5 0-71,14-1 0,0 0 86,-11 2 0,4 0 1,0 1-1,-5-1-12,12 0 1,-1 1-24,-12 1 1,5 1 0,0-1-1,-6 1-102,12 0 1,-3 0 73,-8 1 0,1 0 0,1 0-10,-2 1 1,0 0 0,-3 0 51,9 0 0,2 0-76,5 0 1,7 0-1,-6 0 14,-5 0 1,1 0 141,-9 0 0,5 0 0,1 0 0,-5 0 32,17 0 1,-2 0-139,-7 0 0,3 0 1,-2 0 69,-13 0 1,-2 0 0,1 0-20,2 0 1,0 0 0,1 0-26,0 0 1,1 0-1,4 0 76,4 0 0,4 0 0,1 0 0,-3 0-77,5 0 0,-4 0 0,8 0 57,-14-2 1,6 0-1,4 0 1,-1-1 0,-1 0-1,-6 0-1,3 0 1,-6 1 0,2-1 0,5-1-22,-6 1 1,5-1 0,3 0 0,1 0 0,0 0 0,-3 1 0,-5 0-5,13 0 0,-6 0 0,0 1 0,3-1 16,-10 0 1,1 1 0,1-1-1,2 0 1,-1 0 0,0 0 24,1 1 0,1 0 0,0 1 0,-1-1 0,0 1 1,-3-1-23,0-1 1,-4 0 0,1 0 0,1 0-1,5 1-9,-5-1 0,5 1 0,2 0 0,2 0 0,1 0 0,-2 1 1,-4-1-1,-3 0 6,6 1 1,-6-1 0,-2 1 0,3-1 0,5 1-12,-4-1 0,4 1 0,4 0 0,1-1 0,1 1 1,-2 0-1,-3-1 0,-5 1-21,7 0 1,-5 0 0,-2 0 0,1 0 0,7 0 9,-12 0 0,5 0 1,2 0-1,3 0 1,0 0-1,-1 1 1,-1-1-1,-3 0 1,-4 0-9,13 1 0,-6-1 0,-1 0 1,2 1-1,9-1 10,-17 1 1,5-1 0,4 1 0,2-1 0,3 1 0,1-1 0,-1 1-1,-1-1 1,-3 1 0,-4 0 0,-4-1-10,11 1 0,-6 0 0,-4-1 0,0 1 0,4 0 0,7-1 9,-16 1 1,5 0 0,4-1 0,1 1 0,3-1 0,0 0-1,1 1 1,-2-1 0,-1 1 0,-3-1 0,-4 1 0,-4 0-19,14-1 0,-7 1 1,-4 0-1,1 0 1,1 0-1,7-1 29,-8 1 1,3-1-1,4 1 1,2-1-1,1 0 1,0 1 0,-2-1-1,0 1 1,-4-1-1,-4 1-11,11-1 1,-5 1 0,-2 0 0,-1-1 0,1 1-1,4 0 15,-5-1 0,2 1 1,2-1-1,1 0 1,-1 0-1,0 1 0,-3-1 1,-2 0-11,5 1 0,-3-1 0,-2 1 0,-1-1 0,1 0 0,0 1-13,1-1 0,0 0 1,1 0-1,-1 0 0,1 0 1,-1 0 44,1 1 0,-1-1 0,1 0 1,0 1-1,-1-1 0,1 0-44,0 0 0,-1 0 1,1 0-1,-1 0 0,1-1 1,0 1 15,0 0 0,1 0 1,0 0-1,-1 0 0,1 0 1,0 0-15,0-1 0,-1 1 0,1-1 1,0 0-1,2 1 0,4-1 13,-11 1 1,4-1 0,1 1 0,2 0 0,1-1 0,-1 1-1,0 0 1,-3-1 0,-1 1 13,3-1 1,-2 0 0,-2 1-1,-1-1 1,2 0 0,3 1-1,5-1-15,-13 0 0,4 1 1,3-1-1,2 1 0,2-1 1,0 1-1,0-1 0,0 1 1,-2-1-1,-2 1 1,-3-1-1,-2 1 1,11-1 1,-5 0-1,-3 1 1,0-1 0,0 0-1,3 0 1,6 1 5,-12-1 1,3 1 0,3-1-1,3 0 1,0 1 0,2-1 0,-1 0-1,0 0 1,-2 1 0,-1-1 0,-4 1-1,-3-1-20,13 1 0,-4-1 1,-4 0-1,-1 1 1,1-1-1,1 0 1,3 1 11,-4-1 1,1 1 0,2-1 0,0 0 0,1 0-1,1 1 1,-1-1 0,0 1 0,0-1-13,-1 1 0,1-1 0,1 1 0,-1 0 0,0-1 0,0 1 0,-2 0 0,-1-1 1,-1 1 9,4 0 1,-3-1 0,-2 1 0,0 0-1,2-1 1,2 1 0,4 0-9,-12 0 0,3-1 0,3 1 0,2 0 0,1 0 0,1 0 0,0 0 0,-1 0 0,-1-1 0,-2 1 0,-3 0 0,-4 0 7,13 0 0,-6 0 0,-2 0 0,-2 0 0,1 0 1,3 0-1,6 0-8,-13 0 1,3 0 0,3 0 0,2 0-1,1-1 1,1 1 0,0 0 0,0 0 0,-2 0-1,-2 0 1,-3 0 0,-3 0 19,11 0 1,-4 0-1,-3 0 1,-1 0 0,0 0-1,4 0 1,5-1-20,-13 2 0,4-1 0,3 0 0,2 0 0,1-1 0,0 1 0,1 0 0,-1 0 0,-2 0 0,-1 0 0,-4 0 0,-2 0-7,11 0 1,-6 0-1,-3 0 1,0 1 0,1-1-1,4 0 1,6-1 7,-15 2 1,5-1 0,3 0 0,3 0 0,1 0-1,2 0 1,1 0 0,0 0 0,-1 0 0,-1 0-1,-2 0 1,-2 0 0,-4 0 0,-3 0-6,8 1 0,-4-1 0,-4 0 0,-2 0 0,0 0 0,2 0 0,3 1 0,5-1-2,-6 0 1,5 0-1,3 0 1,3 0-1,2 0 1,1 0 0,0 0-1,-1 0 1,-1 0-1,-2 0 1,-3 1-1,-4-1 1,-5 0 12,8 0 1,-5 0 0,-5 1 0,-1-1 0,0 0 0,3 0 0,6 1 0,-2-1 1,4 0-1,3 0 1,2 0 0,0 0-1,1 0 1,-1 0 0,-3 0-1,-2 0 1,-5 0-1,8 0 1,-6 0 0,-2 0 0,-1 0 0,3 0-1,5 0 0,-10 0 1,4 0 0,3 0 0,1 0-1,2 0 1,-1 0 0,-1 0 0,-1 0-1,-4 1 1,-4-1 0,8 0 0,-4 0 0,-4 0 1,1 0-1,0 0 0,3 0-2,2 0 1,2 1 0,1-1 0,0 0-1,1 1 1,-1-1 0,0 1-13,-4-1 0,1 0 0,0 1 1,-1-1-1,-1 0 0,-1 1 0,-2-1 46,7 1 1,-3 0 0,-2-1-1,3 1 1,5 0-36,-8 0 1,5-1 0,3 1 0,1 0 0,0-1 0,-2 1 0,-3 0 0,-5-1-4,3 1 1,-5 0 0,-3 0-1,3 0 1,4 0 0,2 0 0,5 0 1,3 0-1,1 0 1,-2 0-1,-2 0 0,-7 0-25,10 0 1,-7 0-1,-1 0 1,3 0 22,-1 0 1,2 0-1,2 0 1,-1 0-1,-2 0 21,-3 0 0,-1 0 0,0 0 0,-2 0 1,-2 0-43,-1 0 0,-3 0 0,1 0 0,3 0 26,8 0 0,5 0 0,2 0 0,-3 0 1,-7 0 27,0 0 1,-6 0 0,5 0-28,0 0 1,8 0 0,0 0 0,-3 0 0,-12 0 0,0 0 0,-4 0 0,4 0 0,0 0 0,0 0-1</inkml:trace>
+  <inkml:trace contextRef="#ctx0" brushRef="#br0" timeOffset="32655">1993 9065 24988,'0'13'-5306,"0"14"3268,0 13 973,0 11 427,0-3 425,0-9 0,0 1-271,0 26-260,0-9 1,0 2-550,0-24 0,0 1 273,-1 24 0,2 0 977,7-25 0,0-1 0,-6 11 0,0-2 0,13 14 0</inkml:trace>
+  <inkml:trace contextRef="#ctx0" brushRef="#br0" timeOffset="32887">2617 9063 25528,'-13'50'-4485,"10"-6"2190,-10 13 1831,12-18 0,2 0-877,-1 27 611,0-22 0,0 1 48,0-11 0,0-1 118,-1 1 0,2-1-818,8 1 1,-1 1 1285,-5 14 1,-1 1-1,6-13 1,1 0 0,-9 11-1,0 1 1</inkml:trace>
+  <inkml:trace contextRef="#ctx0" brushRef="#br0" timeOffset="33067">2082 9743 23639,'-4'-19'-7747,"2"4"5344,1-1 1288,1 2 508,30-3 2563,-5-1-859,31 1-912,-17 3 1,0 0-109,-5 3 1,0 0 0,15-3-1,1 1 1,-12 4 0,0 0-1</inkml:trace>
+  <inkml:trace contextRef="#ctx0" brushRef="#br0" timeOffset="33321">3207 9605 23639,'-23'35'-1462,"18"2"-1257,-35 10 3510,18-8-842,4-5 1,0 1-244,-3 6 249,8 12-496,13-7-1056,0-12 771,23 12 71,11-23 508,-2-10 1,2-3 476,21-3 288,-9-9 1,-2-7 527,0-16-235,-7 2 0,-4-5 793,-16-18-905,4-8 758,-20 14-2293,4-3-491,-5 1-807,-26 1-848,20 2-262,-39 6 2822,20-5 0,1 15 0,4-4 1</inkml:trace>
+  <inkml:trace contextRef="#ctx0" brushRef="#br0" timeOffset="33837">3565 9521 23189,'11'25'-8909,"-1"16"6697,-2-21 481,0 18 1150,3-5 26,0 2 228,1 0-181,0 2-1695,-1-2 2347,5 14-298,-6-15 406,6 15-372,-8-26 275,0 0-315,-5-11-494,-1-7 152,1-20 1258,3-20 169,1-14-365,2-6 1,1-2 589,4-7-540,-1 2 0,-1 3 440,-1 14 320,4-4-73,-8 35-284,0 6 283,-3 8 80,8 58-2036,-6-25 257,2 17 0,-1 1-186,-1-5 212,-1-10 0,1-2-477,-1 1-239,3 2-863,-3-17-164,0-11 1788,-1-1 40,1-8 2071,7-18-401,-2-10-253,16-29-34,-9 6-13,10-7 306,-8 18-72,0 3-45,-3 5-1409,0 1-22,-5 17 870,5 1 261,-4 29-1873,3-12 690,-2 39-2002,5-20 422,2 27-831,6-7 2283,0 3 1,3 1 0,-1 1 0</inkml:trace>
+  <inkml:trace contextRef="#ctx0" brushRef="#br0" timeOffset="34157">4605 9771 23729,'-19'-13'-4884,"5"0"2844,14 5 758,0-1 495,18-6 2634,4 0-267,21-13-388,-21 8-830,16-15 1092,-21 13-28,5-13-329,-9 14 314,-13-10-3077,0 12-128,0-1-231,-23 3 758,18 10-621,-31-2 1797,19 8 515,-10 22 257,12 10 279,4 14-513,11 7-447,0-7-512,0 6-64,11-14 0,1 0-2143,-6 20 314,26-10 0,6-2 2067,-5 2 0,3-17 0,3-2 0,11 4 0</inkml:trace>
+  <inkml:trace contextRef="#ctx0" brushRef="#br0" timeOffset="34491">5678 8905 24539,'-21'0'1169,"-1"0"-899,0 0 464,0 22 0,0 8-1442,-5 5 351,3 18 0,3 5-217,13-26 1,2 2 50,-1 28 0,2 1-248,2-23 1,3 0 141,5 3 0,3 5 1,3-5-690,4-4 1,4-1-40,6 8 0,6 5 0,-1-7 418,-1-11 1,2-2 287,0 4 0,3 3 0,-4-7-641,14 2 545,10 1-75,-20-22 1194,-4-7 1,-3-3 0,-1-2-1</inkml:trace>
+  <inkml:trace contextRef="#ctx0" brushRef="#br0" timeOffset="34733">6023 9222 26158,'-16'-9'-3853,"-6"2"3500,20 3-2665,-6 2 3683,8 23-1671,0-1 378,0 24 90,0-3-1059,15 7 360,-11 9 25,10 5 1040,-6-30 1,-1 1-1180,1 15 1,0 0 886,0-13 0,1 0-336,3 23 1,-3-2-228,-7 3 518,6-23 0,0-2 596,-6 5 0,4-8 0,-6-2 1</inkml:trace>
+  <inkml:trace contextRef="#ctx0" brushRef="#br0" timeOffset="35067">5825 9569 22650,'18'-22'-762,"-14"3"-2098,31-1 4760,-9 7-671,8-1-205,3 10-854,-9 1-33,14 3-47,-9 17-442,-1-1 1,0 4 433,0 18-1092,-4-7 1,-1-1-1234,-4 2-121,7 20 294,-14-24 886,5 11-570,-11-22 762,2-3 508,-5-10 1240,1-4 900,6-17-61,-3-16-1064,-1 0 0,1-2 485,2-30-605,-5 26 0,0 0 505,3-20-515,-2-2-886,-1 3-857,-3 20 0,0 2-629,1-14 244,4-14 1717,-5 40 1,3 3 0,0 18 0</inkml:trace>
+  <inkml:trace contextRef="#ctx0" brushRef="#br0" timeOffset="35487">6723 9724 24808,'18'-15'2501,"6"-14"-3142,5-7 248,19-11 564,-29 8-354,7 7 0,0-1 213,1-20-214,-7 6 0,-2-1-647,-7-9 244,-4 19 0,-1-1 303,-6 0 0,0 2-714,0-20 375,1 14 1,-2 1-560,-17 1-898,13-11 1038,-12 33 470,3 4 11,11 34 740,-10 2 103,11 13 1,4 4-409,-2 17-224,-2 4 0,4 2 193,6-21 1,2 0-401,-1 6 0,0 5 0,3-5-141,7-3 1,2-3-474,1 13 0,1 0 1082,7-5 1,1-3 0,-7-12 0,2 0 0,9 7 0,1 1 0</inkml:trace>
+  <inkml:trace contextRef="#ctx0" brushRef="#br0" timeOffset="36239">7753 9423 24898,'-7'-4'-2279,"0"1"1168,28 1 2667,18 1-780,18 13-1134,-23-10 1,0-1-869,28 11 488,-27-11 1,1-2 73,1 1 0,1 0 806,1 0 1,1 0-1,-1 0 1,0 0-1,1 0 1,-1 0-1</inkml:trace>
+  <inkml:trace contextRef="#ctx0" brushRef="#br0" timeOffset="36501">8205 9383 24988,'-17'-9'-3366,"3"-3"1568,5 11 3051,5-9-3615,28 5 4414,-17-3-1479,48 2 366,-30 4-643,28 0 778,-13 1 606,14-1-1279,-17 2 1789,6 21-3424,-22 6-470,-10 35-869,-24-7 1408,13-21 0,-5 2-601,-28 11 0,-5 1 635,22-10 1,1 1 1036,-21 16 0,-2-2 1,18-14-1,1-1 1,0 1-1,0 0 1</inkml:trace>
+  <inkml:trace contextRef="#ctx0" brushRef="#br0" timeOffset="36950">9710 9191 25438,'-14'-20'-7755,"-6"-3"5953,7 9 965,-7 0 1034,10 9 415,0 3 203,1 19-408,5 11-1721,0 28 1819,3-6-612,9-13 0,2 0-272,-6 7-22,14-14 1,-1-1-348,-13 8-226,27-2 260,-28-4 315,10 9-306,-13-12 787,0 19 404,-29-22 1380,7 10-1065,-26-13 469,13 1-654,-1-2-364,3 3 415,0-10 0,17 1 0,2-12 0</inkml:trace>
+  <inkml:trace contextRef="#ctx0" brushRef="#br0" timeOffset="37334">10453 9214 24359,'-21'-14'-3794,"15"1"-448,-39 4 5934,39 1-1334,-24 5 0,-6 2 773,9-1-681,-11 6 0,-2 7 671,3 15-1010,8-3 0,3 3 980,0 18 592,4 16-2176,16-24-118,12-1 0,8-3-1868,19-2 1640,-3-7 0,4-4-775,23-7 1394,-16-8 0,-1-1 208,7 0 341,-12-10 0,-3-4 1233,2-12 542,-1 1 1417,-17-26-2764,-10 23-572,0-17-1232,-6 11-410,-17 20 261,12-6-1611,-12 35 1846,17 2-1563,0 20 1071,0 3-746,0 8 1058,23-12-221,-18 8 1210,37-19 0,-26-6 0,18-1 0</inkml:trace>
+  <inkml:trace contextRef="#ctx0" brushRef="#br0" timeOffset="37617">10908 9268 24449,'-16'-6'-1140,"12"-2"-3487,-12 26 6511,31 12-4036,-11 10 1329,26 4 83,-11-4 49,0-13-846,9 14 713,-12-22 1532,8 2-1923,-2-14 2796,-6-3-405,0-19 421,-1 11 116,11-52-1281,-4 27-616,-1-14 1,-2-3 4,3-5-396,-4 8 1,-2 0-999,-1-3 1456,3-10 0,-9 28 0,-1 3 1</inkml:trace>
+  <inkml:trace contextRef="#ctx0" brushRef="#br0" timeOffset="37884">11442 9337 22740,'14'29'-7876,"1"-2"5881,9 7 1119,-3-15 1093,7 2 245,9-17 957,-7-1 77,27-20-955,-22-8 1110,-7 3 0,-1-3 616,-1-16-1268,-8 5 1,-4 0-227,-5 0-814,-15 1 1,-2 1-1717,3 7 934,-24 9 1,-5 4-457,4 4 951,-11 4 1,-2 6 318,-4 20 75,11 8 1,4 6-151,12-6 0,4 4-682,-3 26 0,9 2 206,14-25 0,6-2 519,-1 13 1,6-3 0,10-10 0,3-4 0,-4 2 0,0-1-1</inkml:trace>
+  <inkml:trace contextRef="#ctx0" brushRef="#br0" timeOffset="39119">12827 9131 22650,'-58'-2'583,"12"0"-597,-4 2 299,-3 18 814,13 11-1057,9-2 0,2 4-214,2 21-218,10-13 1,3-1-633,6 10 91,4 14-447,4-23-129,23-4-997,-17-7 355,48-7 1541,-26-9 563,29-7 808,-9-5 518,5-21 904,1 0-1143,-15-10 1,0-3 61,-11 11 1,0-2-207,13-22 0,-3-2-673,-19 19 0,-2-1-199,2-11 0,-3-1-573,0-18-392,-11-4-1047,-1-1 1472,-4 16 1,0-1-51,0 14 0,0-2 80,-10-23 0,0 1-973,6-3 770,-13 18 0,0 4-733,14 5 1113,-11 1-658,14 43 898,0 26 77,-2 17 0,4 6 29,7-14 1,0 2-117,-7 17 0,1 1-526,14-7 0,2-3 186,-6-11 0,-1 0-270,4 12 0,2-1 281,0-18 0,0 0 344,11 23 0,0-2 1,-10-22-1,1-2 1,12 16-1,0-1 0</inkml:trace>
+  <inkml:trace contextRef="#ctx0" brushRef="#br0" timeOffset="40135">12702 8731 24539,'-20'-10'-3851,"-7"1"3958,11 4-13,-10 26 1130,11 2-1152,-4 28-465,14-11 0,2 3-14,-2-8 1,1 2-23,1 8 0,2 5 1,0-4 278,0-2 1,2 1-237,4 4 0,2 4 1,-1-5-188,-4-5 1,1-2-439,6 12 1,0-1-355,-9 12 953,16-5-279,-12-7 504,11 8-263,-15-21 632,0 8 79,0-30-369,0-2 260,-17-13 1386,13-16-2232,-25-24 368,14-9 214,7-4 0,1-3-78,-4 14 0,1-1 140,7-11 0,4-7 0,-1 5-49,-6 0 1,4-1 165,9 1 0,6-9 1,2 1-1,-2 7-746,0-4 0,4 1 1055,4 7 0,4-6 0,3 2 0,-4 8 407,3 3 0,1 4-64,5 0 1,5-1 0,-2 5 442,-5 8 1,2 4 168,23-7 1,-1 5 1177,4 9-1540,-22 7 1,0 8 478,16 37-1657,-18-8-277,-12 13 0,-5 3-1575,-5 10 1071,-7-15 1,-2-1-1112,-4 17-121,-23 1 877,17-3 831,-30-17 1,-5 0 1235,4 16-810,4-24 1,-7 1 0,3-3 809,8-5 1,0 0-310,-20 10 0,0-2 1,-3-3-1,20-9 1,0-1-1</inkml:trace>
+  <inkml:trace contextRef="#ctx0" brushRef="#br0" timeOffset="40517">13410 9099 23459,'4'6'-6998,"-1"1"4479,1 9 1583,-2-2 529,4 24 273,-4-9 300,4 28-212,-4-18-748,-1-1 1,1-1 1260,-2 2 37,0 23-27,0-37 635,0 4-531,0-16-611,0-1 58,-11-9 1976,8-25-2273,-8 2-943,11-47 583,0 21-93,8-1 1,1-1 289,-4-11 342,14 19 0,0 1 253,-14-10-2879,42 4 3194,-25 9 1,27 6-1,-12 5 1</inkml:trace>
+  <inkml:trace contextRef="#ctx0" brushRef="#br0" timeOffset="40839">14140 9184 25348,'-38'0'900,"-7"0"-810,12 0-90,-8 0 0,-4 18 981,8 13-978,8-3 1,2 3-407,2 21 75,9-16 0,3-1-680,6 6-162,30 19-1138,-16-31 265,51 3 334,-13-22 1231,14-5 708,-18-14 1,-1-3 1065,6 7-437,-11-23 0,-2-5 446,0 8-342,-11-19 0,-5-4 152,-5 4-1428,-4 3 0,-6 1-1288,-20 3-2104,14-13-415,-35 28 3730,19 3 1,-5 15 0,11 4 0</inkml:trace>
+  <inkml:trace contextRef="#ctx0" brushRef="#br0" timeOffset="41600">14623 9137 23729,'-26'18'1476,"-11"-13"-1076,33 41-3581,-28 1 2906,17 11-280,6-24 1,-1-1-199,0 14 168,10-2-1011,0-2-77,23 4-759,-17-16 1900,37-5-118,-11-18 1297,25-34 1052,-7 2-872,-25 1 1,-2-4-174,1-5 0,-2-2 395,12-21-266,-10 5 0,-3-2-283,-9 19 0,-2-1-573,4-26 0,-3-1-344,-6 23 0,-2-1 100,0-17 0,0-6 0,-1 5-290,-1 11 1,-2 1 352,-5-9 0,-1-6 1,0 9-1032,3-13 591,-14 23 0,1 3-675,13 10 701,-25 5 714,26 48 169,-9 13 0,0 6-44,7-5 0,2 3-65,-1 8 0,0 6 1,1-5 89,-2-7 1,4 0-135,8 5 1,4 4-1,-2-5 141,-7-5 0,3-3-411,19 12 1,0-2-939,-19 13 509,17-34 1,1 0-259,-7 23 199,7-21 0,1-1-62,0 11 212,13 10 249,-19-32 489,4-1 426,-10-14 829,2-3 198,-2-1 478,3-21-585,1 15 1455,0-39-544,5 13-917,-6-11-888,3 4-860,-9 12-599,-2 14 111,-4 0 63,0 13 15,0 0 1562,0 15-2563,5 6 15,1-1-830,12 29 610,-6-32-797,32 29 1599,-18-34-273,33 1 919,-27-13 2390,21-22 1180,-25 16-1589,-9-21 1,-3-5 777,-2 9-341,-2-31-322,-10 14-2104,-3 11-656,-1-9-382,-1 21-890,-15 4 633,11 29 982,-10 11-765,14 28 222,0-11-633,0 15 1087,0-25 612,17 5 0,-13-19 1,13-2-1</inkml:trace>
+  <inkml:trace contextRef="#ctx0" brushRef="#br0" timeOffset="42185">16045 9085 24449,'-22'-4'-364,"-5"1"381,0 23 891,-17-14-313,19 53-1657,-2-32 868,9 12 0,6 3-842,9 3-2,-4-7 1,4-1-526,28 3 163,-1-12 1,4-3-681,29-7 1374,-10-6 0,-1-6 1035,6-26 128,-7 5 0,-1-4 183,-17-1 1,-2-3-70,15-12 1,-1 0 723,5-13-800,-20 11 0,2-8 0,-5 4 233,-4 6 0,-1-2-459,1-11 1,1-7-1,-3 5-479,-6 11 1,-2 0-12,2-26 1,-2 2-1469,-2-3 1057,-3 27 1,-1 3-139,-1-1 446,-22 12-330,-4 13 960,-14 6 693,3 34 565,-1 18-1030,23-16 0,2 3-228,-7 17 0,3 0-50,10-17 1,2 0-106,-2 13 0,2-1 154,5 17-1023,0 1-607,0-4 335,10-19 1,4-1-981,10 16 1257,-1-12 0,0-2-498,-1-1 340,8 6 291,-27-22 231,10-6-277,-4-4-2267,-7-3 1896,-11-6 3175,-23-22-1322,-10 12-269,15-17 0,0-2 19,-20 2 88,9-10 1,-2-3-130,11 13 0,-2-1 104,-18-16 1,1 0-7,1-6-1304,14 14 0,4 0-17,11 1-528,34-9 1682,12 25-98,14 5 1,5 4 661,15 3-1004,-3 9 0,0 1 208,-22-7 0,0 2-120,22 10 0,0 2 0,-24-7 0,-2 0 0,9 7 0,-1 0 1</inkml:trace>
+  <inkml:trace contextRef="#ctx0" brushRef="#br0" timeOffset="43005">17672 8431 26428,'-39'0'1092,"7"12"1,1 5 40,-18 9-1176,5 15 1,3 6-347,17-14 1,4 2-111,0 9 0,0 6 0,5-2-247,3-1 1,6 1-211,6 7 0,3 5 0,4-5-440,2-6 1,6-1-25,7 4 0,6 2 0,-1-6-141,3-6 0,1-5 271,10 12 1,3-5 294,-10-18 0,-1-5 996,0-2 0,0-4 1,-1-3-1,1-2 0,30 3 1</inkml:trace>
+  <inkml:trace contextRef="#ctx0" brushRef="#br0" timeOffset="43223">18127 8382 25258,'0'-11'-4676,"20"3"9033,-14 31-7664,40-2 3205,-27 26-1766,23-5 1265,-13 8-178,-13 4-1292,10 5 1802,-23-14 0,-2 1-994,8-11 0,-3 1 1102,-18 26 1,-9-1-464,7-24 1,-4-1-279,-13 7 0,-6 4 1,-1-4 1094,-1-2 1,-2-1-1,2-2 1,-3 0 0,1-1-1,-7 4 1,-1 0 0</inkml:trace>
+  <inkml:trace contextRef="#ctx0" brushRef="#br0" timeOffset="44635">3882 11325 26068,'0'-19'-6026,"0"2"3987,-17 5 1756,12 0-1600,-29 6 3142,29-1-2058,-47 4 1973,29 2-1464,-38 16 1918,32 9-352,-5 21-737,23-4 402,3 2-2277,28 6 974,-15-13-656,29-6 0,6-1-183,-7 2 445,13-5 0,2-3-85,-4 2 665,-13-4 0,-3-1 65,-8 1-241,-20 16 1062,-4-17-206,-29 0 1,-6 0 15,3 6-200,-14-5 1,-4-1-1,-1 0 1,19-8-1,-1-1 1</inkml:trace>
+  <inkml:trace contextRef="#ctx0" brushRef="#br0" timeOffset="44857">3640 10912 23999,'8'-10'155,"-6"3"-2356,12 3 4403,-1 67-5110,1-21 1869,-4 8 1,0 3 376,-3-17 1,0 0 215,0 5 0,0 1-510,1 5 0,-1 0 177,1 3 0,0 0 269,0 3 0,0 0-1000,1 1 1,0 2 1086,0-5 1,0 3 0,0-2 52,1 7 1,2 0-425,1 3 1,2 4-1,-1-7 762,0-8 1,0-4 0,4 14 0,1-3 0,-6-22-1,1 0 1</inkml:trace>
+  <inkml:trace contextRef="#ctx0" brushRef="#br0" timeOffset="45450">4692 11632 25258,'-19'-5'-2083,"-8"1"1983,15 24-526,-2 17-111,6 12 102,7-6 1,2 0-529,-1 14 744,0-9 0,0 0-1177,0 7 543,0 8-448,15-16-310,-11-17 558,12 5 124,-16-22 174,9-3 354,0-27 1361,13-17 256,-6-15-714,-2 5 0,0-2 348,-4 14 1,0-1-90,9-27 0,1-1 124,-8 25 1,0 1-175,7-19 0,0 3 507,-1 4-861,5-3-165,-11 37 991,-1 7 585,0 6-299,1 41-2349,-3-11 529,-1 14 1,-1 4-424,1 5 520,-3-5 0,1-1-593,-1 4-648,0 11-795,-1-21 304,-1-16 2153,4 2-225,-4-19-973,7-2 1822,-1-22 336,29-31 672,-12-1-834,2 1 0,0 0 784,1-6-919,-8 9 1,0 2 762,-3 1 950,4-5-1892,-15 32-662,2 39-1695,-5 3 991,1 13 0,2 4-963,4 15 865,-3-19 0,2 1-1205,9 21-353,6-4 2271,6-4 1,7-8-1,4-3 1</inkml:trace>
+  <inkml:trace contextRef="#ctx0" brushRef="#br0" timeOffset="45733">6065 11625 23459,'-44'-14'-1953,"3"4"1759,6 6 581,1 4 127,-3 26 363,1-4-222,1 29-881,15-18 0,0 1-275,-6 22 350,14-18 1,2 0-502,3 12-476,7-2-378,0-6-356,20 4-842,12-19 1772,27-2 941,-7-20 419,-13-11 1,-3-8 1368,-11-13-1151,4 2 0,-6-3 471,-19-14-1593,9-15 908,-13 25-2446,-19-17 1748,1 26 1,-4 3 0,8 13-1</inkml:trace>
+  <inkml:trace contextRef="#ctx0" brushRef="#br0" timeOffset="46167">6527 11578 23189,'-23'36'-1664,"-17"3"2266,35-1-2826,-36 7 2723,36 6-1833,-27 4 1240,30 2-282,-5-16 1,2-1-946,5 16 708,10-14 0,1-1-1464,-5-5 1439,36 6-817,-8-30 2002,9-3-456,2-25 1986,-12 12-609,-2-43-130,12-3-473,-28 18 0,-2-4-414,8-18 1,-2-1-202,-10 18 0,-2 0-548,1-15 0,-2 0-193,-2 13 1,-1 0-556,-3-2 1,0 0 373,2 1 0,-1-2 1034,1-15 0,-4 0-656,-6 16 0,-1 1 245,8-20 0,-2 3-616,-14 4-267,1-7 668,13 40-193,-13 19 2025,9 52-1345,5 2-299,-2 6 0,0 3-140,3-24 1,2 2-766,4 18 0,2 10 1,-1-7 816,-4-10 0,1-1-358,5 11 0,4 7 1,1-10 470,-2-17 1,1-4 0,3 11-1,2-4 1,17 9 0</inkml:trace>
+  <inkml:trace contextRef="#ctx0" brushRef="#br0" timeOffset="46701">6998 12066 23459,'20'14'-4322,"10"-3"4019,10-28 2886,3 13-1887,-10-32-586,-1 19 573,0-18-1024,-4 5-134,4-14 1121,-11 9-556,-4-8-1544,-11 12-94,-6 4 72,0 2-519,0-1 651,0 11-47,-23 2 838,-2 38 1023,-2-4 549,8 29-651,7-10-180,10-6 0,1 0-108,-12 19 111,20-10 1,3 0-553,-6 3-131,12-14 1,5-2-1244,8-4 997,6-11 1,3-7 1152,15-20 408,-9-3 0,-2-5 1295,1-25-1511,-9 3 1,-1-1 209,-15 13 1,-2 0-125,4-12 0,-3-1-208,-6 10 1,-3 0-508,-1 0 1,-2-4-325,-1-9 0,-2-5 0,0 3-570,1 1 0,-2-2 586,-6-10 1,-4-6 0,3 8-101,4 14 0,-2 3-93,-13-21 0,-4 2-869,-1 2 767,2 20 1,-2 5 62,-9 8 801,0 3 179,5 35 1809,6 7-1559,8 11 1,2 5 335,-3 24-514,9-16 0,1 3-108,1-7 0,1 1-151,-1 4 0,4 0-554,8 3 0,1 1-281,-10 1 1,4 0-1094,17 1 0,3-1 562,-15-1 1,0 1-16,9-5 1,5 1 0,-2-2-129,-1 5 0,1-2 1217,-1-6 0,1 1 1,0-5-1,4 0 1,0-4-1,3 0 1,-1 1-1</inkml:trace>
+  <inkml:trace contextRef="#ctx0" brushRef="#br0" timeOffset="47117">8353 11488 25168,'30'15'-5716,"23"-11"5393,-28 23 94,30-24 1,-9 24 0,5-6 0</inkml:trace>
+  <inkml:trace contextRef="#ctx0" brushRef="#br0" timeOffset="47251">8683 12071 23729,'-22'18'1268,"4"-3"-1265,18-4-3356,0-3 352,25-4 1970,2-2 1150,30-2 1,4 0-1,-26 0 1,0 0-1</inkml:trace>
+  <inkml:trace contextRef="#ctx0" brushRef="#br0" timeOffset="47851">10095 11160 26158,'0'-8'-5846,"0"20"3807,0 3 975,0 24 515,0 3 124,13 11-311,-10 9 561,3-30 0,0 4-810,0 16 1,-1 1 1014,-4-15 1,0 1-142,4 11 0,1-2-209,2 10 162,-5-18 0,1-2-46,7 6-813,-3 13-588,-6-45 1279,0-25 599,-2-52-141,0 0 33,7 1 1,4 0 243,-1 28 1,3 0 244,7-23 1,1 1 1056,3 1-993,-7 23 0,-1 4 1125,-2 5-1265,11 12 1627,-13 34-2744,6 2-189,-10 13 0,-2 4-1053,14 17 725,-8-17 1,-1 1 57,-1-8 1,1-1-298,-1-1 0,2 1-53,3-1 0,0 0 743,15 25 1,10-6 0,0-3 0</inkml:trace>
+  <inkml:trace contextRef="#ctx0" brushRef="#br0" timeOffset="48171">10993 11797 24179,'0'-11'-6296,"0"-1"4168,0 4 1153,18-3 3615,-13 1-2336,34-8 1574,-10 4-681,-2-7-971,16 6 2234,-39-1-1910,25-1 1673,-26-8-4160,7 6 2191,-10-13-2394,-21 14 333,-6-11-150,1 16 393,-16-2 2019,19 10-1306,-17 2 2107,18 24-665,8-1 614,14 44-1462,0-17 196,7-14 0,3 2-1132,4 6 1,2 0 174,3-10 0,2 1-484,11 21 0,2-1 204,-13-23 0,1-1 1060,17 14 1,2-3 0,5 0 0,-15-18 0,-1 1 0</inkml:trace>
+  <inkml:trace contextRef="#ctx0" brushRef="#br0" timeOffset="48367">11487 11736 23999,'-11'-47'-6969,"8"5"5117,-8 4 222,11 0 1904,0 16-392,18 21 1971,9 28-2261,10 15-1143,-8-9 1,0 1 1092,8 13-442,-2-6 1,0-1 73,7 8 845,-14-18 1,0-2 0,12 7 0,1-3-1</inkml:trace>
+  <inkml:trace contextRef="#ctx0" brushRef="#br0" timeOffset="48553">12278 11593 24718,'-44'22'2394,"3"23"-3579,13-22 1242,-1 27-1204,2-11 577,2 3 118,3 1-271,3-2-686,8-9 0,1 0-706,-2 4 1873,-1 17 0,12-41 0,0-2 0</inkml:trace>
+  <inkml:trace contextRef="#ctx0" brushRef="#br0" timeOffset="48734">11908 11381 22920,'17'-4'2999,"-13"18"-9224,31 18 4589,-30 9-132,35 8 848,-21-7-477,17 1 531,-5 2-1766,2 0-537,2-4 2718,5-3 511,2-6 0,3-6 0,2-2 0</inkml:trace>
+  <inkml:trace contextRef="#ctx0" brushRef="#br0" timeOffset="48900">12867 11336 25528,'-18'-14'-4985,"-2"5"4790,-2 24 2264,-7 22-2151,8 13-721,7-19 1,-1 2-964,-6 11 1,0 1 1704,7-9 1,1 1 0,-4 14-1,1 0 1,4-14 0,1 0-1</inkml:trace>
+  <inkml:trace contextRef="#ctx0" brushRef="#br0" timeOffset="49555">14343 10890 26338,'-16'-23'-7214,"3"3"4738,1 5 1684,2 3 319,4 29 1102,2 2-275,4 29-614,0 1-1247,0 11 1662,-1-27 0,2 3-97,6 21 1,0 1-50,-5-13 0,0 2-49,7 2 0,3 5 0,-3-4-384,-7-6 1,0-1 78,9 22 0,0-1 12,-9 0 277,1-27 1,1-1-61,-4 7 99,0-16-1520,0-2 1116,0-39 198,-18-4-590,6-33 0,3-10 776,-3 22 0,2-2-49,2-19 1,2-9 0,3 5 102,2 6 1,2-1 2,-2 9 0,0-5 0,1 0 0,2 5 108,5-12 0,3 1 114,-1-3 1,0-5-1,1 8 19,0 9 0,3 5 553,12-12 0,2 2 83,-9 16 0,2 6 87,4 11 1,3 3 172,4-3 0,0 5 1008,2 9 124,15 48-2199,-26-5-581,-9 2 1,-3 4-581,-3 18-14,-3 6-297,-4 3 611,-10-17 0,0 0-168,8-13 0,-1 1-798,-15 23 0,-4-2 1388,8-27 0,1-1 425,1 9 1,-2-3-209,-27 8 451,36-6 0,-24-3 0,17-4 0</inkml:trace>
+  <inkml:trace contextRef="#ctx0" brushRef="#br0" timeOffset="49833">15102 11210 24179,'-20'27'-794,"15"18"-2138,-36-11 4390,36 12-2009,-11-12 0,-1-1 482,4 7-283,6-4 0,-1 0-171,-13 2 240,16-4 1,1-1-73,-12-7 1118,7 12-2270,4-31 1841,1-1-443,3-30-1105,-1-19 536,2-17 101,4 16 0,1-7 0,2 5 318,3 4 0,2 0-384,0-11 1,3-5 0,1 7 717,2 15 0,1 4 0,2-9 0,-1 2 0,10-6 0</inkml:trace>
+  <inkml:trace contextRef="#ctx0" brushRef="#br0" timeOffset="50167">15768 11256 24359,'-36'-17'-1678,"1"13"2281,0-13-1559,6 17 1740,-1 0-351,6 0 30,-1 17 66,0 1-198,0 18 114,4-1-673,1 27 116,11-13-523,3-6 0,5 0-821,19 5 315,-6-12 1,2-2-1443,9-4 643,25 3 1245,-14-24 766,15-4 723,10-29 1291,-27 19-1140,-7-27 1,-4-5 642,-6 7-1037,-3-2 1,-2-4-1026,-9-22-612,4 14-416,-14 9 0,-1 1-1565,5 1 2390,-14-5 1,2 22-1,-5 3 1</inkml:trace>
+  <inkml:trace contextRef="#ctx0" brushRef="#br0" timeOffset="50941">16325 11143 23729,'-47'0'270,"21"20"319,-16-14-143,26 42-2146,-9-22 1442,10 11 1,2 3-695,-1 13 553,4-16 0,1-1-702,-1 15-127,10-3-555,0-4-54,20 5 576,5-20-48,24-4 1373,-11-19 737,17-35 838,-22 6-985,-11-1 1,-1-4-67,0-6 0,-2 0 226,10-24-264,-7 4 0,-1-1-209,-10 19 0,-1 0-532,4-28 1,-2-1-253,-6 25 1,-1-2 317,-1-14 1,-1-8 0,-1 7-364,0 11 1,-1 0 411,0-6 1,1-6-1,-5 9-918,-13-13 358,15 24 1,-2 5-183,-13 7 74,0 6 230,12 43 691,-23 2 273,23 14 1,5 5-440,-13 20 133,11 0 1,2 2 21,-2-24 1,2 1-169,4 3 0,1 5 0,-1-5 119,-3-6 0,0 1-241,14 23 0,2-2-354,-8-27 0,-1-2-431,0 9 1,3-1 281,2-7 1,1-3-630,1 13 154,10 11 295,-12-34-215,6-2 1318,-12-14 591,12-21 1356,-6 12 615,1-41-1333,1 23-55,-4-10 1,-2-2 260,5-6-333,3-21-961,-11 40-288,-2-14-1731,-4 49-832,-1 16 1856,0 12-131,0-5 0,0 0-161,0 0-11,21 10-1277,-1-13 885,27-11 1496,-15-4 440,5-12 370,0-24 1291,-8 13-1352,-4-29 1,-3-6 274,-2 8 53,-7-14 0,-3-2-163,-6 6-1381,-3-16-290,-1 31-718,0 0-1023,-14 19 751,11 24 177,-11 12 771,14 15-646,0 1-1605,16 7 2628,-12-14 1,29 9 0,-13-18-1</inkml:trace>
+  <inkml:trace contextRef="#ctx0" brushRef="#br0" timeOffset="51201">17570 11053 24449,'-54'0'1259,"12"23"165,-2-17-1252,13 41-1104,4-27 1236,11 23-1709,-4 9 421,17-10-844,-8 14-375,31-2-1060,14-17 2070,-3-11 1,3-5 452,24-6 265,-15-6 1,-1-5 946,9-25-223,2-1 0,-1-4 483,-26 2 0,-1-2-514,14-7 1,-1 0-1,-4-11 1,-1 0-1</inkml:trace>
+  <inkml:trace contextRef="#ctx0" brushRef="#br0" timeOffset="51417">18095 10627 24269,'0'-34'-5306,"0"5"4256,-18 10 767,-6 10 1102,-20 29 1692,18 1-1381,-13 26-683,34-3-1015,-10-7 1,0 3 1282,12 24-592,-4-7 1,1 0-105,5-23 0,2 0-571,8 10 1,-1 0-2086,-3 14 706,12 0-269,4-4 644,-15-5 269,28-3 532,-31-6-548,20 7 716,-20-18-1275,8 5 1804,-11-21 0,0-4 0,0-7 0</inkml:trace>
+  <inkml:trace contextRef="#ctx0" brushRef="#br0" timeOffset="51550">17595 11031 24089,'0'-13'-5846,"0"2"3628,21 4 5332,17 1-2202,13 4-892,11-1-591,-21 3 0,0 0 632,24 0 0,-21 0 1,0 0-1,17 0 1</inkml:trace>
+  <inkml:trace contextRef="#ctx0" brushRef="#br0" timeOffset="51801">18770 10440 25258,'-19'-4'152,"0"1"-393,-22 42 751,23-12-901,0 16 1,3 4-548,2 9 506,4-15 1,1 0-539,-2 22-690,10-1-86,0 0-162,0-3-382,0-3 556,21-6-938,-2 8 707,5-20 1943,21 6 1,-24-31 0,26-1-1</inkml:trace>
+  <inkml:trace contextRef="#ctx0" brushRef="#br0" timeOffset="52050">19258 10391 25168,'5'-2'4175,"1"1"-3620,1 1-995,5 22-2911,10 8 1332,-4 13 1206,-1-11 1,-1-1-602,2 11 302,-3-2 1,-2 0-1783,-2 8 490,0 17 377,-9 0 2039,-1-14-485,-13-8 1,-2-1 607,8 8-977,-23-8 0,-5-2 889,11 3 349,-4-15 1,-1-1 0,-1 5 0,1-2 0</inkml:trace>
+  <inkml:trace contextRef="#ctx0" brushRef="#br0" timeOffset="52223">19930 10690 24539,'-17'30'-1383,"4"0"1</inkml:trace>
+  <inkml:trace contextRef="#ctx0" brushRef="#br0" timeOffset="52450">20015 11046 25168,'0'41'-4227,"0"-10"2549,0 15 703,0-20 427,0 18 122,0-17 212,16 20-758,-12-20-1093,25 26 1275,-27-27-425,10 16-307,-12-24-1267,-41 5 2612,9-10 490,-4-6 0,-2-1 1,-24-1-1,28-3 1,-1 0-1</inkml:trace>
+  <inkml:trace contextRef="#ctx0" brushRef="#br0" timeOffset="53517">4053 13664 22380,'-33'-1'-91,"-1"1"1,-29-1 70,12 25 1256,-2-1-1006,26-1 1,1 2-571,-26 16 160,6 4-2,7 1-117,10 0-258,14 16-441,7-19-224,22-10 1,6-3-1042,11 0 1692,-1-10 0,4-4-203,19 4 379,4-1 563,1-3 278,-20-5 1,0 0 947,14 5-274,-16-3 0,-5 2 50,-10 2-1164,-1 4-662,-20-6-273,0 1-87,0-2-84,-21 3 1651,16-3-1595,-39 1 202,16 0 1329,0-4 4,-13-1 1,37-6-1,-15-3 1</inkml:trace>
+  <inkml:trace contextRef="#ctx0" brushRef="#br0" timeOffset="53733">4012 13314 23279,'6'-5'3027,"-5"20"-7580,9 7 3354,-7 11 0,-1 5 41,6 23 847,-5-19 1,0 6-1,-1-4 65,0 3 1,0 1 116,0 8 1,-1 6 0,0-5-681,-1-2 1,0 0 68,1-1 1,-1 7 0,1 0 0,0-7 318,1 6 0,1-1-14,0-6 0,1 6 1,1 0-1,0-8-258,2 0 1,1-2 650,4 15 0,2-2 1,-3-20-1,0-2 0,2-1 1,0 1-1</inkml:trace>
+  <inkml:trace contextRef="#ctx0" brushRef="#br0" timeOffset="54417">4968 13998 22920,'-7'20'-2531,"2"-15"4457,2 39-4314,1-21 1166,2 25 106,-1-7 620,1 20-113,0-16-100,0-3 1,0-2 59,0-4-937,0 21 1653,0-39 14,0 2-89,0-12-1376,11-3 1842,1-27 213,8 2 616,-2-24-949,-5 13 0,1-1 376,10-23-209,0 4 0,0-1 23,-8 20 1,0 2 28,4-9 1,0 1-154,5-4 64,-3 8-470,-4 9 1120,3 12 430,-8 7 26,6 49-3105,-10-13 950,-1 17 1,-2 3-622,-1 6 588,-1-16 0,-1-1-560,-1 14-260,0-4-602,0-5-378,0 4 2880,0-16-366,4 4-356,-3-25-159,4-1-171,-2-10 2002,5 0 44,1-20-605,13-15 415,-3-14-793,-1 8 1,-1-1 706,6-15-554,-5 6 1,-2 0 420,-1-5-1198,-3 10 0,-1 3-619,-3 9 670,7-3-161,-9 32 1428,7 41-2733,-4-11 557,3 25 0,0 5-1074,5 0 487,0 3 1,1-1-731,6-3 2140,-8-19 1,1-2 0,15 8 0,2-2 0</inkml:trace>
+  <inkml:trace contextRef="#ctx0" brushRef="#br0" timeOffset="54703">6480 14049 24089,'-21'-12'-3294,"-13"4"3586,-9 5 696,-5 26 581,15-2-731,-1 22-1089,3-5 153,4 3-257,4 3 735,10 1-798,1-1-494,10-1-1026,-2 9 92,31-14 305,-21 3-38,52-20 1343,-33-10 164,28-5 1003,6-6 211,-18-15-69,-7 3 1,-4-4 885,-10-20-1455,-3 7 1,-4-2 257,-11-7-2041,5-17-531,-30 3-1222,-5 13 2697,6 12 1,-2 2-1,-2 3 1,9 0 0</inkml:trace>
+  <inkml:trace contextRef="#ctx0" brushRef="#br0" timeOffset="55167">7297 13980 23729,'-41'24'2334,"19"-2"-2950,-18 25-101,35-5-1424,-36 7 2187,35 4-1472,-28 3 1402,31 0-1547,-10-1 758,12-20 1,2 1-787,-1 14 917,8-14 0,4-2-355,14-4-479,23 1 1731,-11-21-64,2-7 1059,-12-24 307,1 16 493,0-47-931,8-1-326,-23 21 1,-1-4-493,7-20 0,-3-1-291,-8 19 1,-2-3-261,0-8 1,-1-6 0,-1 4-300,-2-2 0,-1 1 153,-1 5 0,1-2 0,-1 0 299,-1-4 1,0 0 0,0 3 51,1-8 1,-2-2 17,-3 1 1,-3-4-1,2 7-284,4 12 0,-1 2-62,-7-13 0,2 5-50,7 12 406,-11 24-214,8 31 465,-3 19 0,1 5-125,5-7 0,0 3-102,-2 12 0,0 6 1,0-3-58,1 1 0,1 1-363,-2 8 1,-1 6 0,2-5 76,0-6 1,2-2-10,3-8 0,3 2 0,-1-4-29,-5 1 0,2-3-603,14-1 1,-1-2 900,-14-2 1,0-1 0,16-3-1,2-2 1,-6-1 0,-1 0-1</inkml:trace>
+  <inkml:trace contextRef="#ctx0" brushRef="#br0" timeOffset="55734">7875 14447 25078,'49'-12'1834,"-8"9"-2068,-4-26 363,-7 13 305,0-16-854,8-8-22,-12 8-38,4-24-336,-17 24-692,-6-11 22,-3 1-22,-4 10-699,-24-16 182,-3 26 786,-24 0 664,13 17 1177,9 26 1,3 9 43,7 6-346,-3 17 0,5 3 101,15 5-365,5-9 0,2 0 248,-1 6-653,23-13 1,5-4-693,-3-1 108,1-16 0,6-6 670,-1-10 1,1-4 715,24 2 43,-6-18 0,1-7 503,-19 8 0,-2-3-301,4-9 0,3-6 1,-5 2 451,-3 0 1,-2-1-324,9-10 1,-2-3-243,-14 10 0,-4 0-609,0-3 1,-2-1-201,-2 0 1,-2-4-373,1-20 1,-3-3-280,-5 13 1,-1-2 445,-2-8 1,0-7 0,-2 6-46,-1 3 1,-2 0 294,-4-5 0,-4-4 0,-1 6-470,-3 8 0,-1 2 30,1-11 1,-3 4-100,-7 23 0,1 5-38,2-19-184,-20 14 1378,-1 15 271,9 9 355,7 29 0,2 10 772,-1 12-1223,9 20 1,4 7-120,6-23 0,2 0-263,-1 17 1,4 5-97,3-18 1,3 1 0,2-2-807,8 8 1,4 1 13,-6-11 1,1 4 0,1 0 0,2-5-907,11 8 1,3-1 591,-3 2 0,2 5 0,-1-6-162,-1-8 1,2-3 1114,-5-6 0,3 1 0,-1-4 1,5 1-1,0-4 0,1 1 0,1-1 1</inkml:trace>
+  <inkml:trace contextRef="#ctx0" brushRef="#br0" timeOffset="56017">9395 13808 24269,'30'13'-1243,"4"-11"1,1 0 983,-3 11-631,15-6 1,5-3 448,6-1 477,-18 2 0,0 0 0,16-5 0,0 0 0</inkml:trace>
+  <inkml:trace contextRef="#ctx0" brushRef="#br0" timeOffset="56251">9643 13750 23999,'-27'-10'-2357,"2"2"1533,8 0 308,7 1 120,6 0-1023,31 4 2997,8 0-1205,-3 11 1,1 3-855,17 12 412,-2 13-527,-18-2-110,-3-3 244,-13 2 79,10 24-2367,-15-10 1128,-1-2 1,-1 2-774,-1 13 2315,-16-7 0,-3 1 1,7 10-1,-5-21 1,-1-1-1</inkml:trace>
+  <inkml:trace contextRef="#ctx0" brushRef="#br0" timeOffset="56783">10522 13886 22020,'-2'-5'-9257,"0"1"6463,2-2 2906,20-7 3080,-15 2-2240,33-17 937,-13 8-519,-3-9-1455,12 5 2936,-30 0-1654,10-1 320,-4-11-2946,-8 8 1146,8-15-1117,-27 20-575,13-8 299,-32 16 752,31 1-123,-27 10 1500,19 18 546,-2 25-469,5 10-727,9 1 1,2 4 157,-2-17 0,2 2-325,10 18 0,6 8 1,-1-6-585,-3-10 1,1-2 749,6 2 1,4 4-1,-3-7-1035,-2-10 0,-1-3-45,-1 0 0,1-2 409,-2-1 0,-1 0-604,12 25 1288,-13-5 0,7-5 1,-7-3-1</inkml:trace>
+  <inkml:trace contextRef="#ctx0" brushRef="#br0" timeOffset="56917">10547 14617 22920,'-12'-33'-9002,"2"-4"6419,10-2 2819,19 6 1,6 0 1101,6-21-1199,-1 22 1,8-2 0,-3 3 273,-3 1 0,0 1-221,14-11 0,0 1-168,-11 12 1,-1 1-1,0-2 1,1 1-1,0 1 1,0-1 0</inkml:trace>
+  <inkml:trace contextRef="#ctx0" brushRef="#br0" timeOffset="57083">11478 13598 23099,'1'14'-5092,"0"14"2994,-1 14 1625,0-5 0,0 1-4,0 15 153,0-5 0,0 0-755,0 11 153,6-13 1,1-1-1961,-3 4 2779,9 8 1,1-25 0,4-3 0</inkml:trace>
+  <inkml:trace contextRef="#ctx0" brushRef="#br0" timeOffset="57234">11392 13215 22200,'-8'-19'-2411,"2"3"1,6 10 0,0 2 0</inkml:trace>
+  <inkml:trace contextRef="#ctx0" brushRef="#br0" timeOffset="57601">11795 14079 23009,'0'30'-4676,"0"-4"2727,-12-7 3132,9-9-1360,-9-28 131,32-11 0,8-5 408,-16 1 1,1-2-122,11-8 1,4-5-1,-3 4-518,-9 1 1,-1 1 725,4-17 0,-1-3-149,-8 17 1,-2-2-1,-1 2-570,0-9 0,-2-2 284,0-5 0,-1-5 1,-1 5 38,-3 5 1,0 1-142,0-3 0,0-4 1,0 7-282,1 7 1,-2 3-190,-8-22 0,0 5-357,5 3 314,-14 0-236,2 35 350,13 35 996,-21 10 1264,22 32-1715,-6 6 114,7-23 0,2 2-36,-1 6 0,0 2-51,-1 4 0,2 3-145,5 1 1,4 4-1,-2-1-73,-6 8 0,2 2-453,9-13 1,5 6 0,0 0 0,-2-6-1017,-4 11 0,2-1 797,2-15 1,5 4 0,0 0 0,-2-6-148,3 7 1,-1-3 214,-3-8 1,1 0 0,-1-3 674,2-1 0,0-4 0,1-2 1,1-2-1,-1-1 0,0 0 1</inkml:trace>
+  <inkml:trace contextRef="#ctx0" brushRef="#br0" timeOffset="58250">12030 14008 22920,'27'-16'2249,"14"12"-2173,-25-33-1754,21 17 2500,-6-21-1058,-5 10 0,1-1 54,-6 7 1,1-3 53,15-25 0,-1-2-131,-16 19 1,-2 1-339,8-13 0,-3-4 122,-4-2 0,-4 1 335,-3 12 0,-1-2-396,-2-3 0,-1-4 0,-2 4 42,-2 6 0,-1 0 189,1-26 0,-5 2-177,-7 30 1,-3 1-42,2-24 1,-4 3-881,-24 9 562,16-17-66,-7 51 1652,24 18 62,-17 14 705,19 23-1156,-5 6 439,7 14-634,-1-12 0,0 10 1,3-5-209,7 1 0,2 2 10,-4-2 0,-1 8 0,0 0 1,1-8-1033,4 5 0,3-1 244,0-13 0,3 5 0,0-1 0,-2-5-847,0 10 1,2-3 1601,4-8 1,5 0 0,-1-3-1,2-1 1,0-3 0,2 0-1,0 0 1</inkml:trace>
+  <inkml:trace contextRef="#ctx0" brushRef="#br0" timeOffset="58583">13868 12653 24449,'-14'-25'-7162,"10"3"5072,-32 6 3744,1 4-257,-14 7-77,-4 33 1,-1 12-662,22-17 1,0 5-525,1 7 1,-4 10 0,1 2 0,5-3-385,-4 10 1,6 4 509,6-6 1,0 8 0,1 1 0,5-5-60,3-6 1,3-3 0,3 4-618,2 11 1,2 6 0,3 1 0,3-8-352,2-9 1,3-6 0,2 3-515,3 12 0,3 2 0,5-3-132,8-8 1,5-4-1,0-3 501,5 7 0,6-4 570,-8-14 0,5 1 0,2-1 0,-4-6 351,12 3 0,1-6 1,-7-4-1,2-1 1,-2-3-1,5-3 0,-1-1 1</inkml:trace>
+  <inkml:trace contextRef="#ctx0" brushRef="#br0" timeOffset="59100">15203 12911 24179,'0'-28'-6026,"0"0"3898,-23 3 1054,18 3-439,-44 2 2445,8 2-503,-12 9-44,11 10 1,-7 4 0,7 4 125,-13 24 72,17-7 0,-4 5 0,11 1 72,20 0 1,6 3-473,-6 13 0,8-2-71,17-15 0,3-2-887,-5 3 0,2 0 298,13-1 0,3 1-222,4 13 0,-1 1-278,-7-14 0,1 1 174,14 17 0,-1-1-290,-2-1 817,-14-15 0,-3-2 205,-9-3-76,-2 1-705,-10-14-17,-23-3 2339,18-2-2695,-58 0 1711,37-5 1,-33 0 0,25-5 0</inkml:trace>
+  <inkml:trace contextRef="#ctx0" brushRef="#br0" timeOffset="59333">14992 12444 25258,'4'26'-6443,"4"13"3812,-5 19 2271,0-9 1,0 3 129,-2-15 0,0 3 156,0 10 1,-1 6 0,1-3 98,-1 1 0,0 1-138,0-7 0,0 6 1,0 0-1,0-5-905,-1 14 0,2 1 564,2-3 1,1 9-1,1 0 1,-1-9 283,-3 3 0,2-2-404,4-8 1,2 5 0,2-1-1,0-9 497,3-7 1,2-4-1,3 11 1,4-5 0,-1-18-1,-1 0 1</inkml:trace>
+  <inkml:trace contextRef="#ctx0" brushRef="#br0" timeOffset="59816">16057 13395 25888,'0'-37'-6026,"-20"1"2515,15 6 2117,-29 3 1626,12 4-537,-18 11 1173,5 20 990,-3 12-1307,10 20 6,8-6 0,2 1 684,-6 24-801,9-4 1,3 1-437,6-23 0,5 0-217,10 19 0,2-2-1426,-4 0 65,34-17 0,8-6 47,-14-9 1556,18-17 1,2-10 944,-11-12-335,-7-11 0,-3-6 429,-1-12-515,-7-2 0,-4-2 53,-12 19 0,-2-1-165,3-12 1,-2-2-507,-6-6 0,-2 1-359,1 12 1,-1 0 183,-1-4 0,0-3 0,0 3-445,1 6 0,-2 1 369,-7-21 0,-1 1-638,5-2 467,-13 20 0,1 3-732,12 4 873,-22 2 362,24 22-501,-15 34 1725,15 4-949,-5 31-34,7-12 0,0 2-71,0-8 1,0 1 164,0 18 0,0 0-458,-1-12 0,2-2-168,8 1 0,0 0 76,-7-2 1,1 2-1539,12 17 1,4-1 719,-6-17 0,0 0 152,1 0 1,0 3 0,1-5-129,-2-7 0,0-3 865,6 7 0,-1-1 0,-6 4 1,14-4-1</inkml:trace>
+  <inkml:trace contextRef="#ctx0" brushRef="#br0" timeOffset="60483">16780 13067 25168,'-25'-12'-3440,"-16"2"3463,11 6 847,-4 23 1,-2 8-69,-13 4-763,13 18 1,7 5-635,11 6-18,3-5 0,3 0-751,10 10 836,8-14 0,2-1-1029,-2 0 142,25-12 0,4-6-267,-12-10 1109,12-5 1,1-9 881,-7-26 1180,19-13 122,-25-10-865,-5 5 1,-1 0 742,-2-13-581,-6 16 0,-2-1 447,1-30-1485,-4 17-884,-1-15-1011,-2 35 262,1 0 902,-2 21 256,1 2 517,1 4 1270,0 26-1593,0-5-109,6 45-253,-1-20 56,2-4 1,2-1-520,6 9 91,9-8 0,3-5-41,8-11 193,4-3 1,4-6 1684,7-16-18,-6-3 0,1-6 1469,10-20-1033,-11 2 1,-2-5-79,-19 6 1,-2-4-335,4-9 0,1-6 0,-4 4 203,-5 4 0,-3-1-472,3-13 1,1-6 0,-3 5-209,-6 11 0,-1 1 80,4-26 1,-2 2-716,-5 28 1,-2 2-335,1-13 1,-2 3-452,-1 6 796,-2 1-288,-21 46 2277,0 27-1025,-3 16-421,6 0 1,4 2-171,10-15 1,2 0 42,-13 17 1,1 0-8,11-12 1,1-1-12,-5 0 1,0 1 66,5-1 1,2 2-1373,10 14 1,0 0 532,-10-16 0,3-1-152,15 0 1,8 2 0,-2-5 73,-10-7 0,3-4 147,31 15 1,4-5 524,-25-19 1,0-3 88,10 3 1,0-3-27,6-2 855,-4-9-98,-11-3 1,-9-25-1,-4-6 1</inkml:trace>
+  <inkml:trace contextRef="#ctx0" brushRef="#br0" timeOffset="60650">17320 13018 22830,'-16'-14'-5010,"6"3"2628,30 6 5398,20 20-3185,14-11 156,-21 13 0,-1-1-875,21-12-22,3 21 1,2 0 809,-22-20 1,1-1-1,22 19 1,-1 1-1,2-8 1</inkml:trace>
+  <inkml:trace contextRef="#ctx0" brushRef="#br0" timeOffset="61005">18345 13135 23369,'-53'0'450,"24"22"167,-22-17-267,30 43-1764,-24-27 1518,29 9 0,3 4-976,-17 9 591,21-5 1,3 1-1100,-8 5 301,14 10-838,0-23 23,22-4 703,-17-6-1082,40-4 2438,-15-9 84,11-3 805,7-26 623,-16-8-40,-7-13-589,-1-2 16,-22-13-317,6 11-502,-7 5 0,-2-1-1044,1-6 208,0 11 1,0 2-1694,0 2 1366,0-2-130,0 46-6,0 3 1073,0 29-309,8-11 0,0 2-877,-4 24 667,11-19 1,-1 1-903,-11 18 667,26-5-842,-25-2 1501,19-22 1,2-2-1,-6 10 1,26 3 0</inkml:trace>
+  <inkml:trace contextRef="#ctx0" brushRef="#br0" timeOffset="61289">18873 12116 24359,'37'0'1529,"1"25"-4001,9-4 2128,-10 10 0,1 3-161,-7-11 1,2 0 234,9 9 1,-1 1 44,-10-6 0,-3-1-44,0 2 0,-2 1-509,-2-1 1,-1 3-227,1 15 0,-4 2 403,-7-11 1,-2 3 293,-1 6 0,-2 5 0,-7-4 199,-12 1 0,-7 0-159,0 10 0,-2 6 0,-4-6 219,-1-17 0,-2-5 0,-1 3-54,-5 12 1,0 3 0,-3 0 217,4-11 0,-3 0 0,1-1 1,0-2-1,-2 4 0,1-3 0,-2 3 1,0-2-1,0 0 0,0 0 0,0 0 1</inkml:trace>
+  <inkml:trace contextRef="#ctx0" brushRef="#br0" timeOffset="61868">20383 12788 27057,'-17'19'-6440,"13"8"5722,-13-10 1,17 7-1,0 0 1</inkml:trace>
+  <inkml:trace contextRef="#ctx0" brushRef="#br0" timeOffset="62107">20203 13138 22920,'-25'33'-747,"-6"2"980,28-2-2684,-8 2 1653,11 15-553,23-11 594,-8-5 1,0 1-562,14 7 492,3-8 0,-3 1-189,-19 6 298,19-16 0,-1 0 1126,-23 8-1229,26-3 963,-29-2 144,9 13-17,-32-10 260,0-3 0,-3 0-55,-3-10 0,-3-1-712,-25 15 1,-3-1 533,18-12 1,-1-2 0,-17 7 0,-1 0 0,14-9 0,0 0 0</inkml:trace>
+  <inkml:trace contextRef="#ctx0" brushRef="#br0" timeOffset="63988">21792 10647 25078,'0'38'-4226,"0"4"2637,0-1 884,-15 13 867,13-21 0,0 2-225,-5 7 0,-1 1-49,7 8 0,2 2-67,-1 7 0,0 3-353,0-17 0,0 0 0,0 2 562,0 3 0,0 1 0,0 1-30,0 2 0,0 1 0,0 1 35,0 2 0,-1 0 0,2 1-243,5 0 0,2 1 1,-2 0 13,-5 0 1,-1 1-1,3-1-62,9 0 0,3-2 0,-3 1 123,-9-2 1,-4 1 0,4-1-82,9-2 0,5 0 0,-4-1 30,-10-2 1,-3 0-1,3 3-50,5-3 0,4 3 0,0 0 0,-3-3 64,-3 1 0,-3-2 0,1 3-100,1 6 1,1 5 0,-1-1-1,0-6-131,0 7 0,-2-2-426,-6-1 0,-4 3 0,-1-8 931,-3-13 1,-1-4-1,1 8 1,0-3 0,-8 2-1</inkml:trace>
+  <inkml:trace contextRef="#ctx0" brushRef="#br0" timeOffset="64933">32178 3075 24808,'0'-7'-3867,"-14"2"4856,10 25-1707,-11 0 1927,15 28-2055,-14 1 934,10 17-196,-2-27 0,-2 1-491,2 4 0,1 5 709,2 0 1,0 4 0,-1-2-525,-2 11 1,-1 2 377,3-10 0,1 6 1,0 0-1,0-4-356,3-8 1,-1-3-1,1 6 397,-1 8 1,0 9 0,0 3 0,0-2 0,0-8-242,1 1 0,0-7 0,0 6 24,0-8 1,0 5-1,0 4 1,0-1-1,0-3 1,0-7-192,0 6 0,0-7 0,0 4-332,0 7 0,0 6 0,0 0 0,0-7 77,0-11 1,0-5 0,0 2 639,0 11 1,0 1 0,0-3-1,0 1 1,0-4 0,0 0-1,0 1 1</inkml:trace>
+  <inkml:trace contextRef="#ctx0" brushRef="#br0" timeOffset="93702">4007 16256 23009,'7'-13'-1053,"-5"1"-1123,12 0 4072,-9-3-1990,6-2 496,-4-4-479,0-1 62,2-2-357,0-2 696,9-26 217,-10 20-1329,5-22 627,-11 34-694,-1-1 322,-1 12-180,-36 4 1334,11 3-71,-11 9 1,-3 5 978,-4 15-811,4-1 1,1 3 542,-6 17-706,16-19 1,2-2 827,-1 11-217,8 2-1609,9-4-963,5 15-576,33-16 958,-6-7 0,5-2 354,3-11 1,4-2 407,17 5 1,1-1-13,-19-7 1,-1-2 311,21 3 1,-1 0 386,1-1 417,4 1 267,-29 0-35,-16-3-850,-3 9-1660,-35-3 2589,3 6-617,-25 0 479,7 3-305,-2 1-318,-3 1 173,0-2-6,2-2-739,-5 0-1992,16-10 1908,-3-1 0,25-34 0,2-8 0</inkml:trace>
+  <inkml:trace contextRef="#ctx0" brushRef="#br0" timeOffset="93883">3937 15846 23819,'0'-34'-5756,"7"3"4956,-5 7 802,5 3 335,-7 33-1009,0 49 406,0-29 0,0 5 74,5 7 0,1 7 1,-1-5-677,-4-3 0,2 0 431,6 8 0,4 4 0,-3-3-624,-9-3 1,2 1 994,8 4 1,5 5 0,-3-4 0,-3-4-1,-1-2 1,5-6 0,-1 0 0,0 0-1</inkml:trace>
+  <inkml:trace contextRef="#ctx0" brushRef="#br0" timeOffset="94533">4767 16004 23639,'-11'20'-2329,"3"12"304,25 13-1247,-13 6 2104,29-5 276,-29 4 338,31 2 75,-30 1-1281,29-1 519,-30-2 782,10-17 1,2 0 556,-4 13-189,5 8-55,-2-23 129,-13-9 373,5-3-965,-4-9 298,-2-21 902,3-21 220,-4-16-386,0-14 230,0 5-442,-1 12 0,2 0-6,9 10 0,0 0 252,-9-22 0,3 3 252,33 0-171,-30 17 0,1 4-106,23 13 1644,-7-1-206,6 79-2383,-11-22 56,-3 18 0,-3 4-312,0-1 480,-5-18 1,0 0-996,3 11 395,-1-3-1422,1-4 134,0-7 2145,0-5 103,-1-6-390,6-2 352,-2-12 317,12-1 762,-8-33 574,14-18 109,-12-12-1156,-8 21 1,1 1 732,3-22-110,-1 0-427,-2 1-681,1-8-484,-5 22-176,1-4-251,-6 30 827,4 4 708,-1 31-1866,13 26-153,-6 1 718,1-6 0,1-2-912,1 3-165,0-5 1,3-1-807,5 3 2217,12 10 0,-4-24 0,3-3 0</inkml:trace>
+  <inkml:trace contextRef="#ctx0" brushRef="#br0" timeOffset="94838">6300 16187 24179,'-55'0'539,"13"0"-359,0 21 964,15-15-761,1 38-1372,3-24 1254,1 37-1205,3-21 327,8 25-651,1-26 202,10 7-1106,18-17-156,-13-3 893,39-4 722,-2-8 1143,12-4-69,-13-14 0,-2-1 1438,8 5-907,-5-27 0,-4-7 751,-12 10-931,-5-13 1,-6-1 316,-15 6-1983,-25-18-914,-12 28 894,6 9 1,-3 3-1148,-20 5 2006,14 12 0,5 2 1,10-1-1,-14 11 1</inkml:trace>
+  <inkml:trace contextRef="#ctx0" brushRef="#br0" timeOffset="95290">7007 16100 23549,'-23'25'-67,"17"17"-3253,-44-23 5738,32 22-3370,-12-5 948,13-7 1,3 1-494,0 19 191,3-7 1,1 0-821,1 5 374,18-9 1,3-2-142,-6 0-1722,39 5 1939,-9-21 60,12-10 949,17-19 996,-24 5-404,-10-21 1,-1-5 520,2 4-415,-10-13 1,-5-5-86,-4-2-550,-2-18-452,-10 29 1,-2 1-813,1-18 66,-9 11 0,-2 2-1936,6-1 882,-29-10 292,31 33 424,-11 20 2639,5 0 520,7 57-1906,-7-31 128,7 12 1,4 2 212,-2 1-427,7-8 0,2 0-180,-5 1 334,31 8-2406,-16-10-426,4-10 2081,6 7-551,-12-17-1344,16 1 2764,-9-8 0,0-4 0,-8-2 0</inkml:trace>
+  <inkml:trace contextRef="#ctx0" brushRef="#br0" timeOffset="95766">6917 15610 23639,'-9'-7'-3493,"1"3"2789,4 26-96,22 42-49,-16-31 0,1 1 204,17 14 0,0 0 122,-18-14 0,0 0 173,13 0 0,3 4-411,-8 9 1,-2 5 0,2-3 38,4-3 0,2 2-537,-1 11 0,2 6 0,-2-7 1128,-2-15 0,0-3 0,4 13 0,0-1 0,-5-16 0,0-1 0</inkml:trace>
+  <inkml:trace contextRef="#ctx0" brushRef="#br0" timeOffset="96432">7567 16588 22560,'44'-20'2587,"-20"4"-2670,20-19-124,-16-11-994,11 10 1086,-22 2 0,-2-1-709,5-5 310,-10-12-457,-1 16-432,-9 4-126,0 1-142,-19 4 474,15 3-512,-33 2 1582,14 6-319,-18 6 1139,17 19 1245,-7-5-9,28 60-1827,-10-31 284,9 3 0,8 4-308,8-2 1,5-3-1358,7 19 825,9-10 1,5-3-603,11-3 101,-6-13 1,1-5-201,9-8 1751,-7-4 0,-1-8 515,4-26 1410,14 4-1210,-37-11 0,-3-5 266,10-11-1150,-10 2 1,-5-2-134,-2-13-451,-8 4 1,-4-2-425,-2 23 0,-1-1-197,-1-14 1,0-1-274,1 13 0,-2 1 3,-10-3 0,-1 0 541,10 1 1,-1-2 278,-16-14 0,-1 0-389,9 17 0,1 0 213,-6-16 0,-2 4-267,-1 8 272,-3 5-7,13 50 2029,-3 12-1133,5 17 1,2 6-208,4-11 0,0 3-59,-1 11 1,0 6-1,0-4 65,1 0 0,2 1-211,3 6 1,2 6-1,3-6-347,4-5 0,3-3-148,-4-7 0,0 1 0,4-1-1144,5-2 0,4-3 0,-2-1 1444,2 6 0,1-1 1,11 11-1,2-2 1,-8-19-1,-1 1 1</inkml:trace>
+  <inkml:trace contextRef="#ctx0" brushRef="#br0" timeOffset="96733">8863 15966 24269,'-15'0'180,"3"0"-270,7 11-1159,22-8 1098,-13 18-569,32-15 1,9-4 572,-1 9-417,5-4 1,3-3 8,-16-3 1,0 0-160,1 1 0,1 1 711,1-3 0,0 0 1,-2 0-1,1 0 1,-1 0-1,0 0 1</inkml:trace>
+  <inkml:trace contextRef="#ctx0" brushRef="#br0" timeOffset="96983">9408 15894 22830,'-35'-12'-1810,"3"1"832,3 2 676,7 0-142,3-6-630,10 6 94,20-8 1394,18 11 150,24-3 738,-6 7-194,0-2-186,-16 4-90,-4 0 764,-2 22-1311,1 7-1369,-14 12-1453,1 21 281,-13-21 1336,2-1 0,-4 0-629,-18 7 662,14 19-1003,-34-22 1806,35-1-1192,-32-2 1596,33-3 0,-12-3 1,16-3-1</inkml:trace>
+  <inkml:trace contextRef="#ctx0" brushRef="#br0" timeOffset="97354">10078 15793 24718,'-27'-13'-3068,"-8"1"2609,31 4-3173,-23 0 4271,24 5-1538,-25 1 1866,8 0-326,-16 17 155,8-11 320,-3 25-471,15-7 1203,3 7-2057,8 3 390,5-8-1673,0 2 17,26 14-1098,-20-7 1333,16-5 1,5 0-274,1 5 923,-5-6 0,1 1 4,3 1 760,-4-1 0,-4 1-438,-14-3-72,18 19 131,-23-26 829,0 10-628,-23-14 1818,-2 11-607,-3-13-322,-12 3-216,22-5 0,-4-6 0,8 0 1</inkml:trace>
+  <inkml:trace contextRef="#ctx0" brushRef="#br0" timeOffset="97782">10525 15857 23549,'-28'-4'-1082,"-14"2"1185,22 0-203,-13 2 424,7 18 147,7-13 112,8 34-1697,-7-7 458,12 10-357,-6 18-113,9-23-90,21 9-1015,3-9-77,2-13 367,12 6 1734,-15-22 93,17 1 1061,-4-23 955,-5-8 308,-5-37-317,-11 15-964,-8 7 1,-2 1-377,-2 0-575,0-20-804,0 29-141,0-9-1387,0 40 576,17 10 1233,-12 21-89,29 6-312,-29-6-654,34 2 366,-22 0-404,6-10 1,1-1 1609,6 12 1,7 9-1,-11-18 1</inkml:trace>
+  <inkml:trace contextRef="#ctx0" brushRef="#br0" timeOffset="98083">11040 16010 23189,'-20'-5'-1872,"3"18"2910,17 0-4022,17 4 1147,-13 15 317,27-28 2235,-27 32-1614,27-31 525,-9 37-1188,0-30 593,12 18 1509,-18-15 233,20-4 489,-13-3-1590,7-4 1791,-13-26-1602,8-12 1935,-8-14-1730,-4 8 1,0 0 341,2-17-271,-6 19 1,-2-2-821,1 1 1,-2 2-610,3-16-168,-3 15 1,1 4 1317,1 10 0,1 1 1,-3 23-1</inkml:trace>
+  <inkml:trace contextRef="#ctx0" brushRef="#br0" timeOffset="98366">11817 16151 23009,'7'0'0,"0"0"0,6-16-418,-2-8 269,4-8 0,1-3-374,0-15 507,0 6 0,0 0 184,-6-2-544,-3 8 1,-2 0-685,-2-4-298,-2-17 85,-22 33 394,15 1-344,-36 18 1857,23 4-49,-17 24 1141,-4 18-518,23 12-952,-4-8 1,4 2 364,13 12-1139,7-7 0,5-1-816,16 5-363,0-21 0,4-3 1559,21 3 0,11-9 0,-28-14 0,0-1 0</inkml:trace>
+  <inkml:trace contextRef="#ctx0" brushRef="#br0" timeOffset="98650">12502 14839 24359,'-18'44'-2424,"6"2"665,7 0 973,3-7 0,4 3-46,7-8 0,3 2 396,-2 6 0,1 6 1,2-6-176,9-1 0,4 0 392,3 11 0,5 7 0,-3-8-764,-5-12 0,2-2 628,4 7 1,5 3 0,-4-7-306,-11-14 0,0-2-373,10 10 0,-1-2 150,-4-2 1019,4 2 0,-18-19 1,-1-3-1</inkml:trace>
+  <inkml:trace contextRef="#ctx0" brushRef="#br0" timeOffset="98966">13067 15013 24629,'39'-15'4599,"-16"-8"-5290,14 20 1111,-19-17-550,19 18 572,-9-7 623,15 9-1070,-11 0 5,17 43-2090,-25-11 1273,-13 7 0,-3 11 0,-2-4-599,0-8 0,-4 2-229,-11 15 1,-6 7-1,-1-5-503,1-8 0,-4-2 2006,-3-4 1,-5 2 0,2-3 0,-5 6 0,0-3 0,-1 2-1,0-1 1</inkml:trace>
+</inkml:ink>
+</file>
+
+<file path=ppt/ink/ink16.xml><?xml version="1.0" encoding="utf-8"?>
+<inkml:ink xmlns:inkml="http://www.w3.org/2003/InkML">
+  <inkml:definitions>
+    <inkml:context xml:id="ctx0">
+      <inkml:inkSource xml:id="inkSrc0">
+        <inkml:traceFormat>
+          <inkml:channel name="X" type="integer" min="-2.14748E9" max="2.14748E9" units="cm"/>
+          <inkml:channel name="Y" type="integer" min="-2.14748E9" max="2.14748E9" units="cm"/>
+          <inkml:channel name="F" type="integer" max="32767" units="dev"/>
+        </inkml:traceFormat>
+        <inkml:channelProperties>
+          <inkml:channelProperty channel="X" name="resolution" value="1000" units="1/cm"/>
+          <inkml:channelProperty channel="Y" name="resolution" value="1000" units="1/cm"/>
+          <inkml:channelProperty channel="F" name="resolution" value="0" units="1/dev"/>
+        </inkml:channelProperties>
+      </inkml:inkSource>
+      <inkml:timestamp xml:id="ts0" timeString="2021-07-15T06:34:05.291"/>
+    </inkml:context>
+    <inkml:brush xml:id="br0">
+      <inkml:brushProperty name="width" value="0.12095" units="cm"/>
+      <inkml:brushProperty name="height" value="0.12095" units="cm"/>
+    </inkml:brush>
+  </inkml:definitions>
+  <inkml:trace contextRef="#ctx0" brushRef="#br0">1045 1064 24718,'0'-20'-5665,"0"3"3716,-16 5 3139,12 4-2308,-13 21 3076,17 13-2380,0 12-30,0 11-1055,0-3 1597,0 7-45,0 5 0,0 2-249,0-22 1,0 1 400,0 9 0,0 6 0,0-7-1073,0-12 0,0-1 876,0 22 0,0-1 0,0 6 0,0-24 0,0 0 0,0 22 0,0-20 0,0 14 0,0-32-809,-11 1 1626,2-17 1054,-4-23-2262,0-3-75,7-12 0,2-4 243,-10-19-26,7 15 1,2-4 199,1-13 1,0-1-43,3 12 1,0-3-224,0-5 1,0-7 0,0 6-729,0 3 1,2 2 1214,5 7 1,3-2-1,0 2 355,4-18 1,1 3-166,-2 16 0,5-1 82,5-3 1,4-3 0,-4 5 639,1-14-495,12 14 0,1 7 920,-12 17 147,9 4 379,-18 13-360,4 4-427,-4 21-2346,-7-16 670,3 36-1105,-8-22-234,0 20 20,-3-6-463,0 24 140,0-13 406,-18 18 2404,13-20-1088,-13-1 1525,18-1-979,0 11-78,0-14-78,16 20-594,-12-26 375,33 1 0,8-1 3,-11 3 207,16 0 1,1-1-304,-13 0 569,-15-6 1,-3 1-536,2 4 14,-11 7 255,-4-1-68,-34-9 1080,-13 20-1,-16-18-304,26-11 1,-2 0-116,-4 0 1,1-3 871,-20 10-1584,14-9 0,1-1 796,3-2 0,2-3 0,26-9 0</inkml:trace>
+  <inkml:trace contextRef="#ctx0" brushRef="#br0" timeOffset="555">2018 1503 26697,'-45'-2'409,"-3"22"1559,28 11-2461,-11 7 0,0 4-178,11 15 203,-6-10 0,0-2-104,8-2 160,12-3 1,2-2-1077,-4-4 448,27 14-2059,-15-33 1098,38-4 1582,-1-5 767,12-3-53,9-19 495,-24 3 0,-1-4 179,-9 0 0,1-4-247,20-11 0,-1-3 495,-21 13 1,-2-3-95,14-16 0,-4-3-773,0-8-417,-16 20 0,-2 0-197,2-17-1059,-7 16 401,-3-3-59,-5 25-87,-4 20-562,3 35 240,-2 1 795,1-6 1,1 0-495,0 4 52,6 22-2,0-32-228,12 11-81,-3-30 1569,7 8-267,11-21 1541,-8 6-340,27-24 1171,-23-12-1376,-5 4 0,-1-3 1040,2-19-1016,-8 15 1,-2 1-268,-2-1 98,1-8-822,-12 21-547,-3 26-2050,0 15 770,-2 17 381,0 6 131,0-10-277,0 3-187,0-3-2121,17 12 965,-13-16 3073,32 5 0,-19-19 1,17-2-1</inkml:trace>
+  <inkml:trace contextRef="#ctx0" brushRef="#br0" timeOffset="708">3227 1341 25978,'-23'-27'-6343,"-16"4"5740,34 5-1814,-31 4 2986,33 4-4297,-25 1 3981,18 6 0,-9-1 0,5 4 0</inkml:trace>
+  <inkml:trace contextRef="#ctx0" brushRef="#br0" timeOffset="922">2198 958 25078,'-25'-13'-3640,"1"1"2509,9 1-94,6 3 353,6 3-310,23 3 2698,16 1-1101,0 0 0,4 2-658,-5 6 0,2 2-767,25 0 1,2 0 406,-22 0 0,0 2 711,18 6 1,1-1-1,-15-8 1,-2 0-1,4 9 1,-1 0-1</inkml:trace>
+  <inkml:trace contextRef="#ctx0" brushRef="#br0" timeOffset="1188">4215 1103 27237,'-44'-14'135,"7"3"-892,16 31 1707,10-3-1307,0 23-613,8-4 490,-5-3 0,-1 2-145,1 22-477,4-5 0,1 1-309,-3 12 499,5-22 0,2 6 1,-1-6-397,-1-9 0,2-1-451,7 28 0,1-3 23,-5-10 367,11-14 0,0-2 1114,-12-3 0,10 3 0,-13-16 0</inkml:trace>
+  <inkml:trace contextRef="#ctx0" brushRef="#br0" timeOffset="1662">3832 1752 24449,'-11'-33'-7923,"-6"-7"4992,14 12 2279,-6-7-184,31 19 3422,14 5-440,14 6-1272,9 5-1323,-8 0 2002,5 15-1157,-12-14 0,1 1 24,-10 11 1,2 1 122,23-11 0,1-3-923,-24 6 1,-2 0-236,23 0 0,-2-2 301,4-1 417,-22 2 1,-2 0 269,4-5 553,-7 0-275,-6 0 662,-5 0-738,-9 0 852,-3-12-841,-25 9-458,-4-9-955,-21 31 1540,2 6-396,15 11-764,-7 1 168,27 5-1181,-9-8 445,12 29-557,23-33-228,7 14-1270,13-34 1390,18 0 1743,-21-10 71,-4-7 1,-1-4 1947,4-17-709,10-11-506,-29 10 1,-4-1 858,9-10-631,-9 6 0,-3 0-1235,-3-5-384,0-14-154,-8 31-1305,-1 27-244,-1 10 671,0 27 128,0 12-721,0-10 166,0 16 216,0-19 1675,0-1 0,0-4 0,0 0 0</inkml:trace>
+  <inkml:trace contextRef="#ctx0" brushRef="#br0" timeOffset="2106">5515 1767 25528,'0'45'-5396,"0"-2"3447,0-4 1507,0-6 0,0 1-107,0 19 426,0-6 1,0 1-93,0 6 113,-1-19 1,2-2-1562,12 10 1070,-9-5 421,9-4-633,-3 3 306,-8-11-767,13 1 407,-14-43 455,4 3 828,-5-33-190,0 7-422,-7 1 1,-1-2 360,6 8 1,0-4-74,-3-7 1,-1-6 0,1 3-18,5 1 1,0-2 222,0 1 1,0-8 0,0 0-1,0 7-123,0-5 1,0 2-83,4-7 1,2-6 0,-1 10 794,-1-8-192,9 24 1,3 4 1103,2 11-89,16 4 704,-7 32-1694,12 29-751,-20 0-396,-3-2 1,-3 1-465,-6 4 235,-2-4 1,-2 1-1202,-3 6-254,-10-7 0,0-1-1542,6 5 3664,-16-18 1,1-1-1,14 8 1,-14-3-1</inkml:trace>
+  <inkml:trace contextRef="#ctx0" brushRef="#br0" timeOffset="2272">4400 1907 24808,'20'17'-1719,"5"-4"1,0-13 0,-5 0-1</inkml:trace>
+  <inkml:trace contextRef="#ctx0" brushRef="#br0" timeOffset="2914">4850 1387 25708,'-10'-7'-4100,"1"-1"2729,-1 1 676,4 0-62,-1 1 400,5 1-772,-1 1 759,2-2-1283,1 2 974,0-9 368,20 3 2073,3-13-143,2 7-53,17-5 472,-12 2-1064,11 7-2522,6 1 2100,-24 7 0,3 4 0,-12 0 1</inkml:trace>
+  <inkml:trace contextRef="#ctx0" brushRef="#br0" timeOffset="3090">4607 2887 25888,'-13'13'-583,"1"-3"-542,3-5 1372,4-2 1,2-2 0,3-1-1</inkml:trace>
+  <inkml:trace contextRef="#ctx0" brushRef="#br0" timeOffset="5366">6057 1737 23369,'-22'13'-41,"0"-3"0,3-1 1,0 2-1</inkml:trace>
+  <inkml:trace contextRef="#ctx0" brushRef="#br0" timeOffset="5528">6165 2142 24359,'-30'13'1252,"-13"-1"-1578,39-6 308,-30-3 0,31-2 0,-11-1 0</inkml:trace>
+  <inkml:trace contextRef="#ctx0" brushRef="#br0" timeOffset="14572">7465 669 25438,'0'-20'-4856,"15"7"7401,-11 1-3532,51 2 2517,-24-3-762,1 5 0,5 0-409,2-2 1,0 0 198,24-5-1060,-9 3 0,1 2 1475,8 1-1868,-12 5 1,-1 0 1070,5 4-811,-21-2 1,-1 4 314,8 18 1,-4-15 0,-3 16 0</inkml:trace>
+  <inkml:trace contextRef="#ctx0" brushRef="#br0" timeOffset="14838">7990 906 24359,'-12'-10'-4831,"0"8"6055,2-8-2447,0 10 2980,1 0-525,-3 20-1129,3-1-175,-6 42-1054,6-15 1181,2 1 1,1 2-1004,-1 13 664,5-18 1,0 6 0,0-6-892,2-8 0,-1 0-543,-1 31 1,4-2-231,16-7 435,-18-13 0,4-3 1228,31 2 1,-31 8-1,13-22 1</inkml:trace>
+  <inkml:trace contextRef="#ctx0" brushRef="#br0" timeOffset="15224">8463 1394 25798,'-20'27'-426,"0"0"1,-5 17-588,-7 7 675,27-12-1299,-29 1 2096,30-3-1467,-24-2 1297,25-5-1694,-9-4 972,12 3-464,0-11-309,0 4 627,21-15 127,7-1 1402,13-6-791,1-21 1834,-7 16-946,1-41 250,-2 24-452,-12-9 0,-1-4 308,9-8-878,-12 5 1,-3 0-697,1-4-476,-9-8-1014,-3 24 717,-4 6-13,0 25-483,0 19 627,0 12 31,0 28 200,0-23-587,0 14-293,0-5 661,19-16-990,6 18 742,13-29 1550,20 3 0,-15-18 0,16-4 0</inkml:trace>
+  <inkml:trace contextRef="#ctx0" brushRef="#br0" timeOffset="15492">9293 1545 24718,'0'-11'-5126,"-17"5"5600,-3 21 1346,-18 13-348,19 10-1995,-15 3 719,30-9-1140,-20 0 619,22-3 460,-6 6-592,26-13-1328,16 4 183,11-19 1968,11-1-305,-6-6 1195,4-19-349,5 14 126,-19-22 1,-1-3 302,19 5-368,-16-12 1,-4-4-55,-6-2-1201,-3-17-680,-23 19-710,-6 1-951,0 3-24,-26 5 11,3 8-258,-26 11 2951,-12 6 1,11 22 0,16-6 0,0 0-1</inkml:trace>
+  <inkml:trace contextRef="#ctx0" brushRef="#br0" timeOffset="16022">10835 1597 25528,'-49'0'720,"-1"17"178,13-6 0,-1 0-264,-16 11-404,11 4 1,2 1-229,2-6-136,15 10 1,4 3-665,7-4-19,6 10-418,7-8-877,27-11 264,10 4-4,15-17 1577,-17-3 1,-2-4 1,11-17 1449,12 12-217,-19-35 171,-4 16 784,-3-22-1572,-11 12 0,-2-1 137,4-23-931,-7 0 1,-2-4-102,-7 22 1,-1-2-145,-1-9 0,-1-4 0,-1 3 2,2 1 1,-3 1 153,-8-17 1,-1 0-243,7 21 0,0 2 216,-6 2 0,-1 1-42,-2 4 1,1 0 72,2-2 0,-2 2-213,-14-9 397,12 4-216,1 32 1003,8 22 238,-19 10 1092,19 23-1056,-22 7 616,15 13-882,-4-9 1,-1 4 78,5-15 0,2 2-238,1 6 0,0 5 1,1-5-382,1-6 0,2-1-224,0 13 1,1-2-700,2-20 1,0-3 661,-1-1 0,2 0-1367,19 27 123,-10-23 0,1-1-298,13 12 855,-6-15 1,-3-3-932,-10-4 1790,12-2 1,-17-16 0,0-3 0</inkml:trace>
+  <inkml:trace contextRef="#ctx0" brushRef="#br0" timeOffset="16172">10357 1537 24539,'-11'-36'-7470,"3"-11"5172,38 13 3467,-9 7 1,3 3 373,38 0-871,-13 8 0,1 4-443,-17 6 0,1 3-214,10-2 1,4 4-974,3 8 1,-2 2 1556,-10-8 0,-1 2-382,13 14 1,-1 0 0,-15-15 0,-1 0 0,0 7 0,0-1 0</inkml:trace>
+  <inkml:trace contextRef="#ctx0" brushRef="#br0" timeOffset="16538">11568 1505 23639,'0'5'-4586,"0"2"2817,0 2 1064,0 2 427,0 15-148,-14-5 1428,11 12-1096,-11-7-536,14 3 720,0 0-180,0-1 180,0-2-90,0-2 0,0 7-1052,19-10 635,1 7-844,3-15 1807,10-3 173,-16-6 421,18-4 332,-4 0-56,17-16 746,-11-10-1277,-5 1 0,-1-4 1108,1-18-1594,-8 10 0,-1 1-40,-1-9-711,0-12-204,-10 12-646,-6 17-75,-1 0-103,-4 35-508,1 14 497,-2 28 43,0-4-1239,0 18 1132,17-27-1142,9 20 427,10-28 2250,-9-8 1,2-4-1,13-3 1,16-2-1</inkml:trace>
+  <inkml:trace contextRef="#ctx0" brushRef="#br0" timeOffset="16822">12622 1577 24988,'0'-17'-5126,"-20"1"4530,-3 4 728,-25 5 1086,-3 25 871,8-12-1147,2 40-639,7-11-397,17 11 680,-8 12-3,23-26-1093,14 17-1293,-7-25-744,36 3 1071,-35-14-637,44-6 1945,-32 1 341,38-8 598,-26 4 431,17-22 1465,-24-7-1321,3-25-1139,-18 7 486,-1-4-2926,-7-4 395,0 12-1710,-17-22 295,13 29 2589,-12-5 0,16 17 1,0 2-1</inkml:trace>
+  <inkml:trace contextRef="#ctx0" brushRef="#br0" timeOffset="17040">12917 1470 23369,'14'12'-3931,"-2"-10"4857,1 25-3003,7 4 519,-7 1 99,10 21 417,-13-25 362,9 23-1696,-9-22 1237,3 9-921,-5-15 1557,-3 0-203,0-6-100,0 4 582,0-9-875,2 1 551,-2-9 1139,8-2 0,-2-22 0,6-4 0</inkml:trace>
+  <inkml:trace contextRef="#ctx0" brushRef="#br0" timeOffset="17188">13322 1510 22830,'7'-7'1790,"1"2"-1165,-4 5-689,0 16-3206,-1-11 1336,0 34 644,5-3-1,0 10-1248,11 17-293,-4-26-411,10 8-578,9-10 4082,-4-13 1,16-3 0,-10-13-1</inkml:trace>
+  <inkml:trace contextRef="#ctx0" brushRef="#br0" timeOffset="17544">13908 1491 24359,'-42'-7'-294,"17"19"2235,-9-7-1501,13 51-2049,-1-32 1273,7 11 0,5 3-720,7-3-57,-5 22-297,29-31 57,2 6-1065,2-14 954,14-9 1902,-13-1-517,18-8 1241,-10-18 1507,-1-5-650,-13-21-646,-6 10-280,-1 10-478,-12-1-948,5 12 126,-6 12-1389,0 24-557,-20 20 1143,16 13 332,-28-8 721,24-10 0,3 1-964,-9 21 822,3-12 0,1 0-647,-2 4 228,1-14 1,-2-1-84,-7-1-508,0 3 1560,-13-19 0,6-11 0,-13-1 0</inkml:trace>
+  <inkml:trace contextRef="#ctx0" brushRef="#br0" timeOffset="17776">12202 1020 25168,'50'22'-3089,"-11"-17"3534,1 36-2954,-11-24 1954,-2 18-854,1-6 667,-3 2-182,-3 0-1214,-10 1-87,2-1-737,-12-2 1659,5 0 1326,-7 6 1,-23-10 0,-4 6-1</inkml:trace>
+  <inkml:trace contextRef="#ctx0" brushRef="#br0" timeOffset="17989">11973 976 23819,'38'46'-6502,"-15"-9"3554,0 3 1418,-20-10 921,13 2-168,-15 15 726,5-12-1423,-6 21-1021,-17-28 2725,12 8 173,-30-17 1,30-2 0,-13-4-1</inkml:trace>
+  <inkml:trace contextRef="#ctx0" brushRef="#br0" timeOffset="18155">11802 782 24808,'34'-14'3467,"2"3"-2775,17 5-1360,-9 3-648,-4 11 0,1 3-1245,14-6 2386,-18 14 1,-1 3 0,22-5 0,-30 1 0,1 0 0</inkml:trace>
+  <inkml:trace contextRef="#ctx0" brushRef="#br0" timeOffset="18808">15042 1294 24808,'-46'-8'-1189,"0"2"1044,2 5 401,-1 0 41,2 22 616,-12 13-477,17 12-583,14-9 0,4 0-570,6 11 76,4 15-386,29-24-1104,-14-2 394,50-6 112,5-7 1009,-23-13 1,3-3 590,20-1 0,0-5 329,-24-8 1,0 0 293,12 6 1,-2-4 344,-13-17 1,-4-3 1414,25 1-1211,-29 0 0,-1-4-761,2-6 0,-1-1-95,6-23-536,-13 1 0,-3-1-304,-10 19 1,-3-1 300,1-6 1,-1-5-1,-1 4-559,0 1 0,-2 1 36,-10-13 1,-2-1-131,4 5 0,-2 4-53,-2 15 0,-1 0 5,-2-12 0,5 3-286,8 11 834,-22 4 337,13 43 1513,-2 8-850,-1 13 0,3 5 361,3 24-701,1-21 0,-2 6 0,3-4 262,2-1 0,2 1-522,0 6 0,0 5 0,1-5-223,0-6 1,3-2-296,8 12 0,5 0-1520,0-7 1,3-4 772,4-12 1,4 0 1174,9 15 1,1-3-1,14-3 1,-16-17 0,1 0-1</inkml:trace>
+  <inkml:trace contextRef="#ctx0" brushRef="#br0" timeOffset="19172">15918 1417 25348,'-51'-7'-66,"-15"1"244,25 23 721,6-5 0,2 2 67,-4 23-1049,11-10 1,3 0-434,7 9-256,-1 11-262,17-5-478,0-11-278,45 12-684,-16-24 1672,4-9 1,3-4 512,8-2 258,3-4 798,0 0-204,-14-8 0,-1-3 1730,13-19-1367,-13 4 0,-2-4 592,-4-19-1186,-12 15 0,-1 0-705,-3-5-355,-4-9-652,-3 20-139,-3 7-415,0 3 83,0 28 319,-11-11 2138,8 41-1428,-8-20 1020,11 22-1134,0-7-1122,0 14 1249,18-12-1489,3 16 576,1-28 1416,13 1 1,-31-17 0,15-5-1</inkml:trace>
+  <inkml:trace contextRef="#ctx0" brushRef="#br0" timeOffset="19505">16432 1493 23819,'1'13'-4441,"-1"7"2312,0 20 1209,0-1 367,0 2 185,0-9 105,0 7-24,0-16-1310,0-2 1741,0-5-72,0-3-72,0-2-180,16-6 1118,0 0 132,18-21 1152,-7-9-619,15-25-232,-14 5-203,9-4 172,-14 13-29,-1 2-1128,-5 6 475,3-2-1597,-11 16 636,3 0 316,-9 14 506,2 17-2369,-3 11 410,0 8-850,-2 22 357,0-24-1059,0 25 522,0-30 2124,0 6 0,0-17 0,0-2 0</inkml:trace>
+  <inkml:trace contextRef="#ctx0" brushRef="#br0" timeOffset="19755">15848 827 25708,'17'-24'-433,"-12"6"-1908,35 3 4825,-8 0-1280,14 7-653,13-1-321,-20 8-823,-3 8 0,-1 4-614,1 8 159,-4 0 1,-1 0 393,-4 1-2621,17 14 500,-20-16 2361,4 2 0,-12 1 0,-1-12 1</inkml:trace>
+  <inkml:trace contextRef="#ctx0" brushRef="#br0" timeOffset="19922">16550 614 23999,'4'-7'-576,"0"2"453,3 5 1017,-1 0-375,12 18-2196,-4-14 1384,20 31-1011,-9-9-603,13 7-1042,13 1 745,-5-6 2107,-14-20 0,1-2 0,22 8 0,3-14 0</inkml:trace>
+  <inkml:trace contextRef="#ctx0" brushRef="#br0" timeOffset="20588">19728 674 26248,'-4'-8'-8175,"3"-1"6332,-7 5 3717,5 0-2201,-2 3 2187,-8 34-1394,0-3-231,-6 16 0,-2 6-630,4-17 0,-1 3 909,-6 9 0,-3 5 1,1-2-3,0-1 1,-1 0-477,3-6 0,-2 2 1,0 0-87,0 0 0,0 0 0,0-2-488,-5 6 0,-1 0-220,0 4 0,-4 3 0,4-4-14,3-8 1,2-2 813,-8 12 1,2-2 0,12-19 0,2-3 0,0 0-1,1 0 1</inkml:trace>
+  <inkml:trace contextRef="#ctx0" brushRef="#br0" timeOffset="21222">20035 1460 24089,'0'34'-5126,"0"0"3537,-13 13 1643,10-7-129,-3 11 0,0 2-254,6 6 132,0-1 1,0-1-167,0-4-395,-4-12 1,0 0 1052,1 2-154,-2-8 0,-1-1-215,2-6 42,-4 10 228,2-30 556,-5-2 1142,2-6-776,-11-20-1800,4-12-277,-4-16-437,4-7 408,3 1 119,1-7 126,8 9 1,1-1-442,0 12 0,1-2 606,0-4 0,0-6 0,5 6 742,8 6 1,3 1 514,-1-24 1,5 5 162,4 29 1,2 3 170,-1-6 1,-1 5 912,16 3 676,1 11 174,2 7-326,16 4-979,-15 26-1254,-11-8 1,-3 2-429,-1 27-1494,2 1 57,-19-11-846,-3 1-235,-5 0 440,0 13-173,-20-13 566,-6 17 682,2-27 1718,-18 4 0,35-15 0,-15-2 1</inkml:trace>
+  <inkml:trace contextRef="#ctx0" brushRef="#br0" timeOffset="21526">20592 1315 24359,'12'21'-7215,"-2"16"4716,5-7 1031,-6 9 748,8 23 176,-11-22 467,-1-6 0,0 1 31,-2 5-717,-2-5 1,0-1 1204,0-4 426,-1 13-449,0-33-134,-14-1 2022,11-27-2459,-10-12-451,13-31 531,0 4-59,7 11 1,3 0 99,15-13-151,-1 8 1,3 0 399,-6 22 1,0 2-997,2-7 1,1 2 1201,2 6 0,-1 5 0,16-6 0,13-3 0</inkml:trace>
+  <inkml:trace contextRef="#ctx0" brushRef="#br0" timeOffset="21839">21477 1471 23999,'-40'0'809,"7"0"-449,-18 0-360,16 0 0,-25 21 776,27-16-499,7 21 1,4 4-809,4-8 381,0 39-982,15-32-352,51 16-83,-18-30 1178,13 0 0,2-3-749,-1-10 762,-6 2 0,0-3 879,2-21 27,18-6 989,-39-11-1078,7-1-87,-25-4-1546,6 7-625,-29-18-1055,-3 26 2612,-2-3 0,-12 21 1,14 3-1</inkml:trace>
+  <inkml:trace contextRef="#ctx0" brushRef="#br0" timeOffset="22672">21975 1479 23819,'-46'46'-2,"19"-9"-816,-6 8 361,30-9-1544,-26 0 2177,26 0-1334,-9-5 860,12-2-1119,0 5-134,0-11 138,21 3-48,5-18 2267,24-2-743,-11-21 2170,1 12-1286,0-46 391,-12 25-644,-5-12 0,-2-4 259,0-6-508,-5 1 1,-3-2-914,0-15 256,-8 15 1,0-7-1,-1 4-608,-1 8 0,-2 0 755,1-10 0,-1-5 0,0 6-413,-1 15 0,0 2-128,0-18 1,0 4-438,0 4 382,0-1 833,-14 29-502,10 33 693,-23 4 1472,24 29-1649,-12-11 1,-1 2 96,10-8 1,1 2-59,-9 29 1,1 2-59,8-26 0,2-1-127,-2 13 0,2-1 148,3 14-686,0-3-1394,0-5 1346,7-21 1,1-1-733,-4 14 602,12-14 0,3-2-386,-2-2-214,19 8 762,-20-24-110,10-1 1200,-11-10 682,6-4 723,1-21 228,-12-7-164,3-24-626,-9 12-1027,0-12 11,-4 29-1069,0 16-435,0 27-527,0 19-39,16 0 90,-12-9 552,27 0 568,-28-3-652,42 5 1215,-28-10-722,42 3 1421,-31-17 81,13-2 1130,-15-6-158,0 0-355,-3-15 708,-2 11-556,-2-31-451,-4 19 185,-1-33-1485,-7 17 312,-2-22-1356,-5 26-277,0-6-272,0 16-343,0 29 724,0 6-435,0 20 683,0-2-822,0 0 886,0-9-713,18 13-9,2-26 1910,12 12 0,-2-23 0,-5 7 0</inkml:trace>
+  <inkml:trace contextRef="#ctx0" brushRef="#br0" timeOffset="22892">23148 1563 23999,'0'-13'-4227,"-18"5"5020,-5 3 224,-21 19 1087,0 13-1641,21-2 1,4 2-692,-6 21-91,10 4-1164,15-1 1303,0-14-1691,20 16-627,-15-27-1432,53 4 2268,-32-20 908,34-2 619,-19-8 718,1 0 654,3-17-884,-12 5 0,0-2 0,16-23 0,-17 18 0,0-1 0</inkml:trace>
+  <inkml:trace contextRef="#ctx0" brushRef="#br0" timeOffset="23110">23618 1299 23999,'0'-37'-4767,"0"5"3628,0 3 1244,-15 13-346,-2 18 2418,-13 29-1092,14 10-1104,-8 14-759,21-7 906,-22 4 104,20-2 1,2 1-391,-10 13 57,9-6 1,3-2-2103,1-9 894,7-12 0,2-2-691,-5 0-587,26 8 1616,-26-23-1222,10-2 2031,-14-9 0,0-4 0,0-2 0</inkml:trace>
+  <inkml:trace contextRef="#ctx0" brushRef="#br0" timeOffset="23258">23247 1492 24718,'0'-10'-6115,"0"0"3896,0 5 1245,20 1 3516,-15 2-936,45 0-1475,-24 2-519,12-2 0,2 4-212,9 11 829,-5-5 1,0-1 0,3 10-1,15-5 1</inkml:trace>
+  <inkml:trace contextRef="#ctx0" brushRef="#br0" timeOffset="23588">24257 1572 24718,'-17'-11'-4512,"1"16"7624,-15 13-1871,5 19-1819,12-8-196,3 1-126,11-9-305,0-1-392,0 1 1152,0 0-1743,20-2 356,-14 1 122,31-1 1491,-32-2-680,28-2 2100,-18 2-797,4-6 359,-8 0-723,-11-6-2488,0-2 2998,-23-1 1,-13-1 0,-26-1 0</inkml:trace>
+  <inkml:trace contextRef="#ctx0" brushRef="#br0" timeOffset="24438">18575 530 26428,'0'-7'-6476,"0"0"4348,0 3 1063,0 1 67,-16 22 1615,12 4-1604,-25 12 865,26-2-2368,-19-7 3038,20-1-1477,-7 2 1036,4-3 1,4-2-1,-5-3 1</inkml:trace>
+  <inkml:trace contextRef="#ctx0" brushRef="#br0" timeOffset="24576">18677 539 24089,'0'6'-6566,"0"18"3538,0 20 2936,-7-2 1,0 2 0,5-11 0,0 1 0,-5 12 0,0 1 0</inkml:trace>
+  <inkml:trace contextRef="#ctx0" brushRef="#br0" timeOffset="25244">25037 614 27507,'-3'-5'-8513,"1"17"7795,16-11 1606,-11 31-3163,11-11 162,-5 10 68,-7-2 662,7-6-1924,-9 1 2646,0 1 592,0 0 1,0-1 0,0 0-1</inkml:trace>
+  <inkml:trace contextRef="#ctx0" brushRef="#br0" timeOffset="25387">25213 792 25258,'32'-8'3213,"0"6"-3360,14-7 433,-12 9-669,16 16-1009,-24 11-1138,1 12-545,-18 10-1050,-5-3 3796,-4 8 0,-25 7 1,9-28-1,1 0 1</inkml:trace>
+  <inkml:trace contextRef="#ctx0" brushRef="#br0" timeOffset="27638">827 4113 22020,'0'-9'-5756,"0"0"3718,0-1 1243,0 0 426,0-3 214,0 1 300,0-1-13,0 0-1459,0 0 1777,-11 1-12,8 1-440,-8-1 506,11 2 126,-7-4-974,5 4 363,-4-2-230,6 7 391,0 0-79,0 1 351,0 1 34,0 1-486,0 25 613,14 30-689,-11 6 173,4-20 0,0 2-268,1 3 0,-2 0 30,-5-9 0,1 1-78,5 27 1,-1 0 62,-5-24 0,-2-1 27,1 9 1,0 1-187,0-3 1,0-3 460,0 18-362,0-17 1,0-2 286,0-3-58,0 1-1016,0-20 866,0-28 34,18-15 1413,4-39-754,0 3 27,-4 14 1,1 0 369,5-11-385,-5 12 0,2 1 491,10-1 461,-9-5-244,1 23-849,-7 13 691,14 3 427,-11 31-2296,6-16 480,-11 25 0,-1 4-1302,7-2 734,-7 1 0,0 2-689,4 9-572,-1-2-473,-1 0-1131,8 13 2436,-6-16-530,12 18 1511,-12-29-631,26 5 1866,-19-21 378,30-3 766,-26-30 838,20-7 219,-23-13-786,4 2 476,-11 0-1298,-8 12-752,-1-9-1129,-8 46-1261,-1 9-788,0 39-142,0-9-429,17 13 147,-13-26 2462,29 7 0,-29-19 1,13-4-1</inkml:trace>
+  <inkml:trace contextRef="#ctx0" brushRef="#br0" timeOffset="27808">1678 4087 24629,'-15'-4'-1836,"-5"2"662,19 16-2186,-6 10 2639,25 24 0,3-2 0,17 5 0</inkml:trace>
+  <inkml:trace contextRef="#ctx0" brushRef="#br0" timeOffset="28107">2057 4903 23549,'13'8'-3729,"10"-1"3728,-1-5 706,21-20 1224,-15 13-1181,10-32-628,-2 12 347,-11-12-699,5-10 1189,-19 16-1126,-3-5-635,-5 11-1037,-3 2-89,0 3 362,-17 2-505,13 6 283,-12 1 1184,3 7 918,10 24-434,-9 12 318,12 13-556,0 1 0,0-11-951,17 13 256,4-12 1012,25 11 1,-7-31-1,6 0 1</inkml:trace>
+  <inkml:trace contextRef="#ctx0" brushRef="#br0" timeOffset="28455">2760 4706 24449,'1'40'-5846,"0"-5"3666,-1 1 1173,0-6 493,14-1-695,-11 12 756,11-11-262,-3 14-1421,-9-23 1852,9 6-586,-11-17 601,5-2-181,1-5 1846,5-3 97,9-21 637,-3-9-1279,2 1 0,1-2 603,8-21-442,-9 23 1,0 1 348,7-11 319,-1 2-606,-4 7-1021,-1 3-39,-5 9 455,0 9 397,2 3 321,-1 6-772,7 20-1265,-9 9-1204,3 9-1163,-3 18 585,-5-20-1912,2 22 3972,-6-27 1,-1 5-1,-2-16 1</inkml:trace>
+  <inkml:trace contextRef="#ctx0" brushRef="#br0" timeOffset="28693">2093 4211 26158,'0'-21'-5846,"26"-1"8374,-20 6-1647,33 1 1,7 2 540,-14-1-960,15 2 1,1 3 52,-9 5-994,17 2-155,-27 2 342,11 15-1385,-21-12 1336,12 26 1,-18-26 0,5 11 0</inkml:trace>
+  <inkml:trace contextRef="#ctx0" brushRef="#br0" timeOffset="28855">2715 3832 24269,'31'-13'3684,"-1"5"-2934,12 3-1002,-12 5-224,14 23-1616,-22-2-71,-8 10 0,-4 4-1401,-2 14 3225,-6-14 0,0 2 1,-2 24-1,0 3 1</inkml:trace>
+  <inkml:trace contextRef="#ctx0" brushRef="#br0" timeOffset="29222">3998 4168 26787,'-10'-17'-8082,"3"4"5369,0 6 2158,5 20 842,0 28-490,2 10-73,8 0 1,0 2-84,-6-16 1,0 1-1141,7 13 1,2 8 0,-2-7 1070,-8-10 0,0 0-222,7 5 0,2 5 0,-2-7 555,3 10 1,5 8-1,-8-28 1</inkml:trace>
+  <inkml:trace contextRef="#ctx0" brushRef="#br0" timeOffset="29338">3853 4698 23009,'31'-26'-797,"-3"0"-52,33 1 1054,-5-1 0,-24 11 0,1 0 0,2 0 0,-1-1 0</inkml:trace>
+  <inkml:trace contextRef="#ctx0" brushRef="#br0" timeOffset="29889">4722 3957 22830,'-15'-4'63,"1"21"438,-4 18-851,8 12-779,10 9 545,0-17 1,0 0-443,0 23 622,8-6 1,0 1-1487,-4 7 1174,13-11 0,1-2-1329,-2 3 1263,-6-21 0,1-1-565,10 15 499,-13-15-197,9 5 336,-10-22-702,2-4 943,-7-7 466,4-4 1613,5-15 88,0-10-225,15-25 73,-6 8 354,15-13 272,-15 35 387,11-15-576,-16 32-962,4-9 101,-4 29-1912,-2 13-837,8 26 134,-7-5 700,-2-14 0,1-2-1539,3 6 300,5 12-672,-3-23 282,1-4 2178,3-3 864,12-8 731,-7-5 176,21-6 558,-20-19 763,19-12-148,-23-6-951,6-9-220,-14 9-514,-4-1-806,-1-2-149,-3-8-1113,-3 12-478,-1-6-375,-2 26 1028,0 0-123,1 32-107,5 9-86,0 12-26,11 19-384,-4-22 229,-2-7 0,1 0-403,4 2-446,5 4 2165,-7-18 1,1-9 0,0-4 0</inkml:trace>
+  <inkml:trace contextRef="#ctx0" brushRef="#br0" timeOffset="30056">5483 3996 25348,'-6'-6'-7414,"5"17"5049,14-9 2466,-9 36-695,32-16 0,-31 25 1,13-7-1</inkml:trace>
+  <inkml:trace contextRef="#ctx0" brushRef="#br0" timeOffset="30207">5543 5454 24449,'0'6'-1754,"0"0"0,0-4 0,0 1 0</inkml:trace>
+  <inkml:trace contextRef="#ctx0" brushRef="#br0" timeOffset="30805">6743 4027 26967,'0'-10'-6115,"0"3"4076,0 29 975,17 20 145,-3-12 1,1 1 370,3 4 1,1 1-238,10 11 1,-2 0 185,-9-11 1,-1 2-585,1 4 0,1 4 0,-2-3 508,-2-6 1,-1 0 14,3 23 1,-2-2-206,5 4 596,-15-9 0,-1-2 699,3-7-30,-33 17 1600,-5-48 1433,-28-3-343,14-27-441,-11-10-1247,26-9-1134,8 1 0,4-1-859,5-5 585,16 1 0,4-1-711,-1-1-479,30 7 0,8 0 405,-6-7 580,-3 18 0,7 0 0,-4 2 459,-5 2 1,-2 1 205,12-7 1,-2 2-1,16-9 1,-2 1 0</inkml:trace>
+  <inkml:trace contextRef="#ctx0" brushRef="#br0" timeOffset="31157">7418 3971 24269,'0'-8'-4947,"-12"0"4510,9 29-292,-10 14 920,29 19-1699,-12 9 1048,13-23 0,0 2 103,-15-10 0,0 3-663,13 23 1,0 1 838,-12-25 1,-2-1-190,6 11 1,-1-2-223,-6 11-79,7-4 862,-5-6-250,6 4-17,-8-16-201,3 4-648,-2-24 605,6-3 128,-4-7 1205,6-23 10,7-12-29,2-13-314,-1 13 1,1-1 551,6-7-271,-5 9 0,-1 1 607,1 3-44,2 3-1110,-6 19 1040,-5 7-678,8 15-1330,-9 15-1290,12 26-371,-8-3 483,2-6 0,1 0-877,4 0 2290,2-4 0,2-4 1,5-11-1,12 5 1</inkml:trace>
+  <inkml:trace contextRef="#ctx0" brushRef="#br0" timeOffset="31422">8277 4575 24718,'-15'-14'-5200,"-6"7"5369,-17 1 680,16 23 425,-14 11-511,20 9-1144,-4 21-168,9-20-404,11 12 612,26-6-1091,-19-15 701,24-11 0,6-3-134,-11 0 415,12-9 0,2-4 1234,-2 3-266,9-25 1200,-21 15 160,-4-39-631,-4 24-359,-10-39-1881,-2 18 66,-3 5 1,-6 1-1384,-17-7-439,15-10 2012,-29 21 0,31 6 0,-11 2 0</inkml:trace>
+  <inkml:trace contextRef="#ctx0" brushRef="#br0" timeOffset="31821">8760 4596 22830,'11'0'809,"0"0"-629,0 20-4297,0-15 3732,3 34-1749,3-9 828,-4 11 116,8 17-1065,-12-23 169,4 23 25,-8-29 2086,1 11-1381,-3-24 1141,0-1-44,0-11 427,3-1 657,12-20 1185,-1-9-1177,3-1 1,2-2 699,10-24-544,-2 10 0,0 1 839,9-12-890,-15 20 0,1 0 74,-5 5 0,-1 2-144,7-8-159,10-4-261,-21 29 270,6 20-1183,-11-6 121,2 37-1318,-1-19-190,-1 25-125,2-9-851,5 20-13,-3-15 718,0-9 0,1-1 1913,5 0 0,11 3 0,-5-19 0</inkml:trace>
+  <inkml:trace contextRef="#ctx0" brushRef="#br0" timeOffset="32189">9813 4531 23459,'-39'0'720,"14"20"-328,1 6-648,21 11-1963,-9 0 1456,12 1-603,0-7 431,24 12-1040,3-28 1146,27 9 118,-17-22 911,0 6 1355,-4-28 2,-6-6 97,-5-12-250,0 0 706,-15-4-2112,4 8 108,-7-6-1295,-2 13 179,-1 7-1010,1 2 785,-2 2 191,0 24 32,0 20 696,-13 18 149,10 15 145,-9-3 276,12 4-281,0-28 1,0 0-99,0-1 0,0 1 82,-4 12 1,0 0-36,3-12 0,0-1-250,-4 19 0,-1-2-431,5 2-386,-6 7-290,2-26 362,-5-8 236,-1-4 1255,-5-6 1,-1-6 0,-4-3 0</inkml:trace>
+  <inkml:trace contextRef="#ctx0" brushRef="#br0" timeOffset="32409">8047 3923 25618,'30'-15'804,"0"-1"1,0 0 0,2 0-477,9-7 0,1 0-190,-7 6 0,3 0 44,6-1 0,5 1 0,-3 2-212,-4 1 0,2 2-338,2 4 0,4 0 1,-5 1-57,-7 3 1,-2 1-67,8-2 0,-2 8 74,8 38 1,-26-12-1,-13 4 1,0-1-1</inkml:trace>
+  <inkml:trace contextRef="#ctx0" brushRef="#br0" timeOffset="32925">11448 3971 27327,'0'-43'-6206,"0"2"3988,0 12 1334,-13 0-673,10 16 759,-11 25 2524,14 10-2036,10 12 0,0 6-1893,-5 19 1700,13 1 0,3 2 54,-12-20 0,-1 2-9,2 5 1,1 5 0,-1-4 236,-2-4 0,-2-1-139,3 14 1,-2-2-968,-6-19 1,0-2 980,2-2 1,0-2-139,-3 28 559,0-26 0,0 0 0,0 10 1,0 8-1</inkml:trace>
+  <inkml:trace contextRef="#ctx0" brushRef="#br0" timeOffset="33193">11235 4681 24449,'-15'-49'-8297,"6"2"5895,3 1 1564,6 3 591,0 2 53,24 4 1025,-18 3-1063,51 6-263,-1 2 1730,-21 17 0,3 2-330,17-1 1,0 2 20,-21 4 0,0 1-210,23 9 1,0 2 557,5-6-1130,-6 21 0,-2 0 616,-6-17-1125,-10 20 1,-5 3-1473,-12-14 873,0 36-1454,-14-26 965,-2 24 172,-4-22 46,0 10 456,-1-5-223,0-10 240,0 12 8,0-17-679,18 8 1623,-14-14 0,31 1 0,-14-7 0</inkml:trace>
+  <inkml:trace contextRef="#ctx0" brushRef="#br0" timeOffset="33371">11958 3971 23639,'-6'-5'-6991,"4"19"5945,15-12 0,-8 34 0,15-12 0</inkml:trace>
+  <inkml:trace contextRef="#ctx0" brushRef="#br0" timeOffset="33711">12473 4561 23369,'4'21'-6910,"-1"0"5058,3-2 634,2 9 117,0-6 363,7 17 89,-6-15 49,8 25-1992,-9-25 1964,6 18 75,-9-27 15,4 6 26,-7-16 178,2 1 550,0-5 1531,1-1 215,2-22-921,11-14 721,-3-13-867,3 9 1,2 0 1100,4-12-658,-1 7 1,-1 3 370,2-1-1558,5-5-47,-12 34 1085,-1 4 35,0 10-234,7 20-1468,-6-3-1205,16 40-955,-14-15 1076,-4-12 1,0 0-2440,5 16 3440,4 2 0,2 1 0,2 0 1</inkml:trace>
+  <inkml:trace contextRef="#ctx0" brushRef="#br0" timeOffset="34604">14258 4081 25798,'6'-15'-3159,"-2"2"1796,-4 3-497,0 2 690,0 2 660,-16 1 1304,-4 4 139,-1 24-1112,-28 12 1349,31 15-1078,-4-11 0,-2 0 973,-1 13-786,17-8 0,2 1-116,-6 4-963,12 12-978,19-17-673,10-15 217,28 0 1899,-7-20 477,-14-15 0,-1-2 1348,7 3-495,-15-14 0,-1-3 194,6 0 740,-4-20-128,-6 8-86,2-13-1378,-13 14-1092,5-15-737,-14 33-156,3-10 326,-5 39-616,0 18 810,0 10 465,8-5 1,0 0-698,-4 2 483,23 11-349,-24-20 619,26-5 175,-14-4-113,26-4 1300,-12-9 394,22-2 664,-18-30 201,19-10 416,-25-13-1442,-7 7 1,-3 1-286,-5-2-141,-4 4 1,-3 1-1221,-5 11-489,0-4-238,0 17-616,0 23-568,0 12 964,0 14-546,0 21 951,0-21-67,20 13-613,-14-19 1914,37-2 1,-21-5 0,22-2-1</inkml:trace>
+  <inkml:trace contextRef="#ctx0" brushRef="#br0" timeOffset="34925">15468 4316 23909,'-25'-15'-3540,"-15"6"4125,10-1-573,-11 9 775,-1-3-343,12 25 449,1-16-250,4 36-1002,0-9 1270,13 7-1478,0 13 42,12-22-1387,21 12-154,10-21 561,13-3 324,18-7 1374,-21-10 37,-7-6 1,-1-2 1133,2 3 306,16-33 259,-28 8 827,2-24-2031,-13 11-1051,-5 2-643,-3 12-359,-2 9-1213,-2 28-17,0 19-91,0 22 627,0 2 177,15-9 1554,4 18 0,0-16 0,-4 9 0</inkml:trace>
+  <inkml:trace contextRef="#ctx0" brushRef="#br0" timeOffset="35172">15228 3370 24718,'35'-9'2186,"12"2"-2063,15 4-271,-23 1 1,-3 3-601,4 20-2344,9 9 465,-22 14 2139,-13 4 1,-4-4 0,-10 3-1</inkml:trace>
+  <inkml:trace contextRef="#ctx0" brushRef="#br0" timeOffset="37022">16942 3765 25618,'0'40'-5846,"-17"-5"6074,13 9-1494,-12-3 1300,1 8-164,11 4-464,-19 3 706,21-1-2619,-7 0 1381,5-17 0,1 0-752,1 19 1856,-1-21 1,0-1 0,3 9 0,0-2 0</inkml:trace>
+  <inkml:trace contextRef="#ctx0" brushRef="#br0" timeOffset="37188">16643 4285 23729,'-11'-22'-8368,"2"2"5233,9-1 2975,25 3 2822,-19 2-1763,24 8 0,6 4-144,-7 0-1164,14 2 0,5 1-734,9 1 1451,-16 0 1,0 0-1,-7 0 1,-1 0-1,2 0 1,1 0-1</inkml:trace>
+  <inkml:trace contextRef="#ctx0" brushRef="#br0" timeOffset="37789">17857 4104 23819,'-57'0'1349,"11"0"-1169,1 14 1274,10-10-1279,-2 30-259,1-17 606,1 20-778,5-6 83,4 3-134,6 2-269,8 0-934,6 13-115,6-12-359,24 24-1483,12-35 2716,-2-8 0,2-3-76,25-9 920,-16-15 1,0-5 976,9-5-265,-8-10 0,-1-4 759,1-7-501,-9-7 0,-4-2 1193,-7-2-1822,-9 6 1,-3 0-714,-10 11-676,-1-8-1088,-3 49-67,0 13 194,0 23 510,0 23 247,0-23 774,-2-8 0,4 0-495,21 3 38,-17 5 266,41-20 1097,-27-7-218,23-7 819,9-5 219,-12-22-227,-5 4 1,-2-4 1125,6-24-1293,-15 18 1,-1-1 837,3-16-1259,-4-1 360,-4-4-1112,-7 1-432,-3-1-863,-5 2 345,-2-15-105,-1 18-64,0-15 117,0 33 670,-14 1-464,10 42 861,-10-1 1087,6 26-720,6 20-169,-6-13-86,7-2 0,2 0-432,-1 11 166,0-22 0,0 1-281,-2-3 0,4-3-537,14 18-342,-15-14 1,2-1 410,26-2 149,-26 11-19,19-29 939,-19-1 1,6-13-1,-9-2 1</inkml:trace>
+  <inkml:trace contextRef="#ctx0" brushRef="#br0" timeOffset="37909">18337 4333 23639,'-26'-26'-5871,"11"4"2961,-5 3 2354,17 2-640,-8 7 381,41-3 2486,-5 7-978,30-2-1600,-10 2 1350,8 0 0,1 1 0,4-1 0</inkml:trace>
+  <inkml:trace contextRef="#ctx0" brushRef="#br0" timeOffset="38207">17728 3639 25618,'-17'-14'-5182,"4"-1"3020,7-8 130,25 4 4039,-14-7-1345,28 12 0,6 3 982,-7-8-960,14 5 1,2 1-199,-2 2 286,-10 4 0,-2 2 688,1 3 36,5 1-2020,-18 15-1317,-2-10-134,-2 25 1388,7-6 0,-8-3 0,4-1 0</inkml:trace>
+  <inkml:trace contextRef="#ctx0" brushRef="#br0" timeOffset="38388">18527 3259 24449,'-37'0'180,"15"17"403,-5-13-834,18 27 0,4 6-2474,-12 1 1109,10 16 1,4 5 1357,1-24 0,4-2 0,8 13 0,4-2 0,2-12 0,-1 0 0</inkml:trace>
+  <inkml:trace contextRef="#ctx0" brushRef="#br0" timeOffset="38957">19933 4044 25258,'-24'-10'-1714,"-23"7"2822,21-7-1711,-26 10 1082,16-1 1,1 2 31,-22 14-185,18-15 0,1 4 24,-14 32-78,3-16 1130,7 20-1583,8 12 76,16-9-772,8-3 0,9-1-1353,31 8 422,-5-9 0,4-3 781,3-15 1,3-3 200,5 5 1,2-4-119,4-7 0,0-5 725,-12-1 0,2-1 369,23 0 0,-1-5 868,3-22 153,-14 10 1,-3-3 1830,-2-26-1913,-13 13 0,-3 0 91,-7-9-846,-1-14 59,-15 1-1517,-2 14-213,-23-16-1491,16 30 271,-30-2 1439,16 18 682,-17 3 854,17 22 625,-15-14 689,23 49-1307,-6-32 1371,9 43-1251,9-33-1051,19 7-1110,-14-13-316,35-6 790,-11 1-294,9-11 2006,1-1-746,-2-8 1503,-9 0 359,14-18 1169,-19-4-407,8-20-1904,-16 4-320,-1 6-1180,-10 34 97,-3 17-2073,-1 33 436,21-7 1780,1 13 0,3-27 1,-8 7-1</inkml:trace>
+  <inkml:trace contextRef="#ctx0" brushRef="#br0" timeOffset="39704">19312 3900 23009,'-17'-7'-2477,"-10"1"2792,24 1-3503,-29 2 4680,16-1-840,-21 2 472,7 1-500,-4 1-444,-3 0 776,0 16 48,-5-11 1348,6 32-2276,-4-18 1027,7 23-1328,3-6 58,15-4 0,3 2-730,-4 18 177,8-16 0,4 2-931,11 2 0,3-1-1246,-6 20 948,30-10 0,7-1-1476,-2 2 3305,4-18 0,4-5 1,-15-10-1,0-2 1,1-2-1,1 0 1</inkml:trace>
+  <inkml:trace contextRef="#ctx0" brushRef="#br0" timeOffset="40011">19978 3273 23639,'23'-15'2214,"12"2"44,-12 1-1814,19 6-581,4 17-972,-11-7 67,-6 50-2209,-15-25 749,-8 13 0,-4 4 2180,3 9 1,-13-16 0,-4 0 0,-14 18 0</inkml:trace>
+  <inkml:trace contextRef="#ctx0" brushRef="#br0" timeOffset="40421">21363 3941 25798,'-32'-14'-2979,"-21"2"3106,31 7 322,-16 10 0,-3 6 893,2 8-904,1 7 0,4 4-481,10 9-884,11-2 1,3 2-904,3 8 359,7 15-689,21-20-1054,2-5 2778,26-2 1,1-7 0,5-2 0</inkml:trace>
+  <inkml:trace contextRef="#ctx0" brushRef="#br0" timeOffset="40775">21953 4027 24539,'0'-20'-5846,"-20"2"4626,14 7-445,-34 4 3358,12 4-427,-21 24 609,11-16-795,2 41-1367,23-26 1294,-11 37-794,21-23 442,-11 25-1941,14-27-628,27 14-967,10-26 2124,-3-10 1,1-3 576,22-2 451,-16-12 1,-2-6 1169,-2-12-467,-10 1 1,-3-3 186,-5-12 615,-9-14-739,-2 25-1291,-8-14-966,0 19-329,-14 6-808,10 25 923,-10 32 123,14 2-195,19 11-300,-15-19 91,32-4 1052,-19 0-1075,17-5 1944,-2-1 1,2-12 0,5-3 0</inkml:trace>
+  <inkml:trace contextRef="#ctx0" brushRef="#br0" timeOffset="40972">22717 4024 24179,'0'-17'-4677,"-22"4"4543,-2 1 367,-26 7 937,0 19 534,8 12-1261,17-3 1,4 3-571,4 20-1092,3-7 1,2 1 787,10 3-1037,5-7 1,7-2 1422,28-8 0,11-4 0,8-16 0</inkml:trace>
+  <inkml:trace contextRef="#ctx0" brushRef="#br0" timeOffset="41161">23198 3252 25348,'-49'-9'-532,"2"2"312,8 5 559,-2 17 1048,-6-11-1250,1 39-227,-1-18-677,16 10 0,3 4-579,-12 12 146,15-5 0,3 0 1017,8 9 0,8-20 0,2 0 0,4 10 1</inkml:trace>
+  <inkml:trace contextRef="#ctx0" brushRef="#br0" timeOffset="41489">23708 3760 24718,'-30'-7'-1271,"-19"5"1662,12-8-1230,-13 9 1196,-15-3-218,28 18 832,-13 7-271,34 19-1562,-1-5 587,17 4-1164,46 6 467,-16-9 268,21 2 0,2-1-377,-5 3 175,-6-6 1,-5-2-1132,-17-4 1788,12 9-636,-29-19 620,6 1-393,-9-8 507,0-2-345,0 0-1279,-26 4 2502,-4-5-189,-28 4 0,16-8 0,2 0 0</inkml:trace>
+  <inkml:trace contextRef="#ctx0" brushRef="#br0" timeOffset="41927">24057 3943 24629,'0'41'-5666,"0"-1"3717,0-9 975,0 5 425,0 4 213,0 7 32,0 5 76,0 2-1368,0 2 1609,-2-17 0,4 0 14,14 18-181,-15-6 1,2-3 109,24-6-224,-25 19 6,9-46-2184,-11-1 1726,0-30 425,0-11-92,-15-32 35,11 2 221,-4 10 1,1-2 216,7 16 0,0-1-10,-1-27 1,2-2 217,9 24 1,0 0 2,-9-12 0,2 1 137,16 15 0,-1 3 837,-13-31-607,14 35 0,3 1 399,-7-4 0,1 0 431,26-8-167,-14 15 1,0 4 737,6 6 366,8 3-763,-15 10-622,-3 1 330,-4 20-2342,-3-15 1031,-4 40-2188,-6-25-251,-2 40-264,-5-18 1328,-8-4 1,-7 0-650,-23 9 1045,14-14 1,-3-2 642,-2-8 1,-1-2 454,-18 21 0,-1-2 0,-1-1 1</inkml:trace>
+  <inkml:trace contextRef="#ctx0" brushRef="#br0" timeOffset="42457">25318 3419 25888,'0'-29'-6386,"13"5"6807,-10 4-1117,10 5 2012,-13 8-2434,0 26 410,0 4 109,0 29-244,0-13 0,0 1 744,0-7 0,0 1-811,-9 29 0,0 1 547,7-24 0,-1-2-551,-6 12 0,1 1 199,7-3 1,2-2 296,-1-13 1,0 1 448,1 19 0,-2-2 0,-8-1 1,-2 13-1</inkml:trace>
+  <inkml:trace contextRef="#ctx0" brushRef="#br0" timeOffset="42771">24967 3907 23639,'19'-27'-1140,"-14"2"-1517,41 4 4885,-20 3-1196,27 4-276,-6 4-144,6 3-412,2 4 99,3 2 28,1 1 391,-20 7 0,0 4-1877,18 13 679,-14-2 0,-2 2-982,-2 13 530,-11-13 0,-2-1-716,-3 2-89,1 6-15,-13-20 613,-4 8-105,-1-16 1680,-3 13-1686,0-15 1909,-2-16-1077,2 11 1421,1-38-1087,2 19-408,0-8 1,0-4 915,3-12-1419,3 4 1,1-1 1235,6-6 1,-6 17-1,1 1 1,10-8-1</inkml:trace>
+  <inkml:trace contextRef="#ctx0" brushRef="#br0" timeOffset="43089">26435 3832 24179,'-38'0'719,"-2"0"-809,2 0 90,6 0 0,1 0 0,9 0 0,3 15 317,3-12 25,7 30-1343,-2-17 601,10 19-1203,-5-9 441,23 0-757,-12 0-13,40-3 796,-1 3-360,12-13 1857,-16-3 1,-1-2-375,7-6 1646,10 3-577,-22-5 863,-6-17 394,-5 13-1043,-3-30-767,-11 10-1639,-1-19-432,-8 7-1858,-21-7-22,-2 20 3146,-2-4 1,-13 12 0,13 2-1</inkml:trace>
+  <inkml:trace contextRef="#ctx0" brushRef="#br0" timeOffset="43471">26800 3760 23729,'8'0'1079,"1"15"-6193,-3-12 4154,5 43-1115,-1-25 550,4 28 531,-4-18 201,1 1-1434,-1-2-16,4 9 1971,-5-14-718,3 11 667,-7-22-1747,-1 1 1623,-4-30 928,0-24 59,0-4-243,-2 4 0,4 2 478,24-6 107,-11 5 1,2 2 881,27-5 720,-4-7 105,-6 20-339,-8 14-166,6 2 245,-20 30-2825,3 13-1068,-10 10 583,-1-1 0,1 0-1787,4 3 1052,-2-2 1,3-2 1214,9-8 1,9 3 0,-1-17 0</inkml:trace>
+  <inkml:trace contextRef="#ctx0" brushRef="#br0" timeOffset="43871">27698 3793 23009,'-24'16'1279,"-10"-12"-1000,30 28-3294,-10-11 2691,14 17-1478,18-2-20,11-7 950,22-12 263,-8-8 168,12-9 211,-25 0 1778,6-18-183,-16 14 819,-10-30-810,8 29 930,-12-28-2659,6 14 14,-9-13-1028,-19 14-248,-1 41 807,-16 1 447,18 14 1,3 5 246,-4 8-694,9-2 0,3 2 692,4 13-359,0 0 0,0 1 249,0 0 283,0-8 1,0-4-1169,0-11-167,0 14 839,0-30-528,0 4-85,-26-15 2148,19-1-1339,-27-7 0,-6-4 591,11 2 0,-4-3 0,-2 0 1,-2-2-1</inkml:trace>
+  <inkml:trace contextRef="#ctx0" brushRef="#br0" timeOffset="44355">28808 3688 24269,'-27'17'2073,"-13"-13"-1860,36 37-3351,-38-20 4380,24 23-1556,-6-16 0,1-1 191,6 18-145,0-2 0,2 0-586,12-2-1066,-10 22 505,34-43 1227,10-4-326,5-20 1,2-5 1528,17 5-698,-19-15 0,-2-4 834,18-17-73,-12-11-652,-10 11 1,-2-1 186,2-14-332,-8 2 0,-3-3-644,-9 21 0,-2-2-101,0-5 0,0-5 1,-2 3-229,-1 3 0,-2 1 94,1-13 1,-1-1 222,-2 7 0,-1 3-882,0-19 730,2 21 1,-4 4 371,-14 9-938,12 26 1393,-26 24 1451,26 28-1760,-20 3 763,22 8-654,-8-11 1,-1 3 57,6-13 1,0 2-30,1 2 1,-1 4 0,1-4 171,0-6 0,1-1-1001,2 21 1,2-2-1864,-1 4 2010,-2-23 1,4-1-2508,14 20 1023,-12-15 1777,28 4 1,-28-20 0,11-2 0</inkml:trace>
+  <inkml:trace contextRef="#ctx0" brushRef="#br0" timeOffset="44789">29472 3360 25618,'0'48'-5936,"0"-7"3898,0 11 1063,0-8 427,0 4 335,0-13 0,0-1-1,0 18-104,0 11-1189,0-11 1418,0-17-1,9 14-293,-6-28 159,6 4-1374,-4-16 956,-1-16 1458,8-19 18,-2-10-472,2 5 0,3 0 317,8-10 148,2 5 1,2 1 876,10-1 86,4 13 1,2 4 1311,3 6-2662,-3 22 1,-1 7-326,-6 10-235,-9 13 1,-3 5-1238,-1 10 516,-8-4 0,-4 2-894,-3 9 675,-4-22 0,-2 0-1338,-2 12 162,-24-4 1676,1-2-341,-12-15 0,-7-3 759,13-6 0,-2-2 571,-12 5 1,-3-3 0,8-8 0,0-3-1,-2 0 1,1 1 0</inkml:trace>
+  <inkml:trace contextRef="#ctx0" brushRef="#br0" timeOffset="45738">1173 6075 26607,'3'-31'-5418,"-1"4"3490,-2 8 639,0 8 606,-21 6 1901,-5 40-279,-14-1-539,10 17 1,3 6-751,7-17 0,-1 1 710,-6 15 1,-2 4-139,10-16 0,-1 2 1,2-3 108,-2 8 0,1 2-441,3 1 0,1 6 1,3-6-639,4-7 1,2-2-176,0 12 1,5 1-721,10-9 0,5-3 243,-4-12 0,2 0 1200,11 7 0,5-4 0,19 7 1,6-6-1</inkml:trace>
+  <inkml:trace contextRef="#ctx0" brushRef="#br0" timeOffset="46255">1758 6694 25168,'14'39'-8635,"-10"2"7138,10-2-285,-14 6 1934,10 5-657,-8 3 460,8 4-231,-10-4-1320,0-1 2271,0-3-507,0-4 517,0-3-685,0 6 275,0-16-816,0 7-477,0-24 748,0-19 90,0-25 270,0-12 28,-2-11 0,4-1 120,16-11 112,-8-2 0,2 2 261,11 6 165,-6 16 1,0 3 418,5 6 295,7 4 504,7 22 126,-16 7-582,17 18-1260,-15 15-939,7 9-174,-14-6 1,-2 1-1489,9 12 921,-8-16 0,-2 0-2198,6 15-522,-1-2 3555,1-2 0,1-3 0,1-2 0</inkml:trace>
+  <inkml:trace contextRef="#ctx0" brushRef="#br0" timeOffset="47005">2475 7234 24179,'17'10'-3196,"4"-2"2881,22-26 2966,-8 14-1826,3-31-487,-10 31 147,9-31-415,-11 13 34,4-9 860,-14 3-759,-7 9-1835,2 0 857,-10 2-682,5 0 229,-6 0-461,0-4-13,0 5 187,-20-6 696,0 13 988,-19 1 120,7 25 1771,4 12-1212,11 9-48,7 23-476,10-21-425,8 2 1,6-1-454,15-1-25,-3-4 0,4-4-739,16-9 355,-13-10 1,0-2 50,8-3 990,-3-4 0,0-5 1118,6-16-27,0 0 0,-2-3 1734,-3-20-2009,-7 10 0,-2-1 906,-13-2-952,1-18-883,-13 23-737,-4-5-667,-1 16-888,0 3 146,0 3 798,-15 4 748,11 26 40,-10 7 937,14 15-626,0-4 194,20-7-114,-14-2-161,31-1 727,-11 4-1239,9-16 1124,23 11-599,-20-23 1827,16 6-215,-16-9 626,0-18 673,-2 14-998,-2-35-56,-4 22-158,-3-21-807,-1-4-549,-10 7 440,1-20-1246,-14 24-1097,1-5 276,-4 17 144,0 6-582,-13 6 1373,10 26-275,-9 11 327,12 13-677,0 1 138,19-11-1726,0 11 795,4-12 2168,8 2 0,-16-22 1,16-3-1</inkml:trace>
+  <inkml:trace contextRef="#ctx0" brushRef="#br0" timeOffset="47305">2475 6332 25798,'-12'-19'-7381,"4"-1"3976,5-1 2693,29-2 3354,18-12-713,14 8-905,-11 6 0,1 2 454,11 2-1221,-19 7 1,0 2 2109,9 4 93,-4 3-623,-5 1-2164,-5 17-1336,-4-13-231,-5 34-3445,3-4 1270,-11 10 3406,3 6 0,-11-14 0,0 0 0</inkml:trace>
+  <inkml:trace contextRef="#ctx0" brushRef="#br0" timeOffset="47455">3602 5962 23639,'0'34'-6835,"0"3"3897,-14 2 2234,10 9 536,-10 7 1,14 7-1,0 4 1</inkml:trace>
+  <inkml:trace contextRef="#ctx0" brushRef="#br0" timeOffset="47955">4988 6984 24089,'-46'14'3439,"-5"11"-2638,7 9-1179,-1 6-150,16-4-97,2 1-14,13 0-353,-7-2 560,18-2-1407,-8-3 255,11-4-129,0-3 189,19 4-83,8-10 814,23 1 1091,-7-13-100,-1-2 999,-10-3-298,-1-24 898,0 19-1014,-11-27 0,-1-5 305,8 6-814,-8-14 1,-2-4-752,-2-8-147,-8 1 0,-2-1 21,-2 20 1,-2-2 353,0-18 0,0-10 1,-3 7-516,-6 11 1,0-1 481,7-11 1,2-6 0,-5 9-195,-12 18 1,1 3-111,13-15 1,0 4-134,-24 5 376,23 2 49,-8 54 1704,11 3-1140,0 32-226,0-13 0,0 1 354,0 26-216,0-20 0,0 1-90,0 20 316,16-1-866,-12-4-760,10-19 0,1-1-55,0 17 333,-3-13 0,1-1-384,1 1-912,3 17 789,-15-31 252,8 3 1218,-9-15 1,3-3 0,-4-2 0</inkml:trace>
+  <inkml:trace contextRef="#ctx0" brushRef="#br0" timeOffset="48121">4635 6704 25168,'-14'-29'-8121,"5"4"5114,4 2 1875,5 4 1066,46-5 2679,-14 9-1777,4 5 1,6 4-864,0 2 1,-1 3-243,-7-1 0,0 2-55,27 10 0,0 1 605,-26-9 1,-2 1 0,12 16-1,-2 2 1,13 3 0</inkml:trace>
+  <inkml:trace contextRef="#ctx0" brushRef="#br0" timeOffset="48310">5940 6780 24449,'-46'16'3445,"0"8"-2931,21 11-2178,-12 3 1331,32-6-1726,-22 2 1692,24 2-1602,-6 0 252,9-1-1438,0-1-223,21-1 3082,-15-5 1,41-1-1,-15-3 1</inkml:trace>
+  <inkml:trace contextRef="#ctx0" brushRef="#br0" timeOffset="48475">5637 7966 24089,'-8'9'-804,"-1"-2"0,9-3 0,-3-3 1</inkml:trace>
+  <inkml:trace contextRef="#ctx0" brushRef="#br0" timeOffset="51673">7185 6547 27687,'0'-6'-6476,"0"0"4258,0 2 1244,0 1 605,0 0 33,0 19 32,0 10 76,0 13-1548,0 8 1326,0-3 0,0 5-179,0 5-91,0 2-135,0-15 1,0 0 134,0 19 45,0-11 1,0-1 134,0 1 540,0-13 0,0-1 0,0-5 0,0 5 0</inkml:trace>
+  <inkml:trace contextRef="#ctx0" brushRef="#br0" timeOffset="51805">6923 7224 23999,'-29'-18'-3936,"-3"-4"2316,16-11-1386,2-9 1170,35 15 2288,2 0 0,3 2 85,3 7 0,3 1-562,24-14 1,3 0-205,-19 11 1,-1 1 471,15-8 1,0 2-1,-14 7 1,-2 1 0,2 0-1,-1 0 1</inkml:trace>
+  <inkml:trace contextRef="#ctx0" brushRef="#br0" timeOffset="52338">7733 6327 23819,'-20'-11'-3467,"-10"5"3964,26-1-3344,-19 5 4392,13 1-822,0 27-847,-6-3 442,10 28-873,-2-15 0,0 2 302,-1 24-202,2-17 1,2 0 896,2-11 0,0-1-1762,-2 33 133,4-3 778,0-20 0,0-1-712,1 20 968,0-15 0,0-1-639,0 1 59,0 8 160,17-25-301,-12-7 271,12-4 321,-17-3-288,10-8 639,0-2 350,9-25 1130,6-10-189,-7-10-15,9-3 187,-1-1-398,-8 14 245,6-9-349,-14 27 320,2 1-1118,-8 10 5,2 0 565,2 22-2545,-2 6 207,11 26-152,-7-12 107,11 8-437,-7-22-419,26 11 912,-13-25 563,28 3 2654,-24-17 375,20-20 1080,-22-8-1677,-7 2 0,-3-1 976,0-16-698,0 1-630,-9 16-1234,-6-1-814,0 36-2074,-4 9-284,0 25-430,0 17 1071,17-23 2302,-12 12 1,27-19 0,-13-2 0</inkml:trace>
+  <inkml:trace contextRef="#ctx0" brushRef="#br0" timeOffset="52501">8108 6619 24449,'-12'-2'-2859,"5"0"2754,-1 1 1,7 0 0,-2 1-1</inkml:trace>
+  <inkml:trace contextRef="#ctx0" brushRef="#br0" timeOffset="52655">8350 6396 23099,'21'-10'649,"15"20"-1217,14-5 0,-19 13 0,-1 4 0,22 6 1</inkml:trace>
+  <inkml:trace contextRef="#ctx0" brushRef="#br0" timeOffset="53059">9310 7713 23909,'20'-45'-3157,"-15"-1"523,41 11 4447,-23-9-1730,1 21 0,2-1 186,-6-3 0,0 0-216,2 0 0,-1-2-36,0 0 1,-2-1-165,0 1 1,-1-3 387,4-14 1,-2-3 215,-5 14 1,-2-3-531,4-25 0,-4-1-93,-4 26 1,-3 2-166,-1-10 1,-3-1-102,2 9 1,-2 2-676,-2-15-106,0-8 282,0 36 252,-18 7 262,13 31 751,-17 13 1,-2 5 536,17 26-711,-14 1 0,-1 1 71,14-26 1,3 0-410,-3 26 1,0 1-43,2-27 0,3 0-717,14 22 0,2-1-641,-7 5 309,16-25 1,5 0 1072,-9-5 1,2-3 0,33 10 0,-25-15-1,1-1 1</inkml:trace>
+  <inkml:trace contextRef="#ctx0" brushRef="#br0" timeOffset="53405">10275 7277 25168,'-25'-17'-4000,"19"1"-309,-42 2 5512,17 2-684,-11 5 241,1 2-56,4 20 683,10-11-1011,3 29 254,5-28 2224,16 33-3936,-7-23 1012,10 27-1565,26-18-216,8 11-501,16-23 1801,-16 0 0,-1-2 418,9-8-388,14 5 1721,-23-7-746,-1-16 1781,-6 12 64,1-30-684,-15 8-881,5-18-786,-16 8-1407,2 1 240,-3 17-378,0 18-727,0 30-205,0 7 594,-1 2 1,2-1-292,15-2 1889,-12 22 0,25-33 1,-13-1-1</inkml:trace>
+  <inkml:trace contextRef="#ctx0" brushRef="#br0" timeOffset="53938">10642 7234 23909,'0'36'-5576,"0"2"3537,0-4 975,20 1-222,-14-10 544,31 0 1395,-18 6-1144,2-9-1002,10 6 1613,-16-17 147,3 0 102,1-9 1385,-11-1-434,6-1-733,4-16 1281,-2-7-832,13-24-62,-8 6-613,-3 12 1,0 0 364,2-4-1078,4-7 567,-5 20-18,-9 2-412,4 10 1185,-9 2-721,2 24-1949,-3 7 316,7 37-65,-4-18 733,1-10 0,1-2-1227,0-4 440,5 11-1222,-5-22 847,2-2 2390,-7-11-196,4-4 1643,-3 0 11,3-20-784,1 15 1400,7-54-1355,-1 34-321,-3-9 1,0-3 6,3 1-192,3-7-1555,-8 19 301,-1 5 792,-1 9-926,-1-1 1280,0 10 495,1-4 261,6 26-2580,-4-16 680,15 51-1761,-12-34 180,7 30-1015,-7-24 52,-1 0-959,0-3 3405,-1-2 0,-4-11 1,1-3-1</inkml:trace>
+  <inkml:trace contextRef="#ctx0" brushRef="#br0" timeOffset="54109">10475 6796 26338,'-11'-10'-5616,"3"3"2361,59 3 4074,-8 3-707,-2 0 1,8 0 0,-2 3 0,-1 4 0,0 2 0,20 1 0,-1 0 0</inkml:trace>
+  <inkml:trace contextRef="#ctx0" brushRef="#br0" timeOffset="54721">12400 7049 26607,'13'-6'2433,"-10"23"-8247,15 1 3658,-16 26 746,4-4 115,-3 7 924,-1-7 0,1 3-176,5 22-304,-4-10 1,0 1-1443,4 6 2357,-2-8 1,-1-1-375,1-4 282,-2-10 1,-1-4 37,-2-13-953,0 2 551,-25-35 920,2-30-625,-2 17 1,0-2 6,3-22 1,4-2-150,3 18 0,3 0 76,0-30 0,6-1 195,4 23 1,2 0 86,-3-13 1,4 1 97,9 16 0,0 4 8,-6-32 299,19 36 0,5 2 561,-9-3 0,2 2 1193,34-6-804,-18 17 1,-2 4 958,7 6-451,11 22-1124,-23-12-82,-3 38-1699,-4-21-333,-7 24-788,-7-8-540,-4 1-263,-6 13 439,0-14-982,-23 17 1296,18-29 1575,-35-3 1040,35-11 1,-33-10-1,12 2 1</inkml:trace>
+  <inkml:trace contextRef="#ctx0" brushRef="#br0" timeOffset="55091">13100 6145 25168,'20'-2'1585,"-2"18"-5043,-4-12 2186,-6 27 0,-2 8-380,7 1 1054,-2 18 0,-2 5 237,-2-27 1,-1 1 160,2 15 0,1 6 0,-2-5-725,-1-10 0,-2-1 295,2 8 1,1 6 0,-1-8 241,-1 17 457,-2-15 0,0-1 28,-1-1 209,-2 19-103,0-39 12,0 2-951,0-16-470,0-6 1333,0-21 15,0-11-26,0-25-48,0 10 133,23-1 1146,1 12 144,20 13 717,-4 2 6,0 54-2363,-10-13-258,-14 3 0,-3 2-957,7 9-30,-1 2-1274,2 0 2237,12 13 1,-4-19-1,11 7 1</inkml:trace>
+  <inkml:trace contextRef="#ctx0" brushRef="#br0" timeOffset="55481">14183 6982 24898,'-26'-24'-4865,"-15"-1"4196,11 12 1011,-28 2 578,11 29 68,8 5 0,3 5-189,0 21-755,7-4 1,4 0-644,12 0 1013,2 15-691,11-22-607,0-5-527,20-3-1178,-14-6 119,40-5 2100,-26-9 16,40-1 1105,-21-8 537,24-13 668,-28-13-1040,-10 2 0,-3-3 1038,-1-18-407,-4-3-1390,-5 12 23,-10 2-1199,5 3-115,-7-4-822,0 10 214,0 28 80,0 30 442,0 12 195,0-11 0,0-1-427,0 1-86,0 19 755,0-29-927,17 4 1873,2-14 0,19-8 0,-4-1 0</inkml:trace>
+  <inkml:trace contextRef="#ctx0" brushRef="#br0" timeOffset="55811">14413 7186 23459,'7'-24'-2854,"-1"3"1524,-3 2 1271,-1 0-519,0 10 127,0 1 485,2 29-951,-2-15-1306,3 38 1472,-2-12 42,1 10 153,4 10-113,-3-24-42,5 11-227,-3-26 459,11 7 1157,-5-18 863,17-16 805,-9 9-1371,0-23 1,0-6 403,10 6-492,-11-3 1,1-2 81,2 2 1,0 2 987,12-13-1039,-7 8 1,0 2-759,3 4-503,12-4 522,-22 24 1038,1 3-493,-12 22-2456,-4-12 797,-1 38-1447,-2-2 492,-2 12 343,-1-16 1,0-1-1008,0 6-2204,-16 21 4473,12-34 0,-26 3 1,12-16-1</inkml:trace>
+  <inkml:trace contextRef="#ctx0" brushRef="#br0" timeOffset="56022">13668 6303 25888,'-3'-49'-6705,"0"3"4615,23 3 3000,-15 3-1388,49 2 2245,-24 4-1602,25 13 1,6 5 92,-29 6 0,1 3-1182,33 3 0,-1 8 581,-10 15 429,-19-1 0,-2 5 0,3 21 0,0 6 0</inkml:trace>
+  <inkml:trace contextRef="#ctx0" brushRef="#br0" timeOffset="56459">15980 6455 27057,'-13'-28'-9026,"2"4"6271,-1 6 2010,7 10 431,-7 32 1523,8 3-1087,-3 15 0,0 3-37,-1 20-801,2-20 0,-1 3 620,2 4 0,1-1 229,0-12 0,1 0-455,0 23 1,0-2 114,2 4-835,1-17 0,0-2 275,0-1-255,0 7 139,0-26 826,0-5 0,0-7 0,0-1 0</inkml:trace>
+  <inkml:trace contextRef="#ctx0" brushRef="#br0" timeOffset="56723">15598 7068 23729,'-7'-36'-7812,"1"1"5422,6-10 1815,0 14 230,44-11 2319,8 25-990,-13 8 1,1 3-340,-6 2 0,2 5-794,13 7 1,-2 6 1773,12 14-1101,-5-2 1,-5 4 20,-10 13-515,-13-15 1,-1 0-1593,-4 2-664,-1 7 1152,-12-11-1403,-5-9 977,-1-18 2347,-2-20-1933,0-35 576,0 4-132,0 10 1,0 0 107,0-11 745,7 7 0,6 1 1,21-5-1,-6 18 0,0 0 1</inkml:trace>
+  <inkml:trace contextRef="#ctx0" brushRef="#br0" timeOffset="57138">16842 6956 23549,'-38'0'810,"-2"-18"-2932,3 14 2276,2-13-1167,-5 17 1615,11 0-237,-19 14 482,25-11-642,-3 35-532,14-3 245,7 10-1232,1 15 639,31-27-1489,9 14 95,16-32 1478,-17-2 1,0-3-270,9-8 987,-7 3 1,-1-4 783,3-22 963,7 16 276,-14-51-829,-11 33-228,-7-10 1,-3-1-1017,-2-2-433,0-18-746,-7 26-307,0-1-416,-2 14 3,0 30 530,17 21-1462,0 26 895,4-3 64,6-13-613,-8-9 575,8-13 1912,0-3 1,-6-7 0,1-6 0</inkml:trace>
+  <inkml:trace contextRef="#ctx0" brushRef="#br0" timeOffset="57473">17438 6855 25978,'0'43'-6026,"0"-7"3718,0 4 1423,0-8 247,14 3-828,-11 13 1322,10-3-525,-13-2-838,0-13 518,7-16 212,1-8 894,6-21 1104,1 10-312,-2-24 0,1-5-63,10 4 6,0-14 1,0-2 192,7-2-441,-11 17 0,1 0 1155,13-18-525,-11 19-918,4-3-331,-15 23 1027,0 5 145,-8 29-3102,8 25-250,-5 2 531,3-11 0,2-2-1081,6 0 2484,1-8 0,3-2 0,10-2 0,14 5 0</inkml:trace>
+  <inkml:trace contextRef="#ctx0" brushRef="#br0" timeOffset="57893">18322 6782 23279,'-43'0'360,"19"19"80,-15-14-79,35 33-2695,-27-34 2999,29 37-2112,-10-25 1372,12 19-1522,0-12-179,23 6-107,-17-9 991,24-7 0,5-3 1737,-9-3-1636,34-1 2062,-28-6-895,-1 0 1401,-3-15 1320,5-4-275,-8-17-1430,0-2-1441,-15 1-223,-4 5-828,-6 37-407,0 5 1,0 55-512,-14-12 1580,11-11 0,4 7 0,-3-4-48,-5-5 1,0 1 264,5 9 1,3 6 0,0-6-68,-2-13 0,2-1 56,6 23 0,0-2-16,-3 6 554,9-8 1,1-3-621,-11-5-55,4-12 1,0-3-841,-7-16-1053,-17-2 2307,-10-33-1386,-10 14 1460,-5-43 1,7 23 0,-4-25 0</inkml:trace>
+  <inkml:trace contextRef="#ctx0" brushRef="#br0" timeOffset="58977">19560 6897 24898,'0'-41'-5756,"21"-3"5948,-16 7-1205,42-9 2508,-23-8-1404,-1 24 0,3-1 154,-5-2 0,-2-1-203,1-1 0,0-1-307,0-1 0,-1-1 772,5-18 0,-4-1-507,-9 15 1,-1-3 309,2-1 0,1-3 0,-4 4-871,-6 6 0,-3 2 222,6-17-1,-1 3-779,-5 5 13,0-1 219,-20 31 321,1 8 893,-22 51 679,22-8-673,0 3 0,4 4 220,10 23-470,-10-28 1,0 1 184,12 2 1,3 2-201,-7 20 1,0 1-134,6-16 1,2 2-391,4 1 0,2 5 0,-2-6-629,-3-7 0,1-1 129,13 22 1,4-2-817,5-1 957,-2-17 1,0-3-272,3-4 533,11 2-100,-18-23 1153,8-7 596,3-21 1646,-14 9 694,5-33-1233,-10 9-597,-1-9-657,-5 10-751,-3 1-179,-1 13-952,-1 11-1458,0 18 392,17 18 398,-13 5 688,26-8 232,-27 2-92,26-3-84,-1 7 50,6-12 465,19 3 712,-21-19 891,12-3-88,-16-6 389,2-20 540,-4 15-1178,-9-23 0,-1-5 435,4 6-541,-6-12 1,-3-3-247,-3-2-588,-3 9 0,-2 1-1052,-2-2-447,-1-2 227,0 20-421,0 33 859,0 9 110,0 11 1,0 3-297,0 12 44,6-14 0,4-1-528,7-4-691,20 11 2338,-7-28 1,3 5 0,-4-15 0</inkml:trace>
+  <inkml:trace contextRef="#ctx0" brushRef="#br0" timeOffset="59257">21058 6636 25438,'-17'-11'-3485,"12"25"2322,-31-8 3254,31 42-3548,-27-26 2821,28 24-2473,-19-9 1302,21 17-1798,-7-14 1416,9 23-401,18-31-1891,-14 7 2160,34-20-1003,-33-4 555,40-6 891,-24-4 864,23-3 104,-11-2 506,11-16 1271,-14-9-1272,6-25-1065,-20 8 529,-7-7-2702,-4-3 232,-27 13-478,8 7 1,-1 2-1256,-13-1 2787,-3 11 1,2 1-1,8 4 1,-30 0-1</inkml:trace>
+  <inkml:trace contextRef="#ctx0" brushRef="#br0" timeOffset="59641">21468 6717 23999,'8'0'1528,"5"0"-1348,-2 0 180,15 21-2442,-7 8-133,13 27 491,-14-10 163,2-1-697,-7-3-98,-5-13-233,0 12 295,-5-23 1343,-2 1 847,2-14-254,2-1 1215,2-4 1220,6-23-529,4 3-673,0-9 1,2-4 555,13-12-212,-3 1 1,2-1 460,4-12-635,-13 21 1,1 0 637,10-21-1984,-8 21 781,1-1-398,-9 27 1014,-3 5-29,3 23-2244,-4-13 355,-2 24 0,-3 7-1333,2-6 1090,-4 4 0,-2 3-1343,1 7 94,-3 1-856,-1-3 2602,-1 12 1,0-18 0,0 8 0</inkml:trace>
+  <inkml:trace contextRef="#ctx0" brushRef="#br0" timeOffset="59871">20830 6016 25798,'0'-16'-5756,"39"-3"9558,-9 3-2787,14 5 1,4 3-363,13-3-662,-5 6 0,0 1-361,-19 2 1,-2 1-128,10 0 1,0 2-753,-3 5 1,-3 3 1398,19 13 0,-22-7 0,-3 2 0,11 17 0</inkml:trace>
+  <inkml:trace contextRef="#ctx0" brushRef="#br0" timeOffset="60143">22480 5581 26158,'38'-2'1916,"1"0"-923,21 25-2442,-12-4 994,-5 11 0,0 5-214,-15-11 0,-1 3 270,3 8 1,2 6 0,-4-2-194,-2 2 1,-2 2-117,-4-4 1,1 2-1,-4 1-30,-2 6 0,-4 2 0,-1-2-292,0 9 0,-1 3 727,-3-12 0,0 5 1,-2 1-1,-5-6-80,-11 13 1,-5-1 67,5-12 0,0 4 0,-3 0 0,-1-6 227,-5-6 1,-3-5-1,-3 4 214,-1 2 1,-5 5-1,-2 2 1,2-2-1,2-5 1,-1-2-1,2-4 1,-3 2 0,-5 5-1,0 0 1,-1 0-1,1 0 1</inkml:trace>
+  <inkml:trace contextRef="#ctx0" brushRef="#br0" timeOffset="61605">1502 9074 25258,'-19'-7'-2733,"15"1"-802,-36 1 4692,8 3-199,-11 1-495,10 7 1,1 5 700,-8 18-891,4-3 1,2 3-165,-5 20 69,16-22 0,1 1 1255,1 28-2100,11-12 130,4-7 1,6 0-1212,24 5-971,-18 12 1484,25-29 0,4-2-4,-10 13 626,11-9 0,2-1-58,-6 2 1370,13 15-918,-24-27 541,-5 11-289,-10-18-379,-50 11 1234,33-8-988,-30-1 0,-3-1 321,22-3 210,-22 3 0,17-9 1,9 1-1</inkml:trace>
+  <inkml:trace contextRef="#ctx0" brushRef="#br0" timeOffset="62288">1917 9506 25078,'2'-2'797,"-17"0"-1590,10 23-1476,-32-16 3093,33 40-2346,-34-24 2422,33 23-2031,-30-10 742,22 16-1134,-6-14 595,9 20 663,10-30-1698,0 5 1307,17-18-1107,8-5 2501,21-4-866,-6-25 1719,13-14-411,-21-11-114,8-5-115,-23 21 1,-3 1 294,6-15-545,-9 8 1,-1 2-851,-1-1-785,-4-10-1042,-2 25 414,-3 21 343,0 24 36,0 14 634,8-3 0,1 0-650,-5 12 475,10-3 1,3-1-779,5 5 689,1-6 1,4-4-54,11-7 665,-6-10 0,0-6 496,3-11 557,-2-9 0,0-7 1811,7-20-1596,-6 3 1,-1-4 18,-15 3 0,-2-1-80,5-2 1,-1-1 103,-6 0 0,-2 0-315,4-14-695,-7 13 0,-2 1-1100,-4 4-496,0-1 112,-3 38-63,0 16 386,0 33 135,0-3 612,-1-13 1,2-2-358,19 7-150,-9-9 0,2-2-363,11-1 585,18 5 540,-22-24 256,20-6 875,-7-4 227,15-5 384,-13-21 1296,21-11-70,-29-12-1991,-8 12 1,-1 0 204,-5-6-663,2-12-970,-10 23-472,-3 5-373,1 1-354,-3 12-294,1 22 712,2-7-696,1 44 202,2-26-119,3 28-222,2-8 1891,4 0 0,5 2 0,1 0 1</inkml:trace>
+  <inkml:trace contextRef="#ctx0" brushRef="#br0" timeOffset="62788">4032 9713 24898,'-34'0'540,"0"0"-540,-2 14 1470,-1-10-1461,-14 25 350,14-1-724,10 5 0,4 3-593,5 18 8,5-11 0,9-2-989,35-2 629,-11-10 1,4-4 194,7-11 1,2-4 549,1 1 1,0-3-549,23-3 959,0-5 648,1-18 372,-20 3 0,-1-2 148,-9-3 1,-2-3 6,13-12 1,-3-2 275,-5-14-1145,-12 17 0,-4 0-95,-3-20-798,-4-1-117,-5-6-998,0-1 330,-3-3 865,0 0 563,-9 20 1,1-1-701,3-18 566,-12 14 1,-3 4-763,1 3 25,-5-3 228,11 27 614,2 8-29,9 26 714,-9 22 444,11 15-902,9-5 1,0 2-29,-7-14 0,1-1-73,11 13 1,3 3-589,-5 3 1,1-3 156,1-11 1,1 0-693,7 22 0,0 0 167,-10-29 1,1-1-483,5 14 1,0-1-538,0-5 1878,-2 2 0,-6-23 1,-3-5-1</inkml:trace>
+  <inkml:trace contextRef="#ctx0" brushRef="#br0" timeOffset="62945">4000 9450 25888,'-7'-27'-8467,"1"3"5832,6 9 2240,0 3-202,28 4 2784,-2 3-997,30 1-605,-2 4-1061,-8-2 0,3 4 1118,-11 5 1,2 3-720,5-3 1,4-1-1,-4 4 234,-5 6 1,-1 1 0,13-5 0,-1-3-1,-18-3 1,1 0 0</inkml:trace>
+  <inkml:trace contextRef="#ctx0" brushRef="#br0" timeOffset="63240">5135 9481 24808,'-20'-12'-3316,"-6"3"2790,-14 9 1756,16 24-629,-3-4 176,24 40-2110,-9-19 1022,10-5 0,4 1-1332,15 7 905,-2-9 1,3-3-658,23 1 919,2-11 1,2-4-318,5-5 514,-2-5 1,0-5 2034,-4-20-702,-10 5 1,-2-1 1569,0-9 264,4-23-816,-17 12-1605,-9-11-1045,-2-7-672,-8 24-1628,-25-10-1076,-8 19 3729,2 8 1,-2 2-1,-20 3 1,-2 2-1</inkml:trace>
+  <inkml:trace contextRef="#ctx0" brushRef="#br0" timeOffset="63421">5665 8670 24629,'-22'44'-3938,"-13"2"2283,31-5 1336,-34 8 0,33 8 0,-16 4 0</inkml:trace>
+  <inkml:trace contextRef="#ctx0" brushRef="#br0" timeOffset="64645">7140 8986 25888,'0'-7'-5576,"0"0"3537,0 24 975,0 0 425,-18 47 1012,1-12-292,7-14 0,-1 5-261,-2 10 0,1 2-712,6-12 0,2 2 384,-1 6 1,0 5 0,0-4 144,1-6 1,1 1-193,2 2 1,1 5-1,1-5 554,-1-7 1,0-2-1,0 10 1,0-2 0,0 10-1</inkml:trace>
+  <inkml:trace contextRef="#ctx0" brushRef="#br0" timeOffset="64807">6785 9646 23819,'0'-18'-6386,"0"2"4258,21 5 5319,-16-1-3670,47 5 1323,-24-2-494,30 3-265,-19 3 0,0-1 1,24 1-1,-20 1 0,1 0 1</inkml:trace>
+  <inkml:trace contextRef="#ctx0" brushRef="#br0" timeOffset="65188">7622 9580 24089,'-40'0'1889,"5"0"-1799,0 0-90,19 17-125,-8-13 692,14 46-1990,-3-29 1006,6 45-960,7-32-399,20 24-582,-14-29 149,37 10 588,-10-14-104,10-7 2081,16-4-170,-24-10 894,20-24 1171,-25 16-910,-8-23 0,-3-4 263,-1 6-473,1-33-285,-12 5-1143,-4 15-578,0-21-440,-3 33-936,0-2 241,0 42 389,0 35-127,0 6 757,10-8 0,2-1-397,-7 2 460,18-18 0,4-2 152,-2 4-339,28-6 1377,-6-12 0,5 0 1,4-8-1</inkml:trace>
+  <inkml:trace contextRef="#ctx0" brushRef="#br0" timeOffset="65439">8710 9592 24269,'0'-35'-5306,"0"4"4077,-19-5-840,-8 14 2519,-30 4 494,10 14 228,-6 19 423,0 12-1062,15 9 187,9-4 1,3 0 665,8 11-115,-2 17-1160,20-21-1092,0 1-617,0-5-1165,47 6 814,-17-16 1517,15-11 0,4-5 376,3-3 405,-9-4 1,-1-4 736,6-15 1194,6 12-616,-26-36-596,-14 22-591,1-22-2177,-13-5-638,4 12 2131,-25 5 0,-9 5 1,-3 6-1,-5 7 0,0 1 1</inkml:trace>
+  <inkml:trace contextRef="#ctx0" brushRef="#br0" timeOffset="65601">7630 10743 26607,'-4'14'-5941,"0"-2"5602,3-7 1,0-3-1,1-1 1</inkml:trace>
+  <inkml:trace contextRef="#ctx0" brushRef="#br0" timeOffset="81705">10790 9415 25258,'-18'-15'-5309,"14"2"1280,-38 2 5473,22 7-444,-25 1 132,9 3-142,-3 18 200,0-13-954,0 39 980,4-22 1451,1 25-2446,8 8-702,3-13 72,12 12-888,4-19-410,7-3-124,0-3 323,20-4-546,-15-5 353,35-4 1760,-12-4-215,11-6 1053,17-21 830,-21 10 125,9-43-511,-7-3-691,-25 19 0,-2-3-137,6-19 0,-3-1-744,-8 19 0,-2-1 64,0-6 1,-1-5 0,0 4-314,-1 2 0,-2 0-49,-4-5 0,-2-4 0,2 5-288,4 5 0,-3 2-52,-15-11 1,0 1 60,17 12 1,-2 4 43,-33-11 560,33 0-103,-13 57 1991,17 3-1552,0 32 1,0 8-81,0 10 69,4-21 0,3 6 0,0-5-87,3-7 0,1-3-427,-2 13 1,4-2-284,5-15 1,1-1-462,-1 30-632,1-32 1,0 0 227,12 26-22,1-5 237,0-3 1372,-1-5 1,-3-6 0,-1-3 0</inkml:trace>
+  <inkml:trace contextRef="#ctx0" brushRef="#br0" timeOffset="81872">10333 9173 23459,'-6'-14'-8988,"1"4"6260,43-3 6662,-5 9-3261,1 1 0,3 0-112,26 2-462,-27 1 1,1 0-404,3 0 1,1 0 303,4 0 0,0 0 0,1 0 0,1 0 0,1 0 0,0 0 0</inkml:trace>
+  <inkml:trace contextRef="#ctx0" brushRef="#br0" timeOffset="82256">11692 9288 24269,'-34'5'2453,"-18"2"-1967,29-1 311,-40 9-384,22 0-191,6-1 0,1 1 74,-3 7-345,-15 17 267,35-15-984,0 23-694,17-22-992,46 14 433,-15-24 1292,13-7 1,4-3-9,2-2 449,-16-1 1,-1-4 144,11-14 1317,-5 11-242,-11-23 0,-4-6 834,-2 9-980,-2-12 0,-5-1-1099,-14 6-1100,5-6 290,-6 15-463,-17 12-338,12 62-2,-12-12 1537,11 21 1,3 4-164,2-30 0,0 1 294,-3 27 1,-1 0 260,5-25 1,0-2-175,-1 10 1,2 1-64,7-8 1,-1-2-1190,-3 17 402,4-17 1,-1-2-1004,-7-3 2004,0 6 0,0-25 1,0 0-1</inkml:trace>
+  <inkml:trace contextRef="#ctx0" brushRef="#br0" timeOffset="82421">11062 8956 24089,'32'-16'2302,"25"0"-2228,-22 9 0,4 2-910,22 1 0,0 0-1,-20 2 0,0 2 742,16 8 1,0 1 0,-14-7 0,-1 0-1,2 6 1,-1 1 0</inkml:trace>
+  <inkml:trace contextRef="#ctx0" brushRef="#br0" timeOffset="82859">12813 9423 25708,'-50'0'270,"9"0"-73,9 7 1,-1 1 560,-5-5-714,-10 36-76,19-17 83,5 24-864,4-6 30,10 1-354,4 3-530,6-1-998,26 13 157,-4-16 1347,11-11 0,4-5-359,10-3 1487,-13-11 1,1-2 112,13-5 840,3-3 295,-5-24-290,-15 7 0,-1-4 1599,10-31-1885,-10 9 0,-4-2-50,-3-18-701,-9 3 1,-3-2-149,-7 22 1,-2 1-96,2-13 1,-3-2 243,-10 1 0,-2 1-764,10 15 1,-2-1 0,-14-20 1,-3 4-1031,2 3 182,-3-12 710,-5 45 1023,24 25 611,-18 15-137,18 13 1,2 3-267,-7 17-351,6-1 1,2 3 65,-2-21 1,2 1-631,7 28 1,7-1 270,1-26 0,3-2-466,3 12 0,4-1 778,12-5 0,1-4 1,-13-9-1,1-1 1,9 6-1,0 0 0</inkml:trace>
+  <inkml:trace contextRef="#ctx0" brushRef="#br0" timeOffset="83221">13778 9338 25078,'-46'-7'-183,"0"1"32,8 6 594,-20 20 813,13-15-878,11 26 0,2 4-641,0-5 82,13 4 1,5 2-668,4 8-4,4-2-272,6 2-922,18 11-1089,12-15 1920,-2-13 1,2-4 95,20-1 904,-15-12 1,0-2 559,3-3 639,10-5 287,-9-23 748,-15-10-1119,-5 4 0,-3-4 168,-6-20-602,-1 18 1,-2 1-761,-5-5-925,2-23 106,-4 37-484,0 20-872,0 49 296,0 8 1199,-1-19 1,2 1-1945,16 23 2631,-13-13 1,28 6 0,-13-17 0</inkml:trace>
+  <inkml:trace contextRef="#ctx0" brushRef="#br0" timeOffset="83588">14268 9454 24988,'0'47'-5306,"0"-7"3178,0 1 1063,0-6 517,0 2 212,0 1 122,0 22 76,13-26-1885,-10 12 2430,10-33-483,-13-3 166,9-6 499,-1-16 673,7 9 721,7-56-1305,-7 28 73,3-14 1,0-3 85,6-4-376,-8 17 0,1 0 488,12-21-691,-10 18-143,6-1-983,-14 22 1294,5 9 903,-8 20-3073,10 29-479,-8 2 685,-2-6 0,-2 1-911,-1 6 505,-3-7 0,0 0 1659,-2 4 1,0 9-1,0-21 1</inkml:trace>
+  <inkml:trace contextRef="#ctx0" brushRef="#br0" timeOffset="83795">13542 8870 26068,'0'-21'-5756,"0"1"3807,24-1 4299,4 9-81,16-1-866,-4 9-842,-7 2-522,3 1-1355,13 1 1923,-9 17-2421,22 1 1551,-26 2 1,8 10 0,-15-9 0</inkml:trace>
+  <inkml:trace contextRef="#ctx0" brushRef="#br0" timeOffset="83991">14373 8443 24629,'12'-4'4414,"0"0"-3696,6 21-4546,-2-12 3066,16 47-1663,-7-28 1295,0 8 1,2 1-723,12 1-691,14 5 2311,-20-25 0,1-3 0,19 2 0,-15-7 0,-1-1 0</inkml:trace>
+  <inkml:trace contextRef="#ctx0" brushRef="#br0" timeOffset="85437">16810 8548 24898,'-13'-9'-4454,"3"2"3002,1 1 702,7 3-545,-11 0 2276,7 2-165,-3 1-96,-2 21-1470,1-15 2470,-3 39-2147,0-25-470,-6 38 909,7-21-2373,-3 27 2086,11-29 0,1 8 0,3-17 0</inkml:trace>
+  <inkml:trace contextRef="#ctx0" brushRef="#br0" timeOffset="85571">16952 8519 23729,'0'11'-7915,"0"15"4708,0 19 2940,0 7 1,0-2 0,0 2 0</inkml:trace>
+  <inkml:trace contextRef="#ctx0" brushRef="#br0" timeOffset="86093">17483 9304 25258,'-18'-5'-2277,"2"1"1751,8 19 176,3 13-984,2 10 135,3 13 212,0-2 247,0 8-856,20 5-39,-15 2 878,12-31 1,0 0-738,-14 32 1133,9-23 0,3 1-206,-2 17 379,-1-18 0,-1-2-357,1-2-598,-5 5 195,-7-28 571,0-18 136,-20-47-547,16-4 829,-13-6 1,0-3 6,14 23 0,2-3 143,-4-8 1,-1-7 0,2 5 200,3 1 1,2 1-172,-1 6 1,0-2 0,0 3-58,-1-2 0,2 4 114,10 1 0,0 2 341,-9 5 1,2 0 149,15-3 0,5 3 1053,5-9 220,22 1 27,-8 30 203,6 26-972,-21-10-136,5 42-1669,-11-4-629,-11 14 324,-4-16 0,-3 1-497,-4 10-53,-12-9 0,-1 0-1043,7 5 1658,-16-17 1,-3-1 729,-3 18 0,1-16 0,4 7 0</inkml:trace>
+  <inkml:trace contextRef="#ctx0" brushRef="#br0" timeOffset="86438">18107 9218 22920,'5'28'-7487,"0"-3"4935,0-1 1111,-1-1 884,1 2-52,1 3 258,-1 1 105,0 1-1707,-2 0 2157,1-2-122,-1-2 248,-1-5 811,0 2-486,-1-9-855,-1 0 452,0-30 15,0-29-264,0-4-156,-2 5 0,4 0-203,18-7 352,-19 16 0,3 1-278,34-14 460,-33 4 128,37 4 0,-22 6 1,21 3-1</inkml:trace>
+  <inkml:trace contextRef="#ctx0" brushRef="#br0" timeOffset="86770">18858 9251 23009,'-24'-11'-3206,"-10"8"4034,14-19-3267,-19 19 3315,5-7-885,-12 32 1373,19 9-1355,6-2 0,3 2-506,2 21 402,2 3-750,11-5 982,26-13-1867,11 9 443,13-30 640,-13-8 1,-1-2 665,10-6 478,16-16 1106,-20 12-294,-4-36-3,-2 18-364,-15-6 1,-3-4 167,1-9-1438,-7 6 1,-2-1-937,-7-4-1502,-17-23-505,12 33 2760,-29-4 1,30 24-1,-13 2 1</inkml:trace>
+  <inkml:trace contextRef="#ctx0" brushRef="#br0" timeOffset="87587">19657 9233 22830,'-43'-9'-412,"-7"1"191,9 8 694,-4 21 814,3 8-771,13 11-814,10-11 0,3-1-252,5 9-380,2 23 127,9-27-502,27 6-565,4-14-63,17-13 1232,9-1 727,-20-11 550,24-18 1001,-25-13-96,9-11 10,-17-9-130,-3 8-621,-2-4-935,-9 9 0,-1-2-414,5-23 458,-5 4 1,-2-1-224,-6 23 0,-1-1 260,2-25 0,-2 1-441,-2 27 0,-2 3 121,1-10 0,0 2-656,-1-2 282,0 11 290,0 10-58,-14 28 2399,11 26-1816,-10 16 405,2 16-120,8-8-227,-8 7 274,11 0-339,0-17 0,0-1 9,-1-12 1,2 1-1258,6 20 1,3-2 384,12 5-162,-2-14 1,1-1-438,1 2 235,17 7-592,-15-20 981,12-12-385,18-2 2182,-25-13 534,14-22 1542,-21 13-254,-2-36-918,-3 35 1358,-3-41-1795,-5 28 84,-2-19-1963,-5 9-17,0 6-1445,-16 6-89,10 29 1607,-10 14-872,14 14 680,0 15-256,0-22 237,0 21 251,0-27 134,22 7-234,-16-18-943,35-7 1421,-37 1-909,49-9 2433,-31 3-541,37-25 1314,-30-9-1631,-10 1 1,-1-2 979,0-18 10,-3-4-1733,-8 15 1605,-6 3-2692,2 2 233,-3-1-1318,0 13 853,0 20 158,-11 34 682,8 5-1470,-8 26 1312,11-30-1148,22 19-229,-17-25 2132,41 3 1,-27-15 0,22-4 0</inkml:trace>
+  <inkml:trace contextRef="#ctx0" brushRef="#br0" timeOffset="87804">21010 9256 24449,'-19'-4'272,"-3"1"-362,-19 21 1812,5 8-1189,15 12-1469,-1 1 326,19-7-725,-5 0 125,8 1-252,0 0-404,21-2-1334,-16 0 1503,25-13 0,5-1 704,-5 7-120,14-10 1,4-4 1369,6-3 1,-17-4-1,1-1 1,17-2 0</inkml:trace>
+  <inkml:trace contextRef="#ctx0" brushRef="#br0" timeOffset="88055">21712 8733 25078,'-21'20'1612,"8"7"-3555,5 14 196,8 6 76,0-4 497,0 6 336,0 4 209,0 1-967,0 2 1,14 0 281,-10 0 732,9-17 1,0 0-757,-11 20 312,9-11 1,0-2-584,-9 7 350,8 9 1230,-10-24 0,0-5 1,0-2-1</inkml:trace>
+  <inkml:trace contextRef="#ctx0" brushRef="#br0" timeOffset="88204">21410 9249 24089,'25'-9'1389,"13"4"-2265,15 2-306,7 3 936,-10 0 0,2 18 0,3 4 0</inkml:trace>
+  <inkml:trace contextRef="#ctx0" brushRef="#br0" timeOffset="88509">22380 9167 23549,'-15'-5'-2661,"-4"1"2509,-16 4 900,15 18-314,-9-13 275,25 35-2192,-9-22 1463,13 20-1666,0 21 867,0-21 120,9-1 0,5-1-1615,9-4 457,20 16-87,-23-25 1809,6 7-1110,-23-16 969,7-1 13,-10-6 499,0-2 32,0 1-447,-21-1 1489,15-1-683,-40-1-157,25 1 1,-24 0-1,11 1 1</inkml:trace>
+  <inkml:trace contextRef="#ctx0" brushRef="#br0" timeOffset="88874">23155 8594 26787,'7'-20'-3756,"-3"4"2228,1 4 1163,-5 35-959,1 3 328,-21 34 1225,16-2-309,-16-25 0,1 2-391,17 3 1,-1 2 398,-18 1 1,-2 1 214,13 1 1,0 1-200,-9 1 1,-2-1 392,6 1 1,1 1-251,0-1 1,1 0-517,0 0 0,-1 0-164,1-1 0,-2 2 600,2-3 0,-1 2 0,0-2 1,-3 6-1,-1 1 0,3-7 1,0 0-1,0 1 0</inkml:trace>
+  <inkml:trace contextRef="#ctx0" brushRef="#br0" timeOffset="89538">23968 9065 25168,'-39'-1'49,"-2"0"168,-26 1-126,14 23 354,17-22 1,2 3-45,10 20 0,2 1-939,-19-1 794,5 25-421,17-19 0,3 1-481,-1 16 95,5-7 1,8-1-896,23 2-1557,14 15 347,11-33 1767,9-2-370,12-17 1549,-12-23 395,-9 5 0,-1-4 1188,4-23-957,-14 9 1,-2-1 1808,-4-6-1332,-11 0 1,-3 1-1355,-5 4-555,-2-18-728,-6 59-909,0 11-786,17 38-160,-13-8 760,14-11 0,4-2-281,6 6 2500,-8-14 1,2-2 0,20 6 0,-9-3-1</inkml:trace>
+  <inkml:trace contextRef="#ctx0" brushRef="#br0" timeOffset="89959">24915 9112 24808,'-20'-6'-1199,"-10"2"1584,-12 2 49,-2 22 942,9-15-955,0 42-496,10-25 0,0 1-64,6 5 0,3 3-98,-11 12 1,3 1 247,8 9-369,6-18 1,3 0-747,7 20-1136,0-15 371,22 8-241,11-32 1437,30-1 705,-10-37 583,-7-4 1,-2-5-56,-21 4 1,-1-3-179,18-21 1,-4-2 786,-12-9-850,-9 7 0,-3-3 170,-6 20 0,-3 0-599,0-7 0,-2-4 1,1 3-124,-1 1 0,0 2-576,0-15 1,-2 0 187,-8 5 1,-1 3-96,8 14 0,-1 1-149,-14-12 1,1 4-483,12 7 799,-22 25 1325,23 45-665,-15 17 85,17-17 0,1 4-206,-3 10 1,0 1-231,3-11 1,0 2-343,-1 4 0,-1 4 0,5-5 173,9-4 0,1-2-195,-12 11 1,4-2-832,20-16 0,1-2 1344,-5 26 0,0-28 0,2-2 0,12 23 0</inkml:trace>
+  <inkml:trace contextRef="#ctx0" brushRef="#br0" timeOffset="90321">25365 9483 24898,'-13'16'-387,"30"-21"2117,-7-16-3429,37-23 1775,-12 8-99,-13 7 0,-1-1-431,1-10 219,-5 1 0,-2-3-607,-3-10 883,-4 2 0,-1-1-1300,-3-10 1106,-3 20 1,1 1-495,-2 4 0,0 2-867,0-13 333,-17-12-266,-5 58 2194,0 3-15,4 24 0,2 9-144,-4 16-238,7-15 1,0 2-69,0 7 0,2-2-85,6-10 0,2 1-480,0 19 1,0-1 289,3 3-1378,12-22 1,0-1-2646,-6 6 1344,32-5 2462,-34-4 1,27-3 0,-10-1 0</inkml:trace>
+  <inkml:trace contextRef="#ctx0" brushRef="#br0" timeOffset="91039">25403 9271 22200,'-36'0'989,"7"0"-539,-14 20 819,17-15-939,-8 30-741,12-31 730,5 31-1092,2-20 940,4 18-1055,6-12-61,2 1-1022,3 6-81,23-9 871,8 3-381,15-14 2033,1-4-638,-8-4 1145,3 0 151,-2-23 648,15-7 329,-17-13-1488,-10 15 1,-3-2 397,-3-8-1278,-8 0 0,-3-2-631,-2-11 233,-6 16 1,-1-3-92,0-5 1,-1 1-253,-1 7 1,0-1 500,1-28 1,-2-1 51,-7 24 0,0 2-85,7-13 1,-1 2 178,-6 16 0,0 3-586,-5-26 701,12 22 0,-1 3 840,-10-2-1138,12 16 695,0 55 11,0 15-53,-1 0 0,2 2-92,6-17 1,0 1 135,-5 15 0,-1 1-317,5-13 0,2-2-305,1 1 0,-1 0 291,-6-1 0,1 2-1277,17 13 1,2 1 387,-15-15 1,1 1 984,6 2 0,3 5 0,-1-5 0,-4-5 0,-1-1 1,5 12-1,-1-1 0</inkml:trace>
+  <inkml:trace contextRef="#ctx0" brushRef="#br0" timeOffset="91656">26223 7994 24808,'11'40'-8517,"-8"-5"6680,8 6-435,-3 12 1144,-6-14 346,5 15-430,-3-12 412,-2-12 366,2 2 0,-4-22 0,0-4 1</inkml:trace>
+  <inkml:trace contextRef="#ctx0" brushRef="#br0" timeOffset="91788">26380 8071 24718,'23'-35'-1060,"-17"3"-573,34 6 3692,-25 6-2122,11 39-2661,-17 16 0,-6 8 1077,1-2 1,-2 3 1565,1 19 0,-6 1 1,-6-17-1,-4-2 0,-1 3 1,0 1-1</inkml:trace>
+  <inkml:trace contextRef="#ctx0" brushRef="#br0" timeOffset="94271">1485 12177 26787,'-13'0'630,"2"0"-540,3 0 989,3 0-989,26 0-90,14 0-180,17 0-359,9 0-361,-7 0-269,12 0 269,-32 0 1,1 0 269,4 0 1,2 0-136,0 0 0,1 0 765,3 0 0,0 0 0,0 0 0,0 0 0,0 0 0,1 0 0</inkml:trace>
+  <inkml:trace contextRef="#ctx0" brushRef="#br0" timeOffset="94454">1907 12507 24629,'-19'4'1642,"3"-1"-1631,30-1-1602,19-1 344,17-1 125,11-14 1183,-3 10 0,-26-7 1,0-1-1,3 6 1,0 0-1</inkml:trace>
+  <inkml:trace contextRef="#ctx0" brushRef="#br0" timeOffset="94720">2188 11783 24269,'-30'-6'-1788,"4"0"1269,9 3 1125,8-1-947,25 4 961,-10 15-984,29-4 0,8 1 254,-3 20-325,17-6 1,4 0 210,-28-8 1,-1 0 25,10 7 1,-2 1-572,10 13 233,-8 2-1094,-9 4 1079,-23-8 0,-3 2-1481,3 24 610,-23-4 1,-7 1 509,7-21 1,-3-1 990,-14 14 1,-2-1 0,6-13 0,0-2 0,-2 1 0,1 0-1</inkml:trace>
+  <inkml:trace contextRef="#ctx0" brushRef="#br0" timeOffset="95538">3523 12551 25438,'21'-44'-1535,"-16"5"1299,23 1 0,6 0 918,-8-19-618,-2 21 1,5-4 0,-3 2-40,-5 2 0,-2 0-85,2-5 1,-1-3 0,-3 4-98,-5 5 0,-3 0-308,9-19 1,-4 2 135,-11 1-64,3 14 1,0 4-669,-6 10 4,0 20-53,-16 49 837,12 14-265,-4-9 0,-2 8 1,2-4 69,6-6 0,2 1 93,-3-2 1,-2 6 0,2 0 0,3-7-129,8 3 1,3-3-362,-5 4 1,0 3 0,1-6 260,5-7 0,-1-2-4,-4 11 0,0-2 348,9 8 0,-12-6 1,11-4-1</inkml:trace>
+  <inkml:trace contextRef="#ctx0" brushRef="#br0" timeOffset="95670">3450 12874 22920,'0'-30'-6386,"23"0"7563,3-2-755,29-3-41,-27 15 0,1 1-360,4-3 1,2 1 102,5-2 1,1 0-1,3-1 1,2 1 0,2-1-1,1 0 1</inkml:trace>
+  <inkml:trace contextRef="#ctx0" brushRef="#br0" timeOffset="95954">4868 11959 23999,'-54'0'1259,"3"0"-719,8 0-108,10 8 0,-1 4 536,-20 14-712,9-2 1,2 3-96,-6 16-255,16-13 1,2 0 41,5 6-214,13 0 1,3 0-929,6 0 120,23-5 1,8-4-1160,3-4 1525,15-10 0,5-4 52,3-1 497,-17-4 1,1-4 309,-2-10 1,-1-1 1078,13 6-361,-13-21 1,-4-5 860,-10 5-1514,-6-10 1,-4-3-1089,-9-3-1114,4-12 75,-29 16-1470,18 3-771,-40 5 3647,41 4 1,-38 5 0,17 5 0</inkml:trace>
+  <inkml:trace contextRef="#ctx0" brushRef="#br0" timeOffset="96256">5172 11899 22830,'6'0'539,"2"0"-449,-1 18-4750,1-14 4257,2 38-1382,8-1 158,-3 13 1128,-2-15 0,-1 0-1716,3 9 1160,-2-10 0,-1-1-1239,0 3 3254,7 15-1789,-11-30 1396,3 1-491,-8-14-69,-1-27 931,-1-17-560,-1-17-884,0-9 1,0-4 250,-1 26 0,2-1 368,4-13 0,4-6 0,-3 6 0,-4 11 0,1 2 0,7-13 0,0 0 0</inkml:trace>
+  <inkml:trace contextRef="#ctx0" brushRef="#br0" timeOffset="96854">5897 11902 23819,'0'48'-5936,"0"-9"3898,14 11-115,-11-10 1369,11 3-188,-14 18 922,9-18-92,-8-8 1,0-2-1440,8-1 1236,-9 5 435,0-20 454,0-7-1273,6-3 963,-1-4-333,10-22 1291,-2-15-598,6-12 19,-6 6 1,1 0 116,11-15-97,-5 7 1,0 1 411,5-6-336,-8 16 1,0 3-83,0 4-208,9 5 563,-13 37-1291,8 20-626,-9 9 367,-4-7 0,0 1-659,1 9 665,-3-7 0,0 0-622,0 4 57,3 25-362,-6-40 325,2 8 936,-3-28-440,1-2 537,3-28 371,14-13 914,-3-15-649,-3 22 1,2-1 113,2-8 0,1-1 13,-5 9 0,2-1 257,9-19 1,0 1 1279,1-2-1234,-7 18 0,-1 3-198,-1 10-273,2 3 394,-7 18-62,-3 18-2197,2 1-362,6 41-476,-1-13 246,-1 0 1,1 2 1734,-5-17 1,1 0 0,6 11 0,0-1 0,-4-11 0,0-1 0</inkml:trace>
+  <inkml:trace contextRef="#ctx0" brushRef="#br0" timeOffset="97321">7918 11966 25348,'-46'0'-42,"2"-1"192,9 19 925,-17 10-479,13 11-935,-8 6 65,21 9-492,5-11 198,15-8 1,2-1-866,-2 2-232,34 14-1059,10-33 1970,-2-4 0,2-3 110,23-8 603,3-12 635,-31-4 0,-3-4 794,15-21-749,-10 3 0,-4-3 264,0-15-187,-10-1 1,-3-2-883,-10 18 1,-1 0-273,0-15 0,-1-2-247,-2 12 1,-2 0-86,-1-2 0,0-2 265,0 1 1,-1-3 607,0 5 0,0-2 1,0 3-545,1-5 0,-2-1 249,-3 4 0,-3-4 0,2 7-567,1-18 431,-10 24 0,0 5 88,11 12-38,-9 32 537,10 25 1,4 9-291,-2-5 1,0 3 25,0 10 0,0 6 1,0-5 44,-1-4 1,2 0-151,3 6 1,1 6 0,2-5-151,1-6 0,0-1 144,1 13 1,1 1-601,3-9 1,0-4-185,-5-14 1,-1 0-134,5 15 0,0-3-787,1-4 1738,-5 2 0,-8-30 1,0-5-1</inkml:trace>
+  <inkml:trace contextRef="#ctx0" brushRef="#br0" timeOffset="97455">7748 11537 24898,'20'-25'-1202,"-15"4"-1577,42 7 3584,-1 8-656,15 3-402,-25 1 1,0 3 166,25 23 1,4-18 0,-31 6-1,0-1 1</inkml:trace>
+  <inkml:trace contextRef="#ctx0" brushRef="#br0" timeOffset="97770">8578 12252 24898,'21'5'-1286,"9"-1"1285,11-25 1595,4 15-1023,-11-35-722,2 25 928,-2-18-702,-3 8 250,6-8 185,-15 8 9,4-14-1357,-20 19-414,0-5 299,-6 12-1279,0 2 597,-20 3 635,1 5 564,-22 21 1364,5 15-832,19-3 0,2 4-26,-4 23-277,9 4-539,10-2-153,21-15-2770,10 16 3466,10-34 1,6-2 0,-12-17 0</inkml:trace>
+  <inkml:trace contextRef="#ctx0" brushRef="#br0" timeOffset="98004">8833 11371 25978,'-11'0'989,"29"13"-4317,10 1 2226,18 2 567,2 11-393,-11-23 612,2 28-2094,13-13 933,-15 8-1286,17 1 2812,-28-13 0,0 2 0,-14-7 0</inkml:trace>
+  <inkml:trace contextRef="#ctx0" brushRef="#br0" timeOffset="98154">9248 11097 25438,'35'-7'2548,"3"1"-2208,-5 27-3381,12 11 525,-16 14 59,-5-8 1,-1 3 2141,1 18 0,-9-15 0,-2 0 0,-6-9 0,1-1 0</inkml:trace>
+  <inkml:trace contextRef="#ctx0" brushRef="#br0" timeOffset="98738">10780 11863 25168,'0'-31'-6385,"0"2"4166,0 8 1155,0 4 515,0 8 214,-23 4 1378,-14 35 282,-11-4-1213,12 11 0,1 5 1164,-8 9-634,12-6 0,3 1 333,7 6-574,9-19 0,4-1 162,8 17-1832,0-17-633,26 2-132,13-23 1852,-5-6 0,3-4 455,24-22 340,-11-5 0,-3-6-58,-22 5 0,-3-4-298,5-4 1,2-4-1,-6 2 227,-9 5 1,-3-2-99,4-30 0,-4-1 92,-6 23 1,-3-1-514,1-6 1,-1-6-1,-1 4-408,0 4 1,-2 1-467,-7-13 0,0-2 197,8 7 1,-4 5-150,-13 13 0,-1 2 108,17-13 0,-2 5 189,-31 8 411,23 7-705,-6 47 2147,2 10-93,13 31-1037,-5-29 1,1 1 189,4 5 0,2 3-179,-2 2 1,0 5 0,0-2-66,1 7 1,2 2-337,6 5 0,3 6 1,-2-6 258,-6-8 1,2-2-1092,8 1 0,6 4 0,-2-7-223,-3-8 0,0-4 597,-1 10 0,3-3-898,21 4 337,-32-10-362,11-6 1515,-4-9 0,-9-6 0,9-6 0</inkml:trace>
+  <inkml:trace contextRef="#ctx0" brushRef="#br0" timeOffset="98873">10360 11711 24629,'-5'-28'-7594,"2"3"5042,23 6 4964,6 1-1618,12 8 0,5 2-519,-11 1 0,3 0-195,10 2 1,6 1 0,-4 1 0,1 0 0,-1 2 0,18 0-1,1 1 1</inkml:trace>
+  <inkml:trace contextRef="#ctx0" brushRef="#br0" timeOffset="99087">11537 11769 24269,'-14'7'3582,"11"1"-5853,-10 7 2185,13 0-2192,0 19 610,0-7 541,0 25 191,15-17-1853,-11 11-116,12-14 732,-2 0-625,-10-2 1029,21 8 901,-13-12 685,0 4 1,-3-15 0,-9-4 0</inkml:trace>
+  <inkml:trace contextRef="#ctx0" brushRef="#br0" timeOffset="99221">11433 11279 22920,'0'-12'-205,"17"4"1,-12 5 0,12 3 0</inkml:trace>
+  <inkml:trace contextRef="#ctx0" brushRef="#br0" timeOffset="99871">11928 12089 23819,'8'15'-6937,"9"-2"6325,-2-6 1423,18-2 468,-10-22 207,10 13-488,-7-33-656,1 32-81,-2-40 1228,5 10-371,-10-13-1151,-1-14-631,-14 23-682,-2-21-421,-3 28 493,-18-12-1392,13 27 1271,-26 2 723,27 27 405,-23-9 1632,23 58-1547,-9-28 329,11 13 1,4 4-485,-2 3 505,9-17 1,1-1-403,-5 9-800,34-2 287,-34-6-1739,38 5 2291,-16-15-393,25-4 1460,-14-16 434,10-23 1498,-23 13-756,6-36-674,-9 4 56,-8-11-514,3-17-268,-12 27-1282,1-16-430,-6 29-728,1-4-82,-1 39 680,0 19 211,0 9 574,6-2 0,5-1-659,7-4 443,12 26-39,-13-37 829,0 5-518,-8-17 342,8-3 839,-4-6 1026,2-18-148,8-10 95,-3-11-973,1 9 1,0-1 810,7-10-678,-5 8 1,-1 0 147,5-2-597,2-3-843,-14 19 416,-2 9 496,-6 5 148,4 5-322,-4 20-2932,7 11 50,-3 13 797,-2-11 0,0 1-999,2 9-338,3 15 2466,-7-19 0,-1-5 1,-2-1-1</inkml:trace>
+  <inkml:trace contextRef="#ctx0" brushRef="#br0" timeOffset="100109">12097 11232 26697,'20'-17'1204,"12"1"291,-28 4-3823,30 2 3353,-5 3-464,9 1-543,19 3-586,-23 2-1099,1 8 1,0 2 17,-1-4 1343,-3 7 1,-1 4-1,-7 1 1,7 13-1</inkml:trace>
+  <inkml:trace contextRef="#ctx0" brushRef="#br0" timeOffset="100258">12485 11041 25708,'27'-21'1520,"19"3"122,-23 8-866,25-4-1126,-15 13 1,2 0-1145,22-5 868,-17 3 0,-1 6-1586,23 18 2072,-1-2 1,-30 0-1,0 2 1,-1-5-1,0-1 1</inkml:trace>
+  <inkml:trace contextRef="#ctx0" brushRef="#br0" timeOffset="100806">14373 11792 24988,'-16'-19'-6757,"12"3"3500,-30 9 4935,11 30-199,-10 1-44,2 27-1392,14-17 1,2 0-88,-6 20-463,6-8 1,3 1 1067,4 3-143,5-10 0,0-2-1396,3-7-647,22 3-568,3-29 2089,2-24 1049,16 1 695,-25-22-1427,8 10 0,2-1 881,4-23-801,-5 0 0,-2-3 106,-9 20 1,-2-3-92,-1-7 1,1-5 0,-3 3-538,0 1 1,-2 0-250,2-16 1,-2 0-146,-3 19 0,-2 2 463,-2 1 0,0 1-341,-1 4 1,0 0 72,-1-3 1,0 1-380,0-9 428,-19 0-704,1 65 2486,-4 3 43,8 38-1310,6-15 0,2 3-79,4-9 0,0 3-11,-2 7 0,-2 6 0,2-4 11,3-2 0,2 1-142,4 2 0,2 5 0,-2-5 250,-4-6 0,2 0-1524,13 6 0,6 5 0,-6-7 1,-11-12 0,0-3 150,21 25 0,4-7-329,-5-15 1593,20 6 1,-9-30 0,-1-2 0</inkml:trace>
+  <inkml:trace contextRef="#ctx0" brushRef="#br0" timeOffset="101127">14883 11920 25348,'-22'-13'-3964,"-12"5"4319,30 21-1282,-12 14 1067,16 12-1461,0 1 288,20-8-12,-14-2-1058,35 12 1453,-11-14-686,22 12 1082,-8-28 149,10 6 997,-24-17 634,9 3 189,-15-25 221,-2 16 32,-3-40-951,1 6-140,-8-12-748,-6 16 0,-1 0-566,-2-6-941,-2-17 27,-1 32-259,0-1-876,0 37 1189,0 12-547,0 16 720,22 2-2167,3 8 3197,2-12 1,13 10 0,-14-18 0</inkml:trace>
+  <inkml:trace contextRef="#ctx0" brushRef="#br0" timeOffset="101378">14967 11395 24898,'0'-6'-5486,"22"2"8553,1 2-2029,4 22-2587,23 6 951,-43 11-358,17-13 1,1-1 43,-7 5-1445,2 8 1449,3-13-2510,-20-4 2813,10 0 1,-12-11 0,3-1 0</inkml:trace>
+  <inkml:trace contextRef="#ctx0" brushRef="#br0" timeOffset="101557">15398 10986 24898,'29'-4'1592,"-3"1"-969,-8 3-772,11 16-1529,-5 8 763,1-1 0,1 0-373,8 16-251,14 1-1276,6-2 25,-13-14 2624,-3-7 0,0-3 0,7-6 1,15-1-1</inkml:trace>
+  <inkml:trace contextRef="#ctx0" brushRef="#br0" timeOffset="102355">16918 11982 26068,'24'-44'-2455,"17"1"3041,-22 5-816,7 6 1,3-2 262,6-23-301,-6 6 0,-2-2 61,-12 20 0,-2 1-72,0-10 1,-2 1-895,3-15 648,-13 1-904,4 1 933,-17 17 0,-1 1-1300,7-18 991,-17 12 1,-4 3-475,-7-1 969,8 12 1,-3 4 44,-15 8 803,6 1 361,15 15 927,0 31 387,3-1-1254,7 15 1,2 7-654,3-14 0,0 2-181,3 10 0,0 7 0,2-4-178,-2-1 0,4 2-264,6 5 0,4 6 0,-3-6-177,-5-6 1,3-2-290,9-8 1,5 1-1,-3-4-236,-5-1 0,2-3 150,11-4 0,1-1 20,12 24 486,-10-27 0,2-1 50,11 9 56,-6-18 1,1-3 930,2-6 707,10-5 400,-16-22 782,0 13-602,-2-41-230,8 3-28,-12-13-1100,-6 18 0,-1 1-593,-4-4-562,3-14 28,-11 37-892,0 0 56,-2 18 1989,0 17-2217,6 15 221,-3 9 696,5-5 1,0 0-826,4 10 624,-3-15 0,1 0-2277,15 23 447,-3-15 2292,8 4 0,-7-21 0,-1-4 0</inkml:trace>
+  <inkml:trace contextRef="#ctx0" brushRef="#br0" timeOffset="102521">17623 11357 25078,'-15'-5'-5680,"-5"-1"4490,38 22 1,-20-14-1,21 15 1</inkml:trace>
+  <inkml:trace contextRef="#ctx0" brushRef="#br0" timeOffset="103171">17938 12165 24718,'17'3'-1141,"14"-18"3243,8 11-1827,10-32-88,-9 31-63,2-38-390,-2 24 342,-15-8 1,-1-3-379,8-6 361,-12-3 1,-5-2-1342,-4-2 521,-6 6 1,-3 0-941,-2 7-32,-21-5-211,-3 24 1127,-21 22 1572,21 8-208,-15 23-296,30-10 1,2 2-244,-15 21 241,15-4 1,3 1-119,4 11-127,9-13 1,6-1-1361,18 3 67,-12-20 0,4-3 262,5-7 1,1-4 363,7 7 669,-6-14 1,1-2 372,4-4 827,23-24 973,-27 14 188,6-38-474,-13 23-344,-5-23-1025,-2 8 399,1-18-962,-8 13-423,2-20-1396,-9 33 532,-2-2 168,-2 42-717,-1 9 1157,0 16-244,18 10-336,-14-21 289,45 7 902,-28-13-274,29-11 1375,1-1 470,-10-9-593,-7-9 1,-1-6 1482,5-17-1217,-11 1 0,-2-2 595,-1-21-1052,2-4 501,-16-1-2048,-4 16-218,-3-17-651,-3 35-887,0 22 506,0 32 69,0 16 509,0-6 0,0 1-803,0 11 2194,-2-15 1,4-1 0,17 9 0,5-1 0</inkml:trace>
+  <inkml:trace contextRef="#ctx0" brushRef="#br0" timeOffset="103391">17973 11111 25618,'-2'-16'-7395,"1"2"5017,22 3 5624,-15 3-2844,27 2 0,9 3-413,-5 0 23,17-2 0,2 6 0,3 23 0,-21-9 1,1 0-1</inkml:trace>
+  <inkml:trace contextRef="#ctx0" brushRef="#br0" timeOffset="103537">18158 12815 24898,'-17'33'-3865,"2"-2"1340,8-9 2169,3-7 0,4-5 0,0-5 1</inkml:trace>
+  <inkml:trace contextRef="#ctx0" brushRef="#br0" timeOffset="103938">20535 11147 26697,'-35'-24'-4538,"3"5"3842,-1 4 501,12 8 480,0 38 146,15-1-840,4 2 0,0 4-416,1 14 1,2 1-575,8-10 0,2 3 716,-3 8 1,0 5-1,3-5-260,8-3 0,1-1-16,-2 3 1,0 4 0,-1-6-177,-1-7 1,0-4 774,4 12 0,-2-4 0,-4 5 0,-5-4 0</inkml:trace>
+  <inkml:trace contextRef="#ctx0" brushRef="#br0" timeOffset="104070">20135 11745 24359,'-7'-38'-7788,"1"3"5023,6 2 1716,26 4 2373,-1 7-547,31 3 209,-3 7-842,11 5 1,-29 5 0,0 2 0,2-1 0,0 1 0</inkml:trace>
+  <inkml:trace contextRef="#ctx0" brushRef="#br0" timeOffset="104421">21163 11775 24179,'-31'12'3647,"-17"2"-3165,42 2-3090,-40 13 3159,20-5-711,-14 21-203,17-18-83,12 18-862,11-20-1290,17 5-429,-12-12 1611,41-3 245,-24-2 548,12-9 1,2-1 687,8 1-258,-5-11 1,0-1 1803,4 5-102,-8-27 0,-3-4 992,-10 6-879,-2-14 1,-5-2-1521,-14 4-857,5-21-524,-6 31-107,-17-2-1107,13 44 791,-13 36 484,17 6 327,0-17 0,0-1-104,0 9 113,27-2-311,-4-3 88,27-3 1266,-10-6-1284,8-5 1220,1-13 1,9 1 0,0-7-1</inkml:trace>
+  <inkml:trace contextRef="#ctx0" brushRef="#br0" timeOffset="104687">22112 11744 23459,'0'-42'-5216,"-26"4"2542,20 8 1124,-46 8 2609,32 11-757,-25 6 928,13 5-160,-10 40-1184,23-12 339,1 12 0,4 4 264,12 3-537,12 17-902,6-33 1,6-3 45,26 13 223,-8-12 0,1-2-713,11-5 1019,-10-10 1,-1-4 579,3-2 633,16-6 938,-34-16 893,3-6-783,-20-19-1849,-3-6-443,-29 9-1915,-1-9-170,-3 20 2152,-10-5 0,32 13 1,-14 2-1</inkml:trace>
+  <inkml:trace contextRef="#ctx0" brushRef="#br0" timeOffset="105054">21250 12721 25798,'-16'5'-712,"4"-1"927,5-2 1,4-1 0,3 0 0</inkml:trace>
+  <inkml:trace contextRef="#ctx0" brushRef="#br0" timeOffset="105826">23480 11560 25078,'-15'-21'-7255,"0"2"5748,4 4 332,5 33 1955,19 0-1545,-8 32 363,15-14 0,0 0-183,-14 22-411,11-4 1,2 1 465,-4 7 403,-3-14 1,1-1-185,0 0-910,4 5 853,-15-27 575,6-7-934,-3-6-2151,-4-3 2842,3-26 811,-18-10-982,11-18 604,-11-4-240,11 14 0,6-1 430,22-22 255,-11 6 1,2-1 96,-2 22 1,3 2 11,9-8 0,-5 2-88,-15-2 428,37 9 1059,-39 11-1079,38 8 748,-29 30-2822,26 19 323,-23 13-355,-4-8 0,-1 0-638,-1 12 1178,-4-7 1,-1-1-1820,-3 3 1523,-1 9-1270,-1-24 101,0-14 1295,0-22 837,0-25-72,0-17-15,0-8-189,19 4 343,-7 10 0,1-2 535,11-21-350,4 9 0,-1 2 848,-8-3-833,-1 18 0,2 4 1076,7 0-98,-13 8-349,13 10 383,-2 6-381,-6 24-2169,15 16-491,-14 12 15,-2-9 1,0 1-1251,4 14 961,-7-18 1,0 0-1379,8 14 2366,2-4 0,3-4 1,2-3-1</inkml:trace>
+  <inkml:trace contextRef="#ctx0" brushRef="#br0" timeOffset="106104">24830 11673 24179,'-51'-8'-816,"1"2"736,10 6 439,-20 18 766,15-14-562,9 25 0,5 5-866,8-5 189,3 4 0,5 2-580,12 4-489,-6-1 312,9-3-726,48 7-287,-17-16 1039,17-8 0,4-6 440,5-4 575,-19-4 1,0-3 742,16-16 1098,-6 12-745,-5-35 404,-4 20 243,-12-24-1656,-3 9-1088,-15-21-706,-2 12 24,-4 5 1,-6 2-2109,-20-6 3103,17-8 1,-35 22 0,18 4 0</inkml:trace>
+  <inkml:trace contextRef="#ctx0" brushRef="#br0" timeOffset="106321">25523 11614 25708,'0'43'-5936,"0"-8"3808,0 3 1063,0-7 427,0 5-597,0 24 211,0-12-259,8-7 0,1-1-2001,-4 4 3130,24 9 0,-26-24 0,10-3 0</inkml:trace>
+  <inkml:trace contextRef="#ctx0" brushRef="#br0" timeOffset="106471">25992 11596 24988,'1'-25'-6725,"-1"3"4141,0 8-1183,0 5 3884,-14 5 1,11 2 0,-11 2 0</inkml:trace>
+  <inkml:trace contextRef="#ctx0" brushRef="#br0" timeOffset="106720">24540 11046 25258,'55'-1'1097,"-9"0"-894,8 1-213,-18 0 58,10 20-1171,-14-15 910,0 33-1441,-3-33 375,0 43-1600,-14-28-1376,4 35 660,-18-28 3158,5 6 1,-6-14 0,0 0 0</inkml:trace>
+  <inkml:trace contextRef="#ctx0" brushRef="#br0" timeOffset="106890">25473 10606 24718,'-23'49'-3521,"18"-6"2152,-15-15 1,1 1-144,15 22 1338,-11-21 0,0 1 1,11 34-1,-3-30 1,-1 0-1</inkml:trace>
+  <inkml:trace contextRef="#ctx0" brushRef="#br0" timeOffset="107288">26703 11985 25168,'-16'-20'-5930,"2"-8"2605,14-12 3008,24-3 1730,-18 5-1241,38-4 396,-29 6 0,-3-2-383,14-22-609,-5 4 0,-3-2 797,-9 21 0,-2 1 135,4-11 0,-1-2-163,-4-1 0,-1 3-740,-5 11 1,0 0 237,0-17 1,0 1-1211,0 2 779,-15-10-637,11 41 314,-11 19 2047,4 18-1578,9 24 0,1 7-286,-10 17 179,10-20 0,2 7 0,-1-4 11,-1-7 1,2 1 481,5 4 0,2 4 0,1-4 1,0-4-1,3-3 0,10 13 0,-1 1 1</inkml:trace>
+  <inkml:trace contextRef="#ctx0" brushRef="#br0" timeOffset="107455">26492 12380 26428,'-7'7'-356,"24"-3"-1714,7-17 1653,13 3 1,5 0-459,21-9 936,-15 1 0,1 2 0,-8 13 0,-1 1 0,3-7 1,0 0-1</inkml:trace>
+  <inkml:trace contextRef="#ctx0" brushRef="#br0" timeOffset="107821">28203 11381 24898,'-46'-16'-2627,"1"3"1967,-13 3 815,19 6 96,-5 0 120,24 22-26,8-14 754,6 38-2153,3-5 249,27 13-7,-7-15 1,4-1 98,3-12 0,3-1 108,0 7 0,1 0-16,2-2 0,1-1-614,13 13 345,-11-9 0,-2-1 1222,-1 1-123,0 11 146,-21-19-969,-26 13 1355,-21-18-9,2-2 1,-3-1-228,5-8 0,-1-1-926,-15 1 0,1-1 49,-10-1 678,23-3 0,2 0 0,-4 0 1,5 0-1</inkml:trace>
+  <inkml:trace contextRef="#ctx0" brushRef="#br0" timeOffset="108310">28737 11736 22740,'6'0'629,"-1"13"-6569,1-10 5787,-1 32-1278,2-15 280,0 39 635,0-19 306,-1-1 1,0 1-1584,1 7 892,-1-6 0,1 0 1255,0 5-1223,2 10 820,0-11 310,-2-14-159,2 9 211,-5-25-1406,3 3-239,-6-29 1104,2-26 395,-21-8-588,15 0 1,1-2 621,-16-15-200,16 0 0,4-3 245,-2 22 0,0-1 128,0-16 1,0-1 198,-2 15 0,4 1-322,11-1 0,3 0 176,-5 2 1,2-1 574,20-12 1,3 1-252,-16 18 1,2 0 248,15-14 1,3 6 700,5 8-440,-7 18 0,1 5 1265,6 7-713,12 5-580,-22 25-1479,-4-16 611,-6 44-2079,-9-6-345,-7 13 1087,-20-12 1,-7 0-1232,-12 12 726,4-24 0,-8 2 1,2-2 1480,1-3 1,-2-2 0,-14 10-1,-1-2 1,12-11 0,1-1-1</inkml:trace>
+  <inkml:trace contextRef="#ctx0" brushRef="#br0" timeOffset="109542">4838 13534 24269,'-26'-8'-652,"-14"3"803,-15 26 875,23-10 0,2 4-784,2 11 0,3 3-282,-3 1 0,0 1-130,-2 5 0,2 1 1,-1 4 0,1 1-40,2 3 1,0 1 152,3 0 1,1 1-271,3 0 0,3 1-545,5-2 1,3 2-235,-1 14 1,8-1-171,14-15 0,4-1-384,-3 11 0,5-3-78,14-18 1,4-5 1652,-1 1 0,1-3 0,6-2 0,2-2 0,3-1 0,0-1 0</inkml:trace>
+  <inkml:trace contextRef="#ctx0" brushRef="#br0" timeOffset="112725">5453 14168 24539,'0'37'-5486,"0"4"3357,0-6 1065,0 5 515,0-6 123,0 3 32,0 2-463,0-1-1639,0-2 1506,0-1-179,0-3 1013,17-3 0,-13-3 0,12-2 1</inkml:trace>
+  <inkml:trace contextRef="#ctx0" brushRef="#br0" timeOffset="112904">5438 13964 23099,'-5'-1'-3345,"2"-1"2617,0 16 1,3 4-1,0 13 1</inkml:trace>
+  <inkml:trace contextRef="#ctx0" brushRef="#br0" timeOffset="113487">5833 14139 22740,'8'16'-8041,"1"-12"8855,-1 30-2768,11-8 962,-3 11-187,8 3 734,5 10-10,-6-11-533,-5-6 0,-1 0 1008,3 4-1183,8 19 980,-14-30 78,4 14-572,-10-26 506,-1-13 1854,-4-25-1033,-3-29-54,0 2-15,0-7 358,0-6-225,0 15-272,-2 12 0,4 3 121,10-1-855,-10-1 898,10 22 1151,-3 6-57,2 5 736,5 23-2477,6 10-100,-7 10-657,12 17-474,-12-22 413,4 9-1230,-10-15-137,-1-6-556,-2-3 2395,0-1-32,-3-7 291,1-3-9,-1-6 384,2-3 2041,1-21-1259,3 15 1677,1-37-1567,1 23 236,3-21-170,5-8 122,-4 12-298,9-16-1621,-13 28 1262,6 5-1387,-8 13 2024,2 7-676,4 19-1357,-2-15 301,17 54-1947,-7-31 609,0 11 0,2 3 1575,9 2 0,-10-14 0,1-2 0,14 11 0</inkml:trace>
+  <inkml:trace contextRef="#ctx0" brushRef="#br0" timeOffset="113854">7107 14273 24179,'-27'-11'-2536,"3"4"2390,-12 3 538,12 4 228,-6 15 528,11-11-509,3 33-1384,3-19 479,5 35-323,4-19-244,1 20-443,25-24-940,6 10-181,28-23 1309,-12-2 1387,4-11-119,-12-4 1110,0-20 522,-3 15 1,-1-38-279,3 9 624,-11-9-1434,2-18-629,-17 29-1024,-3-16-397,-6 25-642,0 20-195,0 21 349,0 18-543,0 4 83,16-6 0,3 0 2056,1 9 0,5-9 1,2-2-1,3 0 0</inkml:trace>
+  <inkml:trace contextRef="#ctx0" brushRef="#br0" timeOffset="114287">8120 14164 24089,'-35'23'766,"-1"-1"0,-25 3 662,45 18-3918,-10-25 2874,22 20-2394,-10-11 1431,14-2-969,0-1-318,21-2-505,9 2 415,26-8 2221,-10-4-1078,-1-8 2064,-17-4-589,-1-16 1429,0-7-500,-13-20-930,-1 6 117,-13-12-1393,0 20-97,-18-24-1451,14 31 273,-27-8-122,19 24 1215,-2 18 2036,5 18-1270,9 9 31,0 12 60,-2-4 0,4 1 139,6-16 0,2 1-164,1 32 0,0 0-338,0-32 1,1-2-207,5 20 1,-3 0-1603,-10 5 1731,10-22 1,0-1-328,-11 6 518,9-5-265,-12-6-312,-21 2 1425,15-11-1412,-36-3 1225,15-12 1,1-18 0,3-7-1</inkml:trace>
+  <inkml:trace contextRef="#ctx0" brushRef="#br0" timeOffset="114571">8540 14440 22920,'40'-5'1386,"-1"1"-872,0 2-548,17-4 223,-10 3-146,-5-3 1,0-1 162,11-4-86,-16 3 0,0-2 386,13-7-59,3-2 8,-2-4-157,-17 5 0,0 0-17,13-11-119,-15 3 0,-2-1-130,-4-4-86,-4-28-1213,-15 31-204,-25-14-1378,-9 31 1545,-25 2 591,8 25 1192,-10 15-108,35 10-1110,5 4 0,7 3-327,30 7-861,1 1 1,7-1 2060,1-28 0,3-3 0,11 9 0,1-3 0,-9-10 0,0-1 1</inkml:trace>
+  <inkml:trace contextRef="#ctx0" brushRef="#br0" timeOffset="115188">10687 13787 22380,'-27'-5'-936,"-1"1"883,2 3 272,-3 16 930,-10 11-709,12 9-774,7 11 1,4 1-491,6 2 66,12-6 1,10 1-150,11-8 0,6-5-459,22 8 965,-11-4 1,-3-1-1198,-2-11 474,6 14 178,-27-24 456,-3 5-76,-30-14 2598,-8 1-782,-21-4-401,3 1 556,7-2-218,19-16-1171,8 2-407,41-4 2782,-5-5-2251,12 15 1,5 2-146,11-8 337,-16 3 1,1 2 150,16 2 24,-1-3 1339,-4 0 846,16 2-2558,-20-4 125,-10 4 0,-1-1 235,-2-2 6,17-12-79,-28 7-353,5-13-594,-17 11-457,-2-6-425,-6 3-586,-1 7-8,-21-6-211,-3 13 1038,-20 0 656,4 26 1390,9 9-120,12 10-750,10 20-314,29-20-698,-5-4 0,3-2-425,26 6 1351,-9-11 0,2-2 0,12-1 0,-16-11 0,1 0 0</inkml:trace>
+  <inkml:trace contextRef="#ctx0" brushRef="#br0" timeOffset="115456">11158 13374 23099,'0'-4'-4946,"18"0"8291,3 4-1860,23 18-2137,-22 2 119,6 0 0,0 0-338,-8 1 563,18 6 0,2-2-1062,-3-9 938,2 7 1,0-1-1975,3-13 2364,-5-4 0,2-2 1,9-3-1,16 0 1</inkml:trace>
+  <inkml:trace contextRef="#ctx0" brushRef="#br0" timeOffset="116037">12465 13820 25978,'20'50'-8919,"-15"-9"7583,13-9 0,0 0 293,-14 10 743,9-8 1,1 0-479,-3 3 226,9 15-5,-9-28-2178,7 5 2828,-14-21-625,10 1 1227,-11-9 1147,7-23-362,-2 18 922,6-42-1107,1 25 551,-1-24-794,4 9 618,7-15-1307,-8 16-693,9-11 534,-13 32-571,8 1 1773,-8 14-1058,5 20-897,-2-15 558,0 39-2009,3-21 467,-4 7 0,0 2-1353,9 9 2461,8 12 0,-6-19 1,1-2-1</inkml:trace>
+  <inkml:trace contextRef="#ctx0" brushRef="#br0" timeOffset="116421">13155 13216 23909,'-15'17'712,"3"5"-1569,12 22-1625,0 7 1642,12-2 1,0 3 184,-10-9 1,2 1 216,13 8 0,8 4 0,-5-3-67,-8-4 0,0 0-239,12 10 0,7 6 0,-4-7-292,-9-15 1,-1-1 482,3 4 1,3 3-1,-6-6-155,-2 5 420,13 13-153,-21-36-2054,4 0 2258,-6-38 1584,-5-10-691,0-18 20,22-18 738,-17 22-341,31-10 928,-33 20-1126,24 13 1887,-24-5-3048,23 16 2152,-10-6 100,13 45-2904,-3-12 175,-8 12 1,-1 3-1895,7 2 1088,11 15 1012,-7-19 0,5-4 0,0-4 0</inkml:trace>
+  <inkml:trace contextRef="#ctx0" brushRef="#br0" timeOffset="116774">14230 14082 24269,'-30'-20'-3790,"-20"3"3753,17 4-166,-13 6 924,-4 2-144,32 22 157,-11 6-47,27 21-2275,-7-8 1597,29 1-1690,-16-12 266,39 7 260,-12-11 199,26 4 173,-11-18 386,-4-1 1546,-15-6 58,-5 0 849,-3-20-53,0-2-904,-10-23-720,2 10-299,-10 1-1315,2 11 58,-3-3-330,0 8-179,0 26-210,0 16-165,0 19 427,0 16 305,15-23-475,-11 11 1627,25-8 0,-11-12 0,14 5 0</inkml:trace>
+  <inkml:trace contextRef="#ctx0" brushRef="#br0" timeOffset="117105">14672 14086 23639,'0'9'-5216,"0"4"2997,14 9 686,-10 12 578,28-11 1077,-16 14-1183,13-7 1076,-8-10-1637,-5-10 2263,0-5 370,-3-27 267,2 17 1259,9-51-2140,-6 32 606,2-9 1,-1-1 64,3-1 81,17-14-399,-17 27-263,3 2 302,-6 15-866,-3 5 897,1 0-910,6 22-1338,-6-17-232,12 55-982,-18-36 2279,-3 11 0,-2 1 0,-4 0 1,0 11-1</inkml:trace>
+  <inkml:trace contextRef="#ctx0" brushRef="#br0" timeOffset="117337">13717 13487 24359,'23'-33'-381,"-18"4"663,38 9 1,7 3 1295,-11-1-1389,18 6 0,2 3-712,-7 6-710,-11 18 1,-3 5-1703,4 7 2561,-17 1 0,-2 5 1,2 18-1,-2 5 0</inkml:trace>
+  <inkml:trace contextRef="#ctx0" brushRef="#br0" timeOffset="117471">13983 15036 23729,'-2'8'-1761,"1"-1"1,1-3 0,0-2 0</inkml:trace>
+  <inkml:trace contextRef="#ctx0" brushRef="#br0" timeOffset="118698">16647 13819 23999,'0'-23'-5396,"0"2"3267,-18 0 937,13 3-165,-29 1 1880,30 3-1481,-30 4 1828,13 4-1354,-17 4 1983,17 20 183,-7-13 198,25 34-1258,-10-21-86,13 20 103,0-8-1771,0 3 111,20 0-903,-15 1-42,39-1 406,-38-1 1135,40 6-271,-23-12 1536,14 10-471,-16-21-98,-11 1-99,-10-10 112,0-2-631,0 0 76,-21 0 1205,-8-1-1322,-26 1 778,12-3 1,-5 1 0,14-2 0</inkml:trace>
+  <inkml:trace contextRef="#ctx0" brushRef="#br0" timeOffset="118920">17250 13543 24898,'9'-6'2146,"-4"1"-2364,-2 21-3774,-3 16 2229,0 11 1145,0-2 0,0 2-265,0 18 433,4-17 0,4 8 0,0-6-900,1-7 1,1-1-9,2 9 0,1 5 1,-1-7-1600,6 18 1801,1-14 1,-3-2 997,-10 3 0,24 8 0,-19-23 0</inkml:trace>
+  <inkml:trace contextRef="#ctx0" brushRef="#br0" timeOffset="119221">16933 13959 22740,'24'-11'3335,"19"1"-2973,-20 4 156,19 0-469,11 4-449,-12 0 239,-5 8 0,-1 4-571,6 13-176,11 10-892,-22 1-147,-3-6-205,-2 2 273,1 10-161,-8-10 135,4 12 588,-11-22 874,1 2-718,-7-16 945,4-1 448,-6-29-746,12-9 953,-6-16-897,3 12 1,1 0 700,4-12 1,-4 14 0,-1 2 0,6-14 0</inkml:trace>
+  <inkml:trace contextRef="#ctx0" brushRef="#br0" timeOffset="119437">18135 14090 23549,'0'13'-4946,"0"1"3177,0-4 705,0 3 425,0-5 304,0 9 30,0-4-102,0 6-1820,0-3 1508,0 1-91,16 1-1440,-3 8 2177,5-6 1,1 5 0,-8-8 0</inkml:trace>
+  <inkml:trace contextRef="#ctx0" brushRef="#br0" timeOffset="119588">17908 13638 23459,'-8'-18'-9359,"0"2"6144,4 5 1150,1 3 2943,3 4 1,24 2 0,5 1-1</inkml:trace>
+  <inkml:trace contextRef="#ctx0" brushRef="#br0" timeOffset="119942">18495 13886 23369,'0'33'-5396,"0"-6"3538,0 20 793,0-16 427,0 22 212,0-19 122,0 9 76,0-13-1279,0-2 1417,16-1-643,-13 6 326,25-9 542,-25 5-783,18-18 1153,-13-1-733,8-7 1428,-3-3 36,6-24 585,-3-9-1300,0 1 0,1-2 235,6-22-203,-3 15 1,1 2-108,5-8 258,-9 17 1,0 2-495,5-3-338,-2 5 242,-2 13 912,3 5 395,-5 8-644,8 37-2097,-9-10 27,-2 12 0,0 3-1047,5 5 857,-7-15 1,1 1 1199,4 0 1,1-3 0,14 14 0,-10-16 0,1-1 0</inkml:trace>
+  <inkml:trace contextRef="#ctx0" brushRef="#br0" timeOffset="120374">19528 13931 22740,'-20'-7'-1913,"-6"1"1832,-14 25 1949,9 10-1652,16 12-1284,7 15-207,30-22-336,-17 9 413,26-23 1,5-5 936,-8 8 10,11-8 1,3-3-981,-3-3 812,6-2 1084,-14-7 943,-9-21 363,-7-4-276,-8-24-1861,-7 10-244,-20-9-1336,15 22 447,-32-8 149,21 22 41,-13 2 446,15 35 864,-1 13 434,14 17-456,-2-10 1,0 1 650,3 16-693,13-16 0,8 5 0,-2-4-480,-5-9 1,3 0 41,12 8 0,7 5 0,-5-6-241,-8-13 1,0-2-57,15 18 1,0-1-177,0 0 899,-10-14 1,-2-2-473,-10-3 215,8-1-2254,-23-13 1337,-25-9 1546,-1 0 1,-29-5 0,12 0 0</inkml:trace>
+  <inkml:trace contextRef="#ctx0" brushRef="#br0" timeOffset="120642">20378 13079 25168,'23'0'900,"3"16"-3553,3-12 3103,2 36-2622,5-15 1775,-7 11 0,-1 6-187,-5-11 1,0 1 203,8 12 1,-1 4-572,-3 7 0,-3 1-189,-5-12 1,-2 3 807,-2 3 1,0 5 0,-4-4-563,-3-3 0,-3-1 517,1 4 0,-1 5 1,-6-6-15,-13-3 0,-4-3-55,7 14 1,-6 0 621,-11-20 1,-7-1 0,2-3 0,-1 8-1,-2-1 1,2-6 0,0 0 0,0 0 0</inkml:trace>
+  <inkml:trace contextRef="#ctx0" brushRef="#br0" timeOffset="125920">1635 16447 21480,'-17'0'2249,"5"-4"-3616,8 1 832,4-2-1261,0 2 778,15 2 2099,-11-1 323,29 2-1475,-16-2 376,17 2 318,0-1 369,7 0-814,-5 1 1,2-1 730,26 1-1854,-5 0 1,1-1 858,-20 1 0,-2 0 1,14 0-1,0 0 1,-16 0-1,1 0 1</inkml:trace>
+  <inkml:trace contextRef="#ctx0" brushRef="#br0" timeOffset="126121">1885 16795 24898,'-15'0'450,"2"0"-450,6-10-4163,21-3 4570,17 0 289,11-6-1032,-4 11 1,2 2-336,20-13 729,-17 9 0,1 1 1,-8 3-1,-1 0 1,2 0-1,0 0 1</inkml:trace>
+  <inkml:trace contextRef="#ctx0" brushRef="#br0" timeOffset="126388">2182 16141 24269,'-17'-6'-1866,"4"2"1242,7-1-686,3 3 793,31 0 1923,13 1-571,15 1-215,7 15-1080,-13-11 620,-13 15 0,1 4-580,18-3 665,-12 10 0,-3 4-210,-1 8-1060,-16 1 1,-5 4-1331,-7 18 1309,-16-23 1,-4 6-1,2-4-113,5 1 0,-4 1 1120,-16 9 1,-9 4 0,4-3 0,12-4 0,-1-1 0,-9-6 0,0 1 0,0-1-1</inkml:trace>
+  <inkml:trace contextRef="#ctx0" brushRef="#br0" timeOffset="127354">3453 16195 25168,'-6'-13'-7762,"-2"-1"5427,4 4 640,-1 1 1150,3 6-252,1 23 748,1 12-395,0 16-1110,7-10 1,0 1 997,-3 16-65,8-3 1,2 1-69,-2 13 719,-5-23 1,-1-2 0,3 15 0,-9-3 0</inkml:trace>
+  <inkml:trace contextRef="#ctx0" brushRef="#br0" timeOffset="127521">3207 16532 22920,'0'-34'-6206,"0"0"4077,19-7 2788,12 12 66,0 8 1,2 4 727,26 1-1297,-13 8 1,0 1-202,16 4 53,-22 2 0,1 0 0,21 1 0,1 0 0</inkml:trace>
+  <inkml:trace contextRef="#ctx0" brushRef="#br0" timeOffset="127892">4288 16305 23099,'-17'-11'-3465,"13"-4"-793,-33 13 6172,32-9-4028,-31 10 3698,18-3-1067,-13 4 334,14 21-1102,0-16 1869,15 35-1022,-4-24-1424,6 18 1481,0-7-2199,0-1 346,20-1-594,-16-1-383,36 5 297,-13-8 1935,24 0 98,-10-10 921,9-6 319,-21-1-51,3-22 1083,-8-6-117,-14-21-1883,2 11 272,-12 0-1160,0 12-611,0-3-319,-15 7-319,11 21 878,-12 16-289,36 32-842,5-10 386,14 2 1645,-10-22 1,1-2 0,15 8 0,-14-10-1,0 0 1</inkml:trace>
+  <inkml:trace contextRef="#ctx0" brushRef="#br0" timeOffset="128156">5115 16339 24179,'-22'-15'-4269,"4"1"2425,-3 7 2328,2-1-703,-16 7 1188,19 12 53,-2 11-636,16 19-1894,-5-9 1552,29 2-605,7-6-331,13-13 1080,0 9-949,5-22 442,-13 6 160,19-8 1757,-30-18-416,6-4 859,-20-21-2682,-20-3-1533,7 8 2040,-31-3 1,9 26 0,-18-1 0</inkml:trace>
+  <inkml:trace contextRef="#ctx0" brushRef="#br0" timeOffset="128321">4522 17219 23819,'-7'0'-928,"3"-20"0,23 15 1,8-15-1</inkml:trace>
+  <inkml:trace contextRef="#ctx0" brushRef="#br0" timeOffset="128810">6093 16221 24539,'0'-9'-6206,"0"3"4167,-23 2 3408,-1 2-214,-25 19 691,5 6-573,18 11-1323,-8 12-276,30-17 472,-10 17 342,14-22-2245,53 10 549,-22-23 537,15-1 0,3-6-1,-2-23 1123,-6 6 1,-2-3 582,4-24-331,-17 18 0,-2-1 323,1-15-6,-6-3-624,-11-3-790,-4 8 1,-2 0-962,-2-23 477,-12 4 0,-2 0-84,12 21 0,-2 0 603,-17-24 0,-3 2-526,11 23 0,2 2 64,-1-7 0,-1 1-720,-20-4 1014,29 9 215,-20 9 631,21 7-207,-7 32 1502,10 44-908,0 4-385,-1-18 1,2 0 320,13 15-1122,-11 1 189,10-32 1,2 1-713,-6 11 1,0-1 303,8 21-845,3-13 1,0-2 125,-7 2 707,3-18 1,1-2-612,-5 5 1329,-5-4 0,-2-5 0,-5-2 1</inkml:trace>
+  <inkml:trace contextRef="#ctx0" brushRef="#br0" timeOffset="128937">5875 16222 23099,'-7'-27'-8298,"6"3"6454,-6 2-75,28 3 3510,16-2 15,12 7-758,13 0-675,-6 11 0,8 0 0,-29 3 0,-1 0 1</inkml:trace>
+  <inkml:trace contextRef="#ctx0" brushRef="#br0" timeOffset="129337">7137 16127 23279,'-20'-17'-4631,"-3"3"3566,-22 14 2691,3 0-650,4 21 441,17 3-1401,8 12-843,13-4-949,22-8 928,16 7 459,11-9-44,-9-7 1,1-1-195,11-4 160,-16-5 1,-1-1 404,11-4 1006,-1 0 653,-7 0 4,4-18 621,-15-3-928,1-22-759,-20 12-936,-2-10-877,-6 21-48,-16-7-670,0 41 2174,-3 38-1762,7 6 836,9-5 0,6 0-506,16 4 795,-17-19 0,1-1 82,30 12 50,-30-3 496,24-5-2212,-24-2 1087,10-6-196,-2-5-1724,-8-1 2865,8-12 0,-11-2 0,0-11 0</inkml:trace>
+  <inkml:trace contextRef="#ctx0" brushRef="#br0" timeOffset="129488">6825 15671 24179,'63'-2'-1219,"-30"10"1,-1 1-1106,28-5 2196,-25 16 1,1 1 0,5-10 0,1-2-1,2 11 1,0 0 0</inkml:trace>
+  <inkml:trace contextRef="#ctx0" brushRef="#br0" timeOffset="129928">8870 16088 23729,'-45'0'450,"-2"0"-360,-3 0-180,-1 0 180,0 19 939,2-14-1122,4 40-4,-1-8 246,23 12-541,10-16 0,3-1-548,10 5-656,24 9-910,-1-18 74,25-4 884,-6-4 1019,-7-12 0,1-3-95,20 2 778,-6-3 1,0-5 828,7-21 63,-13 8 0,-3-4 1690,0-27-2024,-17 21 1,-2-3-600,-10-5 0,-5-3-620,4-23 160,-7 2 1,-3-1-51,1 20 0,-4-2 280,-3-4 1,-4-4 0,-1 5-831,-2 3-1,-3 0 202,0-5 1,-3-3 0,0 6-264,-3 13 1,0 2 505,2-16 0,1 11-348,0 36 2711,6 45-1376,12 9-476,7-15 1,3 3-279,0-1 1,4-1-147,2-10 0,3 1-456,9 21 1,0 0 481,-8-24 1,2-3-567,17 19 1,4-4 661,-15-20 0,0-3 1,10 5-1,1-2 1,18 4-1</inkml:trace>
+  <inkml:trace contextRef="#ctx0" brushRef="#br0" timeOffset="130276">9755 16105 24808,'-27'-14'-2468,"4"7"2033,-41-3 856,23 9-117,6-3 1,1 3 103,-2 21 555,-15 16-495,36 3-1510,-2 19 710,44-29-975,10 16-283,16-22 1276,-16-10 0,-1-1-207,9 1 69,-8-9 1,0-2 59,2 2 1068,7-4 454,-15-20 1058,-16-4-447,6-21-1363,-20 13-987,5 1-311,-6 7-543,0 7-397,0 25-96,0 19-690,0 18 1185,9-12 1,0-1-749,-5 11 1106,29 11-946,-29-21 2027,33-4 0,-20-3 0,20-4 0</inkml:trace>
+  <inkml:trace contextRef="#ctx0" brushRef="#br0" timeOffset="130610">10330 16189 24269,'-18'10'2403,"4"5"-3502,14 23-2195,14-17 706,-10 15 1063,10-23 1343,-1 19-1223,-1-14-453,9-5 303,-4-7 848,-5-26 1669,6-6 570,-3-13-526,13-11-63,-9 18 853,12-16-235,-16 32-409,4-14-762,-11 28 705,0-9-892,-2 11 575,6 0-259,-1 21-3168,11 6 288,-8 12-2220,11 12 4116,-13-18 1,4 10 0,-7-14-1</inkml:trace>
+  <inkml:trace contextRef="#ctx0" brushRef="#br0" timeOffset="130838">9525 15629 24808,'28'-19'1570,"-5"0"-1459,27 4 764,-10 1-207,0 2-407,4 4-565,-2 4-1122,18 3 637,-17 1 566,-8 8 1,-2 5 0,4 10 0,10 21 0</inkml:trace>
+  <inkml:trace contextRef="#ctx0" brushRef="#br0" timeOffset="131054">10350 15387 23369,'17'0'990,"1"20"-4972,14 6 2416,-4 13-257,15-1 1513,-13-16 0,1-2-108,20 11-220,-2-8 0,2-2-1275,13-6 1869,-21-6 0,-1-3 1,20-6-1,-1 0 0</inkml:trace>
+  <inkml:trace contextRef="#ctx0" brushRef="#br0" timeOffset="132904">12157 15649 24808,'0'-13'-5126,"0"1"2998,-14 3 1790,10 0-1582,-10 3 2592,14 0-1156,0 3-352,-9 1-1040,7 17 289,-7 5 1308,9 23 177,0-7 0,0 4 0,0-10 0</inkml:trace>
+  <inkml:trace contextRef="#ctx0" brushRef="#br0" timeOffset="133122">12320 15564 23999,'-13'20'-4737,"3"7"3929,10 13 0,0 2 1,0-8-1</inkml:trace>
+  <inkml:trace contextRef="#ctx0" brushRef="#br0" timeOffset="134510">12255 15706 21750,'-13'-8'-4573,"10"0"71,-9 1 4780,1-2-817,1 3 720,-6-3 32,7 6 232,2-1-1380,4 3 2317,-1 12-857,-5-8 1,7 9-1,-6-12 1</inkml:trace>
+  <inkml:trace contextRef="#ctx0" brushRef="#br0" timeOffset="135444">12105 15762 22110,'0'-6'-5216,"0"-4"3357,0 2 1335,0-5 65,0 6-57,0-1 1831,0 4-1363,19 2 374,-14 21-805,31-14 1882,-31 40-1501,50-11 596,-30 14-594,13-15 1,2 0 359,0 8-212,-4-9 0,1 0-1671,4 2 2325,10 5-1599,-20-18 1862,-6-5-563,-3-2 604,-1-4-567,-9-5 161,4-1 129,-9-26-904,6-19 292,1-17-285,-5 21 0,0-1-48,0 3 0,1-1-39,0-3 1,0-2-175,0 0 0,2-3-501,3-17 1,-1-1 191,-3 18 1,0-1-50,5-19 0,-1 3 785,2 8 1,1 2 0,-6 35 0</inkml:trace>
+  <inkml:trace contextRef="#ctx0" brushRef="#br0" timeOffset="135824">13445 15970 23999,'0'-19'-5666,"0"1"3537,-19 2 1566,14 3-1259,-26 0 2547,18 7-396,-1 17 924,-4 13-1401,16 9 177,-6 3 408,8 7-688,0-10 1018,0 24-1612,22-26-121,-16 9-752,30-7 1064,-21-10 996,2 6-1316,-6-18 448,-11 2-913,-19-10 2371,-14-1-105,-10-2-455,7 0 1,-1 0 0,-11 0 0,-18 0 0</inkml:trace>
+  <inkml:trace contextRef="#ctx0" brushRef="#br0" timeOffset="136503">14253 15779 24179,'-14'0'720,"4"20"-2469,6 7-413,4 13 515,0 1 490,0-4 330,21 19-484,-2-13 226,0-10 0,0 0-960,-2 0 831,7 4 686,-21-18 331,8-6-12,-2-3-1399,-7-4 1174,7-25 1705,-9-9-1003,0-16 163,0-2-87,0-15 33,0 12-79,6 7 0,3 0 575,12-2 276,-4 13 0,1 3-654,2 4 1662,20 22-335,-18 2-1445,0 28 1,0 7-680,5-4 35,-14 4 1,-2 3-712,3 9-502,-1-1-138,0 17-237,-4-20-83,0 9 1400,-4-20 876,-4-13-613,3-3 189,-2-12 130,3-4 1889,3-21-1092,21-29 571,-8-4-733,6 6 1,1 1 781,2-7-777,-4 11 0,0 2 1314,3-2-156,2-4-2198,-12 26 1194,-3 11 205,-3 5 388,9 23-2231,-5-14 94,0 26 1,0 5-1727,5-3 374,1 14 1,-1 3-1355,5 4 3057,-6-18 1,1-1 0,11 11-1,3-1 1</inkml:trace>
+  <inkml:trace contextRef="#ctx0" brushRef="#br0" timeOffset="136837">15698 16156 25798,'0'0'719,"14"0"-719,24 0 0,8 0-89,-6 0 178,3 0-89,2 0 90,12-13 259,-19-4 366,5-17-627,-23 5-609,-10-15-643,-4 16 21,-23-11-1092,12 13 308,-31 0 281,31 4-905,-34 1 1408,13 12 968,-17 0 858,18 32 572,-2 13 668,24 12-2124,6-11 1,1 0-1136,1 10 743,16-16 1,6 0-721,-4-2 0,3-2 494,6-7 1,1-1 721,4 5 1,0-2 0,21 1 0,2-3 0</inkml:trace>
+  <inkml:trace contextRef="#ctx0" brushRef="#br0" timeOffset="137571">16837 15529 25798,'-19'-13'-3094,"-8"5"3073,25 20-646,-21 21 1143,21 10-933,-4-1 1,1 1-216,5 18 226,10-4 1,6 0-655,-2-23 0,2 0 442,5 10 0,1-1-150,-2-14 1,0-2-367,7 26-977,1-6 795,4 9 414,-15-17-927,11 12 1281,-25-30-140,8 7-292,-39-20 3260,-12 0 367,-16-7-356,-2-19-1314,26 6 0,2-3 887,-15-23-1153,11 10 0,2-1 19,1-7 94,5-14-3450,17 17 154,9 0 983,0 3 465,21 0 1501,-15 1-495,52 1 652,-30 8 0,1 0 387,6 5 0,5 1 159,13-10 1,-1 1 159,-21 10 1,-1 0-145,10-3 0,0-1-142,-7 0 0,-2-1-173,15-9-65,-15 2 1,-3-1-1255,-2-7 150,0-26-901,-18 23 967,-5 1 0,-2 1-1967,-1 4 830,0-16 782,-15 35-549,11 22 666,-12 25 149,16 13-367,0 14 570,0-23 0,0 0 65,0 24 17,8-8 0,4-2-235,4 8-223,1-13 0,-1-2-794,-2 1 592,-3-13 1,-2-2 80,-1-2 53,2 1-240,0-14-1965,-9-9 2724,2-19 1408,-3-17-663,0-14-114,0-4 87,0 8-52,17-12 1515,-12 13-381,27-2-152,-15 25-437,13 30-508,-6 3-324,-3 22-1064,-3-5-87,3 3-296,-5-8 1,0 0-189,11 16-445,-4-9 1,1-1-1397,7 0 3080,14 7 0,-9-24 1,3-4-1</inkml:trace>
+  <inkml:trace contextRef="#ctx0" brushRef="#br0" timeOffset="137838">18235 15907 24629,'-24'-8'-1628,"1"1"1066,-23 31 2563,23-5-1448,-7 38-1328,27-20-530,-10 25 482,13-27-773,24 17 133,8-28 830,28 4-781,-13-19 912,0-2 947,-7-7 894,-11-23-227,3-5 192,-21-13-1063,-3-17-919,-8 21-994,-18-2 0,-2 0-1182,10 3 2568,-19 7 0,1 6 1,24 11-1,-15 5 1</inkml:trace>
+  <inkml:trace contextRef="#ctx0" brushRef="#br0" timeOffset="138271">18800 15818 23999,'-19'-10'-3148,"0"20"5906,-18 23-2391,19 10-886,4-6 1,2 0-499,10 11 520,-5-5 1,2-2-49,5 4-209,0-10 1,0-3 191,0-1-1562,21 4 171,-15-19 559,33-5 1858,-13-6 519,9-2 305,3-20 839,2-12-354,-10-11-682,7-8-454,-20 15 1,-3-1 780,3-23-1700,-5 1 0,-3-2 46,-6 21 1,-1-1 170,0-27 1,0 0-933,-1 28 0,-2 0-20,-6-17 0,-1 3-548,4 4 629,-11-2-406,15 65 942,0 3 50,0 38 359,0-16 0,0 0-22,0-7 0,0 1-352,9 28 0,0 0 141,-8-24 1,3-2-320,11 10 1,4 0-713,-7-4 1,2-4 62,3-8 0,1-2 1135,3 8 1,0-1 0,13 8 0,4-1 0</inkml:trace>
+  <inkml:trace contextRef="#ctx0" brushRef="#br0" timeOffset="139703">20337 15624 25708,'0'48'-2830,"-1"-10"1,2 1 436,13 19 1608,-12-15 1,-1 1 415,6-8 1,0-1 26,-1 0 1,-1 3 211,-4 27 1,0 1 31,4-26 0,1 1-486,-3 5 0,-1 5 0,0-8 477,0 11 118,2-16 0,-1-3 193,-3-3-2,0 3-14,0-21-437,0-3-537,-17-7 2235,-1-16-1385,-20-18 106,9-10-674,9 3 1,3-4-364,-3-20 632,10 0 1,3-4 93,3 21 0,3 1 109,-1-14 0,4-4-909,4 0 1,5 2 999,3 15 0,3 0 256,-1 0 0,3-2 0,1 6 510,5 7 0,2 4 549,7-10 1,1 5 1012,9 8-970,-10 14 1,1 4 800,4 4-417,7 24-1364,-11 14-995,-13 9-322,-10-7 1,-3 0-956,-2 11 568,-15-4 1,-1 0-1036,4 8 1124,-17-19 1,0 0-299,16 11-49,-43-5 1884,43-2 0,-42-6 1,21-1-1</inkml:trace>
+  <inkml:trace contextRef="#ctx0" brushRef="#br0" timeOffset="140006">21285 15766 25078,'0'-13'-6385,"0"1"4436,-23 6 3019,-4 2 28,-2 25 294,-15-16-413,27 44-1334,-26-10 295,28 12 339,5-17 0,3-1 57,7 4-1403,23 16-1057,15-28 1528,10-10 1,4-4 330,-17-5 1,2-3 777,24-10 0,-3-2-244,-4 4 526,-13-22 1,-4-5 362,-2 3-676,-15-11 0,-5-3 562,-6-7-2166,-12-4 0,-8 1-1209,-20-1 2006,4 6 0,-5 6 0,-21 14 0,-3 0 1</inkml:trace>
+  <inkml:trace contextRef="#ctx0" brushRef="#br0" timeOffset="140354">22055 15450 22380,'-18'-4'-1683,"-6"1"1585,-20 24 1727,6 5-1084,14 13-1197,10 11-634,14-16-117,28 25-715,-20-23 1541,28-6 0,5-1-183,-12 4-187,5-12 0,2-1 346,9 15 271,-23-12 739,17 9-83,-36-18-309,11 3 283,-14-9-799,0 0 25,-21-2 1304,15 0-453,-40 0-427,11 3 463,-12-3 1,4 0-1,15-4 1</inkml:trace>
+  <inkml:trace contextRef="#ctx0" brushRef="#br0" timeOffset="140637">22793 15017 24269,'5'0'809,"1"35"-5882,-2-9 4072,-2 16 1,1 3-224,0 14 908,-1-3 0,1 2 29,-2-22 0,2 1 150,1 9 0,1 6 0,-1-6-774,1-11 1,0-1-267,5 27 1,1-3 895,0-11-1172,7 16 648,-8-32-2053,2 10 2746,-7-27 0,-2 2 0,-3-15 0</inkml:trace>
+  <inkml:trace contextRef="#ctx0" brushRef="#br0" timeOffset="140744">22442 15674 23459,'0'-22'-6475,"0"1"4076,34 3 5099,-1 0-2443,16 7 0,6 2-132,-17 2 1,1 0 0,16-1-1,1 0 1,-12 5 0,-1-1-1</inkml:trace>
+  <inkml:trace contextRef="#ctx0" brushRef="#br0" timeOffset="141938">23758 14465 23369,'-8'0'0,"-1"0"90,-2 0-180,1 0 90,-3 16-413,2-11 1389,1 27-2183,1-28 1351,0 32-1925,2-21 299,3 18 1113,2-5 0,2-8 1,0 3-1</inkml:trace>
+  <inkml:trace contextRef="#ctx0" brushRef="#br0" timeOffset="142087">24022 14405 22290,'-40'18'2806,"1"15"-3513,17 11-374,3-16 0,3 1-848,12 24 1715,-11-24 0,0 2 0,13 2 0,1 2 0,-5 0 0,0 1 0</inkml:trace>
+  <inkml:trace contextRef="#ctx0" brushRef="#br0" timeOffset="142576">24292 15564 23819,'-21'21'-259,"10"-2"-1283,1 21-120,10 16-182,0-6 1169,10-14 1,1-1-727,-6 24 865,14-30 0,0 0-1499,-15 25 1065,12-16 0,4-2-482,0 16 897,-3-14 0,-1-1 90,3-3 648,-8 9-166,-5-28-1161,-4 0 819,-18-31 484,-8-14-387,0-1 0,1-4 193,10 4 1,3-1-10,-9-23 0,1-2-7,10 18 0,3-1 179,-2-8 0,0-6 1,2 5 93,-1 2 0,3 0 118,6-12 1,3-6 0,4 8-41,2 15 0,3 1 220,-1-2 1,3-2 0,1 9 1284,25 2 1252,14 5-322,-20 23-290,9 23-1221,-16-12-5,-2 41-2056,-3-22 373,-13 10 1,-3 3-870,3 9 205,-6-5 0,-3 0-1443,-3 7 1108,-11-9 1,-1-2 364,6 2-810,-33 8 2335,22-17 0,-3-11 0,7 0 0</inkml:trace>
+  <inkml:trace contextRef="#ctx0" brushRef="#br0" timeOffset="142853">24997 15281 23639,'0'51'-5576,"0"-9"3538,0 12 1153,0-11 656,0-9 0,0 1-107,0 17 184,0-18 0,0 0-76,0 8-1369,0-4 1597,0-4 180,13 2-240,-10-12-663,11 1 21,-14-39 432,0 1 0,0-30-90,0 5-45,0 2 1,0-2-46,0-25 152,-2 5 0,4 0 187,7 23 0,0 1 353,-8-10 1,3 2-1,35-8 1,-13 5-1</inkml:trace>
+  <inkml:trace contextRef="#ctx0" brushRef="#br0" timeOffset="143172">25810 15557 22830,'-47'0'719,"21"-15"-3383,-23 11 3059,25-11-1714,-39 0 1329,22 11 128,6-3 0,1-1-102,-7 8-126,-8 16 786,10 10 660,18 9-1642,-4 19 534,20-18-1020,22 22-1090,20-27 1518,9-11 1,4-4 138,-13-9 0,1-3-256,25 4 1,-3-8 127,-2-23 983,-15 9 1,-3-5 772,-2-26-461,0-2 942,-28 12-2101,-4-2-986,-6 0-1087,-20-15-639,16 15 2325,-37-14 1,15 29 0,-22-1-1</inkml:trace>
+  <inkml:trace contextRef="#ctx0" brushRef="#br0" timeOffset="143986">26320 15436 23639,'-23'-12'-3700,"17"22"3423,-36-4 1811,37 41-3318,-35-4 2358,17 14-819,10-17 1,0-1-29,-4 9-389,14-7 0,6-2-243,20-3-592,10 10-703,11-37 3187,19-3-1039,-24-23 855,-6 4 1,0-4 726,2-24-1131,-8 6 1,-2-3 860,-1-15-749,-10 16 0,-2-3-151,-4-9 1,-3 0-856,-1 10 0,-2-2 22,1-7 1,-1-6 0,-1 5-480,0 2 0,-2 0 609,2-3 0,1-5 0,-5 6-137,-6 7 1,-1 2-138,8-10 0,-1 3-183,-16-3-544,5 12 541,10 11 638,-10 10 461,3 8 107,8 32 170,-8 1-165,10 15 0,2 5-266,-1 18 227,-1-16 0,2 2-108,8 9 0,0 0-197,-7-13 1,1 1-138,6 3 0,4 5 0,0-6-315,-1-5 0,1-2 106,0 2 0,2 3 1,0-6-286,2-6 1,0-2 41,5 16 0,-2-2-422,1-1 452,-2-11 1,0-2 35,-3-6-611,13 4 1286,-16-24 1004,12-19 1465,-8 9-9,12-53-859,-13 30-902,-6-2 0,0-4 754,3-22-795,-4 16-667,1-17-591,-7 39-981,-1-8-550,-1 24 2420,2 10-1916,1-4 1052,1 32-376,2-17-411,8 38 415,-1-20-11,0-5 0,1 0-317,5 2-1389,19 16 2374,-13-28-142,11-2 746,-9-8 863,0-11 520,1 5-48,9-27 848,-10 16-1504,-7-23 1,-3-6 214,-2 5-239,-5-21 0,-5-2-828,-2 1-491,-1 8 0,-4 1-1508,-16 9 133,13-4-821,-13 40 2321,17 29-1134,0 10 302,-2-3 0,4-1-196,12 4-165,-2-8 0,2-1-234,19 1 1659,8 6 0,-6-20 1,4-3-1</inkml:trace>
+  <inkml:trace contextRef="#ctx0" brushRef="#br0" timeOffset="144437">27858 15400 24179,'-24'-18'-3677,"-4"7"3591,-14 5 980,7 6 183,11 16-5,-2 13-904,12 8-785,1 26-661,13-22 471,13-6 1,3-1-1191,-9 5 746,20-15 1,8-3-720,16 8 1197,-20-21 1,4-3 388,12 3 0,-1-3 887,11-5 22,-10-12 1,-2-1 1783,5 7-924,-19-17 0,-3-3 532,3 5-695,-5-24-1062,-5 6-105,-11 5 1,-3-3-576,2-22 308,-4 4 0,-3-1-507,-1 22 1,-1-1 273,2-20 0,-4 0-882,-17-3 236,10 15 1,-1 3 1018,-13 8-952,9 23 1124,14 25-237,0 29-24,0 20 118,0-11 87,-1-16 0,2 2 165,6 1 1,1-2-178,-4 23-53,9-13 0,2-1-1280,2 3 660,-3-12 0,1-3-636,1 0 178,2 5-22,-16-19 429,6-4-464,-5-3-740,-2 0 2446,3-6 1,-23-1 0,-4-5 0</inkml:trace>
+  <inkml:trace contextRef="#ctx0" brushRef="#br0" timeOffset="144554">27873 15263 23639,'0'-33'-6295,"37"3"8489,-2 5-1390,-1 13 1,7 2-973,13-2 1,1 1 226,-9 2 0,1 2 0,17 0 0,1 2 1,-18 4-1,0-1 0</inkml:trace>
+  <inkml:trace contextRef="#ctx0" brushRef="#br0" timeOffset="145774">28988 14572 23999,'0'-21'-6026,"0"2"4257,0 5 1425,0 4 515,0 4-507,0 31 212,-12 25 173,10-16 1,1 3-479,-7 5 0,-3 4 1,1-3 627,2 5 0,-2 1-110,-1 11 1,-1 8 0,-1-6-68,0-1 0,0-1-84,4-8 1,0 3-1,0 0-399,0-2 0,0 0 0,0-2-8,0 6 1,-1 2 474,-1 0 0,-2 5 1,2-7-1,2-9 1,0-3-1,-3 13 1,-1 0-1</inkml:trace>
+  <inkml:trace contextRef="#ctx0" brushRef="#br0" timeOffset="146378">29227 15331 23279,'0'-21'-4316,"0"0"2727,12-10 2218,-9 8-1145,10-6 779,-13 12-912,0 2 162,0 3-1019,0 2 1416,-21 5 1228,-9 2-501,-12 27 801,-13 8-360,22 14 37,3 0-159,4 9-288,23-13-737,8-6 0,6-1-1627,14 6 929,10-8 0,5-1-1028,11 3 1066,2-4 0,0-2 317,-2-4 598,-13-6 0,-2-2-319,-10-6 1045,-12-3 46,-4-4-203,-28-3-629,-11 0 294,-22-1-1145,9 0 949,-5 0 1,30 0 0,0 0-1</inkml:trace>
+  <inkml:trace contextRef="#ctx0" brushRef="#br0" timeOffset="146758">29990 15312 24359,'0'-6'-5666,"-21"2"7137,-5 1-639,-23 23 1375,1 11-1432,19 10-964,-10 5 88,27 8-1082,-7-12 1536,12-2 0,7-1-1618,23-2-619,3 20-1163,3-40 1454,28-2 1413,-35-12 366,10-13 1,2-2 1680,-2 6-1300,-2-33 1,-2-9 477,-2 12-345,-5-20 0,-3-2 958,-6 5-1432,-5 9 0,-2 1-1083,-2-1-840,-1-16-265,-2 36 122,0 25 810,0 28 105,0 18 434,-14 9 394,11-8-720,-10 2 284,13 0-326,0-2 50,0 0-1,0-5 658,17 9 0,6-17 0,18 6 0</inkml:trace>
+  <inkml:trace contextRef="#ctx0" brushRef="#br0" timeOffset="147054">30372 15557 25078,'-16'-14'-4827,"12"-4"1369,-11 11 4168,15-4-1569,0 5 286,0 0 164,0 1 192,17-9 359,14 2 2026,8-8 398,9 3-1005,-12-3 433,0-2 13,9-11-81,-15 7-350,-3-8-1997,-8 9-520,-16 0-1369,7-16 164,-10 17-657,0-12 526,0 46-459,-12 11 1576,9 19-633,-10 6-253,13 11 1996,0-12 0,0 13 0,0-19 0</inkml:trace>
+  <inkml:trace contextRef="#ctx0" brushRef="#br0" timeOffset="147754">30515 15183 24089,'-7'-6'-6050,"2"0"3913,2 1 913,1 3 418,1 16 700,1 13-68,0 11 171,0 27-1504,14-20 1198,-5 2 1,0 0-28,10 0 305,-7-5 0,0-2-380,1-9 129,6 13-275,-1-26 948,-2 5-744,-3-17 1689,23-19 1305,-11 8-1364,6-24 0,0-7 695,8 1-1220,-3-14 1,-2-4-162,-13 22 0,-2-1-804,12-21 1,-3-1 391,-14 23 0,-2 1-815,3-8 0,-2 3 212,0-6 1,-5 10-1,-2 5 1</inkml:trace>
+  <inkml:trace contextRef="#ctx0" brushRef="#br0" timeOffset="148120">31163 15531 24179,'22'-16'1991,"-1"-11"-2937,20 9 2321,-21-9-2087,7 0 667,-25 5-1518,19-3 1578,-19-16-1324,7 8 286,-9-25-107,0 23-948,0-28 748,-15 36-688,11-12 1652,-29 33 122,16 19 1886,-15 23-744,17 9-622,5 14-294,10-11-508,-2-11 1,4 1 221,14 19-799,-5-11 1,4-2-1814,21 3 2569,-15-19 0,-1-2 0,15 3 0,1-4 0</inkml:trace>
+  <inkml:trace contextRef="#ctx0" brushRef="#br0" timeOffset="148353">31770 15262 24718,'0'-5'-6475,"0"0"4436,0-1 885,0-1-114,20-2 3115,12 3-1019,11 0-1303,-9 5 0,-1 0 478,10 0 1,13 1-1,-19 0 1</inkml:trace>
+  <inkml:trace contextRef="#ctx0" brushRef="#br0" timeOffset="148787">32300 15306 23819,'-22'-16'-4359,"-10"6"4511,18 4-507,-3 24 1229,-6-14 424,14 35-2079,-14-2 690,12 8-943,2 6 1229,6-3-1161,3-13 208,17 15-1401,2-27 60,20 1 2063,0-16 175,5-18 1422,-8 6-138,8-44-87,-20 27 298,6-30 54,-8 4-582,-7 11-728,-4 4 0,0 0-893,0-3-1006,2-23 358,-7 36 543,0-5-581,-5 45 64,1-13-347,-1 45 552,2-8-117,0 11 5,1-15 1,0-1-437,3 6-98,2 10-920,8-9 2428,-3-15 1,10 3-1,-4-15 1</inkml:trace>
+  <inkml:trace contextRef="#ctx0" brushRef="#br0" timeOffset="149270">32982 15295 24629,'-24'-20'-4471,"4"3"2500,6 5 1133,11 2-1004,-25 6 3266,15 21-478,-14 12-7,9 14-1757,2 0 1262,5 10-59,6-13-374,0 13 810,5-6-2042,17-13-685,-13 13 293,27-24 1277,-16 3-872,3-16 1468,6-3 481,-7-5 477,7-16 813,8-10 402,-13-7-1188,5-7-497,-3-16 377,-7 9-1179,-3 0 1,-1-1-556,0-14 166,-6 16 1,1-6-1,-2 4-508,-1 9 1,0-1 361,-1-8 1,1-4 0,-2 5-452,0-17 445,0 11 0,0 3-111,0 6 342,-13-14 41,10 44-251,-11 19 2574,14 25-1975,0 13 28,0 13 37,0-3 0,0 5-180,0 5 320,0-32 0,0 2 29,0 12 1,0 1-1229,0-13 0,0 1 732,6 30 0,2-2-452,3-4-272,0-10 0,0-3-659,-1-11-1337,3 10 2783,-4-24 0,2 1 0,-1-12 0</inkml:trace>
+  <inkml:trace contextRef="#ctx0" brushRef="#br0" timeOffset="149806">33460 15536 23279,'0'-20'-5756,"0"-1"3808,0 1 974,0-2 605,0 2-147,0-1 302,-16-4-366,12 9-1599,-30-3 2854,14 14 545,-16 1 145,9 4 321,3 21 129,7 5-579,8 25-550,1-13 217,8 0-1488,0-14-545,19 6-637,5-16 876,24 11-13,-8-23 1156,0 7 776,-1-25 797,-11 12 126,13-43-581,-22 25-695,-5-20 1,-4-3-944,-1-2 125,-5-3 0,0-1-1225,-3-3 1478,1-7 1,-4-2-2219,-14-1 1087,15 5 0,-1 4-523,-14 12 3,16-6 1734,0 33-279,0 20 236,0 49-204,0 1 88,-1-14 0,2 2 29,5 3 1,0 0-109,-5-9 0,1 1 241,9 11 1,-1 1-425,-9-14 0,1-2-96,6 0 1,1 0-712,-7 30 72,8-20 0,0 0-701,-3 19 1630,4-12 0,1-1 0,-4 3 1,-2-18-1,0-1 0</inkml:trace>
+  <inkml:trace contextRef="#ctx0" brushRef="#br0" timeOffset="151087">5445 17919 23729,'-44'0'90,"0"0"-90,-1 0 0,1 16 1014,6-12-927,-8 27 198,18-11-213,4 14-443,37-4-1882,25-12 1490,12-9 401,11-9-328,-11 0 487,1-20 700,-2 15-540,0-41 488,-7 24 871,-16-8 1,-3-5-816,7-11-551,-12 3 0,-5-3-707,-5-15 334,-5 19 0,-1-2-68,0-7 1,-4 1-365,-8 11 0,-3-1 348,6-4 1,1-3-1,-3 5-558,-4 5 1,-1 2 108,-2-16 0,0 3-693,1 5 390,-4 1 470,7 29 661,3 7 826,7 33-151,-7 0 584,4 34-697,4-17 0,1 2-140,-3-8 0,1 3-171,1 6 1,1 6 0,1-4-53,-2-2 1,2-1-466,9 14 1,0 0-432,-8-19 0,2-3 8,15-1 0,-1 0-174,-16-3 1,1 0 175,16-3 1,-1-1-456,-12 25 57,33-10 1129,-35-6 1,28-10 0,-15-4-1</inkml:trace>
+  <inkml:trace contextRef="#ctx0" brushRef="#br0" timeOffset="151237">5247 17696 24269,'0'-23'-6386,"0"1"4168,25-6 3550,-19 8-1365,31 5 0,7 3 393,-5 0-213,4 6 1,3 2-1,16 2 1,2 2 0</inkml:trace>
+  <inkml:trace contextRef="#ctx0" brushRef="#br0" timeOffset="151554">6125 18010 23639,'0'8'-4766,"0"0"2547,24-20 5643,7-2-1400,14-3-1360,-10-8 0,-1-1-150,-1 8-319,-3-11 0,-6-2-375,-12 7 1249,0-17-518,-12 18-2751,-39-13 139,29 23-284,-48-2 1636,36 29 830,-11 13 276,14 10-512,8 26-653,11-20 138,21 15-583,-3-29 1,5-1 217,29 13 884,-20-16 0,1-2 0,21 2 1,2-4-1</inkml:trace>
+  <inkml:trace contextRef="#ctx0" brushRef="#br0" timeOffset="151787">6105 17417 23999,'-13'-5'-3179,"5"1"2158,2 1 16,29 2 2170,6 0-691,15 1-620,-2 17-2457,9-13 2452,-9 29 0,10-29 0,-15 13 0</inkml:trace>
+  <inkml:trace contextRef="#ctx0" brushRef="#br0" timeOffset="151954">6737 17072 22740,'22'0'449,"7"22"-3773,-9-2 1515,-5 10 1,-3 5-1745,1 15 3380,-6-12 1,-2 1 0,2 28 0,-5-32 0,1 1 0</inkml:trace>
+  <inkml:trace contextRef="#ctx0" brushRef="#br0" timeOffset="153094">7480 18126 22110,'26'-23'183,"-1"0"0,17-17-70,-9 6 0,-2-2-292,7-12 39,-7 4 0,-2-2-223,-9-10 9,0 8 0,-3-1-32,-13-10 181,3 11 1,0 0-716,-7-6-616,0-12 34,0 28 243,0 7 86,0 7 630,-17 8 89,2 30 1873,-5 8-239,9 28-985,3-9 0,2 2-100,5-7 1,-1 1-1,-5 12 1,1 4 73,3 2 0,6 0-318,5-15 0,2 2-129,3 22 1,5-1-876,0-28 1,4-3 149,7 17 1,2-4 189,6 1 567,-6-17 0,0-3 130,3-5 311,9-4 327,-7-14 1340,-12-21 626,12-10-321,-22-9-924,3-18-82,-12 21-712,-2-28-800,-19 31-1054,12 20-687,-11 34 1443,15 23-1146,17 4 400,10 8 90,9-16 896,-8-9 0,0-1-7,10-1 633,-4-12 1,1-3 941,10-1-1566,11-7 1746,-19-3 569,-1-5 405,-5-25-440,5-7-95,-15-15-1024,-1-12-342,-16 22 150,-2-22-1648,-25 28-540,18-4-286,-36 15 867,36 28 499,-12 7 1377,37 34-2157,-14-8 724,18-11 1,3-1 642,-5 3-20,7-6 1,3-4 621,0-6-757,25 7-307,-26-21 179,10 4 2055,-5-26 815,-12-7-1062,11-28-400,-21 9-365,0-14-772,-10 25-648,-2-6-806,-2 18 30,0 5-706,0 5 780,-14 6 972,10 24 165,-10 22 417,34 3-1078,-15 10 494,34-23 663,-23 1-872,18-5 906,9-3-432,-9 0 151,26-11 511,-25-1 1180,21-30 609,-28 15-740,5-36 249,-13 8-1137,-9-9-70,-1-16-441,-7 25-1083,-3-20-283,-17 28-1498,13-6 441,-23 21 1710,24 18-309,-8 18 701,11 9-871,18 8-1216,5 8 809,-1-9 928,-1-16 1,0 0-545,-5 6 763,22-2 0,-13-6 0,-1-1 1</inkml:trace>
+  <inkml:trace contextRef="#ctx0" brushRef="#br0" timeOffset="153354">8338 17440 23189,'27'-18'1735,"15"7"-1351,-5 5 1,3 1-450,-7 3 0,1 2-180,9 5 0,-2 5-586,5 18-435,7 9-187,-36 8-1847,4-5-493,-18 5 3362,7 3 1,-29 6 0,-5 2 0</inkml:trace>
+  <inkml:trace contextRef="#ctx0" brushRef="#br0" timeOffset="154198">10463 17489 24629,'-1'-5'-7658,"-1"-1"5092,0 3 1602,0-2 311,1 2 283,1 0 560,0 24-48,0 15-1738,0 14 2228,0 9-410,0-9-137,0 5 13,0 0 18,0 0-566,13-4-386,-10-5-17,19 4 10,-20-17 714,17 3 1,-10-25 0,8-3 0</inkml:trace>
+  <inkml:trace contextRef="#ctx0" brushRef="#br0" timeOffset="154686">10678 17466 22830,'-22'-7'-1935,"-16"2"2130,22-1-774,-18 4 1154,10-2-164,-12 3 3,7 0-24,-18 17 254,22 7 8,-14 24-555,24-7-358,0 23-652,12-22 82,26 1 0,7 0-950,4 0 1087,17-5 1,5-3-1008,2-7 1258,-18-10 0,-1-2-16,15 2 817,-4-1 380,-6-3 1287,-8-3-392,-10 1-874,-11-3-683,-8 3-1187,-7-3 226,-43 10 2129,9-6-837,-1-3 0,-3 0 164,-18 4-271,-3 2 165,-3-1-938,21-6 1,1 0 1035,-17 1 1,-7 2 0,28-7 0</inkml:trace>
+  <inkml:trace contextRef="#ctx0" brushRef="#br0" timeOffset="155174">11295 17654 24449,'0'41'-5756,"20"20"2050,-15-18 2909,13-3 0,3 2-155,6 12 584,-9-20 1,0 0-69,19 14 416,-14-3-2127,0-4 1661,-4-1 613,-1-7-132,-4-2 265,-2 1-362,-7-10-878,-1 0 296,-29-34 1581,-16-32-735,19 21 1,-1-4-69,-11-21 1,6-4-63,9-10-15,-1 1 1,2-1 154,14 24 1,4-1 159,2-11 0,1-6 0,0 7-83,-2 11 0,4 2-84,15-5 0,9-1 0,-2 7 1544,6 0-508,15 15 0,3 7 1491,0 5-1542,-11 11 1,-1 7 565,3 21-1587,-13-3 1,-4 3-356,-7 26-1202,0 6-88,-16-28 0,-4 0-1591,-21 19 2955,7-8 0,-4-1 1,-3-17-1,-1-2 1,-2 7-1,-1 1 0</inkml:trace>
+  <inkml:trace contextRef="#ctx0" brushRef="#br0" timeOffset="155937">12665 17545 23729,'-22'0'360,"1"20"-50,2-16 885,2 60-3031,5-33 1115,8 14 0,1 5-756,1 3 1041,0-6 1,4-1-1247,17 4-723,-14 11 730,14-25-940,-5-7 1715,-11-4 858,10-4-1692,-13-9 1112,0-25 617,0-18 364,0-35-205,0 9 98,0 13 1,0-1 392,0-10-438,-1 8 0,2 1 425,17-4 126,-13-8-70,27 22 1033,-9 17 459,18 3 322,-6 33-1690,11 16-326,-21 10-670,-1 3 1,-1 0-1068,-4 4 892,-3-1 0,-4-2-1609,-7-7 182,0 13-1240,-5-30 1315,0 0 897,0-31 1020,0-29 288,0-3 255,0-19-232,0 19-372,17-2 978,6-17-231,-1 19 536,10-8 359,-17 25-551,15 11 1076,-1 25-1554,5 24-694,-6 11-1472,3 10-75,-6-11-581,4 3-153,1 0 623,-4-15 1,2-1-2004,17 14 3497,-13-16 0,1-4 1,15 4-1,3-2 0</inkml:trace>
+  <inkml:trace contextRef="#ctx0" brushRef="#br0" timeOffset="156220">13995 17781 23999,'-27'-22'-4551,"-22"3"4621,28 10-113,-42 3 966,24 6-284,5 8 0,1 6 898,-5 19-1395,7 5 1,5 4-537,7 16 661,3-14 0,9-2-777,27-4-810,9 15-477,-3-29 1162,8-13 1,0-2-466,-8-2 698,33-7 885,-30 0 391,-5-16 600,-1-8 369,-11-9-1117,-2-2-1430,-10-7-869,-23 10-990,-6-20-181,0 23 348,-18-3 2084,41 15 1,-40 9 0,21 2 0</inkml:trace>
+  <inkml:trace contextRef="#ctx0" brushRef="#br0" timeOffset="156452">14427 17732 25888,'6'24'-7914,"0"14"5532,1-22 317,3 20 1291,-1-5 17,3 2-195,-1 2-1246,5 13-861,-3-11 795,8 18 2202,-7-27 1,2 2 0,-2-13-1</inkml:trace>
+  <inkml:trace contextRef="#ctx0" brushRef="#br0" timeOffset="156603">14797 17647 24808,'0'-20'-5845,"0"4"3536,0 7 1155,-18 3-1760,13 0 3336,-22 24 0,25-16 0,-8 18 1</inkml:trace>
+  <inkml:trace contextRef="#ctx0" brushRef="#br0" timeOffset="156854">13633 17201 22740,'55'-21'3620,"-2"3"-2830,-13 6-393,0 3-293,-2 5-385,-3 2 52,-6 2-152,-4 17-685,-2 6-1257,-12 22-2015,-1 8 750,-10-9 3213,0 0 1,-18-15 0,-4-2-1</inkml:trace>
+  <inkml:trace contextRef="#ctx0" brushRef="#br0" timeOffset="157020">14380 16679 23189,'-17'17'-613,"13"2"-3405,-13 28 3669,0 2 1,12 8-1,-12 7 1</inkml:trace>
+  <inkml:trace contextRef="#ctx0" brushRef="#br0" timeOffset="157420">15300 18149 28226,'-22'0'366,"2"1"-834,4-1-608,5 0-3924,4-13 5178,33 10 1,0-10 0,28 13-1</inkml:trace>
+  <inkml:trace contextRef="#ctx0" brushRef="#br0" timeOffset="157803">16590 17637 25078,'-31'-23'-4663,"1"2"3135,-2-1 869,1 4 402,-1 0 82,-8 2 407,12 6 28,-12 3-606,28 6 1508,-2 16-103,12 8-1378,24-4-7,-7 10 1,3 1-759,29-6 891,-13 10 1,1 1-712,10-4 800,-11-7 0,-1-1-528,2-1 30,5 11 713,-27-18-33,-26 9 1232,6-12-987,-25-1 0,-7-2 711,7 5-677,-2-6 0,-1-1-51,-3 2-69,6-2 172,14-3 1,-6-2 0,7-2 0</inkml:trace>
+  <inkml:trace contextRef="#ctx0" brushRef="#br0" timeOffset="158505">17170 17725 25438,'5'-4'1082,"-2"0"-1036,-17 3-445,-3 20 231,-15 3 348,4 24-1043,11-10-57,7 9-327,10-18-620,21 11-240,3-17 907,26-4 710,-12-9-193,14-25 1821,-22 13-42,15-45-84,-29 27-312,-1-15 1,-3-3 722,-10 3-1319,8-27-950,-10 39-341,0-1-1019,0 13 336,-13 7 1258,9 26-14,-9 10 867,13 16-368,18 13-821,-14-21 608,13-8 0,4-2 207,8 2 151,9 2-692,14-14 1193,-21-10-326,21 0 1034,-24-27 1178,16-7 221,-22-10-1359,4-2 75,-14 9-825,-2-1-519,-4 2-596,-2-5-572,-2 10-612,-1-2-197,-1 32 935,0 5-136,0 26 408,22 0-328,3 0 258,25-9 1189,-13-14 327,3-7 504,-11-8 419,11-16 718,-12 12-438,10-30 231,-23 7-770,1-21-950,-13 7-689,-1-17-975,-2 33-320,-14-12-1442,10 26 566,-10 21 2429,14 12-1308,0 12-588,18 2 0,4 0-146,2 4 2075,4-6 0,3-2 0,5-1 1,2-1-1</inkml:trace>
+  <inkml:trace contextRef="#ctx0" brushRef="#br0" timeOffset="158924">18937 17887 23549,'-9'6'1233,"3"2"-2619,24-7 1299,-13-16-1409,38 10 2097,-8-45-868,11 30 1057,2-26-737,-5 8-239,-23 12 235,19-16-78,-28 23 284,7-5-472,-11 12 0,-7 6 1,0 1-1</inkml:trace>
+  <inkml:trace contextRef="#ctx0" brushRef="#br0" timeOffset="159255">19007 17167 24808,'-9'-3'-1943,"2"1"1655,-1 2 1193,0 26-1797,0-4 732,2 12 0,0 4-546,-6 14 486,3 0 0,-1 2-353,3-19 1,0-1 284,-1 12 0,0 2-84,0-3 1,-1-1-167,4-11 1,-2 0 396,-4 19 0,-1-1-362,1 5 197,2-21 1,1-2-405,-1 8 127,1-5 93,4-5-408,3-3-255,1-7 1039,21-2 1,-15-11-1,15-2 1</inkml:trace>
+  <inkml:trace contextRef="#ctx0" brushRef="#br0" timeOffset="159503">19578 17609 24269,'-29'-9'-1050,"-13"2"1001,38 0-2964,-35 2 3877,13 3 35,-24 0-225,11 17 516,-1-12-921,0 44 185,8-27-223,8 10 1,4 3 1214,1 1-1753,0 23-719,15-25-479,1 7-1872,29-8 483,12-11 1614,0-7 1,3-4 501,-7-5 1,1-1 868,5-1 1,0-1 0,20-1-1,3 0 1</inkml:trace>
+  <inkml:trace contextRef="#ctx0" brushRef="#br0" timeOffset="160188">19907 17009 24988,'-26'0'1260,"10"26"-2049,6 14-1022,10 16 911,0-10 0,0 0-271,0 17 664,6-5 0,4-1-44,1-24 1,0-1-510,-2 11 0,3-2-1074,23 12 784,-30-6 664,30-3 524,-18 6-742,3-16 392,0 10 243,-17-25-1940,9 1 2111,-11-29 572,4-23-16,-5-4-296,16-27 970,-12 31-184,31-7 1370,-18 15-619,16 12 1126,-7 19-1967,2 21-1097,-7 9-146,8 22-762,-10-22 787,-3-5 0,0-2-1494,5 4 78,5 4-998,-5-16 1422,0-6 1358,0-7 1199,2-4 303,0-5 562,1 0 41,9-17 393,-10 12-232,9-48-955,-17 30-46,-1-30-415,-9 9-1442,-4 12-920,-1-12 180,0 23-796,0 25 72,0 28 804,0 9-515,19 18 1,-2-32 273,20 6 1036,-13-10-514,8-12 1639,-12 1-210,4-12 1132,0 0 1,-8-16 833,7-5 19,-16 1-1466,2-16-643,-7 17-1280,-1-14 475,-1 10-1671,1 11 240,3 6 1584,4 20 0,1-11 0,2 11 0</inkml:trace>
+  <inkml:trace contextRef="#ctx0" brushRef="#br0" timeOffset="160391">20592 17069 24988,'-7'-2'-2458,"21"0"0,-11 16 1,15 4-1</inkml:trace>
+  <inkml:trace contextRef="#ctx0" brushRef="#br0" timeOffset="161590">21410 17779 23459,'-12'18'158,"-1"3"-998,29-34 1681,11-7-536,3-5 1,2-4-198,-5 4 1,0-2-135,8-14 0,-2 0-165,2-14-141,-18 19 1,-1-1-75,7-15 170,-19 0-506,3 15 0,-1-1-702,-6-20 763,0 22 1,0-1-229,0-29-389,-22 19-422,16-16 768,-33 36 508,35 3 56,-28 35 2388,28 9-1650,-23 24 726,25 7-1054,-19 10 519,18-6 1,4 3-370,-6-15 1,1 3-274,2 4 0,1 4 1,4-5 136,7-5 1,0-2-1278,-9 10 0,4-1 776,14-10 0,5-3-1093,6 16 1119,-5-17 1,3-4-320,15-2 434,10 4 143,-23-24 547,20-2 927,-24-8 657,8-20 625,-9-3-262,-8-2-169,4-14-1000,-15 17-987,0-15-735,-6 39-563,0 33-408,18 12 47,-7-11 1,4-1-1024,21-3 982,2 8 97,-6-19 1070,0-10 674,0 5-81,13-15 1195,-12 6 134,14-8 668,-26-19-448,-1-4-86,-14-24-1133,-20 0-1461,10 8 43,-33-5-731,32 22-32,-29-3 474,30 34 219,-9 8 903,13 17-204,21 1 217,2-1-191,26-4 571,-13-7 409,4-10-308,4-13 537,-10 0-765,10 0 1458,-16-14 767,-3 10-159,-5-27-1767,-3 26 1082,-4-35-1738,-4 22 427,-3-33-1190,-2 21-295,-2-16-855,-2 24 78,0-2 823,0 34-955,0 10 1513,0 15-323,0-1 562,18-10-315,1 5-221,20-4 1260,-3-6 134,-5-8 302,-2-11 690,0 0 91,-7-16 282,4 12 250,-8-29-867,-5 17-341,0-16-686,-2 4-170,-4 2-763,-1-1-353,-2-5-613,0 12 78,-1-4 962,-1 17-195,0 2 612,1 5 833,0 19-2598,6 5 13,-1 0 1747,12 29 0,-5-36 0,7 29 0</inkml:trace>
+  <inkml:trace contextRef="#ctx0" brushRef="#br0" timeOffset="161853">22183 17327 22380,'57'-1'467,"-2"0"-354,-23 21-2318,10-15 2253,-37 34-2228,13-22-22,-18 35 2086,0-16 1,-20 16 0,-5-13-1</inkml:trace>
+  <inkml:trace contextRef="#ctx0" brushRef="#br0" timeOffset="162536">23938 17359 26248,'-13'-19'-7702,"4"2"4738,-6 5 3131,2 5 365,12 24-733,-6 3 581,25 22-1413,-8-10 0,1 1-2088,11 21 2178,-3-4 1,1 1-96,7 9 49,-10-11 0,3-1-1134,17 2 1900,-23 10 1,-1-28 0,-13-2 0</inkml:trace>
+  <inkml:trace contextRef="#ctx0" brushRef="#br0" timeOffset="162674">23618 17905 23189,'-9'-34'-8078,"2"-11"5784,30 13 3254,-2 4 0,5 1-226,2 9 1,4 1-123,7-6 1,1 1-178,-6 5 0,-1 2-194,3-1 1,1 0-130,-1 0 0,3 0 285,13-6 1,1-1 0,-13 6-1,-2 0 1,12-5 0,-1 0 0</inkml:trace>
+  <inkml:trace contextRef="#ctx0" brushRef="#br0" timeOffset="163087">24447 17143 22560,'-21'-21'-5070,"16"0"1622,-37 4 4287,37 2-2481,-30 5 3541,32 1-2871,-21 5 2623,22 54-2974,-8-16 1399,16 19 1,4 4 70,-6 5-749,15-5 0,-1 0 707,-15-22 0,0-1-870,15 9 0,-1-1 762,-13 13-1382,23-3 769,-24-6 407,18-5-13,-19-5 475,6-6-151,-1 0-109,-5-12-813,4-1 131,-6-31 1122,-17-29-1124,13-4 873,-5 5 0,1 0-533,8-5 758,10 6 1,4 0 717,17-4-431,-5 11 0,3 2 1552,14 1-376,-4-1 764,-2 20-112,-11 6-140,14 4-874,-20 23-2210,9 5-317,-15 0-874,2 16-708,-7-26 321,-2 17-381,-1-9-102,0-5-150,-1 0 1548,1-3-1792,2 3 3138,-1-6 0,-1 1 0,-2-6 0</inkml:trace>
+  <inkml:trace contextRef="#ctx0" brushRef="#br0" timeOffset="163476">24940 17552 24359,'-12'19'-757,"2"11"-1191,10 12-254,0 6 881,0-5 440,0 1 252,0 2 157,0 18-1574,0-17 825,0-11 1,0-2-24,0 2 345,14 3 745,-11-13 0,10-13 1,-13 1-1</inkml:trace>
+  <inkml:trace contextRef="#ctx0" brushRef="#br0" timeOffset="163854">25142 17212 22920,'-6'-2'-2278,"3"0"1558,2 2 0,1-1 0,0 0 0</inkml:trace>
+  <inkml:trace contextRef="#ctx0" brushRef="#br0" timeOffset="164172">25293 17630 23999,'0'29'-5666,"0"5"3537,0-7 1065,0 6 426,0-9 302,0 2-58,13 0-426,-10 11-1571,10-7 273,-6 12 971,-5-19 975,12 7 0,-8-17 0,6 2 0</inkml:trace>
+  <inkml:trace contextRef="#ctx0" brushRef="#br0" timeOffset="164453">25120 16867 23819,'18'-13'1176,"-1"4"-117,19-2-815,-3 4-2216,28 3 1895,-10 1 0,-14 2 1,0 1-1,18 0 0</inkml:trace>
+  <inkml:trace contextRef="#ctx0" brushRef="#br0" timeOffset="164954">25918 17350 24269,'-6'-5'-5737,"1"2"4811,1 0 862,1 3 1553,0 17-2313,3 12-26,0 29 163,0-5-153,8-14 1,1 0 281,-5 7-131,13 13-525,-5-24-1019,-9-4 2040,9-3 101,-3-7-70,-7-3 370,7-6-135,-9-3 106,0-23 371,0-12-3,0-14-273,0-6-119,0 13 1,0-1 97,0-21-1068,6 5 0,5-1 542,19-7 535,-5 13 0,4 3 0,18 4 0,1-5 0</inkml:trace>
+  <inkml:trace contextRef="#ctx0" brushRef="#br0" timeOffset="165270">26527 17798 22200,'0'-51'-5846,"23"9"6654,-17-4-1853,39 9 2733,-39-2-2275,35-1 1809,-37 1-1175,28-12-572,-30 15 594,10-13-335,-12 29 193,-21 2-1300,-10 32 2339,2 1 0,-1 3-414,-20 24 121,17-5 1,4 1-284,6 10-81,2-5 0,5 0-147,13 6-327,13 12-769,-4-23-2078,51-4 722,-26-3 871,14-12 0,4-3 1366,12 8 1,-18-11 0,0-1 0,17 0-1</inkml:trace>
+  <inkml:trace contextRef="#ctx0" brushRef="#br0" timeOffset="165924">27293 17666 23099,'-14'-15'-5660,"-7"0"4441,19 2-764,-21-2 2284,16 7-657,-23 0 1192,13 7 341,-29 47-1251,20-20 694,4 12 1,2 3-50,6-5 596,2 22-1217,10-28 170,2 3-1209,25-21 378,-19 2-1533,39-13 2411,-16 6 112,9-25 1056,12-12 205,-21-12-1076,-8 9 1,-1 0 568,0-13-1065,-11 13 0,-2 1 1121,5-18-2180,-11-2-2,5-4 67,-5 13 0,-2-1 189,1 10 1,0-1 929,0-26 1,0 1-431,0 25 1,0 1-52,0-19 1,0 2-70,0 2 117,-13-2 179,10 31-276,-9 37 1692,12 8-1165,0 33-36,-1-11 1,2 1-187,5-9 1,2 2 62,-2 18 1,-2 9-1,5-7-171,10-12 1,1-1 237,-5 9 0,-1 6 0,2-10-250,4-18 1,2-3-828,7 17 0,1-2 354,5-3 152,-4-14 0,1-3 506,4-3 437,10 1 131,-5-18 1134,-10-2 307,12-23 849,-23 14 238,3-35-1488,-17 11-781,-2-10-606,-4 1-716,0 14-602,-18-3-379,13 35-110,-13 8 73,18 39-274,20-11-407,-15 1 2167,35-6 1,-14-12 0,21 4 0</inkml:trace>
+  <inkml:trace contextRef="#ctx0" brushRef="#br0" timeOffset="166086">27855 17389 24988,'-20'-21'-7069,"2"3"4825,4 5 2510,7 5 0,21 4 0,9 3 0</inkml:trace>
+  <inkml:trace contextRef="#ctx0" brushRef="#br0" timeOffset="166387">28068 17615 22830,'0'10'-5756,"0"2"3807,0 5 1065,0 3 425,0 3 33,0 2 122,0 2 166,0 2-1458,19 10 993,-15-11 1092,15 11-378,-6-23 635,-9 5-1146,9-15 1201,-7 0-801,1-47 140,3 15-125,-2-15 1,-1-4-111,2-5-390,1 5 0,1-2 104,4-8 584,-4 20 1,1 1-1,7-9 1,3 3 0</inkml:trace>
+  <inkml:trace contextRef="#ctx0" brushRef="#br0" timeOffset="166705">28547 17922 23189,'38'-32'390,"-28"-5"-1083,18 16 1,2 1 1540,-9-17-1787,3 0 628,1 10 652,-23-1-1412,8 1 515,-10-5-1070,0 9 1208,-18-2-1761,-3 17 2196,-22 26 1196,1 14-895,16 15 322,-7 1-969,30 9 78,-9-15-223,8-7 1,8-2-267,24 2 633,11 11 0,15-31 0,1 0 1</inkml:trace>
+  <inkml:trace contextRef="#ctx0" brushRef="#br0" timeOffset="166920">29025 17620 23999,'-14'-13'-5082,"10"3"1419,-24 5 5723,8 2-855,-11 27 215,12 8-1559,7 13-265,12 0-2272,24 16 1262,-18-26 986,25-3 0,5-5-1030,-9-13 693,12-3 0,1-3 669,0-7 1,10 4-1,-17-5 1</inkml:trace>
+  <inkml:trace contextRef="#ctx0" brushRef="#br0" timeOffset="167120">29383 17278 23729,'-21'-24'-5570,"4"5"3790,1 11 2267,12 26-576,-24 2 1838,25 24-2460,-8-4 677,11 7-1562,0 6 1707,0 1-29,0 2-778,0-4 171,17 0-2631,-13 14 2375,28-19-464,-30-12 1,0-1 300,29-2 767,-28 12 1,11-26 0,-14 3 0</inkml:trace>
+  <inkml:trace contextRef="#ctx0" brushRef="#br0" timeOffset="167254">29065 17568 23639,'26'-18'369,"30"3"-101,-21 2-372,-2 8 1,2 1 41,28-2 1,1 2 0,-29 3-1,0 0 1</inkml:trace>
+  <inkml:trace contextRef="#ctx0" brushRef="#br0" timeOffset="167936">29832 17561 23639,'-12'-3'-1914,"0"1"1560,-2 19 643,4-13 1777,-5 49-3189,10-27 823,1 15 0,2 2-524,1-3 110,9-5 1,7-4-906,16-6 1411,0-11 0,2-2-257,18-4 33,-12-3 0,-2-4 1548,10-16 728,15 11-316,-20-34 291,-5 18 1003,0-22-2701,-16 16 0,-1-1-719,9-17-674,-11 5 1,-2 0-884,-2-5 1719,0-10 0,-9 23 1,-1 2-1</inkml:trace>
+  <inkml:trace contextRef="#ctx0" brushRef="#br0" timeOffset="168239">30497 17903 24179,'-18'-20'-5992,"4"-3"2962,36-13 4546,-16 3-1429,33-6 1357,-18 8-810,10-23-82,-12 24-887,-9-11 1067,-10 17-330,0 1-1494,0 6 672,0 1-1198,0 6 552,-20 4 1042,-2 22 777,-2 14 60,-6 12 120,27 25-1290,-9-23 267,34 15-2146,13-4 976,14-16 1184,-12-12 0,0-2 1,10-3-1,-16-10 1,1 0-1</inkml:trace>
+  <inkml:trace contextRef="#ctx0" brushRef="#br0" timeOffset="168487">30368 17240 24449,'-14'-9'-3493,"2"0"2051,6 5 785,3 0-706,26 3 2902,-18-1 212,42 1-1078,-9 0-610,11 1 154,-13-1 1,-2 2 182,6 15-1454,-1-9 0,-1 3 1466,-2 23-747,17-17 0,-32 13 0,-1-10 0</inkml:trace>
+  <inkml:trace contextRef="#ctx0" brushRef="#br0" timeOffset="168620">30845 17103 23639,'45'-6'-100,"-7"1"-560,3 5 295,-7 19 1,2-14 0,2 14-1</inkml:trace>
+  <inkml:trace contextRef="#ctx0" brushRef="#br0" timeOffset="169189">31515 16881 24449,'-10'-8'-5164,"-1"3"4844,-3 2 773,-1 3 86,-2 16-1219,-6 6 341,5-2 229,-7 35 1,14-34-1,0 31 1</inkml:trace>
+  <inkml:trace contextRef="#ctx0" brushRef="#br0" timeOffset="169354">31558 16794 23189,'-16'50'-4769,"2"1"2147,14-4 2167,0 8 1,0 5 0,0 5 0</inkml:trace>
+  <inkml:trace contextRef="#ctx0" brushRef="#br0" timeOffset="169874">31665 17595 24449,'0'40'-5666,"0"-4"3717,0-1 975,0-3 335,0 2 214,0 2 120,0 1 77,0 0-1368,0 15 1596,0-14 0,0 21 90,0-30 0,-13 8 452,10-21-687,-9-2 817,12-9-1031,0-23 179,0-10 90,0-13-180,0-5 208,-2 2 0,4-1-502,18-17 735,-9-3 1,0 0-508,1 31 1,1 1 777,6-19 1,0 1 538,5-2-224,-4 17 1,0 5 701,2 4 188,2 4 421,-11 18-131,6 3-573,1 22-1913,-9 11-836,0 11 763,-8-9 1,-2 1-559,2 9 487,-12-4 1,0-1-1058,4 5-982,-13 10 945,-3-22 2072,16-5-134,-30-3 341,20 0 0,-2-10 1,5 1-1</inkml:trace>
+  <inkml:trace contextRef="#ctx0" brushRef="#br0" timeOffset="170170">32120 17464 23729,'8'14'-7312,"-2"6"4400,1 20 1965,-3-6 644,-1 3 297,-1 3-83,-2-9 130,0 15-1457,0-22 3064,0 9-1407,0-20 60,0-14-53,-13-19-943,10-28 312,-9 5-476,9 7 1,6-1 187,15-11 492,-13-17-582,27 21 906,-28 2 37,26 5 1,-26 5 0,13 4 0</inkml:trace>
+  <inkml:trace contextRef="#ctx0" brushRef="#br0" timeOffset="170470">32538 17545 23819,'-36'0'1529,"17"-16"-4979,-18 12 3837,21-11-2103,-18 15 2527,7 0-231,-16 0-145,9 0-345,-19 16 510,26 10 554,-8 22-1313,23-7 613,2-1-1828,10-2-313,0-11 1,24 13-344,2-21 211,2 1 649,12-12 1099,-17-4 818,13-1-584,-14-21 1102,-3-5-331,-17-11-1035,5 0-1247,-7-6 1101,-18 7 0,13-5 0,-12 12 0</inkml:trace>
+  <inkml:trace contextRef="#ctx0" brushRef="#br0" timeOffset="171286">32702 17687 22290,'-31'0'360,"3"19"540,2 4-1052,13 10-1238,-4-2 624,15-9-690,-5-1 922,7-2-1062,0-2 89,0-2-517,17 0 528,3-8 1642,13-16 957,0-13 639,-5-25-1277,-11 7-123,-4 10 0,-2-2 248,-5-9-311,7-16 7,-9 13-997,-3-3-328,-1-1 1,1-1-463,-1-15 1714,-7 1 1,-2 1-797,6 7 97,-4 6 0,-2 4-161,-2 8 13,8-10 319,-8 54 2335,11 22-2048,0 14 84,0-3 1,0 1 201,0 18-144,-1-6 0,2 0-37,7-19 1,0-2 77,-6 8 0,0 1-598,11-3 0,1-4-2503,1 17 2253,-3-13 1,1-3-354,8 1 176,1 10 64,-9-25 356,1 0-96,-2-13 1184,-4-3 683,5-4 661,-4-20-351,0 15 1023,-2-35-1413,0 22 431,-2-17-35,0-3-1791,-2 11-58,0-11-1067,-2 25 758,1 23-1947,1-5 1482,4 42-36,0-28 66,3 23-55,2-12-702,6 10 545,-3-12-125,11 4 1260,-11-14 138,4-10 884,-1-1 489,-6-8 659,9-21 94,-11 15 1170,5-49-2020,-10 33-308,0-29 721,-4 10-1836,-1 10-411,0-13-1233,0 25 240,0-4-824,0 33 679,0 6 426,0 27-839,0 3 890,16-5 1006,-12-7 1,26-14 0,-13-3 0</inkml:trace>
+  <inkml:trace contextRef="#ctx0" brushRef="#br0" timeOffset="171492">33438 17622 24269,'0'-15'-5396,"-16"2"4272,12 4-1347,-12 3 3553,-1 1-146,-2 3 108,-13 19 295,2 4-1095,10 1 760,7 28-1141,9-31 788,4 27-2598,17-16-253,-12-9-1087,30 2 3013,-8-16 1,8-1 0,2-6-1</inkml:trace>
+  <inkml:trace contextRef="#ctx0" brushRef="#br0" timeOffset="171753">33597 17321 23909,'-13'41'-3721,"2"-7"2337,11 1-465,0-5 829,0 0 281,0 3 211,0 15 131,0-11-1199,0 23 997,0-26-969,0 16 939,0-22-91,0 3-809,11-7 1350,-8-8 1,8 1 0,-11-9 0</inkml:trace>
+  <inkml:trace contextRef="#ctx0" brushRef="#br0" timeOffset="171904">33453 17517 22650,'0'-5'-67,"26"2"1,1 2-1,24 1 1</inkml:trace>
+  <inkml:trace contextRef="#ctx0" brushRef="#br0" timeOffset="172236">33753 17601 23459,'-12'0'90,"1"16"-1376,4-12 2135,4 29-3252,1-10 827,2 17 305,0-8 318,16-4-1135,-12-10 76,11-3 926,-1 0-859,-11-4 1728,10 0 619,-2-4 165,-9 0-963,9-4 1825,-36 0 254,-1-2-1181,-25-12-1166,9 8 1143,6-7 1,16 10 0,10 0 0</inkml:trace>
+  <inkml:trace contextRef="#ctx0" brushRef="#br0" timeOffset="172487">33845 16883 23189,'0'37'-8454,"0"2"7922,0-7 0,0-11 0,0-11 0</inkml:trace>
+</inkml:ink>
+</file>
+
+<file path=ppt/ink/ink17.xml><?xml version="1.0" encoding="utf-8"?>
+<inkml:ink xmlns:inkml="http://www.w3.org/2003/InkML">
+  <inkml:definitions>
+    <inkml:context xml:id="ctx0">
+      <inkml:inkSource xml:id="inkSrc0">
+        <inkml:traceFormat>
+          <inkml:channel name="X" type="integer" min="-2.14748E9" max="2.14748E9" units="cm"/>
+          <inkml:channel name="Y" type="integer" min="-2.14748E9" max="2.14748E9" units="cm"/>
+          <inkml:channel name="F" type="integer" max="32767" units="dev"/>
+        </inkml:traceFormat>
+        <inkml:channelProperties>
+          <inkml:channelProperty channel="X" name="resolution" value="1000" units="1/cm"/>
+          <inkml:channelProperty channel="Y" name="resolution" value="1000" units="1/cm"/>
+          <inkml:channelProperty channel="F" name="resolution" value="0" units="1/dev"/>
+        </inkml:channelProperties>
+      </inkml:inkSource>
+      <inkml:timestamp xml:id="ts0" timeString="2021-07-15T06:37:29.960"/>
+    </inkml:context>
+    <inkml:brush xml:id="br0">
+      <inkml:brushProperty name="width" value="0.12095" units="cm"/>
+      <inkml:brushProperty name="height" value="0.12095" units="cm"/>
+      <inkml:brushProperty name="color" value="#FF0000"/>
+    </inkml:brush>
+  </inkml:definitions>
+  <inkml:trace contextRef="#ctx0" brushRef="#br0">1463 825 26068,'0'48'-5306,"0"-6"3267,0 20 1065,0-5 832,-10-23 0,-1 1 145,8 4 0,0 0-42,-7 4 1,-1 1 77,2 2 0,2 1-749,6 0 1,-1 0 805,-6-1 0,0 0 71,1-3 1,1 0-83,5-4 1,-1 1-108,-4 9 1,0-2-101,6 19-162,0-21 1,0-3-149,0-5-825,0 6 975,0-54-143,0-56 294,0 31 1,0-5 70,0-14 1,0-7 0,0 4-20,0 1 1,0 0 108,0 5 0,0-4 0,0 0 149,0-4 1,0 0 0,0 2-35,-1 14 1,1 1 0,1-3-3,2-10 0,1-7 1,2 2-1,1 8 18,3 1 0,2 4 186,-6-1 0,1-3 0,4 12 532,20 6 1122,-16 8-800,10 21 1160,-2 27-2067,9 21-663,-6 17-114,-8-22 1,0 0-25,-5-3 0,-1 1-65,1 3 1,-1 1-452,0 0 1,1 3 206,3 21 1,1 1-697,-5-17 0,1 2 699,0-5 1,2 6-1,0 0 1,-2-6 22,1 1 0,1-1-70,4 7 1,4 4 0,-1-8-526,11 8 1502,-10-23 0,1-3 0,13-2 0,0-5 0</inkml:trace>
+  <inkml:trace contextRef="#ctx0" brushRef="#br0" timeOffset="206">2347 694 25798,'-15'-27'-8006,"11"1"6342,-27 11 3882,17 2-2397,-5 30 2143,0 4-1026,17 27-1128,-8 13 0,-2 6-505,7-22 0,0 2 703,-2 0 1,0 7-1,-1 1 1,1-7-44,-1 7 0,0 0-756,-1 5 1,0 6 0,2-6 237,1-8 0,1 1 355,0 9 0,0 7 0,1-8 0,2-16 0,1-3 1,-1 22-1,1 0 0</inkml:trace>
+  <inkml:trace contextRef="#ctx0" brushRef="#br0" timeOffset="517">2708 1424 26967,'-26'23'304,"6"-3"-437,-1 24-1312,16-7-389,-30 5 2074,31 3-1544,-21 1 1307,22 15-1510,-8-17 738,19-11 0,2-1-1493,-5-2 1531,21-9 0,6-5 1037,-5-4-866,36-3 1715,-24-9-536,1-17 1548,-4 13-1179,-13-26 1,-3-5 603,0 3-996,-3-13 0,-5-3-867,-10-3-544,-5 11 1,-6 1-1729,-24-2-78,-10-3 493,10 31 1,-2 5 1940,-7-2 1,-12 5-1,20 5 1</inkml:trace>
+  <inkml:trace contextRef="#ctx0" brushRef="#br0" timeOffset="940">3185 1572 24539,'5'0'1619,"2"0"-1260,-1 0-179,2 25-3694,2-5 2384,-1 11 1,1 3-368,6 10 932,-1-1 0,0 1-1673,3 12 1133,-3-8 1,0 0-1078,3 8 1089,-8-22 1,1 2 1186,6 26-130,-3-18-548,4 18 419,-8-35-498,3 5 460,-8-22 105,1-3 554,-4-26-60,-1 0 220,0-24-311,-1 6 1,0-2-26,0 6 1,0-3-56,0-7 0,0-6 0,0 3 272,0 1 1,0 0-111,0-15 0,0 1-186,0 19 1,0 2-164,0 1 0,0 1 66,0-29 56,16 9 754,-12 9-566,31 10 1665,-6 2-480,9 17 844,15 3-245,-20 12-296,7 25-1214,-18-16 53,-1 42-1525,-6-28-956,-2 42-384,-7-23 147,-2-4 0,-5 1-1500,-19 6 1596,6-7 1,-3-1 2177,-26 4 1,-3 6 0,8-18 0</inkml:trace>
+  <inkml:trace contextRef="#ctx0" brushRef="#br0" timeOffset="1134">2533 996 25078,'0'-36'-5486,"0"1"3448,19 5 3111,-15 0-1657,36 5 2507,-6-2-1036,9 11-437,5 3-2983,-2 9 2624,-10 33 1,5-1 0,-15 27-1</inkml:trace>
+  <inkml:trace contextRef="#ctx0" brushRef="#br0" timeOffset="1283">2652 2687 24808,'0'28'-6295,"0"-7"4076,0-7-1633,0-8 4478,19-3 1,-14-19 0,14-5 0</inkml:trace>
+  <inkml:trace contextRef="#ctx0" brushRef="#br0" timeOffset="1769">4422 828 26877,'6'-5'1633,"2"1"-168,-3 19-6461,4-11 4305,-7 47-904,6 13 1005,-5-24 1,-1 2 102,2 6 1,0 3-327,-1 7 1,-1-2-91,-1-12 1,1 1 172,-1 3 0,0 3 0,-1-5 1057,0-5 1,1-2-739,-1 22 0,1-2 480,-1 1-56,0-25 0,0-2-56,0 1-378,0-7-1038,0-8 1412,0-55-27,0 4 83,0-24 1,0-6-9,-1 22 0,2 0 168,10-15 0,1 0 53,-11 13 1,4 2 147,17 1 1,3 1 239,-15 3 1,0 1 169,17-4 0,3 3 874,6-9-603,-6 23 0,2 5 1400,4 8-1719,-6 25 0,-1 6-550,3 6-544,-11 2 0,-3 4-929,3 13-307,-5 3-278,-6 3 958,-7-15 1,-1 1-1328,-1 19 1575,-8-9 1,-7-2 577,-19 4 168,4-11 1,-4-3 570,5-19 1,0-2 144,-1 5 0,1-2 243,-13-3 15,3-8-498,6-5-412,6-3 0,13-22 0,4-4 0</inkml:trace>
+  <inkml:trace contextRef="#ctx0" brushRef="#br0" timeOffset="2316">5358 1372 24269,'15'0'1529,"-4"12"-5255,-2-9 3866,-4 8-2710,-3 1 1302,-26 12 2447,17 6-1463,-40 9 417,19 15-797,1-13 1074,7-4 1,4-1-717,12 5 911,-10 8 67,14-22-2428,0-3 988,23-6-951,-18-4-211,45-6 1977,-26-4 142,8-2 1,3-3 1410,9-19-708,-7 8 0,-1-3 1408,4-24-632,8-1 110,-21 7 653,-8 0-2161,-2-2-203,-5-10-1242,-3 12-526,-3-8-148,-3 28 984,0-4-458,1 16 2083,1 14-2510,0-9 1256,2 34-345,3-18-256,7 35 56,0-21-151,4 11-76,-3-18-1330,1-1 2432,18 2-282,-12-14 1396,21 2 475,-25-16 848,12-17 446,-16-9-1381,-2-6 0,-2-2 42,-2-13-878,-2 10 0,-1 2-282,-2 4-122,0-3-431,-2 18-703,1 7 42,0 4 1240,1 25-1445,3 8 38,-1 12-852,8 18-297,-4-20-1332,9 25 841,-5-28 2435,3 6 0,-1-20 1,0-2-1</inkml:trace>
+  <inkml:trace contextRef="#ctx0" brushRef="#br0" timeOffset="2464">6285 1158 24898,'0'-18'-6115,"-12"3"3476,9 4 509,-9 4 2343,5 3 0,5 3 0,-5 0 0</inkml:trace>
+  <inkml:trace contextRef="#ctx0" brushRef="#br0" timeOffset="2636">5318 838 26428,'-1'-21'-6459,"22"7"8257,25-5-1028,13 14-721,-3 2 1,3 0-1,-18 3 1,0 0-1,18 0 1,-1 0 0</inkml:trace>
+  <inkml:trace contextRef="#ctx0" brushRef="#br0" timeOffset="3322">7468 375 26697,'-9'-8'-5010,"1"4"4307,3 1 371,0 20-24,1 3 53,3 14 0,0 5-348,-2 24 515,2-19 0,2 6 1,-2-4-655,1 2 0,-1 0 716,1 9 0,0 5 0,0-5-201,0-4 0,0-2 71,-1-7 0,1 2 1,1-1-132,5 15 1,1-3 112,-5-15 1,0-1-202,5 20 1,-1-4-14,-6-2 239,0 3-82,0-31-529,0-9-17,0-7 966,0-24 28,11-23 584,0-13-277,6 5 1,2-1 514,11-14-354,-6 23 1,7-2 0,-3 4 174,-4 10 1,2 3 317,24-10 0,0 8 1443,-3 15-1671,-12 22 1,-2 7-735,0 7-418,-12 10 1,-4 5-1202,-4 9 856,-16 2 1,-3 2-723,1 2 654,-23-6 0,-6-4-812,5-8 898,-11-12 0,-4-3 820,0-4 725,-14-3 528,24-13-1035,3-5 1,6 0 0,3 0 0</inkml:trace>
+  <inkml:trace contextRef="#ctx0" brushRef="#br0" timeOffset="3692">8417 1215 25168,'2'35'-5755,"-19"-17"7876,13 15-3510,-33-17 3759,32 18-3576,-31-4 2069,31 5-1669,-31 1 847,31 2 252,-23-1-485,25 17-166,-8-16-1644,11 22 1204,24-31-1826,4 8 1858,2-23-467,17-2 1749,-11-10-310,11-20 2090,13-11-495,-28-11-703,-10 9 0,-1 0 770,-2-10-983,-9 8 1,-3 0-1222,-3-3-534,-1-5-69,-3 20-1278,0 27 47,0 16 783,0 17 71,19 10-1493,-1 7 872,5-12 232,-2-10 1,-1-1 1660,-1 2 1,25 3-1,-17-18 1</inkml:trace>
+  <inkml:trace contextRef="#ctx0" brushRef="#br0" timeOffset="4017">9113 1390 25348,'6'15'-8103,"0"-11"8406,-1 29-1898,2-16-46,-1 19 1039,2-6 35,-1 1 200,-1-1-1664,1-2 2240,-2-4-1168,1-3 656,1 0 519,-2-12-613,-1 5 147,-2-13 1180,1 2-689,5-17 1198,0-11-395,13-25 307,-6 3-713,-1 13 0,0 1 740,3-5 271,2-7-1281,-4 23 1007,-5 11-1050,6 3 1246,-7 29-3160,9 12 70,-4 12-740,7 6-1419,11 6 1067,-2-15 2395,-8-15 1,1-1-1,18 4 1,2-2-1</inkml:trace>
+  <inkml:trace contextRef="#ctx0" brushRef="#br0" timeOffset="4354">10090 1375 24808,'-29'-5'-531,"-18"3"931,17 15 1285,-11-8-1453,15 37-1024,2-23 1003,20 22-1577,-10 2 383,14-10-188,0 7-554,27-17-405,8-1 1584,-2-15 1,2-3 816,20 6-805,0-10 1874,-18-15 452,-4 11 202,-4-32-235,2 2 21,-17-10-1346,9-17-1214,-22 27-194,6-13-347,-7 50-995,-14 49 1108,10 11 408,-8 0 0,-1 2-20,12-30 0,-1 0-3,-7 24 0,-1-2-527,8 4 775,-2-24 1,0 0 558,-2 16 1,5-19-1,-5 5 1</inkml:trace>
+  <inkml:trace contextRef="#ctx0" brushRef="#br0" timeOffset="4588">8162 592 25528,'-24'14'1775,"5"-10"-1153,10 24-3144,6-7 324,28 8-77,-2 2 257,26-5 1049,-3 1-799,6 2-108,-7-10 1,1-2 1747,-9-5 1,0-1-1,12 3 1,0-2-1,-14-6 1,0 0 0</inkml:trace>
+  <inkml:trace contextRef="#ctx0" brushRef="#br0" timeOffset="4736">8618 504 25078,'0'-6'-5576,"23"2"8446,2 2-2993,33 1 1,8 2-560,-22 6 0,2 1 692,1-4 0,9 0 1,0-1-1,-5 2 1,11 4-1,-1-1 1,-5-4-1,-1 0 1,1 1-1</inkml:trace>
+  <inkml:trace contextRef="#ctx0" brushRef="#br0" timeOffset="5134">11920 1004 26877,'-36'-17'-2671,"-14"4"2698,8 5 532,7 20 0,0 7 887,-8 6-1258,8 13 0,2 5-418,-4 8-235,14-5 1,3 2-1250,5 6-571,25-2 0,9-2-1178,15-4 3296,2-10 1,4-5-1,-7-19 1,1-4-1,2 1 1,1 0-1</inkml:trace>
+  <inkml:trace contextRef="#ctx0" brushRef="#br0" timeOffset="5467">12485 1212 26158,'-52'19'3572,"4"-14"-3686,13 39-884,2-21 1364,2 24-1127,4-8 322,4 1-131,10 1-543,-5-1-229,16 9-348,-8-15 745,30 11-1892,13-26 2031,31-3 722,-9-12 431,4-4 676,-19-21 293,-1 16 443,-5-42-1047,-7 8 1115,-6-13-1654,-15 15 0,-2 1-723,3-9-621,-7-9-426,-21 22-1014,16 5 379,-16 6 1132,21 6-69,-16 8 1189,13 26-120,-13 17-19,16 14-600,0 5-78,27-10-580,-9-13 1,4-1 1414,6-7 1,3-2 0,2 5 0,0-1 0,23 5 0</inkml:trace>
+  <inkml:trace contextRef="#ctx0" brushRef="#br0" timeOffset="5658">13277 1438 24718,'-19'-17'-3849,"-3"2"3159,-18 7 1751,7 20 1174,14 16-2151,7 10-721,12 3-521,0-7-798,0-1 1232,18-2-1025,-13-2 342,28-15 0,7-3-517,-3 13 752,17-15 0,3-5 1404,4 6 0,-19-16 1,0-4-1,15-9 1</inkml:trace>
+  <inkml:trace contextRef="#ctx0" brushRef="#br0" timeOffset="6033">13588 565 25528,'-16'-14'-4060,"12"3"851,-23 5 4986,16 30-1221,-2 2-351,6 14 0,3 4-480,3-10 0,1 0 76,-2 13 0,1 4-567,-1 9 1,4 0 559,7-14 1,3 1 322,-4 2 0,0 6 0,2-6-921,2-6 0,2-1 362,0 2 1,1 2 0,-1-5-227,-1-6 1,0-2 83,9 17 1,1-3-245,2-3 14,1 6-207,-19-25-954,5-10 1922,-5-24 1893,-2 6 935,5-46-1697,4 24 561,2-27-467,4 10 840,1 3 276,11-5-568,-11 23-1214,14 0-689,-18 21 1386,4 22-2164,-10-2-134,0 23-364,-5-7-1090,1 23 490,-6-17-2626,0 25 4178,-1-36 1,0-3 0,0-19 0</inkml:trace>
+  <inkml:trace contextRef="#ctx0" brushRef="#br0" timeOffset="6204">12812 388 27507,'-42'0'0,"1"25"1020,4-4-1315,12 8 1,1 4-2152,-9 12 2278,7 2 0,2 3 0,13-14 1,3 1-1,-4 14 0,0 0 1</inkml:trace>
+  <inkml:trace contextRef="#ctx0" brushRef="#br0" timeOffset="7038">15602 1036 25528,'-20'0'540,"0"30"-1577,2 0 512,1 33-721,3 0 785,7-7 0,1 3-75,2-12 0,1 3 288,0 6 1,2 5 0,-1-5-527,1-5 0,2 1 186,5 8 0,2 7 1,-1-9-67,-5-14 0,2-3 194,7 6 1,4 3 0,-4-8-550,-7 5 486,22 13-609,-23-38 473,6 0-320,-9-34 876,-20-22-318,-1-16 234,1 1 1,0-2 112,10 14 1,1-2 65,3-7 1,1-6 0,1 4 352,4 2 1,0 1-188,0-15 0,0 1 155,-1 20 0,2 2 10,12 2 1,2 2 1005,7-26-210,12 27 1,4 5 1557,11-7-1305,-5 17 0,2 5 892,8 7-1383,-20 14 0,-2 3 272,8-7-105,-8 46-2261,-15-25-175,0 28-1058,-15-12 267,4 2 1168,-26-13 1,-6-1 390,-8 15 33,-15-10 1,-3-4 202,-7 0 937,20-13 0,0-3 267,-12-6-227,5-2 0,7-7 0,3 0 0</inkml:trace>
+  <inkml:trace contextRef="#ctx0" brushRef="#br0" timeOffset="7901">15272 1295 23909,'-6'20'-1196,"31"-15"1778,-17 35-3341,54-20 3170,-33 18-825,0-21 1,4-1 459,21 17-169,-26-17 1,4 1-693,17 7 0,2-1 622,-11-6 1,3 1-812,15 3 0,8 2 0,-6-2 1035,-12-6 0,0 0-28,0 0 1,3 1-1,-5-2 1,-12-4-1,-3-2 1,30 9 0</inkml:trace>
+  <inkml:trace contextRef="#ctx0" brushRef="#br0" timeOffset="9384">16850 1091 26068,'-4'23'-4931,"0"-17"5356,3 61-2437,0-37 1407,1 4 0,0 2-242,0 12 248,18 2 60,-9-17 1,2-1-1662,10 14 1600,6-13 0,2-4-766,-2-4 1290,35-3 786,-22-16 620,2-6 266,1 0-239,-14-18 0,0-6 998,13-4-1252,-12-14 0,-4-5 196,-3-5-446,-12 6 1,-2-1-1063,-5-6-786,-3-13-647,-18 20-1133,13 17 736,-13 0 146,17 39 820,0 18-315,0 36 141,21-2-385,-8-15 0,4 0 630,3-16 0,3-2 1093,-1 10 1,1-1 0,17 11 0,3-1-1</inkml:trace>
+  <inkml:trace contextRef="#ctx0" brushRef="#br0" timeOffset="9800">18003 1463 23819,'-21'21'1229,"4"-1"-1492,17 22-2384,0-2 1023,0 6 601,0 4 519,10-11 1,0 1-613,-5 21 141,11-10 1,1 0-1145,1 7 1151,-5-12 0,1-2 386,3 5-150,1 8 297,-16-25 609,6-6-281,-2-6-1792,-4-4 1747,4-34-11,-29-21-136,-1-23 84,11 27 1,-1-4 56,-5-15 1,3-1-19,7 10 0,3-3 329,-1-8 0,0-7 1,1 6 92,-1 2 1,3 0 83,7-4 1,5-5-1,-2 7-397,-5 8 0,3 3 722,16-13 1,2 5 1003,-2-4 20,22 12 610,-9 15 179,15 12 435,-9 10-2022,-9 25 1,-2 7-729,5 7-396,-11 14 1,-3 6-1247,-1 8 902,-9-19 1,-3 3-579,-2 1 1,-4-1-54,-9-10 1,-3 1-1129,-3 20 0,-3-2 2313,-4-21 0,-1-2 0,-3 7 0,1-2 0,-15 10 0</inkml:trace>
+  <inkml:trace contextRef="#ctx0" brushRef="#br0" timeOffset="10540">19307 1078 26338,'-11'13'148,"28"-11"-243,-11 40-3336,46-17 3010,-27 26-595,10-15 1,4 0 363,-13-9 1,-1 3-274,4 2 0,3 4 0,-2-4-507,-2-2 1,-1-3 259,8 10 0,0-3-1619,12 9 2965,0-8 0,-1-7 0,-1-6 0</inkml:trace>
+  <inkml:trace contextRef="#ctx0" brushRef="#br0" timeOffset="10904">20427 1085 25888,'0'-17'-5306,"-22"6"5290,17 22 511,-41-7 619,26 26 1,1 4-1319,-33 2 564,11 15 1,2 4-296,13-24 1,0-1-321,-2 3 0,-2 4 0,3-5 763,3-4 1,2-2-299,-6 6 0,1 0-1100,-13 13-918,16-17 695,-6 2 707,20-23 183,1-25-1965,8-3 384,0-25 391,1 3 304,0-6 239,21-7 879,-20 11 1,3 0-200,15 12 0,0-2-366,-16-19 0,-1 1 1803,27-1 334,-26-5-919,8 35 1188,-2 10-290,3 9 496,8 26-2538,-1-1 177,-2 9 0,-1 3-320,12 12-187,-1 0 1,1 0 318,-9-15 1,0-1-604,5 10 1,1-1-1429,13 15-824,1-4 2307,2-3 1150,-8-18 1,1-2 0,22 6-1,-18-13 1,0-1 0</inkml:trace>
+  <inkml:trace contextRef="#ctx0" brushRef="#br0" timeOffset="11072">21263 1187 25528,'0'-18'-5036,"-28"4"4896,-7 6 1075,-17 25 1210,0 2-1546,21 11 1,0 4-570,7-11 1,-1 3-1048,-5 12 1,-2 7-1,4-4 111,7-7 0,2 0 990,2 8 0,0 4 0,4-6 0,5 12 0,8 13 0</inkml:trace>
+  <inkml:trace contextRef="#ctx0" brushRef="#br0" timeOffset="11401">21382 1548 25078,'12'0'360,"3"-4"1147,2-1-869,6-3 210,23-7-427,-9 1 108,17-6-81,1-11 290,-15 5-569,-9 0 1,-3-1-669,0-8-89,-1-13-646,-17 11-328,-6-1-335,-1-1-291,-20-10-532,12 14 640,-29-8 355,9 27 916,-19 3 745,18 38 1166,-12-3-579,30 11 1,4 5-522,-15 12 133,12-3 0,7 0-524,21 11-758,-6-12 1,4-2 199,3-19 1,3-2-113,2 5 0,1-1 841,19 1 0,5-8 0,0-4 0</inkml:trace>
+  <inkml:trace contextRef="#ctx0" brushRef="#br0" timeOffset="11817">22377 776 25438,'0'-34'-5846,"-15"6"3829,11 8 778,-24 27 4721,17 30-3310,-4 14-169,7-8 1,1 8-1,1-5-143,4-5 1,1 0-348,-3 13 1,-2 6 0,3-6 538,1-15 0,4-1 114,7 24 1,0-3-36,-4 5-1404,12-17 1,0-3 15,-13-1 760,11 5-186,-15-26 545,11-5-472,-9-6-1255,9-4 2249,-11-22-182,0-16 235,0-14-257,19-10 1082,-14 5-924,22 12 1,4 0 1406,-5-19-794,10 14 1,3 4 245,2 4-49,-9 18 1,0 3 1240,4 7-122,6 27-1861,-12 20-1118,-12 10-193,-8-7 1,-4 0-400,-1 14 524,-13-9 0,-2 1-1129,5 6-778,-30-5 1,-7-2-226,7-4 3163,-7-12 1,-2-5-1,-1-9 1,1-5 0</inkml:trace>
+  <inkml:trace contextRef="#ctx0" brushRef="#br0" timeOffset="12668">23685 1221 26517,'0'-17'-6205,"0"2"4436,0 1 705,-16 36 2358,-2 34-1142,2-26 0,0 4-178,3 19 1,2 0-375,-2 1-277,7-19 1,5-1 345,22 7-461,-15-6 320,46-3-877,-4-2 928,16-15 562,-18-7 1,-2-2 828,12-6-259,-12-8 0,-3-6 1475,5-18-871,-20 12 1,-1-4-76,-7-8 0,-4 0-440,2-8-487,-6 7 1,-2 0-1127,-7-1-576,3-5-94,-4 18-733,0 31 377,0 8 551,14 34-35,4-10-317,20 11 921,-8-25 531,7-3-13,5-7 822,-8-15 654,25 7-99,-27-30 1328,18-9 257,-27-11-1288,10-18-261,-20 21-972,-2-11-571,-7 10-963,-4 12 84,0-3-775,0 45-345,0 8 753,0 23-131,0-2-581,17 6 407,8-14 1923,-1-9 0,3-3 1,19-8-1,5 2 0</inkml:trace>
+  <inkml:trace contextRef="#ctx0" brushRef="#br0" timeOffset="13000">25155 1273 24898,'-52'-8'-79,"11"2"-317,-12 23 2026,22 9-1406,-5 25-776,12-9-55,12 18-495,1-27-212,29 18-921,-14-29 1416,31-7 0,7-6-248,-10-2 1011,15-9 0,1-7 812,-9-16-304,-10 4 0,-2-3 1000,-2-17-117,5-16 446,-22 23-1332,0-9-1266,-8 10-760,0 12-478,0 18-411,0 24 188,0 14 301,0 6 135,20-8-1424,3 11 3160,2-12 0,14 4 0,-11-15 0</inkml:trace>
+  <inkml:trace contextRef="#ctx0" brushRef="#br0" timeOffset="13236">24840 485 24539,'0'-4'-5486,"17"1"8870,9 2-2472,22 22-1729,-8-16 351,-13 32 1,-2 7-1572,8-7 639,-14 21 1,-4 5-274,-5-29 1,-2 0 1640,0 30 1,-2 1 0,-4-24 0,0-1 0,3 14-1,1-1 1</inkml:trace>
+  <inkml:trace contextRef="#ctx0" brushRef="#br0" timeOffset="13533">26727 1215 26338,'-30'-4'-660,"4"1"653,-11 1 0,-2 4 508,-14 22 146,7-8 0,1 3-404,18 3 0,2 5-670,-15 17 0,3 1-489,12 4-253,5-3 1,10-2-544,35-8-1546,19 13 701,14-33 2346,-23-5 0,-1-2 0,23-8 1,1 3-1</inkml:trace>
+  <inkml:trace contextRef="#ctx0" brushRef="#br0" timeOffset="13886">26852 1479 24089,'0'-21'-4497,"0"0"2908,-21-4 450,16 7-250,-30-1 2073,18 13 112,-14 2 219,15 22-1184,-10-13 2123,24 34-1806,-18-21 1572,18 19-1244,-5 6-856,7-10-764,22 18-982,-16-23-137,38 9 189,-12-25 2468,26 5-1033,-8-16 2010,-3 2-358,-14-19 1143,-2 11 379,-1-29-757,7 7-79,-12-7-639,9-14-436,-19 21-881,-1-8-324,-9 16-837,-3 4-125,0 1 361,-2 23-667,-20 10 2150,16 16-1337,-30 3 948,31 8-1159,-11-11-277,14 23 307,23-28 1247,11 15 1,15-25-1,3 5 1</inkml:trace>
+  <inkml:trace contextRef="#ctx0" brushRef="#br0" timeOffset="14372">27700 1316 23369,'-4'19'-3379,"0"0"2713,3 6-269,0-7 518,1 10-92,0-11 196,-19 21 851,-1-15-739,-16 23 1074,18-22-102,-6 18-203,21-18-1973,-7 15 565,33-19-1741,16 4 2665,13-16 1,10-3-1,-11-5 1</inkml:trace>
+  <inkml:trace contextRef="#ctx0" brushRef="#br0" timeOffset="14570">27995 540 27687,'-38'0'360,"0"0"-360,-16 0-90,12 0-438,-5 19 0,1 5-1136,-4 7 1622,17-3 1,-2 7 0,4-2 0,8-3 0,1 0-1,-7 12 1,0 1 0</inkml:trace>
+  <inkml:trace contextRef="#ctx0" brushRef="#br0" timeOffset="15168">29353 752 27507,'0'-22'-6476,"0"7"4348,-17 5 2191,13 30-287,-13 6 1042,17 29-1054,-6-9 1,-1 2 60,5-8 1,0 3-280,-2 7 1,-1 6 0,1-5 450,3-3 0,2 0 30,-1 3 1,0 3 0,0-5-300,-1-6 0,2-4-74,7 11 1,1-2-367,-8-9 0,2-3 207,29 11-197,-28 15-101,11-39-974,-15-1 1514,0-40 154,-15-16-75,12-1 0,2-4 167,-6 7 0,-1-2 107,7-15 1,2 1 645,-1-10-174,11 13 0,6 2 709,18 4 414,16-3 147,-3 31 961,-11 6-514,-2 5-303,12 39-1598,-15-13-316,-12 11 0,-3 3-1415,3 3-608,-11 12-102,-3-19-338,-6-3 545,-27-3 1453,20-5 215,-52-4 1749,32-5-1432,-9-10 0,-3-3 441,-5 2-73,-11-5 1,27 0-1,4 0 1</inkml:trace>
+  <inkml:trace contextRef="#ctx0" brushRef="#br0" timeOffset="15567">30225 1281 24629,'-44'15'2807,"18"8"-3499,-5-20 704,13 27-1130,-1-15 1357,-7 29-861,23-14-666,-18 25 397,19-20-1135,-6 8 589,8-14-430,17-2 456,-13-3-700,28 3 1274,-14-11 716,18 1 164,-7-13 1155,6-16 702,-13 8 6,3-31-337,-7 16 358,-2-20-930,-1 6 476,2-15-1401,-6 11-782,3-15-791,-7 28 435,1 4 492,-2 15 877,0 5 532,5 16-1926,-3 13-615,12 24-232,-7-3 694,-2-17 1,2-2-944,0 5-1328,12 14 3024,-12-33 1,7 7 0,-7-16-1</inkml:trace>
+  <inkml:trace contextRef="#ctx0" brushRef="#br0" timeOffset="15867">30733 1363 25978,'0'41'-5936,"0"1"3897,0-5 1065,0-3 426,0-11 212,15-10 400,-11 8-657,21-9-314,-11 2 916,16-22 2098,-6-15-441,16-27-338,-14 9-142,9-6 172,-8 14 611,-1 2-949,-1 4 988,7-2-2422,-9 15 949,9-1 384,-14 15-419,5 23-1862,-10-17 132,1 44-3010,-2-9-186,-7 15 3998,1 3 0,-6-15 1,0 0-1</inkml:trace>
+  <inkml:trace contextRef="#ctx0" brushRef="#br0" timeOffset="16008">30413 2380 27957,'-15'10'-3040,"3"-2"3294,2-4 0,5-2 1,2-1-1</inkml:trace>
+  <inkml:trace contextRef="#ctx0" brushRef="#br0" timeOffset="17134">1172 5187 24359,'0'17'-4587,"0"-2"3358,0-7 525,25-22 3619,11-20-2291,-11 12 1,1-2-159,2-6 1,-1-1-221,-4 4 1,-1-2-405,2-2 1,-1-1 756,1-3 0,-1-2-89,8-20 0,-2-3-63,-6 15 0,-2-4-914,-2-4 1,1-5 0,-4 5-4,-5 3 0,-3 1-98,2-12 0,-3-2 81,-6 7 1,-2 4-66,2 13 0,-2 1-128,-5-16 0,-5 4-856,-10 5 3,-15-3 613,2 35 1284,5 61 397,12-3-662,8-1 1,2 10 0,2-4-34,3 0 0,2 1-71,-3-5 0,-1 4 0,2 1-222,0 4 0,1 1 0,4-3-21,8 10 1,4 1-324,-8-15 0,1 6 1,0-2-1,3-5-792,12 10 0,3-3 368,-10-10 0,1 3 0,-1-5 841,2 0 0,1-3 1,-2-3-1,1-1 1,-1-2-1,1 1 0</inkml:trace>
+  <inkml:trace contextRef="#ctx0" brushRef="#br0" timeOffset="17450">1830 5408 26158,'49'0'0,"-7"0"0,3-16 1428,-5 12-1464,-1-27 38,0 27 10,1-29-72,-5 18 751,1-15-760,0-3 103,-15 9-924,-2-19-89,-16 18-415,-2-9-480,-22 5-3,-4 9-225,-21-2 1217,3 15 555,18 24 981,-7-12 429,29 44-1056,-10-2 344,13 15-393,11-17 1,2-1-1611,-7 10-38,26-9 1,6-3-590,-7 4 722,4-17 0,3-3 1244,10 2 0,4-6 1,0-6-1</inkml:trace>
+  <inkml:trace contextRef="#ctx0" brushRef="#br0" timeOffset="17784">2768 5201 24629,'0'16'-3957,"20"9"1390,-16 21 1222,16-1-240,-3-10 663,-13 0 753,13-3-306,-4 16-1617,-1-21 1526,2 11-150,1-27 1170,-11-6-80,4-2 1012,-1-26-654,1 3 488,3-22-265,2 4-209,-2 5 0,2-2 829,7-23-1331,-4 9 1,2 0 641,2-5-990,-9 20 1,0 3 458,3-1-277,-4 8 364,-1 12 159,0 5 557,0 7-298,0 17-2777,6 15 79,-4 9 308,-2-5 0,0 0-1046,-1 11 96,-1 18 2144,-6-21 1,-1-1-1,0-2 1</inkml:trace>
+  <inkml:trace contextRef="#ctx0" brushRef="#br0" timeOffset="17984">1937 4764 26338,'0'-36'-5576,"22"-11"5768,-17 14 145,30 7 0,6 2 1237,-4 0-1585,19 8 1,5 3-303,-26 8 0,-1 1-348,14-1 0,0 4 587,-11 8 1,-2 3 0,0-1 0,0 1 0,1 8 0,0-1 0</inkml:trace>
+  <inkml:trace contextRef="#ctx0" brushRef="#br0" timeOffset="18672">4905 3988 24269,'17'25'-5327,"-4"1"2402,-13 28 2537,0 2 191,0 10 146,0-27 1,0 1-18,0 2 0,0 2 61,0 1 1,0 4-526,0-3 0,0 3 0,0-2 658,0 7 1,0 1 82,0 3 0,0 5 0,0-5-254,0-8 0,0-2-15,0 2 0,0 2 0,0-4-75,0-8 0,0-2 0,0 7 0,0-1-134,0 19-1,0-24-2429,0 8 2609,0-55 180,-17-41-471,13-10 586,-5 0 1,1 1-115,8-5 342,-2 12 0,4 2 185,17 1 587,-14-3-754,30 36 2002,-15 6 695,21 39-2573,-8-4-580,-8 10 0,-2 5-889,6 11-426,-3-3 1,0 0 191,-9-19 1,-1 0 253,6 9 1,0-2-3551,13 12 3852,2-5 0,5-7 1,1-4-1</inkml:trace>
+  <inkml:trace contextRef="#ctx0" brushRef="#br0" timeOffset="18950">5782 5029 25348,'-18'-26'-7023,"13"4"4618,-35 11 4165,22 6-803,-22 5 641,-4 41-633,9-11-683,8 14 1,4 3-898,4 7 1130,5-8 0,2 0 447,11 4-2079,13 11-288,20-17-403,10-15 1257,-8-16 0,2-3 332,9-2 454,-6-6 1,0-4 875,4-21-318,-12 8 1,-2-4 805,-9-27-787,7-3-589,-25-5-1391,4 13-289,-15 8 1,-6 2-1741,-15-1 2904,0-2 0,-20 23 0,18 4 1</inkml:trace>
+  <inkml:trace contextRef="#ctx0" brushRef="#br0" timeOffset="19250">6385 4885 23009,'-33'21'1659,"13"4"-2983,8 15-695,12 13-252,0-16 1227,20-5 0,5 0-75,4 7 865,14-8 1,3 0-787,2 4 282,-17-14 1,0-1 9,8 7 1064,-5-5 659,-8-1 319,-2 2-1116,-13-7-595,-1 4-1004,-38-10 860,-11 2 574,-17-8 300,-2 1 0,12-4 0,-1-1 0</inkml:trace>
+  <inkml:trace contextRef="#ctx0" brushRef="#br0" timeOffset="19500">6895 4399 26428,'11'0'1439,"9"23"-5649,-1 6 2821,6 13 0,2 6 504,-11-18 0,0 1 450,5 8 1,2 5 0,-3-5-51,-4-6 1,-1 0-161,10 26 0,-2 1-697,-9-25 1,-2-1-64,4 12 1,-1-2 314,2 14 210,-3-3-25,-4-6-1294,-5 11 976,-2-21 1380,-3 5 1,0-24 0,0-4 0</inkml:trace>
+  <inkml:trace contextRef="#ctx0" brushRef="#br0" timeOffset="19634">6847 4987 24179,'21'-16'732,"14"1"328,12 8-1856,6 2-389,-10 5 1091,2 0 1,4 0 0,1 0-1</inkml:trace>
+  <inkml:trace contextRef="#ctx0" brushRef="#br0" timeOffset="19822">7742 5057 25258,'6'32'-7042,"-1"-14"4110,5 20 1449,-4-21-311,5 28 216,-5-19-215,0 5 1745,0-1 0,-2-9 0,2 6 0</inkml:trace>
+  <inkml:trace contextRef="#ctx0" brushRef="#br0" timeOffset="20000">7622 4481 24449,'22'15'-2457,"1"9"1,4 15-1,-9 2 1</inkml:trace>
+  <inkml:trace contextRef="#ctx0" brushRef="#br0" timeOffset="20368">8078 4812 24539,'7'0'1709,"0"0"-1440,0 0 181,6 14-3013,-1 10 184,15 36 547,-12-15 1136,-1-8 1,-1 0-1576,-4-3 4,4 22 130,-8-27-359,0 11 1897,-2-22 290,-1 0-293,-1-12 368,2-3-29,7-19 1389,0-15-670,4 0 1,2-2 924,7-29-607,-6 26 0,0 1 815,12-21 320,-1 4 317,1 5 129,9-4-1565,-12 20 426,12 4-106,-18 21 407,2 28-2344,-9-17 815,1 44-1508,-3-26-209,2 26-557,-2-9-185,2 2-2388,6 19 543,-2-16 4223,0-8 1,2-2 0,9 1 0,11 8 0</inkml:trace>
+  <inkml:trace contextRef="#ctx0" brushRef="#br0" timeOffset="20918">9475 4727 25348,'-19'-4'-971,"-18"0"1277,11 22 683,-20 13-222,13 9-957,16-8 0,4 1-777,-3 9 518,11-6 1,1 0-1045,-2 4 451,24 7-1257,7-10 16,-2-12-96,34 1 1859,-37-15 265,39-6 890,-33-1 353,3-4 229,-18-20 296,7 15 640,-16-29-2015,13 14 209,-11 1-538,1-21-981,-2 26 215,-3-20-640,0 17 603,0 1-1120,0 1 2058,0 2-1038,0 0 1049,0 3 511,-12-3-712,10 4-186,-10-1 1131,4 5 9,6 19-352,-5 7 380,7 13-646,0 18-90,13-14-511,-10 17 633,10-23 1,0 0-902,-9 21 320,13-6 0,1 1-428,-6 10 257,6-7 1,1-1 6,-1 9 329,0-1 1,0 1 433,-1-3-187,-4-6 1,-1-2 297,-7-12-260,1 14 248,-6-31-1695,-22 7 1992,-12-19 20,-13 0 4,-8-7 1,10 0 0,-4 0 0</inkml:trace>
+  <inkml:trace contextRef="#ctx0" brushRef="#br0" timeOffset="21417">11127 4031 27867,'-47'-47'-5879,"2"4"5250,16 21 0,-1 3 732,-16-1 432,9 20 1,1 9 1275,-9 25-1394,15-2 0,2 6-365,7 0 0,2 2-427,-2 7 1,1 1 749,1 5 0,2 5-635,6 0 0,2 5 0,1-2-115,1-13 1,1-2 0,4 5-655,6 8 1,5 6 0,3 0 0,0-7-535,0-9 1,1-5 0,4 2 1365,9 12 0,5 3 0,2-7 0,-6-16 1,1-5-1,1 0 0,2 0 0,0 0 1,0 0-1</inkml:trace>
+  <inkml:trace contextRef="#ctx0" brushRef="#br0" timeOffset="21934">12198 4870 25168,'-29'-43'-7536,"0"1"5072,-2 5 1482,-15-2 970,10 19 588,-27 17 916,28 6-558,11 17 0,2 9-1158,-10 26 802,23-21 1,2 4-244,-5 15 1,8-1-305,14-20 1,5-1-516,-5 8 0,4-2-48,10-13 0,3-4-627,20 14-872,6-16 1597,4-8 665,4-10 976,1 0-157,-19-20 1,-1-5 328,-9 9 1,-2-3-710,2-12 0,0-7 1,-5 1-205,-3 4 1,-3-2-292,-2-6 0,0-6 0,-4 4-295,-5 1 1,-2 0-342,0-17 0,-3 0-165,-3 15 1,-3 2-16,2-2 1,-4-1-228,-8 1 0,-4-3 348,-1-15 0,0-1-203,1 17 0,-2 0 226,0 2 0,-1-3 0,1 6-157,1 9 0,1 3 163,0-4 1,-2 4-30,-23 7 1118,20 11 300,-8 60 494,10-6-1105,12-3 0,4 9 0,0-2 115,-1-2 0,4 1-433,3 11 1,2 6 0,3-5-160,4-1 0,2-2-111,-3-7 0,1 2 0,2-1-639,3-4 0,2-1 0,-2-2-129,-1 5 0,0 0-27,1-4 0,2 3 1,-2-5-1305,10 17 2283,-16-25 1,1-3 0,4-4 0,-5-6 0</inkml:trace>
+  <inkml:trace contextRef="#ctx0" brushRef="#br0" timeOffset="22067">12137 4583 24898,'0'-30'-6385,"0"3"4166,23 6 3549,2 4-901,12 11 0,4 2-275,25-2-117,-2 12 1,3 3 0,-21-7-1,-1 0 1,16 7 0,0 0-1</inkml:trace>
+  <inkml:trace contextRef="#ctx0" brushRef="#br0" timeOffset="22401">13588 4603 24629,'-25'-20'-3938,"19"-8"558,-47 25 5488,28-9-1971,-27 12 1023,11 0-241,-22 15 246,20 15-950,9-4 1,4 3 1062,10 24-115,-1 2-1945,21-14-12,0-3-803,27-1-317,12 5-337,14-15 1641,-18-12 0,0-1-150,6-6 1156,19-3 331,-40-20 1067,16 12-92,-33-48-1353,10 26 20,-12-11 1,-2-3-1079,1 0-263,0-25-153,-19 33-816,15-3-568,-15 50 1586,19 1-8,0 30-1586,0 15 800,18-16 1543,-14 18 0,30-27 0,-13-2 0</inkml:trace>
+  <inkml:trace contextRef="#ctx0" brushRef="#br0" timeOffset="22650">13095 3891 24988,'-10'-2'-597,"22"0"1747,43 19-2468,2-2 834,1 0 1,1 0 132,-23-8 0,-1-1 27,12 4 1,1-2 4,-13-7 1,-1 0-435,30 6 3,-2-7 675,-6 0 0,-7 0 0,-3 0 0</inkml:trace>
+  <inkml:trace contextRef="#ctx0" brushRef="#br0" timeOffset="23184">14958 4494 24718,'-57'0'540,"-1"0"-360,0 0-90,3 21 1054,3-16-680,29 18 0,2 5-574,-3-4 0,2 1-156,-3 36-190,12-18 1,3 0-803,7 6 249,21-12 1,7-3-935,3-1 884,4-13 1,3-5-630,7-5 1238,2-5 384,-1-5 976,18-20 898,-19 15-530,-10-25 0,-3-4 251,-3 5-1043,-7-14 0,-5-5-878,-6-6-28,-2 17 1,-2-1-629,-4-25 205,0 30 0,0-1-261,1-1 0,-2-3 282,-9-17 0,-3-1 322,3 14 1,-1-1 259,-2-2 0,-1-3 0,1 5-325,3 8 1,1 2 149,-4-14 1,2 4-13,8 10 456,-14 3-491,15 39 1157,-6 8-540,17 13 0,3 4-287,-7 19 208,13 5 0,4 3-499,-9-22 1,1 2-139,5 15 1,2 8 0,0-7-122,1-12 0,-1-1-99,-1 7 1,1 4 0,-3-7-1559,4 9 2207,-8-23 1,-1-4-1,0 0 1,-2-7-1</inkml:trace>
+  <inkml:trace contextRef="#ctx0" brushRef="#br0" timeOffset="23350">14657 4155 25618,'0'-13'-6476,"17"3"9272,26 6-2995,11 2 175,-18 1 1,2 2-399,-5 7 0,2 3-285,19 1 0,2 2 77,-12 3 0,0 2 536,14-1 0,0-1 1,-18-3-1,-2 0 0,0 0 1,1 0-1</inkml:trace>
+  <inkml:trace contextRef="#ctx0" brushRef="#br0" timeOffset="23533">15938 4292 24718,'-18'-17'-4654,"13"-8"1954,-33 23 4933,9-8-1550,-9 10 537,-1 0-323,14 17 21,-1 13-1529,18 7 1,3 5 210,-7 17-811,19-9 1,8-1-2298,19-1 3303,-13-17 1,2-1 0,25 8 0,-13-2 0</inkml:trace>
+  <inkml:trace contextRef="#ctx0" brushRef="#br0" timeOffset="23686">15250 5530 24269,'-5'7'-1263,"2"-2"0,3-5 0</inkml:trace>
+  <inkml:trace contextRef="#ctx0" brushRef="#br0" timeOffset="24202">17112 4298 24988,'-42'-1'1053,"-1"-1"-988,-1 1 8,-15-1-13,14 2 140,8 14 0,1 3 454,4 2-914,8 9 1,5 3-881,10 1-1504,21 26-152,9-21 2649,12-7 1,7-4-1,-10-11 1,2-2-1,14 3 1,0-1-1</inkml:trace>
+  <inkml:trace contextRef="#ctx0" brushRef="#br0" timeOffset="24550">17683 4340 25168,'-26'-6'-897,"4"2"599,-22 4 1002,10 0-390,0 16 726,2-12-648,4 31-674,12-18 46,-8 21 179,20-7-1211,-10 18-324,14-11-904,23 23-873,15-28 2387,-3-10 1,3-2 618,-6-11 0,1-2 110,1 1 1,0-2 232,32-4 1307,-21-3 35,17-21 1167,-42-5 285,6-25-1539,-25 12-1223,5-2-311,-26 5-1271,14 11-414,-14-4 314,4 12-490,12 29 1428,6 9-1748,18 36 943,2-8 264,-6-15 1,1-2 17,8 6 1376,9 5 1,4-21 0,-9-3-1</inkml:trace>
+  <inkml:trace contextRef="#ctx0" brushRef="#br0" timeOffset="24952">18368 4429 24449,'0'10'-4137,"0"13"2098,0 17 1642,0-4 0,0 1-152,0 17 241,8-2 1,1 2-324,-5 12 406,10-8 0,0-2-1841,-11 8 1986,2-23 1,2-2-234,0 9 15,-5-7 300,5-4-158,-7 0 285,0-15-1641,0 0 1083,0-33 138,-16-20-284,13-3 0,2-4 468,-7 3 1,0-3 49,3-5 1,1-5-1,2 3 243,-1-1 1,3-2 17,2-8 0,2-6 0,0 4 152,-3 5 1,4 2-90,6 7 0,5-1 1,-1 2 473,0-12 1,2 6 109,2 14 1,2 2 139,5-8 0,0 5 669,3 12 550,15 6 115,-21 39-2360,-3 8 1,-2 5-923,-3 26 235,-5-2 1,-1 0-694,-7 6-304,0-11 0,-4-1-581,-22 5 1112,22-22 0,-3-2 883,-41 4 0,40-6 0,-16-5 0</inkml:trace>
+  <inkml:trace contextRef="#ctx0" brushRef="#br0" timeOffset="25167">17275 3902 25528,'0'-22'-5396,"18"-3"6475,13 7 1235,30-6-524,-5 14-1092,6-2-829,4 10-692,-17 1-406,-10 11 1,-1 2 1248,3-6-216,8 37 0,-18-26 0,-4 19 0</inkml:trace>
+  <inkml:trace contextRef="#ctx0" brushRef="#br0" timeOffset="25335">18395 3521 24269,'-18'18'-1777,"14"46"-3411,-14-28 4815,16 3 1,4 3 0,-2 18 0,0 4 0</inkml:trace>
+  <inkml:trace contextRef="#ctx0" brushRef="#br0" timeOffset="25683">19627 4353 25528,'0'8'-5846,"0"2"3718,0 33 1423,0 20 247,0-8 335,0-7 0,0 0-91,0 10 144,0-15 1,0-1-1527,0 0 2496,0 16-1530,0-36 360,0-20-90,0-19 90,0-28 112,9 7 0,2-3 135,-10 8 1,3-4-250,16-19 0,8-10 0,-3 7 199,-11 9 1,1 1-381,4 5 1,5-5 0,0 1 0,-3 8 624,-2 2 1,0 4 0,5-8 0,0 3 0,8-4 0</inkml:trace>
+  <inkml:trace contextRef="#ctx0" brushRef="#br0" timeOffset="26016">20395 4267 25078,'-46'-27'-3152,"11"12"2455,-5 4 1010,8 11 718,1 0-314,-4 19 283,-7 22-673,14 8-580,11-18 1,3 2 477,5 18-569,5 1-760,4 1 167,12-20 1,4 0-1341,6 14 1051,11-15 0,5-4 6,9-3 1099,-14-13 0,0-4 334,15-3 833,-2-5 294,-1-16 1323,4-13-115,-15-9-1824,-15 6 1,-4-2-515,-5-10-859,-4 3 0,-6 1-1042,-21-8-1070,15-11-990,-37 13 3293,11 18 0,-9 4 0,-1 18 0</inkml:trace>
+  <inkml:trace contextRef="#ctx0" brushRef="#br0" timeOffset="26222">20830 4366 26607,'4'28'-6887,"0"18"4737,8-15-70,-4 14 491,12 14-216,-9-20 74,3 9-42,-3-17 1340,-1-3 1,2-3-1,0 0 1</inkml:trace>
+  <inkml:trace contextRef="#ctx0" brushRef="#br0" timeOffset="26383">21288 4312 25708,'0'-7'-9354,"-15"1"10182,-3 20 1,-17 4-1,2 15 1</inkml:trace>
+  <inkml:trace contextRef="#ctx0" brushRef="#br0" timeOffset="26620">20008 3811 26158,'30'-23'2128,"18"2"-262,-28 1-2370,24 4 1396,-10 0-455,1 3-66,19 1-258,-16 6-312,23 1-640,-30 5-2201,16 16 609,-24-12 1844,10 27 1,-19-8-1,3 16 1</inkml:trace>
+  <inkml:trace contextRef="#ctx0" brushRef="#br0" timeOffset="26783">20592 3445 24089,'40'-3'-1468,"-7"1"1442,3 2 1,-6 0 0,2 0-1</inkml:trace>
+  <inkml:trace contextRef="#ctx0" brushRef="#br0" timeOffset="27050">21585 3291 26787,'36'21'-3024,"-1"-15"3919,5 42-3136,1-26 1896,-19 2 1,0 4-112,10 7 1,0 1 90,-8-5 1,-1 2 115,0 6 0,0 5 0,-3-3-850,-5 0 0,-3 1 753,-3 6 0,0 6 1,-3-4-553,-1-2 1,-5-1 711,-9 18 0,-5-1-147,4-16 1,-3-2 100,-10 2 0,-2 0-595,2-1 0,-1 0 1041,-2 1 1,-1 0 0,-2-2 0,-2-1 0,-1 1 0,1-1 0</inkml:trace>
+  <inkml:trace contextRef="#ctx0" brushRef="#br0" timeOffset="30384">1568 7765 22470,'-56'26'2497,"2"-7"-2142,25 4 1,1 1-1220,-20 10 813,-2 6-175,12-2-156,7 1-215,15 12-399,8-16-713,50 11-460,-6-29 1784,0-7 1,6-3 435,6-3 0,0-2-32,-11 0 0,2 0 494,22 2 0,-1 0 439,3 1 258,-18 5 1,-5 3-472,-13 1 100,2 22-1847,-49-14 1146,-14 22-453,-12-13 735,-6 10-427,22-21 0,1 0-12,-12 7-1301,-10 8 1146,20-21 780,16-3 1,-5-7 0,13-3 0</inkml:trace>
+  <inkml:trace contextRef="#ctx0" brushRef="#br0" timeOffset="31083">2148 7897 24089,'2'-6'-3075,"0"2"2355,-17 26 1047,11 14-1646,-27 15 1189,23-2 0,2 0-557,-13 6 541,12-2 0,3-2-1325,4-8 396,22 16-619,-17-34 858,26-12 1,6-5 1628,-6-2-444,3-12 0,4-7 605,-5-3 1,-1-3-265,-6-3 0,-1-3 58,14-15 0,-1-2-21,-18 15 0,-2-1 287,3-8 1,-3-1 121,-6-14-1403,-5 3-719,-7 5-1074,0 5 306,0 7 222,0 6 79,-16 5 305,13 6-267,-13 23 3091,16 19-1945,0 13 269,0 10 0,0-6 0,14 3-559,-10 2 456,8-16 0,3 0-214,3 15-1374,-1-13 0,3-2 814,12-2 482,3 0 94,-6-22 751,2-5 1125,2-5 300,16-36 638,-13 12-1253,-5-12 1,-3-4 738,0-2-1089,-9 6 1,-3 1 54,-4-3-1445,-2-6-129,-9 19-784,-1 28-453,0 16 902,7 12 0,0 5-585,-3 15 806,10-13 0,3-4-684,1-6 477,20 6 701,-10-25 1181,9-1 103,-16-25 2191,13-27-1109,-19 0-1316,-6 4 0,-3 1 433,-3-2-784,-3-21-647,0 31-798,0-3-350,0 44-1667,0 37 722,20 9 1341,-19-14 1,3-1-148,16-12 1,3-2-368,-2 31 1400,0-29 1,2-1 0,-2-1-1,-1-1 1,2 0 0,1-1-1</inkml:trace>
+  <inkml:trace contextRef="#ctx0" brushRef="#br0" timeOffset="31517">4572 8015 24808,'-59'-3'758,"1"1"-666,9 20 1453,-1-13-1112,24 18 0,1 3-866,-21 1 435,23-1 1,2 4-316,-2 6 0,2 0-364,-1 18 349,10-9 1,3-2-813,9 0-1436,22 15-387,18-40 2064,13 0 502,-8-15 1,0-6 986,15-21 11,-8 6 1,-1-6 17,-21-3 0,-3-4-59,16-18 1,-4-3-10,-18 18 0,-5-4-113,-1-17 0,-3-9 0,-2 5-464,-3 9 0,-3 0 3,0-14 1,-1-7-1,-5 8-625,-7 15 0,-1 3 42,3-2 0,1-3 1,-2 6-615,-3 7 1,-2 3 135,-3-12 0,3 4-695,9 6 1068,-9 4-98,3 23 998,7 24 416,-7 24 232,10 11-697,8-1 1,2 3 64,-7-15 0,-1 0-116,6 17 1,2 1-415,-1-13 1,-1-1 306,-7 2 0,2 0-613,12-2 0,2 2-664,-6 14 0,0-1 387,3-16 0,2 0-183,2 18 0,-1-3-391,0-5 1385,2 3 0,-13-32 1,-3-4-1</inkml:trace>
+  <inkml:trace contextRef="#ctx0" brushRef="#br0" timeOffset="31669">4322 7850 24718,'0'-33'-6295,"0"5"4166,44-6 4744,-11 13-1767,18 5 1,4 2-418,-21 7 1,0 1-305,13-1 1,3 2-527,4 3 0,-1 1 154,-12-1 0,2 2 423,5 4 1,3 2-1,-4-1 1,-2-3-1,-3 0 1,15 5-1,0 1 1</inkml:trace>
+  <inkml:trace contextRef="#ctx0" brushRef="#br0" timeOffset="31950">5640 7778 23999,'-27'12'3675,"-2"-1"-2400,-30 15-772,17-5-292,1 28-1196,12-12 541,20-4 1,2 2-938,-7 8 582,14 9-1221,27-4-649,-20-14 1451,28-10 1,5-4-171,-9 0 1225,14-10 1,3-3 709,0-2 657,14-4-156,-22-20 1258,-7 14 229,-4-34-953,-8 6-1270,-6-10-482,-10 10 0,-2-1-1170,2-6-285,-28-15-1122,18 17-475,-39 4 201,39 2 298,-23 13 1,-4 2 2586,9-7 1,-32-3-1,26 13 1</inkml:trace>
+  <inkml:trace contextRef="#ctx0" brushRef="#br0" timeOffset="32116">5962 6844 24539,'-23'45'-2711,"-11"2"2782,29-4-2171,-32 9 417,24-10 1,3 3 1586,-2-8 1,-1 0-1,-1 15 1,1 0-1,6-12 1,1 1-1</inkml:trace>
+  <inkml:trace contextRef="#ctx0" brushRef="#br0" timeOffset="32671">7248 7966 26697,'-8'-39'-8277,"0"3"5701,0 8 1105,1 9 583,2 7 130,1 28 1512,4 7-608,0 15 0,0 6-938,0-10 1,0 3 875,4 9 0,2 6 0,-1-3 53,-3 0 0,0-1 70,5 18 1,1-1 24,-2-20 1,0-3 62,-6-1 1,2 0-672,8-4 0,1 1 175,-4 7 0,-2-1-49,6 16 128,-1-19 0,-1-2-562,-2-7-1183,3-1 1160,-6-45 1249,-4-6-693,-21-31-137,11 8 1,0-4 158,-2 8 1,0-3 126,1-15 1,0-7 0,4 4 152,5-1 0,0-4 94,-2 15 0,-2-9 1,0-2-1,0 2 1,2 7 14,2 2 1,1 5-1,1-3-332,0-11 1,1-7 0,0 3 0,1 10 269,-2 8 1,4 6 625,15-10 0,-1 6 727,-13 13-373,31 9 1153,-17 18-1832,-2 29 1,0 8-984,9 2 120,-15 18 0,-5 4 33,2 1-241,-5-19 0,-6 0-734,-18 18 501,15-1-2628,-32-5 2480,34-2 1265,-30-7 0,30-6 0,-12-4 0</inkml:trace>
+  <inkml:trace contextRef="#ctx0" brushRef="#br0" timeOffset="33067">8267 7666 25978,'-62'0'989,"11"15"656,1-11-1731,11 35-267,-3-18 934,1 21-799,14-14 1,0-1-40,-10 17 82,15-7 1,2 0-583,2 4-665,9 23-151,4-33 251,33 5-1315,8-16 1659,19-9 849,-18-5 0,-1-4 378,11-20 418,-9 5 1,-2-3 732,3-23-115,6-6 541,-22-13-453,-3 12-1077,-14 6 0,-2 1-1183,4-2-319,-8-18-1059,0 35-72,0 21 877,0 16-512,0 24-556,0 24 689,19-8 278,-6-4 0,4 0 147,2-18 0,3-3 1416,3 10 1,1-3 0,20 6 0,7-3 0</inkml:trace>
+  <inkml:trace contextRef="#ctx0" brushRef="#br0" timeOffset="33335">9347 7585 24089,'-57'-12'-651,"1"6"734,9 1-123,-3 5 449,-1 15 540,3-11-556,18 19 1,2 4-471,-6-4 387,2 32-407,25-18-883,7 1-435,18 3 356,0-13 1,4 1-1281,27 15 1302,-9-9 0,1-1-299,8 4 594,-19-16 1,-1-2 376,3 4 771,-16-6-340,6 5 436,-19-8-1938,-22 11 1303,12-12 464,-30-1 1,-6-2 0,11 1-1,-5-4 1,-1-1 0</inkml:trace>
+  <inkml:trace contextRef="#ctx0" brushRef="#br0" timeOffset="33584">9530 7147 24988,'4'0'2159,"3"0"-1529,1 23-5266,4 8 3310,0 1 0,1 2-512,7 23 1167,-5-24 0,-1-1-177,7 20-1558,1 3 72,-3 0 903,-5-12 0,0 1 1271,-4-13 1,-1 2-187,4 24 0,0 0-180,-2 7-156,-5-12 1,-1-2 181,-2 3-72,-1 12 751,-2-30 1,0-5 0,0-3 0</inkml:trace>
+  <inkml:trace contextRef="#ctx0" brushRef="#br0" timeOffset="33700">9522 7712 22110,'44'-17'387,"1"4"0,-12-2 0,3 3 0</inkml:trace>
+  <inkml:trace contextRef="#ctx0" brushRef="#br0" timeOffset="34019">10313 7825 23819,'13'18'-6433,"0"1"4263,4-2 1790,0-4 664,20-1 741,-6-7-23,15 0-146,7-4-789,-10-19 1211,-7 9 0,-1-2 1161,4-11-406,17-11-335,-31 11-1179,-2-8-500,-17 0-1026,-4 10-442,-21 1-464,-16-6 291,-11 9 1142,8 7 1,0 3-277,-14 2 792,9 12 0,0 4 801,-4 6 64,18 1 0,4 3 526,7 15-596,0 6-857,15 3-1261,9-10 0,4 1-1846,14 19 2894,10-9 0,5-3 0,-11-19 0,1-3 0,11 7 0,1 0 0</inkml:trace>
+  <inkml:trace contextRef="#ctx0" brushRef="#br0" timeOffset="35350">12380 7581 24629,'0'-16'-4857,"-20"6"4735,15-5-2494,-43 9 4122,28 3-660,-40 1 90,26 18 433,-23 7-635,27 9 720,-4 4-884,21-5 688,6 1-2332,5 3-495,24 12-847,-16-11 665,26-10 1,7-5-320,-5-4 1548,15-5 1,4-8 412,5-23 713,-19 11 1,0-3 277,-2-16 1,-4-5 592,17-12-276,-16 2 0,-4-2 725,-4-11-1576,-13 6 1,-5-2-519,-3-11 188,-10 18 0,-4-4 0,-2 4-1053,-3 7 0,-2 2 332,-2-8 0,-1-3 0,-1 7-202,-1 11 1,-1 3 14,-3-9 1,3 1-589,5 6 756,-11 2 681,25 49 465,-7 28 3,8-18 1,4 4-172,5 24 1,1 3-149,-6-22 0,0 2-357,6 6 1,4 5-1,0-4-232,0-3 0,2-3 62,2 16 0,2-2-562,0-20 1,0-2 38,-3-1 1,-2-1 20,-2-3 0,1 0-256,4 6 0,0-1 1044,4 11 1,0 4 0,-14-28-1</inkml:trace>
+  <inkml:trace contextRef="#ctx0" brushRef="#br0" timeOffset="35900">12195 7371 24539,'0'-35'-6386,"0"3"4348,0 8 883,32 2 3357,19 0-1346,-18 15 1,3 2-755,20-2 1,0 2 85,-17 3 1,0 4-518,13 6 1,4 4 568,4 0 1,-1 2 122,-13 5 0,1 1-104,3-4 1,5 0 0,-5-2-701,-5 1 1,-1 0 20,2-1 0,3 1 1,-5-2 324,-7-5 0,-1-1 665,20 11 1,-4-3-382,-11-11 1553,7 12-1312,-63-16 388,-26 0-318,-7 0-198,5 0 0,1 0 270,4 0 223,-17 19 599,36 5-1487,8 21-340,23-10-1803,-7-4 358,40-10 1034,-22-4-399,25-7 854,7 3-720,-12-11 1204,-9 3 0,-2-4 1041,3-19 1555,3-5-326,-15-12-1729,-14 2-163,1 5-759,-10 1-858,0 2-275,0-6-82,-19 17-283,14-11-592,-30 23 2660,19 11 1334,-2 24-1351,6 11-30,7-3 1,2 2-187,1 20 59,-4-5 1,4 0-366,11-21 0,3 0 280,-2 25 1,0-1-1042,2-26 1,2-2-395,2 9 1,-3 0-468,-9 22 1201,23-22-1533,-25 11-2168,10-33 4937,-29-3 1,13-28-1,-13-8 1</inkml:trace>
+  <inkml:trace contextRef="#ctx0" brushRef="#br0" timeOffset="36050">13175 6956 27147,'-1'-23'-6525,"0"3"4306,19 7 4880,-13 4-2776,49 5 342,-18 2-677,-2 1 0,6 1-1244,16 10 1,0 0 1639,-10-8 1,0 1 0,-3 8 0,2 5 0,-1-2 0,3-1-1,0 1 1</inkml:trace>
+  <inkml:trace contextRef="#ctx0" brushRef="#br0" timeOffset="36617">15520 7160 25078,'-30'-41'-6777,"-2"3"5287,-7 10 1936,8 16 1,-3 3 545,-21-1-395,18 15 0,-1 5 261,-5 7 1,1 5-287,10 1 1,1 3-505,-19 14 1,3 2 860,23-17 0,3 1-316,-3 16 0,5 0-460,7 3-808,33 8-1726,6-25 83,28-7 901,0-10 909,-8-7 0,1-1 314,-10-2 0,0-2 388,27-6 0,-2-6 385,-27-1 0,-4-4 183,10-1 0,-4-4 1869,3-27-1313,-11 11-1041,-13-5-706,-9-3-595,-8-4-200,0-3 457,-13 15 1,-1-1-1897,8-19 1503,-17 13 0,-2 3-744,1 0 125,-2-2 671,9 26 1204,3 10 378,11 20 429,-10 8 931,13 20-1575,-1-4 0,2 1 89,16 28-737,-7-3 0,3 1-119,4-21 0,1-1-414,-1 12 0,2 1-628,6-4 1,3-2 536,-7-12 0,1-1 818,9 9 0,2-3 0,-7-15 1,0-2-1,0-1 0,1 0 0</inkml:trace>
+  <inkml:trace contextRef="#ctx0" brushRef="#br0" timeOffset="36967">16223 7167 25438,'-44'-15'-480,"11"9"0,-1 2 761,-18-1 107,7 15 1,2 5 990,-2 6-1063,9 15 0,5 6-684,10 2-78,5 0 0,8-2-787,28-2-496,11 18-349,12-31 595,4 3-366,-10-21 990,1-3 746,-1-6 472,13-15 1262,-14 11-250,-10-19 0,-2-4 476,1 3-1470,-8-9 1,-2-3-17,-2 0-720,2-11-506,-8 12-367,-2 12-387,0-1-280,-3 17 1248,1 18-1035,0-7 576,3 33 161,0-18-810,2 20 359,4-6-880,1 1 179,4-1-194,3 0 2395,2-4 0,2-2 0,2-3 0</inkml:trace>
+  <inkml:trace contextRef="#ctx0" brushRef="#br0" timeOffset="37299">16822 7266 24718,'-15'23'-1295,"11"15"-1940,-11-8 3172,15 10-1374,0 13 598,0-24 202,0 13 181,0-21-1140,14-5 242,-1-53 1821,15 10-169,-13-13 0,0-3 510,11 3 428,1-15-168,-9 22 93,-2 3-19,-1 8 223,1 9-152,-1 2-568,-1 9 403,7 12-1541,-5-6-529,13 47-1389,-12-27 64,2 30-821,-9-21-727,-3 0 3392,-2-2 0,-3-2 0,-1-2 1</inkml:trace>
+  <inkml:trace contextRef="#ctx0" brushRef="#br0" timeOffset="37534">15875 6577 25348,'0'-49'-5666,"19"16"6679,7-12-670,-2 32 1533,36-2-652,-38 15-821,31 14-847,-26-11-535,-1 30-144,0-29-828,10 50-538,-9-32 1947,8 30 0,-10-23 0,1-1 0</inkml:trace>
+  <inkml:trace contextRef="#ctx0" brushRef="#br0" timeOffset="37718">16553 6329 23999,'7'-20'-1715,"5"2"2074,-3 8 242,16 4 823,-6 3-669,12 26-1887,-1-17 882,4 39-1638,3-28 1069,-2 6 0,2 1-1209,21 3 1997,-2-8 0,3-3 0,-22-8 0,-1-3 1,13 0-1,0 1 0</inkml:trace>
+  <inkml:trace contextRef="#ctx0" brushRef="#br0" timeOffset="38216">18193 6917 27237,'-10'-20'-8007,"0"5"6293,3 5 569,3 22 2020,20 5-1162,-12 22-155,41 1 482,-23 9-1218,2-22 0,2 0 1013,-6 2 0,-1 0-192,3 1 0,1-1-22,1 2 1,0-1-644,0-1 0,0 0 365,2 0 0,0-1 199,1-2 1,-1-1 483,1-2 0,0 0 0,0-3 0,1-1 0,26 17 0</inkml:trace>
+  <inkml:trace contextRef="#ctx0" brushRef="#br0" timeOffset="38418">19252 6886 25708,'-23'-11'-2423,"-11"3"2641,-15 28 938,14-1 1,1 4-939,11 2 0,0 5-306,-7 8 0,-3 5 0,4-4-172,5-6 1,2 1-210,-4 7 1,-1 4 0,4-5-824,-3 10 765,8-14 1,2-2-1048,4-3 1269,-5 0 1,10-22 0,-1-3 0</inkml:trace>
+  <inkml:trace contextRef="#ctx0" brushRef="#br0" timeOffset="38600">18640 6799 24808,'0'-20'-4136,"23"7"7828,7 7-1978,13 28-2745,2-16 1239,-11 47-2084,6-26 1380,-21 0 0,0 2-1378,22 19 1417,-12-13 0,0 2-1077,-6-8 1,-1 0-58,7 9 1,-1-1-438,14 14-463,-3-3 1472,3-3 1038,1-7 1,0-4 0,2-4 0</inkml:trace>
+  <inkml:trace contextRef="#ctx0" brushRef="#br0" timeOffset="38784">20007 6925 25618,'-26'-11'-2207,"2"4"2006,-24 4 973,15 20 1,2 4 202,-22 10-780,6 13 0,1 6-685,18-19 0,2 1-133,-8 10 1,3 3-582,6 1 1,6 0 441,7-12 0,2 0 609,-2 9 1,3-2-1,9 11 1,0-3 0</inkml:trace>
+  <inkml:trace contextRef="#ctx0" brushRef="#br0" timeOffset="39117">20095 7410 23639,'0'-8'-6295,"0"1"4166,26-2 5460,-20 2-2613,50-4 427,-31-1 126,27-2-483,-12-1 206,14-11 1383,-16 5-1294,-9 1 1,-5-2-1457,-7-6 387,8-11 193,-24-6-1808,6 10 305,-31-23-1750,18 27 387,-34-13 665,21 26 555,-13 2 1048,14 34 822,-3 20 492,19 11-1322,-5-9 1,4 0 531,29 12-551,-25-17 0,4 0-968,30-2 0,4-3 334,-6 15 994,4-17 1,3-3 0,10 2 0,3-4 0</inkml:trace>
+  <inkml:trace contextRef="#ctx0" brushRef="#br0" timeOffset="39567">20958 6496 24449,'-17'36'-1846,"2"5"603,8 2 827,1-4 1,3 1-40,2-6 0,1 1 97,-2 28 1,0 1 136,1-23 0,2-2-110,9 13 0,0-1-1660,-5 15 1355,12-34 0,-1-1-565,-12 27 872,9-21 0,1-1-505,-10 14 693,7-15 0,-1-2-518,-8-3 949,5 1-440,-7-16-589,0-7 535,0-19 190,0-15 456,0-12-412,0 4 1,0-1 574,0-18-602,-1 18 1,2-3 389,8-1 1,0 0 67,-4-18 104,21 16 1,5 3 1134,-6 6-511,11 15 0,3 5 1059,-1 7-1603,0 34 0,-2 8-605,-2 2-290,-5 19 0,-6 3-924,-10-4 641,-4-8 1,-7 0-1625,-24 5 68,6-9 0,-4-2 1968,-3-18 0,-2-3 0,-2 7 0,-1 0 0,-14 7 0</inkml:trace>
+  <inkml:trace contextRef="#ctx0" brushRef="#br0" timeOffset="40450">22057 6918 22020,'0'-8'-6296,"0"1"4258,0 1 1154,0 0 425,0 2 213,0-1 212,0 3-104,0-1-1369,0 1 1687,0 0 270,0-2-270,0 1 90,0-2-90,12 3 2134,-9-2-173,10 2 888,-13 0-3029,0 17 90,22 12-198,-16 11-175,34 7 227,-23-4-2606,18 3 1267,-4 1 343,-6-14 1,2 0 1061,16 15 14,-13-18 0,0-1 298,17 3 512,2-5-116,0-6 897,1-6-375,0-7 351,-2-3-40,15-24 631,-17 2-1315,-11-9 0,-3-5-15,-1-13-912,-13 12 0,-2-2-559,-2-23-547,-3-7 269,-7 31 0,-2-1-184,0 0 0,-1-1-505,0 0 1,-1 0-62,0 1 1,0 0 1347,0 2 1,0 0-1,0-26 1,0 4-1</inkml:trace>
+  <inkml:trace contextRef="#ctx0" brushRef="#br0" timeOffset="40850">23687 6917 24718,'-40'-21'-3507,"-3"-6"1824,2 24 2813,-1-7-985,2 10 553,4 0-200,4 18 344,6-13-415,5 55-430,12-34-216,14 10 0,4 2-1800,-4-3 1170,19-13 0,4-2-447,-3 2-380,31-10 792,-14 4-234,3-14 2074,-1 5 168,-1-7 1013,10-17 788,-16-10-1911,-12 2 0,-4-3 599,-6-18-1449,-4 11 0,-2 1-588,-8-4-1025,4-12 291,-5 24-438,0 4-957,0 6-225,0 24 795,0 18 653,0 15 41,0 10 323,21-8-703,-15 1 1580,36-2 1,-23-3 0,18-4 0</inkml:trace>
+  <inkml:trace contextRef="#ctx0" brushRef="#br0" timeOffset="41103">24485 6805 24629,'-17'-18'-5340,"-5"7"5239,-23 5 1480,10 42-135,-12-12-771,33 13 0,2 3-1096,-19 3 625,21 1 1,9 0-1642,19-2 1336,-3-7 1,5-4-635,30-15 677,-15-5 1,0-2-163,7-8 521,13 4 592,-20-23 342,-6 14-539,-5-31 381,-6 10-956,-9-10-333,-3-12 1,-36 19 0,-7-8 0</inkml:trace>
+  <inkml:trace contextRef="#ctx0" brushRef="#br0" timeOffset="41269">23227 6188 25618,'-8'-20'-8661,"3"2"5840,4 8 2397,33 2 2204,29 7-1698,-24-1 1,6 2-24,4 5 0,5 2 0,-3 2 0,3 6 0,-1 3 0,-2 1 1,0-1-1,-1 0 0</inkml:trace>
+  <inkml:trace contextRef="#ctx0" brushRef="#br0" timeOffset="41767">26025 6641 22920,'-60'-13'-1216,"1"3"1016,6 6 390,6 3 170,-4 22 831,20-15-596,0 50-1127,22-35-361,5 28-140,31-25-78,14 3 820,-5-20 1,3-2 97,25 8-110,-22-21 1,-2-4 980,3 7 191,-6-29 0,-5-5-61,-11 11-214,-4-14 0,-6-2-81,-11 10-1380,0-19-484,-20 28-210,-3 3-496,-20 16 1370,2 55 895,17-14-233,7 19 1,6 4-83,8-22 1,3-1 226,-6 14 0,1 0-54,4-12 1,2-1-8,-1 1 0,0-1-105,0-1 0,0 1-570,0-2 1,0 0-743,0 31 431,0-5 738,0-23 0,0-1-411,0 14-546,0-15 0,0-3-98,0-1 1592,-17 3 1,-3-23-1,-17-2 1</inkml:trace>
+  <inkml:trace contextRef="#ctx0" brushRef="#br0" timeOffset="42200">26848 6568 24179,'-33'-9'-1649,"-20"3"1773,31 2-420,-22 4 779,-2 0-275,14 0 94,-9 19 197,19 5-776,2 0 207,9 27-1179,4-32 376,25 34-1533,11-31 1060,26 4 376,-9-17-3,3-2 863,-5-7 344,-13-19 1548,5-6-375,-15-11 1153,-12-13-1983,-1 19-412,-8-8-1577,0 14 113,0 4 242,-15 0-944,11 32 828,-12 1 1979,16 35-1094,0 0-54,0 10 342,0-25 0,0 1 0,0 2 0,0 0 14,-1 2 1,2 0-52,8 0 1,0-1-412,-7-1 1,1 1-581,13 11 0,-1-1 812,-12-12 0,-2 0 168,6 17 1,0-1-211,-7 2-11,0 7-480,0-27-350,-23-3 801,17-6 952,-46-5 1,25-5 0,-27-4 0</inkml:trace>
+  <inkml:trace contextRef="#ctx0" brushRef="#br0" timeOffset="42784">27248 6961 24269,'20'-18'-838,"-6"-13"1,4-2-336,26-3 1497,-16-1 0,-1-6-390,9-1 1,-1 0 50,-6 9 1,0-3-24,1-4 1,2-6 0,-5 3-83,-2 2 0,-4 1-185,7-15 0,-5 0 35,-14 17 0,-2 1 41,-1 0 1,-2 1-289,-3 2 1,-2 2-746,1-32-167,0 9 225,-21 9-224,-10 3 492,-11 24 1598,-18 19 558,24 24-301,10 0 1,1 3 618,-7 32-1017,16-23 1,2 2-177,0 4 0,3 2 135,4 3 1,2 1-142,-3 2 1,1 1-766,5 1 0,2 3-422,3-7 1,2 3-1,-1-3-397,-4 7 0,5 1 68,14-1 0,8 4 0,-3-7-77,-7-7 0,4-5 1202,13 1 0,8-1 1,-2-6-1,-4-6 1,0-4-1,13 3 1,1 1-1</inkml:trace>
+  <inkml:trace contextRef="#ctx0" brushRef="#br0" timeOffset="43117">28325 6679 24179,'-49'-17'-1573,"-2"6"1375,-2 5 504,-3 6 292,0 0 12,1 16 448,4-11-442,6 38-659,3-4 814,22 14-965,7-18 0,7-2-886,36 6 128,-8-10 1,3-3 247,6-11 0,4-5 122,15 3 1,0-4 66,16-3 469,-24-4 1,1-4 227,-5-8 0,-2-1 1189,14 5-378,-15-20 1,-6-5 800,-8 8-1420,-9-10 0,-5-2-962,-7 2-648,0-10-316,0 19-335,0 5-287,-16 9 282,-2 19 2245,-1 23-1305,5 27 177,14-1-35,20 0-2241,10-1 3061,13-18 0,-18-16 0,0-1 0,17 5 0</inkml:trace>
+  <inkml:trace contextRef="#ctx0" brushRef="#br0" timeOffset="43400">29117 6434 24988,'-41'-15'-2617,"3"3"2072,-2 6 900,7 4 195,1 2-9,5 21 240,6-15 7,9 40-1800,6-5 361,6 13 13,11-14 1,2-1-1190,-7 8 672,19-16 0,3 0-476,-6 10-552,24-3 334,-15-1 1375,-2-6 123,-13-2 303,12-5 1064,-16 1-911,7-10 48,-12 4-713,-26-13 388,-10 4 1062,5-7-486,-27 0 130,32-2 0,-10-1 0,17 0 1</inkml:trace>
+  <inkml:trace contextRef="#ctx0" brushRef="#br0" timeOffset="43700">29763 6501 23819,'-35'-4'-366,"-17"1"465,25 2 147,-18 17 1174,8 9-885,19 10-1470,6 3-72,12-5-589,0 2 428,22 18-909,-17-14 957,18-13 0,-1 0-1133,-17 7-77,39-3 1878,-38-2-493,34-4 1953,-35-3-1179,26-3 1642,-21-1-1254,3-7-71,-6 1-727,-7-6-1719,-21 2 3394,-13-2-787,-10 0 0,-7-1 0,13-1 0</inkml:trace>
+  <inkml:trace contextRef="#ctx0" brushRef="#br0" timeOffset="44335">30413 6496 24179,'-16'24'-863,"-8"22"-200,7 10 648,4-8 0,1 0-420,0 14 573,6-21 1,0-1-315,1 16 72,4-7-846,0-5 474,1-8 315,0-6 373,0-7-564,0-5 131,0-31-722,0-18 365,0-21 45,0 8 1,0-1-180,0-19 1193,8 6 1,5 0 0,1 23-1,2 1 1,9-11 0,1 1-1</inkml:trace>
+  <inkml:trace contextRef="#ctx0" brushRef="#br0" timeOffset="44666">30898 6606 24988,'-33'-29'-5581,"1"11"4997,9 8 550,1 10 1418,4 0-162,-8 32-798,5-7-409,6 11 0,2 3-1000,1 7 1386,3 18-836,7-21-115,2-2-957,17-3-707,11 7 461,-5-15 1405,11-13 1,1-4 627,-6-3 66,13-5 0,1-5 909,-3-22 34,12 16-118,-23-42-143,-6 24 187,-6-24-2536,-9-12 1129,-3 15 0,-5-15 0,0 20 0</inkml:trace>
+  <inkml:trace contextRef="#ctx0" brushRef="#br0" timeOffset="45016">31465 6599 25078,'-24'-20'-4982,"17"1"994,-35 10 5493,16-7-1486,-9 13 1259,-1-5-738,10 29 548,2-15-1136,8 34 1,4 7 265,-2-11 405,3 16 0,7 2-1583,24-11 387,-5-10 1,3-3-1227,29 0 1152,6 2-336,-8-23 859,2-3 1095,0-6 160,-1 0 344,-1 0 760,-2-25 251,6-5-919,-17-15-1442,-14 15 1,-5-1-942,-3-9-726,-6-13-340,-4 15-344,-19 2-1142,14 2-1408,-32-6 4325,14 16 1,1 2 0,3 17 0</inkml:trace>
+  <inkml:trace contextRef="#ctx0" brushRef="#br0" timeOffset="45733">32193 6599 25438,'0'56'-6206,"-13"-9"5518,10 2-475,-11-7 1219,14 0-911,0 0 309,0-4 226,0 8-1187,0-15 1957,0 8-990,0-25-490,0 0 248,0-46 782,0-4 0,0-22 70,8 15 0,3 1 451,11-4-132,-2 3 1,1 2 518,1 6 653,29-5 545,-37 26-278,30 23-524,-31-4-552,4 58-1707,-11-34-313,2 37 137,-7-24-24,0-2-628,-1-1 225,0 7 434,0-15 502,0 2 426,0-17 326,0-27 3,0-10-89,20-33 685,-15 8-520,32-6 1019,-9-6-266,6 15 720,3-12-78,-12 23 124,-1 5-41,-2 7-112,6 6 370,-9 7-895,9 22-1335,-16-10-610,0 30 1,-2 8-1157,0-9 827,-2 6 1,-1 2-1677,0 1-1049,0 0 3307,4 13 1,-1-16 0,2 10 0</inkml:trace>
+  <inkml:trace contextRef="#ctx0" brushRef="#br0" timeOffset="45873">33298 7102 27417,'0'0'0</inkml:trace>
+</inkml:ink>
+</file>
+
+<file path=ppt/ink/ink18.xml><?xml version="1.0" encoding="utf-8"?>
+<inkml:ink xmlns:inkml="http://www.w3.org/2003/InkML">
+  <inkml:definitions>
+    <inkml:context xml:id="ctx0">
+      <inkml:inkSource xml:id="inkSrc0">
+        <inkml:traceFormat>
+          <inkml:channel name="X" type="integer" min="-2.14748E9" max="2.14748E9" units="cm"/>
+          <inkml:channel name="Y" type="integer" min="-2.14748E9" max="2.14748E9" units="cm"/>
+          <inkml:channel name="F" type="integer" max="32767" units="dev"/>
+        </inkml:traceFormat>
+        <inkml:channelProperties>
+          <inkml:channelProperty channel="X" name="resolution" value="1000" units="1/cm"/>
+          <inkml:channelProperty channel="Y" name="resolution" value="1000" units="1/cm"/>
+          <inkml:channelProperty channel="F" name="resolution" value="0" units="1/dev"/>
+        </inkml:channelProperties>
+      </inkml:inkSource>
+      <inkml:timestamp xml:id="ts0" timeString="2021-07-17T05:37:07.491"/>
+    </inkml:context>
+    <inkml:brush xml:id="br0">
+      <inkml:brushProperty name="width" value="0.12095" units="cm"/>
+      <inkml:brushProperty name="height" value="0.12095" units="cm"/>
+      <inkml:brushProperty name="color" value="#FF0000"/>
+    </inkml:brush>
+  </inkml:definitions>
+  <inkml:trace contextRef="#ctx0" brushRef="#br0">1162 1260 25348,'-6'-18'-7160,"2"-1"5984,1-10 520,2 6 842,26-6 1789,-19 10-1112,27 5 1,6 2 915,-9-6-1461,5 7 0,3 1 2371,27-3-344,-10 7-1388,-7 2 1,1 4 793,11 19-2038,-17-7 0,5 2 0,-5 3-709,-8 4 1,0 3-400,8 2 1,5 2 0,-6-2-252,-11-4 0,-1 0-569,19 14 1,0-1 1905,2 1 1,-19-14-1,-2-2 1,7 3-1</inkml:trace>
+  <inkml:trace contextRef="#ctx0" brushRef="#br0" timeOffset="183">2082 1029 23549,'-19'-28'-2050,"-1"-1"0,1 1 1,-1 2 462,-19-24 1532,13 21 1,1 1-162,-11-9 25,-6-2 56,12 25 914,7 7-1415,-4 20 3099,9 10-926,-1 23-732,1 11-476,4-2 0,0 5-175,3-11 0,0 2-38,2-4 0,0 2 0,1-1-336,-1 7 0,2 0-227,1-2 1,-1 5-1322,2 4 1,-2 6 0,2-5 468,0-3 1,1 0 1221,0-2 1,-1 3-1,1-6 1,1-14-1,1-3 1,-1-1-1,1 1 1</inkml:trace>
+  <inkml:trace contextRef="#ctx0" brushRef="#br0" timeOffset="416">1603 905 24359,'0'-44'-6296,"0"15"4617,0 2 615,0 69 426,0-8 425,0 22 0,0 6 66,0-23 1,0 1 31,3 8 0,2 6 0,1-4-833,4 0 1,0-2 472,3 15 1,3 1-1066,5-4 0,0-4 618,-7-13 0,0-2 810,7 12 0,-1-4 0,-5-17 0,-1-2 0,17 28 0</inkml:trace>
+  <inkml:trace contextRef="#ctx0" brushRef="#br0" timeOffset="1050">3650 347 24269,'-36'-29'-4439,"3"2"2873,3 6 813,5 4 521,3 3 77,9 7 849,2 2-560,8 28-1441,3-1 1190,0 16 0,0 4-163,0 22 113,4-19 0,2 7 0,-2-3-66,-2 3 1,0 0 20,3-5 1,1 3 0,-2-2-232,-3 8 0,-2-1 139,0-1 0,2 1 157,4-1 0,0-1 76,-4-1 0,0-1 19,3-2 1,2-1 3,-1-3 0,0 1 11,0 9 1,2-1 9,1-17 0,1 0-92,1 14 1,0-4-327,4-6-80,5 2-89,-1-27 96,4-8 683,7-5-736,23-21 2224,-5 13-1221,-15-14 1,1-4 0,19 3-1,-25 0 1,0-1 0</inkml:trace>
+  <inkml:trace contextRef="#ctx0" brushRef="#br0" timeOffset="1366">4403 1643 22200,'4'27'-4746,"16"-10"3611,1-8 1615,22-28 2192,-7 1-913,4-19-1184,-6 4-221,0-4-442,-11 10 0,0-2 1746,10-18-1261,-11 9 0,-3 0-268,-6-7-1820,-1-11 110,-12 8 40,-25 15-115,-10-8 53,-14 27 1718,15 6 1,1 4 169,-8 24 1013,-11-15-474,35 26 1,4 5-426,-17-3 45,21 14 0,4 3-50,-9 6-279,20-8 0,9-1-2060,21 8 400,-13-21 1,4-2-363,2-10 0,1-4-1302,24 16 3241,5-8 1,-27-17-1,1-1 1,1-1-1,0-1 1</inkml:trace>
+  <inkml:trace contextRef="#ctx0" brushRef="#br0" timeOffset="1639">5272 1183 24629,'-26'-5'-718,"7"0"-113,-30 4 1275,16 0-199,9 15 570,3 6-590,19 20-1662,19 12-777,14-4 1515,-4-14 1,3 0-567,15 6 585,-17-9 0,-3-1-889,-7 1-934,19 14 837,-33-26 1209,11 8 593,-47-19 1167,-14 5-205,-17-8-831,10-1 1,2-1-1,2-2 1,11 0-1,0-1 1</inkml:trace>
+  <inkml:trace contextRef="#ctx0" brushRef="#br0" timeOffset="1939">5767 1131 23549,'15'-10'2279,"-5"1"-2417,-5 0-1303,-5 2-695,0-2 532,-25 4 1744,1 0 12,-25 3-203,14 20 279,13 3-196,10 12-256,12-3 314,27 9-381,-20-6-508,28-5 0,4-1 38,-9 6 95,10-7 1,2-1-837,-3 3 248,5 5 1012,-20-14 617,-12-3-326,4-3 429,-14 1-1087,6-2-840,-27 3 1712,-9-6 483,4 1-365,-24-4 1,22-3 0,-22-1 0</inkml:trace>
+  <inkml:trace contextRef="#ctx0" brushRef="#br0" timeOffset="2250">6478 1187 23819,'5'-2'4663,"-24"1"-5730,-16 0 460,-27 16 1058,7-11-442,4 27 219,8-6 30,22 9-686,-10 15-743,29-17-214,22 23-833,5-25 12,28 6 907,-6-17 163,5-5 158,4-4 1111,-16-7 1,2-2 471,16 2 115,-14-8 1,-3-4 1999,-4-11-524,0-18-1133,-27 5-1403,-4-2-823,-24 7-1104,13 1-293,-40-3-29,2-4-265,-12 9 2532,-3-2 0,21 15 0,-1 1 0</inkml:trace>
+  <inkml:trace contextRef="#ctx0" brushRef="#br0" timeOffset="2616">6975 1084 22740,'0'36'-5576,"0"5"3627,0-9 885,0 4 425,0-5 393,17 17-919,-13 3 872,31 0-1601,-30-7 1789,23-9-40,-26-10-62,18 0 56,-17-14-242,11-5 1906,-9-21-770,3-5 384,4-42-299,-2 13-24,-1 3 0,0-2 237,4-9-666,-5 20 1,-1 2 701,4-6-1057,-4 9-88,2 8 64,4 11 1258,-1 6 371,13 22-1530,-6-12-738,0 26 1,1 6-2970,6 0 3403,-7 3 0,-1 4 0,8 12 0,1 4 1</inkml:trace>
+  <inkml:trace contextRef="#ctx0" brushRef="#br0" timeOffset="6833">8938 385 23009,'-27'-23'-4946,"-19"2"4709,25 4-841,-22 4 1860,10 2-522,1 5 237,0 2-28,0 2-491,-2 2 1304,-1 21 49,-1-1 491,-1 23-1467,3-1 38,-1 8-454,5 9 64,13-11 1,2 3-500,6-12 1,2 2-144,-1 12 1,2 0-275,4-16 1,3-1-41,6 13 1,4-1-4,5-13 1,4 0 201,13 18 1,5-4 207,-4-22 1,3-4 455,20 11 1,1-5 281,-21-16 1,2-4 112,3-1 1,5-1 0,-4-3 354,-4 0 0,-2-4 333,10-10 1,-1 0 1750,8 5-558,-8-34-603,-11 34-349,-10-47-1212,-13 27-376,-41-11-1011,-1 21 0,-5 6 369,-6 5 0,-3 6 138,-7 4 0,-1 4 927,10 1 1,1 3-1,-3 11 1,1 3-1,0-4 1,0 0-1</inkml:trace>
+  <inkml:trace contextRef="#ctx0" brushRef="#br0" timeOffset="7283">9810 752 22830,'18'21'-3277,"-14"15"0,14-11 0</inkml:trace>
+  <inkml:trace contextRef="#ctx0" brushRef="#br0" timeOffset="7405">10202 1368 25708,'0'19'-6296,"0"-4"5764,0-5 0,0-6 0,0-2 0</inkml:trace>
+  <inkml:trace contextRef="#ctx0" brushRef="#br0" timeOffset="9519">2278 3799 24988,'-26'-28'-4478,"-2"2"3080,4 4 556,0 3 411,5 4 290,10 5-353,-1 5 804,9 21-1799,-3 4 1850,22 22-1109,-13 2 355,13-18 0,4 3-7,-12 2 0,-1 3-124,11 3 1,2 2 246,-4 3 0,-1 1-415,1 2 0,0 1 274,0 1 0,0 1-605,-1 0 1,0 0 510,-1 0 0,-1 0-61,0-3 0,-1 3-369,2 13 0,-1 0 856,-7-18 1,-1 1 147,4 19 0,-2-2 0,-8-3 0,0-24 0,1 0 0</inkml:trace>
+  <inkml:trace contextRef="#ctx0" brushRef="#br0" timeOffset="9633">2217 4951 22290,'-38'-48'-6734,"3"0"5271,16 11 0,3-1-622,-1-19 1639,5 7 0,7 2 229,29-8 637,-1 9 0,5 2-106,2 18 0,4 4-243,5-2 1,5-2 0,-2 4 0,2 2 0,0 3 0,18-6 0,1 1 0</inkml:trace>
+  <inkml:trace contextRef="#ctx0" brushRef="#br0" timeOffset="9999">3478 4069 23009,'-54'19'3417,"3"8"-2920,10-24-1012,0 25 504,-17-4 495,17 9-596,13-9 0,3 2-336,7 8-212,2 29-1114,16-26-346,24 12 1142,4-22 1,5-3 274,-4-9 0,3-2-94,10 6 1,0-4 66,11-9 639,-14-3 0,-1-4 832,19-23 163,-13 9 0,-3-3 1335,0-29-535,2-2-801,-25 10-683,-10 1 29,-3 1-614,-5-11-1222,0 18-897,-18-12-537,13 26 1190,-12 25 1318,33 34-1918,-12 9 1079,25-9 0,6-2 296,-1 4 1141,4-16 1,3-2 0,15 2 0,4-3-1</inkml:trace>
+  <inkml:trace contextRef="#ctx0" brushRef="#br0" timeOffset="10266">4455 4213 24629,'-20'-30'-6299,"15"3"3621,-34 5 3123,35 4-1911,-34 4 2393,21 6-418,-6 23 854,29 7-3559,31 22 2227,11-12 592,13-9-295,-10 1 629,2-21-388,-2 18-479,14-20-464,-21 5 2205,11-24 406,-38-6-1485,-2-11-775,-15 0-806,-30 7-430,-11-14-78,-18 12-482,20 6 0,1 2 1710,-10 0 0,-12 3 1,21 12-1</inkml:trace>
+  <inkml:trace contextRef="#ctx0" brushRef="#br0" timeOffset="10433">4103 5270 22650,'-15'0'-390,"3"0"0,1 0 0</inkml:trace>
+  <inkml:trace contextRef="#ctx0" brushRef="#br0" timeOffset="10857">5572 3795 26248,'-22'-31'-7456,"0"3"5138,4 2 1189,7 4 10,-4 6 982,30 28 450,17 32-473,-13-19 0,3 3-690,13 17 0,-1 1 915,3 5-136,-13-18 0,0 0 103,-4-4 0,-1-3 283,8 12-157,8 9-689,-18-29 715,-2-3 61,-10-27 753,-2-19-603,-3-9-400,0 3 0,0-1-350,0-14-557,0 4 1,0 1 46,0-8 424,-2 19 0,4 2-414,18-8 936,-15 4 1,40 5 0,-14 3 0</inkml:trace>
+  <inkml:trace contextRef="#ctx0" brushRef="#br0" timeOffset="11217">6602 3656 24089,'-59'0'1169,"11"0"-1169,0 0 0,11 0-180,1 0 180,-7 0 0,14 0 90,-2 20 232,20 5-1056,4 11-596,34 0-492,-20-8 999,28-9 0,7-1 41,-9 8 265,15-10 0,3-3-64,2 3 177,-9-12 0,-1-1 1090,2 3-42,-9-14 1,-4-6 1755,-10-12-833,5-28-1189,-27 12 49,0-17-1352,-23 26-552,18-8-341,-18 20 343,7 10-539,12-5-613,-11 35 620,34 1 702,14 21 1362,12-1 1,9-6-1,-9 0 1</inkml:trace>
+  <inkml:trace contextRef="#ctx0" brushRef="#br0" timeOffset="11617">8068 3298 25798,'-21'-13'-4390,"-12"2"4001,29 6-1888,-24 0 3181,25 18-1580,-8 11 887,11 24-1070,21-2-295,-9-12 0,3-2 167,24 9-20,-3 9 918,6-12-1000,-12-13 944,18 4-185,-22-20 1199,12-2 1148,-21-7 225,4-17-583,-12-10-677,-5-9-788,0-19-127,-4 19-237,0-22-789,-17 27-837,13-2-53,-13 17-16,17 29-844,23 22 526,6 10 1066,-9-18 1,2-2 1170,18 5 1,-7-2-1,1-1 1</inkml:trace>
+  <inkml:trace contextRef="#ctx0" brushRef="#br0" timeOffset="11955">8938 3213 24269,'-17'-5'-2196,"12"17"594,-13 3 2856,36 15-3560,1-3 1126,20-12 1599,-20 2-748,13-15 413,-14 4-12,6-24 1243,3-15-1708,-13-10 1103,-2 4 0,-1-2 46,3-17-896,-4-1 0,0-1 222,-3 21 1,-2 0-701,2-13 0,0-2 283,1 2 0,-1 3-441,-2 11 1,0 0 207,4-16 1,0 2 47,1 3-1163,8-10 601,-9 39 294,7 3 450,-5 13 343,2 3 1,0 21 0,1 5 0</inkml:trace>
+  <inkml:trace contextRef="#ctx0" brushRef="#br0" timeOffset="12691">9018 3061 21750,'0'-19'-5486,"0"0"3627,0-1 1155,0 0 515,-16 0-44,12 0-209,-12 0 520,16 0-1224,-12 2 1490,9-5-330,-16 6 593,18-5-662,-6 11-168,3 1-58,3 5-157,-5 4-1933,6 9 2492,-2 2 0,2 8 0,0-5 0</inkml:trace>
+  <inkml:trace contextRef="#ctx0" brushRef="#br0" timeOffset="13183">8868 2741 23099,'0'-10'-5486,"0"0"3358,-12-1 1470,9 2-483,-10-1 1273,13 25-400,18 15-370,-14 15-341,12-6 1,2 2 351,6 16 218,-3-4 0,0 1 27,-4-22 0,0 1 395,5 19 0,-1 0-1004,1 1 650,-8-21 0,2 0 191,7 12 334,-6-17 877,3 5-337,-11-21-257,0-2 304,-6-32 195,0 1 5,0-25-610,0 12 1,0-1 256,5-26-305,0 0 1,1-1 18,-2 23 1,1 0-159,2-5 1,2-4 0,0 4-298,-1 5 0,2 1-129,4-11 0,3 0-732,2 8 1,2 3 645,-6 10 1,1 2 597,6-5 1,0 2 0,9-1 0,0 5-1</inkml:trace>
+  <inkml:trace contextRef="#ctx0" brushRef="#br0" timeOffset="13769">9968 3391 24179,'17'-19'666,"-12"-25"-3767,29 17 4866,-29-29-3346,36 5 2070,-23-8-584,1 28 0,1-1 98,-5-2 1,-1-2-445,-1 1 0,2-3 142,4-19 1,1-1 604,-6 14 0,0-3-673,-1-2 0,-1-6 1,-1 5 489,-2 4 1,-1 2-567,-2-13 1,-1 2 180,-3 17 0,-1 2-551,-1-29 278,0 4 72,-8 26 0,-3 2-804,-9-12 24,-17-6 675,18 34 475,-16 28 2116,29 11-1728,-5 15 1,0 6 92,11 20-297,-1-19 0,0 6 1,3-4 133,6 3 0,0 0-74,-7-5 1,-2 3 0,5-3-442,20 7 0,3-2-375,-13 0 0,1-1-1091,15 0 0,4 1 660,-6-7 1,1 2 0,0-2 89,5 5 1,3-1 1019,5 0 1,5 2-1,-3-6 1,-4-7-1,0-3 1,13 8 0,0 0-1</inkml:trace>
+  <inkml:trace contextRef="#ctx0" brushRef="#br0" timeOffset="14205">11658 2657 26068,'0'-15'-6566,"0"1"4348,0 1 74,0 3 1984,0 2 1,0 23-1,0 6 1</inkml:trace>
+  <inkml:trace contextRef="#ctx0" brushRef="#br0" timeOffset="14337">12067 3228 25798,'5'17'-8884,"-1"-4"4846,-2-4 3826,-2-4 1,0-3 0,0-1 0</inkml:trace>
+  <inkml:trace contextRef="#ctx0" brushRef="#br0" timeOffset="15291">14992 1811 22830,'0'-15'-5666,"0"2"3807,0 4 795,0 4 515,0-1 213,-18 5 1810,13 14-1181,-29-9 370,19 43 215,-17-15-209,17 0 1,1 3-169,-2-2 1,-2 0-3,1 4 0,-1 1-42,-1 4 0,1 1-759,0 1 0,-1 5 296,0 9 0,0 7 1,1-4-667,0-1 1,2 1 501,2-7 1,0 6 0,1 1-1,2-9-766,2 0 0,2-1-134,1 3 0,0 3 0,2-5 929,2-10 1,0-1-1,1 9 1,1-2 0,0 9-1</inkml:trace>
+  <inkml:trace contextRef="#ctx0" brushRef="#br0" timeOffset="15783">15563 2578 23279,'-35'18'3013,"5"-14"-3040,-1 33-991,5-20 1303,-3 20-929,1-7 351,1 3-35,5-1 15,5 0-906,8 8-243,5-13 400,4 10-869,26-22 1175,9-2 233,16-10 658,0-21 931,7-11 242,-15-8-676,-9 8 0,-2 1 716,0-6-344,-9 3 1,-3 0-323,-4 2-610,0 21 555,-13 33-2141,-4 15 1,2 4-1706,23 16 618,-11-12 0,6-5 2233,29-6 1,3 4 0,-8-21-1</inkml:trace>
+  <inkml:trace contextRef="#ctx0" brushRef="#br0" timeOffset="16184">16492 2542 23639,'-26'-6'-1120,"5"1"765,-24 5 1151,11 16 556,-2-12-977,1 37-507,1-17 445,5 23-825,4-5 520,4 20-585,10-13 24,4-10 1,6-2-1611,25 2-33,8 11 364,15-34 917,0-1 466,10-15 991,-15-26 161,-6 6 0,-1-3-93,-16-3 1,-2-4-131,10-17 1,-3-2 85,-12 19 1,-2-4-340,-2-15 1,-2-9-1,-1 6-570,-1 8 1,-3-1 155,-4-12 1,-4-6-1,-2 6-598,-4 13 0,-3 2 229,0-4 1,-3-3 0,-1 4-358,-2 8 1,-1 0 521,0-3 1,-1-3-1,4 6-957,-3-10 914,-1 13 0,1 5 184,13 18 332,-5 28 1733,8 31-847,7 14-677,-1-24 1,2 2-232,9 11 0,3 0-369,-3-10 0,3 1-608,2 5 0,2 5 0,0-4-222,1-5 0,0-2 1038,1 16 0,0-2 1,-4-18-1,0-3 1,0 2-1,0 0 1</inkml:trace>
+  <inkml:trace contextRef="#ctx0" brushRef="#br0" timeOffset="17001">17030 2493 22200,'0'37'-5936,"0"7"3808,0-3 1063,0 4 427,13-8-600,-9 1 866,9 0-386,-1 15-1276,-9-16 1879,18 16-575,-19-28 555,12 4-704,-10-20 674,11 0 664,-4-33 854,15-10 308,-7-17-1157,0 12 1,0-1 1248,5-16-1055,1-5 0,0 0 888,-1-1-837,-3 8 1,-1 4-260,-7 14-244,6-2-489,-11 27 842,1 4 503,-3 7-156,1 27-2101,1-7 631,-1 13 0,-1 4-517,5 10 527,-2-1 1,0 0-715,1 11 473,-3-20 0,0-1-1444,1 10 316,1-6 2106,-1-6-59,0-7-376,0-6 5,-1-6 75,5-5 662,-2-5 601,10-23 899,-5 13 690,4-38-1391,-3 20 503,1-23-444,-1 6 56,6-18-845,-5 15-568,-5 10 0,-1 1-1006,0 2-324,2-3 1231,-8 24 67,2 3 1118,-1 6-164,2 25-2211,9 9 40,-2 12 622,1-13 0,1-1-504,7 6 570,-3-7 1,2-2-684,8 0 552,3-10 0,3-4-62,4-4 1787,-2-16 1,0-3 1535,-3 3-1152,-8-25 0,-3-4 337,0 7-853,-10-4 0,-3-1 628,1-6-815,-7 1-675,-1 2-917,-4-6-1061,1 15-43,-2-2 751,0 41 60,0 12-873,0 34 2,17-8 1871,-9-15 1,0-1-1,13 6 1,-10 11-1</inkml:trace>
+  <inkml:trace contextRef="#ctx0" brushRef="#br0" timeOffset="17175">18247 2018 23369,'-13'-18'-7507,"2"3"5184,4 6 2676,0 4 0,6 24 0,-2 6 0</inkml:trace>
+  <inkml:trace contextRef="#ctx0" brushRef="#br0" timeOffset="17535">18725 2334 22830,'6'17'-8022,"-2"13"6057,2-26 2658,4 45-1663,-1-26 480,-1 9 0,-1 1-54,2 3 119,3 9-1673,-5-14 2304,1-3-469,-2-2-573,0-5 633,-1-1 285,-1-7-161,0-2-188,-1-6 254,2-1 749,-1-24 259,1 15 1035,5-59-1070,0 34-319,0-13 0,0-3 570,1 2-411,-1 9 0,0 1 447,-1 5-945,5-4 224,-4 25-531,10 24-128,-5 4-606,3 10 0,0 4-1708,8 11 2309,-1 1 0,2 2 1,-9-18-1,0 0 0,7 12 1,0-1-1</inkml:trace>
+  <inkml:trace contextRef="#ctx0" brushRef="#br0" timeOffset="17850">20490 1432 25168,'0'-28'-5846,"0"4"4168,-10 3 21,7 11 592,-7 31 2202,-1 32-1056,8-18 0,-1 3-61,-5 7 1,-1 3-629,-2 16 0,0 2 793,1-14 1,0 4-110,2-9 1,-2 4 0,0 2 0,1-5 266,-2 13 1,0 2-590,2-12 0,0 6 0,0 0 0,2-5-858,-2 13 1,0 1 1093,4-13 0,-1 5 0,1 1 0,0-6 0,-1 13 0,1-3 0,1-7 0,0 0 0,0-1 0</inkml:trace>
+  <inkml:trace contextRef="#ctx0" brushRef="#br0" timeOffset="28983">21403 2251 22560,'0'-18'-4857,"-17"0"3261,13 1 19,-13-1 1335,-2 2 468,14-1-559,-41-4 1054,27 5-2086,-35-4 2253,24 13 162,-10 0 782,10 6-380,-1 1-115,-15 19 1513,10 10-2407,8-1 1,1 4 777,0 21-1247,12-23 1,2 1-283,8 4 1,2 1-727,0 21 202,12-7 0,8-1-303,1-19 1,5-1-110,15 19 0,4-2 443,-6-19 0,0-2 329,2 7 0,1-1 187,1-4 1,0-3 274,-11-5 0,0-1 160,14 8 0,-2-2 594,-3-1 454,4 5-1114,-30-15-704,-2-1-467,-10-6-81,0-3-143,-27-1 591,-3 1 1000,-19-2 1,8 1-1,8-2 1</inkml:trace>
+  <inkml:trace contextRef="#ctx0" brushRef="#br0" timeOffset="29399">22288 2321 21930,'0'-12'-5936,"0"0"3808,-19 4 3000,14 2-2143,-40 3 2730,21 2-911,-10 0 1,-3 2 388,-13 18-639,6-8 1,0 2 1884,-7 23-1214,20-18 0,1 1 171,-13 27 583,24-8-2259,-1 13-232,20-14-914,0-2-512,37 6-23,-7-14 1514,12-10 0,5-6-148,11-3 891,4-11 1,1-8 523,-30-2 0,-1-3 173,24-9 1,-4-5 1320,-12-18-1385,-15 16 1,-3 1 713,-7-5-601,-3-7-1082,-12 18-1142,0 4-628,0 4-232,0 3 419,-18 7 1423,13 20-79,-13 15 907,18 13-929,0 3 467,0-6-630,0 3-269,0 1-90,20-1 747,-14-2 0,32-5 1,-16-1-1</inkml:trace>
+  <inkml:trace contextRef="#ctx0" brushRef="#br0" timeOffset="29753">22857 2433 22290,'0'-15'-5126,"0"23"2997,0 15 1065,0 13 425,0 4 214,0-7 210,0 22-13,0-14-554,-2-7 1,4 0 796,10-1-636,-9 13 398,10-29-2,-5-1-345,9-65 1315,3 16-376,-2-17 1,-1-3 200,4-3-168,-6 18 1,0 1 1249,6-11-551,-1 6 174,-3 8 381,3 1-1038,-4 17 229,7 2 443,-8 14-333,12 19-1309,-10 12-1028,9 12 235,-11-8 0,1 1-1628,10 13 2541,0-5 0,3 0 0,8 6 0,-9-17 0,-1 0 0</inkml:trace>
+  <inkml:trace contextRef="#ctx0" brushRef="#br0" timeOffset="29921">24140 2377 22560,'0'-21'-6386,"0"0"4258,0 4 1063,0 1 337,24-4 1849,13 8-819,-3 4 1,2 1 0,27 3-1,3 1 1</inkml:trace>
+  <inkml:trace contextRef="#ctx0" brushRef="#br0" timeOffset="30366">24837 2248 22380,'-20'-6'-1025,"-6"4"1932,23 11-2353,-8 19 880,11 10-848,0 9 404,0-4 253,0 6-840,16 6 97,-12 5 581,12-15 0,0 2 423,-14-12 1,0 1-55,12 12 0,0-1 71,-11 15 381,22-3-696,-23-6 775,19 9-43,-12-22-448,5 10-150,-6-33 398,-4-20 2656,-24-28-2666,15-15 336,-13 17 1,-1-3-510,8-14 1,3-1 552,-3 8 1,1-3-97,0-6 0,1-6 0,3 3 179,4 2 0,1 1 70,-4-14 1,0-1-1265,4 3 0,2 4 1184,-2 15 0,2 0 241,7-19 1,6 3 773,14 1-389,-2 19 1,2 3 1031,13 5 309,0 1-167,-15 20 364,-2 4-346,-1 4-530,3 15-1354,-7 6-1217,-4 20-1661,-9 6-458,-24-8 1019,13-1 1924,-31-13 0,32-2 0,-15-2 0</inkml:trace>
+  <inkml:trace contextRef="#ctx0" brushRef="#br0" timeOffset="30765">25425 1582 23189,'8'-2'2622,"-2"25"-8579,-1-4 4596,2 21 0,1 5-274,4 4 1046,3 7 0,1 0-470,2 4 702,0-9 1,1-1-1945,4 8 960,-3-13 1,0-2 1097,2 2 160,5 7-23,-10-17 36,-5-14 122,1 0 140,-8-32 1388,7-28-329,-6-3-327,6-17 80,2 8 59,-3 14 161,8-6 218,-10 17-347,3 14-456,-5 1-116,1 11 781,1 0-122,2 16-1965,2-12 203,12 31-1273,-4-7-1369,24 21 2866,-14-8 1,14-4-1,-9-12 1</inkml:trace>
+  <inkml:trace contextRef="#ctx0" brushRef="#br0" timeOffset="31117">26472 1990 22740,'-20'-17'-4508,"-4"1"3550,-19 9 1973,2 2-160,17 28-172,-6-17 421,27 41-2168,-17-26 921,19 41 12,-5-22-85,13-4 1,6-1-1924,15 4 1246,3-5 0,2-3-618,12-5 795,-12-10 0,-2-2 1305,-4-11-718,5-23 2056,-9 15 133,-13-41-840,6 25 169,-15-24-1036,2 10-317,-3 0-583,0 1-236,0 4-1011,0-5-239,-16 13 1465,12-3-1073,-12 36 3279,16 9-2474,0 16-1413,19 15 199,-14-18 1894,32 12 0,-33-15 0,14 0 0</inkml:trace>
+  <inkml:trace contextRef="#ctx0" brushRef="#br0" timeOffset="31641">26872 2081 22740,'0'5'-5396,"0"10"3267,0 17 1155,16 3-650,-12 6 1104,29-8 463,-28 7-274,22-13-1185,-24-6 1286,15-2 268,-10-3-661,2-5 1153,2-5 446,-7-17-298,4 7 1838,-2-32-2209,1 16 695,2-21-602,3 5 920,0-1-641,3 0-506,7-12-62,-6 15-1509,10-11 2141,-15 31 13,3-6 113,-8 19 394,0-5-59,-1 6-473,3 14-1845,-2 5-474,6 17-145,-7-17-211,5 17 161,-7-18-515,1 3 92,-2 0 641,0-19 2468,-1 7-757,1-9 2233,0 0-186,7-18-564,-1 14 921,18-53-1084,-9 37-476,0-10 1,0 1-259,1 15 1785,13-14-2483,-14 25 354,12-8 919,-9 11-1924,7 0 1426,-8 22-2133,5-16 1359,-3 40-3335,13-11 906,-13 11-148,-5-14 1,-2 0 1836,-3 4 0,-1 11 1,-8-17-1</inkml:trace>
+  <inkml:trace contextRef="#ctx0" brushRef="#br0" timeOffset="33939">2472 7543 22470,'14'-21'-1602,"-2"-10"-203,-12-10-536,0-5 1026,0 13 469,0-5 267,0 2 167,0 1-1004,0 1 400,-14-7-304,10 14 1055,-28-5 312,17 22 411,-13 1 559,15 36-138,-4 13-93,15 15-724,-2-12 1,0 0 803,4 14-771,9-5 0,1-1-521,-5 9-349,14-21 0,0-1-2164,-15 11 2581,36-1 1,-24-3 0,19-2 0</inkml:trace>
+  <inkml:trace contextRef="#ctx0" brushRef="#br0" timeOffset="34388">2275 6918 21840,'-56'-2'149,"-1"0"-58,16 2 1,0 0-37,-18 0 71,12 7 1,1 4 524,-4 15-364,21-9 0,0 4-324,2 7 0,3 2-241,-9 13 95,9-1 0,3 2-428,5 14 14,8-19 0,2 3-101,1 1 0,7-1-483,11-8 1,4 0-161,5 22 1,6-3 411,4-21 1,4-3 416,5 9 1,2-2 183,-6-11 0,1-4 252,3 1 1,3-2 269,0-1 0,5-2 134,-3-4 1,5-1-1,-3-1 462,9-1 0,2-1-53,4-2 0,6 0 0,-7-5 245,-6-9 1,-1-5-389,3 1 0,4-2 0,-7-3 453,-7-9 1,-3-3-338,13-4 0,-2-3-238,-8-8 1,-5-2-250,-11 11 0,-1-3-235,-3-5 0,0-5 1,-5 3-231,-5 3 1,-4-2-166,-3-5 0,-1-6 1,-6 5-577,-7 3 0,-8 0 220,-2 2 1,-6-7 0,-2 1 0,-2 6-464,-10-4 1,-7 3 778,4 5 1,-7-3-1,-1 2 1,2 8-85,-11 2 0,-4 7 413,8 7 1,-6 1 0,-2 2-1,5 2-52,5 4 1,2 3 0,-2 1 155,-15-2 1,-2 0 0,0 7 221,0 10 0,0 7 1,4-1-1,12-7 1,2 0-1,-1 2 0,-12 13 1,-1-1-1,0 0 1</inkml:trace>
+  <inkml:trace contextRef="#ctx0" brushRef="#br0" timeOffset="35637">5047 6022 22290,'-9'-10'-6249,"0"2"4865,-4 5 2374,4 0-424,-2 22-100,6 0-1010,2 23-70,2 3-124,1-3 1,0 4 723,0-10 1,0 3-40,-1 7 0,0 5 0,3-3-540,6-4 0,0 1 205,-7 4 0,-2 3 1,5-4-366,13-7 1,1 0 479,-11 7 1,-3 5 0,2-6 5,5-12 1,0-1 47,1 22 1,-4-4-17,-5-15 102,5 5 60,-5-27-391,0-3 519,6-62 703,-4 17-438,1-17 0,0-3 393,1-3-423,-1 17 1,-1 1 117,5-14 328,1 5 166,1 6 61,-1 7-608,3 8 354,-1 8 325,10 9 1036,-3 4-339,17 21-1279,-14 14-1074,9 9 38,-10 9-686,2-8-646,2 2 1660,-7-12 1,1-1-1,12 15 1,-11-17-1,0 0 1</inkml:trace>
+  <inkml:trace contextRef="#ctx0" brushRef="#br0" timeOffset="35883">6272 5967 23189,'-35'-2'290,"13"17"743,10 10-2709,12 13-646,0 27 775,17-16 791,-8 15 1,2 1-225,8-29 0,1 0-457,-6 10 1,-2 6 0,-1-7-86,0-11 0,0-4 1042,5 12 0,-2-2 0,-11 10 1,9-2-1</inkml:trace>
+  <inkml:trace contextRef="#ctx0" brushRef="#br0" timeOffset="36021">6018 6831 22020,'0'-38'-6116,"0"0"3988,0 5 1064,26-5 2302,-4-5-811,2 20 0,3 1 847,18-26-961,-18 23 1,0 1-323,3-2 1,0 1 435,3 0 1,0 0-155,2 1 0,-1 0 0,1 1 1,0 0-1,0 1 0,1-1 1</inkml:trace>
+  <inkml:trace contextRef="#ctx0" brushRef="#br0" timeOffset="36585">6813 5799 21570,'0'36'-5935,"0"-4"3986,18 26-277,-13-11 1693,10-1 1,3 1-485,2 16 687,-3-6 1,1-1 88,-8-23 1,0 0-832,4 20 0,0-1 560,0 3 242,-3-22 1,1-1 164,7 15-114,-7-18 196,3 6-28,-5-25 760,8-2 519,-5-29 487,6 15 863,0-43-1181,1 23 645,3-27-1252,-7 22 0,1 1 835,7-16-1213,-6 11 0,0 3-110,1 1-368,1 5-790,-8 12 1662,-3 12-154,2-3 620,-1 5-657,0 22-2206,3-16 969,-3 24 1,0 6-944,8-7 640,-1 13 1,0 3-1216,6 0-320,7 12-175,-7-23 735,2-6 2575,1-4-201,13-8 868,-11-7 218,21-4 575,-23-23 333,13-14-118,-20-9-1196,1-7 27,-11 8-326,-4-1-993,-3 1-458,-1-11-887,-1 18-498,0-5 327,0 20 803,0 25-6,0 12 418,17 33-1501,-13-6 24,29 7 1790,-29-15 1,29 0 0,-11-3 0</inkml:trace>
+  <inkml:trace contextRef="#ctx0" brushRef="#br0" timeOffset="36771">7688 5746 22830,'-5'-9'-888,"2"3"1,0 25-1,3 8 1</inkml:trace>
+  <inkml:trace contextRef="#ctx0" brushRef="#br0" timeOffset="36953">8013 7101 23909,'0'13'-6386,"-15"-2"7250,11-6 1,-12-2-1,16-3 1</inkml:trace>
+  <inkml:trace contextRef="#ctx0" brushRef="#br0" timeOffset="37271">9013 5270 23639,'-26'-9'-2580,"6"3"1946,4 0 67,3 5 890,-4 19 186,8 1-925,9 22-760,0-3-330,0 9 532,0 5-40,0 9 438,9-29 1,1 0-273,-8 2 1,1 1-96,12 19 1,1 0 288,-14-12 1,-1 2 611,5 4 1,3 5 0,-3-4 3,-4-4 0,-1-2-281,3 16 1,1-2-549,0-17 1,-1-3 860,-3 0 1,0 0 0,7-2-1,-1-2 1,1 32 0</inkml:trace>
+  <inkml:trace contextRef="#ctx0" brushRef="#br0" timeOffset="38085">8862 6037 22290,'-23'-4'-593,"4"0"247,19 0-2365,-12-1 2666,9-2-1910,-9 0 1782,-2 2 390,-1-3-1158,-8 4 964,-2 0 17,12 2 1258,-8 2-578,12 20 852,-5 31-1553,10 2-407,2-4 0,1 0-209,1 6-186,11-7 0,1-1-971,-7 4 811,15-19 1,3-3-719,-5 6 267,20-7 1249,-6-4-968,22-3 858,-13-11 657,-2-3 1,-1-5 0,9-22 0,15-4-1</inkml:trace>
+  <inkml:trace contextRef="#ctx0" brushRef="#br0" timeOffset="38804">9802 5272 23639,'0'-10'-6475,"0"0"4886,0 4 525,0 28 425,0-1 303,-14 30 633,10-6-260,-10-1 1,0 4-652,12-12 1,0 4 734,-8 8 1,-5 5 0,3-3 66,5-2 0,0 1-30,-4 8 1,-4 4 0,2-4-594,4-4 0,1 0-230,0 5 0,1 5 0,1-6 608,1-6 0,1-3 1,0 15-1,2-2 0,1-22 1,0-1-1</inkml:trace>
+  <inkml:trace contextRef="#ctx0" brushRef="#br0" timeOffset="39150">10242 5943 23099,'0'-14'-6385,"0"2"4256,-21 3 2640,16 2-2001,-31 4 2725,15 0-377,-12 3-2,12 16-675,-4-12 1726,22 29-1753,-7-6-274,10 8 388,24 21-2358,8-21 1452,-2-3 0,3 0-930,17 6 806,-17-8 1,-2 1-1064,4 2 2034,-10-5 0,-2-1-725,0-3 594,-4 13 240,-12-26-669,-33 7 2142,20-9-1288,-25-1 0,-6-2 144,10-1-311,-12-2 1,-1 0-1,3-3 1,-10 0 0</inkml:trace>
+  <inkml:trace contextRef="#ctx0" brushRef="#br0" timeOffset="39567">10932 5899 23369,'0'-7'-6205,"0"2"4076,-22 1 3468,-7 4-5,-22-1-407,10 21 422,-4 7-392,29 13-1799,-11 16 1616,25-16-700,5-5 0,2 0-1670,-1 8-51,35 9-245,-4-9-415,9-17 1607,-12-11 0,-1-3 826,7-5 249,22-4 1153,-28-28-542,-6 2 0,-3-4 659,-8-26-1210,-3 11 0,-2 1 786,-9 0-825,2-24-1188,-22 34-1042,15-3-11,-15 17 361,6 9 636,10 26 456,9 33-919,19 3 584,-8-19 1,3-2-1129,19 7 1422,-3-3-200,2-4 736,3-4 1,4-8-1,2-2 1</inkml:trace>
+  <inkml:trace contextRef="#ctx0" brushRef="#br0" timeOffset="39782">11847 5869 23279,'-23'-19'-3899,"17"3"-329,-38 4 5627,38 5-2612,-40 4 2597,19 2-149,-20 17 316,21 12-1777,0 28 930,24-4-277,-5-12 0,5 0-1402,26 11 792,-23-18 0,4 0-1174,26-2 0,5-5-894,-7 12 451,12-15 1,4-5 116,1-5 1820,17-7 0,-22-6 0,0 0 0</inkml:trace>
+  <inkml:trace contextRef="#ctx0" brushRef="#br0" timeOffset="40175">12042 5142 23909,'0'-11'-5396,"-12"1"4295,9 23 945,-9 36-1,34 2-586,-20-11 0,2-1 202,16-9 0,1-1 38,-17 34-536,16-30 1,1 0 772,-11 0 1,-1 0-205,9 1 1,0-1-28,-3-1 0,-2 2-58,5 12 0,0-1 451,-5-11 0,-1 0-18,9 18 0,-1-1-326,-1 0 320,6 10 111,-13-30 35,-2-7-175,-2-6 93,0-7 446,-3-6 270,5-21 1218,-4 11 566,11-53-1238,-6 33 314,6-31-135,-3 17-154,-4 20 523,5-11-905,-6 28 147,6 19-2744,-3 5 1074,1 22 1,-2 6-479,2 6 319,-3 2 1,-1 0-1237,-2 0 106,-4-16 0,-1-2 1737,1 1 1,-3 2 0,0-21-1</inkml:trace>
+  <inkml:trace contextRef="#ctx0" brushRef="#br0" timeOffset="40383">11605 4671 23639,'-47'0'0,"0"31"981,1-3-1023,25 0 1,1 4-389,-1-4 0,1 1-618,1 3 0,1 2-250,1 4 0,2 2 1176,-1 2 1,2 1 0,2 2-1,0 0 1,0 0 0,1 1-1</inkml:trace>
+  <inkml:trace contextRef="#ctx0" brushRef="#br0" timeOffset="41633">14708 5205 23729,'5'-52'-4642,"-4"4"2503,3 9 1284,-4 5 44,0 11 360,0 6 65,0 28 96,-14 8 81,10 27 113,-11 3 285,9-2 1,2 3-242,2-10 0,1 1 162,-4 17 0,0 0-103,4-14 1,2-1-464,-1 1 1,0-1-159,-2 0 0,4-1-762,8-1 1,2-1 509,-9-1 1,-1-1 673,9-3 0,1 0 0,5 29 0,6-4 0</inkml:trace>
+  <inkml:trace contextRef="#ctx0" brushRef="#br0" timeOffset="41799">14437 5820 23009,'-10'-34'-7996,"-4"0"4567,13 2 2977,-6 0-301,28-9 2003,16 10-302,-3 7 0,5 2 19,-4 9 1,0 3-975,5-4 1,1 1 212,10 4 0,1 2 148,-10 1 0,1 1 1,15 0-1,0 1 1,-15 2-1,0 1 1</inkml:trace>
+  <inkml:trace contextRef="#ctx0" brushRef="#br0" timeOffset="42334">15677 5450 22650,'-33'14'3139,"-19"-11"-3637,31 23-660,-39-8 1961,25-2-246,-8 27-882,14-26 537,16 30-1268,0-24-233,36 4-474,-18-10-267,51-3 977,-27-2 500,12-8 1,4-2 339,12 3-80,-9-12 0,1-3 1627,6 6-843,-21-14 1,-2-2 1610,6 3 741,-7-20-2602,-7 6-110,-12-1-934,0-2 256,-11-2-986,4-13-249,-5 11-370,-20-11-808,15 26 1165,-15 3 585,7 14 1212,10 20-141,-9 15 868,35 28-1632,7-5 772,-2-14 0,4-3 699,18 8-233,-23-16 1,-1-2-366,19 3-603,0-6 452,4-11-1,-14-7 0,0-1 2157,21-3-1038,-12-6 0,-1-5 1117,4-20-1117,-10-5 0,-3-4-362,-19 10 1,-4-2-285,6-19 1,-4 0 44,-9-4-816,-16 8 0,-2 1-1078,8-7 646,-15 13 0,-5 2-1494,1 1 332,-14-9 790,16 56 2896,9 15-1138,34 28-1010,-15 7 925,35-9 9,-35 3-482,15-27 0,3 2-248,-7 9 1,0 0-465,4-9 0,1 0 273,7 15 0,-2-2 0,1 4 0,10 8 0</inkml:trace>
+  <inkml:trace contextRef="#ctx0" brushRef="#br0" timeOffset="42499">16425 5435 22830,'-23'-16'-4595,"8"0"1888,8 1-42,7 0 2277,0 0 7,25-1 2483,-1 2-1306,11 3 0,4 1-1486,17-5 1078,-17 6 0,0 0 0,23 0 0,1 1 1</inkml:trace>
+  <inkml:trace contextRef="#ctx0" brushRef="#br0" timeOffset="42785">15437 4968 22200,'-36'-18'-3411,"8"1"2121,15-15-1653,8 7 1567,32-23 2241,11 18-91,-4 5 0,2 2 539,22-2-987,-15 5 0,-1 1 1206,-1 5-701,-6 5 0,-1 2 1239,-7 5-1736,11 20 0,-18-14 1,4 14-1</inkml:trace>
+  <inkml:trace contextRef="#ctx0" brushRef="#br0" timeOffset="42966">16277 4235 21930,'1'52'-6524,"-1"-6"4358,0 16 1236,0-4 842,0-8 1,0 3-1,0-12 1,0 0-1,0 15 1,0 1-1</inkml:trace>
+  <inkml:trace contextRef="#ctx0" brushRef="#br0" timeOffset="43249">18405 4817 23729,'-32'-19'-3815,"6"4"2502,-31 4 2178,-9 6-141,16 3-334,7 8 0,2 6 708,-4 19-519,-8 9-373,26 8 222,13-8-351,-1 3-682,14 1-697,-4 1-503,30-2-551,-6-14 1,3-1 864,5-8 0,2-2 1271,2 5 1,2-3 0,19 1 0,3-5-1</inkml:trace>
+  <inkml:trace contextRef="#ctx0" brushRef="#br0" timeOffset="43585">18698 4937 23459,'-30'-15'-2208,"-12"3"1996,38 1-3488,-27 5 4580,15 2-360,-10 2 148,11 23-408,-1 5-800,15 14-62,-6-3-23,7 6 1361,23-10-2312,5 26-186,23-39 958,1 16-56,-13-34 1210,9 6 832,-24-28 171,11-8 496,-23-13-1115,7 0 727,-18-7-2097,5 12 465,-6-19-1325,0 27 231,0-5-435,-14 22 252,11 23 395,10 15-1133,19 12 2181,-2-13 0,3-1 1,13 6-1,2 11 1</inkml:trace>
+  <inkml:trace contextRef="#ctx0" brushRef="#br0" timeOffset="43816">18607 4134 22200,'26'-31'-856,"-19"2"-1939,41 5 4825,-21 9-932,21 4-359,-22 25-1816,10 4-268,-24 44-1992,5-8 3114,-11-13 1,-3 2 0,-2-6 0,-2 0-1,1 3 1,0 0 0</inkml:trace>
+  <inkml:trace contextRef="#ctx0" brushRef="#br0" timeOffset="44086">20583 4695 23549,'-47'-4'-814,"5"0"640,2 3 350,7 0-71,3 1-77,6 21 230,5-16 313,10 40-1789,-1-24 245,9 43-1153,-4-23 1824,16-6 0,6-1 1,25 4-1,-7-15 1,0 0-1</inkml:trace>
+  <inkml:trace contextRef="#ctx0" brushRef="#br0" timeOffset="44456">21023 4755 23819,'-32'-14'-2318,"-10"3"2202,20 2-332,-10 5 1092,2 23 455,16 10-1582,5 31-419,9-11 127,-2-12 1,4-2-43,22 6-5,-4-3 1,4-3-612,24-5 739,-11-8 1,-2-4-767,2-11 1559,26-3 890,-29-21 1150,8 13-232,-19-34-400,-7 18 82,-5-20-1483,-7 7-436,-1-2-727,-3 0 296,-18-15-2030,13 14 747,-29-14 614,30 28-175,-11-1 780,15 37 293,17 22-1029,10 6-76,11 12 884,3-22 898,-6-2 0,2-3 0,1-2 0</inkml:trace>
+  <inkml:trace contextRef="#ctx0" brushRef="#br0" timeOffset="44665">21920 4685 23279,'-24'-15'-3458,"18"1"-952,-34 4 5887,18 5-668,-18 3 315,16 24-272,-10 7-126,22 13-1791,-5 20 1036,9-21 746,28 14-4320,11-3 808,12-16 2525,6 6 0,-8-19 1,2-5-1</inkml:trace>
+  <inkml:trace contextRef="#ctx0" brushRef="#br0" timeOffset="44866">22367 3797 23369,'-34'0'0,"1"0"0,-3 17 1103,2-13-1398,10 22 1,2 6-1349,-11-1 1462,12 3 0,3 3 1,0 12-1,2 4 1</inkml:trace>
+  <inkml:trace contextRef="#ctx0" brushRef="#br0" timeOffset="45200">23433 4436 22740,'-25'-14'-4063,"-29"5"4855,10-2-930,-17 9 422,23-2 0,3 1-4,-6 3 124,-14 14 394,36 7-932,0 21 483,19-5-1127,7 1 1,5-1-843,20 6 732,-6-3 0,2-2-745,20-4 590,-5 11-682,-13-22 714,-15-2-49,-1-11 1515,-14-4 261,0-1-1961,-22-3 2459,-14 0-873,-11-1 58,-7-1 1,15 0-1,0 0 1</inkml:trace>
+  <inkml:trace contextRef="#ctx0" brushRef="#br0" timeOffset="45666">23968 4543 21840,'43'-3'1318,"-6"1"-998,-7 1 64,-9 1-141,-6 0-230,-5 19-2279,-5-14 1149,-1 34-639,-4-5-10,0 11 1083,-9-7 1,-2 0-469,6 14 550,-5-6 1,0 0-599,10 11 1446,0-21 1,0 1-314,0-1 0,0-2 225,0 16-138,0-12 0,0-1-244,0 0-305,14 12-145,-10-28-141,20 1 958,-22-32 224,-9-31-719,-19-6-20,15 13 1,-1-2-161,-21-18 42,30-8 671,-3 27 1,0-1-105,6-2 0,0-2-186,0-2 0,0 0-86,-1-2 0,2-1 412,8-18 1,1-1 243,-9 16 1,2 1-55,12 0 0,6-3 1,-4 6 206,-7 9 1,1 3 12,13-8 1,3 5 1077,3 2-100,0 10 482,0 10 358,9 7-550,-13 4-496,14 24-1342,-25 11-856,-3-2 1,-3 2-1076,-5 25 361,0 3 660,-17-24 1,-4-1-1700,-8 21 202,-10-6 1,-4 0 2305,14-21 1,-1-1 0,-9 11 0,-1-2 0,8-12-1,0 0 1</inkml:trace>
+  <inkml:trace contextRef="#ctx0" brushRef="#br0" timeOffset="46050">25550 3860 24179,'-3'-28'-7054,"0"2"4426,0 9 1554,-1 5-31,0 6 879,2 25 436,-1 2-128,2 12 1,0 4-1724,1 18 1618,-2-15 0,1 5-813,1 10 0,0 2 488,0-12 0,0 0 425,0 16 0,0 1 0,0-19 0,0-2 1,0 1-1,0 1 0</inkml:trace>
+  <inkml:trace contextRef="#ctx0" brushRef="#br0" timeOffset="46349">25358 4436 22020,'23'-37'-2067,"0"3"1554,24 5 1943,-3 3-489,7 8-547,-11 9 0,3 2-122,22 1-279,-9 12 0,0 2-288,7-3 343,-11 21 0,-1 5-557,5-6-195,-21 2 0,-2 1-1048,7 5-170,-5-4 707,-6 0 965,1-6-232,-13 2-872,-1-14 1080,-12-16 834,-20-24-1503,11-11-235,-13-7-1577,4-12 1493,11 12 1145,-11-14 0,14 22 1,0 1-1</inkml:trace>
+  <inkml:trace contextRef="#ctx0" brushRef="#br0" timeOffset="46650">26860 4330 23549,'-46'0'180,"-3"0"-180,-2 0 90,5 0-90,19 14 721,11 7-1190,16 18-1159,0-7 32,27 1-105,-20-12 1045,27-10 0,5-2 215,-12 10 122,12-12 1,1-3-409,-4 4 578,7-8 1655,-20 0 181,-10-18-1110,6-17-250,-16-3-2427,-17-23-114,7 30 1876,-44-10 1,31 16 0,-25 0 0</inkml:trace>
+  <inkml:trace contextRef="#ctx0" brushRef="#br0" timeOffset="47032">27212 4311 22110,'4'9'-8528,"-1"2"6005,6 13 994,-3-5 826,8 24 195,-5-16 97,6 26 193,-6-22-1906,2 9 2291,-3-7-7,-3-9 302,1 5-169,-4-16-348,1-2 155,-3-28 464,1-28-3,16-4 41,-6 7 0,1-1 296,10-5-174,-1 16 1,-2 0 672,-14-8-837,36 4 1715,-36 7-1985,36 5 1677,-29 11-922,24 5 402,-21 32-2717,5-4 176,-7 25-190,2-5-1591,0 3 1108,1 5-1778,2 2 3005,3-2 1,3-2 0,2-2-1</inkml:trace>
+  <inkml:trace contextRef="#ctx0" brushRef="#br0" timeOffset="47483">28327 4161 22920,'-25'-7'-2316,"-2"1"2075,-19 20 2101,13 8-1207,15 21-1699,10-6-131,8 2-215,21-12-320,-16-2 297,53 6 856,-36-10-1494,34-3 937,-17-5 1278,-9-11 915,7-11 1058,-24-15-890,-1-8-34,-12-7-430,0-21-170,-19 20-1174,18 5 1,-3 1-711,-32 8 234,32-1-1128,-23 14 1933,25 27 28,-8 45 523,10 1-395,10 5 1,4 1 100,-3-28 1,2 1-168,3 6 1,2 4 0,-3-3-336,-3-5 0,-1-2 308,9 13 0,-3-1-1177,-13 15 990,11-35 1,-1-1-570,-11 26 873,7-21 0,-1-1 5,-8 12-536,6 17-18,-7-35-912,-21 4 2018,16-22 138,-32-1 1,33-9-1,-12 0 1</inkml:trace>
+  <inkml:trace contextRef="#ctx0" brushRef="#br0" timeOffset="48037">29207 3294 25258,'0'-21'-6655,"0"3"4526,0 4 1605,-16 4 1001,12 34-514,-11-1 353,13 16 0,4 6-639,-2 19-521,0-18 1,0 2 933,0-8 0,0-1-125,-1 4 1,2 0-4,5 1 0,2 1-197,-2-2 0,0 3 0,0-2-66,3 7 1,1 2 0,3 3 1,2 4 0,-2-5 117,-6-5 0,1-2-45,10 14 0,1-3-44,-10-21 1,-1-2 41,0-3 0,-1-1-68,7 24 303,-2 1-199,-5-23-66,-3-2 290,-2-44 484,-2-20-395,-8-4 1,0-3-39,6 4 1,0-2 48,-6-21 0,1-1 17,6 23 0,2-1 12,-1-24 0,0 0 272,0-1-246,6 24 1,4 1 88,10-8 826,0 19 543,23 2 644,-24 19 69,24 2-572,-16 21-1350,1-13 814,-1 39-1986,2-20 180,-3 25-1154,-2-5 417,-10-10 0,-2 3-1437,3 21 1627,-7-9 1,-2 1 539,-3 7-179,-1-21 1,-4-1 1269,-24 9 256,20-5-120,-19-21 0,-7-1 351,-17 19-557,18-23 1,-3-2 22,-11 3 1,2-3-1,-7-4 1,-11-2-1</inkml:trace>
+  <inkml:trace contextRef="#ctx0" brushRef="#br0" timeOffset="49236">29075 4255 22650,'0'-10'-5936,"0"1"3897,0-3 1425,0 0 65,0-1 393,0 1 32,0 1-104,-18 1-846,14 3 687,-14 1 1341,2 3 352,0 1 70,-16 22 637,3 6-385,13 11-808,-6 1-409,16-7 358,-5 2-1026,4 14-775,7-13-301,-3 18-479,3-27 184,17 3 487,-13-12-490,28-8 2468,-17-2-697,12-30 1241,-3-10-251,-13-16-896,6-5 443,-15 8-280,8-5-64,-9 10 1,-1 0-883,2 9 0,-1-2 148,-1-28 0,0-1-467,1 24 1,-2 0 415,-4-7 1,-2-5 0,-1 4 237,-1 2 1,-1 1-51,-1-15 0,-2-1 419,-1 2 1,1 3-351,5 16 1,1-1 31,-6-18 1,1 3-403,-2 5-65,-1-5 491,13 39 319,-4 22 1831,6 56-1500,0-1-356,7 4 0,1 2-47,-6-26 0,0 1-56,6 7 1,2 6 0,1-6 0,-1-1 0,1-2-72,3 16 1,2-1-553,0-18 1,0-2-1076,-3 2 1,0-1 592,-1-1 0,1 2 984,6 15 0,0 0 1,-7-14-1,1 0 1,4 12-1,0-1 1</inkml:trace>
+  <inkml:trace contextRef="#ctx0" brushRef="#br0" timeOffset="57783">2660 10374 21570,'-37'7'1761,"2"-1"-1350,9-2-242,1-3-371,3 1 49,0-2-79,3 0 57,0-15-1222,4 11 554,0-28-1591,6 17 76,1-17 132,6 3 293,-1-4 204,3-4 133,23-24 2002,-17 9-640,21 9 1,5-1 2070,-9-7-1081,9 10 0,3 2 1178,0-1-1149,-8 12 0,-1 1 801,2 5 720,13 1-784,-24 15 492,1 49-3930,-14-9 1364,-2 19 0,-4 4-42,-8-20 0,-1 0 346,2 8 1,1 5 0,-3-4-220,-8 0 1,-1-2-48,-1 14 1,1 1-153,-3-2 0,-1-3-37,6-14 0,-2 0 1274,-1 2 1,-3 2 0,2-4-46,2-6 0,0-2-93,-6 9 0,0-2 309,-10 9 77,2-7-283,1-5 269,2-7-3,3-4-88,2-6 17,-6 0 131,11-11 200,-11 1-214,16-9-541,1 0-132,6-18-2464,6-3 240,2-17 144,19 18 1331,-13-8-1425,34 24 1743,-9-14 468,11 16-50,2-4 2300,-8 6-456,21 15-842,-9 1-1444,-4 0 1,-1 0 963,11 0-1084,-19-3 1,0-1-1881,13-9 555,0 16 1575,-3-17 1,0 6 0,-1-8-1</inkml:trace>
+  <inkml:trace contextRef="#ctx0" brushRef="#br0" timeOffset="58302">2493 9503 21930,'-52'-23'-2743,"12"8"2553,2 6 1,0 1 618,-8 4-197,1 1 0,1 2 260,-10 16-116,18-15 1,-1 4 66,-1 18 1,2 4-196,-21 1 352,8 13 0,1 5-317,19-16 0,1 2-208,-3 7 1,-3 6 0,4-2-199,1 1 0,2 0-50,4-4 1,-1 2-1,2 1-159,2 3 1,1 2-1,1-3-429,-2 8 1,2 3 357,1 3 0,2 6 1,2-6-403,5-6 1,2-2 140,-3 13 1,7 1 21,17-7 1,5-5-244,-7-13 1,4 0 489,10 0 1,8 1-1,0-5 67,-3-6 1,6-2 378,5-4 1,10 1-1,1-1 1,-5-4 185,9 0 1,3-3 12,-3-3 0,8 0 0,2-1 0,-9-3 399,6-3 0,0-5-158,-12-3 0,6-1 0,0-2 1,-6 2 670,13 3 0,-3-5-369,-9-7 0,3-6 1,-5 2 289,3 4 1,-3-1-255,-1-13 1,-1-4-199,-3 7 0,1-2-273,-7-2 0,2-3 0,-2 1 48,3-5 0,0-3-430,0-4 0,1-6 1,-5 2-75,-7 4 1,-4-4-261,-1-4 0,-1-7 1,-5 4-391,-7 2 1,-4-1 139,-1 8 1,-1-3 0,-5 0-164,-8-4 1,-5-1 0,-1 2-502,-1-8 1,-4-1 617,-2 11 1,-4-4 0,-3 1 0,1 5-427,-10-9 1,-4 4 681,3 12 0,-5-3 1,-2 2-1,2 6-117,-14-3 1,-5 6 261,9 9 0,-7 0 0,-1 3 1,4 4 248,5 4 0,3 5 1,-3 0 235,-14-3 0,-3 2 1,0 5-20,15 6 1,-1 4-1,2 2 1,2-1 0,-3-2-1,2 0 1,-1 2-1,-13 9 1,0 1 0,0-1-1</inkml:trace>
+  <inkml:trace contextRef="#ctx0" brushRef="#br0" timeOffset="60698">5405 9040 22740,'0'-4'-6296,"0"20"4168,0 19 1063,0 12 427,0 17 302,-11-4 332,9-26 1,1 2-39,-5 2 1,1 2-683,4 1 0,2 3 731,-2 19 0,2 2-102,9-15 0,0 1 43,-9 14 0,3 0-135,14-19 1,-1-2-24,-15 0 1,0-1-300,13 0 1,1-2-243,-14 0 1,1-2-11,13-3 0,0 0 607,-12 29 0,25-10 0,-12-4 1</inkml:trace>
+  <inkml:trace contextRef="#ctx0" brushRef="#br0" timeOffset="60882">5282 10203 22470,'-21'-35'-7768,"-2"-15"4641,12 14 1647,1-23 945,10 25 633,17-22 658,16 23 728,11-9-1746,-5 21 1,1 2 2456,17-10-1265,-3 6 1,3 2-548,-20 9 0,0 2 0,12-3 0,1 1 0,-14 5 0,0-1 0</inkml:trace>
+  <inkml:trace contextRef="#ctx0" brushRef="#br0" timeOffset="61249">6393 9520 22740,'0'-6'-5666,"0"1"3447,0 0 1425,-18 2 2138,13 0-1662,-30 1 1459,10 1-462,-18 15 65,7-10 967,5 35-287,19-19-400,-7 23-1445,16-7 176,-8 3-742,11 0-464,0-1-709,22 11-280,16-16 1924,-4-10 0,4-4 443,-5-11 0,1-3 284,2 3 1,1-3 534,4-12 0,-2-1 719,20 4-404,-13-21 1,-2-5 932,1 3-837,-13-12 1,-5-5-356,-3-2-862,-13 6 1,-2 0-415,-5-6-97,-10 5 1,-5 2-1891,-9 3-323,-16-13 559,17 36 958,-9 3 1078,25 25-112,-9 23 35,36 4-1033,-9-7 1,3-1 229,29 3 1241,-21-13 0,-1-1 0,18 4 0,4-3 0</inkml:trace>
+  <inkml:trace contextRef="#ctx0" brushRef="#br0" timeOffset="61540">7545 9218 23369,'0'-17'-5756,"-21"5"5013,-2 3 1179,-23 6 763,1 24 576,8-16-1225,16 22 0,4 4-850,4-7-103,4 10 1,4 3 673,5 0-899,30-1 1,7-2-141,0-2 353,19-8 0,3-5-824,-5-9 864,-10-6 0,0-3 941,5-1 25,-14-8 0,-2-6 1436,-1-15-1005,-14-5 1,-4-3-465,-4-11-901,-18 10 0,-3 2-1588,4 3-16,-23 7 0,-4 2 1747,9 2 1,-33 2-1,26 15 1</inkml:trace>
+  <inkml:trace contextRef="#ctx0" brushRef="#br0" timeOffset="61699">7187 10521 22470,'15'-15'-31,"-2"14"0,14-17 1</inkml:trace>
+  <inkml:trace contextRef="#ctx0" brushRef="#br0" timeOffset="62133">8793 9467 25618,'18'-49'-2678,"-13"6"282,32-2 3445,-32 7-1264,15 9 1,3-1 847,4-15-664,-6 5 1,0 0-1,3-7-413,-15 6 0,-4 0-5,-5-7 333,0-17-1326,-20 2-52,-10 17 677,4 10 0,-2 1-299,-18 2 338,3-11 207,9 28 1209,17 1-488,-9 13 1193,24 21-397,-7 18-173,26 14-993,-6-5 1,0 2-249,-1-14 0,2 0 246,6 7 0,2 5 1,-2-4-497,-7-1 1,1-1 325,13 11 1,2 2-641,-5 0 1,-3-2 389,-5-11 0,0 0-464,0 3 1,1 4 0,-3-4 658,-5-5 1,0 1-231,3 23 0,-1 0 483,-8-28 1,-1 0 413,5 9 0,-5-2 0,-24 9 0,-7-2 0</inkml:trace>
+  <inkml:trace contextRef="#ctx0" brushRef="#br0" timeOffset="62233">8667 9883 22200,'0'-37'-6386,"0"-2"4258,32-1 3593,-5-4-1140,-1 23 1,5 1-130,6-10 1,1 1-1,-8 8 1,1 0-1,11-5 1,0-1 0</inkml:trace>
+  <inkml:trace contextRef="#ctx0" brushRef="#br0" timeOffset="62552">9692 9032 23729,'-43'-9'-1561,"2"3"1538,6 3-43,4 19 1309,11 7-1362,0 10-390,18 0-906,-6-5 553,8 0-322,26 13-536,-20-12 859,23-5 0,6-3-696,3-1 1326,4-9 0,2-3 421,6-3 1004,2-28 595,-32 17-1126,-11-24 0,-4-5-91,3 8-213,-3-13 0,-6-3-954,-25 0-176,12 5 1,-4 2-1638,-29-5 401,3-8 1508,-3 13 1,15 13 0,-10-4 0</inkml:trace>
+  <inkml:trace contextRef="#ctx0" brushRef="#br0" timeOffset="62919">9930 8810 22020,'14'0'0,"8"0"0,-7 20-3674,17 11 2010,-11 12-360,7 4 885,-1 7-59,-7-12 135,-4-8 1,-1 0-1176,-1 0 569,11 15 1870,-16-30-756,8 1 996,-11-15 604,4-23 603,-5-17-1098,-3 1 1,0-2 192,2-30-349,-3 27 1,-1 1 204,2-20-1,-2-2-1000,2 9 0,1 1-1116,2-11 1391,1 9 0,1 5 0,3 15 0,2-4 0</inkml:trace>
+  <inkml:trace contextRef="#ctx0" brushRef="#br0" timeOffset="63517">10800 8737 23909,'-27'-9'-2361,"6"21"4524,21 2-5261,0 19 1239,17 4-222,-13-3 1038,31 18 282,-14-12-335,-3-8 0,1 0-216,1 0-1152,8 6 2250,-25-19-21,17-5 1270,-18-5-1157,12-4 1332,-11-2-264,7-19 507,-5 12-1020,1-30 1,-2-8 66,1 8-206,2-17 1,-1-3-479,-1 7 532,0 9 0,1 1-749,1-1 480,5-8-529,-5 31 860,3 3 865,3 12 56,-2 23-2023,13 11 94,-10 12 144,0-13 1,1-2-532,0 8-244,5 11-297,-10-21-413,0-4-295,-4-5 2926,2-4-967,-4-8 333,4-2 956,-4-6 1227,5-22-650,-2-10-626,3-15 285,0-3-283,0 5 72,1-3-404,-2 14 0,0-1-236,4-15-792,-1 12 0,0 3 269,0 3 468,11 0 479,-9 23 783,4 5-106,-1 23-1996,-1-15 1050,7 46-3079,14 1 1171,-20-19 1,1 3 1202,15 18 1,2-1 0,-11-19 0,0 0-1,10 11 1,-1 0 0</inkml:trace>
+  <inkml:trace contextRef="#ctx0" brushRef="#br0" timeOffset="63866">13233 7817 24269,'-15'-31'-8799,"0"3"6265,3 9 1635,4 9 519,1 25 1478,6 9-1101,1 28-210,0 5-541,0-22 1,0 1 1054,-1 2 0,2 4-590,4 1 1,3 4-1,-2-2-57,-4 6 0,1 2-397,7 3 0,4 5 0,-4-6 588,-7-8 1,-2-2-1,7 10 1,-1-2 0,-7 13-1</inkml:trace>
+  <inkml:trace contextRef="#ctx0" brushRef="#br0" timeOffset="64004">12860 8516 23549,'0'-40'-6475,"0"2"3896,24 3 3126,23-8 101,-19 28 1,5 2-483,11-3 1,7 1 0,-5 2 0,-5 5 0,0 2 0,4 0 0,-1 0 0,0 0 0</inkml:trace>
+  <inkml:trace contextRef="#ctx0" brushRef="#br0" timeOffset="64520">14025 8298 22560,'-19'17'350,"14"1"-3321,-32 0 4816,32 3-3591,-30 4 2663,17 17-1596,-3-8 575,8 22-1039,13-22-428,20 13 271,-15-20-1243,41 2 2374,-6-12-1187,15-7 1439,-16-6 0,-1-1 190,11-3 248,-10-8 0,-1-5 1742,4-16 316,7-14-458,-23-3-1261,-7 8-481,-6-5-409,-7-22-603,-4 15 114,1 11 0,-6 1-1950,-19-1 22,17-14 664,-32 35 1419,33 19 1529,-11 25-600,31 25-1270,7-9 98,-2 0 62,33-5 1449,-33-13-657,10-7 1,4-3-122,-3-5-1063,24 0 1090,-27-9 2134,7 0-182,-16-17 254,-3 12-795,-3-32-431,-2 5-943,-8-7-923,0-13-582,-4 24-102,0-6-89,0 43-192,0 14-297,19 21 1024,-9-10 0,2 0-1337,11 11 1246,-3-15 1,-2-1-888,-1 9 1899,19-1 0,-12-6 0,2-2 0</inkml:trace>
+  <inkml:trace contextRef="#ctx0" brushRef="#br0" timeOffset="64703">14718 7493 24988,'-15'-19'-7210,"2"3"3451,3 4 1242,5 24 2117,23-12 1,-12 46 0,15-10 0</inkml:trace>
+  <inkml:trace contextRef="#ctx0" brushRef="#br0" timeOffset="64854">14613 9237 24269,'-19'17'-927,"6"-3"906,5-8 1,7-3 0,-3-2 0</inkml:trace>
+  <inkml:trace contextRef="#ctx0" brushRef="#br0" timeOffset="65933">16092 7885 22560,'-6'-21'-8318,"0"0"6320,4 9 1136,24 24 1685,-16 7-1758,39 25 838,-28-14 0,-2 2-121,5-5 1,0 1-746,2 7 0,-2 4 958,0 1 1,-2 0-44,9 19-172,-11-22 1,0-1-1049,1 7 1241,-2-5-486,-1 1 356,-4-14-596,-1 2 610,-7-41 886,1-40-20,-20-5-533,15 2 1,0-1 462,-14-6-440,15 21 1,2 0 30,-5 6 0,-1 2 225,3-12-40,-7-10-1020,28 41 2189,1 49-1675,24-1 98,-14 24 0,-2 6-118,-7-34 0,-1 0-42,12 26 0,-2 0-186,-4-10 74,7 9 246,-16-27-1974,0-5 2306,-5-7-355,-2-6 867,-2-4 108,-1-4 1229,3-22-984,0 2 58,8-44-408,-5 16-504,-4 14 0,0 0 297,5-21-590,0 0-118,-1 1-536,-4 21 0,0 1 308,3-11-107,8-10 652,-9 37 399,10 1 772,-7 33-2034,7-14 427,-6 25 0,-2 7-996,10-4 737,0 14 0,0 2-772,6 0 71,-1-8 0,1-3-1081,10 0 1976,-12-15 1,1-3-1,15-6 1,3-5-1</inkml:trace>
+  <inkml:trace contextRef="#ctx0" brushRef="#br0" timeOffset="66300">17728 7692 23189,'-27'-24'-4802,"-16"4"4561,37 5-2830,-37 6 4306,13 3-413,-10 4 136,4 18 440,7 11-1461,16 10 651,-13 21-527,24-20 709,-8 15-1605,10-15-304,20-2-862,-16 0-479,36-3 1082,-35-3 379,40-6 850,-14-1 381,11-12 550,7 0 512,-23-29 1123,7 13-273,-15-40-1590,-2 23 985,-7-25-1782,1-7 392,-9 15-916,4-24-170,-5 33-734,0-10-84,0 51 925,15 24-1085,5 15-80,3 1 0,3-1-61,8-5 2015,-12-8 1,-1-2 0,3-6 0,1-2 0</inkml:trace>
+  <inkml:trace contextRef="#ctx0" brushRef="#br0" timeOffset="66665">18158 7678 22470,'1'11'-6371,"0"6"4256,16 15 202,-13 2 1194,13-4-39,0 17-36,-1-11 215,4 11-1620,4-6 2024,-13-14-446,10 6 727,-8-22 396,-4-2-36,-5-29 658,-1 15 449,-1-45-785,1 27-296,0-13 1,-1-2 610,3-9-610,0 7 0,1 1-389,0-1 448,9-14-390,-6 32-291,5 4 1412,6 13 695,-3 5-510,19 18-1046,-14 10-685,0 0 1,-1 2-830,6 21-1152,8 5 251,-18-25 0,0-2 1551,9 16 0,5 11 0,-11-19 0</inkml:trace>
+  <inkml:trace contextRef="#ctx0" brushRef="#br0" timeOffset="66866">17268 7269 23369,'-10'-22'-8813,"2"-1"5635,37-3 4891,3 7 1,5 0-323,3 4 1,6 0-847,8-1 0,8-2 1,-4 3-845,3 1 0,1 2 377,-6 2 1,3-1 0,-3 2 0,7 2 0,-1 1 0,0 1 0,1 0 0</inkml:trace>
+  <inkml:trace contextRef="#ctx0" brushRef="#br0" timeOffset="67487">19447 6830 24269,'0'-6'-5666,"-8"3"5999,5 16-1227,-5 20 578,28 9-1263,-15 17 906,31-4 76,-32 7-404,12-28 1,0 0 791,-13 2 1,-1 0-481,14 0 1,1 0 280,-15-1 0,0 1 28,13 13 0,2-1 306,-8-13 0,-1 1 6,6 19 1,1-3-103,0 0 116,-7-15 0,-2-3 33,-2-7-256,1 1-361,-3-19 506,-2-27 720,0-14-394,0-1 1,0-3 413,0-23-326,7 16 1,2 1 436,-6-7-327,13-10 539,3 17 574,-2 16-241,21 4 766,-13 16 36,11 6-522,-14 21-1647,3 0 1,1 3 71,2 23-339,-1-11 1,0-1-709,0 0 294,-3-9 0,0-2-1368,5 0-307,23 2 1287,-22-18 2143,9-4 282,-6-28 894,-11 18-1272,-6-25 0,-3-6-97,-2 11-50,-4-14 1,-2-1-126,-3 0-937,-1-11-569,-1 22-474,0 4-439,0 6 684,0 4 570,0 24-54,0 12 495,0 14-59,19 6-681,-15-6-127,32 2-306,-31 1 1228,17-11 1,3 0 0,-7 9-1,25 10 1</inkml:trace>
+  <inkml:trace contextRef="#ctx0" brushRef="#br0" timeOffset="67666">20235 6996 23819,'-13'-18'-7400,"2"1"4658,1 6 1751,6 2-2472,2 3 4145,21 3 1,-15 2 0,15 1 0</inkml:trace>
+  <inkml:trace contextRef="#ctx0" brushRef="#br0" timeOffset="68017">20740 7283 22470,'9'28'-7468,"-1"-6"5103,8 15 789,-7-15 647,11 14 519,-8-16 218,4 8 42,-4-12-1664,-2 1 1987,0-3 206,3 5-33,-4-7-170,2 4-205,-7-12 175,6 1 1169,-7-28-1692,9-8 1533,-6-15-441,8-19 199,-5 24-272,-2 7 1,1 2 255,0 1-289,2-4-522,2 24 1391,-3 4-469,14 7 313,-7 22-2000,16 7 520,-8 13-834,-3-14 1,0-2-990,9 9-90,8 7 1720,-6-16 1,1-4 0,2-3 0</inkml:trace>
+  <inkml:trace contextRef="#ctx0" brushRef="#br0" timeOffset="68400">21437 6624 23909,'-11'-10'-5079,"8"19"4461,10 22-648,3 0 0,3 4 449,-3-3 0,3 2 211,15 19 0,0 0 185,-17-19 1,1 1 266,8 3 1,5 3 0,-3-4-940,-5-4 1,-2 0 729,4 7 0,2 0-146,-3-8 1,0-3 648,7 11 98,10 9 140,-17-31 310,4-3 318,-9-12 628,4-24 285,-4-12-567,2-12-531,-4 10 1,-1 1 423,6-10-687,-2 9 1,0 1 339,1 1-428,10-5-330,-11 27 315,6 5 1126,-5 6-600,3 18-1657,0 1 146,-3 9 1,1 4-1269,6 12 62,-1 0 0,-1 1-1531,3 9 1216,-9-19 1,-1 0 1310,4 8 1,-3-6 0,0-2 0</inkml:trace>
+  <inkml:trace contextRef="#ctx0" brushRef="#br0" timeOffset="68599">20127 6339 25888,'-8'-33'-8445,"23"2"8124,15 1 14,15 13 1,8 4 484,-9 1 0,1 3 0,-1 2 0,3 0 0,-1 2 0,10 1 1,0 0-1</inkml:trace>
+  <inkml:trace contextRef="#ctx0" brushRef="#br0" timeOffset="70572">23877 6940 22290,'-46'-12'-1626,"-1"3"1338,7 3 426,-2 4 143,-4 2 58,0 15 605,-1-11-694,2 33-124,3-17 992,5 21-799,7-8-289,9 1-438,10 1-506,6-1-1005,5 0 167,22-2-246,-17-3 888,30-11 1,7-3 609,-3 5 258,16-9 1,4-4 537,7-2 220,-8-12 1,0-6 470,-24-2 1,0-4-23,19-14 0,-2-4 51,-23 5 1,-3-1-357,7-4 0,-4-3-633,-8-8 0,-5-1-223,-3 11 0,-4-3-166,-1-7 0,-2-5 0,-1 4-203,-1 1 0,-3 0 33,-4-6 1,-3-6 0,-3 6-519,-4 4 1,-1 1 347,3-15 0,-3 3-91,-11 21 0,1 4 182,15 1 1,1 2 15,-11 4 0,-1 2 132,-9-29-195,14 23 273,-8 3 695,22 39 740,-8 10 605,10 27-1063,0 10-238,0-20 1,0 1-266,0 6 1,0 2 178,-1 3 1,2 4-113,4 0 1,1 5-1,-1-3-147,-3 10 0,0 1-239,5-14 1,2 6 0,0-1-1,0-5-656,-1 11 0,1-3 205,0-9 1,1 1 0,0-3-615,1 0 1,1-3 1224,-3-1 1,0-2 0,1-2 0,0-1 0,1-2 0,0 1-1</inkml:trace>
+  <inkml:trace contextRef="#ctx0" brushRef="#br0" timeOffset="70865">24852 6029 24269,'0'-23'-6656,"0"3"4978,0 2 793,0 28 1167,-16 20 0,-5 8-24,10-3 1,1 2-205,-15 21 1,-2 4-13,12-16 0,1 1 0,1-1-513,-3 8 0,-1 2 609,3-10 1,0 5 0,-1 0 0,2-5 123,-2 9 0,1 0-616,0 3 1,0 3 0,1-5-583,4-9 1,1-2 820,-1 13 1,1-3-1,2 10 1,5-3 0</inkml:trace>
+  <inkml:trace contextRef="#ctx0" brushRef="#br0" timeOffset="71183">25170 6643 24269,'4'-12'-3192,"-2"4"1780,-18 3 1506,11 22-744,-27-12 1953,9 50-1566,2-30 370,2 12 1,4 3-1087,11 6 853,-3-5 1,0 0-110,7 10-822,0 12 588,22-21-1934,-17-5 1331,35-2 234,-22 3-380,3-12 815,5 5-39,-24-20-45,10 1 551,-12-8-353,-18-2 1487,-9-2-724,-11 0 644,-2 0-829,8-18 1,2 14 0,0-14 0</inkml:trace>
+  <inkml:trace contextRef="#ctx0" brushRef="#br0" timeOffset="71583">25865 6651 23729,'-46'29'1997,"9"-11"-846,-6 8-1036,-4-1 207,12 9-581,12-10 1,1 1-309,-4 8 166,11 23-692,4-23-237,11 8-880,21-5-190,12-13 1519,-5-6 0,4-4 241,19-2 561,-16-6 0,-1-2 38,5-1 1041,10-18 682,-22 12 117,-5-31-170,-10 18-970,3-18-543,-13 4-1322,6 0 771,-8-14-709,0 11-899,-18-15-557,13 25 1015,-13 1 478,5 12 347,10 25 1140,-10 9-11,13 17-2168,22 21-130,6-21 2086,-1-6 0,2-2 0,19 2 0,3 7 0</inkml:trace>
+  <inkml:trace contextRef="#ctx0" brushRef="#br0" timeOffset="71800">26530 6693 23549,'-22'-23'-5324,"-12"4"4720,31 5-1608,-32 4 3586,8 6-333,-17 22 840,8 14-1135,4 13-1050,25-11 0,2 1 412,-5 11-232,28 14-334,-14-19-1696,44-3 49,-22-4-1564,30-6 1611,-11-7 2132,3-9 0,-2-6 0,1-6 0</inkml:trace>
+  <inkml:trace contextRef="#ctx0" brushRef="#br0" timeOffset="72183">26760 5945 22920,'0'-19'-6206,"0"3"4707,-7 9 673,5 20 712,-6 23 113,29 11-539,-11-1 1,1 3 162,0-15 0,2 1-778,6 14 0,-3 1 964,-14-11 0,1-1-76,15-1 0,3 4 41,-8 5 1,-3 5 0,1-5-176,6-2 1,2 0 60,-4 6 1,1 6 0,-2-9 428,3 11-118,-5-17 1,-1-4 266,0-4-568,-1-1 79,-5-20-13,-2-7 494,-2-3 76,2-2 1742,0-24-1259,3 4 404,5-43-233,-1 20-296,0 3 1,0-1 509,1-5-353,4-8 202,-8 26-2098,-1 14 1717,0-4-484,0 16 1602,-1-6-1074,5 49-1649,-5-15 306,1 14 1,0 4-1314,1 3-186,3 16 1899,-4-19 0,-2-6 0,0-1 0</inkml:trace>
+  <inkml:trace contextRef="#ctx0" brushRef="#br0" timeOffset="72386">25817 5758 23099,'-55'17'802,"15"-2"1,1 4-914,10 2 0,1 3-119,-14 19 1,3 2 0,21-14 0,2 2 0,-2 12 0,0 0 0</inkml:trace>
+  <inkml:trace contextRef="#ctx0" brushRef="#br0" timeOffset="72799">28597 6101 24179,'-19'-14'-5100,"15"1"964,-59 1 5907,34 5-1256,-12 4 1,-2 1 480,1 2-349,4 14 0,3 7 336,11 11-1327,-10 22 1118,34-12-703,22-17 0,5 0-1135,7 15 441,17-3 1,5-1 136,-25-14 1,-1-1-261,12 6 1,0 0-13,-2-3 1,-3-1 25,15 10 653,-15-9 1,-4-2 1486,-4-1-636,1 4-632,-22-17-607,-2 1-315,-6-7 101,-25 0 1419,-5-2-759,-15 0-1522,-12 0 1719,25 0 1,0-15-1,21-5 1</inkml:trace>
+  <inkml:trace contextRef="#ctx0" brushRef="#br0" timeOffset="73250">29020 6306 22290,'6'0'1438,"-1"17"-7064,-1 5 3138,-2 13 1501,0 2 247,-2-2 335,2 6-49,-2 4-309,1-9 0,-1 1-878,2 21 1871,2 3 0,0 0 0,0-1-259,1-6 1,0-2 43,-2-12-302,1 11-270,-3-31-51,0-1 484,-1-38 121,0 1 135,-19-26-639,14-18 551,-28 7-291,30-2 1,3-3 317,-7 19 1,1 1-60,5-16 1,2-1 127,-1 13 0,0 2-95,0-3 0,0 1 135,0-1 0,0 1 332,0 0 1,0 0-226,-1 2 1,2 0 258,6 3 1,3 0-29,1-8 1,1 2 392,10-18-334,2 20 1,2 4 809,-5 5-298,24 0 913,-16 21 266,-4 8-393,2 2-429,6 3-158,-9 15-1682,8 7-335,-22 11-942,0 19-533,-10-12-397,-22 17 459,5-21 1,-2-1 588,-4-5 0,-2-1 1509,-3 11 1,0-1-1,5-9 1,0-1-1,-1 0 1,-1 0-1</inkml:trace>
+  <inkml:trace contextRef="#ctx0" brushRef="#br0" timeOffset="74782">7050 12464 22920,'-28'12'2668,"-2"-8"-3016,-3 25-106,-3-16 1223,-2 18-1011,-1-5 215,12-4 0,1 1-311,-13 13 340,12-4 1,2 2-1111,2 4 450,5 23-441,14-29-847,4 6 201,26-15 62,7-11 1320,-1-4 0,2-4 268,18-24 636,-16 4 1,-2-3 368,5-30-643,-10 8 1,-3-2 414,-8-17-331,-3 19 1,-4-4-338,-8-6 0,-4-1-427,6 11 0,-2-1-67,-7-8 0,-4-5 0,-1 4-672,-3 3 1,-3 0 360,-2-4 0,-1-6 0,0 6 18,-4 6 0,1 2-4,0-12 0,0 2 107,7 21 0,1 4-384,-2-23 241,-12 11 872,13 8-341,-4 36 2728,8 8-1808,7 22 1,6 8-436,8-9 0,0 2-44,-9 12 0,2 5-109,12-11 1,7 1 0,-4 0-109,-7 6 0,-1 2-35,10 3 1,5 5 0,-2-5 59,-6-7 0,0 0-1859,2 1 0,3 3 0,-3-5 1702,-2-7 1,-1-2 0,5 10 0,0-3 0,5 11 0</inkml:trace>
+  <inkml:trace contextRef="#ctx0" brushRef="#br0" timeOffset="74950">6800 12344 23189,'0'-10'-6205,"27"-7"9314,-3 3-2124,13-1 0,3 1 146,17-6-1348,-17 7 0,1 1 269,-8 3 0,0 1 1,1 1-1,0 0 0,1 1 1,0 0-1</inkml:trace>
+  <inkml:trace contextRef="#ctx0" brushRef="#br0" timeOffset="75267">7795 12561 23369,'19'-27'-1421,"-15"-16"-1652,34 22 5143,-33-20-3739,35 6 2566,-35-2-1824,33 1 1637,-34-3-2001,23-13 1111,-25 12 267,8-21-1865,-10 27 1461,-19-16-2044,0 32 2214,-17-3-864,18 38 2461,-8-12-510,23 41-922,-10-3 234,13 12-162,19 8-413,-6-28 1,4-3-1890,25 18 2109,-19-19 0,1-1 1,18 5-1,2-2 0</inkml:trace>
+  <inkml:trace contextRef="#ctx0" brushRef="#br0" timeOffset="75533">7613 11730 23099,'-25'-13'-3573,"11"2"1413,3-13-716,37 2 4769,8-3-384,14 4 42,1 7-596,5 0-469,-12 8 101,-8 2 1,0 1 862,3 3 817,17 17-3530,-27 2 832,9 19 0,-19-19 0,3-1 0</inkml:trace>
+  <inkml:trace contextRef="#ctx0" brushRef="#br0" timeOffset="75733">8153 11097 21480,'28'-17'2038,"13"2"-683,-27 8-788,22 2-836,-14 5-316,3 23-1335,-1 14-62,-7 15 608,-2-6 0,0 2 1019,-7-13 1,1 0-1,3 16 1,1 1 0,-3-12-1,0 0 1</inkml:trace>
+  <inkml:trace contextRef="#ctx0" brushRef="#br0" timeOffset="75972">9437 11368 24898,'0'-7'-6295,"0"25"4166,0 4 1065,0 26 515,0-2 34,23 6-554,-18 8 740,15-28 0,2 2-813,-8 16 0,-1 3 299,4-13 1,1 2-202,-2 2 0,0 4 0,-2-4 944,-1-4 0,-1-1 1,4 10-1,0-2 1,2 16-1</inkml:trace>
+  <inkml:trace contextRef="#ctx0" brushRef="#br0" timeOffset="76104">9340 12203 22380,'0'-53'-6745,"21"1"6186,3-6 546,-1 28 0,3 1 107,-3-2 1,1-1 3,3 1 0,1 0 0,1 0 1,0 0-1,1 1 0,-1 0 1</inkml:trace>
+  <inkml:trace contextRef="#ctx0" brushRef="#br0" timeOffset="76550">9928 11146 21930,'-21'20'1616,"4"8"-2769,17 13-1504,0 4 866,0-3 746,0 5 235,0 8 202,24 1-1670,-17 6 1248,15-30 0,0 0-338,-17 33 1118,15-33 1,4 1-43,-10 11 0,0 0-43,5-12 0,2 0 92,4 18 0,-3-2-368,5 2 701,-10-20 0,0-1-379,14 8 152,-10-14-365,10-2 1337,-16-16 748,6-18 892,-12-19-1159,6-29-172,-10 2-659,-1 26 1,0-1-85,-1 0 0,0 0-249,1-16-293,-2 13 0,0 2-588,-1 3-934,3-1 1536,-2 24 121,5 4 1770,6 21-2133,0 17-17,2-5 1,0 3-250,8 28 250,-7-28 1,1 0-150,12 15-173,1-2 34,3-2-1349,2-6 2122,2-5 390,2-6-680,20-6 1044,-15-10-490,-7-3 0,-1-7 226,1-25 0,10 4 0,-19-23 0</inkml:trace>
+  <inkml:trace contextRef="#ctx0" brushRef="#br0" timeOffset="76870">10938 11561 23099,'0'-30'-6565,"-14"6"3483,10 8 1593,-11 7 2025,15 24-793,0 15-81,18 15-490,-14 6-218,13-18 1,5 0 704,8 16 330,-11-17 1,2 0 202,7-4 0,-1-3-490,6 10 287,-6-11 1,0-3 347,6-8 1220,19 0-103,-21-29 878,7 12-1131,-20-23 1,-4-5-324,7 1-480,-7-14 0,-2-5-28,-5-5-116,-3 5 1,-1 1-705,-3-6-58,2 13 1,-4 2-1838,-15 1-491,13 0 1976,-13 23 57,17 26 273,0 33 494,14 4-245,-13-13 1,2-1 156,31 13-304,-30 1 0,37-4 478,-7 14 0,14-22 0,-22-13 0,0 0 0</inkml:trace>
+  <inkml:trace contextRef="#ctx0" brushRef="#br0" timeOffset="77068">12020 11353 23189,'-24'-5'-948,"-14"4"1714,19-3-1356,-4 18 1587,-1 10-931,22 7-1529,-8 7 637,10-8-770,0 3 349,25 2-1447,9 14 62,14-11 2306,-16-9 1,0-2-1,7 1 1,13 4 0</inkml:trace>
+  <inkml:trace contextRef="#ctx0" brushRef="#br0" timeOffset="77299">11063 11162 22650,'-6'-18'-8907,"1"1"6232,5-2 2535,29 2 3371,-21-2-3003,50 3 1595,-34 1-593,27 4-1634,-1 5 1483,-13 2-642,7 19 0,-16-11 1,-2 10-1</inkml:trace>
+  <inkml:trace contextRef="#ctx0" brushRef="#br0" timeOffset="77442">11512 12335 23639,'0'29'-6295,"0"-5"4166,0-6 1863,0-8 0,0-5 0,0-4 0</inkml:trace>
+  <inkml:trace contextRef="#ctx0" brushRef="#br0" timeOffset="78122">12913 10287 24718,'-15'-22'-7391,"6"4"4545,0 7 2335,9 30 484,17 4-387,-12 28 203,35 2 82,-34 9-916,13-27 0,3 1 801,-12 2 1,-3 1 406,4 2 0,2 0-499,4-1 0,-1 1 18,-8 0 1,0 2 172,12 14 1,0-1-72,-8-15 0,-2 1 20,6 22 1,0-3 299,-1 0 4,-6-24 0,0-2-155,0 1 258,-1-6-332,-1-8-1234,0-4 1104,-2-9 280,0-20 1308,0 7-797,1-30 1,-1-8 299,5 9-333,-1-15 0,1-1 466,3 9 796,3-14-312,-6 37 320,4-9-1635,-5 24 1396,16 8-731,-8 19-1420,21 20 126,-14-4-578,10 3 223,-9-14-268,2-1-70,0-2-981,2-5 1052,-1-2 1322,2-11 96,14 3 1138,-12-11 152,22-19 760,-28 13-1394,-4-25 1,-3-5 20,-3 8 33,4-36-295,-13 26-754,-2 1-519,-4 1-520,0-5-1106,-1 14 786,0-2 422,0 37-194,0 9 661,16 18-1240,-1 16-167,4-16-102,-5-5 0,0 0 1918,7 6 1,8 5-1,-2-15 1</inkml:trace>
+  <inkml:trace contextRef="#ctx0" brushRef="#br0" timeOffset="78283">13767 10433 23459,'-15'-33'-9831,"4"6"5640,4 3 1958,4 7 2183,2 7 0,1 4 1,0 5-1</inkml:trace>
+  <inkml:trace contextRef="#ctx0" brushRef="#br0" timeOffset="78599">14250 11178 23729,'7'1'-278,"2"-1"194,2 0 489,6-23-974,-3-4 3,8-29-144,-9 14-77,2-18-259,-11 25-195,-1-25-124,-3 27-232,-20-8-203,15 9 531,-36 13 1254,22-1-561,-15 33 2435,19 14-1093,6 30-556,27-6-535,-6-14 0,1-2 240,10 10-598,7-10 1,0-1-1101,-4 3 1310,2-14 0,2-3 39,3 2 1,-1-5-1,1-4 1</inkml:trace>
+  <inkml:trace contextRef="#ctx0" brushRef="#br0" timeOffset="78949">14755 10848 24718,'0'-19'-5665,"0"3"3626,0 4 1424,0 5 67,0 22 212,21 19-485,-15 5 381,38 9-1171,-39-20 1229,41-1 929,-29-2-836,20-3 734,-13-4-89,-2-3 335,5-4 483,-8-5-239,7-2 863,-10-21-894,2 13 1327,2-49-1993,-5 28 58,-1-12 0,-2-3 79,4-3-440,-2 6 0,-1 0-251,2-2-319,8-14 91,-12 36-466,3-5 1529,-3 21 380,-1 13-1709,8 16-612,-7 9-570,6 6-602,-6-5-108,2 1-595,-3 1 2909,1-1 1,-4-4 0,-1-1-1</inkml:trace>
+  <inkml:trace contextRef="#ctx0" brushRef="#br0" timeOffset="79166">14070 10441 24179,'24'-39'-2109,"-17"0"-577,47 1 4499,-28 3-1832,29 3 1125,-13 5-510,3 7-1257,16 5-324,-18 9 927,11 20 0,-24 5 0,-1 16 0</inkml:trace>
+  <inkml:trace contextRef="#ctx0" brushRef="#br0" timeOffset="79333">14543 11885 23729,'0'24'-6296,"0"-5"5764,0-4 0,0-10 0,0-1 0</inkml:trace>
+  <inkml:trace contextRef="#ctx0" brushRef="#br0" timeOffset="80370">16365 10886 23099,'29'-25'1292,"-13"4"-2235,11-25 81,-13 4-377,16-7 980,-5-8-134,1-4 158,-13 30 0,0-3-126,4-13 1,-1-1-129,-5 12 0,0 0 243,5-23 1,-2 1-72,-2-6 117,-6 18 0,-1 3-734,-2 1 195,-2-8-13,-1 61 146,0 56 298,-1-31 0,2 6 142,2 4 1,1 8 0,2 1 0,0-7-218,3 4 1,2 1 181,-1-4 1,1 6 0,0 1 0,0-8-173,5 1 0,0-2-194,-2 2 0,0 4 1,-1-5-28,-2-7 0,0-2-54,3 20 1,-1-2-340,1 0 479,-6 7 485,-4-30-28,-4-7 581,-21-7 1719,-9-4 667,-13-9-38,-17-1-212,21-6-253,-12-20-1043,17 15 381,3-33-1799,3 34-80,5-34-2226,4 23 700,11-19-541,2-5 217,6 7 1835,19 0 0,7 1-182,9-9 738,2 11 0,4 2-652,-9 4 0,0 2 589,3-2 1,3 1 0,2-2 0,1 1 0,3 0 0,-1 0 0</inkml:trace>
+  <inkml:trace contextRef="#ctx0" brushRef="#br0" timeOffset="80568">17645 10087 22920,'-28'15'2316,"13"5"-3972,1 23 376,12-8 1,4 0-1081,14 18 1334,-8-12 1,2-1-1316,9-2 2110,11 18 1,-9-28 0,15 6 0</inkml:trace>
+  <inkml:trace contextRef="#ctx0" brushRef="#br0" timeOffset="80733">17508 9697 23189,'-9'-13'-9831,"1"1"9262,23 29 1,-14-15-1,19 20 1</inkml:trace>
+  <inkml:trace contextRef="#ctx0" brushRef="#br0" timeOffset="81100">18252 10689 23009,'9'-18'-1365,"10"-18"1034,-1-10 174,1 1 0,1-3-28,-7 16 0,1-2 91,0-8 0,2-6 0,-3 4-74,0 1 1,-2-1 124,0-7 0,-1-7 0,-1 5-577,-3 3 0,-2 0 356,-1 6 0,0-1 0,-1 0-96,1-23 1,-5 3 36,-6 15 1,-3-1 106,3-1 1,0-4 0,0 6-228,-3 6 0,-2 3-114,-8-20 1,-2 3-584,-6 3 769,10 24 1,-3 4 52,-18-1 668,16 16 443,7 20 1740,3 11-2080,12 14 0,3 4 212,-6 22-241,4-13 0,2 2-320,10-6 0,0 0-204,-10 4 0,3 0-312,16 1 1,3 3-226,-11-3 1,-3 3-1,2-3-1167,9 7 0,2 1 697,-2 3 0,0 5 0,-1-7 182,-2-7 1,0-3 821,1 1 1,2 3-1,-2-6 1,-2-8-1,-1-2 1,4 8-1,0 1 1</inkml:trace>
+  <inkml:trace contextRef="#ctx0" brushRef="#br0" timeOffset="81420">18648 10511 24539,'6'-17'-3008,"-1"12"4245,1-28-2772,8 11 1615,2-10-271,18-9 585,-7 15 85,13-10-451,12-2 1077,-9 6-931,-4 5 1,0 1 1342,11-6-1231,-11 5 1,0 0 511,4-4-637,-14 6 1,-3-1-82,-3-5-455,-4-10-699,-14-4-598,-23 12-859,-10-24-56,-10 29 1777,10 8 0,1 2-486,-6 5 688,-11 1 356,9 10 981,17 24 409,-10 12 833,26 13-1640,-4-10 0,4 0-473,23 14-346,-20-16 1,3-2-431,19-7 1,3-3-1190,-1 25 589,-1-25 0,4-1 1362,5 6 1,1-1 0,20 9 0,-18-15 0,0 0-1</inkml:trace>
+  <inkml:trace contextRef="#ctx0" brushRef="#br0" timeOffset="81770">19555 9742 24359,'0'-19'-6116,"-14"2"4886,10 6-958,-10 26 4302,38 29-3437,4 4 907,-1-5 0,2 0-89,12 2-420,-14-5 1,-2 1 631,2 2-12,7 13 593,-8-15-2071,-13-14 2133,9 4-209,-17-21-359,4-18 2136,-22-40-2122,9 0 330,-5-5 1,2-3-65,6 22 0,2-1 69,-1-8 0,0-5 1,0 4 162,-1 1 1,2 0-115,6-4 0,4-4 0,-3 4 55,-6 5 0,3 3-1017,20-11 1,6 2 538,-13 10 1,1 4 317,6 8 1,4 3 349,5-8 1,0 3 0,8 6 0,13 1 0</inkml:trace>
+  <inkml:trace contextRef="#ctx0" brushRef="#br0" timeOffset="83283">18700 9411 22830,'-15'-6'-2318,"11"0"-1695,-10 4 5322,14 0-2247,0 0 103,0 22 353,0-3 347,0 48-1372,0-13 1145,-2 5 0,4 2 410,5-18 0,2 1-567,-4 7 0,0 6 1,1-5 372,3-2 0,1-1-107,3 13 0,-1 2 136,-4-3 1,0-2-31,-1-15 1,2 0-744,1 2 1,0 3-1,-1-4 188,-5-6 0,0-2 667,7 9 1,-1-1 0,-3 9 0,0-5 0</inkml:trace>
+  <inkml:trace contextRef="#ctx0" brushRef="#br0" timeOffset="83533">18687 10101 22200,'-8'-11'-7097,"2"-1"4180,3-2 1777,1-12 984,2 5 137,19-28 722,8 17-75,0-1 1,3-1-1020,-3 12 1,0 0 685,7-9 0,0-1 49,-4 8 1,2 0 0,4-1-1,1 1 1,1-2 0,1 0-1</inkml:trace>
+  <inkml:trace contextRef="#ctx0" brushRef="#br0" timeOffset="86582">8338 13862 23549,'0'-18'-6475,"0"2"4796,0 4 615,0 51 515,0 11 246,0-12 0,0 3 196,0 10 0,0-1-121,0 16-919,-1-9 1,2 0 374,7-23 1,0-1 107,-6 10 0,0-1 621,13 15 1,-15-4-1,0-2 1</inkml:trace>
+  <inkml:trace contextRef="#ctx0" brushRef="#br0" timeOffset="86749">8053 14509 22560,'-4'-27'-7496,"0"0"5083,4-13 1742,26 9 2453,15-19-611,17 20-1003,-10 8 0,1 1 19,-15 8 0,1 2 0,14-3 0,1 2 0,-13 5 0,1-1 1</inkml:trace>
+  <inkml:trace contextRef="#ctx0" brushRef="#br0" timeOffset="87066">9023 14445 22020,'0'-13'-5756,"27"11"8127,7-34-1598,17 7 702,-3-7-895,-13-4-599,-3 14 309,-4-2-336,0-9 1392,-15 9-2153,0-16-132,-13 21-1118,-18-9-205,-7 19 1503,-23 3 209,8 7 474,0 20 1118,3 8 48,12 10-461,-6 18 481,20-19-595,4 4 0,7-1-1345,27 2-1119,-12-3 0,3-3 1678,32-5 0,-3 3 0,-9-15 0</inkml:trace>
+  <inkml:trace contextRef="#ctx0" brushRef="#br0" timeOffset="87435">9585 14174 23009,'-18'18'-245,"4"8"-1281,34 9-2157,-15 4 1834,29-8 1160,-30 1-223,24 14 30,-11-12-1269,11 14 273,-12-26 721,1 4 1339,-10-18-92,8-1 524,-7-28 353,5-11 170,-7-12-394,0 10 1,0-2 401,1-10-687,-1 8 1,-1-1 78,2 4 1,0 2 120,2-10-929,10 0 234,-8 42 1082,19 13-477,3 35-1973,-11-12 1,0 2 312,-6-1 0,-2-1 916,-2-1 0,-2-2 0,-4 0 0,0 1 0</inkml:trace>
+  <inkml:trace contextRef="#ctx0" brushRef="#br0" timeOffset="87667">8852 13915 22110,'24'-30'-563,"1"-1"0,8-8 780,14 3 0,4 3 648,4 5-436,-20 11 0,1 2-339,0 6 1,1 4-169,0 0 1,0 3 0,0 9 0,-1 5 0,-4 2 0,0-1 0</inkml:trace>
+  <inkml:trace contextRef="#ctx0" brushRef="#br0" timeOffset="88004">10925 13699 23279,'0'-22'-6385,"-24"3"4927,18 5-1240,-37 4 3987,18 4-339,-20 23 1107,5 13-1066,16 32-1870,9-7 931,25-12 1,6-1-1062,9 12 1140,8-6 0,5-2-722,-14-18 1,2-1 181,5 5 0,5 4 1,-4-5-1729,14 13 1303,-11-7 0,-4-3 99,-8-10 658,-11 6 155,-3-17 86,-32-1 2048,17-7-755,-45-2-639,27-2-509,-9-1 1,-3 0 0,-6 0 0,-15 0 0</inkml:trace>
+  <inkml:trace contextRef="#ctx0" brushRef="#br0" timeOffset="88465">11512 13945 21570,'0'29'-5866,"1"-1"3860,2-7 439,-1 3 800,2 3 7,5 18 281,-1-9 211,1-4 0,1 1-1905,4 5 1544,6 14-62,-6-17 255,-1-1-127,0-3 224,1 8 170,-5-12 102,0 10 155,-7-23 143,0 0 71,-19-10 2284,-8-22-1561,-22-10 115,9-13-529,-3-5-388,21 13 1,2-2-273,-10-23-181,11 3 0,1-3 185,7 20 0,2 1-1082,2-11 1,1-3 889,-2 0 0,6 2 144,12 12 1,5 0 589,2-22 1,5 3 211,4 25 0,3 3 496,12-13 1,-1 4 1463,11 4-1348,-18 16 1,0 3 1385,11 7-525,-4 4-708,-3 18-1294,6 16-751,-17 9-455,-11-2 1,-4 1-1273,-5 17 793,-13-3 0,-4 3-464,8-20 1,-2-1 1817,-20 13 1,-3 0 0,15-14 0,-1-1 0,-13 1 0,0 0-1</inkml:trace>
+  <inkml:trace contextRef="#ctx0" brushRef="#br0" timeOffset="89349">8350 15945 23099,'-16'-10'-3777,"-4"0"3069,17 3-2337,-5 1 3011,2 3 267,4 21-648,-5-2 661,7 24-1842,0-5 1382,0-1 1,0 2-533,0 21 1032,-1-3 0,2 0-653,10 10-55,-9-13 1,-1 0 181,10 4-982,-1 9 1022,-8-26 164,8-7-554,-10-5 662,4-4-425,-2-10 291,2-19 1207,-4-18-931,0-11-284,-16-28-362,13 18 595,-10 0 1,0-2-677,10-12 594,-2 6 0,0 0-78,5-6-562,-2 22 1,4-1 631,18-22 546,11 21 354,-3 11 1,4 5 1266,24 3-890,-13 11 1,1 2 725,15 3-1155,-20 11 0,1 2 405,16-4-828,-29 15 0,-1 3-886,25 1-40,-21 8 0,-2 5-1541,10 10 731,-15-4 1,-4 2-1298,-7 8 1545,-6-18 1,-4 0-398,-24 15 1230,17-2 450,-22-23 0,-3 0 1056,0 22-647,0-24 0,-4-1 667,-16 19-1144,12-15 0,-1-2 204,9-6 1,1-1 0,-8 3 0,0-3 0,-12 2-1</inkml:trace>
+  <inkml:trace contextRef="#ctx0" brushRef="#br0" timeOffset="89633">9690 15482 22740,'-21'43'-2367,"16"2"-355,-32-3 3736,33 8-1404,-12-22 0,-1 2 255,6 14 0,2 2-118,-1-10 0,-1 1 92,-4 25 0,0-1-417,7-24 1,0-2 404,-3 11 0,-1-2 278,-7 18-2291,7-3 2158,1-1 1,0-2 0,1-1 0</inkml:trace>
+  <inkml:trace contextRef="#ctx0" brushRef="#br0" timeOffset="90616">9842 16219 22740,'5'0'92,"0"0"87,-2 14-4157,2-11 2784,-2 22-273,3-5-92,-2 5 700,1 17-993,-1-14-32,0 9 102,-1-11 1923,0-4-763,-1 0 766,3-1 36,-4-7-183,3-2-487,-3-9 182,1-1 801,0-19-34,4-10 198,-2-9-333,4-6 475,4-12-68,0 10-147,-2 7 0,1 0 570,4-3-660,5-7 164,-5 22-11,-2 7 436,2 4 272,-2 8 473,1 3-249,1 3-453,7 17-1532,-4 9-663,14 23-312,-13-7 529,-2-13 1,1 0-1176,0 5-596,8 8 244,-10-16 374,0-4 1483,0-4 770,3-5 475,-4-1 160,8-7 749,-10-1-37,2-20 308,-5 12 839,-2-29-2090,-2 16 75,-2-29-902,-2 15-130,0-20-790,-2 24-133,0-11-208,0 23-897,0 17 1898,14 16-385,7 24 32,-2-7 670,10-6 0,1-2 210,-9-1-103,12-3 1,2-4 442,-6-9 157,22 0 536,-24-10 520,8 0 447,-14-22-395,-4 17 332,-2-41-1510,-4 11-255,-6-12-208,-2-15-797,-3 25-585,-17-18-773,13 27 317,-13-1-828,17 15 2022,-14 8 999,10 0-983,-10 21 2026,32 3-1505,-13 23 521,24-8-319,-26 1 115,22-9-264,-21-3-955,33 5 1763,-23-9-2648,28 7 2367,-23-18-73,12 4 365,-16-11 682,3 3-636,-9-3 1115,-4-17-1719,-1 1 292,-3-15-987,-1 7-441,0 25 14,29 11 181,-22 27-999,38-7-1408,-20 9 3028,10-19 1,2-1 0,-7-14 0</inkml:trace>
+  <inkml:trace contextRef="#ctx0" brushRef="#br0" timeOffset="90824">11917 15920 23459,'0'-7'-6115,"0"2"4436,-20 2 3274,-5 3-287,0 16 162,-9-12-602,31 29-1847,-21-7 837,21 9 301,-8 14-87,11-19-3921,19 23 3449,9-24 1,11 8-1,1-14 1</inkml:trace>
+  <inkml:trace contextRef="#ctx0" brushRef="#br0" timeOffset="91008">11558 16886 23999,'-9'9'-26,"1"-2"0,3-5 0,2 0 0</inkml:trace>
+  <inkml:trace contextRef="#ctx0" brushRef="#br0" timeOffset="98402">15998 13201 23189,'0'-4'-5486,"0"0"3628,0 1 793,0-1 427,0 0 212,0 2 122,0-1-14,0 2-1278,-12 0 2974,0 18-153,-14-12 705,0 39-981,4-28 861,3 25-945,11-15-285,3 1-265,5 1-1693,0 11 153,22-9-1065,9 21 945,13-22 667,-11-7 1,-1 0 248,9 1 537,14 3 294,-22-11 361,-3-3 200,-6-3 428,-6 0-279,-4-4-524,-7 2-1137,-2-4 640,-22 2 1491,-10-1-480,-9 0-1772,-21 0 584,22 0 335,-10-1 1,13-1-1,2-2 1</inkml:trace>
+  <inkml:trace contextRef="#ctx0" brushRef="#br0" timeOffset="98799">16665 13371 23279,'-20'-4'-1675,"15"1"-893,-31 1 3478,15 2-428,-14 0 68,3 16 326,15 1-641,-2 18-893,17-1-331,-4-5 909,31-3-1589,3-5 305,16-12 582,-5 1-413,11-10 1216,-12-15 1453,13 11 167,-19-31-603,-2 19 1159,-6-20-832,-1-2-1128,-8 10 86,-4-15-1534,-6 22-784,-5-3 256,0 32 267,0 10-577,0 30 961,0-6-953,18 20-796,4-24 2664,1 11 1,15-18 0,-11-3 0</inkml:trace>
+  <inkml:trace contextRef="#ctx0" brushRef="#br0" timeOffset="99218">17370 13322 22470,'0'13'-5846,"0"11"3717,0 15 1065,16 6-654,-12 14 1383,30-10-81,-24-8 0,-3 2 42,14 5-1898,-8 13 1874,-3-23-124,-7-4 464,7-4 82,-10-5 200,0-6 373,0-3-1690,0-7 1499,-20-28-368,2-18-175,-5-18-410,9-8 789,4 6-597,7-4 362,-7-3 63,8 18 0,4-1 147,6 14 0,1-1-114,-9-17 1,4 2 534,31 2 1309,-30-3-827,12 28 762,-4 9 219,-10 5-1099,19 6 579,-20 22-1999,13 8-165,-9 26-882,1-10 984,-3 2-1504,-4 2-483,0-12 2384,0 17 0,-15-27 0,-3 3 1</inkml:trace>
+  <inkml:trace contextRef="#ctx0" brushRef="#br0" timeOffset="99432">16442 12938 21121,'-5'32'-5188,"22"4"1112,-12-6 2552,45-1 1833,-24-8-78,29-2 0,-8-9 1,4-2-1</inkml:trace>
+  <inkml:trace contextRef="#ctx0" brushRef="#br0" timeOffset="99616">17338 12605 22200,'-23'-3'-1249,"-16"0"1315,15 2 217,-12 18 903,2 8-1863,20 25 285,1-6 0,13 5 0,0-10 0</inkml:trace>
+  <inkml:trace contextRef="#ctx0" brushRef="#br0" timeOffset="99866">18188 13123 23909,'1'-10'-5045,"0"3"3623,4 7 3376,1 0-566,5 0-642,15 0-213,-4 0-44,25 19-1347,-16 4 1041,11 13-279,3 11-2200,-11-17 169,-5-2 1,-2 0 1724,3 3 1,8 10 0,-16-15 0</inkml:trace>
+  <inkml:trace contextRef="#ctx0" brushRef="#br0" timeOffset="100056">18510 12865 22740,'-16'0'180,"-9"0"-180,7 25-589,-20 11 719,15 18-560,-1-11 0,-1 0 214,9-11 1,1 0-350,-6 13 0,1 0-327,5-9 0,2-2 751,-1 2 0,2 1 0,1-1 0,0 0 0,1 0 0,0 0 0</inkml:trace>
+  <inkml:trace contextRef="#ctx0" brushRef="#br0" timeOffset="100400">18812 13507 21300,'12'0'540,"2"0"-180,8-13 486,-3-7-1070,15-21-187,-17 5-110,11-22 161,-18 19-700,5-13 256,-9 15-213,-3 0-469,-2 1 601,-1-10-559,0 15 513,-16-10-676,12 25 592,-25 1 1181,26 35-166,-10 13 120,12-1 0,2 3-274,-1 22-27,10-16 0,0-1-1465,-6 10 1705,15-11 1,5-2-1,8 4 1,-4-16-1,0 0 1</inkml:trace>
+  <inkml:trace contextRef="#ctx0" brushRef="#br0" timeOffset="101066">19437 13020 23279,'1'18'-5369,"-1"-5"3085,0 50 1364,0-19 644,0-2 0,0 3-91,0 12 198,8-9 1,1 0-443,-5 8-338,10-21 1,0-2 352,-11 9 481,9-4-388,-2 14 295,-1-25-560,2 10 301,-2-31 1214,-8-23-273,2-17 400,-3-13-738,0-8 115,0 18 1,0-1 136,0-24-94,0 7 0,0-1 407,0-9-903,0 24 1,0 1 118,0-11 0,0 8 83,17 6 935,-13 8-564,26 6 1591,-27 6-1406,36 7 1547,-22 5 55,30 3-485,-22 22-1374,4-16 134,-8 37-1242,-5-23-1038,-1 20 737,-4 10-2237,-4-8 912,-3-7 0,-4 0-685,-17 6 3316,13 7 0,-34-19 1,12-1-1</inkml:trace>
+  <inkml:trace contextRef="#ctx0" brushRef="#br0" timeOffset="101300">18613 12724 22920,'23'-28'-77,"20"1"1831,-22 0-2217,24 1 1636,-9 1-771,5 1 13,2 1-68,1 3 393,17-5 224,-16 11-920,-10 5 0,0 2 658,1 3-1478,16 3-813,-28 20-1705,3-14 2635,-16 36 0,-3-24 0,-3 20 0</inkml:trace>
+  <inkml:trace contextRef="#ctx0" brushRef="#br0" timeOffset="101488">19642 12060 23819,'5'-16'-3861,"0"24"-450,-5 18 3139,0 18-521,0 14 1626,0-16 0,0 1 0,0-9 0,0 2 0,0 12 0,0 1 0</inkml:trace>
+  <inkml:trace contextRef="#ctx0" brushRef="#br0" timeOffset="101736">20568 12695 24359,'-34'0'90,"14"19"-59,0 11-1017,18 13-1240,-5 6 1019,7-6 9,0 3 300,0 5-1508,0-1-539,21 2 2573,-11-16 0,0 0 1,15 17-1,-18-20 1,0 0-1</inkml:trace>
+  <inkml:trace contextRef="#ctx0" brushRef="#br0" timeOffset="101882">20375 13016 22110,'22'-34'-1998,"-16"0"-869,46 2 4607,-26 1-2127,29-1 527,-22 9 1,-2 1 0,20-14 0,-18 13 0,0 1 0</inkml:trace>
+  <inkml:trace contextRef="#ctx0" brushRef="#br0" timeOffset="102460">20905 12293 22380,'-18'22'160,"-6"-18"1306,21 46-4434,-7-26 2373,9 10 1,2 3-937,-1 11 1090,-2-4 0,4 1-398,17 8-237,-16-17 0,-1-1-315,17 14-1298,1-1 1854,-16 1 248,29-4 404,-30 0 4,23-5-100,-12 11 234,1-19-257,1 11 354,-10-28-352,2-1 50,-2-34 1040,-5-9-547,-1-28 110,0 13 247,0-8 110,17 22 979,4 5 367,12 14 733,-13 34-3428,20 6 808,-22 14-299,14-8 0,4-2 267,1 4-161,2-3 1,2-4-899,4-13 318,-3-2 1,1-2-876,8-11 1959,-7 6 1,1-7 362,-4-22 0,-2-7 336,0 9 0,-3-3-314,-2-11 0,-6-6 0,-9 0 1,-7 0-167,-3-12-900,-3-12-659,-29 27-937,18 18-733,-32 4 1329,33 5-1198,-28 5 2765,18 24 312,-5 9 29,9 16-477,10 16 169,19-20-472,-15 13-994,34-17 1141,-33-3-3115,39-2 2889,-6 1 0,13-12 0,4 0 1</inkml:trace>
+  <inkml:trace contextRef="#ctx0" brushRef="#br0" timeOffset="102749">22423 12699 23099,'-37'-1'1188,"3"1"-690,15 16-101,-3-11 294,20 28-2570,-7-8 943,9 7-284,0 3-376,24 1-356,13-9 1365,-4-5 1,2-1-514,25 0 63,3 2 1799,-15-15-160,0-3 819,2-5-543,-16-7 0,1-1 1349,14 5-1315,-10-18 0,-2-4 421,-4 4-1060,-12-9 1,-6-4-306,-5-2-1299,-6-14-726,-31 13-930,1 1-641,-27 1 3332,2 4 1,-7 4-1,27 14 1,0 0 0</inkml:trace>
+  <inkml:trace contextRef="#ctx0" brushRef="#br0" timeOffset="103606">23788 12211 23909,'-36'17'2635,"0"14"-3254,16 11-1239,-6 12 1121,19-16 0,2 1-834,-7 24 1110,6-19 0,3 0-563,3 19-572,0 1 374,11-19 1,2 0-300,-11-11 0,2-1-258,17 21 0,3-3 1517,2 4 0,-13-22 0,-1-2 0,8 8 0</inkml:trace>
+  <inkml:trace contextRef="#ctx0" brushRef="#br0" timeOffset="103765">23563 12874 22380,'-11'-25'-9035,"-10"0"7604,18-11 516,-10 8 1157,40-2 1,13 0 1880,4-1-1606,-4 11 0,8-1 0,-3 3-124,-7 4 1,0 1-305,13-6 0,0 1 1,-13 6-1,0 1 1,-1-1-1,1 0 1</inkml:trace>
+  <inkml:trace contextRef="#ctx0" brushRef="#br0" timeOffset="104486">24565 12054 22380,'-33'0'-4,"13"23"-368,8-3-584,12 25-918,0 19 295,0-8 1092,0-18 0,0 3 105,-2 5 1,4-2-555,8-10 1,1 1-47,-3 22 0,2-1-739,13 5 877,-9-14 0,-2-1 323,4 0 290,-3-9 0,1-2-477,8-8-97,-6 7 451,-7-29 1294,-4-21 53,-1 12 723,-2-40-990,2 22 167,0-27-14,1 11-422,4-18 401,-4 15-1351,7-15 329,-7 30-689,4 0 1451,-3 18 550,5 19-1193,0-7-109,4 28 0,0 7-952,3-7 705,2 14 0,-1 2-728,3-8 728,-4-7 0,1-2-612,5 1-608,7 5 1364,-8-19 805,0-7 832,1-6 0,10-5 747,-7 0-31,14-23 437,-19-11-1965,-7 3 0,-3-1 438,-1-22-699,-3 2-425,-6 15-736,-2 4-743,0 2-89,0 1-187,-14 10 576,11 19 1863,-11 19 227,29 28-1727,3-4 637,0-13 1,0 0-97,0 5-120,16 9 354,-20-20 129,15-3-733,-8-10 153,7 5 1892,-7-13 697,12 6-458,-16-26 553,7-7-439,-15-11-543,1-1-704,-7 8-453,-2 0-388,-1 2-1138,0-4 642,0 7-521,0 25-636,24 15 847,-18 20 1156,22-12 0,3-1 0,-8 6 0,30 8 0</inkml:trace>
+  <inkml:trace contextRef="#ctx0" brushRef="#br0" timeOffset="104749">25350 12298 21750,'0'-11'-6385,"23"1"10437,0 4-2365,25 3-1273,-5 2-307,-17 17-1287,7-12 1124,-30 27-1652,16-10 1657,-17 8-3066,5 8 2785,-7-15 0,-19-4 0,-4-10 0</inkml:trace>
+  <inkml:trace contextRef="#ctx0" brushRef="#br0" timeOffset="104949">25867 11389 21750,'0'16'-5936,"0"34"3898,0 2 1506,0-1 0,0 1-1096,0 6 1442,-2-17 0,4-2 0,19 17 1,6-3-1</inkml:trace>
+  <inkml:trace contextRef="#ctx0" brushRef="#br0" timeOffset="105199">26718 11736 23909,'0'14'-3867,"0"13"1738,0 14 1065,0 9 426,0-5 302,0 5 32,0 6-14,0 2-468,-1-16 0,2 1 728,16 21-234,-9-10 0,0 0-821,12 6 358,-13-23 1,-2 1-445,2-4 0,-1-2-232,-3 14 1384,10 10 0,-13-24 0,0-2 1</inkml:trace>
+  <inkml:trace contextRef="#ctx0" brushRef="#br0" timeOffset="105632">26415 12547 22920,'0'-23'-6026,"0"3"3897,0 0 1065,24 1 3290,-17 1-2263,51 3 1672,-3-4-1012,-22 13 0,4 2-508,17-2 1,-1 0 1676,11 3-964,-7 3 0,-1-1 781,8 1-1770,-23 7 0,-1 0 657,8-3-1147,-6 10-522,-6 4 68,1 0-96,-14 3-298,1 15-418,-17-25 48,-1 22 399,-4-19-138,1 5 295,0-11 35,7 2 694,0-9 1648,16 0 658,-2-15 690,25-6 212,-16-10-760,10-3 326,-14 5-113,-4-2-640,-4-3-770,3-14-728,-10 13-664,-1-19-1002,-9 29 291,-3-3 705,-1 16-880,0 43 167,21-2 3,-15 26-479,19-29 0,2-3-426,-7 5 2270,26 7 1,-20-16 0,0-1 0</inkml:trace>
+  <inkml:trace contextRef="#ctx0" brushRef="#br0" timeOffset="105849">27467 11856 23279,'20'-20'1002,"-14"0"-3312,42 2 4521,-25 3-1326,24 2-49,-11 4-382,-2 4-272,10 3-100,-12 2-2379,12 17 2053,-24 16 1,-3 13 0,-12 10 0</inkml:trace>
+  <inkml:trace contextRef="#ctx0" brushRef="#br0" timeOffset="105999">27615 13170 23729,'0'0'0</inkml:trace>
+  <inkml:trace contextRef="#ctx0" brushRef="#br0" timeOffset="106667">28733 11603 24359,'0'-10'-6296,"0"0"5877,-14 5 1181,11 17-746,-11 16 352,28 34-1652,-10 0 932,3-24 1,1 0-1759,8 24 1611,-12 5 340,4-33 1,1 0-1196,-2 0 0,-2 0 64,-3 0 0,-1 0-256,5-1 0,1 0 1601,1 28 0,-6-3 1,6-5-1</inkml:trace>
+  <inkml:trace contextRef="#ctx0" brushRef="#br0" timeOffset="107020">28353 12011 23369,'0'-31'-6025,"21"7"8021,8-29-2031,-2 18 402,7-1 0,0-1 137,-8-10-508,4 14 1,2 0 448,0-15-877,0-2 1533,-2-1-923,-10 15 0,-2 0-39,8-17-405,-8 13 1,-2 2-398,-2 2-12,0-9-39,-11 29-27,0 26-727,-3 6 453,0 28 81,15 19-398,-11-6 741,10-3 1,3 1-427,-5-20 1,-1-1-366,5 12 1,1-1-98,-1-14 0,2-3 1479,11 28 1,0-4-1,3-2 1</inkml:trace>
+  <inkml:trace contextRef="#ctx0" brushRef="#br0" timeOffset="107408">29535 11743 21930,'55'-23'1604,"-19"9"1,0 1-430,10-6-805,-7 8 1,0 1-159,4 2-117,18 2-157,-36 22-1333,-2 13-50,-18 10-785,-5 8 1263,-8-13 0,-4-1-574,-25 19 1116,6-3 0,-3-2 146,6-19 0,-1-2 66,-7 18 0,3-1 1122,-5 1 579,7 10-104,6-25-220,23-3-1667,-10-4 246,12-5-1554,0-3-815,17-3 2630,12-4 1,21-3 0,7-3 0</inkml:trace>
+  <inkml:trace contextRef="#ctx0" brushRef="#br0" timeOffset="107650">29537 11923 23729,'0'31'-3957,"22"-12"2673,-17 7-565,41-13 3183,-24 14-2177,20-5 1142,-5 2-247,0 2-1264,1 1 1636,1 1-291,1 1 650,0 2-1824,1 0-226,-13-8 1,1 1-1300,14 11 2541,-14-12 0,-2-1 0,12 4 0,0-1 0</inkml:trace>
+  <inkml:trace contextRef="#ctx0" brushRef="#br0" timeOffset="107966">30677 11080 23369,'0'55'-5576,"0"-7"3538,0 7 973,0-5 337,12 6-277,-9 3 756,10 5-498,-5-16 0,-2 1-767,-5-12 1,2 0 543,9 12 0,-1-1 874,-8 16 0,16-5 1,-7-1-1</inkml:trace>
+  <inkml:trace contextRef="#ctx0" brushRef="#br0" timeOffset="108333">30587 11754 22830,'0'48'-5576,"0"-7"3537,20-2-83,-14-5 1395,14 0 347,-4 15-285,0-14 527,16 21-1459,-16-28 1849,11 9-600,-12-22 1015,10-2 210,-6-10 906,0-3 414,-3-18-105,13-15-347,-8-11-1177,-3 4 1,-1-3-33,-1-16-1089,-4 3 1,-3-2-182,-5 23 1,-1 0-418,1-12 0,-1 2 762,-2-13 1,0 4 0,-1 4 0</inkml:trace>
+  <inkml:trace contextRef="#ctx0" brushRef="#br0" timeOffset="109416">17807 14806 23279,'0'23'-6205,"0"-2"3986,0 34 1245,16-6-665,-12 11 1274,12-10 1,0 1 40,-14-11 0,0 1 207,10 13 1,2 1-1555,-5-2 0,-1-2 935,2-12 0,1-1 646,0 10 1,-1-1-1,2 8 1,0-3 0</inkml:trace>
+  <inkml:trace contextRef="#ctx0" brushRef="#br0" timeOffset="109583">17743 15480 22920,'-16'-44'-9042,"3"12"6087,5-14 2153,21 23 2470,18-8 100,11 16 335,9 1-741,-7 10-2160,8 2 2006,1 2-720,6 0 1,0 17 0,1 5 0</inkml:trace>
+  <inkml:trace contextRef="#ctx0" brushRef="#br0" timeOffset="109882">18437 15583 22470,'-11'4'3980,"27"-22"-5251,-4-8 642,10 1 0,1-2 280,1-14-274,14-1 596,-33 13-1150,25 2 1691,-27 1-2176,10-7 933,-13 9-408,0-8-434,0 18 540,0 0-422,0 11 1158,-14 0-49,10 18 584,-10 12-30,14 26-210,0-2 0,0-13 0,0-1-450,0 11-629,21 12-855,-15-24-1018,40-3 2916,-26-4 0,22-6 0,-10-2 0</inkml:trace>
+  <inkml:trace contextRef="#ctx0" brushRef="#br0" timeOffset="110236">19005 15280 23189,'0'-15'-6025,"0"23"3896,0 10 1298,9 13 1,3 3-802,12 13 1205,-3-8 1,1-2-189,0-3 426,7 16-1771,-17-26 1457,2 0 6,0-13 1150,-12-26 249,6-11 314,-8-17-824,6-4 434,-2 4 191,5-1 151,1-1-150,3 2-566,0 3 50,1 6-103,7 0 588,-4 17 381,15 2 734,-9 15-991,14 24-1050,-14-18 469,8 44-1970,-11-29-309,0 26-1121,-4-11 2302,5 15 1,-10-12 0,4 7 0</inkml:trace>
+  <inkml:trace contextRef="#ctx0" brushRef="#br0" timeOffset="110468">18372 14866 22380,'0'-26'-6296,"0"0"4078,29 3 4784,-22 0-2954,54 1 1400,-30 6 1,0 1 213,33-2-790,-17 6 0,-3 3-349,-4 6 12,22 21 0,-31 16 0,-11-7 0,-1 1 0</inkml:trace>
+  <inkml:trace contextRef="#ctx0" brushRef="#br0" timeOffset="110999">20365 15301 21930,'16'22'-6750,"-13"0"4264,24-2 2597,-24-2-1021,18 0 968,-18-3-585,13-1 569,-14 4-1798,4-3 507,-6 14 69,-24-6 1467,18 8 0,-38-5 0,18 1 1</inkml:trace>
+  <inkml:trace contextRef="#ctx0" brushRef="#br0" timeOffset="111586">21293 14715 22290,'-51'-3'-472,"11"20"1406,10-2 0,2 4-642,-3 26-918,14-7 1,2 1-663,5 12 641,4-17 1,6 1-93,12-1 1,4-3-1500,7 16 1351,11-12 0,5-3-1180,8-1 1388,-2-14 0,1-3 781,8-5 261,-5-13 0,0-3 1241,-5 3-303,-9-20 1,-6-6 776,-14 6-1438,-7-12 1,-3-1-467,-5-2-193,-19-22-1345,14 27-503,-30-2-77,18 12-573,-13 14 2042,14 37 730,5 2 200,11 35-365,17-12-143,-12 5-27,10-26 0,3 2-290,-5 14 1,-2 1 301,-1-12 1,1 1-716,9 23 1,0-1-105,-10-27 1,-1 0 286,7 18 0,-1-1 11,1 1 621,-9 10 189,-7-26 230,0-5-972,-24-5 1153,-5 0 0,-1-12 0,8-2 1</inkml:trace>
+  <inkml:trace contextRef="#ctx0" brushRef="#br0" timeOffset="111799">21983 14818 22200,'8'-3'3584,"-2"1"-2226,2 16-6432,-3-10 3131,6 40-315,-4-24 579,8 44 530,-4-27-435,-1-5 1,0 1-2599,3 3 3447,6 10 1,-5-20 0,1-1-1</inkml:trace>
+  <inkml:trace contextRef="#ctx0" brushRef="#br0" timeOffset="111972">21998 14465 23099,'-4'-29'-7711,"0"3"5250,4 6 1789,0 4 179,20 6 1058,5 3-399,25 27 1,-9-15 0,1 18-1</inkml:trace>
+  <inkml:trace contextRef="#ctx0" brushRef="#br0" timeOffset="112332">22668 14772 23549,'-42'0'900,"7"0"-810,4 0 90,17 15-430,-3 1 386,14 16-1805,-5-8 945,8 2-782,18-8-150,-13 1-305,29-1 1003,-30-2-961,33-1 1023,-32-4 239,35-2 1109,-17-5 772,13-2 208,-8-23 931,-13-3-1961,-8-23 297,-7 6-1561,0 8 1488,0 30-1728,17 17-140,-13 20-2354,33 14 226,-9-16 3143,10 9 1,0-16 0,-10-1 0</inkml:trace>
+  <inkml:trace contextRef="#ctx0" brushRef="#br0" timeOffset="112520">23388 13932 23999,'-31'-4'-955,"0"1"751,4 3 314,-1 15-25,2-11-144,8 21 1,0 6 0,-12-3 0,13 5 0,0-1 0</inkml:trace>
+  <inkml:trace contextRef="#ctx0" brushRef="#br0" timeOffset="113306">24112 14855 22020,'42'17'-2889,"0"-13"3372,-9 38-3301,4-20 2232,2 23-685,0-4 868,-14-7 0,-2 2-523,10 21-263,-14-17 0,-3 0-1359,0 19 2113,-4 3 0,-4-2 0,-1 0 0</inkml:trace>
+  <inkml:trace contextRef="#ctx0" brushRef="#br0" timeOffset="113650">25310 14335 23009,'-21'-11'-3867,"16"1"-453,-37 7 6000,16 0-702,-18 21 905,20 6-1463,-6 26-576,27-7-1215,9 21 447,-1-23 851,17-14 0,5-2-1253,2 14 659,-1-21 0,3-1-1051,18 18 1187,-12-14 1,0 0 81,15 8 744,-11-8 0,-2-2 948,-4-1 705,-4 0-1368,-12-11 183,-17-1-2109,8-3 1154,-35 0-45,-6-2 248,-28-16-2,15 11 0,14-26 0,17 10 0</inkml:trace>
+  <inkml:trace contextRef="#ctx0" brushRef="#br0" timeOffset="113936">26125 14339 22470,'10'0'809,"-3"13"-6447,-4 3 3175,-19 1 4020,13 13-2143,-13-6 1210,16 8-1272,26 6-1251,-20-18-214,52 3 3529,-10-14 222,16-3-1620,-20-3 0,-1-3 1368,6-18-849,-12 7 0,-2 0 1684,-2-12-18,2-17-189,-25 23-1843,-5-20-1186,-5 10-421,0 0-378,-20 1-1406,15 0 2750,-52-6 0,34 11 0,-32-5 0</inkml:trace>
+  <inkml:trace contextRef="#ctx0" brushRef="#br0" timeOffset="114166">26193 13912 22200,'28'-31'21,"0"0"137,1 3-26,0 1 78,-2 4 85,-2 3-86,2 2 250,-9 8-66,4 3 410,-13 7-539,3 20-2909,-3-15 523,1 35 1537,1-23 0,-1 18 0,1-8 0</inkml:trace>
+  <inkml:trace contextRef="#ctx0" brushRef="#br0" timeOffset="114338">26903 13433 20941,'7'19'-8941,"-1"-15"8460,-2 41-605,0-21 936,3 23 1,0 7 0,5 8 0,-3-9 0,0 0 0</inkml:trace>
+  <inkml:trace contextRef="#ctx0" brushRef="#br0" timeOffset="114715">27773 14532 23369,'0'-51'-5576,"0"6"3538,20-3 2594,-15 4-1150,41-3 1914,-27-7-1151,1 27 0,2 0 418,8-33-890,-16 31 1,1-3 743,4-14 1,-2-2-147,-8 12 0,-1-2-442,8-24 1,0-1 229,-12 27 0,0 0-623,2-9 1,1-1 156,-4 7 1,-1 3-818,-2-14 208,0-11 109,-16 41 101,-2 21 2131,-15 57-709,3 0-409,15 2 0,4 3-153,3-26 0,1 0-9,1 28 1,3 1-27,2-27 1,2-1-195,11 10 0,1-1-531,-7 14-868,18-33 1,1 0-165,-19 21 709,19-26 1,4-1 229,-5 15-625,26-5 1540,-10-7 0,0-6 1,1-5-1</inkml:trace>
+  <inkml:trace contextRef="#ctx0" brushRef="#br0" timeOffset="115070">28617 14034 22830,'0'37'-6296,"0"-7"4167,0 1 1155,17-7-154,-12 2 406,27-2 888,-29-1-652,28-2-669,-27-3 738,28-3 977,-19-2-508,13-7 1180,-4-3 106,-1-3-414,13 0 970,-10-23-643,17-6 1112,-19-14-1476,7-12 277,-15 22-1381,-1-10-454,-7 9-591,-3 19 165,-1-12-385,0 25 1275,2 10-1263,2 17-166,13 36-440,-6-17 1867,3-9 0,2-3 0,5-3 0,8 6 0</inkml:trace>
+  <inkml:trace contextRef="#ctx0" brushRef="#br0" timeOffset="115366">29542 13926 22830,'-33'-3'-286,"1"1"118,17 22-112,-6-15 1181,19 34-2837,-7-23 1679,9 19-1018,0-10-322,19 12-373,5-11 521,25 10 595,-23-18-749,33-2 2641,-40-10-1126,31-3 1562,-37-18 56,6 12 922,-18-29-2263,5 6-194,-24-21-1245,14 7-744,-30 2 111,30 13-806,-30 2 2364,29 1 0,-27 3 0,15 2 0</inkml:trace>
+  <inkml:trace contextRef="#ctx0" brushRef="#br0" timeOffset="115750">30015 13850 22740,'6'17'-8367,"-1"7"6138,6 1 507,-4-1 917,12 19 75,-9-23 328,11 15 230,-10-17-1759,8 7 2004,-12-15-604,3 0 691,-5-8 759,2-1 811,2-1 162,10-17 196,-3-9-397,21-25 285,-15 6-1013,0 13 1,-1 1 142,0-5-808,5-6-716,-12 20 5,-4 11 102,-3-4 157,-1 13 1067,-5 10-2222,2 16-42,-3 22 390,0-6-131,0 3-451,21-2-1145,-15-11 2537,35 4 1,-23-22 0,17-5 0</inkml:trace>
+  <inkml:trace contextRef="#ctx0" brushRef="#br0" timeOffset="116100">30865 13685 22920,'-13'-5'-2630,"9"21"310,-9 8 2332,13 13-1399,0-2 163,0-7 478,21 9-173,-15-10-1059,30 5 1142,-16-15 724,-1-3-552,12-7 1828,-14-1-8,10-25 1455,-7-5-194,-10-23-1173,-5 10-1112,-5-6-58,0 16-394,0 29-844,0 22 278,0 24-182,6-11 1,2 1-649,-5 10 673,5-5 1,-2 0-757,-6 5 450,0 11 1506,0-23 0,-23-5 0,-5-2 0</inkml:trace>
+  <inkml:trace contextRef="#ctx0" brushRef="#br0" timeOffset="116349">29333 13622 22470,'20'-10'2293,"-15"1"-4763,36 4 3012,-22 1 17,15 4-1259,-18 18 1,-6 11 0,-10 20 0</inkml:trace>
+  <inkml:trace contextRef="#ctx0" brushRef="#br0" timeOffset="116582">28993 13699 21840,'19'19'-6221,"-7"8"1348,-6 13 4677,-6 4 0,0-5 0,0 4 0</inkml:trace>
+  <inkml:trace contextRef="#ctx0" brushRef="#br0" timeOffset="119858">29890 14635 24539,'-23'0'8228,"9"-8"-10829,2 5 2662,9-5-3041,-4 8 2858,3 0 293,1 0 0,1 0 0,2 0 0</inkml:trace>
+  <inkml:trace contextRef="#ctx0" brushRef="#br0" timeOffset="121533">3212 17311 22740,'0'-8'-6206,"0"-1"4167,0 2 1065,0 3 426,0-2 212,20 5 1995,3-2-240,11 3-1329,-3 0 1506,-4 15-901,-8 1-336,2 2-153,-10 7-902,-6-6-1561,-1 19 351,-4-8 310,-23 15 801,18-17 580,-34 20 1274,20-22-20,-1 6 752,4-14 168,4-3-473,9-2-944,-9 2-248,32-3-50,10 9-1237,13-8 879,-7 2 1,0 0-185,13 6-4,-15-7 1,1 2 26,1 1 0,-3 0 491,17 11-520,-14-6 0,-2 0 217,-4 2 61,1 5-806,-21-12-373,-6 0-207,-24 7 2049,15-7-753,-46 5 1270,1 0-646,18-14 0,-3-1-774,-14 3 1,0-2 594,-13-2 1,22-3-1,1-2 1,-14-1-1</inkml:trace>
+  <inkml:trace contextRef="#ctx0" brushRef="#br0" timeOffset="122132">3215 16749 21390,'-50'-5'-355,"-1"2"365,-5 1 215,-3 2-75,-4 20 819,-3-16-649,18 27 1,0 6-177,11-22 1,-1 3-35,-2 14 1,-3 7-1,4-2-19,5-5 1,3 1-97,-11 14 1,4 0-149,14-11 0,4 0-170,2 1 1,2 1-389,1-1 1,3 0-72,3 1 0,2-1-19,2-1 0,2 0 103,0-1 1,3 0-30,6 11 0,7-1-265,4-12 0,5-1 363,15 21 0,7-4 300,-5-20 0,2-4 268,8 9 1,-1-2 110,-8-12 1,0-2 242,3 0 1,2-2 132,0-1 1,2-1 85,-1-3 1,3 0 0,-2-2 503,7 1 0,2-2-440,4-1 1,4-1 0,-4-1 143,-7-2 1,1-1-334,2 0 0,6 0 0,-7-4 237,-7-7 0,1-3-106,11 0 0,7-1 1,-8-2 185,-14-6 0,-1-2-278,8 0 1,4-2-1,-7 2 73,-15 4 0,-4-2-207,18-14 1,-3-2-46,-2-10-378,-12-4 1,-6-3-727,-8-6 3,-5-1 0,-6 0-1233,-26-2 712,6 6 1,-3-1-110,-2 24 1,-4-1 723,1-4 0,-3-4 0,2 4-300,0 2 1,0 2 232,-10-11 1,-3 0-160,-2 2 1,-1 3 463,8 12 1,-2 1 5,-5-1 0,-5-1 0,3 6 683,1 5 1,1 4 109,-16-4 0,1 4 0,13 9 0,1 3 0,-1 1 0,-1 0 0</inkml:trace>
+  <inkml:trace contextRef="#ctx0" brushRef="#br0" timeOffset="122982">5812 17505 24179,'-17'-33'-7849,"12"3"5731,-24 4 2017,27 3-771,-10 6 436,2 6 195,8 23 568,-8 4-847,10 44 1066,19-12-642,-18-12 1,2 1-228,15-5 1,-1-1-112,-15 2 0,0 0-314,14 1 0,1 2-596,-5 12 0,-2 0 1190,1-11 1,0-2 0,4 10 0,0-2 0,-1 12-1</inkml:trace>
+  <inkml:trace contextRef="#ctx0" brushRef="#br0" timeOffset="123118">5733 18196 22470,'-12'-44'-8449,"9"0"6660,-10 9-153,13-3 2126,10 7 1,7-1 921,24-17-544,-3 6 0,4 1-251,-7 17 1,1 1-273,15-16 0,-2 2 1,-18 16-1,0 3 0,8-8 1,1 1-1</inkml:trace>
+  <inkml:trace contextRef="#ctx0" brushRef="#br0" timeOffset="123872">6260 17192 21930,'-25'-10'-3051,"-4"1"2462,27 3-2400,-14 2 3689,15 18-1159,15 17-1052,-9 10 895,21-4 0,3 2-1205,-9 15 1099,5-16 1,0 0-500,4 18 1325,0-1-1721,-1-2 1246,-9-18 0,-1 0 460,7 16 0,-4-11 1,-1-2-407,-3 1 347,7 5-247,-13-21 184,-1-6 97,-3-4-232,0-6 516,-3-3 310,2-4 1108,5-23-310,1 17-635,0-25 1,-1-5 383,8 8-506,-7-4 1,0 0 487,6-6-371,1 3-20,-2 4-1231,1 4 751,-5 6-228,2 10 1194,4-4-328,-2 13 184,13-6 98,-10 25-1957,7-13 1037,4 31-1377,-6-9-76,18 18-625,-17-7-306,19-5 636,-18-9-377,19-12 2582,-18-1-1173,7-10 2023,-6 0-10,-9-21-78,6-5 265,-15-12-1459,-2-10-4,-6 20-1312,-3-7 0,0 15-622,0 0 1,0 29 104,0 4 58,16 21 282,-12 0 532,31-8 788,-31 0-513,39-2 1023,-11 4-553,13-15 1010,16 7-170,-25-18 1145,25 4-474,-27-22 711,19-5 401,-31-22-1853,7-6 273,-25 7-1546,0-10-359,-4 22-775,-17-11-605,13 22-538,-13-1 230,6 14 2157,9 19-373,-9 11 1221,11 11-718,20 1-887,0 8-78,4-10 178,11 10 1003,-6-9 1,11-13-1,2 3 1</inkml:trace>
+  <inkml:trace contextRef="#ctx0" brushRef="#br0" timeOffset="124087">8332 17564 23279,'0'-13'-5576,"-19"1"4804,0 0 473,-4 5 795,-7 1 217,12 4 52,-9 17 473,11 3-1433,8 20 609,8-7-889,0 2-65,23 0-701,5-8-1453,26 12 917,-14-19 1445,10 5 0,-32-16 1,4 1-1</inkml:trace>
+  <inkml:trace contextRef="#ctx0" brushRef="#br0" timeOffset="124315">7355 17236 22560,'-4'-19'-7945,"1"1"5576,21-7 4206,-13 7-1952,34-7 1998,-4 6-386,9 6-1928,-10 7 1,0 1 306,7 2 0,12 25 0,-17 6 1</inkml:trace>
+  <inkml:trace contextRef="#ctx0" brushRef="#br0" timeOffset="124466">7712 18042 22650,'0'7'-6386,"0"-2"6660,0-1 0,24-3 0,7 1 0</inkml:trace>
+  <inkml:trace contextRef="#ctx0" brushRef="#br0" timeOffset="125148">9347 17092 23729,'0'-20'-6385,"0"3"4706,0 6 704,0 29 152,16 13 0,3 5 307,-14-3 1,-1 2 254,12 7 1,5 6-1,-2-5-68,-7-6 1,-2 0-706,1 13 1,2 0 699,4-16 1,-3-2-320,-10 29 540,20-4 58,-16 9 473,6-21-403,-5 12 386,-5-33-419,0 1-101,-2-18-93,2-1-280,-2-6 2504,3-14-1260,5-9 718,1-9-466,12-17 76,-7 14 106,15-21 386,-13 27 20,4 2-1744,-8 9 946,-2 16 393,1-7 219,0 9-672,-1 0 13,2 23-2046,8 6 9,-5 12-772,15 13 415,-13-23-737,13 20 88,-12-24 497,5 2 102,3-12 2657,-6-9 53,17-2 980,-16-6 23,6-19 338,-9 14 77,-4-36-1410,6 8 259,-8-9-966,2-1-235,-8 4-956,-4 14-298,-1-5-92,-2 15-787,0 7 1708,4 23-1375,7 12 513,1 13-75,16 17 416,-8-17-172,-1-7 1,0 0-1076,7 5 2068,7 8 1,-8-21-1,1-2 1</inkml:trace>
+  <inkml:trace contextRef="#ctx0" brushRef="#br0" timeOffset="125322">10290 17370 23189,'-5'-25'-8014,"4"2"6047,-5-2 457,6 8 2334,19 2 0,3 11 0,19 2 0</inkml:trace>
+  <inkml:trace contextRef="#ctx0" brushRef="#br0" timeOffset="125666">10855 17957 22830,'14'0'1349,"-1"0"-899,4 0-181,-2-15-209,6 11 503,-2-25-1199,0 25 1024,-2-30-1164,0 10 400,-7-9-741,-2-10-129,-6 17-312,-2-8-389,-19 11 792,15 1-1297,-34 2 2126,33 1-1463,-35 4 2119,35 3-1447,-35 5 2409,23 3-153,-5 19 911,8 10-585,14 9-2139,0 4 1153,20-6-1781,-16 0 1688,37 1-1354,-35 0-147,23-11 0,4-1-1113,-9 10 1008,11-8 1,2-3 1217,-1-1 0,10 1 401,-14-14 1,-1-3 0,-1-3 0</inkml:trace>
+  <inkml:trace contextRef="#ctx0" brushRef="#br0" timeOffset="126000">11400 17876 23549,'4'-20'-4109,"0"-8"2579,-2 20 1302,0 15-1673,-2 9 1352,17 7-144,-12 13 140,27-20-219,-28 15 151,27-3 518,-11-15 80,13 12 780,-5-18 348,1 5-42,-12-8 294,4-4-494,-6-22 512,-1 16 985,1-39-1572,6 11 406,-6-8-1186,10-16 9,-14 28-329,8-11-462,-12 27 623,5-6-1111,-1 19 2484,0-5-21,9 6-267,-4 19-2069,14 2 447,-12 2-2539,12 22 444,-17-26 18,3 24 2179,-10-20 1,-2 0 0,-2-1 0</inkml:trace>
+  <inkml:trace contextRef="#ctx0" brushRef="#br0" timeOffset="126215">10698 17473 23369,'0'-40'-6385,"23"2"7097,-17 3-1951,33-10 2279,-19 16-1040,17-9-769,-15 27 1070,8 0 1,-27 11-1,11 0 1</inkml:trace>
+  <inkml:trace contextRef="#ctx0" brushRef="#br0" timeOffset="126399">10900 18564 24089,'34'-17'1400,"-5"13"-2898,-2-14 1638,-4 3 0,2 11 1,2-11-1</inkml:trace>
+  <inkml:trace contextRef="#ctx0" brushRef="#br0" timeOffset="126966">12547 17689 24539,'6'-10'-836,"-1"2"-213,2 2 2394,2 3 233,2 2-1065,5 1-337,0 20-2003,3-15 1073,-2 29 0,1 6-1155,7-9 1237,-3 14 1,-3 3-1751,0-4 912,-5-8 1,-1-1-1067,0 6 356,4 6 1882,-10-20-206,-1-5 728,-1-6-345,0-2 81,-1-7-5,-18-22 735,-3-10-667,-3-14-71,-10-2 205,27 3-246,-11 6 1,-1-2 26,2-23 225,4 2 1,2-2-36,1 19 1,2 1-128,4-15 1,0 0 175,-1 12 1,2 2 305,8-1 1,-1-1-248,-7 1 0,3-1 387,21-13 1,4 0 159,-17 15 0,1 1 54,23-17 0,3 5 779,1 6-667,-7 19 1,1 5 1176,3 9-1414,-3 28 0,-2 9-597,-5 7-539,-5 15 0,-4 3-997,-11 6 860,-1-8 1,-5-1-743,-21 8 794,7-13 0,-3-1-1443,-25 3 1390,20-19 1,-1-1-390,-28 14 1621,11-17 0,-12 1 0,16-15 0</inkml:trace>
+  <inkml:trace contextRef="#ctx0" brushRef="#br0" timeOffset="127366">13238 16594 21930,'18'-8'3286,"0"2"-2339,-4 5-869,1 19-3248,-1-13 2639,1 43-1705,0-20 715,1 29 509,-5-18 1,-1 1-1737,5 25 1459,-3-5 1,-1 0 184,-5-24 1,-1-1 1013,3 13 1,-1-2-1179,4 13 1504,-1-1-99,-1-6 19,0-4 15,-1-6-53,-1-7-149,1 3 16,-4-16-72,2 2 8,-3-17-323,-1-2 82,1-5 2165,1 0 130,5-19-797,1-4 9,12-24 95,-5 12 17,16 0 822,-12 10-73,7 13-1391,1 0 73,-7 12 65,16 38-1513,-17-12 13,-1 12 1,-1 3-874,3 5 316,-6-16 1,0 1-1435,8 12-1121,1-2 3212,6-3 0,0-6 0,3-1 1</inkml:trace>
+  <inkml:trace contextRef="#ctx0" brushRef="#br0" timeOffset="127750">14420 17367 23369,'-18'-10'-3846,"14"3"-182,-28 2 5432,18 3-509,-3 18 99,-2-12 148,17 33-2168,-7-5 52,9 11 362,0 15 1018,21-24-2028,-1 15-405,5-25 550,5 4-404,-12-18 2402,12-2-71,-3-8 1236,-7-24-294,-8-5-121,-1-14 333,-10 3-1199,2 8 244,0 1-791,-3 0-894,2 4-402,-2 3 46,0 5 710,0 2 219,0 25 329,0 10-95,0 18 92,18 6-774,-13-7 54,26 2-1066,-15 15 263,0-13 1535,9 18 0,-10-30 0,13 5 0</inkml:trace>
+  <inkml:trace contextRef="#ctx0" brushRef="#br0" timeOffset="128116">14732 17485 23189,'0'-14'-6295,"0"2"4166,0 27 1155,24 6 729,-18 27-575,31-3 338,-21-7-489,6-7-993,3-12 2201,-11 0-1103,5-10 1528,-9 1-779,5-10 1960,-5-16-520,6-11 499,-4-8-926,2-9 486,3-9 166,-3 8-1217,-2 8 1,1 1 626,1-4-1592,10-16 347,-11 34 270,4 2 811,-4 16 823,2 4-613,0 0-12,13 16-946,-6 7-1038,19 24-490,-16-6-752,7 5-638,-9-12-1047,-2-1 3438,1 0 0,-2-4 0,-1-1 0</inkml:trace>
+  <inkml:trace contextRef="#ctx0" brushRef="#br0" timeOffset="128349">14287 16815 23639,'20'-37'-2329,"-14"2"-387,34 4 4433,-35 1-3066,55 1 2833,-36 10-1178,11 10 0,1 3-988,0 3 462,8 19 1,-14 3-1,0 16 1</inkml:trace>
+  <inkml:trace contextRef="#ctx0" brushRef="#br0" timeOffset="128666">16620 16802 25168,'-19'-31'-7993,"5"3"5260,14 1 2311,19 30 2199,6 21-2164,-1 23 2,-2-17 1,-3 2-364,-14 25-584,14-9 0,2 1 835,-10-11 1,-1 1-121,2 4 0,0 4 0,-1-4-226,0-5 1,-3-2 554,0 11 0,-4-2 1,-4 11-1,0-4 1</inkml:trace>
+  <inkml:trace contextRef="#ctx0" brushRef="#br0" timeOffset="129000">16492 17306 22200,'27'-34'-1153,"-20"0"-1690,48 6 4930,-27 1-1723,27 5 955,-6 3-462,4 7-672,-14 8 0,1 1 54,22-1-71,-11 14 0,-1 2 591,6-7-1231,-13 15 0,0 3-465,4 5 7,-18-11 1,-1 2-790,7 16 191,-6-13 669,-4-10 1615,0 9-1383,-11-12-22,-1 4 180,-10-24 327,-21-17-723,13-29 649,-13 6-335,9 12 1,3 0-741,2-7 246,-11-16-693,15 24 1063,0 3-2258,40-8 3523,-16 20 1,34-2 0,-26 22 0</inkml:trace>
+  <inkml:trace contextRef="#ctx0" brushRef="#br0" timeOffset="129398">18193 17216 23459,'-18'-24'-6349,"13"-11"4148,-35 31 4073,11-27-2810,2 18 1217,-17-5 56,26 9-188,-13 32 64,16 27 539,7 3-608,15-12 0,6-2-2085,12 0 1720,-1-9 0,3-2-482,12-1 472,-5-11 1,-1-3 448,1-3-958,29-4 1608,-37-26 998,14-13 509,-21-10-1852,-5 9 0,-3 0 198,-2-10-145,0-15-788,-6 20-729,-3 4-439,0 6-417,0 0 142,0 12 886,0 18 38,0 22 327,16 13-918,-12 7 34,25-6 102,-25 2-1778,26 15 2909,-6-15 1,10 8-1,2-20 1</inkml:trace>
+  <inkml:trace contextRef="#ctx0" brushRef="#br0" timeOffset="129750">18852 17080 23909,'0'-11'-5936,"0"24"3718,0 10 1243,0 16 247,0 3 392,18-8-518,-1 17 84,4-15-1258,2 20 1313,-10-30 130,0 1-437,3-16 1373,-11-6-276,3-1 1180,-3-27-140,3-9-280,-2-15 137,7-4 93,-3 9 54,3-5-1047,-1 1 276,8-17-537,-8 19 322,11-14 93,-13 40 540,11-1 411,-8 19-37,5 26-2027,-2-4-74,0 24-543,3-6 86,-4-9 1,2 0-984,12 18 2180,-9-18 1,3-2-1,16 7 1,4-3-1</inkml:trace>
+  <inkml:trace contextRef="#ctx0" brushRef="#br0" timeOffset="130166">20043 16969 22830,'-17'-12'-4543,"-2"5"4243,-2 21 2172,7 13-2289,14 11-1042,0 0 353,20-7-86,-15 0-724,36 10 1542,-10-11-437,10 4-882,1-14 1481,-14-5 956,0-7 276,-2 2 155,-4-9 634,-3 4-775,2-23 643,-8 13 647,-2-47-2358,-8 31-166,-3-38-1000,0 32 656,0-8-944,0 48 480,0 22-494,0 24 469,-1-22 0,2 1 637,10-6 1,1-1 99,-10 3 1,2 0 7,17 2 1,0-1-26,-19-1 0,0 1 24,17-1 0,-1-1-195,-13 29 368,12-24 1,1 0-520,-6 14 625,-3-15 1,0-1-154,-1-3-726,-25 12 816,-22-27 1042,-10 0-514,16-14 0,-1-3 0,-25 0 1,-5-1-1</inkml:trace>
+</inkml:ink>
+</file>
+
+<file path=ppt/ink/ink19.xml><?xml version="1.0" encoding="utf-8"?>
+<inkml:ink xmlns:inkml="http://www.w3.org/2003/InkML">
+  <inkml:definitions>
+    <inkml:context xml:id="ctx0">
+      <inkml:inkSource xml:id="inkSrc0">
+        <inkml:traceFormat>
+          <inkml:channel name="X" type="integer" min="-2.14748E9" max="2.14748E9" units="cm"/>
+          <inkml:channel name="Y" type="integer" min="-2.14748E9" max="2.14748E9" units="cm"/>
+          <inkml:channel name="F" type="integer" max="32767" units="dev"/>
+        </inkml:traceFormat>
+        <inkml:channelProperties>
+          <inkml:channelProperty channel="X" name="resolution" value="1000" units="1/cm"/>
+          <inkml:channelProperty channel="Y" name="resolution" value="1000" units="1/cm"/>
+          <inkml:channelProperty channel="F" name="resolution" value="0" units="1/dev"/>
+        </inkml:channelProperties>
+      </inkml:inkSource>
+      <inkml:timestamp xml:id="ts0" timeString="2021-07-17T06:00:26.505"/>
+    </inkml:context>
+    <inkml:brush xml:id="br0">
+      <inkml:brushProperty name="width" value="0.12095" units="cm"/>
+      <inkml:brushProperty name="height" value="0.12095" units="cm"/>
+      <inkml:brushProperty name="color" value="#FF0000"/>
+    </inkml:brush>
+  </inkml:definitions>
+  <inkml:trace contextRef="#ctx0" brushRef="#br0">3767 1096 26338,'-30'-19'-3909,"-12"3"3819,19 9 324,0 38 364,-8 10-731,28-1 1,3 5-332,-5 1 0,-2 2 134,2 8 1,1 3-181,3-15 0,1 2 0,-1 0 448,-2 4 1,0 0-1,0 1-224,3 2 0,0 0 0,0 4 36,0 2 0,-1 4 0,1 1 1,1-4-222,5 3 1,2-3-1,-1 6 300,-2-8 1,0 7-1,-1 2 1,2-3 0,-1-7 50,3 2 0,1-5 0,0 4 15,-1-8 1,1 6-1,0 0 1,-1-1 0,1-7-42,0-1 0,0-6 0,1 4 94,2 6 0,2 4 0,0-1 0,-1-9-312,1-4 1,0-4 77,4 19 0,-3-20-378,-13-37 2942,6-50-2205,-21 17 0,-2-3-104,12-19 1,-1-3-97,-25 1 1,-1-1 83,19 13 1,4-2 0,-2-1 31,-7-2 0,-2-2 0,0-4 55,6 8 0,1-5 0,1-3 0,0 2 0,0 2 56,1-1 1,0 4 0,1-2 0,0-5-507,1 0 0,-1-6 1,0-2-1,1-1 1,1 3-1,1 6 417,0 1 1,1 5-1,2 0 1,0-4 61,3 3 1,1-6 0,1-1-1,1 0 1,0 3 0,0 6 145,3-11 1,0 7-1,3-2 33,0 6 1,1-2 0,3 1 0,2 4 173,6-2 0,4 3 0,-1 4 378,3-2 0,3 3-258,4 6 0,5 0 0,-2 7 599,-5 11 1,2 5 24,22-5 0,-1 9 538,8 27-1234,-24-9 0,-3 3-60,7 36-1190,-9 3 57,-21-20 0,-3 3-278,-2 24 0,-7 3 115,-10-11 0,-7 3 445,3-8 1,-2 4 0,-1 1-1,-3-5 130,-5-4 1,-3-5 0,0 3 307,-5 11 1,0 3-1,-1-4 168,-5 2 0,-1-4 503,0 0 1,-1-1 176,4-4 1,-1 0-259,6-7 0,-1 1 1,2-2-73,-1 3 0,2-1-264,-12 20 1,6-2-572,11 0-765,9-13 1,8 0-961,29 2-1153,2 9-207,28-19 3299,4-5 1,-23-14 0,2-1 0,2-1 0,1 1 0</inkml:trace>
+  <inkml:trace contextRef="#ctx0" brushRef="#br0" timeOffset="335">5148 2447 25438,'-47'-17'-2253,"1"2"1565,9 6 895,-2-3-493,-2 10 801,-14-5-329,11 23 348,12-4 0,1 4 5,0 22-400,12-4 1,3 1-305,5 15-355,16-4 1,2 1-683,-2 11 190,15-21 0,7-1 111,-5-4 0,2-3-228,4-8 0,5-3 324,10 5 0,0-4 390,10-6 661,-11-6 0,-2-8 1232,6-26 745,4 3 503,-23-27-1529,-9 8-612,-9-5-878,-5 13 0,-2 0-662,-2-18-380,-10 10 1,-7 3-1705,-19 3 1222,4 13 0,-4 6 1562,-19 6 1,2 6 0,18 6 0</inkml:trace>
+  <inkml:trace contextRef="#ctx0" brushRef="#br0" timeOffset="1094">5567 2493 25348,'2'44'-6789,"1"0"4564,-3-8 1308,16 6-706,-12 3 1214,29 2 10,-28-1 189,33-2-1465,-20-5 1501,8-15 1,3-2 430,11 6-180,-4-14 1,2-3 1621,11-5-815,-16-12 1,-1-4 1576,13-10-6,-1-18-710,-5-3-881,-14 4 1,-2-1-219,-7 8 1,-2-2-72,7-22 0,-2 0-814,-5-6-336,-6 22 1,-1 2-1150,0-2-206,-4 8 579,0 11 320,-3 31-61,0 6 417,0 27 266,10-12 0,2 1-681,-7 22 584,17-17 1,3 0-118,-2 18 214,0-29 1,3-1 120,19 22-55,-7-20 1,4-2 321,-11-8 0,2-3-20,27 2 1,2-5 778,-26-6 1,1-6-48,10-14 0,6-8 0,-7-1 554,-8 4 0,-3-5-535,6-15 0,1-9 1,-7 2-127,-10 6 0,-6-3-215,-1-9 0,0-6 0,-4 4-71,-3 2 0,-3-2-52,-2-5 0,-1-7 0,-1 7-472,-1 5 0,-2 1-186,0-8 1,-1-5-1,0 8-647,0 18 0,0 2 514,0-21 0,0 9-294,0 28 147,0 34 229,0 39 368,-1-17 0,2 1-36,7 7 0,4 3-75,-3 12 1,1 1-36,2-13 1,0 2 70,2 5 1,2 5 0,-3-4-166,-5-7 0,1 0-182,6 2 1,5 4 0,-3-6-217,-4-8 1,-1-1 83,5 9 1,-1-2-606,4 4-518,-3-8 452,-5-11-297,-4-11 1024,-23-9 3039,11-33-1512,-48 0 273,24-14 1,-1-3-559,-5 12 0,-4 0 179,-3-12 0,-1-2 363,-4-5 1,1 1-522,12 11 1,-1 0-307,1 0 1,-3-3 0,5 4-1368,7 8 1,3 1 1261,-7-8 0,5 2-982,9 4 189,45-7 1571,3 20-788,17 3 1,6 2 78,-22 6 0,2 1-731,8 0 1,6 0-1,-4 1 597,-4-1 1,-1 4-1,16 5 1,-2 5 0,-18 1-1,-1-1 1</inkml:trace>
+  <inkml:trace contextRef="#ctx0" brushRef="#br0" timeOffset="1395">7790 2659 23819,'-19'19'1507,"5"-4"-538,14-4-3814,20-6 2835,12-1 349,11-26 759,7 16-535,-10-34-646,3 24 386,-12-6 0,0-2-41,16-5 753,-10 3 0,-1 0-393,1-4-479,-12 2 1,-3-1-1059,-7-5 30,-1-13 118,-14 13-1385,0 1 361,-26 2-171,-7-3 158,-15 12 1075,-11 3 377,25 15 945,-11 21 1124,30 15-980,0 12-701,12-6 1,6 1-730,26 16-1049,-7-4 0,6-1 343,6-18 0,4-3 1327,5 10 1,2-1 0,-3-14-1,1-3 1,3 0 0,-1 0-1</inkml:trace>
+  <inkml:trace contextRef="#ctx0" brushRef="#br0" timeOffset="2558">9640 1925 25528,'0'-9'-6475,"-19"3"6772,14-2-2751,-14 3 2946,7 0 1,9 24 0,-9 8 0</inkml:trace>
+  <inkml:trace contextRef="#ctx0" brushRef="#br0" timeOffset="2712">9638 2767 24629,'0'16'-5666,"0"-3"3717,0-7-2174,-18-2 3940,13-17 0,4-4 1,24-13-1</inkml:trace>
+  <inkml:trace contextRef="#ctx0" brushRef="#br0" timeOffset="3146">10853 2039 24808,'-30'-7'-1167,"-26"0"1128,28 4 171,-9 1 0,-2 1 132,-12 1-217,10-2 0,2 4 225,-4 17 514,-4-15-503,24 28-196,11-12-337,5 16-895,34-6-442,9 7 55,17-24 986,-1 11-966,4-23 1254,-14 7 454,18-8 653,-31-18 1125,5 1-72,-24-15-1186,-2 7-1240,-8 26-228,0 24 7,-2 7 1,4 5-29,7-3 1,3 4 111,-3 11 1,-1 6-1,1-5-525,4-6 1,0 1 326,-1 9 1,-1 7 0,-4-8 431,-5-14 1,-1-3 100,4 22 1,0-2-297,-5 0-243,-10-17 0,0-2 553,4-6-233,-31-2 2499,19-22 263,-2-33-2270,6-1 0,14-30 1,0 9-1</inkml:trace>
+  <inkml:trace contextRef="#ctx0" brushRef="#br0" timeOffset="3645">11232 2387 21840,'61'-21'3331,"-2"1"-2358,-2 5-650,-1 2-108,-2 4-122,-2 0-90,-2 0 55,-14 2 1,-1-1 472,17-7-515,-10 0 0,-1-1 95,3-8-168,-12 1 0,-3-2-315,1-9-207,-1-12-266,-18-3-592,-6 12-77,-21-21-1216,11 30 95,-34-3 867,6 22 1223,-21 23 1223,10-9-252,18 35 1,7 8-116,5-9-130,2 19 0,9 2 544,33-7-815,-7-11 1,4-3-59,4-17 1,5-4-98,18 6 0,1-3-369,-18-11 0,1-2 194,12-2 1,1-2 629,-13 0 0,-2-4 328,0-10 0,0-4 515,0 5 0,0-4 237,10-19 1,-1-5-405,-11 13 0,-1-3-626,-2-5 1,1-6 0,-5 2-117,-6 0 1,-3 0-284,4-15 1,-4 0-44,-11 12 0,-4 0-307,1-2 1,-2 0-251,0 0 0,-4-2 89,-11-17 1,-1 0-127,11 16 0,-1-1 216,-10 1 1,-4-2 0,2 5-375,4 8 1,1 3 76,-7-10 0,-1 5-78,-2 10 817,9 3-481,12 46 880,0 25 32,0 15-126,8-7 0,2 0 57,-9-18 1,2 0-87,12 15 0,3 2-194,-7-1 0,-1-1-185,-1-13 0,1 0-340,0 2 0,2 4 0,-1-5-347,-3-6 0,1-1-730,5 19 1,1-1 1579,0 2 1,-6 8-1,-9-27 1</inkml:trace>
+  <inkml:trace contextRef="#ctx0" brushRef="#br0" timeOffset="3762">12392 2058 23729,'0'-30'-6116,"32"-10"7419,-1 6-538,16 7 0,7 2-286,-16 8 0,1 1-625,17-5 1,1 2 238,-10 5 1,-2 2 0,3-1 0,1 1-1,0 0 1,0 1 0</inkml:trace>
+  <inkml:trace contextRef="#ctx0" brushRef="#br0" timeOffset="4011">13752 664 23729,'-27'0'989,"-1"21"456,-13 24-1617,23-17 0,1 3-298,-6 9 0,1 2 79,5-4 0,2 2-5,0 4 0,1 3 31,0 3 1,2 2-131,1 3 0,1 0-154,2 2 0,2 1-262,1-1 0,3 3-355,7-7 1,4 3 0,-1-3-292,2 9 1,3-2 1362,2-9 1,2 0 0,2-4 0,5 1 0,2-4 0,2-1 0,1 0 0</inkml:trace>
+  <inkml:trace contextRef="#ctx0" brushRef="#br0" timeOffset="4378">14570 769 23999,'-15'-8'-3685,"2"0"2327,-3 3 1438,0 1 214,7 2-5,-3 1 273,9 17-2415,-6 8-149,6 8 560,-2 4 1320,4-7 0,1 2 1,0 0-1</inkml:trace>
+  <inkml:trace contextRef="#ctx0" brushRef="#br0" timeOffset="4510">14705 772 23099,'-27'22'487,"-11"-1"-578,33 26-707,-12-4 0,17 11 0,0 2 1</inkml:trace>
+  <inkml:trace contextRef="#ctx0" brushRef="#br0" timeOffset="5045">15277 1629 23369,'-13'-18'-7128,"1"2"4804,1 5 1577,1 5 1074,3-1-320,2 7 1109,2-3-1489,2 22-1021,-1 10 1745,22 11-715,-15 5 138,38-9 103,-10 16-506,13-14 101,-14-10 0,1-2 767,10-9 81,-8-3 0,-1-3 562,4-9 375,-5-17 0,-2-5 906,-4-7-1225,-7-13 0,-4-3 561,-8-4-1005,-6 6 0,-1 0-214,-1-7-733,-7 7 0,-3 2-1054,-8 6-947,-3-9-144,7 56 2888,14 17-1415,17 14-580,-13 8 108,11-22 1,4 0 195,10 16 1476,-11-16 0,2-2 0,22 6 1,-11-2-1</inkml:trace>
+  <inkml:trace contextRef="#ctx0" brushRef="#br0" timeOffset="5328">16103 1597 23729,'-24'-8'-2173,"-7"6"2680,28 18-2395,-9 14 1212,12 15-598,0-3 480,14 14 120,2-24-4,1 15-517,4-30 56,-12-8 871,12-17 1873,-6-25-733,5-9-612,-4 0 0,0-2 161,-3 13 1,2-2-447,2-6 1,4-3 0,-2 2 206,-1 0 0,0 1-732,3-1 0,3-3 0,-2 4 710,-2 4 1,-1 3 0,7-7 0,0 1 0,10-6 0</inkml:trace>
+  <inkml:trace contextRef="#ctx0" brushRef="#br0" timeOffset="5661">16808 1749 22920,'5'15'-6941,"0"-3"3941,4-5 3726,1-4 687,3-2 418,2-16-592,0 11 71,12-48-1882,-5 26 1446,-6-4 1,-1-1 812,8-13-1191,1-5-607,-3-4-286,-6 11 1,-2-2-93,-4 11 0,-2-2-181,5-28 0,-3 0 451,-6 24 1,-2 0-87,3-25 0,-5 0-149,-9 28 1,-1 1-173,10-9 1,-3 2-94,-14 11 1,-2 3-249,0-11-98,-12 2 534,4 56 2293,14 3-781,5 38-784,9-16 0,0 1-49,0-6 0,0 1-45,4 8 1,3 4 0,2-3-554,3-4 1,6 2-1297,5 10 0,5 7 0,1-8 1726,0-14 0,2-2 1,-3 0-1,1 3 1,-1-7-1,-2-12 1,0 1-1</inkml:trace>
+  <inkml:trace contextRef="#ctx0" brushRef="#br0" timeOffset="5895">17492 589 23819,'-8'-10'-7188,"2"2"4821,24 4 5685,-13 18-5551,29-10 3359,-29 31-2526,12-19 427,-17 18-1523,10-3 1261,-7 0 1234,7 1 1,-10-1 0,0-1-1</inkml:trace>
+  <inkml:trace contextRef="#ctx0" brushRef="#br0" timeOffset="6027">17747 708 22830,'13'-14'-158,"0"3"523,9 11-350,-10 21-4283,0 18 317,-11 13 3685,4 13 0,-5-5 0,0 3 1</inkml:trace>
+  <inkml:trace contextRef="#ctx0" brushRef="#br0" timeOffset="6461">19293 1526 24808,'-14'0'90,"3"0"90,6 19-2324,4 1 264,26 3 718,-19 15-180,40-8 961,-23 13-1639,2 18-735,5-19 437,-26-2 0,-5 1 388,-6 15 2017,7-17 0,-4-1 0,-19-8 1,-5-2-1,8 2 0,0 0 0</inkml:trace>
+  <inkml:trace contextRef="#ctx0" brushRef="#br0" timeOffset="7516">21015 1363 24808,'-6'-14'-8297,"2"1"5694,4 5 2630,0 2 61,21 2 2462,8 3-1162,16 0-286,2 16-1632,-4-11 2673,2 31-1444,4-19-905,3 19-715,1-6-1831,3 2 160,-2 0 2325,1 0 1,-3-1 0,-1-2 0</inkml:trace>
+  <inkml:trace contextRef="#ctx0" brushRef="#br0" timeOffset="7695">21737 1275 23729,'-21'-15'-4696,"5"7"3815,-19-2 1339,10 9 592,-19 14 373,8 5-953,0 10 0,-2 4-294,12-10 1,1 3-570,-6 7 1,-2 4-1,3-1 373,0-2 0,2 1-169,-10 14 1,3 0 189,12-15 1,3-1 0,2 1 0,0-1 0,3-1 0,-1 0 0</inkml:trace>
+  <inkml:trace contextRef="#ctx0" brushRef="#br0" timeOffset="8078">21932 1472 23189,'7'-6'530,"1"2"988,0 2-818,0 2-1142,3 15-2252,8 6 981,-3-2 345,7 22-687,-1-9 55,-4 11-663,15 13 58,-14-26 675,21 14 2143,-17-26 119,10 0 435,-8-14 948,-1-4 198,0 0 473,10-21 40,-10-11-1435,-5 3 0,-3-2 553,-1-21-937,-6 18 1,-2 1-657,-3-4-1003,0-9-655,-4 16 291,0 10-561,0 22 687,0 19-1184,14 32 267,-10-8-1251,25 12 3326,-9-26 1,-1-3-1,-3-19 1</inkml:trace>
+  <inkml:trace contextRef="#ctx0" brushRef="#br0" timeOffset="8294">22250 1070 23909,'-7'-10'-7247,"5"0"4788,-6 6 2860,25 1 2168,3 2-1292,0 20-2035,14-14 1142,-30 30-2484,28-13 2120,-19 8-2458,4 8 2177,-7-17 0,-10 5 1,0-11-1</inkml:trace>
+  <inkml:trace contextRef="#ctx0" brushRef="#br0" timeOffset="8445">22552 690 22650,'27'-23'723,"-2"5"-77,2 9 369,-3 5-892,-3 26-2590,-7-1 1012,-9 11 0,-2 5-970,0 17 2191,-1-14 0,-2 2 0,0-7 1,0-1-1,0 3 0,0 0 1</inkml:trace>
+  <inkml:trace contextRef="#ctx0" brushRef="#br0" timeOffset="8795">23192 1898 23009,'5'-45'-5303,"2"0"3952,2 8 1052,5-7 512,5-6-14,4-5 9,2-6-206,-12 29 0,1-1-424,-1-1 0,1 0 660,-2-1 1,1-3-100,2-14 1,-1-2-91,-4 12 0,-2-2-66,-1-3 1,-1-4-1,-1 5-120,-2 3 0,0 2-103,-1-12 0,-3 0-103,-7 9 0,-5 3-1077,-13-16 835,5 20 0,-2 5-183,-2 9 428,-11 3 646,17 41 1042,-2 3-925,6 13 1,2 6 346,-1 21-441,8-22 1,0 6 0,1-4 70,-1 2 0,1 0-275,3 6 0,1 5 0,4-5-329,8-3 1,1-3-654,-12 15 1,5-3-597,19-19 0,2-4 102,-14 0 1,1-2 189,10-3 1,2-1 1080,15 20 0,-1-8 1,1-6-1</inkml:trace>
+  <inkml:trace contextRef="#ctx0" brushRef="#br0" timeOffset="9178">23637 1439 24179,'-14'-12'-5419,"33"21"5074,-3 13-1790,29 2 2174,-15-6 0,1 0 65,13 0 46,-9-2 0,0-1 159,9 0-868,19-7 1775,-30-8-140,9-17 1873,-23-9-2188,-7-6 1,-4-2-490,-1-14-486,-5 11 1,0 2-594,-2 7-140,0-6-398,0 19-162,-14 6-262,10 21 1393,-10 7 1167,32 43-1547,-13-11 560,11 3 0,5 2-202,-7-19 1,1 0 191,1 6 1,1 4-1,1-5-138,3-3 0,0-2-192,-1 11 1,-1-2-763,5 13-653,-2-7 1704,-3-7-497,-1 2-157,-9-18-3363,-2 1 4905,-31-21 1,18-19 0,-19-10 0</inkml:trace>
+  <inkml:trace contextRef="#ctx0" brushRef="#br0" timeOffset="9345">24318 628 24718,'0'-9'-7195,"0"18"3808,0 18 703,-16 12 2673,12 13 1,-12-4-1,16 3 1</inkml:trace>
+  <inkml:trace contextRef="#ctx0" brushRef="#br0" timeOffset="9827">25012 445 23999,'14'-12'899,"3"1"563,31 4-696,-11 3-410,1 2 1,1 3-500,10 17-128,4 4 1,1 6-241,-26-4 0,-2 4-4,5 5 0,1 4 0,-5-1-521,-9-3 1,-4 2 217,-2 8 1,-1 6 0,-4-4-283,1-1 0,-7 2 688,-12 2 1,-8 7-1,-3 0 1,2-6-710,-1 7 0,-5-1-13,-5-4 0,-8 5 0,-1-1 0,4-8 1243,-2 2 0,0-4 1,5-6-1,-2 1 0,2-2 1,-1-2-1,1 1 1</inkml:trace>
+  <inkml:trace contextRef="#ctx0" brushRef="#br0" timeOffset="10338">26353 1084 27147,'-17'-20'-6774,"13"3"3472,-13 1 2419,6 6-514,8 0 1732,-8 4 0,11 20 1,0 6-1</inkml:trace>
+  <inkml:trace contextRef="#ctx0" brushRef="#br0" timeOffset="10495">26342 1821 24269,'0'28'-5037,"0"-4"2999,0-6 1064,0-1 245,0-7 213,0 4-1677,0-6 2561,-20 11 1,-2-2 0,-20 9 0</inkml:trace>
+  <inkml:trace contextRef="#ctx0" brushRef="#br0" timeOffset="15545">3653 5298 24359,'0'-16'-4767,"0"1"3178,0 1 885,-19 3 971,14-1-1723,-14 5 2225,19 1-1183,-12 3-105,-1 19 1958,-2 13-1958,-1 31-583,12-3-696,0-13 1,1 1 1942,0 11 0,3-20 1,0-2-1,0 11 0</inkml:trace>
+  <inkml:trace contextRef="#ctx0" brushRef="#br0" timeOffset="15678">3803 5491 23459,'-38'-22'-3850,"-3"9"3479,-1 7 922,18 31-1016,-11-3 289,31 24 0,-12-6 1,16 3-1</inkml:trace>
+  <inkml:trace contextRef="#ctx0" brushRef="#br0" timeOffset="16481">4845 5577 22920,'0'-9'-6386,"0"1"4797,0 4 615,0 21 515,0 2 123,0 22 184,0-7 0,0 2-76,0 27-522,-6 0 1,-1 3 829,5-23 0,0 1-39,-2 17 1,-1 7 0,1-6-6,3-11 1,2-1-219,-1 9 0,0 6 1,0-9-494,0-16 0,0-3 675,0 20 0,0-2 0,0 0 0,0 10 0</inkml:trace>
+  <inkml:trace contextRef="#ctx0" brushRef="#br0" timeOffset="17179">5218 5539 22920,'0'-12'-6206,"0"3"4257,-18 2 3055,-5 5 509,-13 0-334,-1 21-124,-4 7 0,-1 5-774,13-4 0,-1 3-428,-9 8 1,-5 5-1,5-3 776,7-3 0,2 1-308,-1 8 0,-1 5 0,4-4-378,5-3 0,3 1-286,4 5 0,2 5 1,3-5-270,1-6 0,8 1-303,15 12 1,9 7-1,0-8-369,-3-12 1,5-2 564,15 8 0,8 4 0,-2-9-55,-7-12 0,1-5 432,5 1 1,5 1-1,-3-5-29,-4-4 1,0-3-159,2-1 0,4 0 1,-4-4 211,-6-4 0,-2-2 403,10 1 1,-3-3 368,11-2 1,-5-3-1,-1 0 1</inkml:trace>
+  <inkml:trace contextRef="#ctx0" brushRef="#br0" timeOffset="17582">5728 5892 23279,'0'-7'-5666,"0"2"3538,0 20 1064,0 15 515,-5 12 353,4 12-10,-4-5 132,4-7 0,2 2-731,-1-10 1,0 1 804,0 24 0,0 0 0,0 7 14,-2-15 0,4-3-81,15 3-163,-16-11 0,2-3 318,14-6 385,-7 10-320,-7-33-530,7-16 2119,-10-10-1860,-17-1 174,13-10 61,-13 10-49,17-14 328,0 5-268,0 4-380,0 9-2659,0 3 1831,0 2 1082,0 1 1,0 4 0,0 0 0</inkml:trace>
+  <inkml:trace contextRef="#ctx0" brushRef="#br0" timeOffset="17979">5803 6089 23999,'-29'-6'-1666,"2"2"1511,8 1 104,-1 3 425,-3 0-124,1 25-275,-2-3-61,6 12 1,2 4-737,-7 13 639,6 1 1,4 3-275,7-22 0,2 2-61,-2 24 0,5 0-400,13-25 0,1-1-18,-12 8 1,4-2 33,31-5 1,4-5 11,-5 11 641,2-17 1,4-4 182,10-3 747,2-8-73,-16-4 0,0-5 1278,20-26-580,-13 9 0,-4-5-134,-17-4 0,-3-2-735,5-1 1,-3-3-30,-9-5 0,-4 0-709,3-22-43,-5 7 1,-7 1-1082,-27-9 188,11 13 1,-3 1-153,-4 22 0,-4 2-729,-12-14 1,1 4 84,-3 8 2037,10 10 1,0 4 0,4 7-1,1 4 1</inkml:trace>
+  <inkml:trace contextRef="#ctx0" brushRef="#br0" timeOffset="18395">6345 6138 23189,'24'52'-8709,"-18"-8"6741,31 4 1194,-33-9 379,24 5-169,-24 1 391,21 1-292,-22 17-1217,18-17 1734,-19-11 0,-1-3 145,13 0-29,-12 6 217,2-25-599,-1-1-218,0-11 1739,0-25-933,0 5 399,-3-25-616,0-15 733,17 6-376,-10-4 1,3-1 456,22 1-280,-18 8 1,-2 4-924,2 18 983,2 3 376,-5 18 888,10 24-1694,0-13-451,4 31 0,0 9-753,6-9-873,2 19 0,0 2-622,4-5 2173,-12-18 1,1-1 0,14 7 0,3-3 0</inkml:trace>
+  <inkml:trace contextRef="#ctx0" brushRef="#br0" timeOffset="18915">7513 5917 24539,'-23'-31'-6682,"5"6"4325,18 7 1694,-16 8 1280,12 4-1385,-11 25 2082,31 29-2240,-12 4-92,10-3 0,3 0 575,2 9 298,-10-18 1,1 0-601,17 16-1033,-24 1 1042,8-3-743,-7-18 0,-1 0 1139,-1 17 181,-6-14 0,-2-2 729,2 1 469,-33 6 975,7-29 1054,-11-3-92,-14-29-1443,22 13-967,6-25 0,3-6-909,0 3 31,8-13 1,3-3-303,5-6-91,5 8 0,0 0-1572,3-8 1491,23 4 1,5 1 790,0 3 422,14 9 0,3 5 1747,-4 12-709,-5 11 1,1 2 957,6 4-445,13 19-745,-19-12-265,-2 37-2089,1-21 550,-13 10 0,0 3-1603,13 9 941,-7-4 1,-2 0-870,3 6 1078,-10-16 0,-1-1-208,2 5-34,-2-5 1706,-4-4-273,-3-7 379,-4-4-722,-1-7 792,-4-2-633,-1-23 166,0-9-520,-1-13-201,1-5-86,1 8-8,1-4 862,8-18 0,2 15 0,6-13 0</inkml:trace>
+  <inkml:trace contextRef="#ctx0" brushRef="#br0" timeOffset="19213">8557 5928 24269,'-47'0'90,"-3"0"-90,9 0 0,1 19 1007,-1 0-338,13 3-709,-7 31-526,14-29 181,15 12 1,2 3-1026,-5 1 609,18-6 1,3-1-1364,-7 4 814,27-8 1,1-3-579,-22-6 1249,27-6 1,2-6 722,-21-5 17,34-21 1360,-39-11-1231,13-11 1173,-25-7-1150,8 9-203,-10-4-965,0-15-593,0 14 1104,-17-19 1,13 33-1,-13-7 1</inkml:trace>
+  <inkml:trace contextRef="#ctx0" brushRef="#br0" timeOffset="20148">8958 6287 23819,'18'-15'1233,"9"-11"-1192,-7-11-1132,7-6 1020,-5 11 0,0-1-59,6-19-129,-8 16 0,0-1-94,5-18-404,-2-1-39,-1-3-154,-3 0 567,1-3 82,-10 17 1,-2 0-45,0 10 0,-2-2 28,0-22 0,-2 0-4,-2 24 0,-1 1 119,1-21 0,-3 1-625,-16-5 275,15 23 1,-1 2-350,-14-14-304,3 18 341,10 2 265,-11 47 1800,15 2-1194,0 17 0,0 5 48,0 19 4,10-17 1,1 3-63,-10 10 1,3-1 125,14-13 1,2 2-80,-11 3 0,-3 4 0,0-4-43,4-7 0,2 0-649,2 0 1,3 4 0,-4-5 371,-5-7 0,2-2-128,22 25 1,3-4 69,-3-8 374,0-10 0,2-6 592,0-17 718,25-1 244,-23-37-333,-7 7 1,-2-3 1037,5-33-1467,-12 23 0,-2-2-241,-2-6 0,-3-1-213,-2 8 0,-1-2-262,2-28 1,-1 0-418,-6 23 0,-1 0 50,0-6 1,-2-5 0,0 5-627,-1 3 1,-1 2 113,2-13 1,-4-1 232,-7 8 1,-3 3-742,-7-18 523,0 22 1,-1 3-109,2 8 255,-6 5 509,13 41 1115,-1 4-77,4 28-426,8 0-218,0-3 0,0 3 59,-1-10 1,2 2-271,6 6 0,2 5 0,-2-4-39,-5-3 1,2-2-442,17 15 0,-1-2-870,-19-19 0,2-2-170,17 1 1,2-2 408,-14-1 0,1-2-19,11-1 0,0-1 946,9 24 0,1-7 0,0-5 0</inkml:trace>
+  <inkml:trace contextRef="#ctx0" brushRef="#br0" timeOffset="20515">10173 5902 23909,'23'-7'2671,"4"12"-4437,13-2 1470,-2 8-439,-10-11 1056,12 0-221,-11 0 66,13-14 567,-22-6-1385,0-32 560,-14 13-236,-2 5 1,-4-1-450,-17-4-1223,13-28 279,-33 31 192,33-7-1018,-16 21 961,8 5 632,10 6 153,-10 31 1887,12-1-503,0 27-605,10-14 1,1 0-698,-5 22 514,14-15 0,1 0-882,-16 20 475,15-30 0,2 1-141,-3 26-842,7-21 0,3-1 676,7 14 1011,-6-15 0,1-4 0,6-6 0,10 1 1</inkml:trace>
+  <inkml:trace contextRef="#ctx0" brushRef="#br0" timeOffset="20828">10868 5805 24089,'-14'-30'-8385,"10"1"6367,-11 6 792,15 5 1249,0 3-37,0 55-151,0-17 1,8 9 1,3 4-1914,6 22 1995,5-11-92,-8-9 1,-1-1 256,-1 2 675,13 13-1015,-14-31-152,2-3 549,-12-29 636,4-21 163,-5-8-639,0 2 1,0-2 247,0-14-207,0 3 0,0 0 186,0-10-283,9 20 1,0 2 85,-4-11-984,30 3 1106,-30 6-819,18 17 0,5 2 1396,-5-6-772,10 12 0,2 4 895,5 5-766,12 3 1,-10 4-1,0 0 1</inkml:trace>
+  <inkml:trace contextRef="#ctx0" brushRef="#br0" timeOffset="21764">12488 5338 23459,'0'-11'-4946,"0"-1"3267,0-2 885,-23 1 1209,18-3-1892,-36 1 2336,36 2-1759,-34 1 308,34 5 357,-51 2 1662,37 3-16,-41 22 285,34 13 277,-6 14-1708,15 5 1011,6-9-1788,3 2 1156,5 2-1945,3-3-111,0-2-830,22 9 256,5-17 541,22 10 1083,-22-27 275,16-2 739,-20-12 639,3-19 595,2-11-288,-18-8-348,3-21-632,-6 22-467,-7-25-735,0 31-298,0-5-445,0 16-739,0 25 558,17 8 911,2 5 325,4 12 1,2 1-327,11-11 698,-6 10 0,1 1-31,8-12 340,0-11 0,2-3 727,17-2-371,-4-3 1,2-6 105,-20-8 0,0-3 316,25-2 0,-1-4-19,-24-3 1,-3-3-266,10 1 0,-3-3-126,-9-3 0,-5-3-310,8-20-686,-18 3 0,-4-2-887,-5-12-98,-25 4 0,-7 0-343,11 23 0,-4 2 172,-16-14 1,-8 0 768,11 18 1,-3 1 0,0 3-219,-8-6 0,-4 2 579,-8 0 0,-8 0 0,4 5 207,3 5 1,-2 5 276,-6 2 1,-6 3 0,6 2 501,7 3 1,2 4 78,7 8 1,-1 3-1,4 1 402,-1 2 0,5 4-140,-1 10 1,2 4-283,2-3 1,1 3-439,6 2 1,-1 5 0,3-1-115,-4 6 0,3 4-275,1 8 1,0 6-1,5-4-200,7-3 1,4 1 187,1 7 1,1 6-1,6-6-854,10-4 0,2-2 317,-8-6 1,-1 1-1,6-3-526,21 3 1,4-2 31,-14 1 1,2-1 234,17-2 0,6 0 500,-5-5 1,3 3 0,0-4 168,-7-8 1,0-3 0,4 2 173,10 3 1,6 3-1,1-2 1,-3-4 174,-5-5 1,-1-4 0,2 0 38,-2-1 0,3 0 0,1-1 0,0-2-372,4-3 0,2-2 1,0-2-1,-3-1 113,5 0 1,-3-1 0,3-1 4,-2-1 1,2 0-1,1-1 1,-4-2 212,-1 0 1,-2-2 0,0-3-1,0-4 1,0-3 0,0 0 0,0-2-1,-1 1 1,1 0 0</inkml:trace>
+  <inkml:trace contextRef="#ctx0" brushRef="#br0" timeOffset="22666">14547 5432 23459,'-20'-18'-5387,"16"1"1650,-16 1 3270,6-6-584,10 10-113,-11-4 1014,15 10 970,0 14-2327,0-20 1348,-16 9 1931,-4-24-2237,-18 13 1667,-4-7-16,9 19 307,2-8-463,10 10 657,3 20-320,3-15-355,0 50-263,8-31-1000,2 10 0,4 2-347,22 1-1258,-16 11 705,43-17 25,-24-4-290,25-3 67,-8-6 1787,1-8 308,2-4 652,14-6 595,-14 0-186,18-22 89,-32-9-417,4-13-645,-13-17-703,-9 21-280,-6 7 0,-1 0-922,-2-4-365,-3-15-251,0 28-500,-14 0 317,10 40 1001,9 12-62,-1 19-361,23-13 1,5-1-270,-3 10 795,2-15 1,6 0 849,-1-3 1,1-2-1,-6-7 1,1-1 0,11 4-1,-1 1 1</inkml:trace>
+  <inkml:trace contextRef="#ctx0" brushRef="#br0" timeOffset="22862">15722 5152 23369,'-56'-5'26,"18"2"0,0 1 133,-9 2 57,5 6 0,2 5 659,-5 18-644,12-4 0,5 5-472,7 21-690,0 5 31,21-13-439,21 1-769,4-2 447,13-12 0,6-4 424,-12-7 1,4-2 1153,8-1 0,7-2 0,-4-3 0,0-3 0,-1-4 0,18 0 0,0 0 0</inkml:trace>
+  <inkml:trace contextRef="#ctx0" brushRef="#br0" timeOffset="23095">16460 4610 24089,'-22'-57'-7973,"16"7"6335,-37 10 1482,37 10-441,-32 7 1393,23 12-708,-5 35 1147,1 6-1705,17 35 895,-3-16 1,1 2-215,3-10 0,2 4-304,2 2 0,2 6 0,1 2 0,0-7 65,4 7 1,2-1-982,1 10 1,2 6 0,-2-10 80,-2-18 1,0-3-1126,5 19 1,-3-3 1704,-11-1 0,10 6 0,-12-27 0</inkml:trace>
+  <inkml:trace contextRef="#ctx0" brushRef="#br0" timeOffset="23228">16088 5303 22740,'0'-36'-6386,"0"-8"4258,26 10 3492,15-9-311,15 21-780,-10 10 0,-1 2-75,18 3-106,-22 4 1,1 0 0,17 3 0,1 0 0</inkml:trace>
+  <inkml:trace contextRef="#ctx0" brushRef="#br0" timeOffset="23381">17115 5257 22110,'9'15'-7777,"-1"1"4518,-2 1 1701,-1 8 879,0-4 147,3 5 77,-1-8 23,4 0-1589,1 1 1941,9 2 497,-2-5-83,15 5 1,-12-15-1,8 1 1</inkml:trace>
+  <inkml:trace contextRef="#ctx0" brushRef="#br0" timeOffset="23528">17055 4661 23099,'-22'-28'-7160,"8"4"4232,8 8-138,6 8 1829,22 4 1475,-17 27 0,45-17 1,-15 18-1</inkml:trace>
+  <inkml:trace contextRef="#ctx0" brushRef="#br0" timeOffset="23829">17605 5134 23099,'-24'11'2938,"-9"1"-1808,29 1-4040,-20 16 2474,22-3-1444,-8 12 871,10-8-227,19 2-720,-15-1 655,23-9 0,5-1-354,-5 10 1618,11-8 1,4-3-569,2-2 1329,14-1-83,-2-12 792,-16-4-217,-11-16 0,-1-5 1033,-3-5-1919,-10-13 0,-4-5-93,-4-7-668,-12-9 1,-7-2-437,-3 28 1,-4 0-874,-9-27 1,-3 3 343,5 32 1,0 4 1034,0-6 0,3 3 0,-6 0 0,2 5 1</inkml:trace>
+  <inkml:trace contextRef="#ctx0" brushRef="#br0" timeOffset="24195">18275 5133 23369,'11'0'270,"-1"17"-5825,4 8 2837,-4 9 994,5 16 559,-6-17 290,3 22 454,-6-26-1572,-1 6 116,-1-13 1930,-2-11-60,1-1 52,-1-10 2236,3-17-1275,0-14-383,3-9-145,-2 5 0,1 1 461,5-12-284,-1 6 0,2 1 412,1-4 278,11-13-1945,-12 37 1323,11 1 783,-9 18-289,6 23-1637,3 15-559,-3 13-697,-2-11 0,0 0-1035,6 11 2465,-7-17 0,1-1 0,10 9 0,2-1 1</inkml:trace>
+  <inkml:trace contextRef="#ctx0" brushRef="#br0" timeOffset="24595">19100 4073 22650,'-4'13'-3821,"19"-10"4378,5 45-4242,2-24 2593,5 30-377,-24-16 893,9 3-250,1 1-1346,-10 14 1533,9-18-1709,-12 14 2428,0-32 21,0-24 556,0-26 575,21-31 224,-16 8-711,15 20 1,0 2 552,-16-2-128,36-4 529,-25 26 120,15 20-815,-14 10-1863,-1 46-2122,-6-10 2876,-4-14 0,0 2 0,-3-7 1,0-1-1,0 4 0,-1-1 1</inkml:trace>
+  <inkml:trace contextRef="#ctx0" brushRef="#br0" timeOffset="45128">3678 9049 22650,'-26'45'-2156,"-11"0"2356,33-7-2421,-30 9 2527,30 7-704,-13-24 0,0 1 470,14 34-386,-12-30 0,1-1-258,12 1 0,1 2 185,-9 15 1,0 0-168,9-13 0,0 0 527,-5 10 1,0 0-516,5-6 0,1-3 178,-8 17 6,8-17 0,0-3 285,-4-3-73,3 1-163,-1-25 11,1-43 0,1-20 145,-1-3 98,1 2 0,0-11 0,0 6 39,0 12 1,0 1-64,0-18 1,0 1 164,0 17 1,0 2-196,0 1 1,0 0 187,0 3 1,0 0 219,-2-10 0,4 2 28,15-16 61,-17 20 0,4 5-7,29 7 1716,-15 1-977,9 23 1186,0 4-438,8 24-1130,-7 15-849,-1-1 1,0 3-255,-12-4 0,0 3-43,12 18 0,0 0-686,-12-18 1,-1 2 529,5 14 0,1 9 0,-2-6-978,-4-10 1,-1 1-185,2 11 1,2 6 0,-3-6 600,-4-15 1,-2-3 1083,3 13 0,-1-1 0,1 12 1,-1-3-1</inkml:trace>
+  <inkml:trace contextRef="#ctx0" brushRef="#br0" timeOffset="45295">3508 9974 22380,'0'-19'-6296,"0"2"4168,0-1 1063,27 2 3638,-20-1-2548,47 1 1613,-29 0-1347,11 5 0,3 1-881,12-7 986,-15 8 0,-1 1 1,18 1-1,-1 2 1</inkml:trace>
+  <inkml:trace contextRef="#ctx0" brushRef="#br0" timeOffset="45865">4592 9829 21570,'0'33'-6025,"0"1"3986,0 0 1065,0 6 335,0 6 213,16 4-584,-12 2 719,12 1-1887,-3 0 2031,-12-16 1,1-1 28,20 18-41,-18-6 1,0-2 111,6-4 645,-4 18-261,-6-43-186,0-26 341,0-7-198,-21-28-587,9 9 1,1-1 170,-1 4 1,-2-2-131,-3-11 1,0-5 251,6-10 1,2-1-130,-2 15 1,1-2 2,0-4 1,0-5 0,3 6 37,5 6 0,1 3 24,-4-12 1,0 2 849,5-4-47,0 10 81,0 12-250,24 10 1387,-18 10-715,34 6 877,-14 6-165,8 27-1394,10 13-361,-18 15-476,-10-23 0,-1 0-302,4 21-1635,-9 4 1093,5 2-1411,-13 2-82,6-1 800,-8-1 1774,0-21 0,0 0 0,0 14 1,0 10-1</inkml:trace>
+  <inkml:trace contextRef="#ctx0" brushRef="#br0" timeOffset="46312">5167 9611 21930,'6'28'-7758,"2"21"5506,-4-26 1652,0 9 0,1 4 77,1 9 262,-1-6 1,0 1 84,0 8 84,0-2 0,0 0-1707,0 0 1899,0-6 0,-1-2 70,0-7 93,-1 9 546,-2-22-717,-1-2 42,0-33 75,-30-37-498,23-4 162,-15 2 0,-1-1-96,14 22 1,1 1 53,-4-13 1,-1-4 86,5 7 1,0-2 0,0 2 6,2 2 1,0 0-29,0-22 0,2 2-31,0 5 680,4-9-60,17 21 1065,-12-3-906,12 24 1066,2 8 494,-14 5-1283,30 6 1085,-16 2-35,17 23-1343,-10 9-1305,-3 32-205,-9-5 96,-10-12 1,-1 0-1939,3 16 1480,-5-20 1,-2 0 867,-16 16 1,12 0 0,-12-2 0</inkml:trace>
+  <inkml:trace contextRef="#ctx0" brushRef="#br0" timeOffset="46612">5723 8763 24988,'2'-3'-2084,"1"1"3917,6 2-1163,5 15-3137,6-11 2645,23 47-1751,-6-28 1263,2 14 1,0 3-429,-11-17 1,0 0 490,5 5 1,4 4 0,-2-2-536,-1 0 1,0-1 87,12 10 1,1 2-187,-13-11 1,0 1-1,-1-1-967,6 6 0,0-1 1870,-5-3 0,1 1 0,-2-1 0,1 3 1,-1-1-1,0 1 0,0 0 0</inkml:trace>
+  <inkml:trace contextRef="#ctx0" brushRef="#br0" timeOffset="48345">7710 8442 23279,'0'-10'-5846,"0"2"3808,0 32 974,0 0 515,0 33 123,0-3 212,0 11 100,0-28 0,0 1-684,0 4 0,0 0 798,0 2 0,0 3 0,0-3 0,0 3 0,0-2 6,-1 7 1,2 1-468,3 3 0,2 5 0,-1-5-267,-4-7 1,2-1 669,10 12 1,2-1-1,-10-21 1,0-3 0,7-1-1,-1 0 1</inkml:trace>
+  <inkml:trace contextRef="#ctx0" brushRef="#br0" timeOffset="48578">8245 8650 24269,'3'-16'-4494,"-1"4"2636,0 26-117,-2 16 1140,0 16 557,0-7 0,0 1-120,0 17 249,0-17 0,0 0-1447,0 19 1190,0 2-1247,0-1 274,8-19 1,1 1 1326,-5 18 0,5-22 0,-1-1 0,-8 11 0</inkml:trace>
+  <inkml:trace contextRef="#ctx0" brushRef="#br0" timeOffset="48747">7938 9173 23009,'0'-15'-6205,"0"0"4076,20 3 4990,6-10-1521,27 11-668,-21 2 0,0 0-269,25 3-350,-13 3 0,0 1 0,16 1 1,-19 1-1,0 0 0</inkml:trace>
+  <inkml:trace contextRef="#ctx0" brushRef="#br0" timeOffset="49001">9287 8640 23369,'-19'21'-250,"4"6"-1238,15 16-1181,0 1 1069,0-5 532,0 5 396,0 2 10,0 5-91,0-13 0,0 1-1231,0 21 918,0-20 1,0 0-104,0 13 1169,0-2 0,0-2 0,0-2 0</inkml:trace>
+  <inkml:trace contextRef="#ctx0" brushRef="#br0" timeOffset="49161">8907 9243 23009,'0'-33'-6385,"29"-11"7378,-4 11-393,11 6 0,5 2 866,10-4-1303,-2 8 0,2 1-208,11 2 134,-22 7 1,1 2-1,15 2 1,-2 2 0</inkml:trace>
+  <inkml:trace contextRef="#ctx0" brushRef="#br0" timeOffset="49381">9870 8914 23549,'-20'17'1737,"3"8"-3217,17 9-1507,18 7 110,-13 16 1658,29-8 559,-25-4 1,-2 2-38,13 10-598,-9-5 0,-2 0-2073,0 10 3139,0-10 1,-1 1 0,0 8-1,-6-22 1,1 0 0</inkml:trace>
+  <inkml:trace contextRef="#ctx0" brushRef="#br0" timeOffset="49895">9795 8424 23549,'-7'-7'-6398,"1"2"5179,1 2 1222,1 2 1190,2 1 117,0 15-2079,0 16 115,1 10-86,1-1 1,-1 2 753,1 18-142,-1-13 1,0 7 0,3-5-192,6-7 0,2 1-202,-4 10 1,-1 5 0,2-6-682,3-13 0,1-2-414,3 25 0,1-1 1512,-6-26 1,0-2 0,0 8 0,1-1 0,4 11 0</inkml:trace>
+  <inkml:trace contextRef="#ctx0" brushRef="#br0" timeOffset="50061">9655 9183 23549,'-9'-15'-7851,"1"0"4830,3 5 1325,3-2 969,1 1 545,20-2 468,12-4 231,12 3 1,9-4-1,-9 6 1</inkml:trace>
+  <inkml:trace contextRef="#ctx0" brushRef="#br0" timeOffset="50511">10525 8970 22830,'-18'26'-1073,"4"-4"508,14 2-1746,0 1 1032,20 5-199,5 30 97,0-9 918,4-1 0,-1 1-609,-17-17 0,0-1 180,15 12 0,1 2 49,-6 3 1,-3 0 489,-3-13 0,-1 2 138,0 3 0,1 3 0,-3-4 94,-1-6 0,-2-1 263,4 18 1,-1-2-72,-3-2 282,0 11-25,-7-38 29,-25-4 2085,16-38-2133,-24 1 1,-6-3-50,23-6 1,0-3-176,-18-5 1,-1 0 41,11 3 1,4-2-210,-2-2 0,2-1-95,-1-3 1,2-1-62,1-2 1,3 0-950,0-2 0,2 0 1019,4 1 0,2-3 40,-2-15 0,1-1 225,4 18 0,2 0 58,2 0 0,2-3 0,4 6 430,7 8 1,3 2 286,3-7 0,2 3 992,25-2 409,-9 10-40,-2 8 130,17 11-132,-16 5-419,17 21-1365,-29 15-1368,1 31-790,-18-3 169,-4-24 1,-5 0-1898,-19 21-21,14 2 3294,-17-28 1,-4 0 0,0 30 0,-1-30 0,1 0 0</inkml:trace>
+  <inkml:trace contextRef="#ctx0" brushRef="#br0" timeOffset="50878">11102 8173 23999,'-3'15'-3566,"26"-12"4662,-17 42-3588,50-18 2425,-27 30-605,-1-30 1,3 0 368,-6 3 0,0 2 15,2 1 1,2 3-296,-1-1 0,3 4 1,-2-3 237,7 8 0,1 2-547,-6-9 1,3 5 0,0 0 0,-3-3-127,9 10 0,-2 0 900,-4-7 0,1 3 1,-2-3-1,0 4 0,-1-2 1,-1 1-1,1 0 0</inkml:trace>
+  <inkml:trace contextRef="#ctx0" brushRef="#br0" timeOffset="51311">12577 7852 23729,'-22'-4'-859,"-11"32"1847,-10 1-769,17 2 1,2 3-532,4-4 1,1 2 134,-2 5 0,-1 4 1,0-1-95,-2 9 0,0 1 110,3-5 1,0 3 0,1-3-270,1 7 0,3-1 140,1-1 0,4 1-362,2-1 0,3 0-39,2-3 0,1 0 120,0-1 0,6-2-608,10-2 1,7-1-809,9 12 0,7-3 1928,5-14 1,4-4 0,-9-5 0,2-1 0,0-3 0,9-3 0,0-1 0</inkml:trace>
+  <inkml:trace contextRef="#ctx0" brushRef="#br0" timeOffset="51579">13408 8733 23549,'-42'-15'-2527,"-1"4"2108,-20 5 877,15 3-216,-12 3 327,11 20 604,16 7-916,-3 28-635,24-10-77,5 19-431,7-25-515,26 22-669,7-28 563,14 5-531,10-17 1283,-24-8 457,9-3 926,-11-7 607,-16-17-179,1-8 89,-16-20-2135,0 5-352,-26-3 1137,20 13 1,-48 1 0,20 2-1</inkml:trace>
+  <inkml:trace contextRef="#ctx0" brushRef="#br0" timeOffset="51950">13653 8745 22740,'7'20'-8225,"-2"14"6178,1-20 286,-3 17 1584,4-6-480,4 18 272,-2-9 47,7 26-1764,-7-27 2345,6 21-598,-7-26 631,2 7-668,-4-16 240,-2-3 4,1-4-1021,1-3 1280,-2-4 457,4-19 1017,-1 10 979,3-53-1585,-3 29 571,2-36-31,1 8-307,-5 14-307,5-15-383,-8 38-1131,6-9-829,-3 26 3474,3-7-962,10 28-1327,-4 8-708,18 28-445,-10-6-339,0-13 1,0-1 1632,8 9 0,11 8 0,-10-19 0</inkml:trace>
+  <inkml:trace contextRef="#ctx0" brushRef="#br0" timeOffset="52178">14473 8436 24629,'-16'-44'-8138,"12"-4"7110,-12 20-346,16 35 1162,0 13 310,0 38-246,19-8-609,-14 9-272,12-27 1,0 1 1090,-15 1 0,0 1-635,11 16 0,2 0 55,-8-14 0,0 2-1062,5 22 1,0-2 1525,2 5 1,-9-26 0,-2-1 0,-3 9 0</inkml:trace>
+  <inkml:trace contextRef="#ctx0" brushRef="#br0" timeOffset="52469">14297 8830 22470,'0'-24'-6296,"19"3"8146,11 1 81,10 8-473,5 3-608,8 7-678,-11 18-455,-5-5 0,0 2-399,7 20 912,-7-7 0,1 0-1242,4 8 220,-2-1 1,-2 1-811,-3-2 1291,-7-10 0,-3-1-1116,-9-4 438,1-9 738,-12-18 688,-2-22-711,-3-10-94,-8 6 0,-1-1-750,4-14 296,-4 6 0,0-2-489,9-9 557,0 13 1,0 1 720,0-3 0,25-6 1,5 22-1</inkml:trace>
+  <inkml:trace contextRef="#ctx0" brushRef="#br0" timeOffset="52761">15527 8646 23549,'3'4'-5901,"-20"-3"8243,12 7-2537,-39-1 1434,23 5-204,-36 14-68,21-2-805,13 0 1,2 2-403,-11 8 1630,17 13-2380,1-13 654,14-2-1532,0-1-66,18 5-860,11-11 1340,23 3 759,-6-19 681,-9-15 0,-4-5 1611,-10-7-1178,4-10 1,-4-5 767,-20-9-1049,5 1 1,-4-1 608,-31-12-1861,12 8 0,-3 2 29,-5 18 0,-3 2 718,4-6 0,2 0 0,2-3 0,6 3 0</inkml:trace>
+  <inkml:trace contextRef="#ctx0" brushRef="#br0" timeOffset="53427">15887 8986 22470,'6'-24'-3789,"0"-19"1994,5 23 2608,9-42-987,-3 19 373,0 1 0,0-2-65,2-12-155,-1 4 1,0-1-490,-9 19 0,-1 1 545,4-13 0,0-2 204,-3-4 1,-1-1-339,-2 12 1,-1-2 104,-1-5 1,0-5 0,-1 4-194,-1 5 1,-1 1 137,1-5 1,-1-4 0,-3 6-274,-7 8 0,-1 1 17,9-19 1,-3 3-354,-33 6-97,32-5 390,-24 29 477,26 27 1021,-16 5-742,15 32 1,6 11-236,-6-19 0,0 4-67,3 15 1,2 8-1,-1-4 39,0-4 1,0 1-117,5 7 0,2 7 0,-1-6 11,-4-4 1,1 0-202,5 3 0,3 5 0,1-6-635,-1-7 0,0-2 176,3 11 1,3 0 263,8-10 0,1-4 52,-8-13 1,1-2 80,16 14 0,2-5 154,8-5 340,-4-16 1,1-5 726,6-6 41,1-21 1,0-8 1738,-1-7-1538,-4-13 1,-3-7-324,-23 19 0,-3-3-344,10-28 1,-3-3-225,-10 21 0,-2-1-361,2-16 0,-3-1-248,-4 14 1,-1 1-536,-2-3 0,0-1-286,-2 2 1,0-3 196,2-17 0,-4 0 242,-7 19 0,-3-1 355,4 1 0,0-3 0,-1 6-266,-3 9 0,-2 2-31,-4-10 1,0 4-428,2 6 430,-4 4 247,-2 21 1312,20 21-516,-8 28 379,10 12-564,0 1 1,0 4 130,0-16 0,0 0-45,-2 17 1,4 1-134,9-14 1,0-1-202,-9 1 1,2-1-756,15-2 1,3 2-162,-8 14 1,1 0-309,3-17 1,3 0 117,-1 0 0,1 2 0,0-6 20,0-6 0,0-3 1090,8 7 0,2-3 1,13 2-1,3-5 1</inkml:trace>
+  <inkml:trace contextRef="#ctx0" brushRef="#br0" timeOffset="53778">17190 8640 22650,'-11'15'962,"24"-1"-4664,16 3 2829,13 0 965,-1-15 792,-7 5-423,2-7 407,16 0-778,-12-18 988,10 13 749,-9-30-649,-13 9-333,8-22-1124,-26 6-447,1-5-441,-11 12-339,0-2-825,-21 1 201,16 0 148,-40 5 782,38 0-424,-44 2 1713,22 13 110,-14 1 754,3 29 1320,19 16-618,5 10-626,9 11-1246,7 14-385,0-13-1125,9-7 0,5-2-1218,12 5 2654,2 10 1,16-25-1,-15-4 1</inkml:trace>
+  <inkml:trace contextRef="#ctx0" brushRef="#br0" timeOffset="54083">17757 8400 24718,'0'-22'-5755,"0"4"4346,0 4 434,0 22 337,17 15 51,5 30-497,0-5 675,-4-11 1,-1-1-1705,2 9 1435,3 12-25,6-22 476,-25-5 195,19-5 249,-13-1-194,5-12 694,-4-1-68,-6-11 1626,2-17-966,-3-15-1094,2-11 9,0 3 0,0-2 72,5-18-137,1 3 0,1-2-405,-5 24 1,2 0-371,8-25 1,2 2-1193,5-4 1517,-9 25 0,4 1 645,21-7 1,-8 18 0,12 1-1</inkml:trace>
+  <inkml:trace contextRef="#ctx0" brushRef="#br0" timeOffset="54387">18905 8178 23639,'-26'-21'-4007,"20"-7"582,-44 25 5488,30-23-3642,-21 22 2762,-4-18-1185,11 20 776,-7-7-1094,17 9 1614,0 25 638,12 10-2767,0 17 1030,19-16 0,3 0-2238,-6 13 1379,31 3 0,6-1-962,-9 1 1186,-4-21 1,8 3-1,-5-5-945,10 10 640,-11-10 0,-2-1 269,1 1 341,2 7 641,-22-20-1779,-46 10 1849,5-15-235,-17 0 0,-4-2 0,-10-2 1,18-2-1,0 0 0</inkml:trace>
+  <inkml:trace contextRef="#ctx0" brushRef="#br0" timeOffset="54829">19353 7589 26428,'-4'-11'-8303,"-1"2"6047,25 4 6431,-16 29-5381,49-2 1244,-25 14 0,2 5-261,5-13 1,5 2 162,2 10 0,3 6 1,-3-3-730,1 2 0,1 2 882,-5-6 1,4 4 0,1 1 0,-5-4-175,-4-5 0,-4-2 0,5 4-1277,3 3 1,5 6 0,3 2-1,-3-2 1,-5-5 804,-1-2 1,-5-4 0,3 2 500,4 4 0,2 5 0,0-2 0,-6-5 0,1 4 1,-4-4-1,0 1 0,0 0 0</inkml:trace>
+  <inkml:trace contextRef="#ctx0" brushRef="#br0" timeOffset="55795">21520 7356 24539,'-23'37'-1291,"4"4"-37,7 3 184,9 14 593,-10-24 0,0 2 312,6 4 1,0 2 60,-6 5 0,-1 1 50,2 2 0,0 2-446,-1 2 0,0 1 247,1 1 1,-1 0 146,0-1 1,-1 0 186,1-1 0,-1 1 17,2-9 1,0 2 0,-1-2-28,0 3 0,0 1 95,0-4 0,0 2 1,1-5-55,-8 18 16,3 3-54,8-37-208,4-11 210,2-27-90,12-18 1,4-6 142,-7-30-102,5 20 0,4-6 0,-2 4 25,-2 2 0,-2 0-105,1-18 0,0-3 108,0 19 1,2-1 0,-2 2-2,0-7 1,-1-2 224,2-2 1,2-5 0,0 7 67,1 8 1,0 3-3,5-22 0,0 5 112,4 5 17,2 19 0,3 6 765,1 11-265,3 6 0,1 8 653,3 34-1540,-1-6 0,0 4-232,-13 5 1,-1 5-95,4 1 1,1 3 0,-2-1-201,-2 1 0,0 4-228,-3 1 1,3 7-1,-1 0 1,-2-5-918,2 5 0,-2 0 140,-3-6 0,1 6 0,-1-1 0,-2-7 1118,-1-2 1,-2-4 0,0 12-1,-1-3 1,-2 13 0</inkml:trace>
+  <inkml:trace contextRef="#ctx0" brushRef="#br0" timeOffset="55962">21422 8421 24359,'0'-30'-6296,"0"2"4168,31 1 4443,-3 3-898,33 1 227,-7 3-846,6 2-2226,-13 8 1,1 3 1454,-11 2 0,-1 1 0,12 0 0,-1 1 0,14 3 1</inkml:trace>
+  <inkml:trace contextRef="#ctx0" brushRef="#br0" timeOffset="56787">22510 8225 22830,'14'47'-7669,"-3"-3"5110,-1-5 1442,-7 18 1140,16-10-362,-15-9 1,-2-1 309,8 5-324,-4 16-1350,-6-31 2501,3 3-465,-2-17-41,0-6-879,1-18 1321,1-17-499,-2-10 192,5-11-268,-3 14 1,2-2 112,4-22-38,1 3 1,1 0 111,-4 22 1,0 1 39,7-22 1,0 2-97,2-2-19,-6 22 0,1 2 611,11-4 92,-5 18 388,12 3 603,-11 42-2628,12 15-92,-12 17 250,-5-1 0,0 0-375,-2 7 396,-3-3 1,-2-2-794,-4-10 523,0-14 0,-1-3-1428,0-5 2525,1 1-280,-1-21 49,3-23 750,1 10 900,8-59-1195,-3 31-296,1-14 0,1-3 243,3-5-182,-2 9 1,2 0 330,2-2 255,8-8-748,-2 23-499,-5 16 1819,9 2 88,-11 33-2164,9 16-121,-10 12-593,5 9-10,-4-8-186,2 2-421,0-1 746,-3-15 0,1-2-1595,9 13 2600,-2-12 0,3-4 255,6-4 419,28-3 924,-24-16 460,14-6 387,-17-27 167,-1 4-13,-1-25-1608,-13 16 0,0 0 326,7-20-361,-8 4 1,-3-1-507,-2-9-474,-5 20 1,-1 1-818,-1-26-549,-2 22-104,0-10 691,-3 50 1286,2 18-1256,-2 21 277,0 14-7,6-20 1,3 1-1169,8 20-142,0-9 1,-1 0 1791,1 5 0,14 6 0,-11-22 0</inkml:trace>
+  <inkml:trace contextRef="#ctx0" brushRef="#br0" timeOffset="56978">23748 7673 24629,'-6'-12'-8447,"4"3"5242,-5 19 3881,26-8-622,-15 32-463,31-16 1,-31 19-1,13-8 1</inkml:trace>
+  <inkml:trace contextRef="#ctx0" brushRef="#br0" timeOffset="57317">24135 8140 23369,'11'25'-7652,"0"1"5217,4 2 1657,1 1 659,2 3-211,8 16-53,-6-11 231,-5-5 1,0 0-2073,1 2 2423,11 24-202,-16-34 21,6 8-256,-13-26 251,1-2 554,-3-19 117,2-13 227,1-9-92,0-11-381,0 15 1,-1-1 504,3-21-539,0 8 0,1 1 534,1-5-675,-2 17 0,1 2-22,0 6 73,4 3 405,3 18 1326,-1 31-2729,17 15 180,-9 16-555,2-11 0,3 0 14,-10-16 0,2 1-754,18 24 0,3-1 1709,-14-21 1,1-2-1,9 8 1,2-1 0,-9-13-1,-1 0 1</inkml:trace>
+  <inkml:trace contextRef="#ctx0" brushRef="#br0" timeOffset="57861">24985 7075 25618,'-4'-10'-8221,"2"4"5598,21 3 3671,3 28 1,3 10-1511,25 6 456,-16 4 1,1 7-161,3 0 1,0 0 65,-6-8 0,0 2-369,-3-5 0,3 4 1,0 2-1,-2-5 575,-4-3 0,-1-3 0,2 4-34,5 8 0,4 6 1,-1 0-1,-3-5-664,-4-6 1,-3-5 0,1 3 187,6 12 0,2 3 1,-3-4-780,0 2 0,-3-2-153,-1-2 0,-2 1 1283,-1-3 1,-1 0 0,-3-4 0,0 0 0,0-1-1,-1 0 1</inkml:trace>
+  <inkml:trace contextRef="#ctx0" brushRef="#br0" timeOffset="58567">26783 7186 24269,'-25'-10'-2871,"5"2"2956,6 3-250,10 30-895,-11 0 1279,15 30-834,7-14 1,1 2 110,-7-8 0,2 4-141,6 8 0,4 7 0,-4-3 100,-6-2 1,-1 1 241,7 7 1,3 5 0,-3-4-325,-7-7 1,-1-1 420,6 15 0,0-1-422,-3-8 0,0-3 651,-3-16 0,0 0 123,3 14 0,0-3-55,-4-8-37,0 3 213,0-49-67,-18-5 246,14-30-730,-11 5 1,-3-3-78,8 6 0,0-3 254,0-11 1,-1-6 0,1 3-51,-1-3 0,2 1 83,2 5 1,-1-4 0,3 2-33,4-8 0,0 2 69,-2-2 1,-1 0-248,4-1 1,0 1 517,-1 0 1,2 0 192,10 4 1,0 0-94,-10 2 0,4 0 22,13 9 0,8 1 0,-4 1 249,-8-2 0,2 0-200,10 5 1,5-1 0,-1 6 1216,16-9-681,-16 19 1,-1 6 1221,9 7-329,-4 6-199,-5 28-2097,1 23-735,-15 14 510,-7-6 1,-3 1-122,-3-19 1,-4 0 290,-9 8 1,-7 4 0,2-4-604,3-4 0,-3-1 1013,-16 13 1,-8 4 0,5-6 0,10-12 0,1-2 0,-2 1 0,0-1 0,0 1 0</inkml:trace>
+  <inkml:trace contextRef="#ctx0" brushRef="#br0" timeOffset="58878">27340 7723 22920,'7'16'-8409,"-1"-12"8681,-1 29-1375,0-17 45,2 18 897,-1-3-102,2 4-30,-3 3-1587,3 3 2170,1 20-986,-4-14 697,0-9 1,-2-1 527,-1 6-160,0 5-168,-2-19 319,0-6-236,0-4 179,0-4-201,-17-8 2277,-1-21-2232,-3-20-810,-5-12-416,24-11 288,-5 17 0,2 0-637,5-25 120,-2 6 0,4 1 1216,9 24 0,1 2 1,-10-9-1,1 2 0,20-10 1</inkml:trace>
+  <inkml:trace contextRef="#ctx0" brushRef="#br0" timeOffset="59195">28153 7828 24359,'-19'-41'-7414,"-4"2"4995,-29 8 3072,12 13 273,-9 6-10,12 12 338,-4 0-314,3 25-616,-1-3 2358,8 27-1056,3-7-988,7 6-732,15-12 0,1 2-720,-1 20-72,12-10 1,7-2-1245,22 3 996,-3-13 0,5-5 300,-6-14 0,2-4 695,4 2 0,-2-3-162,16-4 905,-2-4-72,-14-10 0,-1-6 1157,6-17-1132,-15 1 1,-5-2 108,-11-24-1329,-6 14 1,-6 0-1126,-21-8 1533,17-15 0,-18 43 1,-4 2-1,-9-19 0</inkml:trace>
+  <inkml:trace contextRef="#ctx0" brushRef="#br0" timeOffset="60011">28655 7796 23369,'-21'-16'-3731,"-3"3"3178,-24 13 2141,13 23-57,11-4-814,-5 23-770,13 9-745,-4-9 182,9 14 672,11-16-674,0-1-709,25 8-1213,-19-12 434,43 3 1315,-17-17 638,11-7 247,11-5 814,-24-22 1362,17-18-318,-24-8-1280,-5-11 1,-4-4 105,-1-10-791,-8 19 0,-2-6 0,0 5-136,0 8 1,-3-1-253,-6-5 0,-3-5 0,2 3-308,4 3 0,0 0-372,-7-14 1,-2 0 14,2 17 0,1 1 737,6 0 1,1-1-31,-7 4 0,-1 0-22,2 2 1,2 2-197,2-25 673,-10 11-375,6 7 219,6 39 1527,-6 6 583,8 39-1756,0 2 208,16 14-507,-15-28 1,2 2-164,16 22 1,1 2 253,-17-13 0,0 1-90,13 4 1,5 5-1,-2-5-828,-9-6 0,1 1-213,12 9 0,6 6 0,-3-8 522,-6-12 1,-1-2 24,12 19 0,-1-4 52,2-12 231,-1-9-75,5-10 1079,-10-10 477,7-25 1721,-17 7-2070,-5-34 0,-5-9 170,2 10-119,-5-18 0,-1-3-146,-1 10-821,-1 11 1,0 2-472,0 3-150,0-2-1545,0 50 1015,0 14 970,16 20-762,-12 0 538,27-11 83,-27-2-147,30-2 252,-19-4-617,18-5 974,-9-5-142,9-4 1266,-6-9-57,10-1 222,-16-27 327,0 16 346,-10-41-1075,-4 23-686,-2-25-136,-2 10-266,-3-2-500,0 1-567,0-12-608,-17 16-793,12-7 1859,-24 28 827,26 26 113,-8 24 275,11 14-1367,8-13 0,0 0-410,-4 11 467,10-17 1,4 0-1296,12 25 2098,7-18 1,7 6-1,-10-20 1</inkml:trace>
+  <inkml:trace contextRef="#ctx0" brushRef="#br0" timeOffset="60253">29928 7771 24089,'-17'-27'-6525,"12"4"3824,-33 5 3588,32 5-2356,-30 5 2845,20 3-594,-10 21 768,11 15-2303,8 31 1403,7-4-583,11-27 1,4 1-1144,2 3 0,2-3 1123,5-8 0,3-1-1064,9 14 0,-1-2-725,13-3 597,-4-13 0,2-3 991,10-6 654,-18-7 1,0-1 980,11-2 628,-1-24-10,-6 5-1892,-16-10 1,-2-5 0,7-10 0,-14 12 0,0 0 0</inkml:trace>
+  <inkml:trace contextRef="#ctx0" brushRef="#br0" timeOffset="60461">30403 7392 24179,'-25'-52'-6769,"-12"5"4995,32 7 778,-24-1 738,18 18-396,-3 0 314,5 39 1520,9 17-2867,17 14 1724,-6-7 1,0 1-401,11 16 143,4-7 1,0 2-140,-3 11 94,7-12 0,1 0-244,-1 6-672,-12-22 0,-2 0-1478,9 20 1724,-13-16-885,0 10 2223,-12-27 1,-28-4 0,-7-12 0</inkml:trace>
+  <inkml:trace contextRef="#ctx0" brushRef="#br0" timeOffset="60579">30153 7632 25078,'0'-35'-5936,"21"2"6773,1 3-48,22 5 778,0 2-286,6 4-1115,-10 10 1,1 1-682,22-1 532,-10 5 1,-2 1 0,5 3 0,-21 0 0,0 0 0</inkml:trace>
+  <inkml:trace contextRef="#ctx0" brushRef="#br0" timeOffset="60947">31653 6935 26068,'-42'-49'-6806,"3"4"4600,3 6 1277,6 6 302,4 7 539,5 7 298,2 10 410,0 5-732,-12 38 1573,6-4-845,3 17 1,1 5-245,8-18 1,3 4-223,-2 17 0,1 10 0,2-7-39,2-9 0,2 0-388,6 10 1,3 6 0,0-9-549,-4-16 1,5-2-557,14 0 1,7 2 0,-1-4-161,-8-7 1,4-2 1495,13-2 0,8 0 0,-3-5 0,-3-5 0,-1-4 0,14 2 0,-1-1 0</inkml:trace>
+  <inkml:trace contextRef="#ctx0" brushRef="#br0" timeOffset="61145">32128 7144 25168,'-17'-15'-5050,"12"4"838,-26 5 6057,28 28-2327,-11-1 1243,14 25-1386,0-5 357,0-7 0,0 2-1328,0 22 1500,-1-6 0,2 0 469,18 10-2793,-9 0 1,1-1 257,11-1 1872,-12-15 0,-3-3 0,-7-6 0,0-2 1</inkml:trace>
+  <inkml:trace contextRef="#ctx0" brushRef="#br0" timeOffset="61528">31865 7428 24359,'22'-26'-2398,"14"-9"2663,16 12 496,-11 6 0,2 1 163,14 3-790,-20 6 0,1 1-528,27 2-213,-19 3 350,-13 8 0,-2 6-351,-4 13-860,3 15-1042,-22-1-138,-4-3 487,-4 2 353,0 22 110,0-13 1040,-10-8 0,-1 1 333,6 4 529,-16 11 994,21-12-467,0-15-46,0 6-326,0-23-179,14-2 25,-10-30-184,21-7 1657,-10-13-1574,4 3 0,2-1 882,8-6-460,-4-2 1,-1-1 490,2-1-572,-3 6 0,-1 0 75,3-6-239,-10 17 0,-1-1-2234,7-18 1376,-8 16-869,0-8 1307,-9 27 0,-2 3 1,-2 10-1</inkml:trace>
+  <inkml:trace contextRef="#ctx0" brushRef="#br0" timeOffset="63262">28240 9700 26697,'15'-50'-3437,"-3"4"1832,-6 3 439,-4-2 244,-2 17 206,-23 1 23,-9 19 1377,2 22 1,-2 5-292,-20 9 211,16 12 0,4 4 148,-4 8-356,13-5 0,3 1 277,1 7-454,13-21 0,2 0-237,-1 18-1666,21-17-1904,7 3 926,20-27 2318,-6-3 227,0-24 1618,4-13-144,-13-8-842,0 0 0,-2 1 507,-5-3 485,10-18-26,-22 31-1987,-4 14 199,-1 17-2052,-2-1-139,0 38 1178,2-19 579,2 9 0,1 2-642,8 11 557,13-1 0,5-1-108,11-3 663,-7-14 1,3-4 967,17-5 838,2-15-723,-12-7 1,1-4 405,-13 1 0,1-4-334,3-5 1,3-6-1,-5 1 399,-5 0 1,-1-2-374,16-22 0,-3-3-363,-21 19 0,-4-3-387,8-25 1,-4-3-360,-14 24 0,-3 0-461,3-12 0,-4-2-342,-15-3 0,-3 2-265,13 12 1,-5-1 416,-17-3 1,-9-3-1,2 4-144,10 4 1,-4 2 518,-15-1 0,-10 0 0,3 4 193,4 6 1,0 3 358,-16-6 0,-2 5 203,13 13 1,0 4 395,-3 1 0,-5 5 20,1 7 1,-8 6 0,-2 2 0,6 0 279,3-2 0,4 1 0,-6 4-472,7 0 1,-7 3 0,-2 2-1,-1 2 1,4-1 0,7-1 282,-9 7 1,7-1 0,-3 6-458,4-2 0,-3 5 0,-2 2 0,3 1 0,6-3 75,-1 3 0,5-1 0,1 7-219,3 4 0,-2 8 0,1 4 0,3-1 0,7-7-226,4-1 1,6-5 0,1 6-178,1-1 1,-1 7 0,1 1 0,5-2-1,8-8-805,14 13 0,12-3 47,-3 0 1,4 3 0,6-8-189,16-8 1,7-6 560,-11-6 0,2 0 0,0-5-181,14-1 1,1-5 488,-15-9 0,0 0 0,1-3 152,0 0 0,1-2 0,4-1-273,1-2 1,4-2 0,1 0 0,-3 0 357,3-1 1,-3-1-1,3 0 301,-4 0 1,3 0 0,0-1-1,-5-3 1,-3-3 0,-3-2-1,-1-1 1,22-5 0,-1 0-1</inkml:trace>
+  <inkml:trace contextRef="#ctx0" brushRef="#br0" timeOffset="63929">29960 9762 26248,'0'45'-6296,"-14"18"5310,10-19 492,-2-3 1,-2 2-656,-3 9 399,10-16 1,-1-2-1051,-9 10 336,11-4 1064,0-6 1,0-6 0,0-4 0</inkml:trace>
+  <inkml:trace contextRef="#ctx0" brushRef="#br0" timeOffset="64049">29667 9552 22560,'-17'-36'-9831,"1"6"6213,9 9 3312,2 6 1,5 6 0,0 2 0</inkml:trace>
+  <inkml:trace contextRef="#ctx0" brushRef="#br0" timeOffset="64465">30183 9488 24359,'4'-27'-3347,"1"10"2818,1 9 1693,10 8 80,-3 0-445,18 15-1307,-10 14-215,-2-1 0,1 3-1148,4 25 1421,-8-23 1,-1 0-205,1 7 1,-2-1-1390,8 21 692,-5-9 0,-1-1-1410,2 3 1645,-5-14 0,-1-1 486,1-3-138,-1 2-265,-5-21 522,-2-8 362,0-4 607,6-23 1218,-2 14-768,3-27 1,0-8 557,4 3-297,1-17 0,-1-4 511,2-5-840,-5 22 1,-1 1 661,3-11-923,-1 10-385,-3 6-70,1 12 286,-3 10 148,6 22-488,-5-5 219,3 40-1447,-1-16-102,1 30 207,2-6-175,-5-10 0,1 2-321,-2-11 1,1 1 1239,7 22 0,2-1 1,9 2-1,-9-21 0,0 0 1</inkml:trace>
+  <inkml:trace contextRef="#ctx0" brushRef="#br0" timeOffset="64879">31370 9657 24089,'-40'0'270,"1"0"179,-10 23 952,17 12-1746,12-1 0,4 3-785,5 25 467,7-18 1,2-1-559,2 8-376,25 10-803,-19-23 388,51-10 408,-30-3 1162,11-16 1,3-3 877,11 3 196,-7-15 1,0-5 1340,4-9-918,-10-8 0,-4-4 1370,0-14-1663,-15 14 1,-3-3-827,-7-8 1,-4 0-134,-2 8 0,-1-1-323,0-28 1,-2-1 42,0 25 0,-2 0 95,-5-5 0,-2-3 0,-2 5-567,-3 3 0,-1 1 162,-8-23 0,0 2-1102,-2-1 1193,10 24 1,2 3-298,9 1 889,-9 8-349,3 11 267,7 31 1032,-7 26 137,30 18-915,-18-23 0,0 2-274,15 14 1,2 0-189,-8-10 1,0 2-641,1 6 1,1 5 0,1-5 159,4-4 0,0-1 833,-1 14 0,1-3 0,-4-19 1,0-3-1,0 0 0,1-1 1</inkml:trace>
+  <inkml:trace contextRef="#ctx0" brushRef="#br0" timeOffset="65428">32048 9766 23279,'-3'14'-2961,"19"-10"3302,7 19-2279,26-21 3015,-13 7-762,4-9 278,-13 0-80,0 0-513,-1-18 1349,3-1-602,-8-2 731,0-26-2258,-14 29 256,-11-16 0,-4-1-1596,3 5 245,-32-21 37,7 31 343,-23-3 272,10 14 944,4 1 787,8 6 882,10 22 612,-4 10-262,17 12-1145,2 4-759,6-6-624,0 2-485,17 1-419,-4-12 1,1 0-1791,9 13 3161,2-15 0,1-2 1,-2 4-1,25 0 1</inkml:trace>
+  <inkml:trace contextRef="#ctx0" brushRef="#br0" timeOffset="65628">32433 9594 26158,'0'-9'-5846,"16"2"9716,10 3-2551,9 1-715,23 22-1352,-19-14 803,13 35-1222,-2-7-437,-14 11 479,-7-11 0,0-1-2376,2 8 3066,-7-7 1,-1 0 0,-1 2 0,5 9 0</inkml:trace>
+  <inkml:trace contextRef="#ctx0" brushRef="#br0" timeOffset="65812">32955 9400 25168,'-14'-16'-6462,"3"6"4652,1 5 2036,-4 21 972,-19 17-135,4 13-2103,8-9 0,-4 5 0,3-2 1038,2-4 1,1 1 0,-1 4-1,-2 4 1,3-4 0,3-4-1,1 0 1</inkml:trace>
+  <inkml:trace contextRef="#ctx0" brushRef="#br0" timeOffset="66695">2513 8278 23279,'-19'-19'-6197,"-13"3"5805,28 6-2584,-26 4 4240,17 19 119,-3 11-932,5 12-700,11 7-1258,0-4 628,0 3-886,0 0 1803,21 0 0,-16-3 0,16-2 0</inkml:trace>
+  <inkml:trace contextRef="#ctx0" brushRef="#br0" timeOffset="66817">2653 8218 23099,'-25'19'-1088,"-9"25"508,31 12 0,-5-17 0,2 1 1,6-6-1,0 0 0</inkml:trace>
+  <inkml:trace contextRef="#ctx0" brushRef="#br0" timeOffset="68028">33410 8575 27507,'17'-7'2827,"0"2"-2394,-5 2-204,3 1-744,-8 2 225,4 0-119,-3 0 102,0 19-2138,3 3-586,-7 13-2,2 14 121,-3-16 114,-1 12-700,-1-7 1325,-1-12-1043,-15 3 5630,11-40-1995,-11-11-37,15-16 490,0-2 328,0-2-825,15 11 646,-11-6-647,11 16-127,-5 10 1897,-7 20-3697,7 12-1447,-10 21 3000,0 5 0,0 10 0,0 8 0</inkml:trace>
+  <inkml:trace contextRef="#ctx0" brushRef="#br0" timeOffset="94124">3157 11146 22470,'47'-7'1154,"5"-2"-576,9 0-410,-25 4 1,1-1-35,4 0 1,1 1-38,7-1 1,2 0-23,5 0 1,2 1 35,7-2 0,2 1 63,-20 3 1,0-1-1,5 0 149,6 0 0,5-1 0,1 1 1,-3-1-374,-11 2 1,-2 0-1,1 0 1,6-1 54,4 0 1,6 0-1,4-1 1,0 0-1,-2 0 1,-5 0-17,4 0 0,-5 1 1,1-1-1,8-1 103,-14 1 0,5 0 1,4-1-1,1 0 1,2-1-1,-2 1 1,-3 0-1,-3 0-94,-2 0 1,-3 0 0,-2 1 0,0-1 0,2 0 0,2 0 5,6-1 1,2-1-1,3 1 1,0-1 0,0 0-1,-2 1 1,-3-1 37,-2 1 0,-2 0 1,-2 0-1,0 0 0,0 0 1,1 0-27,3-1 1,0 0-1,0 1 1,0-1-1,1 1 1,0-1-15,1 0 0,0 1 0,-1 0 0,2-1 0,2 0 0,4 1 26,-10 0 0,4 0 1,2-1-1,2 1 0,1 0 1,-1-1-1,0 1 0,-3 0 1,-1 1-23,-4-1 1,-2 1-1,-2 1 0,-1-1 1,2 0-1,0 0 1,4 0-1,4 0-13,-9 0 1,5 1 0,1-2 0,4 1 0,0 0 0,2-1 0,0 0 0,0 1 0,-1 0 0,-2-1 0,-1 1 0,-3 1 0,-3-1-10,10 0 1,-5 0 0,-3 1 0,-1 0 0,0 0 0,2-1 0,3 1 0,5-1 24,-14 1 1,4 0 0,2-1-1,2 1 1,1-1 0,2 0-1,1 0 1,-1 0 0,0 0-1,-1 0 1,-2 1 0,-2-1-1,-2 1 1,-3 0-30,14-1 1,-5 0 0,-4 1 0,-1-1 0,0 1 0,3-1 0,4 0 0,6 0 26,-19 1 1,3-1-1,3 0 1,3 0-1,2 0 1,2 0-1,0-1 1,2 0-1,0 1 1,0-1-1,-1 0 1,-1 1-1,-2-1 1,-1 1-1,-3 0 1,-2 0 0,-4 1-22,14-2 0,-4 0 0,-4 1 0,-3 0 0,0 0 0,1 1 0,1-2 0,5 1 0,4-1 18,-14 1 1,3 0 0,3 0-1,2-1 1,2 1 0,1-1-1,2 0 1,0 0 0,0 0-1,-1 0 1,0 0 0,-1 0-1,-2 0 1,-2 1 0,-3 0-1,-3 0 1,-3 0-5,16-1 0,-5 1 1,-5-1-1,-1 2 0,-2-1 1,2 0-1,3-1 1,5 1-1,-10 0 1,3 0 0,2 0 0,3-1-1,1 0 1,0 1 0,1-1 0,0 0 0,-2 1-1,-1 0 1,-3-1 0,-2 2 0,-3-1 13,15 0 0,-5-1 0,-3 2 1,-1-1-1,-1 0 0,2 1 0,3-1-23,-6 0 0,3 0 0,2 0 0,0 0 0,0 0 0,-1 0 0,-1 1 0,-3-1 0,-2 2 5,6-2 1,-4 2 0,-1-1-1,-2 1 1,0 0 0,1 0-6,8-1 0,0 0 1,-1 0-1,-1 0 1,0 1-7,-4 0 0,-2 1 1,0-1-1,1 1 0,2 0-22,-3 1 0,3 0 0,1 0 0,0 0 0,-3 0 0,-2 1-2,6-1 1,-3 1 0,0-1 0,3 1-14,2 0 0,5 0 0,1 0 0,-4 1 0,-9 2-38,-5 3 1,-7 2-1,2-2 11,12-5 0,1-1 0,-10 6-204,-17 12 0,-4-1-855,29-12 795,-41 12-1061,-8-5-375,-6-1-653,-40 2 3262,12-5-249,5-21-1284,33 10 2236,13-26-1599,36 15 1947,-41-3-25,34 1 1033,-31 15-3015,-3-4 0,8 6 0,-3 0 0</inkml:trace>
+  <inkml:trace contextRef="#ctx0" brushRef="#br0" timeOffset="98229">23355 6378 24449,'-9'-45'-2512,"0"-1"1,-3 0 0,-5 1 903,-8 0 1,-6 0 1220,-3 1 1,-3 1 580,-5 1 1,-2 2 160,-7 2 1,-2 3-181,14 12 0,-1 2 0,-3 2 61,-4 1 1,-2 1-1,-2 2-369,-4 1 0,-2 2 0,-1 1 896,-5 2 1,-2 3-1,0 1-109,12 0 1,0 2-1,0 0 1,-1 3-89,-4 4 0,-1 2 0,0 2 0,0 0 86,-2 0 1,0 0 0,-1 3 0,-4 5-259,15 0 0,-4 4 0,-1 2 0,-1 2 0,0 1 0,2 0 1,3-1-50,-9 4 1,4-2-1,1 2 1,-2 3-1,-2 6-196,11-6 0,-3 4 1,-1 3-1,-2 2 1,0 1-1,1 1 1,2-1-1,4-1 0,4-1-63,-2 3 1,4-3 0,3 1 0,2 0 0,0 4 0,-1 6-107,4-1 1,-2 4-1,0 5 1,0 2-1,0 2 1,3 0-1,1-2 1,4-2-1,3-3-115,1 2 1,5-2 0,2-2 0,2 0 0,1 2 0,-1 3-12,2-3 0,-1 2 0,0 1 1,0 2-1,3 0 0,2-1 1,2-2-1,5-3-224,5 13 1,7-2-1,3-3 1,2 0-1,-1 0-125,0 2 1,-1 1 0,2-1 0,3-1 0,4 0 60,0-11 1,2 0 0,3-1 0,2 0-1,3 1 1,2 1 197,-3-8 1,3 1 0,3 2-1,1 0 1,2 0 0,0 0 0,0-2-1,0-1 1,-2-3 22,4 4 1,-1-3-1,-1-1 1,1-1-1,2-1 1,4 1-1,4 1 168,-7-7 0,5 1 0,2 1 0,3 1 0,1-1 0,2 1 0,1-1 0,-1-1 0,0-1 0,-2-2 0,-1-3 0,-3-1 44,5 1 1,-2-3 0,-2-2 0,-1-2 0,1 0 0,2-2 0,3 1-1,5 0 52,-7-4 1,3 1-1,4 0 1,2 0 0,2-1-1,1 0 1,1 0 0,0-1-1,-1-1 1,-2 0 0,-1-2-1,-3-1 1,-3-1 130,11 1 1,-3-2 0,-3-1-1,-2-2 1,0 0 0,2-1-1,0-1 1,4 0-8,-8-1 1,0 0 0,2 0 0,1 0-1,0 0 1,1-2 0,0 0 0,1-1-1,-1-2 1,-1 0 0,0-3 21,-1 0 1,0-3-1,1-1 1,-1 0-1,1-2 1,-1-1-1,-1 0 1,0-1-1,-1 0 1,-2 1-1,-1-1 67,8-1 0,-3 0 0,-2 0 0,-1-1 0,1-1 0,0-1 0,2-3 0,4-1-124,-12 1 1,3-1 0,2-2 0,2-1 0,1-1-1,1-1 1,-1-1 0,-1 0 0,0-1 0,-3 0 0,-2 1-1,-3-1 1,-3 1 68,12-8 1,-5 2 0,-3-1-1,-3-1 1,0-2 0,1-4-1,2-4-163,-8 4 0,2-4 0,1-3 0,1-2 0,0-2 0,0-1 0,-2-1 0,-2 1 0,-3 1 0,-3 1 0,-4 2-49,2-6 0,-4 4 1,-3 0-1,-4 0 1,-1-2-1,-1-3 1,0-5-90,-5 5 1,0-5-1,-1-3 1,0-2 0,-2-2-1,0-1 1,-2 0-1,-2 1 1,-2 2 0,-2 3-1,-2 3-167,-3-7 1,-2 3 0,-3 3-1,-3 0 1,-1 1 0,-2-2 0,-1-3 29,0 4 1,1-2-1,-2-2 1,-1 0-1,-1-1 1,-3 1-1,-2 1 1,-4 1-1,-4 2-28,-2 6 0,-4 1 0,-3 0 0,-3 1 0,-2 0 0,-1 2 0,-1 2 0,0 0 0,0 2 0,1 1 12,-4-3 1,1 2-1,1 2 1,-2 1 0,-1 2-1,-3 0 1,-4-1-1,-4 0 159,11 11 1,-3-2-1,-4 1 1,-1-1-1,-3-1 1,-1 1-1,-2 1 1,0-1-1,-1 2 1,0 0-1,0 2 1,2 1-1,0 2 1,3 1-1,1 3 20,-10-4 1,3 4 0,2 2 0,0 1 0,1 2 0,-1 2 0,-2 0 0,-2 1 0,-4 0 0,-3-1 20,15 5 1,-1-1-1,-4 1 1,-1 0 0,-2 1-1,-2-1 1,-1 1-1,-1 1 1,0-1 0,-1 1-1,0 1 1,0 0-1,1 0 1,1 1 0,0 0-1,2 1 1,2 1-1,1 0 1,3 0-71,-13 1 1,2 1 0,2 0 0,1 2 0,2 0 0,1 1 0,-1 1 0,1 0 0,-2 0 0,0 1 0,-3 0 0,-1 0-26,7-1 0,-2 1 0,-2 0 0,0 1 0,-2 0 0,0 0 0,0 0 0,-1 0 0,1 1 0,-1 0 0,2 1 0,0-1 1,1 1-1,2 0 0,1 1 0,2 0 206,-5 1 1,1 0 0,2 1 0,0 1 0,2-1 0,1 1 0,0 1 0,0-1-1,0 1 1,1 0 0,-1 1 0,-1-1 0,0 1 0,1 0 0,0 0 0,0 1 0,0-1-1,0 1 1,0 1 0,0-1 0,0 1 0,0-1 0,1 1 0,-1 0 0,-4 1-1,0 1 1,0 0 0,0-1 0,0 1 0,0 0 0,0-1 0,0 1 0,0 0 0,0-1-1,0 1 1</inkml:trace>
+  <inkml:trace contextRef="#ctx0" brushRef="#br0" timeOffset="125046">5398 13390 26428,'23'-6'3418,"-5"0"-2346,-9 3-129,-4-2-1695,-28 3 18,18-2 426,-30 1 0,-7 3 223,1-3-7,-4 2 1,-2 0-186,12-1 1,1 1-23,-3 1 1,-3-1-73,-22 1 0,-1 0 389,14-1 0,-1 2 118,-6 2 0,-4 1 0,5 2 140,7 1 0,1 2-175,-12-3 0,2 4 138,23 3 0,3 0 585,-23 2-275,12 14-262,13 1-352,11 5-829,10 11 43,18-4 0,5 2-422,-5-6 0,3 1 391,9 9 1,5 4-1,-2-3-523,1 1 0,0-1 533,-3-6 0,1 3 0,0-3-353,3 5 1,-2-2 255,0 1 1,-1 1 233,-2-1 0,0 2 478,-4-5 1,-1 2 0,-1-1 278,0 6 1,-2 2 98,-3 3 0,-1 4 0,-3-4-11,-2-8 0,-3 0 80,-1 3 1,-1 4 0,-1-6 2,2-7 0,-2-2 163,-7 11 1,-1-2 682,4 9-173,-13-10 536,18-9-1101,0-2-433,35-21-557,2-14 1,4-6 447,7-3 1,5-6 412,-6-2 0,6-3 1,1-1-1,-4 1 0,2-1 1,-3 0-1,3-1 0,1-1 1,1 0-1,0 0 0,-1 0 1</inkml:trace>
+  <inkml:trace contextRef="#ctx0" brushRef="#br0" timeOffset="125946">22693 12604 24539,'41'-11'2091,"4"0"-1367,7-1-454,11 0-157,-29 5 0,4 1-128,5 1 0,4-1 0,0 1-63,9 0 1,4-1 57,-8 2 1,6 0 0,0 0-1,-5 0 148,-6 1 1,-4 1 0,5 0-109,1 0 0,7 1 0,2-1 0,-2 1 0,-7 0-64,16-1 0,-2 2 60,-12-2 1,6 1 0,-2 0-1,-10 4-246,-8 5 0,-5 3-24,12-1 1,-6 5-500,-11 24-114,-13-8 0,-6 2-1215,-23 17 1476,14-13 0,-2 3 29,-17 13 0,-5 1 162,7-9 1,0 3 175,0 8 1,-1 7-1,1-4-6,0-2 1,2 2 101,9-12 0,1 7 1,2-1-1,1-4 490,2 12 0,2-1-249,4-8 0,2 2 1,-1-4-104,-6 4 0,5-3-424,20 0 1,4-1-165,-15-2 0,4 0 415,9-4 1,8 1-1,-3-2-203,0 4 0,1 1 235,4 2 0,4 3 0,-3-6 41,-3-6 1,-1-2 202,1 0 1,2 2-1,-4-4-21,-5-7 1,-3-2 178,6 7 1,-3-1 158,-3 17-537,-11-14 231,-29-6 0,-11-2 1091,-24 8-1749,-1-15 0,-12 0 1,1-3-217,14-4 1,0-3-1,-3 0 914,-3 1 1,-5-1 0,-2 0 0,2-1 0,6-3 0,2 0 0,-1-1 0,-1-1 0,-5 1-1,1 0 1,0 0 0,0-1 0</inkml:trace>
+  <inkml:trace contextRef="#ctx0" brushRef="#br0" timeOffset="127812">3382 11715 24359,'30'21'-4597,"-13"1"1454,7 22 1003,-21 2 1426,21 6-438,-13 10 846,0-29 0,0 0 16,-2 2 1,-2-1-724,1 1 1,0-1 588,0-1 0,0 0 230,8 31 222,3-6-524,-1-6 511,-1-21 1,1-3-45,9 9 241,23 3 330,-19-29 936,20-29 1249,-22-6-1802,-7-12 0,-4-6 586,0-17-888,-12 16 0,-1-7 0,-1 5-355,-1 10 0,-2 1-140,2-25 0,-5 4-494,-13 20-1264,11 22-1151,-10 37 2478,39 37-1304,-5 0-495,11-16 0,5-1 2097,-12-15 0,1-3 0,11 8 1,1-2-1,-7-12 0,1 0 0</inkml:trace>
+  <inkml:trace contextRef="#ctx0" brushRef="#br0" timeOffset="128112">4967 11751 25438,'-26'-17'-4681,"3"6"3918,-37 5 1740,20 6-102,-7 22 587,17-3-654,5 21-1148,11-4-566,-4 25 1100,16-9-617,10-5 1,4 0-1492,12 11 1273,2-20 1,8 4-1,-4-5-543,-5-7 0,0-2 496,6 5 0,3 2 0,-4-5-256,9 6 560,5 12-280,-22-28 934,-11 4-509,-3-14 252,-39 3 1341,-19-3-783,18-5 0,-3-2-329,-16 3 1,0-2 759,-11-1-692,13-2 1,3 0 51,4-1 0,4 0 0,28 0 0</inkml:trace>
+  <inkml:trace contextRef="#ctx0" brushRef="#br0" timeOffset="128367">5337 12442 21390,'32'-11'1227,"-1"1"-1,17-10-612,-12 2 1,-1-3-453,1-10-268,-10 3 0,-3-1-337,-1-10-327,1-10 714,-15-1-856,-4 13-801,-2-7 32,-2 18-232,-20-2 61,15 12 19,-29 1 1531,15 12 814,-15 23 1182,2 11-343,13 11-623,7 22-367,12-21-257,6-5 0,6 0-561,28 6-778,-17-16 0,5-2 1188,22-4 1,3-7 0,-16-3 0,0-2 0,14 1 0,1 0-1</inkml:trace>
+  <inkml:trace contextRef="#ctx0" brushRef="#br0" timeOffset="128657">7098 12296 25618,'5'6'-7124,"-1"-2"4901,-3 0 1796,-1-2 1,0 0 0,0-2 0</inkml:trace>
+  <inkml:trace contextRef="#ctx0" brushRef="#br0" timeOffset="129063">6942 12356 24269,'39'-8'2996,"7"0"-2078,11 1-621,-22 2 1,6-1-14,10-2 1,8 0-1,0 0-115,-8 0 0,-1 0 1,8-1-60,-6 1 0,8-1 0,4 0 0,1-1 0,-2 1 1,-3 0-69,-6 1 1,-3 0 0,0 0-1,2-1 1,6 0 9,-6 1 0,5 0 0,4-2 1,2 1-1,2-1 0,-1 0 1,-1 1-1,-3 0 0,-3 0-85,8 0 1,-4-1 0,-1 1 0,-1 1 0,2-1 0,3-1 59,-3 1 0,3-1 0,1 1 0,2-1 0,0 0 0,-1 0 0,-2 1 1,-2 0 49,-2 0 1,-3 1 0,0 0-1,-2 0 1,1 0 0,-1 0 0,2 0-40,1 0 0,1-1 0,-1 1 0,1 0 0,-1-1 0,1 1 0,0-1-41,1 1 0,0-1 0,0 0 0,0 1 0,0-1 0,0 0 0,1 1 1,-1-1 0,1 0 1,-1 0-1,1 0 1,0 0-1,0 1 0,-1-1-2,2 0 0,0 0 1,-1 0-1,1 1 1,0-1-1,0 0 1,-1 0 0,0 1 0,-1-1 0,0 0 1,0 1-1,1-1 0,2 0 1,3 0 16,-9 2 1,2-1 0,2 0-1,1-1 1,1 1 0,0 0 0,0 0-1,-1 0 1,-2 0 0,-3 1-21,3-1 1,-3 1 0,-2-1 0,0 1 0,0 0 0,1 0 0,3 0 0,3 0-8,-6 0 0,4 1 0,2-1 0,3 0 1,0-1-1,1 1 0,0 0 0,-1 0 1,-2 1-1,-1-1 0,-4 1 0,-3 1-14,10-1 0,-5 0 0,-3 1 0,-1 0 0,0 0 0,1 0 1,3 0-13,2 0 0,2 0 1,3 0-1,-1 0 0,1 0 1,-3 1-1,-2-1 0,-4 2-160,10-1 0,-5 1 0,-2 1 1,-1-1-1,1 1-24,-3 0 1,-1 0-1,0 1 1,-1-1-1,-1 1-86,9 0 1,-1 0 0,-1 1 0,2 0-387,-8-1 1,1 0 0,0 0-1,-1 1 1,-5 2-172,11 4 1,-5 3 0,0-2 754,6-7 1,1-2 0,-13 10 0,-17 16 0,-8 3 0,13 10 0</inkml:trace>
+  <inkml:trace contextRef="#ctx0" brushRef="#br0" timeOffset="129547">16547 10744 28766,'21'-17'-64,"-6"4"-2119,-2-4-960,-7 9 3221,-2 1 1,1 5 0,1 2-1</inkml:trace>
+  <inkml:trace contextRef="#ctx0" brushRef="#br0" timeOffset="129762">17503 10997 26607,'20'6'-1233,"-1"1"365,-3 5-694,5 19-334,-7 3 1097,-2 6 1,-2 3-178,-2 23 692,-3-18 0,-1 1-576,-3-8 0,-2-1 481,-10 2 1,-1 1 68,11 1 0,-4 0 394,-24 1 1,-5-1 25,14 1 0,-3-1-1056,-17 1 0,-7-2 1192,1 1 0,-2 0 1,12-15-1,-2-1 0,-1-1 1,-4 1-1,1 0 1,-1 0-1</inkml:trace>
+</inkml:ink>
+</file>
+
 <file path=ppt/ink/ink2.xml><?xml version="1.0" encoding="utf-8"?>
 <inkml:ink xmlns:inkml="http://www.w3.org/2003/InkML">
   <inkml:definitions>
@@ -731,6 +2479,200 @@
   <inkml:trace contextRef="#ctx0" brushRef="#br0" timeOffset="88262">19735 12089 23819,'-18'9'2882,"14"2"-5303,-25 7 3345,13 0-1153,-12 24-376,11-12 73,-3 30-255,18-23-712,-6 13-394,8-18 1114,21-1-1531,-16-4 598,36 5 884,-12-13 302,26 1 885,-9-15 929,1-2-174,-15-3 482,-3-23 503,-3 17 281,-3-40-1799,-5 26 419,-8-22-1547,-1-8-676,-8 9 223,2 7 0,-3 1-963,-22-6-888,17-5-490,-32 20 1898,34 5 1159,-11 6 1,-3 6 0,-3 4 0</inkml:trace>
   <inkml:trace contextRef="#ctx0" brushRef="#br0" timeOffset="88630">20058 12096 24089,'7'0'1169,"4"18"-6389,0 4 2277,8 22 895,-5-10 757,9 14 386,-9-21 519,10 18-1744,-9-22 155,3 6 1744,1-9 193,-3-8 121,11-1 1137,-8-8 278,16-25 1014,-11 17-47,8-43-853,-7 26 754,0-25-604,-2 10 89,7-15-1394,-11 16 719,10-18-1924,-20 37-278,5-4 1022,-12 21-50,3 17-1512,-1-13 421,4 32-778,3-6-1321,0 10 2919,0-8 0,1 0 0,3 10 0,8 15 0</inkml:trace>
   <inkml:trace contextRef="#ctx0" brushRef="#br0" timeOffset="88768">21642 12389 28496,'-24'-24'-2458,"-14"-9"0,33 6 1,-13-7-1</inkml:trace>
+</inkml:ink>
+</file>
+
+<file path=ppt/ink/ink20.xml><?xml version="1.0" encoding="utf-8"?>
+<inkml:ink xmlns:inkml="http://www.w3.org/2003/InkML">
+  <inkml:definitions>
+    <inkml:context xml:id="ctx0">
+      <inkml:inkSource xml:id="inkSrc0">
+        <inkml:traceFormat>
+          <inkml:channel name="X" type="integer" min="-2.14748E9" max="2.14748E9" units="cm"/>
+          <inkml:channel name="Y" type="integer" min="-2.14748E9" max="2.14748E9" units="cm"/>
+          <inkml:channel name="F" type="integer" max="32767" units="dev"/>
+        </inkml:traceFormat>
+        <inkml:channelProperties>
+          <inkml:channelProperty channel="X" name="resolution" value="1000" units="1/cm"/>
+          <inkml:channelProperty channel="Y" name="resolution" value="1000" units="1/cm"/>
+          <inkml:channelProperty channel="F" name="resolution" value="0" units="1/dev"/>
+        </inkml:channelProperties>
+      </inkml:inkSource>
+      <inkml:timestamp xml:id="ts0" timeString="2021-07-17T06:06:20.538"/>
+    </inkml:context>
+    <inkml:brush xml:id="br0">
+      <inkml:brushProperty name="width" value="0.12095" units="cm"/>
+      <inkml:brushProperty name="height" value="0.12095" units="cm"/>
+      <inkml:brushProperty name="color" value="#FF0000"/>
+    </inkml:brush>
+  </inkml:definitions>
+  <inkml:trace contextRef="#ctx0" brushRef="#br0">1652 1098 24179,'-12'-31'-8435,"2"4"6918,-8 3 1434,5 11 236,-3 3 817,5 41-99,4-2-466,-3 35-1809,6-6 1830,1-24 1,0 1 36,1 3 1,1 1-337,0 2 1,1 1-103,-1 0 0,1 1-279,0 0 0,0 0-223,0 0 1,0 0 65,-1-3 1,2 3-944,4 3 0,2 4 1,-1-4 520,-5-2 0,2-1-23,13 23 1,0-4 766,-12-7 1,10-6 0,-14-3 0</inkml:trace>
+  <inkml:trace contextRef="#ctx0" brushRef="#br0" timeOffset="150">1367 2090 22830,'-14'-24'-7900,"3"0"4832,11-9 2640,0 7 224,24-20 1444,16 19 546,15-9-1526,-12 17 1,2 3-305,-14 3 0,1 0 416,25-6 1,2 0 0,-22 9 0,1 2 0,11-4 0,1 1 0</inkml:trace>
+  <inkml:trace contextRef="#ctx0" brushRef="#br0" timeOffset="664">2428 1642 24269,'-44'15'4899,"-6"6"-3684,15 10-2054,-6 3 432,14-3-263,12 5-496,-11 3 729,22 22-1041,-10-14 382,21-8 1,8 0-1924,7 3 1998,-2-15 1,4-2-946,16 6 702,5-4 651,4-5 59,4-5 1145,-1-7 321,2-5 199,-19-3 1,0-4 902,16-22-906,-13 7 1,-4-4 574,0-31-1392,-15 23 1,-3 0 41,-1-18-825,-6-2-48,-6-1-130,-2-14-896,-1 19-744,-14-12 84,10 35 769,-11 23 2163,15 26-1283,21 33-446,-15-7 634,20-15 1,3-2 187,-7 7 39,3-16 0,1-2 495,6 5-46,2-5-1985,0-6 1663,17-5 1685,-15-7 216,22-19 276,-29 8-937,-6-20 1,-3-6-159,-3 4-322,-5-9 0,-3-2-535,-2 1-311,-2-7-730,-4 21-145,-1 2-901,0 26-189,0 12 872,20 14 1,6 5-1367,0 15 573,14-9 1,3-2 1970,-2-1 1,-13-16 0,1-1 0,12 5 0</inkml:trace>
+  <inkml:trace contextRef="#ctx0" brushRef="#br0" timeOffset="815">3897 1682 23999,'-26'-23'-5547,"19"1"1678,-40 5 4791,30-2-1881,-22 7 1704,24 0-3323,-9 8 2797,16 1 1,-2 3 0,4 0 0</inkml:trace>
+  <inkml:trace contextRef="#ctx0" brushRef="#br0" timeOffset="1015">2488 1273 23999,'-19'-33'-7241,"5"1"3819,8 2 2416,48-20 3074,-9 21-1010,16 5 1,5 4-248,-20 14 0,1 3-1036,13-2 0,2 2-524,-9 1 1,-1 4 951,4 10 0,-1 2 0,4-3 1,0 1-1,1 12 0,0-1 1</inkml:trace>
+  <inkml:trace contextRef="#ctx0" brushRef="#br0" timeOffset="1399">4795 1562 24359,'0'53'-6296,"0"-8"4168,18 4-226,-14-8 1730,11-10 0,1 2-214,2 17 430,-4-9 1,0-1-65,3 3-1855,4 8 1697,-12-18 205,2-14 529,3-3 258,-9-13 661,7-42 251,-5 12-754,-1-15 1,0-3 457,2-9-457,3-4 0,-1 1 446,2 0-461,-1 10 0,2 6 116,-2 20-113,12 2 565,-8 19 68,17 34-1338,-10-8-297,9 31-851,-10-25 0,1-2-437,13 19 1665,-9-17 1,1-1 0,16 9 0,4-2 0</inkml:trace>
+  <inkml:trace contextRef="#ctx0" brushRef="#br0" timeOffset="1781">6178 1667 23999,'-52'-15'-1449,"10"6"1098,-5 3 516,12 6 306,2 0-157,3 20 288,-2 3-208,17 20-1341,0-11 954,38 8-1701,-17-18-87,47-3 1089,-10-1-75,14-15 521,-19 2 1,-2 0-280,6-5 1472,6 0 308,-22-21 1180,-4-5 83,-11-21-2893,-3 10 65,-8-4-1037,-18 17-318,14 28 1788,-14 8 148,18 36-1233,7-13 1,5 2-84,2-6 0,2 1 553,2 12 1,3 1 20,10 5 0,-1-1 241,-11-11 0,-1 0 81,3 4 0,1 3 0,-2-4-987,-5-5 1,-1 0-93,6 21 0,-4-1 750,-6 5 403,-4-24 0,-4-2-625,-21 7 497,15-6-884,-50-9 1782,23-6 0,-35-11 1,11-4-1</inkml:trace>
+  <inkml:trace contextRef="#ctx0" brushRef="#br0" timeOffset="2215">7975 1417 24539,'-20'-20'-5399,"15"4"2007,-39 9 5406,27 3-1054,-23 4 219,12 22-133,-11 16-579,12 13-924,10-8 0,3 0 70,4 14-322,17-8 1,8 0-2419,13 5 2985,0-20 1,4-3 0,-3-12 0,1-3 0,4-1 0,-1 0 0</inkml:trace>
+  <inkml:trace contextRef="#ctx0" brushRef="#br0" timeOffset="2468">8760 1589 24359,'-52'-17'-1215,"1"8"1222,8-3-188,-2 11 769,0-4-475,2 5 396,4 16 617,7-12-883,15 30-333,-4-9 282,19 9-1059,37 0-658,0-3 1154,3-23 1,3-1 71,20 20-359,-28-24 1,0-3 454,1 6 0,0-1 473,12-5 1,0 0 24,17 0 488,-21-6 1,-5-5 1174,-11-12-957,-5-21-1327,-55 7-834,1 0-266,-16 16 1,-6 3 277,18 4 1,-2 1 1074,-7-2 0,-5-1 0,4 3 0,5 1 0,0 1 0,-13-3 1,0 0-1</inkml:trace>
+  <inkml:trace contextRef="#ctx0" brushRef="#br0" timeOffset="2648">9040 769 24988,'-21'21'-285,"16"23"-3348,-16-18 1796,11 13 1,5 5 1603,1 20 0,-4-18 0,0 1 0,8-9 0,0-1 0</inkml:trace>
+  <inkml:trace contextRef="#ctx0" brushRef="#br0" timeOffset="3082">10200 924 24898,'-45'-42'-5162,"5"4"3191,6 7 1823,10 7-485,4 9 561,10 29 927,3 28-1019,7 18-700,8-3 0,3 1 591,-1-19 1,1 1-120,3 7 1,1 5 0,-2-4-213,-2-4 1,-1-1 30,2 2 0,2 4 0,-1-5-194,-3-8 1,1 0-532,6 24 0,0-4 380,2-8 622,-9-12 1,-9-4 738,-21-17 2163,-9-3 452,-11-11-714,-15-25-922,23-9-809,-9-14-418,26 16 0,4-1-305,-2-9-137,4 6 0,7 1-1746,34-6 716,-8 7 1,4 2 914,6 12 1,3 2 577,4-5 0,-1 1 1,-3 7-1,-1 1 0,2 0 1,0 0-1</inkml:trace>
+  <inkml:trace contextRef="#ctx0" brushRef="#br0" timeOffset="3631">11052 820 23459,'-23'-31'-6418,"18"3"3853,-43 4 3235,42 2-2288,-42 5 2654,42 2-1900,-31 7 1840,33 27-2206,-11 5 2631,15 28-1019,0 1-1045,21 9 751,-19-27 1,2 2-916,24 21 0,4 1 850,-19-14 0,0 2-652,8 3 1,6 4 0,-3-4 144,-4-7 0,-1-1-385,4 11 0,0-1 560,-6-20 1,-2-2-219,13 26 404,-2-10-71,4 3-152,-11-21-158,6-2 783,-14-19 857,5-23 974,-9-18-1106,3-11-526,-4 6 0,0-2 350,1-12-335,2 7 0,0 1 308,0-2 60,8-17-454,-5 44-593,15 1 1818,-9 38-2026,22 15 356,-13 9-235,-2-9 0,2 1-286,11 6 355,-14-13 0,1-1-332,15 6-256,1-5-501,22-6 2152,-14-6-132,14-7 936,-10-4-9,-17-27 320,7-9-121,-29-14-1498,-2-3-332,-11 9-917,-1-3 26,-27 0-370,-5-14-524,-2 17 726,9 12 0,0 2-638,-2 9 1620,-15-1 522,18 43 968,12-5-391,12 24-698,20-7-924,16 18-818,11-10 109,-9-11 0,1-2 1283,12 2 0,-16-15 0,0-2 0,14 2 0</inkml:trace>
+  <inkml:trace contextRef="#ctx0" brushRef="#br0" timeOffset="3832">11830 887 23009,'-21'-20'-5541,"3"2"3333,11-1-338,3 6 1217,23 1 3770,11 7-760,24 4-631,-8 1-2399,16 19 1495,-26 2-90,7 3 1,-18 10 0,-3-12 0</inkml:trace>
+  <inkml:trace contextRef="#ctx0" brushRef="#br0" timeOffset="3981">12285 611 23099,'39'-40'349,"-9"14"-9,18-3 584,-24 22-225,14 42-2903,-26-3-723,-2 21 0,-3 6 2785,-5-20 0,-4 0 1,-6 18-1,-5 2 1,-1-13-1,1-1 1</inkml:trace>
+  <inkml:trace contextRef="#ctx0" brushRef="#br0" timeOffset="4348">13787 839 24359,'0'-58'-6206,"0"4"4078,0 11 1243,15 9 2072,-11 9-1268,12 12 1508,-16 35-2154,0 5-779,0 35 1461,0-17 0,0 2 45,0-8 0,0 1-420,0 8 0,0 5 1,0-5-371,0-3 0,0 0 181,0 2 1,0 4 0,0-6-552,-1-7 0,2-2 1105,6 17 0,0-2 0,-3-4 1,11 7-1</inkml:trace>
+  <inkml:trace contextRef="#ctx0" brushRef="#br0" timeOffset="4952">13677 1386 22740,'-11'-47'-7974,"3"1"5484,8 0 2740,24 8 1,6 2 1293,7-7-857,4 11 0,4 5 802,17 9-1326,-12 10 0,2 3-250,-11 1 0,1 2 1016,13-1 1,1 3-60,2 6 0,-2 2-469,-13-7 1,0 2-389,1 4 1,3 3-1,-5-1 11,-7-1 1,-2-1-256,6 1 1,-3 0-351,4 3 93,-15 1 339,-6-9 226,-11 15-2036,-25-16 2415,-12 11 598,-22-4 138,21 5-19,-15 3 99,40 1-1460,-27 3 885,29 5 141,-8 2-1854,11 2-1122,0 1 109,18 17-758,14-14 1531,-2-6 0,3-2 650,27-1-115,-26-11 1,-1-2 1219,16-1-174,-1-6 980,-4-2 182,11-21 1414,-20 14-1886,-12-20 1,-4-5-125,-7 5-601,-3-19 0,-8-3-833,-17 4-339,7 3 0,-2 3-1059,-9 9 328,-9-3-441,25 39 540,-10 17 1369,32 31-940,11-3 801,-2-16 1,3-3 785,21 7-552,-13-11 1,1-1 116,8-1-1,-8-12 1,0-3 14,4-4 110,10-4 1760,-14-31 410,-12 18-1165,-10-24 1,-4-6-149,-3 11-299,-5-12 0,-2-2-803,-2 4-609,-1-19-501,0 29-112,0-3-683,0 41 201,0 12 546,22 19-876,-17 3 377,37-8 1664,-13 15 0,9-16 0,0 10 1</inkml:trace>
+  <inkml:trace contextRef="#ctx0" brushRef="#br0" timeOffset="5100">15930 971 23999,'-20'-16'-5314,"3"3"5619,17 6 1,0 23 0,0 6-1</inkml:trace>
+  <inkml:trace contextRef="#ctx0" brushRef="#br0" timeOffset="5298">15237 480 23099,'29'-12'2831,"22"1"-2742,-15 7-255,12 2-1464,4 40 997,-33-6 1,-4 2-1,-2 3 1,-3 19 0</inkml:trace>
+  <inkml:trace contextRef="#ctx0" brushRef="#br0" timeOffset="5648">16988 940 26338,'-14'-33'-8905,"10"4"6966,-11 8 881,15 25 1082,23 10 639,-17 24-1004,25-6 0,4 0 419,-8 21-1022,14-6 1,4-1 1319,-21-20 1,1 0 6,16 14 0,1-4 106,7-3-281,-18-16 1,-2-4 66,9-5 1464,-3-8-274,-3 0 332,8-51-965,-11 14-1365,-8-19 1,-4-5-64,-7 26 0,-3 0 543,1-30 1,-2 0 0,-4 27 0,-1 2 0,-1-12 0,0 0 0</inkml:trace>
+  <inkml:trace contextRef="#ctx0" brushRef="#br0" timeOffset="5948">17930 1375 23819,'40'29'-2687,"11"-2"1853,-13-14 1419,14-20 997,-22 4-1002,-9-24 1,-2-5-621,1 2-138,-8-2 0,-1-4-383,-4 1 0,-2 1 482,2-20-180,-4 8 0,-1 1-725,-2-7-23,-8 14 1,-6 2-1632,-12 2 1402,-25 1 948,6 43 1846,5 31-325,19 12-1023,13-4 0,5 2-191,1-17 1,4 0-92,9 11 0,2-1-212,-7 17-348,19-33 0,6-1-2083,0 13 1,3-2 2460,-3-16 1,1-3-1,9 8 1,-1-5 0,1-14-1</inkml:trace>
+  <inkml:trace contextRef="#ctx0" brushRef="#br0" timeOffset="6148">18028 660 24179,'0'-15'-5846,"0"3"3807,0 1 1065,23 4 3933,1 4-1436,26-1-643,-25 21-1554,31 7-211,-37 9-95,27 3-810,-14 8 192,-9-8 925,4 11 0,-13-17 0,-1-2 0</inkml:trace>
+  <inkml:trace contextRef="#ctx0" brushRef="#br0" timeOffset="6300">18592 583 24718,'29'0'0,"22"0"0,-9 0-271,1 6 1,1 3-2200,15 10 2373,-1-2 1,1 3 0,-19-5 0,0 0-1,14 1 1,0 0 0</inkml:trace>
+  <inkml:trace contextRef="#ctx0" brushRef="#br0" timeOffset="7400">20372 470 23729,'6'-13'-2040,"-3"1"404,-1 3 1575,-2 3-1044,-20 21 2717,15 5-1397,-18 1 1,-5 3 553,-1 28-972,-1-19 0,-3 2 469,4 5 0,0 3 42,-4 5 0,-1 1 44,-3 5 0,0 2 30,11-17 1,0 0-1,0 1-947,0 0 1,-1 2-1,1-1-1,1 0 1,-1-1 0,-1 3 508,2-1 0,-2 2 0,-1 0 0,3-3 0,-1 2 0,2-2 0,-1 2 0,-6 10 0,-1 0 0,1 0 0</inkml:trace>
+  <inkml:trace contextRef="#ctx0" brushRef="#br0" timeOffset="7998">20793 1025 22920,'0'-23'-6296,"0"2"4257,-14 6 1553,11 7-1191,-11 29 3349,4 4-1163,8 30-533,-8-13 0,-1 1-504,7-8 1,1 2 586,-4 6 1,-1 4 0,2-4 129,0-2 0,1-3-59,-1 13 0,1-2 796,-1 9-1871,2-9 472,1-7 435,1-4-84,1-15-745,0-2 718,18-39 1439,1-30-900,3-4-108,-5 17 1,-1 1 378,5-26-48,10 16 75,-14 13 0,-1 2 317,3 4 241,4 3-1244,-8 16 1720,3 6-812,-3 0-114,12 19-1083,-6 10-430,0-2 0,0 2-672,8 18-535,-2-15 1,2-3-1472,8 2 2959,14-2 1,-12-9 0,2-7 0</inkml:trace>
+  <inkml:trace contextRef="#ctx0" brushRef="#br0" timeOffset="8536">21567 709 23189,'0'-7'-4586,"-13"2"5349,10 27-1508,-10 3 1209,13 28-1444,0 0 280,0 12 438,0-27 0,0 1-537,0 2 1,0 2 798,0 23 0,0 1-434,0-17 0,0 1 289,5 2 0,3 5 0,-2-6-346,-5-8 1,2-1 4,13 21 1,3-3-743,3-3 593,-13-24 1,3-4-1776,20 4 1524,-14-18 285,14-2 1484,-9-38 1067,7-15-73,-13-14-732,0 2 0,-1 0 356,-2-4-725,-1 5 0,-2 3-51,-5 13-148,5-3-655,-6 27-421,3 4 1120,-3 26-1731,1-15 807,0 44-420,8-3-342,-1 13 746,-1-18 1,1-1-974,7 6 460,-2-12 1,2-1-1460,6-2 2393,10 3-411,-9-24 1226,1-4 771,-1-6 376,0 0 182,-3-15 342,0 11-86,5-50-1040,-9 29-360,-6-10 0,-3-2-935,-1 0-471,0-25-619,-8 34-535,1-2-307,-2 22 69,2 31 518,2 5-219,2 15-1212,9 10 384,-3-18-250,4 9 2337,5-7 0,-5-13 1,7 3-1</inkml:trace>
+  <inkml:trace contextRef="#ctx0" brushRef="#br0" timeOffset="8699">22377 1091 23909,'0'-10'-8364,"0"3"7637,0 20 1,20 9-1,6 17 1</inkml:trace>
+  <inkml:trace contextRef="#ctx0" brushRef="#br0" timeOffset="9054">22693 1280 24269,'7'22'-7316,"1"20"5298,-4-20 1012,2 24 545,-1-7 190,5 23-31,-2-15 40,2 16-1639,-3-23 2170,1-3-364,-1-5 40,1-3-135,-2-8-65,-2-3-84,2-7 237,-1-5 3,7-24 1578,-3 13 1080,5-43-1536,-1 23 375,0-29-405,3 8 383,0-1-122,0 0-120,-1 4-1179,4-5-1233,-4 17 1608,9 5 153,-11 19 1217,6 7-753,-4 18-1644,2-13 1011,1 43-1593,11-3 13,-5 14-212,-2-16 0,2-3-1559,4 7 2649,2-5 1,2-3-1,-1-5 1,-8-11 0,1 1-1</inkml:trace>
+  <inkml:trace contextRef="#ctx0" brushRef="#br0" timeOffset="9232">22905 617 26068,'-12'-26'-8475,"1"6"5826,4 3 985,21 11 4565,18 16-4240,14 18 1300,-7-1 0,1 3 1,-11-2-1,-1-1 1,12 5-1,-1 0 0</inkml:trace>
+  <inkml:trace contextRef="#ctx0" brushRef="#br0" timeOffset="10372">24553 838 26607,'-45'-47'-6242,"16"15"4249,-3-3 957,24 45 2442,2 4-1112,26 32-1710,-16 0 970,13-3 0,3 4-752,-9-12 0,0 3 1005,3 6 0,0 4 0,-1-4-78,-2-3 0,1-1-164,6 23 1,-2-2-1941,-3 4 1291,-4-18 0,-1-3 1133,1-2-172,-9 4 833,-24-22 1388,-13-12-764,4-5 1,-2-4 1051,-21-18-627,0 10 253,21-33-1578,7 18 451,12-21-1521,-3 8-1385,17-2-223,-7 1-98,52-11 2750,-9 14-260,15 7 1,6 3 820,-21 11 1,2 1-594,28-5 0,1 2 706,-25 8 1,-1 0-209,13-2 1,-2 1 704,15 1 350,-5-3-1768,-6 1-255,4-7-150,-18 0 516,4-19-49,-30 7-739,-3-11-361,-11 5-287,0-1 63,-20-3-37,-1-16-1307,-3 13-232,-7-19 311,28 32 1446,-22-6 87,23 48 1210,-9 2 602,11 35-789,9-12 0,1 1 16,-8-8 0,0 2-220,9 7 0,3 5 0,-1-4 28,-3-2 0,1 0-117,5 10 0,4 7 0,0-9-211,-2-12 1,1-1-245,2 4 1,1 3 0,-1-8-1355,11 4 1247,-7-16 0,1-3 840,1-8 536,16-3 875,-22-34 338,5 2 633,-11-23-1140,-1 4 72,0-6-663,-7 12 1,-1-1-112,2-20-492,-1 14 0,-1 0-858,-3 0-364,3-3-404,-3 24 1136,2 11 435,0 2 690,9 7 405,-3 21-2041,16 11 378,-6 13 34,-3-12 1,2 1-528,7 9 227,-10-14 0,1-1-1689,24 21 458,-8-14 423,-3-12 0,3-3 2229,10-6-195,-5-6 1,1-2 1417,9-6-900,-8-6 1,-2-4 1677,4-16-1165,-9-4 1,-5-5 226,-8-15-1226,-7 10 1,-3 0-286,-10 1-960,-22-19-1338,-5 30 286,-25-3 243,12 23 804,-1 2 611,8 28 1311,15-3-436,-8 39-103,22-17 39,-5 16-582,26-16-1679,-13 0-331,36-2 260,-35-3-1017,47-4 1335,-32-5 26,26-6 1885,-14-6-348,-1-6 1474,10-6-61,-13-3-246,10-24 834,-21-10-1814,-3-13 628,-7-18-1283,-7 25-124,3-26-706,-4 33-438,-18-12-909,14 48 2575,-14 10 736,18 24-1683,16 21-74,-12-20 129,12-7 1,3-1-517,8 2 227,7 5 770,0-18-153,-10-9 0,-3-4 1,2-6-1</inkml:trace>
+  <inkml:trace contextRef="#ctx0" brushRef="#br0" timeOffset="10748">26768 1432 23549,'0'-18'-6205,"0"28"3986,0 9 1155,22 20-344,-17 0 713,21-17 0,3-2 862,-7 10-392,9-6 0,3-3-1032,2-7 1662,-5 0 0,0-2 589,5-10 673,19 6 303,-28-25 1843,6-22-2405,-23 0-818,-4 6 1,-3 0-454,-3 0-857,-23-19-930,17 27 80,-31-5 640,33 46-633,-11 40 712,15 10 589,7-8 0,3 1-50,0-26 0,0 0 110,-1 11 1,3-1 176,4-12 0,-1-2-102,-11 30-380,22-3-10,-23-19 0,-3 0-7,11 15-49,-10-14 1,-2-3 139,1-2-1233,-27 5 2341,-11-26-83,-16-3 1,-5-9 0,12 0 0</inkml:trace>
+  <inkml:trace contextRef="#ctx0" brushRef="#br0" timeOffset="10932">26275 780 24539,'25'-45'-2243,"19"5"3075,-38 7-1063,23 13 0,5 4 1491,-10-3-830,18 7 0,1 4-690,-7 5-1002,0 10 1,-3 6 888,-4 16 1,11 11 0,-14 0-1</inkml:trace>
+  <inkml:trace contextRef="#ctx0" brushRef="#br0" timeOffset="11084">27197 386 23819,'-17'-4'-2089,"13"17"70,-28 23 2381,6 14-435,4-1 0,-3 3 0,4-13 1,0 1-1,0 16 0,0 0 0</inkml:trace>
+  <inkml:trace contextRef="#ctx0" brushRef="#br0" timeOffset="11766">28275 845 26068,'-13'-35'-8361,"5"6"5998,-1 1 974,8 13 1296,17 18 1928,5 24-2257,2 10 129,-6-1 1,-2 1-2107,3 14 1897,-3 11 0,-1 2 159,-5-30 0,-2 1-181,0 31 1,-5-2-70,-2-6-246,-8-22 1,0-1 1068,4 8 171,-35-6 1883,34-5-1396,-43-5 1645,28-6-821,-23-6 989,1-6-493,10-5-123,-12-24-1157,21 14-633,5-53-1106,12 33-1627,6-32 1076,18 21 76,-13 2-480,44-1 1722,-23 11 1,1 2 613,6 5 1,4 2-23,18-10 0,1 3 890,-20 11 1,1 2-173,11-2 0,1 2-302,-15 6 1,0 1-185,31 0 665,-4 3-1592,-6 0-153,-7 0-346,-8 21-1120,2 2 387,-16 3-479,3 21-310,-21-31-76,-2 24 450,-6-17 198,-21-3 1584,16-3-41,-29-8 1526,30-21-2111,-9-9 753,13-10 439,21-16 365,2 16-313,0 3 0,0 1-1436,1-3 740,2 7 0,1 2-980,-7 0 1781,38-2 0,-28 13 1,8 1-1</inkml:trace>
+  <inkml:trace contextRef="#ctx0" brushRef="#br0" timeOffset="12331">29478 1386 25258,'0'-37'-5666,"16"17"6993,-12-13-2764,23 29 3229,-24-30-2896,19 22 2542,-19-15-2292,15 9 846,-8-4 784,0 4-1018,3-2 1059,-11 7-2394,8 0 2721,-7 1-2819,5 2 2829,-2-2-1913,-1 3 913,2-1 40,0 3 152,8 1 1697,-4 4-1488,5 1 660,5 17-2035,-5-12 1125,14 23-1180,-13-11-134,16 14-490,-11-13-415,24 18 378,-21-30 993,20 21 796,-26-25 81,9 4 776,-16-5 370,1-16-302,-9-5-1163,-2-10-254,-19-13-1690,12 16 954,-26-22-848,11 25 173,-10-13-111,12 21 652,-4 4 1347,12 25 850,-2 21 451,1 10-1257,10-4 1,1 2 151,-3 13-269,0-5 0,6 0-4,19 7-481,-21-20 1,3-1-429,35 6-715,-35-4 255,32-6-391,-9 1 511,9-13-629,13-3 2071,-21-12 1,11-4 0,-14 0 0</inkml:trace>
+  <inkml:trace contextRef="#ctx0" brushRef="#br0" timeOffset="12682">30423 1189 23999,'14'0'809,"0"0"-269,1 0-450,5 15-2081,-4-12 1833,4 24-1627,-4-7 616,-6 7-1230,3 15 199,-8-15 350,0 18 54,-4-20 1654,-1 12-929,0-24 1316,0-20 101,17-35 1298,-13-6-621,19 2 1,3 0 424,-6 2-716,7 3 0,3 3 637,1 8 269,20-1 360,-19 21 175,9 5-1123,-13 5-87,-2 27-1930,-2-21 383,-8 27 1,-1 4-2079,8-12 531,-6 12 0,-3 2-2461,-2-4-137,2 6 4173,-11-17 0,-1-12 0,-2-3 0</inkml:trace>
+  <inkml:trace contextRef="#ctx0" brushRef="#br0" timeOffset="12882">29840 662 25438,'0'-50'-1611,"24"16"0,7 2 3011,11-14-992,-5 22 0,9 1 1,-3 3 371,-4 5 0,0 2-379,14-4 0,1 2-229,0 9 1,-3 3-199,-13 0 0,-1 1-1088,19 7 1,-4 7 21,-4 22-606,-21-12 1,-4 3 1134,-8 35 1,-7-3-1,-8 5 1</inkml:trace>
+  <inkml:trace contextRef="#ctx0" brushRef="#br0" timeOffset="14065">1992 3761 23909,'-16'-13'-5370,"3"2"3559,1 5 2222,3 3 271,-1 3 317,1 16-806,2 1-380,2 20-1185,3 1 1309,1 8-5,1 6-645,0 8-183,0 2 164,-1-28 1,2 0 128,7-1 0,1 1 61,-9 15 1,4 0 200,13-13 1,0 0 79,-15 21 0,0-3 321,30 2-523,-28 5 351,17-24-347,-19-17 622,5-24 1978,-7-30-1504,0-17-528,0 8 0,0-1 69,0-17 118,13 9 1,1 1 336,-7-5-120,19 21 1,8 3 1262,16-7-1872,-18 27 1,4 5 1119,11-5 0,-1 7 792,9 23-1259,-20-9 1,-2 3 146,6 29-1211,-5 0-208,-7 6-1359,-7 5-659,-7 2 683,-7 1 1030,-2-18 0,-5 0-42,-26 17 1130,9-14 1,-4-3 875,-33 0 57,15-14 0,-1-2 1015,-11-8-1119,19-6 1,-1-2-708,-28-5 52,20-24 0,-8 4 0,21-21 0</inkml:trace>
+  <inkml:trace contextRef="#ctx0" brushRef="#br0" timeOffset="14334">2933 4199 22740,'26'18'-3635,"-5"-1"2558,-2 17-1057,-8-7 733,-2 2 474,-5 1 564,-2 1 124,0 5-1350,-2-2 1239,0 14 17,0-13 864,0 17 223,0-24-209,0 3 32,0-11-551,0-10-34,0-23 8,12-6 1139,-9-24-1143,10-2 0,3-2-14,0-15-260,-5 21 1,2-6-1,0 7 85,16-20 381,-7 15 0,3 2 1,9 1-1,-11 17 0,0 1 1</inkml:trace>
+  <inkml:trace contextRef="#ctx0" brushRef="#br0" timeOffset="14654">4038 4206 24449,'-47'0'539,"-14"-12"-1528,23 9 930,-27-9-292,31 12 674,-19 21 585,30 8-1163,1 12-310,15 4-742,7-8-8,0 3-38,27 18-525,12-17 1180,-2-10 0,3-5-137,-7-14 0,0-5 750,13 4 0,-1-3 315,9-8 562,-21-8 0,-1-4 1488,7-7-104,-7-21-234,-8 3-995,-11-25-1291,-6 15-642,-19 6 0,-4 1-1961,-8-3 2714,-15 7 0,-5 5 0,-2 9 0,11 8 0,-1 0 0</inkml:trace>
+  <inkml:trace contextRef="#ctx0" brushRef="#br0" timeOffset="14865">4422 4120 25618,'8'0'0,"1"15"-5389,0-11 5122,3 35-1914,5-15 853,1 24-8,7-2-455,1 4-389,-4-11 1,2 2 494,-6-12 0,1 1 1732,7 10 0,0-3 1,13 9-1,3-2 0</inkml:trace>
+  <inkml:trace contextRef="#ctx0" brushRef="#br0" timeOffset="15068">5277 4133 23999,'0'-16'-6386,"0"3"4258,-23 7 3356,18 19-991,-34-9 1215,35 37-2336,-33-18 2185,19 26-2214,-17-9 1554,16-10 1,2 1 370,-9 15-1106,-7 10-1330,6-13 125,8-17 1723,-11-2 0,16-18 0,-4-6 0</inkml:trace>
+  <inkml:trace contextRef="#ctx0" brushRef="#br0" timeOffset="15232">5002 4038 23459,'34'-15'3770,"-2"6"-3065,5 4-839,-7 5-374,23 23-971,-17-17 830,-7 26 0,0 4-1159,7-8 1024,-13 5 0,-1 3-2772,10 5 68,0 2 22,1-1 3065,1-3 1,2-3-1,1-4 1</inkml:trace>
+  <inkml:trace contextRef="#ctx0" brushRef="#br0" timeOffset="15397">5968 4049 23549,'-50'-6'-694,"-4"1"539,10 25 1710,0-15-1290,14 44-1044,1-24 176,16 12 0,1 3-1727,-11 12 2091,16-17 1,1 0-1,-3 14 1,9-2-1</inkml:trace>
+  <inkml:trace contextRef="#ctx0" brushRef="#br0" timeOffset="15650">6500 3919 24718,'0'-25'-6115,"0"2"3986,0 6 1065,-21-1 728,1 10 986,-21-1 189,5 29 714,1 9-1453,14 12 819,-2 19-185,21-20-1004,-3-5 0,1 0-314,4 5-801,0 10-1046,20-10-865,-15-11 2746,15 8 1,-20-23 0,0 2 0</inkml:trace>
+  <inkml:trace contextRef="#ctx0" brushRef="#br0" timeOffset="15931">6337 4281 22200,'61'0'0,"-11"0"90,3 0-90,-11-10 733,21 8-842,-13-19 423,-10 15 0,0 0-276,7-12 787,11 0-158,-8-6 4,-14 2 10,11-19-1063,-26 15 294,-3-20-1329,-12 20 304,-5-18-1063,-22 21 11,15-4-398,-36 11 1359,9 8 670,-25 2 608,5 27 722,18-7 0,2 4 895,-7 28-1000,15-21 1,2 1-1011,5 8 1,4 1 473,-1 18 0,7-17 1,2 1-1,6 14 1</inkml:trace>
+  <inkml:trace contextRef="#ctx0" brushRef="#br0" timeOffset="16628">6277 3884 23099,'-1'31'-5697,"-18"1"6203,15-4-1679,-14 2 1642,1-5 66,13 4-1114,-27 18 823,28-7-877,-7-4 1,0 0 1113,3 10-1117,-1 13 502,-3 2-460,9-15 14,-2-9 1,1 0-72,2 5-1415,0 20 1308,17-30-628,-12 4 795,29-18 867,-28-5-1079,30-2 1708,-14-6-608,10-1 1,-12-4-1,-9 0 1</inkml:trace>
+  <inkml:trace contextRef="#ctx0" brushRef="#br0" timeOffset="17199">7553 3925 24449,'0'-12'-6206,"0"3"4167,0 2 1425,0 3-25,0 23 394,0 12-59,0 13-14,0 8-1189,0-8 1507,0 4 45,0-11 0,0 0 45,0 19 135,0-12 0,0-1 45,0 1 629,0 16-539,0-36 0,-9 3 226,6-49-473,9-9 1,2-5-31,-6 0 1,2-3 136,14-6 0,7-5 1,-3 4 99,-9 3 1,2 1-127,10-5 0,8-3 0,-4 5-43,-3 4 0,-1 2-377,10-11 0,1 3-245,-9 18 0,-1 4 386,0 0 1,1 3 548,26-13 0,-1 12 0,1 5 1</inkml:trace>
+  <inkml:trace contextRef="#ctx0" brushRef="#br0" timeOffset="18649">9755 3370 25258,'0'-9'-6385,"-19"3"6864,15 21-1062,-33 4 2783,32 21-3221,-13 1 808,5 10-215,10 7-1063,-10 6 1356,13-31 0,0 2-1623,0 15 1,0 1 889,0-12 0,0 0 436,0 12 0,0-1 0,0 13 0,0-1 0</inkml:trace>
+  <inkml:trace contextRef="#ctx0" brushRef="#br0" timeOffset="18798">9448 4080 23819,'-12'-34'-9024,"-5"0"6291,15-12 2323,23 9 1249,1 8 1,5 1-124,4 10 1,4 2-936,17-10 1,2 1 431,-19 11 1,1 2 0,12-5 0,0 1 0,-12 6 0,-1 0 0</inkml:trace>
+  <inkml:trace contextRef="#ctx0" brushRef="#br0" timeOffset="19316">10375 3357 23549,'-20'-5'-16,"15"20"-1779,-15 1 3036,20 21-3105,0 0 501,0 10 389,16 6 349,-5-6 1,0 2-401,-1-11 1,1 2 141,9 12 1,-2 0 346,-16-14 1,1-1-615,15 0 1,1-1 828,-17 0 1,0 0 75,18 12 0,-1-1 22,-16-14 1,0 1 242,14 13 1,1-2-301,-10-2 31,12-1-131,-11-30 618,0-5 656,0-35 246,0 3 54,4-27-692,-2 16 0,1 0 863,8-21-849,-1 6 0,0 1 825,6-5-751,-4 13 0,1 4 155,4 1-98,7-1 364,2 27 860,-11 5-247,21 27-1681,-20-1-248,-4 9 1,0 2-911,4 10 519,-6-2 0,0 0-1104,6 5 9,4 15-997,2-17 393,-7-15 1457,19 2 1072,-18-22 1256,20-24 1390,-20 12-1644,-1-32 0,-3-7 233,-1 13-523,-4-16 0,-2 0 106,-6 9-392,2-15-436,-6 29-863,2-1-1089,-3 18 1055,3 3 1684,5 24-2322,0-15 257,15 50-1504,-8-32 2537,1 10 0,2 1 0,4-2 0,11 9 1</inkml:trace>
+  <inkml:trace contextRef="#ctx0" brushRef="#br0" timeOffset="19484">11268 3567 24359,'-9'-10'-6269,"2"1"1440,5-1 5545,29 6 1,9-1-1,28 5 1</inkml:trace>
+  <inkml:trace contextRef="#ctx0" brushRef="#br0" timeOffset="19652">11717 3240 24449,'30'-12'3025,"-5"1"-2825,10 4 1,4 2-534,14-1-215,-17 3 0,1 0-1433,26 2 1846,3 1 1,-32 10-1,1 4 1,0 1 0,0 1-1</inkml:trace>
+  <inkml:trace contextRef="#ctx0" brushRef="#br0" timeOffset="20365">13523 3818 24449,'-12'22'-2245,"3"-3"1151,9 23 151,0-10 0,0 3-368,0 25 843,0-15 1,0 1 146,-1-8 0,2-1 6,6 2 1,1 1-609,-6-1-1,0 3 332,5 14 0,2 1-23,-1-15 1,-1 0 532,-5 21 0,0-2 9,14-2-46,-15-20 1,-2-3 158,1-9-455,0-4 306,-21-43-60,-5-25 21,13 15 0,0-3-218,-9-24 1,2-4 106,8 18 1,2-3 288,1-10 1,1-6-1,0 4-205,-2 0 0,3 2 165,5 6 0,2-3 0,2 1 304,5 1 0,3 1 1,1 2-64,-1-6 1,5 0 439,8 0 0,6-1 1,-1 6 340,1 10 1,1 5 56,10-8 1,2 6 92,-11 17 1,0 6 1487,28-5-186,-1 10-830,-6 5-337,-5 29-1439,-7-2-332,-19 11 1,-4 4-1662,1 14 989,-6-4 0,-7 2-1409,-25 11 1738,3-10 1,-5-1 378,-2-21 1,-2-4-308,-4 9 1,-1-3 13,-17 5 787,1-8 681,2-10 1,4-8-1,2-8 1</inkml:trace>
+  <inkml:trace contextRef="#ctx0" brushRef="#br0" timeOffset="20718">14282 3135 23729,'38'-4'1517,"-3"1"-789,-6 23-2546,4 17-143,-11 13 962,-3-6 0,-1 2 200,-8-13 0,-1 0 236,3 11 0,0 2-448,-2 4 1,-2-1-38,-3-13 0,0 2 73,4 23 0,-1 0 290,-1 4 601,0-16 1,-1-1 500,-1-2 49,1 5-84,-3-25-384,-1-12 50,3-3-450,-2-26 1247,8-17 47,0-7-216,5-12 52,0 11 300,1-4-35,1 2 60,10-11 637,-6 18-1058,13-3 144,-14 22 503,11 7 181,-12 21-1605,5-8 670,-9 39-2029,1-21 300,1 27-2915,8 9 589,-1-11 3131,-3-10 0,2-1 0,12 2 0,12 7 0</inkml:trace>
+  <inkml:trace contextRef="#ctx0" brushRef="#br0" timeOffset="21053">15370 3749 24179,'-32'-7'-1151,"2"-5"209,2 10 1677,2-4-516,1 6 331,0 22-111,11 6-839,2 27-784,35-11 207,-6-14 0,5-1-344,30 3 523,-12-8 0,2-3-8,11-6 418,0-2 1,-1-6 37,-1-22 946,-8 7 1,-5-5 1183,-12-20 368,0-22-465,-19 20-1466,-3-14-308,-4 19-911,0 1-340,-21 5-804,16 4-554,-16 4 1796,8 8 554,10 20 481,-9 17 602,29 11-1926,-12 6 105,30-8-274,-30 1 29,36 1 1270,-21-3 0,23-4 0,-9-1 0</inkml:trace>
+  <inkml:trace contextRef="#ctx0" brushRef="#br0" timeOffset="21220">16232 3820 25078,'0'-15'-5576,"-14"6"4575,10 27 319,-10 10 83,30 13-2702,-12 0 3051,27 3 0,-10-11 0,15 8 0</inkml:trace>
+  <inkml:trace contextRef="#ctx0" brushRef="#br0" timeOffset="21392">16272 3391 25348,'-7'-24'-8588,"5"3"6660,-10 3 274,8 6-279,-2 1 1810,1 5 1,5 2-1,-3 3 1</inkml:trace>
+  <inkml:trace contextRef="#ctx0" brushRef="#br0" timeOffset="21582">15468 2521 23459,'55'-16'2186,"-2"4"-1692,-3 6-693,-7 4-161,-7 25-2660,-9 27 1030,-18-18 1,-3 2 1834,0 9 0,-4 2 1,-10-5-1,-5 0 1,0 4-1,0-1 1</inkml:trace>
+  <inkml:trace contextRef="#ctx0" brushRef="#br0" timeOffset="22232">17667 3609 24718,'-23'-30'-6429,"18"4"3696,-35 3 3231,35 4-1872,-24 2 1807,21 8-597,-5 17 1987,7 24-3194,6 11 1585,0 12-57,9-16 0,0 0-1278,-4 22 1145,10-8 0,-1-2-1646,-11 5 1018,9 9-2619,-2-24 2063,-7-17 495,21-4 878,-14-16 1051,19-45 400,-9 13-917,-7-5 0,0-2 38,7-13 340,-1-5 130,1-2-604,-8 16 0,-1 0 63,8-17-818,-7 15 0,0 4-363,0 2 437,2 2 155,-6 24 406,-1 5 864,-2 22-2562,-1-14 812,2 42-489,5 0-229,1 12 262,-1-14 1,2 0-1898,7 8 2432,1-8 0,3-3 1,12 3-1,-11-18 0,1 0 1</inkml:trace>
+  <inkml:trace contextRef="#ctx0" brushRef="#br0" timeOffset="22598">18585 3646 23279,'-49'0'720,"4"16"1103,15-12-1842,1 28-554,14-16 317,-12 14 14,23-3-1066,-18-2 1199,20 16-1309,-5-12-343,27 10-542,10-9 797,11-10 309,23-4 873,-23-11 1046,-5-14 1,0-3 86,4 7 246,-10-23 0,-4-5-243,-8 8 1005,11-33-662,-27 11-1591,7 14-63,-26-16-1779,12 27-33,-12-3-104,3 18 1811,11 20-174,-11 31 506,14 2 142,7-6 0,4-1-1461,10 3 542,0-6 0,3-2-125,10 2 1307,6 5 1,-10-21 0,2-3 0</inkml:trace>
+  <inkml:trace contextRef="#ctx0" brushRef="#br0" timeOffset="23100">19212 3715 23369,'8'0'810,"3"19"-6285,-4-14 4631,2 35-1138,3-20 698,7 35 281,-3-19 568,-1-5 1,0 0-1627,3 3 97,21 19 2261,-19-36-596,16 4 1245,-18-21 999,13-19 723,-12-12-1807,-1 2 1,-1-1 675,1-23-333,5-3-31,-5 1-612,-9 14-701,6-16-941,-11 31-325,2 0 780,-5 36-535,1-10 2101,0 43-1790,3-22-90,1 24 252,2-9 82,10 13-197,-4-14-189,14 7 871,-10-19-1686,5-12 2614,3-1 498,-6-10 459,13-23 548,-15-9-1448,-3 2 0,-1-2 676,1-18-800,-3 9 1,0 1 118,-2-1-997,-3 7 1,0 1-247,-3 12-719,2 2-68,-3 14 1245,6 25-1571,-2-1 847,6 19 0,1 6-792,4 8-111,3 3 1,1 1-1104,3 1 2480,-2-13 1,0-2 0,5 2 0,7 8 0</inkml:trace>
+  <inkml:trace contextRef="#ctx0" brushRef="#br0" timeOffset="23332">18463 2727 23189,'-44'0'0,"6"20"1464,11-15-909,8 40-2253,11-26 723,24 40-1311,-11-23 1063,30-4 1,7-1-1079,-1 3 2187,4-12 1,3-3 0,-15-8 0,0-1 0,1-1 0,0 1 0</inkml:trace>
+  <inkml:trace contextRef="#ctx0" brushRef="#br0" timeOffset="23498">19038 2745 24179,'0'-8'-5846,"0"1"3717,18 3 5164,4 2-2398,10 1 0,6 0 87,23 1-1677,-19 3 1,6 2 0,-3 2 937,3 4 1,-1 1-1,-2-2 1,2 1 0,-2 1-1,6 7 1,0-1-1</inkml:trace>
+  <inkml:trace contextRef="#ctx0" brushRef="#br0" timeOffset="23816">21998 3015 25708,'-41'-45'-6128,"5"3"3796,6 6 1465,4-1 168,11 19 247,3 24 2765,9 39-2626,18 16-646,-14-23 1,2 3 762,10 12 0,1 0 76,-12-11 1,-1 2 25,3 4 0,1 5 0,-1-5-357,-4-6 1,0-1-610,0 23 0,0-1-2037,0 0 3155,-11-18 1,-1-3-1,7-5 1,-17 4-1</inkml:trace>
+  <inkml:trace contextRef="#ctx0" brushRef="#br0" timeOffset="24070">21623 3536 23189,'0'-45'-5935,"23"2"6660,10-11-122,14 20 251,-12 14 0,0 3 713,12 6-1274,-6 16 1,1 5-528,8 10-205,-18 0 0,-1 2 811,12 18-1150,-1 5-258,-2 2-6,-15-12 1,0 1-1368,10 15 1522,-8-11 1,-2-1-33,-2-2 428,6 4 36,-13-22 112,-4-11 805,3-3 601,-6-28-425,9-18-81,-7-15-1338,5-6 0,1-2 793,-7 27 0,1 0 109,4-12 0,2-4 0,-1 6 0,-1 11 0,0 3 0,5-11 0,1 0 0</inkml:trace>
+  <inkml:trace contextRef="#ctx0" brushRef="#br0" timeOffset="24382">23265 3338 23009,'2'16'-6811,"-19"-8"10690,-14 5-1493,-12-10-1939,-9 5 54,9 0-10,-1 3-52,-1 1 72,4 5 2038,2 0-2471,5 5-467,9 0 462,10 3-924,1 2-58,13 9-1181,15-7-484,-8 5-54,47-15 1301,-23-5 226,31-4 746,-7-6 653,1-2 356,2-2 167,-21-6 1,0-3 1835,15-13-1426,-17 1 0,-4-3-524,-9-13-1021,-21 3 0,-3-1-1824,-3 0 575,-29 2 1,-8 2-450,6 6 1855,-5 10 1,-2 2 0,-5 0 0,0 3 0</inkml:trace>
+  <inkml:trace contextRef="#ctx0" brushRef="#br0" timeOffset="24614">23553 3409 21750,'4'13'-8456,"-1"3"6215,-3 5 1768,0 1 189,0 20 184,0-9-35,0 28 33,0-25-1494,0 19 2114,0-28-240,0 4-638,0-17-809,0-3 1618,19-7 0,-15-23 0,15-8 0</inkml:trace>
+  <inkml:trace contextRef="#ctx0" brushRef="#br0" timeOffset="24733">23782 3430 22920,'15'-36'-2851,"3"-6"1915,-8 17 387,4 3 809,-10 17-109,1 30-1755,-3-4 449,2 25-1954,5 12 867,2-12 1858,8 16 0,2-21 1,3-1-1</inkml:trace>
+  <inkml:trace contextRef="#ctx0" brushRef="#br0" timeOffset="25149">24397 3354 22470,'-42'0'90,"18"20"393,8 3-1398,16 22-1445,0-11 727,27 1 142,-21-12 1175,28-12 0,4-1-177,-9 11 155,10-14 0,2-3-1,-2 7 229,17-11 1706,-29 0 360,2-35 84,-20 5-1247,-20-21-2047,7 17 4,-29 11 265,17 0-299,-16 11 677,17 29 90,15 17 1,6 8-269,-4-5 1,1 3 654,7 7 1,3 4 0,0-4 126,-2-4 1,0-1-122,-1 15 0,1-1-328,8-14 1,-3-1 376,-14-1 0,0 1-521,12-2 1,0 2 141,-11 12 0,-3 0 477,6-15 1,0 0 91,-5 19 0,-2-3 436,1-1-1223,-7-17 1,-5-3 250,-19-7 1112,-10 0 0,-6-20 0,10-4 0</inkml:trace>
+  <inkml:trace contextRef="#ctx0" brushRef="#br0" timeOffset="25566">26327 2788 25348,'0'-27'-6206,"0"4"4348,0 10 1063,0 5 157,0 24 212,0 5 212,0 24-14,-17 4-715,12 10 1105,-9-8 0,-2 3 134,7-13 1,1 3-248,0 5 0,0 4 0,0-4-13,-1-5 0,2-1-721,3 2 0,2 3 0,0-5 168,2-7 1,0-1 515,0 15 1,0-1-1,0-4 1,0 8 0</inkml:trace>
+  <inkml:trace contextRef="#ctx0" brushRef="#br0" timeOffset="25702">25897 3403 23909,'-10'-32'-8569,"32"-7"9713,5 12-445,14 8 1,6 4-76,-14 7 1,0 1-454,13-1 0,4 1-106,4 2 0,0 2 0,-13 0 1,0 1-1,13-2 0,-1 1 1</inkml:trace>
+  <inkml:trace contextRef="#ctx0" brushRef="#br0" timeOffset="26115">26760 2929 23639,'-13'-15'-6491,"9"3"3910,-9 4 2893,13 28-898,0 20 195,0 19 260,-1-24 1,2 2-24,6 12 0,2 0-707,-8-10 0,1 2 779,6 4 0,3 4 0,-2-4 128,-3-5 0,0 0-454,7 23 1,2-2-232,5 1 162,-7-17 0,1-4-523,2-3-137,3-1-404,-3-23 1628,-5-7 369,7-30 1245,-7 2 4,6-42-330,-6 22 194,2-16-264,-5 15-88,0 4-1047,-2 3-493,-1 4-601,-1 7 516,-1 5 439,3 9 779,-4 4-626,5 20-1064,-1-11 415,6 26 1,1 6-545,2-8 593,6 13 0,0 1-584,4-9 460,-1-7 0,2-2-854,7-2 108,27-2 1748,-23-14 1,11-5-1,-16 0 1</inkml:trace>
+  <inkml:trace contextRef="#ctx0" brushRef="#br0" timeOffset="26402">27552 3483 23009,'0'-19'-6295,"0"2"4166,0 27 1065,18 11 328,-13 16 88,32 1 342,-33-10-116,36 0-879,0 14 1333,3-24 55,-10 0 0,-2-2 512,-1-14 846,15-10 716,-23 5-168,8-46-500,-19 28-481,1-44-245,-10 32-1148,0-11-332,-2 9-762,0 11-348,-16-3-561,12 38 1502,8 10-1218,23 18 554,13 3 1565,-9-18 1,0-1 0,14 12 0,-14-13-1,0 0 1</inkml:trace>
+  <inkml:trace contextRef="#ctx0" brushRef="#br0" timeOffset="26636">28063 2781 23459,'21'-29'-1605,"9"12"3448,17 1-659,-7 35-2803,-17-1-172,-12 25-693,-11-3 41,-19 7 2333,14 7 1,-18-24 0,-6 0 0,9 1 0,-1 0 0</inkml:trace>
+  <inkml:trace contextRef="#ctx0" brushRef="#br0" timeOffset="27653">28752 3077 24359,'0'-26'-5756,"17"1"7135,8 13 1161,-2 19-2707,19-3 627,-37 45-1943,37-20 938,-37 33-1203,29-10 1408,-30 3-1006,21 1-1562,-23-1 2326,6-20 0,1 0-1291,-4 13 1971,2 14-2234,-4-38 1459,-3-25 746,0-41 63,0-9 524,0-15-518,0 23 415,0-1-260,16 8 0,1-1 871,-9-5-399,15 11 0,4 3 948,-3 11 210,16 9 89,-9 25-1328,-4-12 524,-11 47-2174,0-27-155,-1 28-209,6 9-820,-6-16 968,-4-10 0,0-1-1424,1 0 1370,4 1-748,-9-15 1623,3-12 837,-4-1-174,3-8 1912,0 0-88,9-22-162,-3-5-327,19-27 148,-11 12-913,-3 13 0,1 1 199,3-3 695,12-14-1952,-19 30 325,3-7-37,-7 21 709,-1 10-1557,7 18-510,-5 9-654,11 24 68,-7-20 1049,-2-8 1,0-1-1296,5 4 356,7 4-330,-1-19 2189,-5-5 392,14-8 1297,-17-2-301,11-29 829,-15-9-968,1-15-293,-8 0-522,-3 11-665,-2-2-179,-1 0-644,-2 1-146,0 2-736,0-6 1145,0 15 201,0-2 157,0 36 21,0 15 243,19 28-736,2-3 526,-2-15 1,3-1-31,10 6 243,-9-10 0,1-1 30,7-2 177,1-9 0,2-4 762,-2-3 104,24-23 1884,-38 10-249,6-52-1621,-18 35-411,1-32-404,-7 25-790,0 0-373,0 5-194,0 2-1009,0 4-71,0 29 989,0 9-64,23 20-327,-2 2 94,24-11 940,-2 2 675,-6-13 0,3-2 1,-9-4-1,1-1 0,11 3 1,1-1-1</inkml:trace>
+  <inkml:trace contextRef="#ctx0" brushRef="#br0" timeOffset="27848">31092 3203 23639,'-27'-27'-5544,"20"3"2313,-55 2 4700,53 8-2293,-43 5 2366,36 6-548,-4 28-282,9 8-1348,8 0 0,6 2-135,28 19-163,-5 5-973,11-29 0,5-2 2026,-16-7 0,0 0 0,9 6 0,0-2 1,16 8-1</inkml:trace>
+  <inkml:trace contextRef="#ctx0" brushRef="#br0" timeOffset="27999">30375 4101 25528,'0'13'-1979,"0"-4"0,24-4 1,5-4-1</inkml:trace>
+  <inkml:trace contextRef="#ctx0" brushRef="#br0" timeOffset="29018">2770 6162 25078,'-11'-42'-7778,"-2"2"4664,-1 8 1463,0 3 1036,2 12 535,3 6 224,2 7 658,3 29-2130,1 7 1641,2 16 1,1 6-2,-1-12 0,2 4-144,4 12 0,4 9 0,-3-5 70,-4 1 0,2-1-258,7-7 0,5 3 1,0-1-79,-5-2 0,-1 0 0,3-4-464,8 7 1,3 1 240,-4-2 1,2 4 0,-3-7-77,-2-11 0,0-1 73,8 18 0,-2-4-112,0-5 62,-9-14 1,1-13 289,-6-29 2283,-40-46-2369,20 18 0,-2-2 180,-17-16 1,-1-1 49,12 14 0,2 0-20,-1-2 1,-2-6-68,-1-12 0,-1-9 0,3 4 134,1 2 1,2-3-119,4 5 1,0-7 0,2 0-1,2 8-1128,1-2 0,6 2 1412,7-3 1,5-5 0,0 8 219,1 7 0,4 4-71,6 1 0,7-2 0,-1 7 518,0 7 1,1 4 188,9-5 1,4 4 112,-2 13 1,0 4 1379,18-1-1550,-16 14 0,-2 6 194,-4 13-1355,-18 10 0,-4 4-1572,-5 18 912,-7-13 0,-4 1 130,-8-6 1,-3 0 10,1 1 0,-1 0-77,-10 1 0,-3 2-685,-8 11 0,-1 0 697,9-12 0,-1-1 884,-17 15 0,1-2 1,0-5-1,16-19 1,1 1-1</inkml:trace>
+  <inkml:trace contextRef="#ctx0" brushRef="#br0" timeOffset="29383">3752 6244 23009,'0'36'-5126,"-22"17"5002,1-14 344,8-3 0,0 0-282,-17 5 182,27-7 1,2 0-968,-13 2 981,14 15-1820,30-27 2050,-23 0-734,30-17 0,5-5 689,-9 3-55,14-13 0,2-2 928,0 4-102,-15-16 1,-2-4-73,10 0 890,-4-27-974,-5 6-542,-15 10 1,-3-2-968,5-19 324,-9 10 0,-4 0-1282,-3 0-510,-4-9 215,0 30-79,0 7 608,-17 10 886,2 27 1082,-5 16-1396,9 28-481,34-11-958,-17 3 2143,44-21 0,-29-1 0,24-4 0</inkml:trace>
+  <inkml:trace contextRef="#ctx0" brushRef="#br0" timeOffset="29815">4513 5806 22920,'0'-18'-5037,"0"3"3358,0 35 615,16 2 18,-12 33 829,20 5 1,1 4-216,-21-21 0,0 3 310,10 15 1,5 7-1,-3-7-937,-7-11 1,-1-1 946,1 3 0,1 5 0,0-7-100,1-7 1,-1-2 18,0 20 1,-1-3 347,-3-4 79,4 5-404,-8-29-242,2-15 88,-3-25 578,-1-26 209,0-17-168,0-9-16,0 5 39,20 0 651,-16-4-636,22 21 0,2-1 1363,-4-16-1137,10 16 0,5 3 963,2 6-394,-4 16 1,2 4 1129,7 5-281,13 22-1401,-21-11 439,-2 39-2238,-5-18 755,-11 8 0,-3 4-1694,5 10 801,-9-6 0,-3 0-1364,-4 7 606,-4 12 1022,-26-20 785,17-4 20,-49-2 1118,30-4-170,-30-2 96,13-6 0,1-6 0,-1-2 0</inkml:trace>
+  <inkml:trace contextRef="#ctx0" brushRef="#br0" timeOffset="30348">5865 7017 23279,'35'20'-3078,"-1"-7"3720,24-7 383,-20-30-183,-4 5 0,-3-4-94,0-34-958,-7 8 0,0 0-30,-9 15 1,-2-1-163,5-13 0,-1-1 381,-5 12 1,-2 1-221,0-2 0,0-1-227,-2 0 1,-1-2-403,-1-16 1,-2-1 21,0 14 0,-3-2 459,-5-2 1,-3-4 0,1 5-68,5 6 1,-2 2-186,-15-25 1,-5 4-791,-8 1 798,19 23 0,-3 4-503,-31 1 1403,40 8-862,-28 10 1610,20 6-156,-3 25 967,1 25-309,14 12-1109,-1-2 1,0 2-57,2-16 0,2-1-745,10 16 1,4 2 378,-2 4 1,2-1-651,-1-15 1,3 1 187,2 2 0,3 4 0,-4-6-567,-7-6 1,2-2 220,22 21 1,3-4 550,-18-26 1,0-2 104,6 7 1,2-4 249,12 2 501,3-8 498,-2-7 516,18-8 304,-17-4-692,-9-15 1,-1-2 1393,0 7-1248,-8-21 1,-2-5 171,-2 12 285,5-40-1768,-17 28-314,0 0-593,-6 17-632,1 8-456,10 47-1755,-1-16 719,9 35-1057,-3-24 3741,3 1 0,1 0 1,1-1-1</inkml:trace>
+  <inkml:trace contextRef="#ctx0" brushRef="#br0" timeOffset="30532">7048 6079 25078,'-13'-25'-8597,"3"4"5711,5 6-597,4 3 2204,15 8 3132,-9 17-1812,40-8 0,-22 31 1,23-11-1</inkml:trace>
+  <inkml:trace contextRef="#ctx0" brushRef="#br0" timeOffset="30716">7770 6139 23729,'-46'0'1169,"21"22"-948,-17-17 224,36 44-2701,-32-3 2243,34 13-639,-5-13 0,1 0-318,8 12-1279,16-6 1,6 0-1566,6 5 3469,3-19 1,4-2 0,12 6 0,4-2-1</inkml:trace>
+  <inkml:trace contextRef="#ctx0" brushRef="#br0" timeOffset="30820">8588 6728 27057,'8'-10'-1072,"-4"2"1,-1-9 0</inkml:trace>
+  <inkml:trace contextRef="#ctx0" brushRef="#br0" timeOffset="33986">2548 9434 22740,'-20'-29'-7378,"15"2"4811,-36 4 3299,35 4-2288,-45 7 2917,25 4-701,-30 6 503,9 2-1163,-3 25 2488,-2-5-1252,25 2 1,2 2-256,-23 11 1285,3 5-1697,10 1-175,7 0-790,14-1-556,7-1-759,7-4-407,0-3 598,26-3-433,-20-5-112,55-6 1656,-31-7 239,35-6 863,-12-5 532,3 0 371,1-26 642,-3 3-1185,-27 1 1,-2-3 1106,19-14-1611,-6-2 48,-10 0-493,-13 2-979,-1 3 111,-12 4-1293,-13-2-633,6 12 949,-32 3 695,31 36 249,-28 3 1587,30 25-1360,-10 20 335,14-10 205,-1-16 0,2 1 114,9 2 0,4-2-884,1-10 1,2 0 662,12 17 0,4-2 1,17-1-1,-25-18 1,0 1-1</inkml:trace>
+  <inkml:trace contextRef="#ctx0" brushRef="#br0" timeOffset="34349">2983 9531 22650,'5'-5'575,"-1"2"-127,-1 3-187,0 19-3082,0-14 1073,2 41 427,-1-25 112,2 26-617,-3-9 233,0 3-176,-1 0 57,1 1 1933,-1 6-29,-1-15-96,0 2 265,-1-20-156,2-27 299,4-39-234,0-4-136,1 1 0,1-1 268,3-7-148,0 0 1,2 1 133,0 5-47,-2 10 1,1 7 354,0 20 38,11 2 872,-6 17-162,8 25-1793,-5-2 39,0 26-791,1-4 23,1 5-193,-3 6-573,2 2-161,-6-16 1,0 1-1807,9 17 3705,-7-21 0,1-2 0,8 2 0,3-3 0</inkml:trace>
+  <inkml:trace contextRef="#ctx0" brushRef="#br0" timeOffset="34734">3788 9001 23369,'0'-26'-6025,"0"4"5605,0 10-374,0 39 471,7 5 0,1 5-27,-6 0 1,0 2 83,11 25 1,2 0 17,-6-27 0,-1-2-738,0 13 1,1-2 664,5-13 1,-2-3-417,-9 30 640,17-6-189,-11 9 179,1-24-2,0 8 58,-8-34 72,7-2 279,-3-34 913,2 3-321,2-24 146,2 6-94,3-6-375,-3 11 1,1-1 557,6-17-582,-3 14 1,-1 2 532,1 3-662,10 4 255,-13 20 824,5 8-484,-4 15-1401,-3 18-1124,-1 28 375,-6-1 683,-3-15 0,-1-1-438,0 10-1144,-20-3 0,-5-1 27,1-4 2055,-13-8 1,-4-7 0,1-15-1,-13-1 1</inkml:trace>
+  <inkml:trace contextRef="#ctx0" brushRef="#br0" timeOffset="34933">1882 8589 22470,'0'-47'-6116,"26"2"6648,-3 17 0,5 2 300,1 6 0,4 4 57,20-7 0,0 5 300,12 5-1079,-5 30 0,-3 11-1980,-9 14 1538,-15 2 0,-8 6 0,-17-11 0,-6 0 1,-2 3-1,0 0 0</inkml:trace>
+  <inkml:trace contextRef="#ctx0" brushRef="#br0" timeOffset="35382">5697 9611 23999,'48'0'0,"-8"0"-45,-6 0 0,1 0-315,13 0-1124,-1 0 0,1 0 1484,13 0 0,-21 0 0,0 0 0,15 0 0</inkml:trace>
+  <inkml:trace contextRef="#ctx0" brushRef="#br0" timeOffset="35532">5875 9910 23639,'13'-10'1077,"16"-4"-678,21-3-669,-20 0 1,0 0 347,25 1 1,-24-1 0,0-1 0,2 5 0,0 1 0</inkml:trace>
+  <inkml:trace contextRef="#ctx0" brushRef="#br0" timeOffset="35749">6422 9233 23819,'-32'-11'-2184,"5"0"1110,10 4 1323,-2-3-770,37 21 11,-1 11-779,10 14 811,-5-1 0,-3 3-1787,-14 22 1277,1-18 1,2 8-1,-2-4-326,-4 5 1,-4-1 1246,-5-2 0,-3 3 0,3-3 0,4 9 1,-1-2-1,-8 2 0,0 1 0</inkml:trace>
+  <inkml:trace contextRef="#ctx0" brushRef="#br0" timeOffset="36332">8162 9367 24539,'0'-36'-5666,"0"0"3627,0 3 975,-27-1 180,20 4-66,-43 3 1464,14-1-545,-10 12-687,-17 3 1911,27 11 359,-13 38 284,31-14-1322,6 12 0,7 2 137,32 2-1084,-6-3 1,4-1 254,4-13 0,3-1-67,15 16 1,-1 0-179,-16-15 0,-2-2-96,9 6 1,0 1-129,-8-4 1,-4-2-30,11 11 750,-6 11-90,-22-21-741,-31 8 1746,17-14-1615,-28-2 0,-6-4 187,10 0 730,-5-3 0,-1-2 1,1-3-1,2-1 1</inkml:trace>
+  <inkml:trace contextRef="#ctx0" brushRef="#br0" timeOffset="36548">8822 8858 23909,'0'41'-5306,"-21"-7"6493,16 0-2027,-16-4 1729,5 6-797,12 28-896,-13-10 624,16-16 0,2 0-1481,-1 18 1661,0 4-1075,18 1 665,-6-16 0,0 0-856,-1-10 0,0 1-953,10 23 0,-1-1 1187,-8-25 1,0-2 823,0 10 0,2-3 0,18 7 0,-15-2 0</inkml:trace>
+  <inkml:trace contextRef="#ctx0" brushRef="#br0" timeOffset="36698">8385 9559 23639,'-6'-43'-7303,"2"1"4867,4 3 2892,39 5 0,12 3 481,-24 11 0,3 1-957,22-5 1,12 1 0,-6 4 171,-12 7 1,-1 3-1,16-3 1,0 2-1,-19 6 1,0 0 0</inkml:trace>
+  <inkml:trace contextRef="#ctx0" brushRef="#br0" timeOffset="36984">9742 9278 23819,'-40'0'360,"-4"0"-360,0 0 0,5 0 0,2 20 666,12-15-323,12 38-1476,-8-23 1189,18 24-1439,-8-8 563,11 1-686,25 12-644,-19-13 981,25-10 1,5-3-227,-11-6 1343,36 4-298,-15-20 1783,-12-13 139,6-15 318,-17-11-347,-11-25-750,-3 20-1839,-17-5 0,-10 1-1169,-17 0 2054,3 4 1,-2 4 0,-19 10 0,0-4-1</inkml:trace>
+  <inkml:trace contextRef="#ctx0" brushRef="#br0" timeOffset="37316">10217 9276 23189,'-18'22'-953,"4"6"-578,14 12-1040,15 2-50,-11-9 1480,10 2-214,-14 0 1030,14 15-1814,-10-15 1306,19 16-275,-21-28 913,7 1 185,-4-17 67,-4-26 770,8-2-27,-5-23-479,0 11 0,1-1 73,4-25-734,-2 16 1,1-7 0,0 5 128,0 7 0,0 1 462,5-21 0,1 3 1,5 4-1,2 2 1</inkml:trace>
+  <inkml:trace contextRef="#ctx0" brushRef="#br0" timeOffset="37699">11385 9212 23099,'-35'0'270,"1"0"0,-23 0-270,2 0-90,12 0 180,-1 0-180,3 0 180,-9 15 483,19-11-338,-3 44-553,26-27-580,2 28-463,29-20-267,-17-2-474,48 0 1109,-27-3-1272,28-5 1395,-9-4 658,20-9 917,-16-2-95,-14-1 0,-1-6 1248,0-20 463,0 17-1007,-23-40-747,-6 28-566,-6-21-168,0-2-966,0 11-323,-22-12-799,1 22 467,-20 0 128,22 38 468,4 28-239,37 8 1309,-16 13 1,43-26-1,-14-1 1</inkml:trace>
+  <inkml:trace contextRef="#ctx0" brushRef="#br0" timeOffset="38115">12050 9176 23549,'-26'-16'-3987,"20"4"-305,-43 5 5923,43 2-2391,-37 5 2116,28-2-607,-8 21 198,13 2-1572,30 19-468,10-1 1451,11-18-949,3 10 794,1-22-501,-10 6-247,12-9 435,-19-24 1349,-3-9 1169,-13-10-828,-8-19-1816,-4 20 283,-17-23-1779,13 26 662,-27-11-450,27 24-753,-10 21 2533,14 29-934,0 16 571,11-3 1,1 3-483,-7 17 648,22-4 0,3 1-290,-20-23 0,1-1 7,13 11 1,2 1 9,-6-4 1,-4-2-2168,2 20 1621,-1-15 1,-3-2-1070,-11-1-501,8 14 1116,-37-35 1956,19-2 0,-46-16 0,21-3 0</inkml:trace>
+  <inkml:trace contextRef="#ctx0" brushRef="#br0" timeOffset="38400">12443 9337 23279,'51'-17'1479,"-14"7"1,0 1-892,20-2-398,-10 6 1,0 0-321,8 1 57,-20 2 0,-1 0-132,13-1 184,0-3 184,-2-2-406,0-5 320,0-3 317,0-4-217,-14 0 0,0-1-42,14-14-112,-12 0 0,-3-1-221,0-12-160,-14 18 0,-2-3-437,-3-31-908,-6 16 535,-15 14 1,-2 2-1472,7 1 338,-39 2 1277,15 20 981,-19 36 1088,20-3-239,-6 31-543,30-19 1,4 1-207,-14 25-456,25-7 0,7 0-636,-7-20 0,5-2 999,9 1 1,7 1 0,0-5 0,0-3 0,1-4 0,15 5 0,-1 0 0</inkml:trace>
+  <inkml:trace contextRef="#ctx0" brushRef="#br0" timeOffset="52865">2685 11525 25978,'-18'46'-3428,"14"6"2647,-16-25 1,1 2 1338,13 35-1017,-15-28 1,-2 2 314,8 24 1,3 3-22,-7-15 1,1 1 41,9-6 0,2 3 0,0-3-492,-3 0 1,2 0 350,6 15 0,1-1-150,-4-16 1,1 1-1692,1 23 0,6-2 827,7-30 0,0-2 1065,-7 8 0,0-3 0,17 6 0,-20-6 0</inkml:trace>
+  <inkml:trace contextRef="#ctx0" brushRef="#br0" timeOffset="53048">2055 12444 23909,'-12'-19'-7417,"6"-1"4359,1 5 1449,5-1 1741,23 1 2364,16-6-393,16 5-1306,-23 6 0,2 1-582,13 0 1,2 1 464,-10 2 0,3 0-424,7 0 0,6-1 0,-3 2 457,-1 0 1,0 2-470,15-2 0,-1 1 0,-17 1 0,-3 1 0,0 0 0,-1 1 1</inkml:trace>
+  <inkml:trace contextRef="#ctx0" brushRef="#br0" timeOffset="53370">3343 12229 24179,'-47'14'3198,"-5"2"-2324,8 2-175,2 14-1019,12-16 392,5 20-931,-3 10 31,14-7 3,0 12-733,14-13-710,0-1-63,20-1 67,15 10-28,11-15 1954,-8-10 0,2-4 38,13-5 302,-2-4 1,1-6 734,10-26 304,-20 17 1,-2-5 6,-4-18 0,-3-4 789,12-11-978,-14 2 0,-4-3-349,-8-10-412,-9 8 0,-3 0-422,-6-6-565,-10 11 0,-2 2-1779,6 6 290,-15-5 332,6 33 1351,10 31-47,-10-3 1379,14 45-1990,0-21-107,21 19 1482,-6-30 0,3-2 1,5-8-1,2-1 0,2 7 1,-1-1-1</inkml:trace>
+  <inkml:trace contextRef="#ctx0" brushRef="#br0" timeOffset="53654">4595 12190 24449,'-65'0'1799,"14"0"-1619,-2 18 1196,15-13-997,11 22 1,2 5-981,-11-5 471,19 4 1,3 1-859,-4 5 445,16 1-868,-5-2 388,28-12 1,8-3-866,7 8 1126,17-11 0,5-5 740,-25-7 0,1-3 120,24-8 0,1-2 377,-24 6 1,-2-3 241,9-16 0,-3-5 1098,5 2 752,-9-26-1800,-17 9-517,0-22-891,-17 16-762,-6 7 0,-7 1-2397,-25-1 3599,-6 11 1,-6 5-1,15 13 1,-1 3-1,-10 0 1,0-1-1</inkml:trace>
+  <inkml:trace contextRef="#ctx0" brushRef="#br0" timeOffset="53807">3937 13264 25348,'0'14'-6565,"0"-2"6032,0-6 1,0-20 0,0-6 0</inkml:trace>
+  <inkml:trace contextRef="#ctx0" brushRef="#br0" timeOffset="54303">6215 12328 24179,'14'0'1619,"-3"-23"-3427,-2 18 3003,1-46-2946,1 25 1066,2-29-154,5 5 498,0-9-199,-7 27 1,0 0 43,0-4 1,0 0 367,0-1 0,1-2-424,2-18 1,-1-2 680,-3 16 1,0 0-186,-3-2 0,0-4 0,-1 5-62,-2 9 1,-1 1-149,-1-7 0,-1 3-362,-1 0 23,0 12 122,0 10-22,-16 41 1192,12 39-693,-10-24 1,1 5-34,9 6 0,5 6 0,-1-4-291,-6 4 0,1 0-299,4-7 1,1 4 0,1-1 627,-1 2 1,0 0 0,0-2 0,0 7 0,0 0-1,0-9 1,0 0 0,0 0 0</inkml:trace>
+  <inkml:trace contextRef="#ctx0" brushRef="#br0" timeOffset="54465">6265 12787 25798,'0'-25'-5756,"29"-2"7942,1 4-884,31-1-656,2 3-1460,-27 10 1,2 1 898,4-2 0,2 0 1,4-1-1,0 1 1,4-1-1,-1-1 0</inkml:trace>
+  <inkml:trace contextRef="#ctx0" brushRef="#br0" timeOffset="54936">8408 11620 25258,'0'-29'-5756,"0"4"3538,0-1 1244,-17 11 533,-10 0 778,-9 11 912,-18 24 400,21-15-1447,10 27 0,3 7 747,-8-4-490,19 2 1,4 6-297,-4-1 0,5-1-324,13-8 0,5 0-475,4 25 0,5-3-338,0-23 0,4-2-209,14 20 1,1-3 263,-18-23 0,0-2 526,9 7 1,-1-3-288,4 2 679,-17-6-9,7-5 1212,-24-4-1007,10-5-297,-61-4 642,17-2-636,-5-1 1,-2-2-617,-8-19 796,-3 15 0,5-38 0,1 14 1</inkml:trace>
+  <inkml:trace contextRef="#ctx0" brushRef="#br0" timeOffset="55338">9167 11211 25618,'-20'41'-810,"15"-6"-1693,-15 8 2437,11-11 0,2 2-647,3 23 435,-9-1 1,0 3 54,11-22 0,2 1-39,-6 28 0,1 0-524,4-28 0,2-1 245,7 25 0,1-2-21,-4 4-9,13-24 1,0-2-417,-13 19 534,29-19-519,-30 6 154,10-29 188,-5-3 383,-7-31 668,7 0 831,-9-22-726,0 3-362,0-26-34,17 12 89,-16 10 1,3 1 20,30-1 1551,-17-4-1356,17 32 1042,-5 31-840,-5 5-810,-8 11 0,-2 5-547,5 11-181,-1-3 0,0 1-1433,6 9 463,-7-19 1,0-3-1049,12 8 2377,6-5 1,3-9-1,4-3 1</inkml:trace>
+  <inkml:trace contextRef="#ctx0" brushRef="#br0" timeOffset="55620">10140 11909 24089,'-27'-4'273,"-20"3"924,12 16 634,-13-11-1410,17 26 0,2 4-826,-3-6 170,9 13 1,5 3-577,4-2 292,5-7 0,7-1-537,23 2-930,-16 6 687,27-30 0,6-5 191,-5 4 1055,12-4 1,2-9 295,-2-22 1186,10-12-151,-23-15-304,-15-3 43,-4-11-413,-36 16-1620,8 6 1,-5 3-843,-29-5 293,15 12 0,-1 3-1616,-7 5-823,-10-3 3975,19 22 0,16 3 1,2 3-1</inkml:trace>
+  <inkml:trace contextRef="#ctx0" brushRef="#br0" timeOffset="55935">10400 11896 24539,'0'9'-3687,"0"10"1558,0 24 1155,0 3 335,20-4-586,-15 1 776,27 2 58,-29 0-1335,22 15 944,-12-16 583,9 16-113,-11-30-299,-1-1 534,-9-17 128,4-27 713,-5-48-635,0-2-145,-1 9 0,0-10 0,3 7 26,6 11 0,1-1-568,-1-15 0,-1-7 0,4 8 341,6 16 0,3 3 415,-2-2 1,1-3 0,0 6 0,-1 8 0,2 3 0,6-8 0,0 0 0</inkml:trace>
+  <inkml:trace contextRef="#ctx0" brushRef="#br0" timeOffset="56198">11378 11306 25978,'-16'11'2382,"2"1"-2721,14 30-3140,0 0 1392,0 8 696,0 9 812,8-12 0,1 2 57,-8-11 1,2 1-434,6 3 0,4 4 0,-4-4-749,-7-4 1,0-3-13,10 11 0,0-2-65,-10 10 433,8-8 1316,-10-6 0,0-8 0,0-3 0</inkml:trace>
+  <inkml:trace contextRef="#ctx0" brushRef="#br0" timeOffset="56315">10972 12011 26428,'-9'-41'-6965,"3"1"6464,20 11 1,8-1 2029,13-12-935,17 6 0,8 2-338,-20 15 1,2 2-752,18-6 0,0 1 610,-15 9 1,-1 3-1,2 0 1,-1 0 0,0 3-1,0-1 1</inkml:trace>
+  <inkml:trace contextRef="#ctx0" brushRef="#br0" timeOffset="58268">13085 11596 25168,'-24'-20'-4530,"5"2"2529,2 8 1879,12 3-1684,-28 4 3301,29 17-1523,-35 17 1114,26 7-1431,-8 0 1,0 2 1050,5 15-561,4-2 0,2 0-252,4 11 354,4-23 1,1 0-1738,1 9 114,26-4-1738,-19-6 1593,28-17 1,5-4 568,-8 6 687,14-11 1,3-6 1174,3-3 52,-9-20 1,-1-5 1603,5-6-1399,-17-1 0,-2-4 222,-6 0 1,-2 1 610,8-17-1188,-9 8 1,-2 0-381,-3-4-714,1-16-927,-10 31 28,1-2-440,-4 36-194,-1 29 608,-1 8 220,19 21-347,0-4 130,3-11 678,-1-13 1,0 0-288,-3 2 272,8-13 1,3-3 1278,2-7-520,10 0 158,-11-15 1686,-1 0 28,0-20 423,-2 0-228,-2-21-932,-3 5-567,0-26-701,-8 14-299,-6 8 0,-1 1-895,-3-3-192,-1-14-196,-3 33-350,0 23 773,0 14 26,0 24 377,0 16 183,20-10-239,-9-4 1,3-1-1308,25 6 1168,-21-16 0,2-2 1044,36 0 0,-10-6 0,18-5 0</inkml:trace>
+  <inkml:trace contextRef="#ctx0" brushRef="#br0" timeOffset="58502">14600 11118 23909,'0'-29'-5846,"-13"4"2485,10 8 2847,-9 7 823,4 5 295,5 29-708,-5-2 541,8 28-1220,-1-12 0,2 2 676,9-7 1,1 3 233,-9 7 0,-3 6 1,5-3-188,15-2 0,1 2-211,-12 3 1,-4 5 0,2-5-182,4-4 0,1-2-49,2 11 1,-3-2-1455,-8 13 773,8-8 257,-2-7 918,-6 3 1,6-20 0,-8 4 0</inkml:trace>
+  <inkml:trace contextRef="#ctx0" brushRef="#br0" timeOffset="58619">14380 11731 23909,'0'-46'-5936,"0"1"3898,25 1 3014,6 3-341,-2 20 0,4 2 200,1 0 1,2 2-735,5 0 1,4 0-13,3 4 0,4 0 0,-1 2 1,11-2-1,1 2 0,-6 2 0,-1 0 1,1 0-1</inkml:trace>
+  <inkml:trace contextRef="#ctx0" brushRef="#br0" timeOffset="59232">16802 11002 25348,'0'-21'-5576,"0"4"4707,0 5-195,-14 30 2368,11 3-1645,-10 30 284,6-11 0,3 2-117,2-8 0,1 3-511,-5 21 1,-1 9 0,1-5 247,5-9 1,0 1-337,0-5 1,-1 7 0,-1-1 0,2-8 121,0 3 1,2-4 444,6 14 0,1-3 1,-7-21-1,2-3 1,4 0-1,0-1 1</inkml:trace>
+  <inkml:trace contextRef="#ctx0" brushRef="#br0" timeOffset="59656">16553 11850 24089,'-11'-33'-4483,"-1"1"1,-1-18 3567,16 11 0,3 2 1063,-1-4 478,29 11 0,8 3 1370,0-1-1355,20 10 0,5 4-329,-26 7 1,-1 3-435,15-2 1,2 2 1113,5 3 1,-1 2-126,-15-2 0,2 2-447,0 2 0,4 2 1,-6 1-318,-7 2 0,-2 2-572,15 7 1,-3 0-957,-6 1 723,0 18-575,-27-22 586,-7 28-1146,-5-18 39,-3 9 838,-1-11 291,0 1-159,0-1 107,0-1 644,0-1-99,0-2 591,0-2-8,0-2-454,20 1 415,16-6 759,29-1 238,-4-7-528,-19-6 1,-2-5 1214,8-13-1031,-5-7 1,-3-4 855,-5-13-885,-9 6 1,-5 0-54,-11 1-1686,-3-20-397,-6 33-478,-1-4-430,0 41-711,0 32-13,0 5 861,10-5 1,1 0 1621,-5 0 0,14-15 0,4-1 0,5 5 0</inkml:trace>
+  <inkml:trace contextRef="#ctx0" brushRef="#br0" timeOffset="59899">18037 11039 23639,'26'22'-4809,"14"-17"5907,-36 36-3588,35-22 2476,-34 16-1324,29-6 839,-30 12-199,21-10-914,-22 16 967,8-24 788,-11 2 1,-20-33 0,-6-8-1</inkml:trace>
+  <inkml:trace contextRef="#ctx0" brushRef="#br0" timeOffset="60015">18182 10754 23009,'31'-46'-1360,"-4"5"1584,11 18 1,4 4 1317,12-3-1190,-4 8 0,1 8-2117,13 18 1621,-21-12 1,-1 4-1,-10 17 1,-2 4-1,1-5 1,0-1-1</inkml:trace>
+  <inkml:trace contextRef="#ctx0" brushRef="#br0" timeOffset="60499">20052 11505 26068,'-14'-8'-4031,"-11"6"4987,14 11-22,-4 28-1600,10 0 1,3 4-8,1-4 1,2 2 10,7 23 0,2-1 200,-9-22 1,2 0-262,11 10 1,5 5 0,-5-6 236,-10-11 1,-1-2-418,16 25 0,-1-3-1320,-16-17 964,6 6 573,-8-56 430,-20-15 1,-7-7 148,15-1 1,-1-4 29,-9-9 1,-6-6-1,4 4-114,8 2 0,3-1 199,4 4 0,0-3 1,1 2 79,-5-8 1,3 1-110,8-3 0,1-1 215,-6 2 0,1-2-61,4 7 1,1-3 0,4 4 308,9-5 0,3 1 101,-4 2 1,0-2 0,4 8 299,8 9 0,4 6 252,8-9 1,0 7 1106,6 11-903,-7 18 1,0 5 242,-1 0-58,7 40-1723,-28-17-945,3 27-232,-14-5 718,-6-10 1,-2 1-663,2 23-256,-14-10 0,-6 0 379,8-23 1,1-2 141,1 8 1,-2-2 1402,-32 5 0,43-6 1,-15-5-1</inkml:trace>
+  <inkml:trace contextRef="#ctx0" brushRef="#br0" timeOffset="60849">20882 11186 24179,'0'39'-4497,"0"-6"2459,0-1 1243,0-3 337,-15 0 1155,11 21-918,-11-12 261,12 1 0,6-1-1815,18-2 1224,8 21-95,12-40 945,19-3 674,-20-12-509,-5-17 1,-1-6 1402,5-5-1229,-13-1 0,-3-4 72,-5 0 1,-3 0 644,5-17-389,-8 6 0,-3 0-1210,-4-3-710,-2-21-865,-3 37-14,0 0 98,0 45 313,0 29-371,21 5-412,-8-9 1,4-3-691,24 0 2913,4 8 1,-9-22 0,3-2 0</inkml:trace>
+  <inkml:trace contextRef="#ctx0" brushRef="#br0" timeOffset="61247">21775 10598 24808,'-11'-22'-7108,"8"6"5086,-8 36 2528,8 17 1,6 8-903,5-6 1,3 6 267,-7 2 1,-1 9 0,1 0 0,2-7-207,13 6 0,1-1 223,-10-4 0,-2 7 1,0 0-1,0-8-858,2 1 0,1-1 998,1 1 1,3 4 0,-4-5-38,-6-8 0,1-3-448,8 9 1,0-4 213,-8 3-10,5-12 46,-10-10 331,4-11-511,-5-26 681,-19 9 1196,14-46-1231,-28-5-318,29 21 0,4-3 100,-7-4 1,0-1 227,7-23-256,0 0 804,0 2-795,7 24 1,5 1-552,22-15 1251,-8 18 1,4 5 1602,23 6 176,9 5 71,-27 16-712,8 24-1238,-21-16 365,-2 45-2226,-11-24 348,-4 9 1,-3 5-1559,-2 11-365,-14-4 0,-2 1 2565,8 9 1,-19-18 0,-5-2 0,-4 13-1</inkml:trace>
+  <inkml:trace contextRef="#ctx0" brushRef="#br0" timeOffset="61782">22783 11719 25348,'14'-53'-3696,"2"6"2728,0-4 235,4 6 889,3-6-132,-3 11 1,1-2 15,-5 9 0,1-1-57,2-5 1,2-4-1,-3 4-301,0 2 1,-1 0 432,4-13 0,-1 1 16,-7 14 1,-1 1-72,-1-1 1,-1 0-163,-1 0 1,0 1-32,-3-1 0,0 1-266,2-31 33,-3 3-64,-4 25 0,-1 1-359,0-12 148,-18-6-599,-1 38 947,-3 35 1637,-6 10-65,24 36-1173,-11-35 1,0 1 134,13 5 0,1 2-76,-12 3 0,0 2-23,10 21 0,3 2 211,-5-16 1,0 2-371,2 4 0,3 4 0,3-6-934,6-4 0,1-3 57,-10 13 0,5-1 311,21-8 0,2-3-148,-18-14 0,2-1-16,20 14 1,2-4-397,-1-6 461,22-3 1022,-26-26 767,-1-25 0,-2-9 818,-2-4-971,-1-13 0,-3-4 1169,-3-2-1236,-4 10 0,-1 0 116,-1-2 9,6-11-628,-11 36-1586,10-5 1033,-7 20 800,12 19-1245,-8 14-1097,14 28-330,-12-9-170,0-18 1,1-1-896,-1 4 2832,10 6 1,-10-21 0,3-2 0</inkml:trace>
+  <inkml:trace contextRef="#ctx0" brushRef="#br0" timeOffset="61933">23765 11093 24898,'0'-9'-6475,"-14"2"2256,10 1 3592,-10 25 0,31-16 0,5 18 1</inkml:trace>
+  <inkml:trace contextRef="#ctx0" brushRef="#br0" timeOffset="62186">24720 11267 24629,'0'-29'-4407,"-23"4"2334,-9 4 2705,-33 5 657,11 0-927,14 12 1,1 2 865,-10-2-825,11 10 1,0 5 194,-2 21 1177,-3 11-1136,32-5 1,6 2-867,-3 16-540,18-4 0,7 0-506,-5-20 1,5-3 364,9 4 1,8 1 0,-1-5-476,4-4 1,2-4-236,17 7 0,2-4 392,-11-11 0,0-5 1271,4-1 0,0-2 0,3-2 1,-1-1-1,3-2 0,-1 0 0</inkml:trace>
+  <inkml:trace contextRef="#ctx0" brushRef="#br0" timeOffset="62572">26117 11116 26248,'0'-8'-5037,"0"2"2999,28 3 4755,-3 1-1197,30 2-1142,-16 0 1,1 0-153,-6 0 0,2 0-416,28-1 1,1 2-562,-24 6 1,0 0-196,4-6 0,4-1 0,-5 3 1168,-5 9 1,-1-1-1,12-9 1,-1-1-1,14 8 1</inkml:trace>
+  <inkml:trace contextRef="#ctx0" brushRef="#br0" timeOffset="62754">26205 11639 26248,'63'0'343,"-31"-8"1,2-1 812,31 4-1342,-8-10 1,2-3-277,-13 7 0,4 1 478,-2 0 1,8-1 0,0-1 0,-7 1 0,7-5 0,-3 1 0,3 3 0,0 1 0,0-1 0</inkml:trace>
+  <inkml:trace contextRef="#ctx0" brushRef="#br0" timeOffset="63019">26875 10862 26248,'-23'-8'-1383,"9"1"162,6 2 291,39 2 2529,-5 2-824,34 1-236,-8 16-772,9-12 36,-29 11 0,0 0 317,2-13 0,1 0 51,11 20 1,0 3 4,-12-15 0,-1 1-748,15 21 1,-5 5-896,-6 3 540,-19-11 0,-4 2-752,-8 18 119,-26 5 802,-9 6-377,-11-11 1,-6 0 442,10-10 0,-4 1 795,5-6 0,-5 4 1,0-1-1,2-3 0,-13 9 1,0-1-1,6-5 1,-1 0-1,0 0 0</inkml:trace>
+  <inkml:trace contextRef="#ctx0" brushRef="#br0" timeOffset="63582">29047 10637 25798,'0'-23'-5666,"0"2"3897,-21 4 1490,-15 0 816,-13 10 501,-9 0-239,9 7 48,-4 18-181,-1-13 472,18 23 1,2 4 544,-14-3-1046,19 13 1,6 4-397,7 6-586,8-16 1,7-1-1017,26 18-845,2 2 893,-1-27 1,3-1 207,-2 1 1,1 1 361,2-2 0,2 0 46,0 0 1,3 0 414,12 8 1,1-1 255,-14-9 1,1 0 175,14 10 1,-2-1 836,-6-3-388,-6 3-479,-18-22 137,-14 0-923,5-8 763,-31 0 768,-13-4-1736,2-6 1,-1-2 151,-25 4 749,20-18 0,4-5 0,-3 0 0,15-2 0,1 0 1</inkml:trace>
+  <inkml:trace contextRef="#ctx0" brushRef="#br0" timeOffset="63799">29565 10514 25528,'31'-7'2942,"-3"2"-2089,-6 4-906,-2 22-2703,-5-16 1652,-5 25 0,-4 8-571,0-4 1067,-3 3 0,-1 5-262,-1 1 1,-2 0-136,1-9 1,0 2-155,0 27 1,0 0-73,0-25 1,0 0 272,0 25 0,0-1 645,0-27 0,0-2-30,0 9 0,0-1-383,0 6-211,0-5 935,0-9 0,0-7 0,0-4 0</inkml:trace>
+  <inkml:trace contextRef="#ctx0" brushRef="#br0" timeOffset="63920">29362 11197 24718,'-16'-49'-8725,"8"1"6421,2 5 1339,26-12 1814,2 19-615,8 10 0,5 4 861,19 5-696,-17 8 0,1 2-940,24 3 1095,3 3 0,0 1 1,2 0-1</inkml:trace>
+  <inkml:trace contextRef="#ctx0" brushRef="#br0" timeOffset="64201">30302 11004 25708,'-42'0'809,"-5"0"-809,8 0 0,-1 0 90,11 0 0,3 19 309,0-14-88,5 36-894,2-9 111,10 12-719,2 1 6,7-12-322,24-1-294,-18-4 836,26-9 0,6-2-214,-8 5 1074,12-9 0,3-3 247,1-3 497,-9-14 0,0-1 1097,2 3-5,7-39-49,-23 3-600,-5-11-1623,-12 14 1,-3 0-797,3-5-341,-16 7 1,-7 3-1734,-15-1 186,-1-5 2892,-16 22 0,43 7 1,-19 5-1</inkml:trace>
+  <inkml:trace contextRef="#ctx0" brushRef="#br0" timeOffset="64498">30687 11025 26517,'0'42'-6295,"0"-8"4166,0 6 1065,0-9 426,0 1 212,0 0 122,0-4 76,0-3-1189,0-5 1957,0 0-450,10-10 27,-7 3-608,7-29 1525,3-9-515,-4-15-1087,4 6 0,3 1 128,1-15-223,1 7 0,1 0 113,6-5 816,9-10 1,-9 26 0,1 3 0</inkml:trace>
+  <inkml:trace contextRef="#ctx0" brushRef="#br0" timeOffset="64849">31440 11014 26248,'-20'-30'-7685,"0"12"6475,-21 6 2466,21 27 650,-14-11-637,29 31-2158,-24-18 1906,27 33-2497,-10-18 2428,12 10-1298,0-15-887,0-3-843,25-3-218,6-4 2320,0-3-1423,30-8 2682,-40-1-597,7-22 1,0-6 1115,-3 0-1152,-14-11 0,-3-2 42,1 5-194,-9-18-1205,0 25-82,-18-5-1079,3 36 683,-6 24-818,10 6 1581,35 13 1,-17-21-1,17-1 1</inkml:trace>
+  <inkml:trace contextRef="#ctx0" brushRef="#br0" timeOffset="65337">32100 10902 25618,'-14'-13'-5986,"10"2"2224,-10 4 4508,14 2-1464,-12 4 2028,10 19-1375,-19 8 796,19 13-2125,-12 17 1659,13-18 389,-3 15-1274,4-1 710,0-13-1521,20 19 482,-15-28-692,15 2 1052,-8-16-446,-10-5 443,10-4 711,-2-4 721,-8-23-604,13 15 2671,-14-39-2522,9 23 945,-4-37-1014,2 20 832,3-25-1382,-3 30-231,1-7 844,0 13-1983,-4 10 2553,4-1-942,-7 13 884,7 2 827,-5 19-2583,9 0 380,-5 2-664,10 20-33,-9-25 335,8 29-727,-9-26 29,1 11-1332,-4-15 2690,-3 4 59,0-9 264,-2-2 1,0-1 0,0-3 0</inkml:trace>
+  <inkml:trace contextRef="#ctx0" brushRef="#br0" timeOffset="65933">31453 11126 23549,'-6'0'1439,"1"0"-1079,1 0 180,1 0-450,0 12-1694,3 5 108,0 16 197,20 12-856,-15-6 104,13-8 0,1 0-1332,-4 6-654,6 16 3498,-11-17 0,-3 1 1,3-1-1</inkml:trace>
+  <inkml:trace contextRef="#ctx0" brushRef="#br0" timeOffset="66517">32292 11074 25078,'0'-20'-5576,"0"2"3628,0 1 973,0 1 427,-17-4 123,-1 6 409,-2-1 143,-26 10-337,24 2 1075,-10 10 0,-1 1 1186,-3-5-160,-9 31-159,15-18 415,7 20-1275,4-6-10,6 19-1846,6-10-508,4 13-717,3-14 49,24-3-893,3 21 117,26-21 2489,-28-10 0,-2-2-748,5-7 1239,9-5 764,-21-8 466,9-19 1276,-12-4-403,-7-15-1234,-6 0-1132,-16 5-273,13 33 1668,-13 45-1609,16 10-125,0-16 0,0 0-1453,0 14 914,0 2 770,0 0 264,6-17 1,1 1 273,-3 18-1214,3-22 0,-1-1 53,-6 9 950,0-8 0,0-2-180,0 2-359,0-14-1315,-22 2 2377,-10-18 283,-11-3-483,-2-5 1,13-25 0,1-6 0</inkml:trace>
+  <inkml:trace contextRef="#ctx0" brushRef="#br0" timeOffset="66849">32475 11442 23369,'55'-12'1581,"-16"4"1,-1 1-656,20-5-458,-13 1 1,0 0-79,6-7 22,11-6-19,-7-11-452,-17 6 107,-7 0 1,-3-2-600,0-9 143,-10 12 0,-1-3-174,-5-1 0,-1-1-834,2-21 665,-7 8 1,-1 0-1376,-2-10 1269,-11 7 1,-1 1-1103,5 5 1190,-13 10 1,-5 5-364,-5 16 1134,-13 2 509,4 38 988,8-3-773,7 12 1,2 5 191,-8 17-327,9-3 1,3 2-115,9-20 0,2 0-249,-2 11 0,5 1-745,11-1 1,2-3-180,-11-11 0,4 0-827,31 18 1,6-3-501,-5 0 1170,4-19 0,5-5-762,-7-8 1,0-4 126,21 3 1712,-21-10 0,-1-1 1,11-5-1,-1-1 1</inkml:trace>
+  <inkml:trace contextRef="#ctx0" brushRef="#br0" timeOffset="66967">33193 11473 26697,'0'34'-2458,"0"-5"0,20-13 1,4-7-1</inkml:trace>
+  <inkml:trace contextRef="#ctx0" brushRef="#br0" timeOffset="71448">3705 15919 23909,'2'46'-6697,"-1"1"6151,-8 9 1,-2 5 198,7-13 1,0 1 220,-3 4 1,-2 5 0,3-6-120,3-3 1,2-4 81,-1 1 0,0-4-134,0 18-1390,16-1 1666,-9-2 1,1-1-370,11-4 25,-9 0 1,-9-17 32,-17-56 77,12-2-18,-11-18 0,-3-5-92,4 13 1,1-2 164,-1-10 0,0-6 0,0 2 82,0 0 0,1 0 78,2 4 1,0-1-1,3 1 202,6-5 1,1 2-190,-5-1 1,1 1 30,3 2 1,4-1 310,5-15 1,6 1 308,3 18 0,3 0-129,1 1 1,4-2 0,0 6 415,5 7 0,2 3 160,12-10 0,-1 6 998,5 8 320,12 4-90,-15 34-1478,-13 19-1247,-6 8-886,-16 11 668,-18-19 0,-3-1-239,6 20-697,-17-17 0,-10 3 1,4-4 1443,-2 18 0,-10-14 0,-1-4 0,8-7 0</inkml:trace>
+  <inkml:trace contextRef="#ctx0" brushRef="#br0" timeOffset="71822">4293 15169 23369,'19'0'1764,"-2"-1"-1324,-3 16-3551,-1-11 2915,-1 33-2189,1-16 1069,1 22 11,2-2 168,-5-8 0,0 2-1041,5 22 1002,-4-5 0,0 1 1027,1 12-573,-4 1 0,-2 0 1122,1-4-322,-5-7 0,0-4 604,-1-15-723,-2 7 238,0-28 218,1-4-218,-1-29 142,1-14-81,-1-12-63,16-20 393,-12 23-262,10 9 0,3 1 710,3 0 172,16-2 444,-7 23 685,-2 4-347,2 6-394,-7 20-1971,18 9 281,-18 12-2012,-2-11 0,0 0 1713,3 10 1,6 12 0,-9-15 0</inkml:trace>
+  <inkml:trace contextRef="#ctx0" brushRef="#br0" timeOffset="72236">5465 15674 23369,'0'40'-5126,"0"-6"3357,0 7 885,0-4 245,0 4 214,0 6 211,0 3-14,0 0-1369,16 1 1016,-13-3 424,13 0-461,-3-4 44,-9-4 411,9-5-448,-3-5-38,-7-4 539,12-4 347,-14-10-356,3-18 1795,-27-24-1569,-1-12-475,-3-12 387,7 14 1,2-2-26,9 7 0,2-2-38,-1-6 0,1-5 0,1 3 69,-1 1 0,2-1 2,2-3 0,3-4 0,3 5-525,5 6 0,3 1 1010,2-21 0,5 4 144,0 29 0,5 3 612,17-9 0,2 6 1301,1 10-1395,-2 18 1,-1 7 454,-7 13-1557,-13 9 0,-3 4-790,1 12-129,-20-2 1,-8 8 0,3-5-369,8-12 0,-3 0 1052,-12 7 0,-7 3 0,5-5 1,10 7-1,-17-1 0</inkml:trace>
+  <inkml:trace contextRef="#ctx0" brushRef="#br0" timeOffset="72685">7365 15555 23279,'-57'-20'-2166,"-1"0"1500,10 5 701,-7 2-20,0 4 103,-4 5 225,2 1-26,3 3-232,19 8 1,1 4 1322,-12 15-913,14-3 0,4 4 37,10 16-802,1 0-292,17-11-799,24-2 680,21-5 1,7-2 227,-15-13 1,2-1-162,22 10 1,4-7 394,-8-20 1,-5-5 709,14 7 207,-11-20 1,-5-6 678,-15 7 956,-2-33-1181,-23 23-915,-5-3-723,-5 4-928,0 2-521,0 4-54,0 5-107,0 3 212,-14 4 886,10 25 1017,-11 15 771,15 15-2410,0 26 181,0-21 1291,8-6 1,5-2 0,9 5-1,20 10 1</inkml:trace>
+  <inkml:trace contextRef="#ctx0" brushRef="#br0" timeOffset="72968">7707 15434 23999,'1'-15'-5245,"3"3"4555,-1 5 1224,7 4 1651,-1 25-4507,4-17 2365,0 43-1364,0-26-724,1 27 1249,5 10-332,-5-12 435,-4-8 1,0 0-1961,-1 2 2941,2 9-1364,-4-23 1479,-3-6-362,1-6-146,-2-8 37,2-3 908,2-29 168,1 2-561,5-26 1,3-6 36,-7 23 0,1-1-475,6-14 1,2-5 0,-1 4-132,-1 8 0,0 0 331,4-2 0,2-4 0,-1 5 0,0 5 0,1 2 0,7-9 0,-1 1 1</inkml:trace>
+  <inkml:trace contextRef="#ctx0" brushRef="#br0" timeOffset="73233">9178 14786 25258,'-12'-8'-4628,"10"-5"1618,-20 12 4812,20 19-2522,-8 4 804,10 29-778,0-5 106,0 11-315,10-25 0,1 2 419,0 18 0,0 1 464,2-12 0,0 1-1223,-2 3 0,-1 3 0,0-4 132,-1-6 1,-1-1-156,0 10 0,2-3 1163,11 9 0,-19-7 0,5-4 0</inkml:trace>
+  <inkml:trace contextRef="#ctx0" brushRef="#br0" timeOffset="73381">8770 15348 23189,'0'-26'-6475,"22"1"8273,2 3-627,27 4 267,2 1-1786,-7 8 1,3 2 388,-10 1 1,1 1 0,13 1 0,-1 1 0,-14 2 0,0 0 0</inkml:trace>
+  <inkml:trace contextRef="#ctx0" brushRef="#br0" timeOffset="73552">9818 15236 23189,'0'29'-4496,"0"5"2367,-13-6 2805,10 4-1337,-11-6 1252,14 3-1363,0 0 351,0 1-1176,0 1 1507,18 1-1281,-13-1-1218,12-2 2465,3 9 0,-4-11 0,18 6 0</inkml:trace>
+  <inkml:trace contextRef="#ctx0" brushRef="#br0" timeOffset="73699">9902 14918 23189,'-10'-36'-8608,"8"5"6747,-8 9-2269,10 9 4523,24 23 1,-17-8 0,17 15-1</inkml:trace>
+  <inkml:trace contextRef="#ctx0" brushRef="#br0" timeOffset="73998">10875 15097 23009,'-66'0'540,"13"0"-540,0 0 0,13 0 0,-13 0 0,15 15 923,-5-12-856,29 38-983,6-19-2,8 26-588,18 13-761,-13-11 1145,27-6 1,7-2-516,-6 9 446,14-11 0,3-3-230,-3 1 1217,-18-15 1,-1-2 656,2 1-87,-14-4 179,7-5 781,-21-5-2007,-10-4 2313,-24-16-2908,-30-8 825,8 1 457,0-18 0,32 20 1,6-18-1</inkml:trace>
+  <inkml:trace contextRef="#ctx0" brushRef="#br0" timeOffset="74415">11533 15200 24269,'-58'0'719,"12"0"-719,3 0 90,2 13 962,21 5-992,-19 31-597,35-12-48,-6-3 0,5-1-700,29 4 137,-8-6 0,3 0-1650,29 4 1684,-14-10 0,0-1-1144,8 1 840,13-3 840,-20-12 1271,-2-7 383,-5-1 823,8-22 537,-15 15-112,6-56-1457,-19 34-617,-4-12 1,-2-2-241,-2-1-820,0-12-576,0 20-174,-16 5-866,12 6 215,-12 6 1409,16 26 452,0 17 237,0 14 113,0 9-202,14-8 0,2-1-625,-8 9 4,14-3 1,2-2-28,-5-9-2176,15 8 3127,-5-28 1,-7-2 0,-5-13-1</inkml:trace>
+  <inkml:trace contextRef="#ctx0" brushRef="#br0" timeOffset="74733">11943 15288 22650,'5'-25'-4293,"3"5"3695,-1 9 1372,2 6 1455,2 5-1479,1 0-344,11 16-1300,-4 15-93,-1-3 0,0 3 252,5 23-624,5 4-487,-3 0-780,-8-17 314,8 19 113,-13-32 1208,1 0 548,-8-19 577,-2-21 953,-2-18-418,-1-9-341,0 6 1,0-1 657,0-14 246,0-15-98,21 16 539,-15 5-461,23 12 0,0 1 57,-19-2-648,21 10 1,3 6 1635,-17 10-207,34 40-1629,-27-9-1270,-2 12 0,-2 5-2940,4 7 1786,-8-14 0,1 0 1454,6 16 0,1-1 0,1 0 1</inkml:trace>
+  <inkml:trace contextRef="#ctx0" brushRef="#br0" timeOffset="76037">15447 14800 25078,'11'-36'-3228,"-2"1"1975,-6 2-41,-1 5 404,-2 1 98,0 7 225,-22 2 349,17 5-2064,-39 5 2850,25 4 159,-22 3 612,8 1 153,-2 20 471,1-15 19,3 41-1121,7-23 1497,11 26-3181,5-7 131,8 4-141,10-11 0,0 1-1387,-6 21 1349,19-20 1,10 4 0,-5-5-1297,3 19 1479,9-6 0,1-5-991,-8-14 1316,-16 9-585,-2-24 1279,-43 4 1958,3-12-2525,-22-2 0,-6-1 884,-5-2-323,0-10 0,1-1 0,11 4 0,-12-15 1</inkml:trace>
+  <inkml:trace contextRef="#ctx0" brushRef="#br0" timeOffset="76249">15695 14420 23999,'28'-24'1187,"-3"4"-528,-9 5-58,-8 5-743,1 5 1055,-6 2-745,8 20-2209,-3 16 1067,0 0 1,0 4-62,-3-4 0,-1 2 78,3 6 0,0 2-20,-1 10 1,-2 0 168,1-12 0,-1 3 61,0 5 1,0 4-1,0-5-695,0-4 1,0-1 709,1 2 1,0 5 0,0-6 256,-1-8 0,1 0 494,2 16 0,1-2 0,-3-6 0,2 8 1</inkml:trace>
+  <inkml:trace contextRef="#ctx0" brushRef="#br0" timeOffset="76400">15470 15038 23549,'0'-46'-6295,"0"3"4166,0 2 975,25 2 2423,1 5-389,27 2 662,-1 7-232,4 2-1723,-10 13 0,1 1 657,-11 3 1,0 2 92,13-1 1,-1 2 0,18 3 0,1 0 0</inkml:trace>
+  <inkml:trace contextRef="#ctx0" brushRef="#br0" timeOffset="76685">16613 14839 23549,'-15'-14'-5547,"-4"3"4736,0 30 2347,-12-14-26,28 39-2809,-28-23 2301,27 26-1866,-21-6 341,23 23 527,-9-13-42,8-10 0,6-2-1563,23 3 505,-14-9 0,5-4 463,40-8-334,-5 2 1678,-8-42 472,-4-18 249,-25-13-1330,-7 7 1,-2-1 211,-6-17-20,2 21 0,-4-2-793,-9 1 1,-4 2-1935,-17-19 2210,4 15 1,-1 2-1,-2 4 1,5-5-1</inkml:trace>
+  <inkml:trace contextRef="#ctx0" brushRef="#br0" timeOffset="77016">16988 14835 22920,'0'45'-6206,"0"1"3987,20-8 77,-15 8 1377,30 3 162,-31 6 434,25-1-410,-26 1-1232,22-2 1278,-23 11 544,18-19 1014,-18 10-980,7-33-487,-4-4-87,-2-30 1704,5-6-314,-2-20 54,0-2-550,1-11 70,0 7 1,-1-1-519,0 9 0,1-2-562,3-11 1,2-7 0,0 7 839,-2 10 0,1 2 0,6-20 0,2 3 0,2 6 0</inkml:trace>
+  <inkml:trace contextRef="#ctx0" brushRef="#br0" timeOffset="77403">18003 14835 23549,'-44'-18'-2438,"2"4"1811,9 14 1551,-1 0-370,0 0-184,-2 0-17,2 0-155,-5 19 422,12-15 552,0 53-1263,18-31-488,4 10 1,6 2-1076,25 2-199,-20 9 815,27-27 0,5-4 166,-10 5 86,12-10 1,3-4-46,-2-4 1267,-8-12 0,-1-2 1270,1 4-625,-9-21 0,-4-6 537,-6 4-566,-3-17 1,-4-2-1486,-6 5 131,3 6 1,-5 4-1018,-16 15-129,12-9-1117,-13 45 1059,18 5-666,22 20-140,-17 5 2217,23-20 0,3 0 0,-6 14 1,3-15-1,0 1 0</inkml:trace>
+  <inkml:trace contextRef="#ctx0" brushRef="#br0" timeOffset="78082">18718 14810 23189,'-21'-16'-4755,"15"2"376,-33 7 6146,23 2-1238,-5 26 590,9 5-1050,12 13-914,0-1-841,20-8 1088,-15-1 957,38 7-1313,-12-10 180,20 4-238,-11-19 1387,0-3 923,-26-25 132,11 13 1534,-23-53-2461,7 32 128,-7-13 0,-4-3-752,2 1-234,0-13-760,0 22-183,-14 3-655,10 6-203,-11 4 2047,15 31-288,0 25 454,0 18-46,-1-18 1,2-1-136,7-4 1,0 0 30,-6 4 1,0 0 94,12 0 0,1 1-81,-6 17 1,-3 0 35,2-16 1,0 1-371,-1 22 1,-2-3-546,-5 1 342,2-18 0,-4-2 247,-19-3 1093,16-1-557,-39-21 2384,16-8-220,-17-26-1209,18 1-568,10-42-973,17 20 510,12 0 0,4-1-245,8-9 527,0 17 1,5 0-709,3 2 1,1 3 270,-7 8 0,1 0 603,21-10 0,0 1 1257,10 1-351,-8 8 1,-1 0 600,11-2-970,-10 5 0,0-1 522,8-5-1177,-21 8 1,0 0-193,-5-3 1,-2-1-177,14-11-142,-15 2 1,-3-2-510,-5-9-29,-10 5 1,-4-1-1142,-3-5-223,-4-12-429,-28 14-29,-5 14 833,-28-2 1139,15 20 612,4 22 1463,9-11-110,18 47-1104,-2-25 716,17 33-748,0-10-647,7-9 1,5 1-623,5-10 1,3-1-1117,13 23 0,3-3 1713,-3-20 0,0-3 0,3 7 0,-1-1 0,-9-13 0,1 1 1</inkml:trace>
+  <inkml:trace contextRef="#ctx0" brushRef="#br0" timeOffset="78282">20470 14614 25348,'-17'-4'-2177,"4"1"-3239,13 0 4782,0 21 1,0-14 0,0 14 0</inkml:trace>
+  <inkml:trace contextRef="#ctx0" brushRef="#br0" timeOffset="78419">20568 15053 24629,'2'3'-1350,"8"-2"0</inkml:trace>
+  <inkml:trace contextRef="#ctx0" brushRef="#br0" timeOffset="79037">21178 15168 25888,'21'-27'-400,"-7"-5"0,2 0-414,28 2 1102,-18-4 1,2-8-1,-3 3-352,-3 9 0,0-1 84,5-10 0,2-5 0,-3 4-84,-8 9 1,-1 0-96,11-26 0,-2-2-250,-11 24 0,-2 0 222,4-12 1,-1 0-5,-6 12 1,-2 0-330,-1 0 0,-1-1 128,0 0 0,-2-2-102,0-15 1,-2-1 58,0 15 0,-1 0-80,-1-22 0,0 3-258,0 0 317,-7 23 1,-2 3-589,5 9 318,-24 6 938,25 49-272,-9 1 290,5 17 1,4 6-193,2-16 1,-1 2 25,-4 10 0,-1 8 0,1-5 82,4-1 1,2 1 39,-3 7 0,-1 6 0,2-6 9,0-6 1,4-2-411,4-8 1,2 2 0,1-1-84,4 15 1,1-4-279,-1-14 1,3 0-35,14 19 1,-2-2-257,-6-2 151,9-19 0,3-6 375,-4-6 397,2-11 0,0-8 1340,0-21-62,-1 0 0,-1-3 1224,-3-23-1594,-6 9 1,0 1 888,1-5-206,6-20-810,-15 38 196,0-14-1393,-7 29 406,3-8-695,-3 28-1078,11 11-10,-4 10-154,9 7-610,-3-11-1041,1 3 846,2-3-1788,-1-2 4116,2-6 1,-1-5-1,-2-4 1</inkml:trace>
+  <inkml:trace contextRef="#ctx0" brushRef="#br0" timeOffset="79199">22355 14493 24629,'0'-13'-6476,"0"2"4258,0 3-2085,0 3 5030,14 2 0,-10 1 1,10 2-1</inkml:trace>
+  <inkml:trace contextRef="#ctx0" brushRef="#br0" timeOffset="79419">22615 14448 23099,'7'0'1530,"6"15"-6132,-2 10 1460,12 25 1138,-8-3 1333,-1-10 0,0 1-346,3 14 684,-2-5 0,-1 0-1841,2 11 1107,-5-21 1,0 0 549,-2-3 1,0-2-178,5 13 694,5 16 0,-10-39 0,0 0 0</inkml:trace>
+  <inkml:trace contextRef="#ctx0" brushRef="#br0" timeOffset="79907">22920 14701 22560,'0'-12'-5666,"0"-1"3807,0 0 1335,19-12 2317,-14 5-1329,39-18 1196,-16 16-352,15-6-329,4 6 1503,-15 8 157,15 0-280,-16 10-1835,4 2 812,-11 20-2569,-2-14 693,-1 38-2009,5 0-25,-6 13 1035,-8-12 0,0 1-1419,0 13 289,-4-8 1,0 0-1136,-1 6 3685,-2-20 0,0-2 0,-2 5 0,-1-5 0</inkml:trace>
+  <inkml:trace contextRef="#ctx0" brushRef="#br0" timeOffset="80152">23890 14019 25168,'0'-24'-5936,"0"4"4078,0 7 883,0 6 427,14 4 2914,-10 23-3435,26 0 1066,-26 23-1779,26 0 1609,-26 6-55,23 8-87,-20-11 1,-1 1 124,5-10 1,-1 0-1051,-1 13 0,-1-1 708,-2-14 1,0-1-581,0-1 0,-1 1-357,9 31 1439,-6-22 1,2-1 0,4 18-1,-4-24 1,-1 1 0</inkml:trace>
+  <inkml:trace contextRef="#ctx0" brushRef="#br0" timeOffset="80422">24665 14458 25168,'0'-8'-6295,"0"0"4346,-17 2 2768,-9 1-275,-6 3 1,-4 1 450,-16 0-540,8 6 0,1 4 630,-2 10-773,11-1 0,1 3 1656,-1 13-348,-3 2-953,26-6-1218,0 1-378,10 1-617,-3 2-337,31 1-422,-2 1 1299,13-9 0,5 1 142,-15-7 0,2 0-425,7 2 1,5 2 0,-2-2 1289,-3-3 0,1-1 0,13 6 0,1-3 0,-16-7 0,0-1 0</inkml:trace>
+  <inkml:trace contextRef="#ctx0" brushRef="#br0" timeOffset="80599">25480 15144 24629,'7'-7'-1101,"0"-5"0,0 6 0,-1-5 1</inkml:trace>
 </inkml:ink>
 </file>
 
@@ -2130,7 +4072,7 @@
           <a:p>
             <a:fld id="{C2DC7AAC-5E74-064F-8595-6C0EC358927A}" type="datetimeFigureOut">
               <a:rPr lang="en-VN" smtClean="0"/>
-              <a:t>15/07/2021</a:t>
+              <a:t>17/07/2021</a:t>
             </a:fld>
             <a:endParaRPr lang="en-VN"/>
           </a:p>
@@ -2330,7 +4272,7 @@
           <a:p>
             <a:fld id="{C2DC7AAC-5E74-064F-8595-6C0EC358927A}" type="datetimeFigureOut">
               <a:rPr lang="en-VN" smtClean="0"/>
-              <a:t>15/07/2021</a:t>
+              <a:t>17/07/2021</a:t>
             </a:fld>
             <a:endParaRPr lang="en-VN"/>
           </a:p>
@@ -2540,7 +4482,7 @@
           <a:p>
             <a:fld id="{C2DC7AAC-5E74-064F-8595-6C0EC358927A}" type="datetimeFigureOut">
               <a:rPr lang="en-VN" smtClean="0"/>
-              <a:t>15/07/2021</a:t>
+              <a:t>17/07/2021</a:t>
             </a:fld>
             <a:endParaRPr lang="en-VN"/>
           </a:p>
@@ -2740,7 +4682,7 @@
           <a:p>
             <a:fld id="{C2DC7AAC-5E74-064F-8595-6C0EC358927A}" type="datetimeFigureOut">
               <a:rPr lang="en-VN" smtClean="0"/>
-              <a:t>15/07/2021</a:t>
+              <a:t>17/07/2021</a:t>
             </a:fld>
             <a:endParaRPr lang="en-VN"/>
           </a:p>
@@ -3016,7 +4958,7 @@
           <a:p>
             <a:fld id="{C2DC7AAC-5E74-064F-8595-6C0EC358927A}" type="datetimeFigureOut">
               <a:rPr lang="en-VN" smtClean="0"/>
-              <a:t>15/07/2021</a:t>
+              <a:t>17/07/2021</a:t>
             </a:fld>
             <a:endParaRPr lang="en-VN"/>
           </a:p>
@@ -3284,7 +5226,7 @@
           <a:p>
             <a:fld id="{C2DC7AAC-5E74-064F-8595-6C0EC358927A}" type="datetimeFigureOut">
               <a:rPr lang="en-VN" smtClean="0"/>
-              <a:t>15/07/2021</a:t>
+              <a:t>17/07/2021</a:t>
             </a:fld>
             <a:endParaRPr lang="en-VN"/>
           </a:p>
@@ -3699,7 +5641,7 @@
           <a:p>
             <a:fld id="{C2DC7AAC-5E74-064F-8595-6C0EC358927A}" type="datetimeFigureOut">
               <a:rPr lang="en-VN" smtClean="0"/>
-              <a:t>15/07/2021</a:t>
+              <a:t>17/07/2021</a:t>
             </a:fld>
             <a:endParaRPr lang="en-VN"/>
           </a:p>
@@ -3841,7 +5783,7 @@
           <a:p>
             <a:fld id="{C2DC7AAC-5E74-064F-8595-6C0EC358927A}" type="datetimeFigureOut">
               <a:rPr lang="en-VN" smtClean="0"/>
-              <a:t>15/07/2021</a:t>
+              <a:t>17/07/2021</a:t>
             </a:fld>
             <a:endParaRPr lang="en-VN"/>
           </a:p>
@@ -3954,7 +5896,7 @@
           <a:p>
             <a:fld id="{C2DC7AAC-5E74-064F-8595-6C0EC358927A}" type="datetimeFigureOut">
               <a:rPr lang="en-VN" smtClean="0"/>
-              <a:t>15/07/2021</a:t>
+              <a:t>17/07/2021</a:t>
             </a:fld>
             <a:endParaRPr lang="en-VN"/>
           </a:p>
@@ -4267,7 +6209,7 @@
           <a:p>
             <a:fld id="{C2DC7AAC-5E74-064F-8595-6C0EC358927A}" type="datetimeFigureOut">
               <a:rPr lang="en-VN" smtClean="0"/>
-              <a:t>15/07/2021</a:t>
+              <a:t>17/07/2021</a:t>
             </a:fld>
             <a:endParaRPr lang="en-VN"/>
           </a:p>
@@ -4556,7 +6498,7 @@
           <a:p>
             <a:fld id="{C2DC7AAC-5E74-064F-8595-6C0EC358927A}" type="datetimeFigureOut">
               <a:rPr lang="en-VN" smtClean="0"/>
-              <a:t>15/07/2021</a:t>
+              <a:t>17/07/2021</a:t>
             </a:fld>
             <a:endParaRPr lang="en-VN"/>
           </a:p>
@@ -4799,7 +6741,7 @@
           <a:p>
             <a:fld id="{C2DC7AAC-5E74-064F-8595-6C0EC358927A}" type="datetimeFigureOut">
               <a:rPr lang="en-VN" smtClean="0"/>
-              <a:t>15/07/2021</a:t>
+              <a:t>17/07/2021</a:t>
             </a:fld>
             <a:endParaRPr lang="en-VN"/>
           </a:p>
@@ -5216,8 +7158,8 @@
           <a:chExt cx="0" cy="0"/>
         </a:xfrm>
       </p:grpSpPr>
-      <mc:AlternateContent xmlns:mc="http://schemas.openxmlformats.org/markup-compatibility/2006">
-        <mc:Choice xmlns:p14="http://schemas.microsoft.com/office/powerpoint/2010/main" Requires="p14">
+      <mc:AlternateContent xmlns:mc="http://schemas.openxmlformats.org/markup-compatibility/2006" xmlns:p14="http://schemas.microsoft.com/office/powerpoint/2010/main">
+        <mc:Choice Requires="p14">
           <p:contentPart p14:bwMode="auto" r:id="rId2">
             <p14:nvContentPartPr>
               <p14:cNvPr id="2" name="Ink 1">
@@ -5236,7 +7178,7 @@
             </p14:xfrm>
           </p:contentPart>
         </mc:Choice>
-        <mc:Fallback>
+        <mc:Fallback xmlns="">
           <p:pic>
             <p:nvPicPr>
               <p:cNvPr id="2" name="Ink 1">
@@ -5297,8 +7239,8 @@
           <a:chExt cx="0" cy="0"/>
         </a:xfrm>
       </p:grpSpPr>
-      <mc:AlternateContent xmlns:mc="http://schemas.openxmlformats.org/markup-compatibility/2006">
-        <mc:Choice xmlns:p14="http://schemas.microsoft.com/office/powerpoint/2010/main" Requires="p14">
+      <mc:AlternateContent xmlns:mc="http://schemas.openxmlformats.org/markup-compatibility/2006" xmlns:p14="http://schemas.microsoft.com/office/powerpoint/2010/main">
+        <mc:Choice Requires="p14">
           <p:contentPart p14:bwMode="auto" r:id="rId2">
             <p14:nvContentPartPr>
               <p14:cNvPr id="2" name="Ink 1">
@@ -5317,7 +7259,7 @@
             </p14:xfrm>
           </p:contentPart>
         </mc:Choice>
-        <mc:Fallback>
+        <mc:Fallback xmlns="">
           <p:pic>
             <p:nvPicPr>
               <p:cNvPr id="2" name="Ink 1">
@@ -5378,8 +7320,8 @@
           <a:chExt cx="0" cy="0"/>
         </a:xfrm>
       </p:grpSpPr>
-      <mc:AlternateContent xmlns:mc="http://schemas.openxmlformats.org/markup-compatibility/2006">
-        <mc:Choice xmlns:p14="http://schemas.microsoft.com/office/powerpoint/2010/main" Requires="p14">
+      <mc:AlternateContent xmlns:mc="http://schemas.openxmlformats.org/markup-compatibility/2006" xmlns:p14="http://schemas.microsoft.com/office/powerpoint/2010/main">
+        <mc:Choice Requires="p14">
           <p:contentPart p14:bwMode="auto" r:id="rId2">
             <p14:nvContentPartPr>
               <p14:cNvPr id="2" name="Ink 1">
@@ -5398,7 +7340,7 @@
             </p14:xfrm>
           </p:contentPart>
         </mc:Choice>
-        <mc:Fallback>
+        <mc:Fallback xmlns="">
           <p:pic>
             <p:nvPicPr>
               <p:cNvPr id="2" name="Ink 1">
@@ -5459,10 +7401,628 @@
           <a:chExt cx="0" cy="0"/>
         </a:xfrm>
       </p:grpSpPr>
+      <mc:AlternateContent xmlns:mc="http://schemas.openxmlformats.org/markup-compatibility/2006" xmlns:p14="http://schemas.microsoft.com/office/powerpoint/2010/main">
+        <mc:Choice Requires="p14">
+          <p:contentPart p14:bwMode="auto" r:id="rId2">
+            <p14:nvContentPartPr>
+              <p14:cNvPr id="2" name="Ink 1">
+                <a:extLst>
+                  <a:ext uri="{FF2B5EF4-FFF2-40B4-BE49-F238E27FC236}">
+                    <a16:creationId xmlns:a16="http://schemas.microsoft.com/office/drawing/2014/main" id="{8D279F97-8969-0E45-ADA8-B9CA0989D852}"/>
+                  </a:ext>
+                </a:extLst>
+              </p14:cNvPr>
+              <p14:cNvContentPartPr/>
+              <p14:nvPr/>
+            </p14:nvContentPartPr>
+            <p14:xfrm>
+              <a:off x="686520" y="177840"/>
+              <a:ext cx="10665720" cy="4110840"/>
+            </p14:xfrm>
+          </p:contentPart>
+        </mc:Choice>
+        <mc:Fallback xmlns="">
+          <p:pic>
+            <p:nvPicPr>
+              <p:cNvPr id="2" name="Ink 1">
+                <a:extLst>
+                  <a:ext uri="{FF2B5EF4-FFF2-40B4-BE49-F238E27FC236}">
+                    <a16:creationId xmlns:a16="http://schemas.microsoft.com/office/drawing/2014/main" id="{8D279F97-8969-0E45-ADA8-B9CA0989D852}"/>
+                  </a:ext>
+                </a:extLst>
+              </p:cNvPr>
+              <p:cNvPicPr/>
+              <p:nvPr/>
+            </p:nvPicPr>
+            <p:blipFill>
+              <a:blip r:embed="rId3"/>
+              <a:stretch>
+                <a:fillRect/>
+              </a:stretch>
+            </p:blipFill>
+            <p:spPr>
+              <a:xfrm>
+                <a:off x="664920" y="156240"/>
+                <a:ext cx="10708920" cy="4154040"/>
+              </a:xfrm>
+              <a:prstGeom prst="rect">
+                <a:avLst/>
+              </a:prstGeom>
+            </p:spPr>
+          </p:pic>
+        </mc:Fallback>
+      </mc:AlternateContent>
     </p:spTree>
     <p:extLst>
       <p:ext uri="{BB962C8B-B14F-4D97-AF65-F5344CB8AC3E}">
         <p14:creationId xmlns:p14="http://schemas.microsoft.com/office/powerpoint/2010/main" val="2921168744"/>
+      </p:ext>
+    </p:extLst>
+  </p:cSld>
+  <p:clrMapOvr>
+    <a:masterClrMapping/>
+  </p:clrMapOvr>
+</p:sld>
+</file>
+
+<file path=ppt/slides/slide13.xml><?xml version="1.0" encoding="utf-8"?>
+<p:sld xmlns:a="http://schemas.openxmlformats.org/drawingml/2006/main" xmlns:r="http://schemas.openxmlformats.org/officeDocument/2006/relationships" xmlns:p="http://schemas.openxmlformats.org/presentationml/2006/main">
+  <p:cSld>
+    <p:spTree>
+      <p:nvGrpSpPr>
+        <p:cNvPr id="1" name=""/>
+        <p:cNvGrpSpPr/>
+        <p:nvPr/>
+      </p:nvGrpSpPr>
+      <p:grpSpPr>
+        <a:xfrm>
+          <a:off x="0" y="0"/>
+          <a:ext cx="0" cy="0"/>
+          <a:chOff x="0" y="0"/>
+          <a:chExt cx="0" cy="0"/>
+        </a:xfrm>
+      </p:grpSpPr>
+      <mc:AlternateContent xmlns:mc="http://schemas.openxmlformats.org/markup-compatibility/2006" xmlns:p14="http://schemas.microsoft.com/office/powerpoint/2010/main">
+        <mc:Choice Requires="p14">
+          <p:contentPart p14:bwMode="auto" r:id="rId2">
+            <p14:nvContentPartPr>
+              <p14:cNvPr id="2" name="Ink 1">
+                <a:extLst>
+                  <a:ext uri="{FF2B5EF4-FFF2-40B4-BE49-F238E27FC236}">
+                    <a16:creationId xmlns:a16="http://schemas.microsoft.com/office/drawing/2014/main" id="{C6AACB25-98DE-3A49-8F66-D682BD74FB4E}"/>
+                  </a:ext>
+                </a:extLst>
+              </p14:cNvPr>
+              <p14:cNvContentPartPr/>
+              <p14:nvPr/>
+            </p14:nvContentPartPr>
+            <p14:xfrm>
+              <a:off x="390600" y="249480"/>
+              <a:ext cx="11621880" cy="5538600"/>
+            </p14:xfrm>
+          </p:contentPart>
+        </mc:Choice>
+        <mc:Fallback xmlns="">
+          <p:pic>
+            <p:nvPicPr>
+              <p:cNvPr id="2" name="Ink 1">
+                <a:extLst>
+                  <a:ext uri="{FF2B5EF4-FFF2-40B4-BE49-F238E27FC236}">
+                    <a16:creationId xmlns:a16="http://schemas.microsoft.com/office/drawing/2014/main" id="{C6AACB25-98DE-3A49-8F66-D682BD74FB4E}"/>
+                  </a:ext>
+                </a:extLst>
+              </p:cNvPr>
+              <p:cNvPicPr/>
+              <p:nvPr/>
+            </p:nvPicPr>
+            <p:blipFill>
+              <a:blip r:embed="rId3"/>
+              <a:stretch>
+                <a:fillRect/>
+              </a:stretch>
+            </p:blipFill>
+            <p:spPr>
+              <a:xfrm>
+                <a:off x="369000" y="233280"/>
+                <a:ext cx="11665080" cy="5576400"/>
+              </a:xfrm>
+              <a:prstGeom prst="rect">
+                <a:avLst/>
+              </a:prstGeom>
+            </p:spPr>
+          </p:pic>
+        </mc:Fallback>
+      </mc:AlternateContent>
+    </p:spTree>
+    <p:extLst>
+      <p:ext uri="{BB962C8B-B14F-4D97-AF65-F5344CB8AC3E}">
+        <p14:creationId xmlns:p14="http://schemas.microsoft.com/office/powerpoint/2010/main" val="1787300903"/>
+      </p:ext>
+    </p:extLst>
+  </p:cSld>
+  <p:clrMapOvr>
+    <a:masterClrMapping/>
+  </p:clrMapOvr>
+</p:sld>
+</file>
+
+<file path=ppt/slides/slide14.xml><?xml version="1.0" encoding="utf-8"?>
+<p:sld xmlns:a="http://schemas.openxmlformats.org/drawingml/2006/main" xmlns:r="http://schemas.openxmlformats.org/officeDocument/2006/relationships" xmlns:p="http://schemas.openxmlformats.org/presentationml/2006/main">
+  <p:cSld>
+    <p:spTree>
+      <p:nvGrpSpPr>
+        <p:cNvPr id="1" name=""/>
+        <p:cNvGrpSpPr/>
+        <p:nvPr/>
+      </p:nvGrpSpPr>
+      <p:grpSpPr>
+        <a:xfrm>
+          <a:off x="0" y="0"/>
+          <a:ext cx="0" cy="0"/>
+          <a:chOff x="0" y="0"/>
+          <a:chExt cx="0" cy="0"/>
+        </a:xfrm>
+      </p:grpSpPr>
+      <mc:AlternateContent xmlns:mc="http://schemas.openxmlformats.org/markup-compatibility/2006" xmlns:p14="http://schemas.microsoft.com/office/powerpoint/2010/main">
+        <mc:Choice Requires="p14">
+          <p:contentPart p14:bwMode="auto" r:id="rId2">
+            <p14:nvContentPartPr>
+              <p14:cNvPr id="2" name="Ink 1">
+                <a:extLst>
+                  <a:ext uri="{FF2B5EF4-FFF2-40B4-BE49-F238E27FC236}">
+                    <a16:creationId xmlns:a16="http://schemas.microsoft.com/office/drawing/2014/main" id="{B66C3695-1F4C-7844-8B3E-AAB92A5795A9}"/>
+                  </a:ext>
+                </a:extLst>
+              </p14:cNvPr>
+              <p14:cNvContentPartPr/>
+              <p14:nvPr/>
+            </p14:nvContentPartPr>
+            <p14:xfrm>
+              <a:off x="405360" y="148680"/>
+              <a:ext cx="11779200" cy="6709320"/>
+            </p14:xfrm>
+          </p:contentPart>
+        </mc:Choice>
+        <mc:Fallback xmlns="">
+          <p:pic>
+            <p:nvPicPr>
+              <p:cNvPr id="2" name="Ink 1">
+                <a:extLst>
+                  <a:ext uri="{FF2B5EF4-FFF2-40B4-BE49-F238E27FC236}">
+                    <a16:creationId xmlns:a16="http://schemas.microsoft.com/office/drawing/2014/main" id="{B66C3695-1F4C-7844-8B3E-AAB92A5795A9}"/>
+                  </a:ext>
+                </a:extLst>
+              </p:cNvPr>
+              <p:cNvPicPr/>
+              <p:nvPr/>
+            </p:nvPicPr>
+            <p:blipFill>
+              <a:blip r:embed="rId3"/>
+              <a:stretch>
+                <a:fillRect/>
+              </a:stretch>
+            </p:blipFill>
+            <p:spPr>
+              <a:xfrm>
+                <a:off x="383760" y="127080"/>
+                <a:ext cx="11822400" cy="6747120"/>
+              </a:xfrm>
+              <a:prstGeom prst="rect">
+                <a:avLst/>
+              </a:prstGeom>
+            </p:spPr>
+          </p:pic>
+        </mc:Fallback>
+      </mc:AlternateContent>
+    </p:spTree>
+    <p:extLst>
+      <p:ext uri="{BB962C8B-B14F-4D97-AF65-F5344CB8AC3E}">
+        <p14:creationId xmlns:p14="http://schemas.microsoft.com/office/powerpoint/2010/main" val="145667846"/>
+      </p:ext>
+    </p:extLst>
+  </p:cSld>
+  <p:clrMapOvr>
+    <a:masterClrMapping/>
+  </p:clrMapOvr>
+</p:sld>
+</file>
+
+<file path=ppt/slides/slide15.xml><?xml version="1.0" encoding="utf-8"?>
+<p:sld xmlns:a="http://schemas.openxmlformats.org/drawingml/2006/main" xmlns:r="http://schemas.openxmlformats.org/officeDocument/2006/relationships" xmlns:p="http://schemas.openxmlformats.org/presentationml/2006/main">
+  <p:cSld>
+    <p:spTree>
+      <p:nvGrpSpPr>
+        <p:cNvPr id="1" name=""/>
+        <p:cNvGrpSpPr/>
+        <p:nvPr/>
+      </p:nvGrpSpPr>
+      <p:grpSpPr>
+        <a:xfrm>
+          <a:off x="0" y="0"/>
+          <a:ext cx="0" cy="0"/>
+          <a:chOff x="0" y="0"/>
+          <a:chExt cx="0" cy="0"/>
+        </a:xfrm>
+      </p:grpSpPr>
+      <mc:AlternateContent xmlns:mc="http://schemas.openxmlformats.org/markup-compatibility/2006" xmlns:p14="http://schemas.microsoft.com/office/powerpoint/2010/main">
+        <mc:Choice Requires="p14">
+          <p:contentPart p14:bwMode="auto" r:id="rId2">
+            <p14:nvContentPartPr>
+              <p14:cNvPr id="2" name="Ink 1">
+                <a:extLst>
+                  <a:ext uri="{FF2B5EF4-FFF2-40B4-BE49-F238E27FC236}">
+                    <a16:creationId xmlns:a16="http://schemas.microsoft.com/office/drawing/2014/main" id="{AD0A3685-94C8-514A-92C6-86B4EFBB30FE}"/>
+                  </a:ext>
+                </a:extLst>
+              </p14:cNvPr>
+              <p14:cNvContentPartPr/>
+              <p14:nvPr/>
+            </p14:nvContentPartPr>
+            <p14:xfrm>
+              <a:off x="396000" y="202320"/>
+              <a:ext cx="11766960" cy="5831280"/>
+            </p14:xfrm>
+          </p:contentPart>
+        </mc:Choice>
+        <mc:Fallback xmlns="">
+          <p:pic>
+            <p:nvPicPr>
+              <p:cNvPr id="2" name="Ink 1">
+                <a:extLst>
+                  <a:ext uri="{FF2B5EF4-FFF2-40B4-BE49-F238E27FC236}">
+                    <a16:creationId xmlns:a16="http://schemas.microsoft.com/office/drawing/2014/main" id="{AD0A3685-94C8-514A-92C6-86B4EFBB30FE}"/>
+                  </a:ext>
+                </a:extLst>
+              </p:cNvPr>
+              <p:cNvPicPr/>
+              <p:nvPr/>
+            </p:nvPicPr>
+            <p:blipFill>
+              <a:blip r:embed="rId3"/>
+              <a:stretch>
+                <a:fillRect/>
+              </a:stretch>
+            </p:blipFill>
+            <p:spPr>
+              <a:xfrm>
+                <a:off x="374400" y="180720"/>
+                <a:ext cx="11810160" cy="5874480"/>
+              </a:xfrm>
+              <a:prstGeom prst="rect">
+                <a:avLst/>
+              </a:prstGeom>
+            </p:spPr>
+          </p:pic>
+        </mc:Fallback>
+      </mc:AlternateContent>
+    </p:spTree>
+    <p:extLst>
+      <p:ext uri="{BB962C8B-B14F-4D97-AF65-F5344CB8AC3E}">
+        <p14:creationId xmlns:p14="http://schemas.microsoft.com/office/powerpoint/2010/main" val="2667919233"/>
+      </p:ext>
+    </p:extLst>
+  </p:cSld>
+  <p:clrMapOvr>
+    <a:masterClrMapping/>
+  </p:clrMapOvr>
+</p:sld>
+</file>
+
+<file path=ppt/slides/slide16.xml><?xml version="1.0" encoding="utf-8"?>
+<p:sld xmlns:a="http://schemas.openxmlformats.org/drawingml/2006/main" xmlns:r="http://schemas.openxmlformats.org/officeDocument/2006/relationships" xmlns:p="http://schemas.openxmlformats.org/presentationml/2006/main">
+  <p:cSld>
+    <p:spTree>
+      <p:nvGrpSpPr>
+        <p:cNvPr id="1" name=""/>
+        <p:cNvGrpSpPr/>
+        <p:nvPr/>
+      </p:nvGrpSpPr>
+      <p:grpSpPr>
+        <a:xfrm>
+          <a:off x="0" y="0"/>
+          <a:ext cx="0" cy="0"/>
+          <a:chOff x="0" y="0"/>
+          <a:chExt cx="0" cy="0"/>
+        </a:xfrm>
+      </p:grpSpPr>
+      <mc:AlternateContent xmlns:mc="http://schemas.openxmlformats.org/markup-compatibility/2006" xmlns:p14="http://schemas.microsoft.com/office/powerpoint/2010/main">
+        <mc:Choice Requires="p14">
+          <p:contentPart p14:bwMode="auto" r:id="rId2">
+            <p14:nvContentPartPr>
+              <p14:cNvPr id="2" name="Ink 1">
+                <a:extLst>
+                  <a:ext uri="{FF2B5EF4-FFF2-40B4-BE49-F238E27FC236}">
+                    <a16:creationId xmlns:a16="http://schemas.microsoft.com/office/drawing/2014/main" id="{9707F438-0F8C-0741-BBAF-A01E0FB93980}"/>
+                  </a:ext>
+                </a:extLst>
+              </p14:cNvPr>
+              <p14:cNvContentPartPr/>
+              <p14:nvPr/>
+            </p14:nvContentPartPr>
+            <p14:xfrm>
+              <a:off x="279720" y="183240"/>
+              <a:ext cx="11904840" cy="6428160"/>
+            </p14:xfrm>
+          </p:contentPart>
+        </mc:Choice>
+        <mc:Fallback xmlns="">
+          <p:pic>
+            <p:nvPicPr>
+              <p:cNvPr id="2" name="Ink 1">
+                <a:extLst>
+                  <a:ext uri="{FF2B5EF4-FFF2-40B4-BE49-F238E27FC236}">
+                    <a16:creationId xmlns:a16="http://schemas.microsoft.com/office/drawing/2014/main" id="{9707F438-0F8C-0741-BBAF-A01E0FB93980}"/>
+                  </a:ext>
+                </a:extLst>
+              </p:cNvPr>
+              <p:cNvPicPr/>
+              <p:nvPr/>
+            </p:nvPicPr>
+            <p:blipFill>
+              <a:blip r:embed="rId3"/>
+              <a:stretch>
+                <a:fillRect/>
+              </a:stretch>
+            </p:blipFill>
+            <p:spPr>
+              <a:xfrm>
+                <a:off x="258120" y="161640"/>
+                <a:ext cx="11948040" cy="6471360"/>
+              </a:xfrm>
+              <a:prstGeom prst="rect">
+                <a:avLst/>
+              </a:prstGeom>
+            </p:spPr>
+          </p:pic>
+        </mc:Fallback>
+      </mc:AlternateContent>
+    </p:spTree>
+    <p:extLst>
+      <p:ext uri="{BB962C8B-B14F-4D97-AF65-F5344CB8AC3E}">
+        <p14:creationId xmlns:p14="http://schemas.microsoft.com/office/powerpoint/2010/main" val="570870313"/>
+      </p:ext>
+    </p:extLst>
+  </p:cSld>
+  <p:clrMapOvr>
+    <a:masterClrMapping/>
+  </p:clrMapOvr>
+</p:sld>
+</file>
+
+<file path=ppt/slides/slide17.xml><?xml version="1.0" encoding="utf-8"?>
+<p:sld xmlns:a="http://schemas.openxmlformats.org/drawingml/2006/main" xmlns:r="http://schemas.openxmlformats.org/officeDocument/2006/relationships" xmlns:p="http://schemas.openxmlformats.org/presentationml/2006/main">
+  <p:cSld>
+    <p:spTree>
+      <p:nvGrpSpPr>
+        <p:cNvPr id="1" name=""/>
+        <p:cNvGrpSpPr/>
+        <p:nvPr/>
+      </p:nvGrpSpPr>
+      <p:grpSpPr>
+        <a:xfrm>
+          <a:off x="0" y="0"/>
+          <a:ext cx="0" cy="0"/>
+          <a:chOff x="0" y="0"/>
+          <a:chExt cx="0" cy="0"/>
+        </a:xfrm>
+      </p:grpSpPr>
+      <mc:AlternateContent xmlns:mc="http://schemas.openxmlformats.org/markup-compatibility/2006" xmlns:p14="http://schemas.microsoft.com/office/powerpoint/2010/main">
+        <mc:Choice Requires="p14">
+          <p:contentPart p14:bwMode="auto" r:id="rId2">
+            <p14:nvContentPartPr>
+              <p14:cNvPr id="2" name="Ink 1">
+                <a:extLst>
+                  <a:ext uri="{FF2B5EF4-FFF2-40B4-BE49-F238E27FC236}">
+                    <a16:creationId xmlns:a16="http://schemas.microsoft.com/office/drawing/2014/main" id="{3E581C17-A963-FA48-892A-1C56C3142F8D}"/>
+                  </a:ext>
+                </a:extLst>
+              </p14:cNvPr>
+              <p14:cNvContentPartPr/>
+              <p14:nvPr/>
+            </p14:nvContentPartPr>
+            <p14:xfrm>
+              <a:off x="421920" y="129600"/>
+              <a:ext cx="11565720" cy="3087360"/>
+            </p14:xfrm>
+          </p:contentPart>
+        </mc:Choice>
+        <mc:Fallback xmlns="">
+          <p:pic>
+            <p:nvPicPr>
+              <p:cNvPr id="2" name="Ink 1">
+                <a:extLst>
+                  <a:ext uri="{FF2B5EF4-FFF2-40B4-BE49-F238E27FC236}">
+                    <a16:creationId xmlns:a16="http://schemas.microsoft.com/office/drawing/2014/main" id="{3E581C17-A963-FA48-892A-1C56C3142F8D}"/>
+                  </a:ext>
+                </a:extLst>
+              </p:cNvPr>
+              <p:cNvPicPr/>
+              <p:nvPr/>
+            </p:nvPicPr>
+            <p:blipFill>
+              <a:blip r:embed="rId3"/>
+              <a:stretch>
+                <a:fillRect/>
+              </a:stretch>
+            </p:blipFill>
+            <p:spPr>
+              <a:xfrm>
+                <a:off x="400320" y="108000"/>
+                <a:ext cx="11608920" cy="3130560"/>
+              </a:xfrm>
+              <a:prstGeom prst="rect">
+                <a:avLst/>
+              </a:prstGeom>
+            </p:spPr>
+          </p:pic>
+        </mc:Fallback>
+      </mc:AlternateContent>
+    </p:spTree>
+    <p:extLst>
+      <p:ext uri="{BB962C8B-B14F-4D97-AF65-F5344CB8AC3E}">
+        <p14:creationId xmlns:p14="http://schemas.microsoft.com/office/powerpoint/2010/main" val="1253730248"/>
+      </p:ext>
+    </p:extLst>
+  </p:cSld>
+  <p:clrMapOvr>
+    <a:masterClrMapping/>
+  </p:clrMapOvr>
+</p:sld>
+</file>
+
+<file path=ppt/slides/slide18.xml><?xml version="1.0" encoding="utf-8"?>
+<p:sld xmlns:a="http://schemas.openxmlformats.org/drawingml/2006/main" xmlns:r="http://schemas.openxmlformats.org/officeDocument/2006/relationships" xmlns:p="http://schemas.openxmlformats.org/presentationml/2006/main">
+  <p:cSld>
+    <p:spTree>
+      <p:nvGrpSpPr>
+        <p:cNvPr id="1" name=""/>
+        <p:cNvGrpSpPr/>
+        <p:nvPr/>
+      </p:nvGrpSpPr>
+      <p:grpSpPr>
+        <a:xfrm>
+          <a:off x="0" y="0"/>
+          <a:ext cx="0" cy="0"/>
+          <a:chOff x="0" y="0"/>
+          <a:chExt cx="0" cy="0"/>
+        </a:xfrm>
+      </p:grpSpPr>
+      <mc:AlternateContent xmlns:mc="http://schemas.openxmlformats.org/markup-compatibility/2006">
+        <mc:Choice xmlns:p14="http://schemas.microsoft.com/office/powerpoint/2010/main" Requires="p14">
+          <p:contentPart p14:bwMode="auto" r:id="rId2">
+            <p14:nvContentPartPr>
+              <p14:cNvPr id="2" name="Ink 1">
+                <a:extLst>
+                  <a:ext uri="{FF2B5EF4-FFF2-40B4-BE49-F238E27FC236}">
+                    <a16:creationId xmlns:a16="http://schemas.microsoft.com/office/drawing/2014/main" id="{6E1BF8A8-F892-CD41-B7C9-F20A483C312E}"/>
+                  </a:ext>
+                </a:extLst>
+              </p14:cNvPr>
+              <p14:cNvContentPartPr/>
+              <p14:nvPr/>
+            </p14:nvContentPartPr>
+            <p14:xfrm>
+              <a:off x="413280" y="81720"/>
+              <a:ext cx="10775160" cy="6601680"/>
+            </p14:xfrm>
+          </p:contentPart>
+        </mc:Choice>
+        <mc:Fallback>
+          <p:pic>
+            <p:nvPicPr>
+              <p:cNvPr id="2" name="Ink 1">
+                <a:extLst>
+                  <a:ext uri="{FF2B5EF4-FFF2-40B4-BE49-F238E27FC236}">
+                    <a16:creationId xmlns:a16="http://schemas.microsoft.com/office/drawing/2014/main" id="{6E1BF8A8-F892-CD41-B7C9-F20A483C312E}"/>
+                  </a:ext>
+                </a:extLst>
+              </p:cNvPr>
+              <p:cNvPicPr/>
+              <p:nvPr/>
+            </p:nvPicPr>
+            <p:blipFill>
+              <a:blip r:embed="rId3"/>
+              <a:stretch>
+                <a:fillRect/>
+              </a:stretch>
+            </p:blipFill>
+            <p:spPr>
+              <a:xfrm>
+                <a:off x="391680" y="60120"/>
+                <a:ext cx="10818360" cy="6644880"/>
+              </a:xfrm>
+              <a:prstGeom prst="rect">
+                <a:avLst/>
+              </a:prstGeom>
+            </p:spPr>
+          </p:pic>
+        </mc:Fallback>
+      </mc:AlternateContent>
+    </p:spTree>
+    <p:extLst>
+      <p:ext uri="{BB962C8B-B14F-4D97-AF65-F5344CB8AC3E}">
+        <p14:creationId xmlns:p14="http://schemas.microsoft.com/office/powerpoint/2010/main" val="620693386"/>
+      </p:ext>
+    </p:extLst>
+  </p:cSld>
+  <p:clrMapOvr>
+    <a:masterClrMapping/>
+  </p:clrMapOvr>
+</p:sld>
+</file>
+
+<file path=ppt/slides/slide19.xml><?xml version="1.0" encoding="utf-8"?>
+<p:sld xmlns:a="http://schemas.openxmlformats.org/drawingml/2006/main" xmlns:r="http://schemas.openxmlformats.org/officeDocument/2006/relationships" xmlns:p="http://schemas.openxmlformats.org/presentationml/2006/main">
+  <p:cSld>
+    <p:spTree>
+      <p:nvGrpSpPr>
+        <p:cNvPr id="1" name=""/>
+        <p:cNvGrpSpPr/>
+        <p:nvPr/>
+      </p:nvGrpSpPr>
+      <p:grpSpPr>
+        <a:xfrm>
+          <a:off x="0" y="0"/>
+          <a:ext cx="0" cy="0"/>
+          <a:chOff x="0" y="0"/>
+          <a:chExt cx="0" cy="0"/>
+        </a:xfrm>
+      </p:grpSpPr>
+      <mc:AlternateContent xmlns:mc="http://schemas.openxmlformats.org/markup-compatibility/2006">
+        <mc:Choice xmlns:p14="http://schemas.microsoft.com/office/powerpoint/2010/main" Requires="p14">
+          <p:contentPart p14:bwMode="auto" r:id="rId2">
+            <p14:nvContentPartPr>
+              <p14:cNvPr id="2" name="Ink 1">
+                <a:extLst>
+                  <a:ext uri="{FF2B5EF4-FFF2-40B4-BE49-F238E27FC236}">
+                    <a16:creationId xmlns:a16="http://schemas.microsoft.com/office/drawing/2014/main" id="{E8E8BBA9-D740-934A-B665-6223E3B0FC04}"/>
+                  </a:ext>
+                </a:extLst>
+              </p14:cNvPr>
+              <p14:cNvContentPartPr/>
+              <p14:nvPr/>
+            </p14:nvContentPartPr>
+            <p14:xfrm>
+              <a:off x="859680" y="147240"/>
+              <a:ext cx="11220480" cy="5415120"/>
+            </p14:xfrm>
+          </p:contentPart>
+        </mc:Choice>
+        <mc:Fallback>
+          <p:pic>
+            <p:nvPicPr>
+              <p:cNvPr id="2" name="Ink 1">
+                <a:extLst>
+                  <a:ext uri="{FF2B5EF4-FFF2-40B4-BE49-F238E27FC236}">
+                    <a16:creationId xmlns:a16="http://schemas.microsoft.com/office/drawing/2014/main" id="{E8E8BBA9-D740-934A-B665-6223E3B0FC04}"/>
+                  </a:ext>
+                </a:extLst>
+              </p:cNvPr>
+              <p:cNvPicPr/>
+              <p:nvPr/>
+            </p:nvPicPr>
+            <p:blipFill>
+              <a:blip r:embed="rId3"/>
+              <a:stretch>
+                <a:fillRect/>
+              </a:stretch>
+            </p:blipFill>
+            <p:spPr>
+              <a:xfrm>
+                <a:off x="838080" y="125640"/>
+                <a:ext cx="11263680" cy="5458320"/>
+              </a:xfrm>
+              <a:prstGeom prst="rect">
+                <a:avLst/>
+              </a:prstGeom>
+            </p:spPr>
+          </p:pic>
+        </mc:Fallback>
+      </mc:AlternateContent>
+    </p:spTree>
+    <p:extLst>
+      <p:ext uri="{BB962C8B-B14F-4D97-AF65-F5344CB8AC3E}">
+        <p14:creationId xmlns:p14="http://schemas.microsoft.com/office/powerpoint/2010/main" val="2312430230"/>
       </p:ext>
     </p:extLst>
   </p:cSld>
@@ -5489,8 +8049,8 @@
           <a:chExt cx="0" cy="0"/>
         </a:xfrm>
       </p:grpSpPr>
-      <mc:AlternateContent xmlns:mc="http://schemas.openxmlformats.org/markup-compatibility/2006">
-        <mc:Choice xmlns:p14="http://schemas.microsoft.com/office/powerpoint/2010/main" Requires="p14">
+      <mc:AlternateContent xmlns:mc="http://schemas.openxmlformats.org/markup-compatibility/2006" xmlns:p14="http://schemas.microsoft.com/office/powerpoint/2010/main">
+        <mc:Choice Requires="p14">
           <p:contentPart p14:bwMode="auto" r:id="rId2">
             <p14:nvContentPartPr>
               <p14:cNvPr id="4" name="Ink 3">
@@ -5509,7 +8069,7 @@
             </p14:xfrm>
           </p:contentPart>
         </mc:Choice>
-        <mc:Fallback>
+        <mc:Fallback xmlns="">
           <p:pic>
             <p:nvPicPr>
               <p:cNvPr id="4" name="Ink 3">
@@ -5553,7 +8113,7 @@
 </p:sld>
 </file>
 
-<file path=ppt/slides/slide3.xml><?xml version="1.0" encoding="utf-8"?>
+<file path=ppt/slides/slide20.xml><?xml version="1.0" encoding="utf-8"?>
 <p:sld xmlns:a="http://schemas.openxmlformats.org/drawingml/2006/main" xmlns:r="http://schemas.openxmlformats.org/officeDocument/2006/relationships" xmlns:p="http://schemas.openxmlformats.org/presentationml/2006/main">
   <p:cSld>
     <p:spTree>
@@ -5574,6 +8134,357 @@
         <mc:Choice xmlns:p14="http://schemas.microsoft.com/office/powerpoint/2010/main" Requires="p14">
           <p:contentPart p14:bwMode="auto" r:id="rId2">
             <p14:nvContentPartPr>
+              <p14:cNvPr id="3" name="Ink 2">
+                <a:extLst>
+                  <a:ext uri="{FF2B5EF4-FFF2-40B4-BE49-F238E27FC236}">
+                    <a16:creationId xmlns:a16="http://schemas.microsoft.com/office/drawing/2014/main" id="{C8629C7E-004F-D542-98C2-ABE2B34B5323}"/>
+                  </a:ext>
+                </a:extLst>
+              </p14:cNvPr>
+              <p14:cNvContentPartPr/>
+              <p14:nvPr/>
+            </p14:nvContentPartPr>
+            <p14:xfrm>
+              <a:off x="483120" y="129240"/>
+              <a:ext cx="11529360" cy="5970240"/>
+            </p14:xfrm>
+          </p:contentPart>
+        </mc:Choice>
+        <mc:Fallback>
+          <p:pic>
+            <p:nvPicPr>
+              <p:cNvPr id="3" name="Ink 2">
+                <a:extLst>
+                  <a:ext uri="{FF2B5EF4-FFF2-40B4-BE49-F238E27FC236}">
+                    <a16:creationId xmlns:a16="http://schemas.microsoft.com/office/drawing/2014/main" id="{C8629C7E-004F-D542-98C2-ABE2B34B5323}"/>
+                  </a:ext>
+                </a:extLst>
+              </p:cNvPr>
+              <p:cNvPicPr/>
+              <p:nvPr/>
+            </p:nvPicPr>
+            <p:blipFill>
+              <a:blip r:embed="rId3"/>
+              <a:stretch>
+                <a:fillRect/>
+              </a:stretch>
+            </p:blipFill>
+            <p:spPr>
+              <a:xfrm>
+                <a:off x="461520" y="107640"/>
+                <a:ext cx="11572560" cy="6013440"/>
+              </a:xfrm>
+              <a:prstGeom prst="rect">
+                <a:avLst/>
+              </a:prstGeom>
+            </p:spPr>
+          </p:pic>
+        </mc:Fallback>
+      </mc:AlternateContent>
+    </p:spTree>
+    <p:extLst>
+      <p:ext uri="{BB962C8B-B14F-4D97-AF65-F5344CB8AC3E}">
+        <p14:creationId xmlns:p14="http://schemas.microsoft.com/office/powerpoint/2010/main" val="3757186345"/>
+      </p:ext>
+    </p:extLst>
+  </p:cSld>
+  <p:clrMapOvr>
+    <a:masterClrMapping/>
+  </p:clrMapOvr>
+</p:sld>
+</file>
+
+<file path=ppt/slides/slide21.xml><?xml version="1.0" encoding="utf-8"?>
+<p:sld xmlns:a="http://schemas.openxmlformats.org/drawingml/2006/main" xmlns:r="http://schemas.openxmlformats.org/officeDocument/2006/relationships" xmlns:p="http://schemas.openxmlformats.org/presentationml/2006/main">
+  <p:cSld>
+    <p:spTree>
+      <p:nvGrpSpPr>
+        <p:cNvPr id="1" name=""/>
+        <p:cNvGrpSpPr/>
+        <p:nvPr/>
+      </p:nvGrpSpPr>
+      <p:grpSpPr>
+        <a:xfrm>
+          <a:off x="0" y="0"/>
+          <a:ext cx="0" cy="0"/>
+          <a:chOff x="0" y="0"/>
+          <a:chExt cx="0" cy="0"/>
+        </a:xfrm>
+      </p:grpSpPr>
+    </p:spTree>
+    <p:extLst>
+      <p:ext uri="{BB962C8B-B14F-4D97-AF65-F5344CB8AC3E}">
+        <p14:creationId xmlns:p14="http://schemas.microsoft.com/office/powerpoint/2010/main" val="3199600892"/>
+      </p:ext>
+    </p:extLst>
+  </p:cSld>
+  <p:clrMapOvr>
+    <a:masterClrMapping/>
+  </p:clrMapOvr>
+</p:sld>
+</file>
+
+<file path=ppt/slides/slide22.xml><?xml version="1.0" encoding="utf-8"?>
+<p:sld xmlns:a="http://schemas.openxmlformats.org/drawingml/2006/main" xmlns:r="http://schemas.openxmlformats.org/officeDocument/2006/relationships" xmlns:p="http://schemas.openxmlformats.org/presentationml/2006/main">
+  <p:cSld>
+    <p:spTree>
+      <p:nvGrpSpPr>
+        <p:cNvPr id="1" name=""/>
+        <p:cNvGrpSpPr/>
+        <p:nvPr/>
+      </p:nvGrpSpPr>
+      <p:grpSpPr>
+        <a:xfrm>
+          <a:off x="0" y="0"/>
+          <a:ext cx="0" cy="0"/>
+          <a:chOff x="0" y="0"/>
+          <a:chExt cx="0" cy="0"/>
+        </a:xfrm>
+      </p:grpSpPr>
+    </p:spTree>
+    <p:extLst>
+      <p:ext uri="{BB962C8B-B14F-4D97-AF65-F5344CB8AC3E}">
+        <p14:creationId xmlns:p14="http://schemas.microsoft.com/office/powerpoint/2010/main" val="806547256"/>
+      </p:ext>
+    </p:extLst>
+  </p:cSld>
+  <p:clrMapOvr>
+    <a:masterClrMapping/>
+  </p:clrMapOvr>
+</p:sld>
+</file>
+
+<file path=ppt/slides/slide23.xml><?xml version="1.0" encoding="utf-8"?>
+<p:sld xmlns:a="http://schemas.openxmlformats.org/drawingml/2006/main" xmlns:r="http://schemas.openxmlformats.org/officeDocument/2006/relationships" xmlns:p="http://schemas.openxmlformats.org/presentationml/2006/main">
+  <p:cSld>
+    <p:spTree>
+      <p:nvGrpSpPr>
+        <p:cNvPr id="1" name=""/>
+        <p:cNvGrpSpPr/>
+        <p:nvPr/>
+      </p:nvGrpSpPr>
+      <p:grpSpPr>
+        <a:xfrm>
+          <a:off x="0" y="0"/>
+          <a:ext cx="0" cy="0"/>
+          <a:chOff x="0" y="0"/>
+          <a:chExt cx="0" cy="0"/>
+        </a:xfrm>
+      </p:grpSpPr>
+    </p:spTree>
+    <p:extLst>
+      <p:ext uri="{BB962C8B-B14F-4D97-AF65-F5344CB8AC3E}">
+        <p14:creationId xmlns:p14="http://schemas.microsoft.com/office/powerpoint/2010/main" val="878864137"/>
+      </p:ext>
+    </p:extLst>
+  </p:cSld>
+  <p:clrMapOvr>
+    <a:masterClrMapping/>
+  </p:clrMapOvr>
+</p:sld>
+</file>
+
+<file path=ppt/slides/slide24.xml><?xml version="1.0" encoding="utf-8"?>
+<p:sld xmlns:a="http://schemas.openxmlformats.org/drawingml/2006/main" xmlns:r="http://schemas.openxmlformats.org/officeDocument/2006/relationships" xmlns:p="http://schemas.openxmlformats.org/presentationml/2006/main">
+  <p:cSld>
+    <p:spTree>
+      <p:nvGrpSpPr>
+        <p:cNvPr id="1" name=""/>
+        <p:cNvGrpSpPr/>
+        <p:nvPr/>
+      </p:nvGrpSpPr>
+      <p:grpSpPr>
+        <a:xfrm>
+          <a:off x="0" y="0"/>
+          <a:ext cx="0" cy="0"/>
+          <a:chOff x="0" y="0"/>
+          <a:chExt cx="0" cy="0"/>
+        </a:xfrm>
+      </p:grpSpPr>
+    </p:spTree>
+    <p:extLst>
+      <p:ext uri="{BB962C8B-B14F-4D97-AF65-F5344CB8AC3E}">
+        <p14:creationId xmlns:p14="http://schemas.microsoft.com/office/powerpoint/2010/main" val="1535287022"/>
+      </p:ext>
+    </p:extLst>
+  </p:cSld>
+  <p:clrMapOvr>
+    <a:masterClrMapping/>
+  </p:clrMapOvr>
+</p:sld>
+</file>
+
+<file path=ppt/slides/slide25.xml><?xml version="1.0" encoding="utf-8"?>
+<p:sld xmlns:a="http://schemas.openxmlformats.org/drawingml/2006/main" xmlns:r="http://schemas.openxmlformats.org/officeDocument/2006/relationships" xmlns:p="http://schemas.openxmlformats.org/presentationml/2006/main">
+  <p:cSld>
+    <p:spTree>
+      <p:nvGrpSpPr>
+        <p:cNvPr id="1" name=""/>
+        <p:cNvGrpSpPr/>
+        <p:nvPr/>
+      </p:nvGrpSpPr>
+      <p:grpSpPr>
+        <a:xfrm>
+          <a:off x="0" y="0"/>
+          <a:ext cx="0" cy="0"/>
+          <a:chOff x="0" y="0"/>
+          <a:chExt cx="0" cy="0"/>
+        </a:xfrm>
+      </p:grpSpPr>
+    </p:spTree>
+    <p:extLst>
+      <p:ext uri="{BB962C8B-B14F-4D97-AF65-F5344CB8AC3E}">
+        <p14:creationId xmlns:p14="http://schemas.microsoft.com/office/powerpoint/2010/main" val="2353832635"/>
+      </p:ext>
+    </p:extLst>
+  </p:cSld>
+  <p:clrMapOvr>
+    <a:masterClrMapping/>
+  </p:clrMapOvr>
+</p:sld>
+</file>
+
+<file path=ppt/slides/slide26.xml><?xml version="1.0" encoding="utf-8"?>
+<p:sld xmlns:a="http://schemas.openxmlformats.org/drawingml/2006/main" xmlns:r="http://schemas.openxmlformats.org/officeDocument/2006/relationships" xmlns:p="http://schemas.openxmlformats.org/presentationml/2006/main">
+  <p:cSld>
+    <p:spTree>
+      <p:nvGrpSpPr>
+        <p:cNvPr id="1" name=""/>
+        <p:cNvGrpSpPr/>
+        <p:nvPr/>
+      </p:nvGrpSpPr>
+      <p:grpSpPr>
+        <a:xfrm>
+          <a:off x="0" y="0"/>
+          <a:ext cx="0" cy="0"/>
+          <a:chOff x="0" y="0"/>
+          <a:chExt cx="0" cy="0"/>
+        </a:xfrm>
+      </p:grpSpPr>
+    </p:spTree>
+    <p:extLst>
+      <p:ext uri="{BB962C8B-B14F-4D97-AF65-F5344CB8AC3E}">
+        <p14:creationId xmlns:p14="http://schemas.microsoft.com/office/powerpoint/2010/main" val="1547613921"/>
+      </p:ext>
+    </p:extLst>
+  </p:cSld>
+  <p:clrMapOvr>
+    <a:masterClrMapping/>
+  </p:clrMapOvr>
+</p:sld>
+</file>
+
+<file path=ppt/slides/slide27.xml><?xml version="1.0" encoding="utf-8"?>
+<p:sld xmlns:a="http://schemas.openxmlformats.org/drawingml/2006/main" xmlns:r="http://schemas.openxmlformats.org/officeDocument/2006/relationships" xmlns:p="http://schemas.openxmlformats.org/presentationml/2006/main">
+  <p:cSld>
+    <p:spTree>
+      <p:nvGrpSpPr>
+        <p:cNvPr id="1" name=""/>
+        <p:cNvGrpSpPr/>
+        <p:nvPr/>
+      </p:nvGrpSpPr>
+      <p:grpSpPr>
+        <a:xfrm>
+          <a:off x="0" y="0"/>
+          <a:ext cx="0" cy="0"/>
+          <a:chOff x="0" y="0"/>
+          <a:chExt cx="0" cy="0"/>
+        </a:xfrm>
+      </p:grpSpPr>
+    </p:spTree>
+    <p:extLst>
+      <p:ext uri="{BB962C8B-B14F-4D97-AF65-F5344CB8AC3E}">
+        <p14:creationId xmlns:p14="http://schemas.microsoft.com/office/powerpoint/2010/main" val="2020126707"/>
+      </p:ext>
+    </p:extLst>
+  </p:cSld>
+  <p:clrMapOvr>
+    <a:masterClrMapping/>
+  </p:clrMapOvr>
+</p:sld>
+</file>
+
+<file path=ppt/slides/slide28.xml><?xml version="1.0" encoding="utf-8"?>
+<p:sld xmlns:a="http://schemas.openxmlformats.org/drawingml/2006/main" xmlns:r="http://schemas.openxmlformats.org/officeDocument/2006/relationships" xmlns:p="http://schemas.openxmlformats.org/presentationml/2006/main">
+  <p:cSld>
+    <p:spTree>
+      <p:nvGrpSpPr>
+        <p:cNvPr id="1" name=""/>
+        <p:cNvGrpSpPr/>
+        <p:nvPr/>
+      </p:nvGrpSpPr>
+      <p:grpSpPr>
+        <a:xfrm>
+          <a:off x="0" y="0"/>
+          <a:ext cx="0" cy="0"/>
+          <a:chOff x="0" y="0"/>
+          <a:chExt cx="0" cy="0"/>
+        </a:xfrm>
+      </p:grpSpPr>
+    </p:spTree>
+    <p:extLst>
+      <p:ext uri="{BB962C8B-B14F-4D97-AF65-F5344CB8AC3E}">
+        <p14:creationId xmlns:p14="http://schemas.microsoft.com/office/powerpoint/2010/main" val="2459451361"/>
+      </p:ext>
+    </p:extLst>
+  </p:cSld>
+  <p:clrMapOvr>
+    <a:masterClrMapping/>
+  </p:clrMapOvr>
+</p:sld>
+</file>
+
+<file path=ppt/slides/slide29.xml><?xml version="1.0" encoding="utf-8"?>
+<p:sld xmlns:a="http://schemas.openxmlformats.org/drawingml/2006/main" xmlns:r="http://schemas.openxmlformats.org/officeDocument/2006/relationships" xmlns:p="http://schemas.openxmlformats.org/presentationml/2006/main">
+  <p:cSld>
+    <p:spTree>
+      <p:nvGrpSpPr>
+        <p:cNvPr id="1" name=""/>
+        <p:cNvGrpSpPr/>
+        <p:nvPr/>
+      </p:nvGrpSpPr>
+      <p:grpSpPr>
+        <a:xfrm>
+          <a:off x="0" y="0"/>
+          <a:ext cx="0" cy="0"/>
+          <a:chOff x="0" y="0"/>
+          <a:chExt cx="0" cy="0"/>
+        </a:xfrm>
+      </p:grpSpPr>
+    </p:spTree>
+    <p:extLst>
+      <p:ext uri="{BB962C8B-B14F-4D97-AF65-F5344CB8AC3E}">
+        <p14:creationId xmlns:p14="http://schemas.microsoft.com/office/powerpoint/2010/main" val="1178988940"/>
+      </p:ext>
+    </p:extLst>
+  </p:cSld>
+  <p:clrMapOvr>
+    <a:masterClrMapping/>
+  </p:clrMapOvr>
+</p:sld>
+</file>
+
+<file path=ppt/slides/slide3.xml><?xml version="1.0" encoding="utf-8"?>
+<p:sld xmlns:a="http://schemas.openxmlformats.org/drawingml/2006/main" xmlns:r="http://schemas.openxmlformats.org/officeDocument/2006/relationships" xmlns:p="http://schemas.openxmlformats.org/presentationml/2006/main">
+  <p:cSld>
+    <p:spTree>
+      <p:nvGrpSpPr>
+        <p:cNvPr id="1" name=""/>
+        <p:cNvGrpSpPr/>
+        <p:nvPr/>
+      </p:nvGrpSpPr>
+      <p:grpSpPr>
+        <a:xfrm>
+          <a:off x="0" y="0"/>
+          <a:ext cx="0" cy="0"/>
+          <a:chOff x="0" y="0"/>
+          <a:chExt cx="0" cy="0"/>
+        </a:xfrm>
+      </p:grpSpPr>
+      <mc:AlternateContent xmlns:mc="http://schemas.openxmlformats.org/markup-compatibility/2006" xmlns:p14="http://schemas.microsoft.com/office/powerpoint/2010/main">
+        <mc:Choice Requires="p14">
+          <p:contentPart p14:bwMode="auto" r:id="rId2">
+            <p14:nvContentPartPr>
               <p14:cNvPr id="2" name="Ink 1">
                 <a:extLst>
                   <a:ext uri="{FF2B5EF4-FFF2-40B4-BE49-F238E27FC236}">
@@ -5590,7 +8501,7 @@
             </p14:xfrm>
           </p:contentPart>
         </mc:Choice>
-        <mc:Fallback>
+        <mc:Fallback xmlns="">
           <p:pic>
             <p:nvPicPr>
               <p:cNvPr id="2" name="Ink 1">
@@ -5651,8 +8562,8 @@
           <a:chExt cx="0" cy="0"/>
         </a:xfrm>
       </p:grpSpPr>
-      <mc:AlternateContent xmlns:mc="http://schemas.openxmlformats.org/markup-compatibility/2006">
-        <mc:Choice xmlns:p14="http://schemas.microsoft.com/office/powerpoint/2010/main" Requires="p14">
+      <mc:AlternateContent xmlns:mc="http://schemas.openxmlformats.org/markup-compatibility/2006" xmlns:p14="http://schemas.microsoft.com/office/powerpoint/2010/main">
+        <mc:Choice Requires="p14">
           <p:contentPart p14:bwMode="auto" r:id="rId2">
             <p14:nvContentPartPr>
               <p14:cNvPr id="3" name="Ink 2">
@@ -5671,7 +8582,7 @@
             </p14:xfrm>
           </p:contentPart>
         </mc:Choice>
-        <mc:Fallback>
+        <mc:Fallback xmlns="">
           <p:pic>
             <p:nvPicPr>
               <p:cNvPr id="3" name="Ink 2">
@@ -5732,8 +8643,8 @@
           <a:chExt cx="0" cy="0"/>
         </a:xfrm>
       </p:grpSpPr>
-      <mc:AlternateContent xmlns:mc="http://schemas.openxmlformats.org/markup-compatibility/2006">
-        <mc:Choice xmlns:p14="http://schemas.microsoft.com/office/powerpoint/2010/main" Requires="p14">
+      <mc:AlternateContent xmlns:mc="http://schemas.openxmlformats.org/markup-compatibility/2006" xmlns:p14="http://schemas.microsoft.com/office/powerpoint/2010/main">
+        <mc:Choice Requires="p14">
           <p:contentPart p14:bwMode="auto" r:id="rId2">
             <p14:nvContentPartPr>
               <p14:cNvPr id="2" name="Ink 1">
@@ -5752,7 +8663,7 @@
             </p14:xfrm>
           </p:contentPart>
         </mc:Choice>
-        <mc:Fallback>
+        <mc:Fallback xmlns="">
           <p:pic>
             <p:nvPicPr>
               <p:cNvPr id="2" name="Ink 1">
@@ -5813,8 +8724,8 @@
           <a:chExt cx="0" cy="0"/>
         </a:xfrm>
       </p:grpSpPr>
-      <mc:AlternateContent xmlns:mc="http://schemas.openxmlformats.org/markup-compatibility/2006">
-        <mc:Choice xmlns:p14="http://schemas.microsoft.com/office/powerpoint/2010/main" Requires="p14">
+      <mc:AlternateContent xmlns:mc="http://schemas.openxmlformats.org/markup-compatibility/2006" xmlns:p14="http://schemas.microsoft.com/office/powerpoint/2010/main">
+        <mc:Choice Requires="p14">
           <p:contentPart p14:bwMode="auto" r:id="rId2">
             <p14:nvContentPartPr>
               <p14:cNvPr id="2" name="Ink 1">
@@ -5833,7 +8744,7 @@
             </p14:xfrm>
           </p:contentPart>
         </mc:Choice>
-        <mc:Fallback>
+        <mc:Fallback xmlns="">
           <p:pic>
             <p:nvPicPr>
               <p:cNvPr id="2" name="Ink 1">
@@ -5894,8 +8805,8 @@
           <a:chExt cx="0" cy="0"/>
         </a:xfrm>
       </p:grpSpPr>
-      <mc:AlternateContent xmlns:mc="http://schemas.openxmlformats.org/markup-compatibility/2006">
-        <mc:Choice xmlns:p14="http://schemas.microsoft.com/office/powerpoint/2010/main" Requires="p14">
+      <mc:AlternateContent xmlns:mc="http://schemas.openxmlformats.org/markup-compatibility/2006" xmlns:p14="http://schemas.microsoft.com/office/powerpoint/2010/main">
+        <mc:Choice Requires="p14">
           <p:contentPart p14:bwMode="auto" r:id="rId2">
             <p14:nvContentPartPr>
               <p14:cNvPr id="2" name="Ink 1">
@@ -5914,7 +8825,7 @@
             </p14:xfrm>
           </p:contentPart>
         </mc:Choice>
-        <mc:Fallback>
+        <mc:Fallback xmlns="">
           <p:pic>
             <p:nvPicPr>
               <p:cNvPr id="2" name="Ink 1">
@@ -5975,8 +8886,8 @@
           <a:chExt cx="0" cy="0"/>
         </a:xfrm>
       </p:grpSpPr>
-      <mc:AlternateContent xmlns:mc="http://schemas.openxmlformats.org/markup-compatibility/2006">
-        <mc:Choice xmlns:p14="http://schemas.microsoft.com/office/powerpoint/2010/main" Requires="p14">
+      <mc:AlternateContent xmlns:mc="http://schemas.openxmlformats.org/markup-compatibility/2006" xmlns:p14="http://schemas.microsoft.com/office/powerpoint/2010/main">
+        <mc:Choice Requires="p14">
           <p:contentPart p14:bwMode="auto" r:id="rId2">
             <p14:nvContentPartPr>
               <p14:cNvPr id="2" name="Ink 1">
@@ -5995,7 +8906,7 @@
             </p14:xfrm>
           </p:contentPart>
         </mc:Choice>
-        <mc:Fallback>
+        <mc:Fallback xmlns="">
           <p:pic>
             <p:nvPicPr>
               <p:cNvPr id="2" name="Ink 1">
@@ -6056,8 +8967,8 @@
           <a:chExt cx="0" cy="0"/>
         </a:xfrm>
       </p:grpSpPr>
-      <mc:AlternateContent xmlns:mc="http://schemas.openxmlformats.org/markup-compatibility/2006">
-        <mc:Choice xmlns:p14="http://schemas.microsoft.com/office/powerpoint/2010/main" Requires="p14">
+      <mc:AlternateContent xmlns:mc="http://schemas.openxmlformats.org/markup-compatibility/2006" xmlns:p14="http://schemas.microsoft.com/office/powerpoint/2010/main">
+        <mc:Choice Requires="p14">
           <p:contentPart p14:bwMode="auto" r:id="rId2">
             <p14:nvContentPartPr>
               <p14:cNvPr id="2" name="Ink 1">
@@ -6076,7 +8987,7 @@
             </p14:xfrm>
           </p:contentPart>
         </mc:Choice>
-        <mc:Fallback>
+        <mc:Fallback xmlns="">
           <p:pic>
             <p:nvPicPr>
               <p:cNvPr id="2" name="Ink 1">
